--- a/rapport.PPTX
+++ b/rapport.PPTX
@@ -5,10 +5,10 @@
     <p:sldMasterId id="2147483876" r:id="rId4"/>
   </p:sldMasterIdLst>
   <p:notesMasterIdLst>
-    <p:notesMasterId r:id="rId69"/>
+    <p:notesMasterId r:id="rId59"/>
   </p:notesMasterIdLst>
   <p:handoutMasterIdLst>
-    <p:handoutMasterId r:id="rId70"/>
+    <p:handoutMasterId r:id="rId60"/>
   </p:handoutMasterIdLst>
   <p:sldIdLst>
     <p:sldId id="256" r:id="rId5"/>
@@ -64,17 +64,7 @@
     <p:sldId id="366" r:id="rId55"/>
     <p:sldId id="316" r:id="rId56"/>
     <p:sldId id="347" r:id="rId57"/>
-    <p:sldId id="348" r:id="rId58"/>
-    <p:sldId id="371" r:id="rId59"/>
-    <p:sldId id="299" r:id="rId60"/>
-    <p:sldId id="374" r:id="rId61"/>
-    <p:sldId id="351" r:id="rId62"/>
-    <p:sldId id="324" r:id="rId63"/>
-    <p:sldId id="334" r:id="rId64"/>
-    <p:sldId id="349" r:id="rId65"/>
-    <p:sldId id="350" r:id="rId66"/>
-    <p:sldId id="322" r:id="rId67"/>
-    <p:sldId id="303" r:id="rId68"/>
+    <p:sldId id="303" r:id="rId58"/>
   </p:sldIdLst>
   <p:sldSz cx="12192000" cy="6858000"/>
   <p:notesSz cx="6858000" cy="9926638"/>
@@ -263,21 +253,10 @@
             <p14:sldId id="366"/>
             <p14:sldId id="316"/>
             <p14:sldId id="347"/>
-            <p14:sldId id="348"/>
-            <p14:sldId id="371"/>
-            <p14:sldId id="299"/>
           </p14:sldIdLst>
         </p14:section>
         <p14:section name="Tests" id="{2A1E5F8D-9C3F-44EA-B7C4-9D25DFEF77D5}">
-          <p14:sldIdLst>
-            <p14:sldId id="374"/>
-            <p14:sldId id="351"/>
-            <p14:sldId id="324"/>
-            <p14:sldId id="334"/>
-            <p14:sldId id="349"/>
-            <p14:sldId id="350"/>
-            <p14:sldId id="322"/>
-          </p14:sldIdLst>
+          <p14:sldIdLst/>
         </p14:section>
         <p14:section name="Conclusion" id="{07435913-793C-4D44-B94F-E25FF897E776}">
           <p14:sldIdLst>
@@ -410,7 +389,7 @@
           <a:p>
             <a:fld id="{8E9E7A7A-AB17-487C-9EC3-81C5DE33C772}" type="datetimeFigureOut">
               <a:rPr lang="fr-FR" smtClean="0"/>
-              <a:t>26/08/2021</a:t>
+              <a:t>30/08/2021</a:t>
             </a:fld>
             <a:endParaRPr lang="fr-FR"/>
           </a:p>
@@ -588,7 +567,7 @@
           <a:p>
             <a:fld id="{4A3D6330-6607-4266-91C5-92E4A45F29CC}" type="datetimeFigureOut">
               <a:rPr lang="fr-FR" smtClean="0"/>
-              <a:t>26/08/2021</a:t>
+              <a:t>30/08/2021</a:t>
             </a:fld>
             <a:endParaRPr lang="fr-FR"/>
           </a:p>
@@ -1826,7 +1805,7 @@
           <a:p>
             <a:fld id="{FF5FEE95-2E83-4D45-987C-F0DA7B5E64B4}" type="datetime1">
               <a:rPr lang="fr-FR" smtClean="0"/>
-              <a:t>26/08/2021</a:t>
+              <a:t>30/08/2021</a:t>
             </a:fld>
             <a:endParaRPr lang="fr-FR"/>
           </a:p>
@@ -2048,7 +2027,7 @@
           <a:p>
             <a:fld id="{FF5FEE95-2E83-4D45-987C-F0DA7B5E64B4}" type="datetime1">
               <a:rPr lang="fr-FR" smtClean="0"/>
-              <a:t>26/08/2021</a:t>
+              <a:t>30/08/2021</a:t>
             </a:fld>
             <a:endParaRPr lang="fr-FR"/>
           </a:p>
@@ -2229,7 +2208,7 @@
           <a:p>
             <a:fld id="{FF5FEE95-2E83-4D45-987C-F0DA7B5E64B4}" type="datetime1">
               <a:rPr lang="fr-FR" smtClean="0"/>
-              <a:t>26/08/2021</a:t>
+              <a:t>30/08/2021</a:t>
             </a:fld>
             <a:endParaRPr lang="fr-FR"/>
           </a:p>
@@ -2400,7 +2379,7 @@
           <a:p>
             <a:fld id="{FF5FEE95-2E83-4D45-987C-F0DA7B5E64B4}" type="datetime1">
               <a:rPr lang="fr-FR" smtClean="0"/>
-              <a:t>26/08/2021</a:t>
+              <a:t>30/08/2021</a:t>
             </a:fld>
             <a:endParaRPr lang="fr-FR"/>
           </a:p>
@@ -2652,7 +2631,7 @@
           <a:p>
             <a:fld id="{FF5FEE95-2E83-4D45-987C-F0DA7B5E64B4}" type="datetime1">
               <a:rPr lang="fr-FR" smtClean="0"/>
-              <a:t>26/08/2021</a:t>
+              <a:t>30/08/2021</a:t>
             </a:fld>
             <a:endParaRPr lang="fr-FR"/>
           </a:p>
@@ -2976,7 +2955,7 @@
           <a:p>
             <a:fld id="{FF5FEE95-2E83-4D45-987C-F0DA7B5E64B4}" type="datetime1">
               <a:rPr lang="fr-FR" smtClean="0"/>
-              <a:t>26/08/2021</a:t>
+              <a:t>30/08/2021</a:t>
             </a:fld>
             <a:endParaRPr lang="fr-FR"/>
           </a:p>
@@ -3401,7 +3380,7 @@
           <a:p>
             <a:fld id="{FF5FEE95-2E83-4D45-987C-F0DA7B5E64B4}" type="datetime1">
               <a:rPr lang="fr-FR" smtClean="0"/>
-              <a:t>26/08/2021</a:t>
+              <a:t>30/08/2021</a:t>
             </a:fld>
             <a:endParaRPr lang="fr-FR"/>
           </a:p>
@@ -3520,7 +3499,7 @@
           <a:p>
             <a:fld id="{FF5FEE95-2E83-4D45-987C-F0DA7B5E64B4}" type="datetime1">
               <a:rPr lang="fr-FR" smtClean="0"/>
-              <a:t>26/08/2021</a:t>
+              <a:t>30/08/2021</a:t>
             </a:fld>
             <a:endParaRPr lang="fr-FR"/>
           </a:p>
@@ -3616,7 +3595,7 @@
           <a:p>
             <a:fld id="{FF5FEE95-2E83-4D45-987C-F0DA7B5E64B4}" type="datetime1">
               <a:rPr lang="fr-FR" smtClean="0"/>
-              <a:t>26/08/2021</a:t>
+              <a:t>30/08/2021</a:t>
             </a:fld>
             <a:endParaRPr lang="fr-FR"/>
           </a:p>
@@ -3907,7 +3886,7 @@
           <a:p>
             <a:fld id="{FF5FEE95-2E83-4D45-987C-F0DA7B5E64B4}" type="datetime1">
               <a:rPr lang="fr-FR" smtClean="0"/>
-              <a:t>26/08/2021</a:t>
+              <a:t>30/08/2021</a:t>
             </a:fld>
             <a:endParaRPr lang="fr-FR"/>
           </a:p>
@@ -4180,7 +4159,7 @@
           <a:p>
             <a:fld id="{FF5FEE95-2E83-4D45-987C-F0DA7B5E64B4}" type="datetime1">
               <a:rPr lang="fr-FR" smtClean="0"/>
-              <a:t>26/08/2021</a:t>
+              <a:t>30/08/2021</a:t>
             </a:fld>
             <a:endParaRPr lang="fr-FR"/>
           </a:p>
@@ -4435,7 +4414,7 @@
           <a:p>
             <a:fld id="{FF5FEE95-2E83-4D45-987C-F0DA7B5E64B4}" type="datetime1">
               <a:rPr lang="fr-FR" smtClean="0"/>
-              <a:t>26/08/2021</a:t>
+              <a:t>30/08/2021</a:t>
             </a:fld>
             <a:endParaRPr lang="fr-FR"/>
           </a:p>
@@ -9539,11 +9518,7 @@
             </a:r>
             <a:r>
               <a:rPr lang="fr-FR" sz="1600" dirty="0" smtClean="0"/>
-              <a:t>……………………………....................... </a:t>
-            </a:r>
-            <a:r>
-              <a:rPr lang="fr-FR" sz="1600" dirty="0" smtClean="0"/>
-              <a:t>.p</a:t>
+              <a:t>……………………………....................... .p</a:t>
             </a:r>
             <a:r>
               <a:rPr lang="fr-FR" sz="1600" dirty="0"/>
@@ -9650,11 +9625,7 @@
             </a:r>
             <a:r>
               <a:rPr lang="fr-FR" sz="1600" dirty="0" smtClean="0"/>
-              <a:t>…………………………….. </a:t>
-            </a:r>
-            <a:r>
-              <a:rPr lang="fr-FR" sz="1600" dirty="0" smtClean="0"/>
-              <a:t>……p</a:t>
+              <a:t>…………………………….. ……p</a:t>
             </a:r>
             <a:r>
               <a:rPr lang="fr-FR" sz="1600" dirty="0"/>
@@ -9724,13 +9695,8 @@
             </a:r>
             <a:r>
               <a:rPr lang="fr-FR" sz="1600" dirty="0"/>
-              <a:t>. </a:t>
-            </a:r>
-            <a:r>
-              <a:rPr lang="fr-FR" sz="1600" dirty="0"/>
-              <a:t>8</a:t>
-            </a:r>
-            <a:endParaRPr lang="fr-FR" sz="1600" dirty="0"/>
+              <a:t>. 8</a:t>
+            </a:r>
           </a:p>
           <a:p>
             <a:pPr lvl="2">
@@ -9755,13 +9721,8 @@
             </a:r>
             <a:r>
               <a:rPr lang="fr-FR" sz="1600" dirty="0"/>
-              <a:t>. </a:t>
-            </a:r>
-            <a:r>
-              <a:rPr lang="fr-FR" sz="1600" dirty="0"/>
-              <a:t>9</a:t>
-            </a:r>
-            <a:endParaRPr lang="fr-FR" sz="1600" dirty="0"/>
+              <a:t>. 9</a:t>
+            </a:r>
           </a:p>
           <a:p>
             <a:pPr marL="560070" indent="-514350">
@@ -15985,7 +15946,7 @@
           <p:cNvPr id="2" name="Title 1">
             <a:extLst>
               <a:ext uri="{FF2B5EF4-FFF2-40B4-BE49-F238E27FC236}">
-                <a16:creationId xmlns:a16="http://schemas.microsoft.com/office/drawing/2014/main" id="{97B62DDF-7CA4-46D5-AE64-B8D8A05397CE}"/>
+                <a16:creationId xmlns:a16="http://schemas.microsoft.com/office/drawing/2014/main" id="{2D9BE37F-9AF0-44C0-886D-14D92A5E9052}"/>
               </a:ext>
             </a:extLst>
           </p:cNvPr>
@@ -15998,8 +15959,8 @@
         </p:nvSpPr>
         <p:spPr>
           <a:xfrm>
-            <a:off x="978195" y="1830933"/>
-            <a:ext cx="4162425" cy="1493520"/>
+            <a:off x="1143000" y="609600"/>
+            <a:ext cx="9875520" cy="704850"/>
           </a:xfrm>
         </p:spPr>
         <p:txBody>
@@ -16007,59 +15968,104 @@
           <a:lstStyle/>
           <a:p>
             <a:r>
-              <a:rPr lang="fr-FR" sz="3200" dirty="0"/>
-              <a:t>Synchronisation de l’application et du scheduler</a:t>
-            </a:r>
-          </a:p>
-        </p:txBody>
-      </p:sp>
-      <p:sp>
-        <p:nvSpPr>
-          <p:cNvPr id="4" name="Text Placeholder 3">
-            <a:extLst>
-              <a:ext uri="{FF2B5EF4-FFF2-40B4-BE49-F238E27FC236}">
-                <a16:creationId xmlns:a16="http://schemas.microsoft.com/office/drawing/2014/main" id="{5CD49CDB-3727-4612-A07D-9B2337EE07E8}"/>
-              </a:ext>
-            </a:extLst>
-          </p:cNvPr>
-          <p:cNvSpPr>
-            <a:spLocks noGrp="1"/>
-          </p:cNvSpPr>
-          <p:nvPr>
-            <p:ph type="body" sz="half" idx="2"/>
-          </p:nvPr>
-        </p:nvSpPr>
-        <p:spPr>
-          <a:xfrm>
-            <a:off x="1032699" y="3568293"/>
-            <a:ext cx="4162425" cy="1322684"/>
-          </a:xfrm>
-        </p:spPr>
-        <p:txBody>
-          <a:bodyPr/>
-          <a:lstStyle/>
-          <a:p>
-            <a:pPr algn="just"/>
-            <a:r>
               <a:rPr lang="fr-FR" dirty="0"/>
-              <a:t>app_plus_scheduler.py</a:t>
-            </a:r>
-          </a:p>
-          <a:p>
-            <a:pPr algn="just"/>
+              <a:t>Conclusion</a:t>
+            </a:r>
+          </a:p>
+        </p:txBody>
+      </p:sp>
+      <p:sp>
+        <p:nvSpPr>
+          <p:cNvPr id="3" name="Content Placeholder 2">
+            <a:extLst>
+              <a:ext uri="{FF2B5EF4-FFF2-40B4-BE49-F238E27FC236}">
+                <a16:creationId xmlns:a16="http://schemas.microsoft.com/office/drawing/2014/main" id="{CE097B3D-BE10-49DA-8991-C23783BC9299}"/>
+              </a:ext>
+            </a:extLst>
+          </p:cNvPr>
+          <p:cNvSpPr>
+            <a:spLocks noGrp="1"/>
+          </p:cNvSpPr>
+          <p:nvPr>
+            <p:ph idx="1"/>
+          </p:nvPr>
+        </p:nvSpPr>
+        <p:spPr>
+          <a:xfrm>
+            <a:off x="1143000" y="1457325"/>
+            <a:ext cx="9872871" cy="4638675"/>
+          </a:xfrm>
+        </p:spPr>
+        <p:txBody>
+          <a:bodyPr>
+            <a:normAutofit/>
+          </a:bodyPr>
+          <a:lstStyle/>
+          <a:p>
+            <a:pPr marL="45720" indent="0" algn="just">
+              <a:buNone/>
+            </a:pPr>
             <a:r>
               <a:rPr lang="fr-FR" dirty="0"/>
-              <a:t>Le module pour lancer en parallèle l’application Flask et la tâche de fonds périodique.</a:t>
-            </a:r>
-          </a:p>
-        </p:txBody>
-      </p:sp>
-      <p:sp>
-        <p:nvSpPr>
-          <p:cNvPr id="5" name="Slide Number Placeholder 4">
-            <a:extLst>
-              <a:ext uri="{FF2B5EF4-FFF2-40B4-BE49-F238E27FC236}">
-                <a16:creationId xmlns:a16="http://schemas.microsoft.com/office/drawing/2014/main" id="{864EDB35-B72A-4F18-A86B-3D64DD6E0008}"/>
+              <a:t>L’application web est en ligne avec la partie principale du backend en fonction (historisation et recherche), tout en ayant rempli un certains nombres de tests et de critères concernant le code.</a:t>
+            </a:r>
+          </a:p>
+          <a:p>
+            <a:pPr marL="45720" indent="0">
+              <a:buNone/>
+            </a:pPr>
+            <a:r>
+              <a:rPr lang="fr-FR" dirty="0"/>
+              <a:t>Vu la durée du stage (2 mois) et le temps nécessaire pour me former reste à faire :</a:t>
+            </a:r>
+          </a:p>
+          <a:p>
+            <a:pPr>
+              <a:buFont typeface="Wingdings" panose="05000000000000000000" pitchFamily="2" charset="2"/>
+              <a:buChar char="§"/>
+            </a:pPr>
+            <a:r>
+              <a:rPr lang="fr-FR" dirty="0"/>
+              <a:t>Compléter le Backend.</a:t>
+            </a:r>
+          </a:p>
+          <a:p>
+            <a:pPr>
+              <a:buFont typeface="Wingdings" panose="05000000000000000000" pitchFamily="2" charset="2"/>
+              <a:buChar char="§"/>
+            </a:pPr>
+            <a:r>
+              <a:rPr lang="fr-FR" dirty="0"/>
+              <a:t>Le Frontend : L’</a:t>
+            </a:r>
+            <a:r>
+              <a:rPr lang="fr-FR" dirty="0" err="1"/>
+              <a:t>authentication</a:t>
+            </a:r>
+            <a:r>
+              <a:rPr lang="fr-FR" dirty="0"/>
+              <a:t>.</a:t>
+            </a:r>
+          </a:p>
+          <a:p>
+            <a:pPr>
+              <a:buFont typeface="Wingdings" panose="05000000000000000000" pitchFamily="2" charset="2"/>
+              <a:buChar char="§"/>
+            </a:pPr>
+            <a:r>
+              <a:rPr lang="fr-FR" dirty="0"/>
+              <a:t>Mettre en place une base de données SAP Hana.</a:t>
+            </a:r>
+            <a:endParaRPr lang="fr-FR" b="1" dirty="0"/>
+          </a:p>
+        </p:txBody>
+      </p:sp>
+      <p:sp>
+        <p:nvSpPr>
+          <p:cNvPr id="4" name="Slide Number Placeholder 3">
+            <a:extLst>
+              <a:ext uri="{FF2B5EF4-FFF2-40B4-BE49-F238E27FC236}">
+                <a16:creationId xmlns:a16="http://schemas.microsoft.com/office/drawing/2014/main" id="{E2D53EDA-94B6-4BC2-9CF2-C2CE6F0E0F88}"/>
               </a:ext>
             </a:extLst>
           </p:cNvPr>
@@ -16083,846 +16089,10 @@
           </a:p>
         </p:txBody>
       </p:sp>
-      <p:pic>
-        <p:nvPicPr>
-          <p:cNvPr id="6" name="Picture 5">
-            <a:extLst>
-              <a:ext uri="{FF2B5EF4-FFF2-40B4-BE49-F238E27FC236}">
-                <a16:creationId xmlns:a16="http://schemas.microsoft.com/office/drawing/2014/main" id="{2202B604-C550-4736-862A-5215E5085C2C}"/>
-              </a:ext>
-            </a:extLst>
-          </p:cNvPr>
-          <p:cNvPicPr>
-            <a:picLocks noChangeAspect="1"/>
-          </p:cNvPicPr>
-          <p:nvPr/>
-        </p:nvPicPr>
-        <p:blipFill>
-          <a:blip r:embed="rId2"/>
-          <a:stretch>
-            <a:fillRect/>
-          </a:stretch>
-        </p:blipFill>
-        <p:spPr>
-          <a:xfrm>
-            <a:off x="6112243" y="1098330"/>
-            <a:ext cx="4528074" cy="4320000"/>
-          </a:xfrm>
-          <a:prstGeom prst="rect">
-            <a:avLst/>
-          </a:prstGeom>
-        </p:spPr>
-      </p:pic>
     </p:spTree>
     <p:extLst>
       <p:ext uri="{BB962C8B-B14F-4D97-AF65-F5344CB8AC3E}">
-        <p14:creationId xmlns:p14="http://schemas.microsoft.com/office/powerpoint/2010/main" val="2696249159"/>
-      </p:ext>
-    </p:extLst>
-  </p:cSld>
-  <p:clrMapOvr>
-    <a:masterClrMapping/>
-  </p:clrMapOvr>
-</p:sld>
-</file>
-
-<file path=ppt/slides/slide55.xml><?xml version="1.0" encoding="utf-8"?>
-<p:sld xmlns:a="http://schemas.openxmlformats.org/drawingml/2006/main" xmlns:r="http://schemas.openxmlformats.org/officeDocument/2006/relationships" xmlns:p="http://schemas.openxmlformats.org/presentationml/2006/main">
-  <p:cSld>
-    <p:spTree>
-      <p:nvGrpSpPr>
-        <p:cNvPr id="1" name=""/>
-        <p:cNvGrpSpPr/>
-        <p:nvPr/>
-      </p:nvGrpSpPr>
-      <p:grpSpPr>
-        <a:xfrm>
-          <a:off x="0" y="0"/>
-          <a:ext cx="0" cy="0"/>
-          <a:chOff x="0" y="0"/>
-          <a:chExt cx="0" cy="0"/>
-        </a:xfrm>
-      </p:grpSpPr>
-      <p:sp>
-        <p:nvSpPr>
-          <p:cNvPr id="6" name="Title 5">
-            <a:extLst>
-              <a:ext uri="{FF2B5EF4-FFF2-40B4-BE49-F238E27FC236}">
-                <a16:creationId xmlns:a16="http://schemas.microsoft.com/office/drawing/2014/main" id="{61FEAC0E-BBE6-415B-BA7B-CB03AEDEAC99}"/>
-              </a:ext>
-            </a:extLst>
-          </p:cNvPr>
-          <p:cNvSpPr>
-            <a:spLocks noGrp="1"/>
-          </p:cNvSpPr>
-          <p:nvPr>
-            <p:ph type="title"/>
-          </p:nvPr>
-        </p:nvSpPr>
-        <p:spPr>
-          <a:xfrm>
-            <a:off x="1143000" y="609600"/>
-            <a:ext cx="9875520" cy="528084"/>
-          </a:xfrm>
-        </p:spPr>
-        <p:txBody>
-          <a:bodyPr>
-            <a:noAutofit/>
-          </a:bodyPr>
-          <a:lstStyle/>
-          <a:p>
-            <a:r>
-              <a:rPr lang="fr-FR" sz="4000" dirty="0"/>
-              <a:t>Déploiement dans Cloud Foundry (SQLite)</a:t>
-            </a:r>
-          </a:p>
-        </p:txBody>
-      </p:sp>
-      <p:pic>
-        <p:nvPicPr>
-          <p:cNvPr id="13" name="Content Placeholder 5">
-            <a:extLst>
-              <a:ext uri="{FF2B5EF4-FFF2-40B4-BE49-F238E27FC236}">
-                <a16:creationId xmlns:a16="http://schemas.microsoft.com/office/drawing/2014/main" id="{1123C289-499B-440C-90E8-674724899FF8}"/>
-              </a:ext>
-            </a:extLst>
-          </p:cNvPr>
-          <p:cNvPicPr>
-            <a:picLocks noGrp="1" noChangeAspect="1"/>
-          </p:cNvPicPr>
-          <p:nvPr>
-            <p:ph idx="1"/>
-          </p:nvPr>
-        </p:nvPicPr>
-        <p:blipFill>
-          <a:blip r:embed="rId2"/>
-          <a:stretch>
-            <a:fillRect/>
-          </a:stretch>
-        </p:blipFill>
-        <p:spPr>
-          <a:xfrm>
-            <a:off x="1251005" y="2674388"/>
-            <a:ext cx="9376180" cy="3600000"/>
-          </a:xfrm>
-        </p:spPr>
-      </p:pic>
-      <p:sp>
-        <p:nvSpPr>
-          <p:cNvPr id="5" name="Slide Number Placeholder 4">
-            <a:extLst>
-              <a:ext uri="{FF2B5EF4-FFF2-40B4-BE49-F238E27FC236}">
-                <a16:creationId xmlns:a16="http://schemas.microsoft.com/office/drawing/2014/main" id="{BEE976FF-B0EA-4DB3-BA52-DE6BFE635041}"/>
-              </a:ext>
-            </a:extLst>
-          </p:cNvPr>
-          <p:cNvSpPr>
-            <a:spLocks noGrp="1"/>
-          </p:cNvSpPr>
-          <p:nvPr>
-            <p:ph type="sldNum" sz="quarter" idx="12"/>
-          </p:nvPr>
-        </p:nvSpPr>
-        <p:spPr/>
-        <p:txBody>
-          <a:bodyPr/>
-          <a:lstStyle/>
-          <a:p>
-            <a:fld id="{C52ED629-2BC0-4D25-969E-9ED78B40D7C7}" type="slidenum">
-              <a:rPr lang="fr-FR" smtClean="0"/>
-              <a:t>55</a:t>
-            </a:fld>
-            <a:endParaRPr lang="fr-FR"/>
-          </a:p>
-        </p:txBody>
-      </p:sp>
-      <p:sp>
-        <p:nvSpPr>
-          <p:cNvPr id="8" name="Title 1">
-            <a:extLst>
-              <a:ext uri="{FF2B5EF4-FFF2-40B4-BE49-F238E27FC236}">
-                <a16:creationId xmlns:a16="http://schemas.microsoft.com/office/drawing/2014/main" id="{817CA980-874D-4572-8929-C3EF8BF8B734}"/>
-              </a:ext>
-            </a:extLst>
-          </p:cNvPr>
-          <p:cNvSpPr txBox="1">
-            <a:spLocks/>
-          </p:cNvSpPr>
-          <p:nvPr/>
-        </p:nvSpPr>
-        <p:spPr>
-          <a:xfrm>
-            <a:off x="1143000" y="1300719"/>
-            <a:ext cx="9875520" cy="628184"/>
-          </a:xfrm>
-          <a:prstGeom prst="rect">
-            <a:avLst/>
-          </a:prstGeom>
-        </p:spPr>
-        <p:txBody>
-          <a:bodyPr vert="horz" lIns="91440" tIns="45720" rIns="91440" bIns="45720" rtlCol="0" anchor="ctr">
-            <a:noAutofit/>
-          </a:bodyPr>
-          <a:lstStyle>
-            <a:lvl1pPr algn="l" defTabSz="914400" rtl="0" eaLnBrk="1" latinLnBrk="0" hangingPunct="1">
-              <a:lnSpc>
-                <a:spcPct val="90000"/>
-              </a:lnSpc>
-              <a:spcBef>
-                <a:spcPct val="0"/>
-              </a:spcBef>
-              <a:buNone/>
-              <a:defRPr sz="4400" kern="1200">
-                <a:solidFill>
-                  <a:schemeClr val="accent1"/>
-                </a:solidFill>
-                <a:latin typeface="+mj-lt"/>
-                <a:ea typeface="+mj-ea"/>
-                <a:cs typeface="+mj-cs"/>
-              </a:defRPr>
-            </a:lvl1pPr>
-          </a:lstStyle>
-          <a:p>
-            <a:r>
-              <a:rPr lang="fr-FR" sz="1700" dirty="0"/>
-              <a:t>Les commandes pour le déploiement de l’application  :</a:t>
-            </a:r>
-            <a:br>
-              <a:rPr lang="fr-FR" sz="1700" dirty="0"/>
-            </a:br>
-            <a:r>
-              <a:rPr lang="fr-FR" sz="1700" dirty="0"/>
-              <a:t>$ </a:t>
-            </a:r>
-            <a:r>
-              <a:rPr lang="fr-FR" sz="1700" dirty="0" err="1"/>
-              <a:t>py</a:t>
-            </a:r>
-            <a:r>
-              <a:rPr lang="fr-FR" sz="1700" dirty="0"/>
-              <a:t> -m </a:t>
-            </a:r>
-            <a:r>
-              <a:rPr lang="fr-FR" sz="1700" dirty="0" err="1"/>
-              <a:t>pip</a:t>
-            </a:r>
-            <a:r>
-              <a:rPr lang="fr-FR" sz="1700" dirty="0"/>
-              <a:t> </a:t>
-            </a:r>
-            <a:r>
-              <a:rPr lang="fr-FR" sz="1700" dirty="0" err="1"/>
-              <a:t>install</a:t>
-            </a:r>
-            <a:r>
-              <a:rPr lang="fr-FR" sz="1700" dirty="0"/>
-              <a:t> --</a:t>
-            </a:r>
-            <a:r>
-              <a:rPr lang="fr-FR" sz="1700" dirty="0" err="1"/>
-              <a:t>requirement</a:t>
-            </a:r>
-            <a:r>
-              <a:rPr lang="fr-FR" sz="1700" dirty="0"/>
-              <a:t> requirements.txt</a:t>
-            </a:r>
-            <a:br>
-              <a:rPr lang="fr-FR" sz="1700" dirty="0"/>
-            </a:br>
-            <a:r>
-              <a:rPr lang="fr-FR" sz="1700" dirty="0"/>
-              <a:t>$ </a:t>
-            </a:r>
-            <a:r>
-              <a:rPr lang="fr-FR" sz="1700" dirty="0" err="1"/>
-              <a:t>cf</a:t>
-            </a:r>
-            <a:r>
-              <a:rPr lang="fr-FR" sz="1700" dirty="0"/>
-              <a:t> push -f </a:t>
-            </a:r>
-            <a:r>
-              <a:rPr lang="fr-FR" sz="1700" dirty="0" err="1"/>
-              <a:t>manifest.yml</a:t>
-            </a:r>
-            <a:endParaRPr lang="fr-FR" sz="1700" dirty="0"/>
-          </a:p>
-        </p:txBody>
-      </p:sp>
-      <p:sp>
-        <p:nvSpPr>
-          <p:cNvPr id="12" name="TextBox 11">
-            <a:extLst>
-              <a:ext uri="{FF2B5EF4-FFF2-40B4-BE49-F238E27FC236}">
-                <a16:creationId xmlns:a16="http://schemas.microsoft.com/office/drawing/2014/main" id="{5C7510E7-A8F6-43D5-9DF5-44781AD39F25}"/>
-              </a:ext>
-            </a:extLst>
-          </p:cNvPr>
-          <p:cNvSpPr txBox="1"/>
-          <p:nvPr/>
-        </p:nvSpPr>
-        <p:spPr>
-          <a:xfrm>
-            <a:off x="1187206" y="2243467"/>
-            <a:ext cx="9484185" cy="353943"/>
-          </a:xfrm>
-          <a:prstGeom prst="rect">
-            <a:avLst/>
-          </a:prstGeom>
-          <a:noFill/>
-        </p:spPr>
-        <p:txBody>
-          <a:bodyPr wrap="square" rtlCol="0">
-            <a:spAutoFit/>
-          </a:bodyPr>
-          <a:lstStyle/>
-          <a:p>
-            <a:r>
-              <a:rPr lang="fr-FR" sz="1700" dirty="0">
-                <a:solidFill>
-                  <a:srgbClr val="4A66AC"/>
-                </a:solidFill>
-              </a:rPr>
-              <a:t>L’état de l’application après le déploiement et le contenu du fichier </a:t>
-            </a:r>
-            <a:r>
-              <a:rPr lang="fr-FR" sz="1700" dirty="0" err="1">
-                <a:solidFill>
-                  <a:srgbClr val="4A66AC"/>
-                </a:solidFill>
-              </a:rPr>
-              <a:t>manifest.yml</a:t>
-            </a:r>
-            <a:endParaRPr lang="fr-FR" sz="1700" dirty="0">
-              <a:solidFill>
-                <a:srgbClr val="4A66AC"/>
-              </a:solidFill>
-            </a:endParaRPr>
-          </a:p>
-        </p:txBody>
-      </p:sp>
-    </p:spTree>
-    <p:extLst>
-      <p:ext uri="{BB962C8B-B14F-4D97-AF65-F5344CB8AC3E}">
-        <p14:creationId xmlns:p14="http://schemas.microsoft.com/office/powerpoint/2010/main" val="1242467404"/>
-      </p:ext>
-    </p:extLst>
-  </p:cSld>
-  <p:clrMapOvr>
-    <a:masterClrMapping/>
-  </p:clrMapOvr>
-</p:sld>
-</file>
-
-<file path=ppt/slides/slide56.xml><?xml version="1.0" encoding="utf-8"?>
-<p:sld xmlns:a="http://schemas.openxmlformats.org/drawingml/2006/main" xmlns:r="http://schemas.openxmlformats.org/officeDocument/2006/relationships" xmlns:p="http://schemas.openxmlformats.org/presentationml/2006/main">
-  <p:cSld>
-    <p:spTree>
-      <p:nvGrpSpPr>
-        <p:cNvPr id="1" name=""/>
-        <p:cNvGrpSpPr/>
-        <p:nvPr/>
-      </p:nvGrpSpPr>
-      <p:grpSpPr>
-        <a:xfrm>
-          <a:off x="0" y="0"/>
-          <a:ext cx="0" cy="0"/>
-          <a:chOff x="0" y="0"/>
-          <a:chExt cx="0" cy="0"/>
-        </a:xfrm>
-      </p:grpSpPr>
-      <p:sp>
-        <p:nvSpPr>
-          <p:cNvPr id="2" name="Title 1">
-            <a:extLst>
-              <a:ext uri="{FF2B5EF4-FFF2-40B4-BE49-F238E27FC236}">
-                <a16:creationId xmlns:a16="http://schemas.microsoft.com/office/drawing/2014/main" id="{9FA9C21B-91B8-4244-8EBB-06F33AEBFA2A}"/>
-              </a:ext>
-            </a:extLst>
-          </p:cNvPr>
-          <p:cNvSpPr>
-            <a:spLocks noGrp="1"/>
-          </p:cNvSpPr>
-          <p:nvPr>
-            <p:ph type="title"/>
-          </p:nvPr>
-        </p:nvSpPr>
-        <p:spPr>
-          <a:xfrm>
-            <a:off x="1143000" y="609600"/>
-            <a:ext cx="9875520" cy="566057"/>
-          </a:xfrm>
-        </p:spPr>
-        <p:txBody>
-          <a:bodyPr>
-            <a:normAutofit fontScale="90000"/>
-          </a:bodyPr>
-          <a:lstStyle/>
-          <a:p>
-            <a:r>
-              <a:rPr lang="fr-FR" dirty="0"/>
-              <a:t>Cockpit Cloud Foundry</a:t>
-            </a:r>
-          </a:p>
-        </p:txBody>
-      </p:sp>
-      <p:pic>
-        <p:nvPicPr>
-          <p:cNvPr id="6" name="Content Placeholder 5">
-            <a:extLst>
-              <a:ext uri="{FF2B5EF4-FFF2-40B4-BE49-F238E27FC236}">
-                <a16:creationId xmlns:a16="http://schemas.microsoft.com/office/drawing/2014/main" id="{0ADBEF4E-BE02-455E-A0A5-A86F585EB757}"/>
-              </a:ext>
-            </a:extLst>
-          </p:cNvPr>
-          <p:cNvPicPr>
-            <a:picLocks noGrp="1" noChangeAspect="1"/>
-          </p:cNvPicPr>
-          <p:nvPr>
-            <p:ph idx="1"/>
-          </p:nvPr>
-        </p:nvPicPr>
-        <p:blipFill>
-          <a:blip r:embed="rId2"/>
-          <a:stretch>
-            <a:fillRect/>
-          </a:stretch>
-        </p:blipFill>
-        <p:spPr>
-          <a:xfrm>
-            <a:off x="1143000" y="1261516"/>
-            <a:ext cx="9872663" cy="4685507"/>
-          </a:xfrm>
-        </p:spPr>
-      </p:pic>
-      <p:sp>
-        <p:nvSpPr>
-          <p:cNvPr id="4" name="Slide Number Placeholder 3">
-            <a:extLst>
-              <a:ext uri="{FF2B5EF4-FFF2-40B4-BE49-F238E27FC236}">
-                <a16:creationId xmlns:a16="http://schemas.microsoft.com/office/drawing/2014/main" id="{CC631A8C-BF3C-40E3-BB40-F2FB94F9914E}"/>
-              </a:ext>
-            </a:extLst>
-          </p:cNvPr>
-          <p:cNvSpPr>
-            <a:spLocks noGrp="1"/>
-          </p:cNvSpPr>
-          <p:nvPr>
-            <p:ph type="sldNum" sz="quarter" idx="12"/>
-          </p:nvPr>
-        </p:nvSpPr>
-        <p:spPr/>
-        <p:txBody>
-          <a:bodyPr/>
-          <a:lstStyle/>
-          <a:p>
-            <a:fld id="{C52ED629-2BC0-4D25-969E-9ED78B40D7C7}" type="slidenum">
-              <a:rPr lang="fr-FR" smtClean="0"/>
-              <a:t>56</a:t>
-            </a:fld>
-            <a:endParaRPr lang="fr-FR"/>
-          </a:p>
-        </p:txBody>
-      </p:sp>
-    </p:spTree>
-    <p:extLst>
-      <p:ext uri="{BB962C8B-B14F-4D97-AF65-F5344CB8AC3E}">
-        <p14:creationId xmlns:p14="http://schemas.microsoft.com/office/powerpoint/2010/main" val="4179508825"/>
-      </p:ext>
-    </p:extLst>
-  </p:cSld>
-  <p:clrMapOvr>
-    <a:masterClrMapping/>
-  </p:clrMapOvr>
-</p:sld>
-</file>
-
-<file path=ppt/slides/slide57.xml><?xml version="1.0" encoding="utf-8"?>
-<p:sld xmlns:a="http://schemas.openxmlformats.org/drawingml/2006/main" xmlns:r="http://schemas.openxmlformats.org/officeDocument/2006/relationships" xmlns:p="http://schemas.openxmlformats.org/presentationml/2006/main">
-  <p:cSld>
-    <p:spTree>
-      <p:nvGrpSpPr>
-        <p:cNvPr id="1" name=""/>
-        <p:cNvGrpSpPr/>
-        <p:nvPr/>
-      </p:nvGrpSpPr>
-      <p:grpSpPr>
-        <a:xfrm>
-          <a:off x="0" y="0"/>
-          <a:ext cx="0" cy="0"/>
-          <a:chOff x="0" y="0"/>
-          <a:chExt cx="0" cy="0"/>
-        </a:xfrm>
-      </p:grpSpPr>
-      <p:sp>
-        <p:nvSpPr>
-          <p:cNvPr id="6" name="Title 5">
-            <a:extLst>
-              <a:ext uri="{FF2B5EF4-FFF2-40B4-BE49-F238E27FC236}">
-                <a16:creationId xmlns:a16="http://schemas.microsoft.com/office/drawing/2014/main" id="{08CF4753-5E1B-447E-A690-077879B3A68D}"/>
-              </a:ext>
-            </a:extLst>
-          </p:cNvPr>
-          <p:cNvSpPr>
-            <a:spLocks noGrp="1"/>
-          </p:cNvSpPr>
-          <p:nvPr>
-            <p:ph type="title"/>
-          </p:nvPr>
-        </p:nvSpPr>
-        <p:spPr>
-          <a:xfrm>
-            <a:off x="1106424" y="1173575"/>
-            <a:ext cx="10100292" cy="2926080"/>
-          </a:xfrm>
-        </p:spPr>
-        <p:txBody>
-          <a:bodyPr/>
-          <a:lstStyle/>
-          <a:p>
-            <a:r>
-              <a:rPr lang="fr-FR" dirty="0"/>
-              <a:t>Tests et contrôles</a:t>
-            </a:r>
-          </a:p>
-        </p:txBody>
-      </p:sp>
-      <p:sp>
-        <p:nvSpPr>
-          <p:cNvPr id="5" name="Slide Number Placeholder 4">
-            <a:extLst>
-              <a:ext uri="{FF2B5EF4-FFF2-40B4-BE49-F238E27FC236}">
-                <a16:creationId xmlns:a16="http://schemas.microsoft.com/office/drawing/2014/main" id="{8C0981BC-17A1-4726-8576-D6CBCEF6DCDE}"/>
-              </a:ext>
-            </a:extLst>
-          </p:cNvPr>
-          <p:cNvSpPr>
-            <a:spLocks noGrp="1"/>
-          </p:cNvSpPr>
-          <p:nvPr>
-            <p:ph type="sldNum" sz="quarter" idx="12"/>
-          </p:nvPr>
-        </p:nvSpPr>
-        <p:spPr/>
-        <p:txBody>
-          <a:bodyPr/>
-          <a:lstStyle/>
-          <a:p>
-            <a:fld id="{C52ED629-2BC0-4D25-969E-9ED78B40D7C7}" type="slidenum">
-              <a:rPr lang="fr-FR" smtClean="0"/>
-              <a:t>57</a:t>
-            </a:fld>
-            <a:endParaRPr lang="fr-FR"/>
-          </a:p>
-        </p:txBody>
-      </p:sp>
-    </p:spTree>
-    <p:extLst>
-      <p:ext uri="{BB962C8B-B14F-4D97-AF65-F5344CB8AC3E}">
-        <p14:creationId xmlns:p14="http://schemas.microsoft.com/office/powerpoint/2010/main" val="2635143560"/>
-      </p:ext>
-    </p:extLst>
-  </p:cSld>
-  <p:clrMapOvr>
-    <a:masterClrMapping/>
-  </p:clrMapOvr>
-</p:sld>
-</file>
-
-<file path=ppt/slides/slide58.xml><?xml version="1.0" encoding="utf-8"?>
-<p:sld xmlns:a="http://schemas.openxmlformats.org/drawingml/2006/main" xmlns:r="http://schemas.openxmlformats.org/officeDocument/2006/relationships" xmlns:p="http://schemas.openxmlformats.org/presentationml/2006/main">
-  <p:cSld>
-    <p:spTree>
-      <p:nvGrpSpPr>
-        <p:cNvPr id="1" name=""/>
-        <p:cNvGrpSpPr/>
-        <p:nvPr/>
-      </p:nvGrpSpPr>
-      <p:grpSpPr>
-        <a:xfrm>
-          <a:off x="0" y="0"/>
-          <a:ext cx="0" cy="0"/>
-          <a:chOff x="0" y="0"/>
-          <a:chExt cx="0" cy="0"/>
-        </a:xfrm>
-      </p:grpSpPr>
-      <p:sp>
-        <p:nvSpPr>
-          <p:cNvPr id="2" name="Title 1">
-            <a:extLst>
-              <a:ext uri="{FF2B5EF4-FFF2-40B4-BE49-F238E27FC236}">
-                <a16:creationId xmlns:a16="http://schemas.microsoft.com/office/drawing/2014/main" id="{86F302C2-843C-49ED-9E03-ED2A7DC7B9E1}"/>
-              </a:ext>
-            </a:extLst>
-          </p:cNvPr>
-          <p:cNvSpPr>
-            <a:spLocks noGrp="1"/>
-          </p:cNvSpPr>
-          <p:nvPr>
-            <p:ph type="title"/>
-          </p:nvPr>
-        </p:nvSpPr>
-        <p:spPr>
-          <a:xfrm>
-            <a:off x="1143000" y="1097280"/>
-            <a:ext cx="3931920" cy="1569720"/>
-          </a:xfrm>
-        </p:spPr>
-        <p:txBody>
-          <a:bodyPr/>
-          <a:lstStyle/>
-          <a:p>
-            <a:r>
-              <a:rPr lang="fr-FR" sz="3200" dirty="0"/>
-              <a:t>Intégration continue</a:t>
-            </a:r>
-          </a:p>
-        </p:txBody>
-      </p:sp>
-      <p:sp>
-        <p:nvSpPr>
-          <p:cNvPr id="4" name="Text Placeholder 3">
-            <a:extLst>
-              <a:ext uri="{FF2B5EF4-FFF2-40B4-BE49-F238E27FC236}">
-                <a16:creationId xmlns:a16="http://schemas.microsoft.com/office/drawing/2014/main" id="{F6BB302E-284C-4396-A290-3CB2C1EC8287}"/>
-              </a:ext>
-            </a:extLst>
-          </p:cNvPr>
-          <p:cNvSpPr>
-            <a:spLocks noGrp="1"/>
-          </p:cNvSpPr>
-          <p:nvPr>
-            <p:ph type="body" sz="half" idx="2"/>
-          </p:nvPr>
-        </p:nvSpPr>
-        <p:spPr>
-          <a:xfrm>
-            <a:off x="1143000" y="2868133"/>
-            <a:ext cx="3931920" cy="2994660"/>
-          </a:xfrm>
-        </p:spPr>
-        <p:txBody>
-          <a:bodyPr/>
-          <a:lstStyle/>
-          <a:p>
-            <a:r>
-              <a:rPr lang="fr-FR" dirty="0"/>
-              <a:t>Exemple du module « Actions » de GitHub. </a:t>
-            </a:r>
-            <a:br>
-              <a:rPr lang="fr-FR" dirty="0"/>
-            </a:br>
-            <a:r>
-              <a:rPr lang="fr-FR" dirty="0"/>
-              <a:t/>
-            </a:r>
-            <a:br>
-              <a:rPr lang="fr-FR" dirty="0"/>
-            </a:br>
-            <a:r>
-              <a:rPr lang="fr-FR" dirty="0"/>
-              <a:t>Ce workflow se lance à l’arrivée de chaque code pour lequel il y a une demande de « Pull </a:t>
-            </a:r>
-            <a:r>
-              <a:rPr lang="fr-FR" dirty="0" err="1"/>
-              <a:t>Request</a:t>
-            </a:r>
-            <a:r>
-              <a:rPr lang="fr-FR" dirty="0"/>
-              <a:t> » sur la branche master.</a:t>
-            </a:r>
-          </a:p>
-        </p:txBody>
-      </p:sp>
-      <p:sp>
-        <p:nvSpPr>
-          <p:cNvPr id="5" name="Slide Number Placeholder 4">
-            <a:extLst>
-              <a:ext uri="{FF2B5EF4-FFF2-40B4-BE49-F238E27FC236}">
-                <a16:creationId xmlns:a16="http://schemas.microsoft.com/office/drawing/2014/main" id="{EBC2931B-BAF4-4477-8933-FFCD1491EBE7}"/>
-              </a:ext>
-            </a:extLst>
-          </p:cNvPr>
-          <p:cNvSpPr>
-            <a:spLocks noGrp="1"/>
-          </p:cNvSpPr>
-          <p:nvPr>
-            <p:ph type="sldNum" sz="quarter" idx="12"/>
-          </p:nvPr>
-        </p:nvSpPr>
-        <p:spPr/>
-        <p:txBody>
-          <a:bodyPr/>
-          <a:lstStyle/>
-          <a:p>
-            <a:fld id="{C52ED629-2BC0-4D25-969E-9ED78B40D7C7}" type="slidenum">
-              <a:rPr lang="fr-FR" smtClean="0"/>
-              <a:t>58</a:t>
-            </a:fld>
-            <a:endParaRPr lang="fr-FR"/>
-          </a:p>
-        </p:txBody>
-      </p:sp>
-      <p:pic>
-        <p:nvPicPr>
-          <p:cNvPr id="15" name="Picture 14">
-            <a:extLst>
-              <a:ext uri="{FF2B5EF4-FFF2-40B4-BE49-F238E27FC236}">
-                <a16:creationId xmlns:a16="http://schemas.microsoft.com/office/drawing/2014/main" id="{FCFA2337-B080-4DA2-A6A7-14F356E6B522}"/>
-              </a:ext>
-            </a:extLst>
-          </p:cNvPr>
-          <p:cNvPicPr>
-            <a:picLocks noChangeAspect="1"/>
-          </p:cNvPicPr>
-          <p:nvPr/>
-        </p:nvPicPr>
-        <p:blipFill>
-          <a:blip r:embed="rId2"/>
-          <a:stretch>
-            <a:fillRect/>
-          </a:stretch>
-        </p:blipFill>
-        <p:spPr>
-          <a:xfrm>
-            <a:off x="5856807" y="583106"/>
-            <a:ext cx="4197207" cy="5760000"/>
-          </a:xfrm>
-          <a:prstGeom prst="rect">
-            <a:avLst/>
-          </a:prstGeom>
-        </p:spPr>
-      </p:pic>
-    </p:spTree>
-    <p:extLst>
-      <p:ext uri="{BB962C8B-B14F-4D97-AF65-F5344CB8AC3E}">
-        <p14:creationId xmlns:p14="http://schemas.microsoft.com/office/powerpoint/2010/main" val="2648009843"/>
-      </p:ext>
-    </p:extLst>
-  </p:cSld>
-  <p:clrMapOvr>
-    <a:masterClrMapping/>
-  </p:clrMapOvr>
-</p:sld>
-</file>
-
-<file path=ppt/slides/slide59.xml><?xml version="1.0" encoding="utf-8"?>
-<p:sld xmlns:a="http://schemas.openxmlformats.org/drawingml/2006/main" xmlns:r="http://schemas.openxmlformats.org/officeDocument/2006/relationships" xmlns:p="http://schemas.openxmlformats.org/presentationml/2006/main">
-  <p:cSld>
-    <p:spTree>
-      <p:nvGrpSpPr>
-        <p:cNvPr id="1" name=""/>
-        <p:cNvGrpSpPr/>
-        <p:nvPr/>
-      </p:nvGrpSpPr>
-      <p:grpSpPr>
-        <a:xfrm>
-          <a:off x="0" y="0"/>
-          <a:ext cx="0" cy="0"/>
-          <a:chOff x="0" y="0"/>
-          <a:chExt cx="0" cy="0"/>
-        </a:xfrm>
-      </p:grpSpPr>
-      <p:sp>
-        <p:nvSpPr>
-          <p:cNvPr id="2" name="Title 1">
-            <a:extLst>
-              <a:ext uri="{FF2B5EF4-FFF2-40B4-BE49-F238E27FC236}">
-                <a16:creationId xmlns:a16="http://schemas.microsoft.com/office/drawing/2014/main" id="{FE98D3BB-4534-4507-A806-C628A192C6F5}"/>
-              </a:ext>
-            </a:extLst>
-          </p:cNvPr>
-          <p:cNvSpPr>
-            <a:spLocks noGrp="1"/>
-          </p:cNvSpPr>
-          <p:nvPr>
-            <p:ph type="title"/>
-          </p:nvPr>
-        </p:nvSpPr>
-        <p:spPr>
-          <a:xfrm>
-            <a:off x="1143000" y="609600"/>
-            <a:ext cx="9875520" cy="704850"/>
-          </a:xfrm>
-        </p:spPr>
-        <p:txBody>
-          <a:bodyPr>
-            <a:normAutofit/>
-          </a:bodyPr>
-          <a:lstStyle/>
-          <a:p>
-            <a:r>
-              <a:rPr lang="fr-FR" sz="4000" dirty="0"/>
-              <a:t>Le résultat du workflow dans GitHub</a:t>
-            </a:r>
-          </a:p>
-        </p:txBody>
-      </p:sp>
-      <p:pic>
-        <p:nvPicPr>
-          <p:cNvPr id="7" name="Content Placeholder 6">
-            <a:extLst>
-              <a:ext uri="{FF2B5EF4-FFF2-40B4-BE49-F238E27FC236}">
-                <a16:creationId xmlns:a16="http://schemas.microsoft.com/office/drawing/2014/main" id="{90823F51-7ED0-43FA-A7AC-648980CFD662}"/>
-              </a:ext>
-            </a:extLst>
-          </p:cNvPr>
-          <p:cNvPicPr>
-            <a:picLocks noGrp="1" noChangeAspect="1"/>
-          </p:cNvPicPr>
-          <p:nvPr>
-            <p:ph idx="1"/>
-          </p:nvPr>
-        </p:nvPicPr>
-        <p:blipFill>
-          <a:blip r:embed="rId2"/>
-          <a:stretch>
-            <a:fillRect/>
-          </a:stretch>
-        </p:blipFill>
-        <p:spPr>
-          <a:xfrm>
-            <a:off x="1304691" y="1844676"/>
-            <a:ext cx="9087317" cy="3708494"/>
-          </a:xfrm>
-          <a:prstGeom prst="rect">
-            <a:avLst/>
-          </a:prstGeom>
-        </p:spPr>
-      </p:pic>
-      <p:sp>
-        <p:nvSpPr>
-          <p:cNvPr id="4" name="Slide Number Placeholder 3">
-            <a:extLst>
-              <a:ext uri="{FF2B5EF4-FFF2-40B4-BE49-F238E27FC236}">
-                <a16:creationId xmlns:a16="http://schemas.microsoft.com/office/drawing/2014/main" id="{E98FB3A3-0377-482D-975B-8DD1D6C9678F}"/>
-              </a:ext>
-            </a:extLst>
-          </p:cNvPr>
-          <p:cNvSpPr>
-            <a:spLocks noGrp="1"/>
-          </p:cNvSpPr>
-          <p:nvPr>
-            <p:ph type="sldNum" sz="quarter" idx="12"/>
-          </p:nvPr>
-        </p:nvSpPr>
-        <p:spPr/>
-        <p:txBody>
-          <a:bodyPr/>
-          <a:lstStyle/>
-          <a:p>
-            <a:fld id="{C52ED629-2BC0-4D25-969E-9ED78B40D7C7}" type="slidenum">
-              <a:rPr lang="fr-FR" smtClean="0"/>
-              <a:t>59</a:t>
-            </a:fld>
-            <a:endParaRPr lang="fr-FR"/>
-          </a:p>
-        </p:txBody>
-      </p:sp>
-    </p:spTree>
-    <p:extLst>
-      <p:ext uri="{BB962C8B-B14F-4D97-AF65-F5344CB8AC3E}">
-        <p14:creationId xmlns:p14="http://schemas.microsoft.com/office/powerpoint/2010/main" val="316631459"/>
+        <p14:creationId xmlns:p14="http://schemas.microsoft.com/office/powerpoint/2010/main" val="898043026"/>
       </p:ext>
     </p:extLst>
   </p:cSld>
@@ -17046,11 +16216,7 @@
           <a:p>
             <a:r>
               <a:rPr lang="en-US" sz="1800" b="1" dirty="0" smtClean="0"/>
-              <a:t>Typescript </a:t>
-            </a:r>
-            <a:r>
-              <a:rPr lang="en-US" sz="1800" b="1" dirty="0" smtClean="0"/>
-              <a:t>4: </a:t>
+              <a:t>Typescript 4: </a:t>
             </a:r>
             <a:r>
               <a:rPr lang="fr-FR" sz="1800" dirty="0"/>
@@ -17079,7 +16245,6 @@
               <a:rPr lang="fr-FR" sz="1800" b="1" dirty="0" smtClean="0"/>
               <a:t>CSS3</a:t>
             </a:r>
-            <a:endParaRPr lang="fr-FR" sz="1800" b="1" dirty="0" smtClean="0"/>
           </a:p>
           <a:p>
             <a:r>
@@ -17135,772 +16300,6 @@
     <p:extLst>
       <p:ext uri="{BB962C8B-B14F-4D97-AF65-F5344CB8AC3E}">
         <p14:creationId xmlns:p14="http://schemas.microsoft.com/office/powerpoint/2010/main" val="4220190837"/>
-      </p:ext>
-    </p:extLst>
-  </p:cSld>
-  <p:clrMapOvr>
-    <a:masterClrMapping/>
-  </p:clrMapOvr>
-</p:sld>
-</file>
-
-<file path=ppt/slides/slide60.xml><?xml version="1.0" encoding="utf-8"?>
-<p:sld xmlns:a="http://schemas.openxmlformats.org/drawingml/2006/main" xmlns:r="http://schemas.openxmlformats.org/officeDocument/2006/relationships" xmlns:p="http://schemas.openxmlformats.org/presentationml/2006/main">
-  <p:cSld>
-    <p:spTree>
-      <p:nvGrpSpPr>
-        <p:cNvPr id="1" name=""/>
-        <p:cNvGrpSpPr/>
-        <p:nvPr/>
-      </p:nvGrpSpPr>
-      <p:grpSpPr>
-        <a:xfrm>
-          <a:off x="0" y="0"/>
-          <a:ext cx="0" cy="0"/>
-          <a:chOff x="0" y="0"/>
-          <a:chExt cx="0" cy="0"/>
-        </a:xfrm>
-      </p:grpSpPr>
-      <p:sp>
-        <p:nvSpPr>
-          <p:cNvPr id="3" name="Title 2">
-            <a:extLst>
-              <a:ext uri="{FF2B5EF4-FFF2-40B4-BE49-F238E27FC236}">
-                <a16:creationId xmlns:a16="http://schemas.microsoft.com/office/drawing/2014/main" id="{C9D2465D-BC31-40F8-97C9-218E19767277}"/>
-              </a:ext>
-            </a:extLst>
-          </p:cNvPr>
-          <p:cNvSpPr>
-            <a:spLocks noGrp="1"/>
-          </p:cNvSpPr>
-          <p:nvPr>
-            <p:ph type="title"/>
-          </p:nvPr>
-        </p:nvSpPr>
-        <p:spPr>
-          <a:xfrm>
-            <a:off x="1143000" y="609600"/>
-            <a:ext cx="9989288" cy="561975"/>
-          </a:xfrm>
-        </p:spPr>
-        <p:txBody>
-          <a:bodyPr>
-            <a:normAutofit fontScale="90000"/>
-          </a:bodyPr>
-          <a:lstStyle/>
-          <a:p>
-            <a:r>
-              <a:rPr lang="fr-FR" dirty="0" err="1"/>
-              <a:t>Unittest</a:t>
-            </a:r>
-            <a:r>
-              <a:rPr lang="fr-FR" dirty="0"/>
-              <a:t> et le rapport </a:t>
-            </a:r>
-            <a:r>
-              <a:rPr lang="fr-FR" dirty="0" err="1"/>
-              <a:t>coverage</a:t>
-            </a:r>
-            <a:r>
-              <a:rPr lang="fr-FR" dirty="0"/>
-              <a:t> dans GitHub</a:t>
-            </a:r>
-          </a:p>
-        </p:txBody>
-      </p:sp>
-      <p:pic>
-        <p:nvPicPr>
-          <p:cNvPr id="5" name="Content Placeholder 4">
-            <a:extLst>
-              <a:ext uri="{FF2B5EF4-FFF2-40B4-BE49-F238E27FC236}">
-                <a16:creationId xmlns:a16="http://schemas.microsoft.com/office/drawing/2014/main" id="{A23DF64D-5540-45A3-88D7-FB1566E2C2DF}"/>
-              </a:ext>
-            </a:extLst>
-          </p:cNvPr>
-          <p:cNvPicPr>
-            <a:picLocks noGrp="1" noChangeAspect="1"/>
-          </p:cNvPicPr>
-          <p:nvPr>
-            <p:ph idx="1"/>
-          </p:nvPr>
-        </p:nvPicPr>
-        <p:blipFill>
-          <a:blip r:embed="rId2"/>
-          <a:stretch>
-            <a:fillRect/>
-          </a:stretch>
-        </p:blipFill>
-        <p:spPr>
-          <a:xfrm>
-            <a:off x="1276350" y="1298122"/>
-            <a:ext cx="8667749" cy="4756394"/>
-          </a:xfrm>
-          <a:prstGeom prst="rect">
-            <a:avLst/>
-          </a:prstGeom>
-        </p:spPr>
-      </p:pic>
-      <p:sp>
-        <p:nvSpPr>
-          <p:cNvPr id="2" name="Slide Number Placeholder 1">
-            <a:extLst>
-              <a:ext uri="{FF2B5EF4-FFF2-40B4-BE49-F238E27FC236}">
-                <a16:creationId xmlns:a16="http://schemas.microsoft.com/office/drawing/2014/main" id="{6CD12ADC-22FF-4BF2-8AA5-0A8C52E822E2}"/>
-              </a:ext>
-            </a:extLst>
-          </p:cNvPr>
-          <p:cNvSpPr>
-            <a:spLocks noGrp="1"/>
-          </p:cNvSpPr>
-          <p:nvPr>
-            <p:ph type="sldNum" sz="quarter" idx="12"/>
-          </p:nvPr>
-        </p:nvSpPr>
-        <p:spPr/>
-        <p:txBody>
-          <a:bodyPr/>
-          <a:lstStyle/>
-          <a:p>
-            <a:fld id="{C52ED629-2BC0-4D25-969E-9ED78B40D7C7}" type="slidenum">
-              <a:rPr lang="fr-FR" smtClean="0"/>
-              <a:t>60</a:t>
-            </a:fld>
-            <a:endParaRPr lang="fr-FR"/>
-          </a:p>
-        </p:txBody>
-      </p:sp>
-    </p:spTree>
-    <p:extLst>
-      <p:ext uri="{BB962C8B-B14F-4D97-AF65-F5344CB8AC3E}">
-        <p14:creationId xmlns:p14="http://schemas.microsoft.com/office/powerpoint/2010/main" val="1337669088"/>
-      </p:ext>
-    </p:extLst>
-  </p:cSld>
-  <p:clrMapOvr>
-    <a:masterClrMapping/>
-  </p:clrMapOvr>
-</p:sld>
-</file>
-
-<file path=ppt/slides/slide61.xml><?xml version="1.0" encoding="utf-8"?>
-<p:sld xmlns:a="http://schemas.openxmlformats.org/drawingml/2006/main" xmlns:r="http://schemas.openxmlformats.org/officeDocument/2006/relationships" xmlns:p="http://schemas.openxmlformats.org/presentationml/2006/main">
-  <p:cSld>
-    <p:spTree>
-      <p:nvGrpSpPr>
-        <p:cNvPr id="1" name=""/>
-        <p:cNvGrpSpPr/>
-        <p:nvPr/>
-      </p:nvGrpSpPr>
-      <p:grpSpPr>
-        <a:xfrm>
-          <a:off x="0" y="0"/>
-          <a:ext cx="0" cy="0"/>
-          <a:chOff x="0" y="0"/>
-          <a:chExt cx="0" cy="0"/>
-        </a:xfrm>
-      </p:grpSpPr>
-      <p:sp>
-        <p:nvSpPr>
-          <p:cNvPr id="3" name="Title 2">
-            <a:extLst>
-              <a:ext uri="{FF2B5EF4-FFF2-40B4-BE49-F238E27FC236}">
-                <a16:creationId xmlns:a16="http://schemas.microsoft.com/office/drawing/2014/main" id="{446F9D36-F6D2-4FB8-BD83-2AC8709C815D}"/>
-              </a:ext>
-            </a:extLst>
-          </p:cNvPr>
-          <p:cNvSpPr>
-            <a:spLocks noGrp="1"/>
-          </p:cNvSpPr>
-          <p:nvPr>
-            <p:ph type="title"/>
-          </p:nvPr>
-        </p:nvSpPr>
-        <p:spPr>
-          <a:xfrm>
-            <a:off x="595859" y="1097280"/>
-            <a:ext cx="3931920" cy="1645920"/>
-          </a:xfrm>
-        </p:spPr>
-        <p:txBody>
-          <a:bodyPr/>
-          <a:lstStyle/>
-          <a:p>
-            <a:r>
-              <a:rPr lang="fr-FR" sz="3200" dirty="0"/>
-              <a:t>Des tests unitaires</a:t>
-            </a:r>
-          </a:p>
-        </p:txBody>
-      </p:sp>
-      <p:sp>
-        <p:nvSpPr>
-          <p:cNvPr id="5" name="Text Placeholder 4">
-            <a:extLst>
-              <a:ext uri="{FF2B5EF4-FFF2-40B4-BE49-F238E27FC236}">
-                <a16:creationId xmlns:a16="http://schemas.microsoft.com/office/drawing/2014/main" id="{D679174E-03B2-4D7D-8A9D-372CB8B943C0}"/>
-              </a:ext>
-            </a:extLst>
-          </p:cNvPr>
-          <p:cNvSpPr>
-            <a:spLocks noGrp="1"/>
-          </p:cNvSpPr>
-          <p:nvPr>
-            <p:ph type="body" sz="half" idx="2"/>
-          </p:nvPr>
-        </p:nvSpPr>
-        <p:spPr>
-          <a:xfrm>
-            <a:off x="635073" y="2898438"/>
-            <a:ext cx="3931920" cy="1035609"/>
-          </a:xfrm>
-        </p:spPr>
-        <p:txBody>
-          <a:bodyPr>
-            <a:noAutofit/>
-          </a:bodyPr>
-          <a:lstStyle/>
-          <a:p>
-            <a:r>
-              <a:rPr lang="fr-FR" dirty="0"/>
-              <a:t>Quelques exemples de tests unitaires du module test_monitor.py</a:t>
-            </a:r>
-          </a:p>
-          <a:p>
-            <a:r>
-              <a:rPr lang="fr-FR" dirty="0"/>
-              <a:t>Page ½.</a:t>
-            </a:r>
-          </a:p>
-        </p:txBody>
-      </p:sp>
-      <p:sp>
-        <p:nvSpPr>
-          <p:cNvPr id="2" name="Slide Number Placeholder 1">
-            <a:extLst>
-              <a:ext uri="{FF2B5EF4-FFF2-40B4-BE49-F238E27FC236}">
-                <a16:creationId xmlns:a16="http://schemas.microsoft.com/office/drawing/2014/main" id="{3EDDCF6C-A208-49C3-9D08-8DAC1DE85391}"/>
-              </a:ext>
-            </a:extLst>
-          </p:cNvPr>
-          <p:cNvSpPr>
-            <a:spLocks noGrp="1"/>
-          </p:cNvSpPr>
-          <p:nvPr>
-            <p:ph type="sldNum" sz="quarter" idx="12"/>
-          </p:nvPr>
-        </p:nvSpPr>
-        <p:spPr/>
-        <p:txBody>
-          <a:bodyPr/>
-          <a:lstStyle/>
-          <a:p>
-            <a:fld id="{C52ED629-2BC0-4D25-969E-9ED78B40D7C7}" type="slidenum">
-              <a:rPr lang="fr-FR" smtClean="0"/>
-              <a:t>61</a:t>
-            </a:fld>
-            <a:endParaRPr lang="fr-FR"/>
-          </a:p>
-        </p:txBody>
-      </p:sp>
-      <p:pic>
-        <p:nvPicPr>
-          <p:cNvPr id="6" name="Picture 5">
-            <a:extLst>
-              <a:ext uri="{FF2B5EF4-FFF2-40B4-BE49-F238E27FC236}">
-                <a16:creationId xmlns:a16="http://schemas.microsoft.com/office/drawing/2014/main" id="{720E8F8A-40E9-4313-AC19-4BA9A0C93141}"/>
-              </a:ext>
-            </a:extLst>
-          </p:cNvPr>
-          <p:cNvPicPr>
-            <a:picLocks noChangeAspect="1"/>
-          </p:cNvPicPr>
-          <p:nvPr/>
-        </p:nvPicPr>
-        <p:blipFill>
-          <a:blip r:embed="rId2"/>
-          <a:stretch>
-            <a:fillRect/>
-          </a:stretch>
-        </p:blipFill>
-        <p:spPr>
-          <a:xfrm>
-            <a:off x="4666474" y="951935"/>
-            <a:ext cx="6965543" cy="4762745"/>
-          </a:xfrm>
-          <a:prstGeom prst="rect">
-            <a:avLst/>
-          </a:prstGeom>
-        </p:spPr>
-      </p:pic>
-    </p:spTree>
-    <p:extLst>
-      <p:ext uri="{BB962C8B-B14F-4D97-AF65-F5344CB8AC3E}">
-        <p14:creationId xmlns:p14="http://schemas.microsoft.com/office/powerpoint/2010/main" val="1879394326"/>
-      </p:ext>
-    </p:extLst>
-  </p:cSld>
-  <p:clrMapOvr>
-    <a:masterClrMapping/>
-  </p:clrMapOvr>
-</p:sld>
-</file>
-
-<file path=ppt/slides/slide62.xml><?xml version="1.0" encoding="utf-8"?>
-<p:sld xmlns:a="http://schemas.openxmlformats.org/drawingml/2006/main" xmlns:r="http://schemas.openxmlformats.org/officeDocument/2006/relationships" xmlns:p="http://schemas.openxmlformats.org/presentationml/2006/main">
-  <p:cSld>
-    <p:spTree>
-      <p:nvGrpSpPr>
-        <p:cNvPr id="1" name=""/>
-        <p:cNvGrpSpPr/>
-        <p:nvPr/>
-      </p:nvGrpSpPr>
-      <p:grpSpPr>
-        <a:xfrm>
-          <a:off x="0" y="0"/>
-          <a:ext cx="0" cy="0"/>
-          <a:chOff x="0" y="0"/>
-          <a:chExt cx="0" cy="0"/>
-        </a:xfrm>
-      </p:grpSpPr>
-      <p:sp>
-        <p:nvSpPr>
-          <p:cNvPr id="2" name="Title 1">
-            <a:extLst>
-              <a:ext uri="{FF2B5EF4-FFF2-40B4-BE49-F238E27FC236}">
-                <a16:creationId xmlns:a16="http://schemas.microsoft.com/office/drawing/2014/main" id="{4960881C-4F72-454C-A8C1-6D1BA15E4B89}"/>
-              </a:ext>
-            </a:extLst>
-          </p:cNvPr>
-          <p:cNvSpPr>
-            <a:spLocks noGrp="1"/>
-          </p:cNvSpPr>
-          <p:nvPr>
-            <p:ph type="title"/>
-          </p:nvPr>
-        </p:nvSpPr>
-        <p:spPr>
-          <a:xfrm>
-            <a:off x="769309" y="1097280"/>
-            <a:ext cx="3931920" cy="1737360"/>
-          </a:xfrm>
-        </p:spPr>
-        <p:txBody>
-          <a:bodyPr/>
-          <a:lstStyle/>
-          <a:p>
-            <a:r>
-              <a:rPr lang="fr-FR" sz="3200" dirty="0"/>
-              <a:t>Tests unitaires suite</a:t>
-            </a:r>
-          </a:p>
-        </p:txBody>
-      </p:sp>
-      <p:sp>
-        <p:nvSpPr>
-          <p:cNvPr id="4" name="Text Placeholder 3">
-            <a:extLst>
-              <a:ext uri="{FF2B5EF4-FFF2-40B4-BE49-F238E27FC236}">
-                <a16:creationId xmlns:a16="http://schemas.microsoft.com/office/drawing/2014/main" id="{FEE69EA2-5101-43DB-A4BA-AD73B892C3D7}"/>
-              </a:ext>
-            </a:extLst>
-          </p:cNvPr>
-          <p:cNvSpPr>
-            <a:spLocks noGrp="1"/>
-          </p:cNvSpPr>
-          <p:nvPr>
-            <p:ph type="body" sz="half" idx="2"/>
-          </p:nvPr>
-        </p:nvSpPr>
-        <p:spPr>
-          <a:xfrm>
-            <a:off x="818042" y="2834640"/>
-            <a:ext cx="3883187" cy="897388"/>
-          </a:xfrm>
-        </p:spPr>
-        <p:txBody>
-          <a:bodyPr/>
-          <a:lstStyle/>
-          <a:p>
-            <a:r>
-              <a:rPr lang="fr-FR" dirty="0"/>
-              <a:t>test_monitor.py</a:t>
-            </a:r>
-          </a:p>
-          <a:p>
-            <a:r>
-              <a:rPr lang="fr-FR" dirty="0"/>
-              <a:t>page 2/2.</a:t>
-            </a:r>
-          </a:p>
-          <a:p>
-            <a:endParaRPr lang="fr-FR" dirty="0"/>
-          </a:p>
-        </p:txBody>
-      </p:sp>
-      <p:sp>
-        <p:nvSpPr>
-          <p:cNvPr id="5" name="Slide Number Placeholder 4">
-            <a:extLst>
-              <a:ext uri="{FF2B5EF4-FFF2-40B4-BE49-F238E27FC236}">
-                <a16:creationId xmlns:a16="http://schemas.microsoft.com/office/drawing/2014/main" id="{6AF34CA0-3E8B-425E-B3DB-04078EA59A02}"/>
-              </a:ext>
-            </a:extLst>
-          </p:cNvPr>
-          <p:cNvSpPr>
-            <a:spLocks noGrp="1"/>
-          </p:cNvSpPr>
-          <p:nvPr>
-            <p:ph type="sldNum" sz="quarter" idx="12"/>
-          </p:nvPr>
-        </p:nvSpPr>
-        <p:spPr/>
-        <p:txBody>
-          <a:bodyPr/>
-          <a:lstStyle/>
-          <a:p>
-            <a:fld id="{C52ED629-2BC0-4D25-969E-9ED78B40D7C7}" type="slidenum">
-              <a:rPr lang="fr-FR" smtClean="0"/>
-              <a:t>62</a:t>
-            </a:fld>
-            <a:endParaRPr lang="fr-FR"/>
-          </a:p>
-        </p:txBody>
-      </p:sp>
-      <p:pic>
-        <p:nvPicPr>
-          <p:cNvPr id="6" name="Picture 5">
-            <a:extLst>
-              <a:ext uri="{FF2B5EF4-FFF2-40B4-BE49-F238E27FC236}">
-                <a16:creationId xmlns:a16="http://schemas.microsoft.com/office/drawing/2014/main" id="{029ADD83-45D3-4EB6-891C-37580FB15501}"/>
-              </a:ext>
-            </a:extLst>
-          </p:cNvPr>
-          <p:cNvPicPr>
-            <a:picLocks noChangeAspect="1"/>
-          </p:cNvPicPr>
-          <p:nvPr/>
-        </p:nvPicPr>
-        <p:blipFill>
-          <a:blip r:embed="rId2"/>
-          <a:stretch>
-            <a:fillRect/>
-          </a:stretch>
-        </p:blipFill>
-        <p:spPr>
-          <a:xfrm>
-            <a:off x="4858014" y="1121911"/>
-            <a:ext cx="6655134" cy="4320000"/>
-          </a:xfrm>
-          <a:prstGeom prst="rect">
-            <a:avLst/>
-          </a:prstGeom>
-        </p:spPr>
-      </p:pic>
-    </p:spTree>
-    <p:extLst>
-      <p:ext uri="{BB962C8B-B14F-4D97-AF65-F5344CB8AC3E}">
-        <p14:creationId xmlns:p14="http://schemas.microsoft.com/office/powerpoint/2010/main" val="2618588910"/>
-      </p:ext>
-    </p:extLst>
-  </p:cSld>
-  <p:clrMapOvr>
-    <a:masterClrMapping/>
-  </p:clrMapOvr>
-</p:sld>
-</file>
-
-<file path=ppt/slides/slide63.xml><?xml version="1.0" encoding="utf-8"?>
-<p:sld xmlns:a="http://schemas.openxmlformats.org/drawingml/2006/main" xmlns:r="http://schemas.openxmlformats.org/officeDocument/2006/relationships" xmlns:p="http://schemas.openxmlformats.org/presentationml/2006/main">
-  <p:cSld>
-    <p:spTree>
-      <p:nvGrpSpPr>
-        <p:cNvPr id="1" name=""/>
-        <p:cNvGrpSpPr/>
-        <p:nvPr/>
-      </p:nvGrpSpPr>
-      <p:grpSpPr>
-        <a:xfrm>
-          <a:off x="0" y="0"/>
-          <a:ext cx="0" cy="0"/>
-          <a:chOff x="0" y="0"/>
-          <a:chExt cx="0" cy="0"/>
-        </a:xfrm>
-      </p:grpSpPr>
-      <p:sp>
-        <p:nvSpPr>
-          <p:cNvPr id="2" name="Title 1">
-            <a:extLst>
-              <a:ext uri="{FF2B5EF4-FFF2-40B4-BE49-F238E27FC236}">
-                <a16:creationId xmlns:a16="http://schemas.microsoft.com/office/drawing/2014/main" id="{B6824682-5D06-47BE-9321-79D004AB9B84}"/>
-              </a:ext>
-            </a:extLst>
-          </p:cNvPr>
-          <p:cNvSpPr>
-            <a:spLocks noGrp="1"/>
-          </p:cNvSpPr>
-          <p:nvPr>
-            <p:ph type="title"/>
-          </p:nvPr>
-        </p:nvSpPr>
-        <p:spPr>
-          <a:xfrm>
-            <a:off x="1143000" y="609600"/>
-            <a:ext cx="9875520" cy="365125"/>
-          </a:xfrm>
-        </p:spPr>
-        <p:txBody>
-          <a:bodyPr>
-            <a:normAutofit fontScale="90000"/>
-          </a:bodyPr>
-          <a:lstStyle/>
-          <a:p>
-            <a:r>
-              <a:rPr lang="fr-FR" dirty="0"/>
-              <a:t>Pylint avec le module lint.py</a:t>
-            </a:r>
-          </a:p>
-        </p:txBody>
-      </p:sp>
-      <p:pic>
-        <p:nvPicPr>
-          <p:cNvPr id="8" name="Content Placeholder 7">
-            <a:extLst>
-              <a:ext uri="{FF2B5EF4-FFF2-40B4-BE49-F238E27FC236}">
-                <a16:creationId xmlns:a16="http://schemas.microsoft.com/office/drawing/2014/main" id="{AD0BD107-A7C9-4063-BEFB-883029507206}"/>
-              </a:ext>
-            </a:extLst>
-          </p:cNvPr>
-          <p:cNvPicPr>
-            <a:picLocks noGrp="1" noChangeAspect="1"/>
-          </p:cNvPicPr>
-          <p:nvPr>
-            <p:ph idx="1"/>
-          </p:nvPr>
-        </p:nvPicPr>
-        <p:blipFill>
-          <a:blip r:embed="rId2"/>
-          <a:stretch>
-            <a:fillRect/>
-          </a:stretch>
-        </p:blipFill>
-        <p:spPr>
-          <a:xfrm>
-            <a:off x="1748382" y="1201556"/>
-            <a:ext cx="8664756" cy="5121275"/>
-          </a:xfrm>
-        </p:spPr>
-      </p:pic>
-      <p:sp>
-        <p:nvSpPr>
-          <p:cNvPr id="4" name="Slide Number Placeholder 3">
-            <a:extLst>
-              <a:ext uri="{FF2B5EF4-FFF2-40B4-BE49-F238E27FC236}">
-                <a16:creationId xmlns:a16="http://schemas.microsoft.com/office/drawing/2014/main" id="{E1539F83-44F9-4179-B706-6F653B33D0DE}"/>
-              </a:ext>
-            </a:extLst>
-          </p:cNvPr>
-          <p:cNvSpPr>
-            <a:spLocks noGrp="1"/>
-          </p:cNvSpPr>
-          <p:nvPr>
-            <p:ph type="sldNum" sz="quarter" idx="12"/>
-          </p:nvPr>
-        </p:nvSpPr>
-        <p:spPr/>
-        <p:txBody>
-          <a:bodyPr/>
-          <a:lstStyle/>
-          <a:p>
-            <a:fld id="{C52ED629-2BC0-4D25-969E-9ED78B40D7C7}" type="slidenum">
-              <a:rPr lang="fr-FR" smtClean="0"/>
-              <a:t>63</a:t>
-            </a:fld>
-            <a:endParaRPr lang="fr-FR"/>
-          </a:p>
-        </p:txBody>
-      </p:sp>
-    </p:spTree>
-    <p:extLst>
-      <p:ext uri="{BB962C8B-B14F-4D97-AF65-F5344CB8AC3E}">
-        <p14:creationId xmlns:p14="http://schemas.microsoft.com/office/powerpoint/2010/main" val="1752756735"/>
-      </p:ext>
-    </p:extLst>
-  </p:cSld>
-  <p:clrMapOvr>
-    <a:masterClrMapping/>
-  </p:clrMapOvr>
-</p:sld>
-</file>
-
-<file path=ppt/slides/slide64.xml><?xml version="1.0" encoding="utf-8"?>
-<p:sld xmlns:a="http://schemas.openxmlformats.org/drawingml/2006/main" xmlns:r="http://schemas.openxmlformats.org/officeDocument/2006/relationships" xmlns:p="http://schemas.openxmlformats.org/presentationml/2006/main">
-  <p:cSld>
-    <p:spTree>
-      <p:nvGrpSpPr>
-        <p:cNvPr id="1" name=""/>
-        <p:cNvGrpSpPr/>
-        <p:nvPr/>
-      </p:nvGrpSpPr>
-      <p:grpSpPr>
-        <a:xfrm>
-          <a:off x="0" y="0"/>
-          <a:ext cx="0" cy="0"/>
-          <a:chOff x="0" y="0"/>
-          <a:chExt cx="0" cy="0"/>
-        </a:xfrm>
-      </p:grpSpPr>
-      <p:sp>
-        <p:nvSpPr>
-          <p:cNvPr id="2" name="Title 1">
-            <a:extLst>
-              <a:ext uri="{FF2B5EF4-FFF2-40B4-BE49-F238E27FC236}">
-                <a16:creationId xmlns:a16="http://schemas.microsoft.com/office/drawing/2014/main" id="{2D9BE37F-9AF0-44C0-886D-14D92A5E9052}"/>
-              </a:ext>
-            </a:extLst>
-          </p:cNvPr>
-          <p:cNvSpPr>
-            <a:spLocks noGrp="1"/>
-          </p:cNvSpPr>
-          <p:nvPr>
-            <p:ph type="title"/>
-          </p:nvPr>
-        </p:nvSpPr>
-        <p:spPr>
-          <a:xfrm>
-            <a:off x="1143000" y="609600"/>
-            <a:ext cx="9875520" cy="704850"/>
-          </a:xfrm>
-        </p:spPr>
-        <p:txBody>
-          <a:bodyPr/>
-          <a:lstStyle/>
-          <a:p>
-            <a:r>
-              <a:rPr lang="fr-FR" dirty="0"/>
-              <a:t>Conclusion</a:t>
-            </a:r>
-          </a:p>
-        </p:txBody>
-      </p:sp>
-      <p:sp>
-        <p:nvSpPr>
-          <p:cNvPr id="3" name="Content Placeholder 2">
-            <a:extLst>
-              <a:ext uri="{FF2B5EF4-FFF2-40B4-BE49-F238E27FC236}">
-                <a16:creationId xmlns:a16="http://schemas.microsoft.com/office/drawing/2014/main" id="{CE097B3D-BE10-49DA-8991-C23783BC9299}"/>
-              </a:ext>
-            </a:extLst>
-          </p:cNvPr>
-          <p:cNvSpPr>
-            <a:spLocks noGrp="1"/>
-          </p:cNvSpPr>
-          <p:nvPr>
-            <p:ph idx="1"/>
-          </p:nvPr>
-        </p:nvSpPr>
-        <p:spPr>
-          <a:xfrm>
-            <a:off x="1143000" y="1457325"/>
-            <a:ext cx="9872871" cy="4638675"/>
-          </a:xfrm>
-        </p:spPr>
-        <p:txBody>
-          <a:bodyPr>
-            <a:normAutofit/>
-          </a:bodyPr>
-          <a:lstStyle/>
-          <a:p>
-            <a:pPr marL="45720" indent="0" algn="just">
-              <a:buNone/>
-            </a:pPr>
-            <a:r>
-              <a:rPr lang="fr-FR" dirty="0"/>
-              <a:t>L’application web est en ligne avec la partie principale du backend en fonction (historisation et recherche), tout en ayant rempli un certains nombres de tests et de critères concernant le code.</a:t>
-            </a:r>
-          </a:p>
-          <a:p>
-            <a:pPr marL="45720" indent="0">
-              <a:buNone/>
-            </a:pPr>
-            <a:r>
-              <a:rPr lang="fr-FR" dirty="0"/>
-              <a:t>Vu la durée du stage (2 mois) et le temps nécessaire pour me former reste à faire :</a:t>
-            </a:r>
-          </a:p>
-          <a:p>
-            <a:pPr>
-              <a:buFont typeface="Wingdings" panose="05000000000000000000" pitchFamily="2" charset="2"/>
-              <a:buChar char="§"/>
-            </a:pPr>
-            <a:r>
-              <a:rPr lang="fr-FR" dirty="0"/>
-              <a:t>Compléter le Backend.</a:t>
-            </a:r>
-          </a:p>
-          <a:p>
-            <a:pPr>
-              <a:buFont typeface="Wingdings" panose="05000000000000000000" pitchFamily="2" charset="2"/>
-              <a:buChar char="§"/>
-            </a:pPr>
-            <a:r>
-              <a:rPr lang="fr-FR" dirty="0"/>
-              <a:t>Le Frontend : L’</a:t>
-            </a:r>
-            <a:r>
-              <a:rPr lang="fr-FR" dirty="0" err="1"/>
-              <a:t>authentication</a:t>
-            </a:r>
-            <a:r>
-              <a:rPr lang="fr-FR" dirty="0"/>
-              <a:t>.</a:t>
-            </a:r>
-          </a:p>
-          <a:p>
-            <a:pPr>
-              <a:buFont typeface="Wingdings" panose="05000000000000000000" pitchFamily="2" charset="2"/>
-              <a:buChar char="§"/>
-            </a:pPr>
-            <a:r>
-              <a:rPr lang="fr-FR" dirty="0"/>
-              <a:t>Mettre en place une base de données SAP Hana.</a:t>
-            </a:r>
-            <a:endParaRPr lang="fr-FR" b="1" dirty="0"/>
-          </a:p>
-        </p:txBody>
-      </p:sp>
-      <p:sp>
-        <p:nvSpPr>
-          <p:cNvPr id="4" name="Slide Number Placeholder 3">
-            <a:extLst>
-              <a:ext uri="{FF2B5EF4-FFF2-40B4-BE49-F238E27FC236}">
-                <a16:creationId xmlns:a16="http://schemas.microsoft.com/office/drawing/2014/main" id="{E2D53EDA-94B6-4BC2-9CF2-C2CE6F0E0F88}"/>
-              </a:ext>
-            </a:extLst>
-          </p:cNvPr>
-          <p:cNvSpPr>
-            <a:spLocks noGrp="1"/>
-          </p:cNvSpPr>
-          <p:nvPr>
-            <p:ph type="sldNum" sz="quarter" idx="12"/>
-          </p:nvPr>
-        </p:nvSpPr>
-        <p:spPr/>
-        <p:txBody>
-          <a:bodyPr/>
-          <a:lstStyle/>
-          <a:p>
-            <a:fld id="{C52ED629-2BC0-4D25-969E-9ED78B40D7C7}" type="slidenum">
-              <a:rPr lang="fr-FR" smtClean="0"/>
-              <a:t>64</a:t>
-            </a:fld>
-            <a:endParaRPr lang="fr-FR"/>
-          </a:p>
-        </p:txBody>
-      </p:sp>
-    </p:spTree>
-    <p:extLst>
-      <p:ext uri="{BB962C8B-B14F-4D97-AF65-F5344CB8AC3E}">
-        <p14:creationId xmlns:p14="http://schemas.microsoft.com/office/powerpoint/2010/main" val="898043026"/>
       </p:ext>
     </p:extLst>
   </p:cSld>
@@ -18017,11 +16416,7 @@
             </a:r>
             <a:r>
               <a:rPr lang="fr-FR" sz="1900" b="1" dirty="0" smtClean="0"/>
-              <a:t> </a:t>
-            </a:r>
-            <a:r>
-              <a:rPr lang="fr-FR" sz="1900" b="1" dirty="0" smtClean="0"/>
-              <a:t>2.5.4</a:t>
+              <a:t> 2.5.4</a:t>
             </a:r>
             <a:r>
               <a:rPr lang="fr-FR" sz="1900" dirty="0"/>
@@ -18033,11 +16428,7 @@
             </a:r>
             <a:r>
               <a:rPr lang="fr-FR" sz="1900" dirty="0" smtClean="0"/>
-              <a:t> </a:t>
-            </a:r>
-            <a:r>
-              <a:rPr lang="fr-FR" sz="1900" dirty="0" smtClean="0"/>
-              <a:t>Un </a:t>
+              <a:t> Un </a:t>
             </a:r>
             <a:r>
               <a:rPr lang="fr-FR" sz="1900" dirty="0" err="1" smtClean="0"/>
@@ -18097,15 +16488,7 @@
                   <a:srgbClr val="4A66AC"/>
                 </a:solidFill>
               </a:rPr>
-              <a:t> </a:t>
-            </a:r>
-            <a:r>
-              <a:rPr lang="fr-FR" dirty="0" smtClean="0">
-                <a:solidFill>
-                  <a:srgbClr val="4A66AC"/>
-                </a:solidFill>
-              </a:rPr>
-              <a:t>utilisées</a:t>
+              <a:t> utilisées</a:t>
             </a:r>
             <a:r>
               <a:rPr lang="fr-FR" sz="2200" dirty="0" smtClean="0">
@@ -18115,11 +16498,6 @@
               </a:rPr>
               <a:t>:</a:t>
             </a:r>
-            <a:endParaRPr lang="fr-FR" sz="2200" dirty="0" smtClean="0">
-              <a:solidFill>
-                <a:srgbClr val="4A66AC"/>
-              </a:solidFill>
-            </a:endParaRPr>
           </a:p>
           <a:p>
             <a:pPr lvl="2">
@@ -18136,11 +16514,7 @@
             </a:r>
             <a:r>
               <a:rPr lang="fr-FR" dirty="0"/>
-              <a:t> </a:t>
-            </a:r>
-            <a:r>
-              <a:rPr lang="fr-FR" dirty="0"/>
-              <a:t>—</a:t>
+              <a:t> —</a:t>
             </a:r>
             <a:r>
               <a:rPr lang="fr-FR" dirty="0" smtClean="0"/>
@@ -18207,15 +16581,7 @@
                   <a:srgbClr val="4A66AC"/>
                 </a:solidFill>
               </a:rPr>
-              <a:t> </a:t>
-            </a:r>
-            <a:r>
-              <a:rPr lang="fr-FR" sz="2000" b="1" dirty="0" smtClean="0">
-                <a:solidFill>
-                  <a:srgbClr val="4A66AC"/>
-                </a:solidFill>
-              </a:rPr>
-              <a:t>12</a:t>
+              <a:t> 12</a:t>
             </a:r>
             <a:r>
               <a:rPr lang="fr-FR" sz="2000" dirty="0">
@@ -19788,21 +18154,6 @@
 </file>
 
 <file path=customXml/item1.xml><?xml version="1.0" encoding="utf-8"?>
-<?mso-contentType ?>
-<FormTemplates xmlns="http://schemas.microsoft.com/sharepoint/v3/contenttype/forms">
-  <Display>DocumentLibraryForm</Display>
-  <Edit>DocumentLibraryForm</Edit>
-  <New>DocumentLibraryForm</New>
-</FormTemplates>
-</file>
-
-<file path=customXml/item2.xml><?xml version="1.0" encoding="utf-8"?>
-<p:properties xmlns:p="http://schemas.microsoft.com/office/2006/metadata/properties" xmlns:xsi="http://www.w3.org/2001/XMLSchema-instance" xmlns:pc="http://schemas.microsoft.com/office/infopath/2007/PartnerControls">
-  <documentManagement/>
-</p:properties>
-</file>
-
-<file path=customXml/item3.xml><?xml version="1.0" encoding="utf-8"?>
 <ct:contentTypeSchema xmlns:ct="http://schemas.microsoft.com/office/2006/metadata/contentType" xmlns:ma="http://schemas.microsoft.com/office/2006/metadata/properties/metaAttributes" ct:_="" ma:_="" ma:contentTypeName="Document" ma:contentTypeID="0x010100CA2FD6F1506F564BB79A97F9C245AD34" ma:contentTypeVersion="11" ma:contentTypeDescription="Create a new document." ma:contentTypeScope="" ma:versionID="62e164dc57e6337fb0bd5548eaf0c6d8">
   <xsd:schema xmlns:xsd="http://www.w3.org/2001/XMLSchema" xmlns:xs="http://www.w3.org/2001/XMLSchema" xmlns:p="http://schemas.microsoft.com/office/2006/metadata/properties" xmlns:ns3="386f4720-9db4-4950-8ffd-cd1ef4b846d5" xmlns:ns4="025efd7d-4e1d-49ec-b269-b81537660960" targetNamespace="http://schemas.microsoft.com/office/2006/metadata/properties" ma:root="true" ma:fieldsID="2653329da7d3ee0d0965a72fb4ee83ab" ns3:_="" ns4:_="">
     <xsd:import namespace="386f4720-9db4-4950-8ffd-cd1ef4b846d5"/>
@@ -20011,32 +18362,22 @@
 </ct:contentTypeSchema>
 </file>
 
-<file path=customXml/itemProps1.xml><?xml version="1.0" encoding="utf-8"?>
-<ds:datastoreItem xmlns:ds="http://schemas.openxmlformats.org/officeDocument/2006/customXml" ds:itemID="{FA2ECFDE-CCCD-4184-981F-FCB1A88E5D9B}">
-  <ds:schemaRefs>
-    <ds:schemaRef ds:uri="http://schemas.microsoft.com/sharepoint/v3/contenttype/forms"/>
-  </ds:schemaRefs>
-</ds:datastoreItem>
+<file path=customXml/item2.xml><?xml version="1.0" encoding="utf-8"?>
+<?mso-contentType ?>
+<FormTemplates xmlns="http://schemas.microsoft.com/sharepoint/v3/contenttype/forms">
+  <Display>DocumentLibraryForm</Display>
+  <Edit>DocumentLibraryForm</Edit>
+  <New>DocumentLibraryForm</New>
+</FormTemplates>
 </file>
 
-<file path=customXml/itemProps2.xml><?xml version="1.0" encoding="utf-8"?>
-<ds:datastoreItem xmlns:ds="http://schemas.openxmlformats.org/officeDocument/2006/customXml" ds:itemID="{F277AA4F-207B-4045-A452-6C98BA7AB2BD}">
-  <ds:schemaRefs>
-    <ds:schemaRef ds:uri="http://schemas.openxmlformats.org/package/2006/metadata/core-properties"/>
-    <ds:schemaRef ds:uri="http://purl.org/dc/dcmitype/"/>
-    <ds:schemaRef ds:uri="386f4720-9db4-4950-8ffd-cd1ef4b846d5"/>
-    <ds:schemaRef ds:uri="http://schemas.microsoft.com/office/2006/metadata/properties"/>
-    <ds:schemaRef ds:uri="http://purl.org/dc/terms/"/>
-    <ds:schemaRef ds:uri="http://schemas.microsoft.com/office/infopath/2007/PartnerControls"/>
-    <ds:schemaRef ds:uri="http://www.w3.org/XML/1998/namespace"/>
-    <ds:schemaRef ds:uri="http://schemas.microsoft.com/office/2006/documentManagement/types"/>
-    <ds:schemaRef ds:uri="025efd7d-4e1d-49ec-b269-b81537660960"/>
-    <ds:schemaRef ds:uri="http://purl.org/dc/elements/1.1/"/>
-  </ds:schemaRefs>
-</ds:datastoreItem>
+<file path=customXml/item3.xml><?xml version="1.0" encoding="utf-8"?>
+<p:properties xmlns:p="http://schemas.microsoft.com/office/2006/metadata/properties" xmlns:xsi="http://www.w3.org/2001/XMLSchema-instance" xmlns:pc="http://schemas.microsoft.com/office/infopath/2007/PartnerControls">
+  <documentManagement/>
+</p:properties>
 </file>
 
-<file path=customXml/itemProps3.xml><?xml version="1.0" encoding="utf-8"?>
+<file path=customXml/itemProps1.xml><?xml version="1.0" encoding="utf-8"?>
 <ds:datastoreItem xmlns:ds="http://schemas.openxmlformats.org/officeDocument/2006/customXml" ds:itemID="{92BA7C88-2CFC-403E-9565-3952D53463F0}">
   <ds:schemaRefs>
     <ds:schemaRef ds:uri="http://schemas.microsoft.com/office/2006/metadata/contentType"/>
@@ -20053,4 +18394,29 @@
     <ds:schemaRef ds:uri="http://schemas.microsoft.com/internal/obd"/>
   </ds:schemaRefs>
 </ds:datastoreItem>
+</file>
+
+<file path=customXml/itemProps2.xml><?xml version="1.0" encoding="utf-8"?>
+<ds:datastoreItem xmlns:ds="http://schemas.openxmlformats.org/officeDocument/2006/customXml" ds:itemID="{FA2ECFDE-CCCD-4184-981F-FCB1A88E5D9B}">
+  <ds:schemaRefs>
+    <ds:schemaRef ds:uri="http://schemas.microsoft.com/sharepoint/v3/contenttype/forms"/>
+  </ds:schemaRefs>
+</ds:datastoreItem>
+</file>
+
+<file path=customXml/itemProps3.xml><?xml version="1.0" encoding="utf-8"?>
+<ds:datastoreItem xmlns:ds="http://schemas.openxmlformats.org/officeDocument/2006/customXml" ds:itemID="{F277AA4F-207B-4045-A452-6C98BA7AB2BD}">
+  <ds:schemaRefs>
+    <ds:schemaRef ds:uri="http://schemas.openxmlformats.org/package/2006/metadata/core-properties"/>
+    <ds:schemaRef ds:uri="http://purl.org/dc/dcmitype/"/>
+    <ds:schemaRef ds:uri="386f4720-9db4-4950-8ffd-cd1ef4b846d5"/>
+    <ds:schemaRef ds:uri="http://schemas.microsoft.com/office/2006/metadata/properties"/>
+    <ds:schemaRef ds:uri="http://purl.org/dc/terms/"/>
+    <ds:schemaRef ds:uri="http://schemas.microsoft.com/office/infopath/2007/PartnerControls"/>
+    <ds:schemaRef ds:uri="http://www.w3.org/XML/1998/namespace"/>
+    <ds:schemaRef ds:uri="http://schemas.microsoft.com/office/2006/documentManagement/types"/>
+    <ds:schemaRef ds:uri="025efd7d-4e1d-49ec-b269-b81537660960"/>
+    <ds:schemaRef ds:uri="http://purl.org/dc/elements/1.1/"/>
+  </ds:schemaRefs>
+</ds:datastoreItem>
 </file>
--- a/rapport.PPTX
+++ b/rapport.PPTX
@@ -27,7 +27,7 @@
     <p:sldId id="282" r:id="rId18"/>
     <p:sldId id="269" r:id="rId19"/>
     <p:sldId id="309" r:id="rId20"/>
-    <p:sldId id="327" r:id="rId21"/>
+    <p:sldId id="374" r:id="rId21"/>
     <p:sldId id="305" r:id="rId22"/>
     <p:sldId id="306" r:id="rId23"/>
     <p:sldId id="279" r:id="rId24"/>
@@ -212,7 +212,7 @@
           <p14:sldIdLst>
             <p14:sldId id="269"/>
             <p14:sldId id="309"/>
-            <p14:sldId id="327"/>
+            <p14:sldId id="374"/>
             <p14:sldId id="305"/>
             <p14:sldId id="306"/>
             <p14:sldId id="279"/>
@@ -389,7 +389,7 @@
           <a:p>
             <a:fld id="{8E9E7A7A-AB17-487C-9EC3-81C5DE33C772}" type="datetimeFigureOut">
               <a:rPr lang="fr-FR" smtClean="0"/>
-              <a:t>30/08/2021</a:t>
+              <a:t>31/08/2021</a:t>
             </a:fld>
             <a:endParaRPr lang="fr-FR"/>
           </a:p>
@@ -567,7 +567,7 @@
           <a:p>
             <a:fld id="{4A3D6330-6607-4266-91C5-92E4A45F29CC}" type="datetimeFigureOut">
               <a:rPr lang="fr-FR" smtClean="0"/>
-              <a:t>30/08/2021</a:t>
+              <a:t>31/08/2021</a:t>
             </a:fld>
             <a:endParaRPr lang="fr-FR"/>
           </a:p>
@@ -1805,7 +1805,7 @@
           <a:p>
             <a:fld id="{FF5FEE95-2E83-4D45-987C-F0DA7B5E64B4}" type="datetime1">
               <a:rPr lang="fr-FR" smtClean="0"/>
-              <a:t>30/08/2021</a:t>
+              <a:t>31/08/2021</a:t>
             </a:fld>
             <a:endParaRPr lang="fr-FR"/>
           </a:p>
@@ -2027,7 +2027,7 @@
           <a:p>
             <a:fld id="{FF5FEE95-2E83-4D45-987C-F0DA7B5E64B4}" type="datetime1">
               <a:rPr lang="fr-FR" smtClean="0"/>
-              <a:t>30/08/2021</a:t>
+              <a:t>31/08/2021</a:t>
             </a:fld>
             <a:endParaRPr lang="fr-FR"/>
           </a:p>
@@ -2208,7 +2208,7 @@
           <a:p>
             <a:fld id="{FF5FEE95-2E83-4D45-987C-F0DA7B5E64B4}" type="datetime1">
               <a:rPr lang="fr-FR" smtClean="0"/>
-              <a:t>30/08/2021</a:t>
+              <a:t>31/08/2021</a:t>
             </a:fld>
             <a:endParaRPr lang="fr-FR"/>
           </a:p>
@@ -2379,7 +2379,7 @@
           <a:p>
             <a:fld id="{FF5FEE95-2E83-4D45-987C-F0DA7B5E64B4}" type="datetime1">
               <a:rPr lang="fr-FR" smtClean="0"/>
-              <a:t>30/08/2021</a:t>
+              <a:t>31/08/2021</a:t>
             </a:fld>
             <a:endParaRPr lang="fr-FR"/>
           </a:p>
@@ -2631,7 +2631,7 @@
           <a:p>
             <a:fld id="{FF5FEE95-2E83-4D45-987C-F0DA7B5E64B4}" type="datetime1">
               <a:rPr lang="fr-FR" smtClean="0"/>
-              <a:t>30/08/2021</a:t>
+              <a:t>31/08/2021</a:t>
             </a:fld>
             <a:endParaRPr lang="fr-FR"/>
           </a:p>
@@ -2955,7 +2955,7 @@
           <a:p>
             <a:fld id="{FF5FEE95-2E83-4D45-987C-F0DA7B5E64B4}" type="datetime1">
               <a:rPr lang="fr-FR" smtClean="0"/>
-              <a:t>30/08/2021</a:t>
+              <a:t>31/08/2021</a:t>
             </a:fld>
             <a:endParaRPr lang="fr-FR"/>
           </a:p>
@@ -3380,7 +3380,7 @@
           <a:p>
             <a:fld id="{FF5FEE95-2E83-4D45-987C-F0DA7B5E64B4}" type="datetime1">
               <a:rPr lang="fr-FR" smtClean="0"/>
-              <a:t>30/08/2021</a:t>
+              <a:t>31/08/2021</a:t>
             </a:fld>
             <a:endParaRPr lang="fr-FR"/>
           </a:p>
@@ -3499,7 +3499,7 @@
           <a:p>
             <a:fld id="{FF5FEE95-2E83-4D45-987C-F0DA7B5E64B4}" type="datetime1">
               <a:rPr lang="fr-FR" smtClean="0"/>
-              <a:t>30/08/2021</a:t>
+              <a:t>31/08/2021</a:t>
             </a:fld>
             <a:endParaRPr lang="fr-FR"/>
           </a:p>
@@ -3595,7 +3595,7 @@
           <a:p>
             <a:fld id="{FF5FEE95-2E83-4D45-987C-F0DA7B5E64B4}" type="datetime1">
               <a:rPr lang="fr-FR" smtClean="0"/>
-              <a:t>30/08/2021</a:t>
+              <a:t>31/08/2021</a:t>
             </a:fld>
             <a:endParaRPr lang="fr-FR"/>
           </a:p>
@@ -3886,7 +3886,7 @@
           <a:p>
             <a:fld id="{FF5FEE95-2E83-4D45-987C-F0DA7B5E64B4}" type="datetime1">
               <a:rPr lang="fr-FR" smtClean="0"/>
-              <a:t>30/08/2021</a:t>
+              <a:t>31/08/2021</a:t>
             </a:fld>
             <a:endParaRPr lang="fr-FR"/>
           </a:p>
@@ -4159,7 +4159,7 @@
           <a:p>
             <a:fld id="{FF5FEE95-2E83-4D45-987C-F0DA7B5E64B4}" type="datetime1">
               <a:rPr lang="fr-FR" smtClean="0"/>
-              <a:t>30/08/2021</a:t>
+              <a:t>31/08/2021</a:t>
             </a:fld>
             <a:endParaRPr lang="fr-FR"/>
           </a:p>
@@ -4414,7 +4414,7 @@
           <a:p>
             <a:fld id="{FF5FEE95-2E83-4D45-987C-F0DA7B5E64B4}" type="datetime1">
               <a:rPr lang="fr-FR" smtClean="0"/>
-              <a:t>30/08/2021</a:t>
+              <a:t>31/08/2021</a:t>
             </a:fld>
             <a:endParaRPr lang="fr-FR"/>
           </a:p>
@@ -5176,6 +5176,13 @@
   <p:clrMapOvr>
     <a:masterClrMapping/>
   </p:clrMapOvr>
+  <p:timing>
+    <p:tnLst>
+      <p:par>
+        <p:cTn id="1" dur="indefinite" restart="never" nodeType="tmRoot"/>
+      </p:par>
+    </p:tnLst>
+  </p:timing>
 </p:sld>
 </file>
 
@@ -5264,16 +5271,45 @@
             </a:pPr>
             <a:r>
               <a:rPr lang="fr-FR" dirty="0"/>
-              <a:t>Le développement s’est fait en plusieurs étapes (capture d’écran du dépôt GitHub à la page suivante). Une première version avec la structure minimale mise en ligne, une fois stable des composants ont été ajoutés. Idem pour les versions suivantes, ajout ou changement de composants une fois le résultat souhaité obtenu.</a:t>
-            </a:r>
-          </a:p>
-          <a:p>
-            <a:pPr marL="45720" indent="0">
-              <a:buNone/>
+              <a:t>Le développement s’est fait en plusieurs étapes (capture d’écran du dépôt GitHub à la page suivante). Une première version avec la structure minimale mise en ligne, une fois stable, de nouveaux composants ont été ajoutés, d'abord dans leurs propres branches, et une fois confirmés fonctionnels, fusionnés dans la branche </a:t>
+            </a:r>
+            <a:r>
+              <a:rPr lang="fr-FR" dirty="0" err="1"/>
+              <a:t>principale.Les</a:t>
+            </a:r>
+            <a:r>
+              <a:rPr lang="fr-FR" dirty="0"/>
+              <a:t> </a:t>
+            </a:r>
+            <a:r>
+              <a:rPr lang="fr-FR" dirty="0" smtClean="0"/>
+              <a:t>versions :</a:t>
+            </a:r>
+            <a:br>
+              <a:rPr lang="fr-FR" dirty="0" smtClean="0"/>
+            </a:br>
+            <a:endParaRPr lang="fr-FR" dirty="0" smtClean="0"/>
+          </a:p>
+          <a:p>
+            <a:pPr lvl="1">
+              <a:buFont typeface="Wingdings" panose="05000000000000000000" pitchFamily="2" charset="2"/>
+              <a:buChar char="§"/>
             </a:pPr>
             <a:r>
+              <a:rPr lang="fr-FR" dirty="0" smtClean="0"/>
+              <a:t>Squelette </a:t>
+            </a:r>
+            <a:r>
               <a:rPr lang="fr-FR" dirty="0"/>
-              <a:t>Les versions :</a:t>
+              <a:t>de base du projet. Interfaces requises, composants pour la page de connexion, la page d'inscription, la page d'accueil et la page de profil. Services pour les composants qui doivent communiquer avec le </a:t>
+            </a:r>
+            <a:r>
+              <a:rPr lang="fr-FR" dirty="0" err="1"/>
+              <a:t>backend</a:t>
+            </a:r>
+            <a:r>
+              <a:rPr lang="fr-FR" dirty="0"/>
+              <a:t>.</a:t>
             </a:r>
             <a:br>
               <a:rPr lang="fr-FR" dirty="0"/>
@@ -5286,24 +5322,40 @@
               <a:buChar char="§"/>
             </a:pPr>
             <a:r>
+              <a:rPr lang="fr-FR" dirty="0"/>
+              <a:t>Ajout de la possibilité de se connecter. </a:t>
+            </a:r>
+            <a:r>
+              <a:rPr lang="fr-FR" dirty="0" err="1"/>
+              <a:t>Frontend</a:t>
+            </a:r>
+            <a:r>
+              <a:rPr lang="fr-FR" dirty="0"/>
+              <a:t> : ajout d'un intercepteur de requêtes http pour ajouter des en-têtes d'authentification à chaque requête, et sur le </a:t>
+            </a:r>
+            <a:r>
+              <a:rPr lang="fr-FR" dirty="0" err="1"/>
+              <a:t>backend</a:t>
+            </a:r>
+            <a:r>
+              <a:rPr lang="fr-FR" dirty="0"/>
+              <a:t> : filtres et points d'entrée, pour générer, valider et envoyer des jetons d'authentification au </a:t>
+            </a:r>
+            <a:r>
+              <a:rPr lang="fr-FR" dirty="0" err="1"/>
+              <a:t>client.Ajout</a:t>
+            </a:r>
+            <a:r>
+              <a:rPr lang="fr-FR" dirty="0"/>
+              <a:t> d’une tâche de fonds périodique (</a:t>
+            </a:r>
+            <a:r>
               <a:rPr lang="fr-FR" b="1" dirty="0"/>
-              <a:t>Flask/</a:t>
-            </a:r>
-            <a:r>
-              <a:rPr lang="fr-FR" b="1" dirty="0" err="1"/>
-              <a:t>Sqlite</a:t>
+              <a:t>scheduler</a:t>
             </a:r>
             <a:r>
               <a:rPr lang="fr-FR" dirty="0"/>
-              <a:t> en local. La BDD créée à partir d’un script et insertions via la page formulaire. Les </a:t>
-            </a:r>
-            <a:r>
-              <a:rPr lang="fr-FR" dirty="0" err="1"/>
-              <a:t>Templates</a:t>
-            </a:r>
-            <a:r>
-              <a:rPr lang="fr-FR" dirty="0"/>
-              <a:t> et les filtres « Application » et « Datacenter ».</a:t>
+              <a:t>) et mise en ligne.</a:t>
             </a:r>
             <a:br>
               <a:rPr lang="fr-FR" dirty="0"/>
@@ -5316,16 +5368,12 @@
               <a:buChar char="§"/>
             </a:pPr>
             <a:r>
+              <a:rPr lang="fr-FR" dirty="0" smtClean="0"/>
+              <a:t>Ajout </a:t>
+            </a:r>
+            <a:r>
               <a:rPr lang="fr-FR" dirty="0"/>
-              <a:t>Création d’une espace « trial » </a:t>
-            </a:r>
-            <a:r>
-              <a:rPr lang="fr-FR" b="1" dirty="0"/>
-              <a:t>Cloud Foundry</a:t>
-            </a:r>
-            <a:r>
-              <a:rPr lang="fr-FR" dirty="0"/>
-              <a:t>, mise en ligne de l’application web avec un fichier manifest.yml.</a:t>
+              <a:t>d'un gestionnaire d'exception pour gérer les exceptions qui sont lancées par l'application pendant le traitement des demandes, ce qui permet au client de recevoir des erreurs d'api lisibles par l'homme.</a:t>
             </a:r>
             <a:br>
               <a:rPr lang="fr-FR" dirty="0"/>
@@ -5338,16 +5386,20 @@
               <a:buChar char="§"/>
             </a:pPr>
             <a:r>
+              <a:rPr lang="fr-FR" dirty="0" smtClean="0"/>
+              <a:t>Ajouter </a:t>
+            </a:r>
+            <a:r>
               <a:rPr lang="fr-FR" dirty="0"/>
-              <a:t>Ajout d’une tâche de fonds périodique (</a:t>
-            </a:r>
-            <a:r>
-              <a:rPr lang="fr-FR" b="1" dirty="0"/>
-              <a:t>scheduler</a:t>
+              <a:t>la possibilité de télécharger des photos, d'aimer les photos et de laisser des </a:t>
+            </a:r>
+            <a:r>
+              <a:rPr lang="fr-FR" dirty="0" smtClean="0"/>
+              <a:t>commentaires.</a:t>
             </a:r>
             <a:r>
               <a:rPr lang="fr-FR" dirty="0"/>
-              <a:t>) et mise en ligne.</a:t>
+              <a:t/>
             </a:r>
             <a:br>
               <a:rPr lang="fr-FR" dirty="0"/>
@@ -5360,20 +5412,16 @@
               <a:buChar char="§"/>
             </a:pPr>
             <a:r>
-              <a:rPr lang="fr-FR" b="1" dirty="0"/>
-              <a:t>Flask/PostgreSQL/SQLAlchemy</a:t>
-            </a:r>
-            <a:r>
               <a:rPr lang="fr-FR" dirty="0"/>
-              <a:t> en local. Création de la BDD via la classe Version (</a:t>
-            </a:r>
-            <a:r>
-              <a:rPr lang="fr-FR" b="1" dirty="0"/>
-              <a:t>ORM</a:t>
+              <a:t>Ajout de la possibilité de supprimer les photos, de s'abonner et de se désabonner, ainsi que de visualiser les photos aimées et les informations de base de l'utilisateur</a:t>
+            </a:r>
+            <a:r>
+              <a:rPr lang="fr-FR" dirty="0" smtClean="0"/>
+              <a:t>. Ainsi changer le photo de profil.</a:t>
             </a:r>
             <a:r>
               <a:rPr lang="fr-FR" dirty="0"/>
-              <a:t>). </a:t>
+              <a:t/>
             </a:r>
             <a:br>
               <a:rPr lang="fr-FR" dirty="0"/>
@@ -5386,55 +5434,16 @@
               <a:buChar char="§"/>
             </a:pPr>
             <a:r>
-              <a:rPr lang="fr-FR" dirty="0"/>
-              <a:t>Ajout de </a:t>
-            </a:r>
-            <a:r>
-              <a:rPr lang="fr-FR" b="1" dirty="0"/>
-              <a:t>Flask-</a:t>
-            </a:r>
-            <a:r>
-              <a:rPr lang="fr-FR" b="1" dirty="0" err="1"/>
-              <a:t>Migrate</a:t>
-            </a:r>
-            <a:r>
-              <a:rPr lang="fr-FR" b="1" dirty="0"/>
-              <a:t> (Alembic) </a:t>
-            </a:r>
-            <a:r>
-              <a:rPr lang="fr-FR" dirty="0"/>
-              <a:t>pour les modifications de la BDD. Création de deux tables « Application » et « Datacenter » à la place de listes python. Des relations « </a:t>
-            </a:r>
-            <a:r>
-              <a:rPr lang="fr-FR" b="1" dirty="0"/>
-              <a:t>one-to-</a:t>
-            </a:r>
-            <a:r>
-              <a:rPr lang="fr-FR" b="1" dirty="0" err="1"/>
-              <a:t>many</a:t>
-            </a:r>
-            <a:r>
-              <a:rPr lang="fr-FR" dirty="0"/>
-              <a:t> » avec la table « Versions » via migrations en conservant les données de la base. </a:t>
-            </a:r>
-            <a:br>
-              <a:rPr lang="fr-FR" dirty="0"/>
-            </a:br>
-            <a:endParaRPr lang="fr-FR" dirty="0"/>
+              <a:rPr lang="fr-FR" dirty="0" smtClean="0"/>
+              <a:t>Ajout de la pagination.</a:t>
+            </a:r>
           </a:p>
           <a:p>
             <a:pPr lvl="1">
               <a:buFont typeface="Wingdings" panose="05000000000000000000" pitchFamily="2" charset="2"/>
               <a:buChar char="§"/>
             </a:pPr>
-            <a:r>
-              <a:rPr lang="fr-FR" dirty="0"/>
-              <a:t>Ajout de la Pagination.</a:t>
-            </a:r>
-            <a:br>
-              <a:rPr lang="fr-FR" dirty="0"/>
-            </a:br>
-            <a:endParaRPr lang="fr-FR" dirty="0"/>
+            <a:endParaRPr lang="fr-FR" dirty="0" smtClean="0"/>
           </a:p>
           <a:p>
             <a:pPr lvl="1">
@@ -5442,38 +5451,20 @@
               <a:buChar char="§"/>
             </a:pPr>
             <a:r>
+              <a:rPr lang="fr-FR" dirty="0" smtClean="0"/>
+              <a:t>Ajouter </a:t>
+            </a:r>
+            <a:r>
               <a:rPr lang="fr-FR" dirty="0"/>
-              <a:t>Ajout d’un filtre « Date ».</a:t>
-            </a:r>
-            <a:br>
+              <a:t>des tâches pour s'occuper des publications </a:t>
+            </a:r>
+            <a:r>
+              <a:rPr lang="fr-FR" dirty="0" smtClean="0"/>
+              <a:t>ou les photos de profil supprimées</a:t>
+            </a:r>
+            <a:r>
               <a:rPr lang="fr-FR" dirty="0"/>
-            </a:br>
-            <a:endParaRPr lang="fr-FR" dirty="0"/>
-          </a:p>
-          <a:p>
-            <a:pPr lvl="1">
-              <a:buFont typeface="Wingdings" panose="05000000000000000000" pitchFamily="2" charset="2"/>
-              <a:buChar char="§"/>
-            </a:pPr>
-            <a:r>
-              <a:rPr lang="fr-FR" dirty="0"/>
-              <a:t>Absence de licence PostgreSQL dans Cloud Foundry « trial », une version </a:t>
-            </a:r>
-            <a:r>
-              <a:rPr lang="fr-FR" b="1" dirty="0"/>
-              <a:t>SQLite/</a:t>
-            </a:r>
-            <a:r>
-              <a:rPr lang="fr-FR" b="1" dirty="0" err="1"/>
-              <a:t>SQLAlchemy</a:t>
-            </a:r>
-            <a:r>
-              <a:rPr lang="fr-FR" b="1" dirty="0"/>
-              <a:t> </a:t>
-            </a:r>
-            <a:r>
-              <a:rPr lang="fr-FR" dirty="0"/>
-              <a:t>provisoire.</a:t>
+              <a:t>.</a:t>
             </a:r>
           </a:p>
           <a:p>
@@ -5481,15 +5472,19 @@
               <a:buNone/>
             </a:pPr>
             <a:r>
+              <a:rPr lang="fr-FR" dirty="0" smtClean="0"/>
+              <a:t/>
+            </a:r>
+            <a:br>
+              <a:rPr lang="fr-FR" dirty="0" smtClean="0"/>
+            </a:br>
+            <a:r>
+              <a:rPr lang="fr-FR" dirty="0" smtClean="0"/>
+              <a:t>La version utilisée pour le rapport du stage est avec MySQL</a:t>
+            </a:r>
+            <a:r>
               <a:rPr lang="fr-FR" dirty="0"/>
-              <a:t/>
-            </a:r>
-            <a:br>
-              <a:rPr lang="fr-FR" dirty="0"/>
-            </a:br>
-            <a:r>
-              <a:rPr lang="fr-FR" dirty="0"/>
-              <a:t>La version utilisée pour le rapport du stage est avec PostgreSQL.</a:t>
+              <a:t>.</a:t>
             </a:r>
           </a:p>
           <a:p>
@@ -5547,6 +5542,13 @@
   <p:clrMapOvr>
     <a:masterClrMapping/>
   </p:clrMapOvr>
+  <p:timing>
+    <p:tnLst>
+      <p:par>
+        <p:cTn id="1" dur="indefinite" restart="never" nodeType="tmRoot"/>
+      </p:par>
+    </p:tnLst>
+  </p:timing>
 </p:sld>
 </file>
 
@@ -5596,15 +5598,48 @@
           </a:p>
         </p:txBody>
       </p:sp>
+      <p:sp>
+        <p:nvSpPr>
+          <p:cNvPr id="2" name="TextBox 1">
+            <a:extLst>
+              <a:ext uri="{FF2B5EF4-FFF2-40B4-BE49-F238E27FC236}">
+                <a16:creationId xmlns:a16="http://schemas.microsoft.com/office/drawing/2014/main" id="{8281BB1B-E923-4466-B72C-A6EB7A8FC4AF}"/>
+              </a:ext>
+            </a:extLst>
+          </p:cNvPr>
+          <p:cNvSpPr txBox="1"/>
+          <p:nvPr/>
+        </p:nvSpPr>
+        <p:spPr>
+          <a:xfrm>
+            <a:off x="2741377" y="6156244"/>
+            <a:ext cx="6208657" cy="307777"/>
+          </a:xfrm>
+          <a:prstGeom prst="rect">
+            <a:avLst/>
+          </a:prstGeom>
+          <a:noFill/>
+        </p:spPr>
+        <p:txBody>
+          <a:bodyPr wrap="square" rtlCol="0">
+            <a:spAutoFit/>
+          </a:bodyPr>
+          <a:lstStyle/>
+          <a:p>
+            <a:r>
+              <a:rPr lang="fr-FR" sz="1400" i="1" dirty="0">
+                <a:solidFill>
+                  <a:srgbClr val="4A66AC"/>
+                </a:solidFill>
+              </a:rPr>
+              <a:t>Dépôt GitHub avec les différentes versions de l’application, et les exercices</a:t>
+            </a:r>
+          </a:p>
+        </p:txBody>
+      </p:sp>
       <p:pic>
         <p:nvPicPr>
-          <p:cNvPr id="6" name="Picture 5">
-            <a:extLst>
-              <a:ext uri="{FF2B5EF4-FFF2-40B4-BE49-F238E27FC236}">
-                <a16:creationId xmlns:a16="http://schemas.microsoft.com/office/drawing/2014/main" id="{C2CD15A0-44C5-4B92-9286-E9F1F05070D6}"/>
-              </a:ext>
-            </a:extLst>
-          </p:cNvPr>
+          <p:cNvPr id="3" name="Image 2"/>
           <p:cNvPicPr>
             <a:picLocks noChangeAspect="1"/>
           </p:cNvPicPr>
@@ -5618,53 +5653,14 @@
         </p:blipFill>
         <p:spPr>
           <a:xfrm>
-            <a:off x="1200946" y="324145"/>
-            <a:ext cx="9786667" cy="5760000"/>
+            <a:off x="329514" y="1309550"/>
+            <a:ext cx="11409981" cy="3810532"/>
           </a:xfrm>
           <a:prstGeom prst="rect">
             <a:avLst/>
           </a:prstGeom>
         </p:spPr>
       </p:pic>
-      <p:sp>
-        <p:nvSpPr>
-          <p:cNvPr id="2" name="TextBox 1">
-            <a:extLst>
-              <a:ext uri="{FF2B5EF4-FFF2-40B4-BE49-F238E27FC236}">
-                <a16:creationId xmlns:a16="http://schemas.microsoft.com/office/drawing/2014/main" id="{8281BB1B-E923-4466-B72C-A6EB7A8FC4AF}"/>
-              </a:ext>
-            </a:extLst>
-          </p:cNvPr>
-          <p:cNvSpPr txBox="1"/>
-          <p:nvPr/>
-        </p:nvSpPr>
-        <p:spPr>
-          <a:xfrm>
-            <a:off x="2741377" y="6156244"/>
-            <a:ext cx="6208657" cy="307777"/>
-          </a:xfrm>
-          <a:prstGeom prst="rect">
-            <a:avLst/>
-          </a:prstGeom>
-          <a:noFill/>
-        </p:spPr>
-        <p:txBody>
-          <a:bodyPr wrap="square" rtlCol="0">
-            <a:spAutoFit/>
-          </a:bodyPr>
-          <a:lstStyle/>
-          <a:p>
-            <a:r>
-              <a:rPr lang="fr-FR" sz="1400" i="1" dirty="0">
-                <a:solidFill>
-                  <a:srgbClr val="4A66AC"/>
-                </a:solidFill>
-              </a:rPr>
-              <a:t>Dépôt GitHub avec les différentes versions de l’application, et les exercices</a:t>
-            </a:r>
-          </a:p>
-        </p:txBody>
-      </p:sp>
     </p:spTree>
     <p:extLst>
       <p:ext uri="{BB962C8B-B14F-4D97-AF65-F5344CB8AC3E}">
@@ -5675,6 +5671,13 @@
   <p:clrMapOvr>
     <a:masterClrMapping/>
   </p:clrMapOvr>
+  <p:timing>
+    <p:tnLst>
+      <p:par>
+        <p:cTn id="1" dur="indefinite" restart="never" nodeType="tmRoot"/>
+      </p:par>
+    </p:tnLst>
+  </p:timing>
 </p:sld>
 </file>
 
@@ -5762,6 +5765,13 @@
   <p:clrMapOvr>
     <a:masterClrMapping/>
   </p:clrMapOvr>
+  <p:timing>
+    <p:tnLst>
+      <p:par>
+        <p:cTn id="1" dur="indefinite" restart="never" nodeType="tmRoot"/>
+      </p:par>
+    </p:tnLst>
+  </p:timing>
 </p:sld>
 </file>
 
@@ -5804,9 +5814,18 @@
           <a:lstStyle/>
           <a:p>
             <a:r>
-              <a:rPr lang="fr-FR" dirty="0"/>
-              <a:t>Python, Git, GitHub et Flask</a:t>
-            </a:r>
+              <a:rPr lang="fr-FR" dirty="0" err="1" smtClean="0"/>
+              <a:t>Spring</a:t>
+            </a:r>
+            <a:r>
+              <a:rPr lang="fr-FR" dirty="0" smtClean="0"/>
+              <a:t> Boot et </a:t>
+            </a:r>
+            <a:r>
+              <a:rPr lang="fr-FR" dirty="0" err="1" smtClean="0"/>
+              <a:t>Angular</a:t>
+            </a:r>
+            <a:endParaRPr lang="fr-FR" dirty="0"/>
           </a:p>
         </p:txBody>
       </p:sp>
@@ -5843,7 +5862,15 @@
             </a:pPr>
             <a:r>
               <a:rPr lang="fr-FR" dirty="0"/>
-              <a:t>Les trois premières semaines du stage ont été consacrées à la familiarisation avec Python et le </a:t>
+              <a:t>J'ai passé les trois premières semaines à me familiariser avec </a:t>
+            </a:r>
+            <a:r>
+              <a:rPr lang="fr-FR" dirty="0" err="1"/>
+              <a:t>springboot</a:t>
+            </a:r>
+            <a:r>
+              <a:rPr lang="fr-FR" dirty="0"/>
+              <a:t> et le </a:t>
             </a:r>
             <a:r>
               <a:rPr lang="fr-FR" dirty="0" err="1"/>
@@ -5855,54 +5882,65 @@
             </a:r>
             <a:r>
               <a:rPr lang="fr-FR" dirty="0" err="1"/>
-              <a:t>Flask</a:t>
-            </a:r>
-            <a:r>
-              <a:rPr lang="fr-FR"/>
-              <a:t> autour </a:t>
+              <a:t>Angular</a:t>
             </a:r>
             <a:r>
               <a:rPr lang="fr-FR" dirty="0"/>
-              <a:t>d’exercices qui serviront pour l’application web, tout en apprenant à utiliser Git </a:t>
-            </a:r>
-            <a:r>
-              <a:rPr lang="fr-FR"/>
-              <a:t>et GitHub (documentations en anglais).</a:t>
+              <a:t>. J'ai lu beaucoup de documentation pour comprendre comment chacun d'eux fonctionne indépendamment et comment les faire fonctionner ensemble. La documentation facile à comprendre, les exemples et les guides disponibles sur le web m'ont beaucoup aidé à créer ce projet</a:t>
+            </a:r>
+            <a:r>
+              <a:rPr lang="fr-FR" dirty="0" smtClean="0"/>
+              <a:t>. </a:t>
+            </a:r>
+          </a:p>
+          <a:p>
+            <a:r>
+              <a:rPr lang="fr-FR" dirty="0"/>
+              <a:t>l</a:t>
+            </a:r>
+            <a:r>
+              <a:rPr lang="fr-FR" dirty="0" smtClean="0"/>
+              <a:t>a </a:t>
+            </a:r>
+            <a:r>
+              <a:rPr lang="fr-FR" dirty="0"/>
+              <a:t>meilleure </a:t>
+            </a:r>
+            <a:r>
+              <a:rPr lang="fr-FR" dirty="0" smtClean="0"/>
+              <a:t>façon de mapper les entités</a:t>
+            </a:r>
+          </a:p>
+          <a:p>
+            <a:r>
+              <a:rPr lang="fr-FR" dirty="0"/>
+              <a:t>transfert de la logique aux </a:t>
+            </a:r>
+            <a:r>
+              <a:rPr lang="fr-FR" dirty="0" smtClean="0"/>
+              <a:t>services</a:t>
+            </a:r>
+          </a:p>
+          <a:p>
+            <a:r>
+              <a:rPr lang="fr-FR" dirty="0"/>
+              <a:t>traitement des exceptions et des réponses </a:t>
+            </a:r>
+            <a:r>
+              <a:rPr lang="fr-FR" dirty="0" smtClean="0"/>
+              <a:t>api</a:t>
+            </a:r>
+          </a:p>
+          <a:p>
+            <a:r>
+              <a:rPr lang="fr-FR" dirty="0"/>
+              <a:t>observables </a:t>
+            </a:r>
+            <a:r>
+              <a:rPr lang="fr-FR" dirty="0" err="1" smtClean="0"/>
+              <a:t>rxjs</a:t>
             </a:r>
             <a:endParaRPr lang="fr-FR" dirty="0"/>
-          </a:p>
-          <a:p>
-            <a:r>
-              <a:rPr lang="fr-FR" dirty="0"/>
-              <a:t>Modules Python,</a:t>
-            </a:r>
-          </a:p>
-          <a:p>
-            <a:r>
-              <a:rPr lang="fr-FR" dirty="0"/>
-              <a:t>Requêtes HTTP pour récupérer les versions de composants dans le cloud,</a:t>
-            </a:r>
-          </a:p>
-          <a:p>
-            <a:r>
-              <a:rPr lang="fr-FR" dirty="0"/>
-              <a:t>Fichiers json,</a:t>
-            </a:r>
-          </a:p>
-          <a:p>
-            <a:r>
-              <a:rPr lang="fr-FR" dirty="0"/>
-              <a:t>Tests unitaires,</a:t>
-            </a:r>
-          </a:p>
-          <a:p>
-            <a:pPr marL="45720" indent="0" algn="just">
-              <a:buNone/>
-            </a:pPr>
-            <a:r>
-              <a:rPr lang="fr-FR" dirty="0"/>
-              <a:t>Création d’une espace de travail Git et d’un dépôt en ligne GitHub pour le stage. Tout le développement y compris les exercices a suivi la procédure de gestion de versions.</a:t>
-            </a:r>
           </a:p>
         </p:txBody>
       </p:sp>
@@ -5945,6 +5983,13 @@
   <p:clrMapOvr>
     <a:masterClrMapping/>
   </p:clrMapOvr>
+  <p:timing>
+    <p:tnLst>
+      <p:par>
+        <p:cTn id="1" dur="indefinite" restart="never" nodeType="tmRoot"/>
+      </p:par>
+    </p:tnLst>
+  </p:timing>
 </p:sld>
 </file>
 
@@ -6032,6 +6077,13 @@
   <p:clrMapOvr>
     <a:masterClrMapping/>
   </p:clrMapOvr>
+  <p:timing>
+    <p:tnLst>
+      <p:par>
+        <p:cTn id="1" dur="indefinite" restart="never" nodeType="tmRoot"/>
+      </p:par>
+    </p:tnLst>
+  </p:timing>
 </p:sld>
 </file>
 
@@ -6113,6 +6165,9 @@
           <a:bodyPr/>
           <a:lstStyle/>
           <a:p>
+            <a:pPr marL="45720" indent="0">
+              <a:buNone/>
+            </a:pPr>
             <a:endParaRPr lang="fr-FR" dirty="0"/>
           </a:p>
         </p:txBody>
@@ -6160,7 +6215,7 @@
         </p:nvSpPr>
         <p:spPr>
           <a:xfrm>
-            <a:off x="7187781" y="1004227"/>
+            <a:off x="7236926" y="1004227"/>
             <a:ext cx="4440555" cy="5219601"/>
           </a:xfrm>
           <a:prstGeom prst="rect">
@@ -6196,106 +6251,12 @@
           </a:p>
         </p:txBody>
       </p:sp>
-      <p:sp>
-        <p:nvSpPr>
-          <p:cNvPr id="7" name="Rectangle 6">
-            <a:extLst>
-              <a:ext uri="{FF2B5EF4-FFF2-40B4-BE49-F238E27FC236}">
-                <a16:creationId xmlns:a16="http://schemas.microsoft.com/office/drawing/2014/main" id="{2DBEBAB4-E5D7-45E1-AF6D-3CC2B837F2EF}"/>
-              </a:ext>
-            </a:extLst>
-          </p:cNvPr>
-          <p:cNvSpPr/>
-          <p:nvPr/>
-        </p:nvSpPr>
-        <p:spPr>
-          <a:xfrm>
-            <a:off x="563664" y="966517"/>
-            <a:ext cx="6593841" cy="5219601"/>
-          </a:xfrm>
-          <a:prstGeom prst="rect">
-            <a:avLst/>
-          </a:prstGeom>
-          <a:solidFill>
-            <a:srgbClr val="FFFFFF"/>
-          </a:solidFill>
-          <a:ln>
-            <a:noFill/>
-          </a:ln>
-        </p:spPr>
-        <p:style>
-          <a:lnRef idx="2">
-            <a:schemeClr val="accent6"/>
-          </a:lnRef>
-          <a:fillRef idx="1">
-            <a:schemeClr val="lt1"/>
-          </a:fillRef>
-          <a:effectRef idx="0">
-            <a:schemeClr val="accent6"/>
-          </a:effectRef>
-          <a:fontRef idx="minor">
-            <a:schemeClr val="dk1"/>
-          </a:fontRef>
-        </p:style>
-        <p:txBody>
-          <a:bodyPr rtlCol="0" anchor="ctr"/>
-          <a:lstStyle/>
-          <a:p>
-            <a:pPr algn="ctr"/>
-            <a:endParaRPr lang="fr-FR" dirty="0"/>
-          </a:p>
-        </p:txBody>
-      </p:sp>
-      <p:sp>
-        <p:nvSpPr>
-          <p:cNvPr id="19" name="Rectangle 18">
-            <a:extLst>
-              <a:ext uri="{FF2B5EF4-FFF2-40B4-BE49-F238E27FC236}">
-                <a16:creationId xmlns:a16="http://schemas.microsoft.com/office/drawing/2014/main" id="{00C4AB35-92E0-469A-8766-3A07F24509D0}"/>
-              </a:ext>
-            </a:extLst>
-          </p:cNvPr>
-          <p:cNvSpPr/>
-          <p:nvPr/>
-        </p:nvSpPr>
-        <p:spPr>
-          <a:xfrm>
-            <a:off x="7662506" y="2107608"/>
-            <a:ext cx="2848230" cy="3388951"/>
-          </a:xfrm>
-          <a:prstGeom prst="rect">
-            <a:avLst/>
-          </a:prstGeom>
-        </p:spPr>
-        <p:style>
-          <a:lnRef idx="2">
-            <a:schemeClr val="accent6"/>
-          </a:lnRef>
-          <a:fillRef idx="1">
-            <a:schemeClr val="lt1"/>
-          </a:fillRef>
-          <a:effectRef idx="0">
-            <a:schemeClr val="accent6"/>
-          </a:effectRef>
-          <a:fontRef idx="minor">
-            <a:schemeClr val="dk1"/>
-          </a:fontRef>
-        </p:style>
-        <p:txBody>
-          <a:bodyPr rtlCol="0" anchor="ctr"/>
-          <a:lstStyle/>
-          <a:p>
-            <a:pPr algn="ctr"/>
-            <a:endParaRPr lang="fr-FR" dirty="0"/>
-          </a:p>
-        </p:txBody>
-      </p:sp>
       <p:pic>
         <p:nvPicPr>
-          <p:cNvPr id="20" name="Graphic 19" descr="Server">
-            <a:extLst>
-              <a:ext uri="{FF2B5EF4-FFF2-40B4-BE49-F238E27FC236}">
-                <a16:creationId xmlns:a16="http://schemas.microsoft.com/office/drawing/2014/main" id="{FAB95690-5284-4F4B-942A-18FD7B2E806C}"/>
+          <p:cNvPr id="21" name="Content Placeholder 8" descr="Database">
+            <a:extLst>
+              <a:ext uri="{FF2B5EF4-FFF2-40B4-BE49-F238E27FC236}">
+                <a16:creationId xmlns:a16="http://schemas.microsoft.com/office/drawing/2014/main" id="{DCB89EA9-CDFD-461D-8AFE-589B97D34634}"/>
               </a:ext>
             </a:extLst>
           </p:cNvPr>
@@ -6308,7 +6269,7 @@
           <a:blip r:embed="rId3">
             <a:extLst>
               <a:ext uri="{96DAC541-7B7A-43D3-8B79-37D633B846F1}">
-                <asvg:svgBlip xmlns="" xmlns:asvg="http://schemas.microsoft.com/office/drawing/2016/SVG/main" r:embed="rId4"/>
+                <asvg:svgBlip xmlns="" xmlns:asvg="http://schemas.microsoft.com/office/drawing/2016/SVG/main" r:embed="rId6"/>
               </a:ext>
             </a:extLst>
           </a:blip>
@@ -6318,86 +6279,14 @@
         </p:blipFill>
         <p:spPr>
           <a:xfrm>
-            <a:off x="7901915" y="2734802"/>
-            <a:ext cx="426575" cy="372302"/>
+            <a:off x="9264332" y="5629512"/>
+            <a:ext cx="426575" cy="365778"/>
           </a:xfrm>
           <a:prstGeom prst="rect">
             <a:avLst/>
           </a:prstGeom>
         </p:spPr>
       </p:pic>
-      <p:pic>
-        <p:nvPicPr>
-          <p:cNvPr id="21" name="Content Placeholder 8" descr="Database">
-            <a:extLst>
-              <a:ext uri="{FF2B5EF4-FFF2-40B4-BE49-F238E27FC236}">
-                <a16:creationId xmlns:a16="http://schemas.microsoft.com/office/drawing/2014/main" id="{DCB89EA9-CDFD-461D-8AFE-589B97D34634}"/>
-              </a:ext>
-            </a:extLst>
-          </p:cNvPr>
-          <p:cNvPicPr>
-            <a:picLocks noChangeAspect="1"/>
-          </p:cNvPicPr>
-          <p:nvPr/>
-        </p:nvPicPr>
-        <p:blipFill>
-          <a:blip r:embed="rId5">
-            <a:extLst>
-              <a:ext uri="{96DAC541-7B7A-43D3-8B79-37D633B846F1}">
-                <asvg:svgBlip xmlns="" xmlns:asvg="http://schemas.microsoft.com/office/drawing/2016/SVG/main" r:embed="rId6"/>
-              </a:ext>
-            </a:extLst>
-          </a:blip>
-          <a:stretch>
-            <a:fillRect/>
-          </a:stretch>
-        </p:blipFill>
-        <p:spPr>
-          <a:xfrm>
-            <a:off x="9113807" y="5039342"/>
-            <a:ext cx="426575" cy="365778"/>
-          </a:xfrm>
-          <a:prstGeom prst="rect">
-            <a:avLst/>
-          </a:prstGeom>
-        </p:spPr>
-      </p:pic>
-      <p:pic>
-        <p:nvPicPr>
-          <p:cNvPr id="22" name="Graphic 21" descr="Laptop">
-            <a:extLst>
-              <a:ext uri="{FF2B5EF4-FFF2-40B4-BE49-F238E27FC236}">
-                <a16:creationId xmlns:a16="http://schemas.microsoft.com/office/drawing/2014/main" id="{D8EA3BD9-CAD3-4684-AFE7-2C2E8E3E34FF}"/>
-              </a:ext>
-            </a:extLst>
-          </p:cNvPr>
-          <p:cNvPicPr>
-            <a:picLocks noChangeAspect="1"/>
-          </p:cNvPicPr>
-          <p:nvPr/>
-        </p:nvPicPr>
-        <p:blipFill>
-          <a:blip r:embed="rId7">
-            <a:extLst>
-              <a:ext uri="{96DAC541-7B7A-43D3-8B79-37D633B846F1}">
-                <asvg:svgBlip xmlns="" xmlns:asvg="http://schemas.microsoft.com/office/drawing/2016/SVG/main" r:embed="rId8"/>
-              </a:ext>
-            </a:extLst>
-          </a:blip>
-          <a:stretch>
-            <a:fillRect/>
-          </a:stretch>
-        </p:blipFill>
-        <p:spPr>
-          <a:xfrm>
-            <a:off x="10762711" y="3204163"/>
-            <a:ext cx="443614" cy="443614"/>
-          </a:xfrm>
-          <a:prstGeom prst="rect">
-            <a:avLst/>
-          </a:prstGeom>
-        </p:spPr>
-      </p:pic>
       <p:sp>
         <p:nvSpPr>
           <p:cNvPr id="24" name="Rectangle: Rounded Corners 23">
@@ -6412,7 +6301,7 @@
         </p:nvSpPr>
         <p:spPr>
           <a:xfrm>
-            <a:off x="8991887" y="2539908"/>
+            <a:off x="8071404" y="2067455"/>
             <a:ext cx="1080000" cy="182827"/>
           </a:xfrm>
           <a:prstGeom prst="roundRect">
@@ -6449,7 +6338,7 @@
                   <a:schemeClr val="tx1"/>
                 </a:solidFill>
               </a:rPr>
-              <a:t>vues</a:t>
+              <a:t>contrôleur</a:t>
             </a:r>
           </a:p>
         </p:txBody>
@@ -6468,7 +6357,7 @@
         </p:nvSpPr>
         <p:spPr>
           <a:xfrm>
-            <a:off x="8809007" y="4258416"/>
+            <a:off x="9033391" y="4770574"/>
             <a:ext cx="1080000" cy="191663"/>
           </a:xfrm>
           <a:prstGeom prst="roundRect">
@@ -6500,13 +6389,18 @@
           <a:p>
             <a:pPr algn="ctr"/>
             <a:r>
-              <a:rPr lang="fr-FR" sz="1200" dirty="0">
+              <a:rPr lang="fr-FR" sz="1200" dirty="0" smtClean="0">
                 <a:solidFill>
                   <a:schemeClr val="tx1"/>
                 </a:solidFill>
               </a:rPr>
-              <a:t>modèles</a:t>
-            </a:r>
+              <a:t>entités</a:t>
+            </a:r>
+            <a:endParaRPr lang="fr-FR" sz="1200" dirty="0">
+              <a:solidFill>
+                <a:schemeClr val="tx1"/>
+              </a:solidFill>
+            </a:endParaRPr>
           </a:p>
         </p:txBody>
       </p:sp>
@@ -6524,7 +6418,7 @@
         </p:nvSpPr>
         <p:spPr>
           <a:xfrm>
-            <a:off x="8605806" y="3384656"/>
+            <a:off x="8841897" y="2966551"/>
             <a:ext cx="1080000" cy="191662"/>
           </a:xfrm>
           <a:prstGeom prst="roundRect">
@@ -6556,13 +6450,18 @@
           <a:p>
             <a:pPr algn="ctr"/>
             <a:r>
-              <a:rPr lang="fr-FR" sz="1200" dirty="0">
+              <a:rPr lang="fr-FR" sz="1200" dirty="0" smtClean="0">
                 <a:solidFill>
                   <a:schemeClr val="tx1"/>
                 </a:solidFill>
               </a:rPr>
-              <a:t>contrôleur</a:t>
-            </a:r>
+              <a:t>service</a:t>
+            </a:r>
+            <a:endParaRPr lang="fr-FR" sz="1200" dirty="0">
+              <a:solidFill>
+                <a:schemeClr val="tx1"/>
+              </a:solidFill>
+            </a:endParaRPr>
           </a:p>
         </p:txBody>
       </p:sp>
@@ -6580,7 +6479,7 @@
         </p:nvSpPr>
         <p:spPr>
           <a:xfrm>
-            <a:off x="9428622" y="5100320"/>
+            <a:off x="9557043" y="5728785"/>
             <a:ext cx="567506" cy="246221"/>
           </a:xfrm>
           <a:prstGeom prst="rect">
@@ -6601,395 +6500,6 @@
           </a:p>
         </p:txBody>
       </p:sp>
-      <p:sp>
-        <p:nvSpPr>
-          <p:cNvPr id="28" name="TextBox 27">
-            <a:extLst>
-              <a:ext uri="{FF2B5EF4-FFF2-40B4-BE49-F238E27FC236}">
-                <a16:creationId xmlns:a16="http://schemas.microsoft.com/office/drawing/2014/main" id="{8F46342C-5388-4515-A96A-76047855FFFE}"/>
-              </a:ext>
-            </a:extLst>
-          </p:cNvPr>
-          <p:cNvSpPr txBox="1"/>
-          <p:nvPr/>
-        </p:nvSpPr>
-        <p:spPr>
-          <a:xfrm>
-            <a:off x="10508504" y="3536841"/>
-            <a:ext cx="1089352" cy="261610"/>
-          </a:xfrm>
-          <a:prstGeom prst="rect">
-            <a:avLst/>
-          </a:prstGeom>
-          <a:noFill/>
-        </p:spPr>
-        <p:txBody>
-          <a:bodyPr wrap="square" rtlCol="0">
-            <a:spAutoFit/>
-          </a:bodyPr>
-          <a:lstStyle/>
-          <a:p>
-            <a:r>
-              <a:rPr lang="fr-FR" sz="1050" b="1" dirty="0"/>
-              <a:t>Client</a:t>
-            </a:r>
-            <a:r>
-              <a:rPr lang="fr-FR" sz="1100" b="1" dirty="0"/>
-              <a:t> web</a:t>
-            </a:r>
-          </a:p>
-        </p:txBody>
-      </p:sp>
-      <p:sp>
-        <p:nvSpPr>
-          <p:cNvPr id="29" name="Rectangle: Rounded Corners 28">
-            <a:extLst>
-              <a:ext uri="{FF2B5EF4-FFF2-40B4-BE49-F238E27FC236}">
-                <a16:creationId xmlns:a16="http://schemas.microsoft.com/office/drawing/2014/main" id="{B1646795-46B5-4F25-A7E0-97E97BF47560}"/>
-              </a:ext>
-            </a:extLst>
-          </p:cNvPr>
-          <p:cNvSpPr/>
-          <p:nvPr/>
-        </p:nvSpPr>
-        <p:spPr>
-          <a:xfrm>
-            <a:off x="2519680" y="3878944"/>
-            <a:ext cx="1440000" cy="536773"/>
-          </a:xfrm>
-          <a:prstGeom prst="roundRect">
-            <a:avLst/>
-          </a:prstGeom>
-          <a:solidFill>
-            <a:srgbClr val="FFC000"/>
-          </a:solidFill>
-        </p:spPr>
-        <p:style>
-          <a:lnRef idx="2">
-            <a:schemeClr val="accent6"/>
-          </a:lnRef>
-          <a:fillRef idx="1">
-            <a:schemeClr val="lt1"/>
-          </a:fillRef>
-          <a:effectRef idx="0">
-            <a:schemeClr val="accent6"/>
-          </a:effectRef>
-          <a:fontRef idx="minor">
-            <a:schemeClr val="dk1"/>
-          </a:fontRef>
-        </p:style>
-        <p:txBody>
-          <a:bodyPr rtlCol="0" anchor="ctr"/>
-          <a:lstStyle/>
-          <a:p>
-            <a:pPr algn="ctr"/>
-            <a:r>
-              <a:rPr lang="fr-FR" dirty="0"/>
-              <a:t>monitor.py</a:t>
-            </a:r>
-          </a:p>
-        </p:txBody>
-      </p:sp>
-      <p:sp>
-        <p:nvSpPr>
-          <p:cNvPr id="30" name="Rectangle: Rounded Corners 29">
-            <a:extLst>
-              <a:ext uri="{FF2B5EF4-FFF2-40B4-BE49-F238E27FC236}">
-                <a16:creationId xmlns:a16="http://schemas.microsoft.com/office/drawing/2014/main" id="{CA3621E1-34BF-4EC9-9A19-46FE0C617FF2}"/>
-              </a:ext>
-            </a:extLst>
-          </p:cNvPr>
-          <p:cNvSpPr/>
-          <p:nvPr/>
-        </p:nvSpPr>
-        <p:spPr>
-          <a:xfrm>
-            <a:off x="2509520" y="5331824"/>
-            <a:ext cx="1440000" cy="536773"/>
-          </a:xfrm>
-          <a:prstGeom prst="roundRect">
-            <a:avLst/>
-          </a:prstGeom>
-          <a:solidFill>
-            <a:srgbClr val="DB521B"/>
-          </a:solidFill>
-        </p:spPr>
-        <p:style>
-          <a:lnRef idx="2">
-            <a:schemeClr val="accent6"/>
-          </a:lnRef>
-          <a:fillRef idx="1">
-            <a:schemeClr val="lt1"/>
-          </a:fillRef>
-          <a:effectRef idx="0">
-            <a:schemeClr val="accent6"/>
-          </a:effectRef>
-          <a:fontRef idx="minor">
-            <a:schemeClr val="dk1"/>
-          </a:fontRef>
-        </p:style>
-        <p:txBody>
-          <a:bodyPr rtlCol="0" anchor="ctr"/>
-          <a:lstStyle/>
-          <a:p>
-            <a:pPr algn="ctr"/>
-            <a:r>
-              <a:rPr lang="fr-FR" dirty="0"/>
-              <a:t>models.py</a:t>
-            </a:r>
-          </a:p>
-        </p:txBody>
-      </p:sp>
-      <p:sp>
-        <p:nvSpPr>
-          <p:cNvPr id="31" name="Rectangle: Rounded Corners 30">
-            <a:extLst>
-              <a:ext uri="{FF2B5EF4-FFF2-40B4-BE49-F238E27FC236}">
-                <a16:creationId xmlns:a16="http://schemas.microsoft.com/office/drawing/2014/main" id="{7CA58F25-F02A-495A-9DFA-D9E8BB881055}"/>
-              </a:ext>
-            </a:extLst>
-          </p:cNvPr>
-          <p:cNvSpPr/>
-          <p:nvPr/>
-        </p:nvSpPr>
-        <p:spPr>
-          <a:xfrm>
-            <a:off x="4693920" y="3878944"/>
-            <a:ext cx="1836000" cy="536773"/>
-          </a:xfrm>
-          <a:prstGeom prst="roundRect">
-            <a:avLst/>
-          </a:prstGeom>
-          <a:solidFill>
-            <a:srgbClr val="FFC000"/>
-          </a:solidFill>
-        </p:spPr>
-        <p:style>
-          <a:lnRef idx="2">
-            <a:schemeClr val="accent6"/>
-          </a:lnRef>
-          <a:fillRef idx="1">
-            <a:schemeClr val="lt1"/>
-          </a:fillRef>
-          <a:effectRef idx="0">
-            <a:schemeClr val="accent6"/>
-          </a:effectRef>
-          <a:fontRef idx="minor">
-            <a:schemeClr val="dk1"/>
-          </a:fontRef>
-        </p:style>
-        <p:txBody>
-          <a:bodyPr rtlCol="0" anchor="ctr"/>
-          <a:lstStyle/>
-          <a:p>
-            <a:pPr algn="ctr"/>
-            <a:r>
-              <a:rPr lang="fr-FR" dirty="0"/>
-              <a:t>myscheduler.py</a:t>
-            </a:r>
-          </a:p>
-        </p:txBody>
-      </p:sp>
-      <p:sp>
-        <p:nvSpPr>
-          <p:cNvPr id="32" name="Rectangle: Rounded Corners 31">
-            <a:extLst>
-              <a:ext uri="{FF2B5EF4-FFF2-40B4-BE49-F238E27FC236}">
-                <a16:creationId xmlns:a16="http://schemas.microsoft.com/office/drawing/2014/main" id="{D6C650BF-EFC8-4F18-AB87-A49FA1850B8C}"/>
-              </a:ext>
-            </a:extLst>
-          </p:cNvPr>
-          <p:cNvSpPr/>
-          <p:nvPr/>
-        </p:nvSpPr>
-        <p:spPr>
-          <a:xfrm>
-            <a:off x="2540000" y="1603104"/>
-            <a:ext cx="1368000" cy="536773"/>
-          </a:xfrm>
-          <a:prstGeom prst="roundRect">
-            <a:avLst/>
-          </a:prstGeom>
-          <a:solidFill>
-            <a:srgbClr val="00B050"/>
-          </a:solidFill>
-        </p:spPr>
-        <p:style>
-          <a:lnRef idx="2">
-            <a:schemeClr val="accent6"/>
-          </a:lnRef>
-          <a:fillRef idx="1">
-            <a:schemeClr val="lt1"/>
-          </a:fillRef>
-          <a:effectRef idx="0">
-            <a:schemeClr val="accent6"/>
-          </a:effectRef>
-          <a:fontRef idx="minor">
-            <a:schemeClr val="dk1"/>
-          </a:fontRef>
-        </p:style>
-        <p:txBody>
-          <a:bodyPr rtlCol="0" anchor="ctr"/>
-          <a:lstStyle/>
-          <a:p>
-            <a:pPr algn="ctr"/>
-            <a:r>
-              <a:rPr lang="fr-FR" dirty="0"/>
-              <a:t>base.html</a:t>
-            </a:r>
-          </a:p>
-        </p:txBody>
-      </p:sp>
-      <p:sp>
-        <p:nvSpPr>
-          <p:cNvPr id="33" name="Rectangle: Rounded Corners 32">
-            <a:extLst>
-              <a:ext uri="{FF2B5EF4-FFF2-40B4-BE49-F238E27FC236}">
-                <a16:creationId xmlns:a16="http://schemas.microsoft.com/office/drawing/2014/main" id="{ADEFE566-0838-4909-9860-2F368441CC1A}"/>
-              </a:ext>
-            </a:extLst>
-          </p:cNvPr>
-          <p:cNvSpPr/>
-          <p:nvPr/>
-        </p:nvSpPr>
-        <p:spPr>
-          <a:xfrm>
-            <a:off x="888525" y="2659744"/>
-            <a:ext cx="1368000" cy="536773"/>
-          </a:xfrm>
-          <a:prstGeom prst="roundRect">
-            <a:avLst/>
-          </a:prstGeom>
-          <a:solidFill>
-            <a:srgbClr val="00B050"/>
-          </a:solidFill>
-        </p:spPr>
-        <p:style>
-          <a:lnRef idx="2">
-            <a:schemeClr val="accent6"/>
-          </a:lnRef>
-          <a:fillRef idx="1">
-            <a:schemeClr val="lt1"/>
-          </a:fillRef>
-          <a:effectRef idx="0">
-            <a:schemeClr val="accent6"/>
-          </a:effectRef>
-          <a:fontRef idx="minor">
-            <a:schemeClr val="dk1"/>
-          </a:fontRef>
-        </p:style>
-        <p:txBody>
-          <a:bodyPr rtlCol="0" anchor="ctr"/>
-          <a:lstStyle/>
-          <a:p>
-            <a:pPr algn="ctr"/>
-            <a:r>
-              <a:rPr lang="fr-FR" dirty="0"/>
-              <a:t>index.html</a:t>
-            </a:r>
-          </a:p>
-        </p:txBody>
-      </p:sp>
-      <p:sp>
-        <p:nvSpPr>
-          <p:cNvPr id="34" name="Rectangle: Rounded Corners 33">
-            <a:extLst>
-              <a:ext uri="{FF2B5EF4-FFF2-40B4-BE49-F238E27FC236}">
-                <a16:creationId xmlns:a16="http://schemas.microsoft.com/office/drawing/2014/main" id="{9ABE7B6E-ADF7-4D9A-A413-063F7CA93F9E}"/>
-              </a:ext>
-            </a:extLst>
-          </p:cNvPr>
-          <p:cNvSpPr/>
-          <p:nvPr/>
-        </p:nvSpPr>
-        <p:spPr>
-          <a:xfrm>
-            <a:off x="2534445" y="2649011"/>
-            <a:ext cx="1368000" cy="536773"/>
-          </a:xfrm>
-          <a:prstGeom prst="roundRect">
-            <a:avLst/>
-          </a:prstGeom>
-          <a:solidFill>
-            <a:srgbClr val="00B050"/>
-          </a:solidFill>
-        </p:spPr>
-        <p:style>
-          <a:lnRef idx="2">
-            <a:schemeClr val="accent6"/>
-          </a:lnRef>
-          <a:fillRef idx="1">
-            <a:schemeClr val="lt1"/>
-          </a:fillRef>
-          <a:effectRef idx="0">
-            <a:schemeClr val="accent6"/>
-          </a:effectRef>
-          <a:fontRef idx="minor">
-            <a:schemeClr val="dk1"/>
-          </a:fontRef>
-        </p:style>
-        <p:txBody>
-          <a:bodyPr rtlCol="0" anchor="ctr"/>
-          <a:lstStyle/>
-          <a:p>
-            <a:pPr algn="ctr"/>
-            <a:r>
-              <a:rPr lang="fr-FR" dirty="0"/>
-              <a:t>form.html</a:t>
-            </a:r>
-          </a:p>
-        </p:txBody>
-      </p:sp>
-      <p:sp>
-        <p:nvSpPr>
-          <p:cNvPr id="35" name="Rectangle: Rounded Corners 34">
-            <a:extLst>
-              <a:ext uri="{FF2B5EF4-FFF2-40B4-BE49-F238E27FC236}">
-                <a16:creationId xmlns:a16="http://schemas.microsoft.com/office/drawing/2014/main" id="{82BE6D2E-8253-400F-B599-EA569842A4EF}"/>
-              </a:ext>
-            </a:extLst>
-          </p:cNvPr>
-          <p:cNvSpPr/>
-          <p:nvPr/>
-        </p:nvSpPr>
-        <p:spPr>
-          <a:xfrm>
-            <a:off x="4185920" y="2639424"/>
-            <a:ext cx="1368000" cy="536773"/>
-          </a:xfrm>
-          <a:prstGeom prst="roundRect">
-            <a:avLst/>
-          </a:prstGeom>
-          <a:solidFill>
-            <a:srgbClr val="00B050"/>
-          </a:solidFill>
-        </p:spPr>
-        <p:style>
-          <a:lnRef idx="2">
-            <a:schemeClr val="accent6"/>
-          </a:lnRef>
-          <a:fillRef idx="1">
-            <a:schemeClr val="lt1"/>
-          </a:fillRef>
-          <a:effectRef idx="0">
-            <a:schemeClr val="accent6"/>
-          </a:effectRef>
-          <a:fontRef idx="minor">
-            <a:schemeClr val="dk1"/>
-          </a:fontRef>
-        </p:style>
-        <p:txBody>
-          <a:bodyPr rtlCol="0" anchor="ctr"/>
-          <a:lstStyle/>
-          <a:p>
-            <a:pPr algn="ctr"/>
-            <a:r>
-              <a:rPr lang="fr-FR" dirty="0"/>
-              <a:t>result.html</a:t>
-            </a:r>
-          </a:p>
-        </p:txBody>
-      </p:sp>
       <p:cxnSp>
         <p:nvCxnSpPr>
           <p:cNvPr id="43" name="Straight Arrow Connector 42">
@@ -7004,7 +6514,7 @@
         </p:nvCxnSpPr>
         <p:spPr>
           <a:xfrm>
-            <a:off x="9276080" y="4531360"/>
+            <a:off x="9527674" y="5051511"/>
             <a:ext cx="0" cy="477502"/>
           </a:xfrm>
           <a:prstGeom prst="straightConnector1">
@@ -7046,7 +6556,7 @@
         </p:nvCxnSpPr>
         <p:spPr>
           <a:xfrm flipV="1">
-            <a:off x="9390490" y="4521200"/>
+            <a:off x="9722134" y="5051511"/>
             <a:ext cx="0" cy="487662"/>
           </a:xfrm>
           <a:prstGeom prst="straightConnector1">
@@ -7085,8 +6595,8 @@
         </p:nvCxnSpPr>
         <p:spPr>
           <a:xfrm>
-            <a:off x="9052847" y="3633397"/>
-            <a:ext cx="223233" cy="564059"/>
+            <a:off x="9488696" y="4165262"/>
+            <a:ext cx="22021" cy="553241"/>
           </a:xfrm>
           <a:prstGeom prst="straightConnector1">
             <a:avLst/>
@@ -7126,7 +6636,176 @@
         </p:nvCxnSpPr>
         <p:spPr>
           <a:xfrm flipH="1" flipV="1">
-            <a:off x="9170866" y="3624541"/>
+            <a:off x="9636297" y="4177917"/>
+            <a:ext cx="24992" cy="567529"/>
+          </a:xfrm>
+          <a:prstGeom prst="straightConnector1">
+            <a:avLst/>
+          </a:prstGeom>
+          <a:ln w="19050">
+            <a:tailEnd type="triangle"/>
+          </a:ln>
+        </p:spPr>
+        <p:style>
+          <a:lnRef idx="1">
+            <a:schemeClr val="accent1"/>
+          </a:lnRef>
+          <a:fillRef idx="0">
+            <a:schemeClr val="accent1"/>
+          </a:fillRef>
+          <a:effectRef idx="0">
+            <a:schemeClr val="accent1"/>
+          </a:effectRef>
+          <a:fontRef idx="minor">
+            <a:schemeClr val="tx1"/>
+          </a:fontRef>
+        </p:style>
+      </p:cxnSp>
+      <p:sp>
+        <p:nvSpPr>
+          <p:cNvPr id="134" name="TextBox 133">
+            <a:extLst>
+              <a:ext uri="{FF2B5EF4-FFF2-40B4-BE49-F238E27FC236}">
+                <a16:creationId xmlns:a16="http://schemas.microsoft.com/office/drawing/2014/main" id="{BF92659B-57E9-40E5-8A42-67AF2CCAAB8D}"/>
+              </a:ext>
+            </a:extLst>
+          </p:cNvPr>
+          <p:cNvSpPr txBox="1"/>
+          <p:nvPr/>
+        </p:nvSpPr>
+        <p:spPr>
+          <a:xfrm>
+            <a:off x="8726438" y="1124106"/>
+            <a:ext cx="1984120" cy="369332"/>
+          </a:xfrm>
+          <a:prstGeom prst="rect">
+            <a:avLst/>
+          </a:prstGeom>
+          <a:noFill/>
+        </p:spPr>
+        <p:txBody>
+          <a:bodyPr wrap="square" rtlCol="0">
+            <a:spAutoFit/>
+          </a:bodyPr>
+          <a:lstStyle/>
+          <a:p>
+            <a:r>
+              <a:rPr lang="fr-FR" i="1" dirty="0">
+                <a:solidFill>
+                  <a:schemeClr val="tx2">
+                    <a:lumMod val="60000"/>
+                    <a:lumOff val="40000"/>
+                  </a:schemeClr>
+                </a:solidFill>
+              </a:rPr>
+              <a:t>« </a:t>
+            </a:r>
+            <a:r>
+              <a:rPr lang="fr-FR" i="1" dirty="0" smtClean="0">
+                <a:solidFill>
+                  <a:schemeClr val="tx2">
+                    <a:lumMod val="60000"/>
+                    <a:lumOff val="40000"/>
+                  </a:schemeClr>
+                </a:solidFill>
+              </a:rPr>
+              <a:t>REST API</a:t>
+            </a:r>
+            <a:r>
+              <a:rPr lang="fr-FR" i="1" dirty="0">
+                <a:solidFill>
+                  <a:schemeClr val="tx2">
+                    <a:lumMod val="60000"/>
+                    <a:lumOff val="40000"/>
+                  </a:schemeClr>
+                </a:solidFill>
+              </a:rPr>
+              <a:t> »</a:t>
+            </a:r>
+          </a:p>
+        </p:txBody>
+      </p:sp>
+      <p:sp>
+        <p:nvSpPr>
+          <p:cNvPr id="56" name="Rectangle: Rounded Corners 24">
+            <a:extLst>
+              <a:ext uri="{FF2B5EF4-FFF2-40B4-BE49-F238E27FC236}">
+                <a16:creationId xmlns:a16="http://schemas.microsoft.com/office/drawing/2014/main" id="{B642F7D8-B369-4105-9619-9816ACCCE7C5}"/>
+              </a:ext>
+            </a:extLst>
+          </p:cNvPr>
+          <p:cNvSpPr/>
+          <p:nvPr/>
+        </p:nvSpPr>
+        <p:spPr>
+          <a:xfrm>
+            <a:off x="9044549" y="3911636"/>
+            <a:ext cx="1080000" cy="191663"/>
+          </a:xfrm>
+          <a:prstGeom prst="roundRect">
+            <a:avLst/>
+          </a:prstGeom>
+          <a:solidFill>
+            <a:schemeClr val="accent3">
+              <a:lumMod val="40000"/>
+              <a:lumOff val="60000"/>
+            </a:schemeClr>
+          </a:solidFill>
+        </p:spPr>
+        <p:style>
+          <a:lnRef idx="2">
+            <a:schemeClr val="accent1">
+              <a:shade val="50000"/>
+            </a:schemeClr>
+          </a:lnRef>
+          <a:fillRef idx="1">
+            <a:schemeClr val="accent1"/>
+          </a:fillRef>
+          <a:effectRef idx="0">
+            <a:schemeClr val="accent1"/>
+          </a:effectRef>
+          <a:fontRef idx="minor">
+            <a:schemeClr val="lt1"/>
+          </a:fontRef>
+        </p:style>
+        <p:txBody>
+          <a:bodyPr rtlCol="0" anchor="ctr"/>
+          <a:lstStyle/>
+          <a:p>
+            <a:pPr algn="ctr"/>
+            <a:r>
+              <a:rPr lang="fr-FR" sz="1200" dirty="0" smtClean="0">
+                <a:solidFill>
+                  <a:schemeClr val="tx1"/>
+                </a:solidFill>
+              </a:rPr>
+              <a:t>dao</a:t>
+            </a:r>
+            <a:endParaRPr lang="fr-FR" sz="1200" dirty="0">
+              <a:solidFill>
+                <a:schemeClr val="tx1"/>
+              </a:solidFill>
+            </a:endParaRPr>
+          </a:p>
+        </p:txBody>
+      </p:sp>
+      <p:cxnSp>
+        <p:nvCxnSpPr>
+          <p:cNvPr id="57" name="Straight Arrow Connector 53">
+            <a:extLst>
+              <a:ext uri="{FF2B5EF4-FFF2-40B4-BE49-F238E27FC236}">
+                <a16:creationId xmlns:a16="http://schemas.microsoft.com/office/drawing/2014/main" id="{80C3B9B2-C914-4E22-BC92-3B0097E51B7B}"/>
+              </a:ext>
+            </a:extLst>
+          </p:cNvPr>
+          <p:cNvCxnSpPr>
+            <a:cxnSpLocks/>
+          </p:cNvCxnSpPr>
+          <p:nvPr/>
+        </p:nvCxnSpPr>
+        <p:spPr>
+          <a:xfrm flipH="1" flipV="1">
+            <a:off x="9527674" y="3283386"/>
             <a:ext cx="228671" cy="536527"/>
           </a:xfrm>
           <a:prstGeom prst="straightConnector1">
@@ -7153,27 +6832,546 @@
       </p:cxnSp>
       <p:cxnSp>
         <p:nvCxnSpPr>
-          <p:cNvPr id="60" name="Straight Arrow Connector 59">
-            <a:extLst>
-              <a:ext uri="{FF2B5EF4-FFF2-40B4-BE49-F238E27FC236}">
-                <a16:creationId xmlns:a16="http://schemas.microsoft.com/office/drawing/2014/main" id="{21A15E67-B8A6-4E39-883E-DEEDC007599F}"/>
-              </a:ext>
-            </a:extLst>
-          </p:cNvPr>
-          <p:cNvCxnSpPr>
-            <a:cxnSpLocks/>
-          </p:cNvCxnSpPr>
+          <p:cNvPr id="58" name="Straight Arrow Connector 51">
+            <a:extLst>
+              <a:ext uri="{FF2B5EF4-FFF2-40B4-BE49-F238E27FC236}">
+                <a16:creationId xmlns:a16="http://schemas.microsoft.com/office/drawing/2014/main" id="{FD6CE13B-F633-41D3-BA55-B9995637C3F5}"/>
+              </a:ext>
+            </a:extLst>
+          </p:cNvPr>
+          <p:cNvCxnSpPr/>
           <p:nvPr/>
         </p:nvCxnSpPr>
         <p:spPr>
-          <a:xfrm flipH="1">
-            <a:off x="9736606" y="3480487"/>
-            <a:ext cx="733489" cy="0"/>
+          <a:xfrm>
+            <a:off x="9357259" y="3283386"/>
+            <a:ext cx="223233" cy="564059"/>
           </a:xfrm>
           <a:prstGeom prst="straightConnector1">
             <a:avLst/>
           </a:prstGeom>
           <a:ln w="19050">
+            <a:tailEnd type="triangle"/>
+          </a:ln>
+        </p:spPr>
+        <p:style>
+          <a:lnRef idx="1">
+            <a:schemeClr val="accent1"/>
+          </a:lnRef>
+          <a:fillRef idx="0">
+            <a:schemeClr val="accent1"/>
+          </a:fillRef>
+          <a:effectRef idx="0">
+            <a:schemeClr val="accent1"/>
+          </a:effectRef>
+          <a:fontRef idx="minor">
+            <a:schemeClr val="tx1"/>
+          </a:fontRef>
+        </p:style>
+      </p:cxnSp>
+      <p:sp>
+        <p:nvSpPr>
+          <p:cNvPr id="37" name="Rectangle à coins arrondis 36"/>
+          <p:cNvSpPr/>
+          <p:nvPr/>
+        </p:nvSpPr>
+        <p:spPr>
+          <a:xfrm>
+            <a:off x="840259" y="1983537"/>
+            <a:ext cx="1318055" cy="739649"/>
+          </a:xfrm>
+          <a:prstGeom prst="roundRect">
+            <a:avLst/>
+          </a:prstGeom>
+          <a:solidFill>
+            <a:schemeClr val="bg1"/>
+          </a:solidFill>
+          <a:ln>
+            <a:solidFill>
+              <a:srgbClr val="00B050"/>
+            </a:solidFill>
+          </a:ln>
+        </p:spPr>
+        <p:style>
+          <a:lnRef idx="2">
+            <a:schemeClr val="accent1">
+              <a:shade val="50000"/>
+            </a:schemeClr>
+          </a:lnRef>
+          <a:fillRef idx="1">
+            <a:schemeClr val="accent1"/>
+          </a:fillRef>
+          <a:effectRef idx="0">
+            <a:schemeClr val="accent1"/>
+          </a:effectRef>
+          <a:fontRef idx="minor">
+            <a:schemeClr val="lt1"/>
+          </a:fontRef>
+        </p:style>
+        <p:txBody>
+          <a:bodyPr rtlCol="0" anchor="ctr"/>
+          <a:lstStyle/>
+          <a:p>
+            <a:pPr algn="ctr"/>
+            <a:endParaRPr lang="fr-FR"/>
+          </a:p>
+        </p:txBody>
+      </p:sp>
+      <p:sp>
+        <p:nvSpPr>
+          <p:cNvPr id="38" name="ZoneTexte 37"/>
+          <p:cNvSpPr txBox="1"/>
+          <p:nvPr/>
+        </p:nvSpPr>
+        <p:spPr>
+          <a:xfrm>
+            <a:off x="878847" y="2169189"/>
+            <a:ext cx="1335828" cy="369332"/>
+          </a:xfrm>
+          <a:prstGeom prst="rect">
+            <a:avLst/>
+          </a:prstGeom>
+          <a:noFill/>
+        </p:spPr>
+        <p:txBody>
+          <a:bodyPr wrap="square" rtlCol="0">
+            <a:spAutoFit/>
+          </a:bodyPr>
+          <a:lstStyle/>
+          <a:p>
+            <a:r>
+              <a:rPr lang="en-US" dirty="0" err="1" smtClean="0"/>
+              <a:t>Navigateur</a:t>
+            </a:r>
+            <a:endParaRPr lang="fr-FR" dirty="0"/>
+          </a:p>
+        </p:txBody>
+      </p:sp>
+      <p:sp>
+        <p:nvSpPr>
+          <p:cNvPr id="40" name="Rectangle à coins arrondis 39"/>
+          <p:cNvSpPr/>
+          <p:nvPr/>
+        </p:nvSpPr>
+        <p:spPr>
+          <a:xfrm>
+            <a:off x="840259" y="3494537"/>
+            <a:ext cx="1386862" cy="1376241"/>
+          </a:xfrm>
+          <a:prstGeom prst="roundRect">
+            <a:avLst/>
+          </a:prstGeom>
+          <a:solidFill>
+            <a:schemeClr val="bg1"/>
+          </a:solidFill>
+          <a:ln>
+            <a:solidFill>
+              <a:srgbClr val="C00000"/>
+            </a:solidFill>
+          </a:ln>
+        </p:spPr>
+        <p:style>
+          <a:lnRef idx="2">
+            <a:schemeClr val="accent1">
+              <a:shade val="50000"/>
+            </a:schemeClr>
+          </a:lnRef>
+          <a:fillRef idx="1">
+            <a:schemeClr val="accent1"/>
+          </a:fillRef>
+          <a:effectRef idx="0">
+            <a:schemeClr val="accent1"/>
+          </a:effectRef>
+          <a:fontRef idx="minor">
+            <a:schemeClr val="lt1"/>
+          </a:fontRef>
+        </p:style>
+        <p:txBody>
+          <a:bodyPr rtlCol="0" anchor="ctr"/>
+          <a:lstStyle/>
+          <a:p>
+            <a:pPr algn="ctr"/>
+            <a:endParaRPr lang="fr-FR"/>
+          </a:p>
+        </p:txBody>
+      </p:sp>
+      <p:sp>
+        <p:nvSpPr>
+          <p:cNvPr id="41" name="ZoneTexte 40"/>
+          <p:cNvSpPr txBox="1"/>
+          <p:nvPr/>
+        </p:nvSpPr>
+        <p:spPr>
+          <a:xfrm>
+            <a:off x="973013" y="3815830"/>
+            <a:ext cx="1165318" cy="646331"/>
+          </a:xfrm>
+          <a:prstGeom prst="rect">
+            <a:avLst/>
+          </a:prstGeom>
+          <a:noFill/>
+        </p:spPr>
+        <p:txBody>
+          <a:bodyPr wrap="square" rtlCol="0">
+            <a:spAutoFit/>
+          </a:bodyPr>
+          <a:lstStyle/>
+          <a:p>
+            <a:pPr algn="ctr"/>
+            <a:r>
+              <a:rPr lang="en-US" dirty="0" smtClean="0"/>
+              <a:t>HTML</a:t>
+            </a:r>
+          </a:p>
+          <a:p>
+            <a:pPr algn="ctr"/>
+            <a:r>
+              <a:rPr lang="en-US" dirty="0" smtClean="0"/>
+              <a:t>Template</a:t>
+            </a:r>
+            <a:endParaRPr lang="fr-FR" dirty="0"/>
+          </a:p>
+        </p:txBody>
+      </p:sp>
+      <p:sp>
+        <p:nvSpPr>
+          <p:cNvPr id="42" name="Rectangle à coins arrondis 41"/>
+          <p:cNvSpPr/>
+          <p:nvPr/>
+        </p:nvSpPr>
+        <p:spPr>
+          <a:xfrm>
+            <a:off x="2494892" y="3493770"/>
+            <a:ext cx="1256068" cy="570858"/>
+          </a:xfrm>
+          <a:prstGeom prst="roundRect">
+            <a:avLst/>
+          </a:prstGeom>
+          <a:solidFill>
+            <a:schemeClr val="bg1"/>
+          </a:solidFill>
+          <a:ln>
+            <a:solidFill>
+              <a:srgbClr val="C00000"/>
+            </a:solidFill>
+          </a:ln>
+        </p:spPr>
+        <p:style>
+          <a:lnRef idx="2">
+            <a:schemeClr val="accent1">
+              <a:shade val="50000"/>
+            </a:schemeClr>
+          </a:lnRef>
+          <a:fillRef idx="1">
+            <a:schemeClr val="accent1"/>
+          </a:fillRef>
+          <a:effectRef idx="0">
+            <a:schemeClr val="accent1"/>
+          </a:effectRef>
+          <a:fontRef idx="minor">
+            <a:schemeClr val="lt1"/>
+          </a:fontRef>
+        </p:style>
+        <p:txBody>
+          <a:bodyPr rtlCol="0" anchor="ctr"/>
+          <a:lstStyle/>
+          <a:p>
+            <a:pPr algn="ctr"/>
+            <a:endParaRPr lang="fr-FR"/>
+          </a:p>
+        </p:txBody>
+      </p:sp>
+      <p:sp>
+        <p:nvSpPr>
+          <p:cNvPr id="44" name="ZoneTexte 43"/>
+          <p:cNvSpPr txBox="1"/>
+          <p:nvPr/>
+        </p:nvSpPr>
+        <p:spPr>
+          <a:xfrm>
+            <a:off x="2469958" y="3585475"/>
+            <a:ext cx="1365107" cy="369332"/>
+          </a:xfrm>
+          <a:prstGeom prst="rect">
+            <a:avLst/>
+          </a:prstGeom>
+          <a:noFill/>
+        </p:spPr>
+        <p:txBody>
+          <a:bodyPr wrap="square" rtlCol="0">
+            <a:spAutoFit/>
+          </a:bodyPr>
+          <a:lstStyle/>
+          <a:p>
+            <a:r>
+              <a:rPr lang="en-US" dirty="0" smtClean="0"/>
+              <a:t>Component</a:t>
+            </a:r>
+            <a:endParaRPr lang="fr-FR" dirty="0"/>
+          </a:p>
+        </p:txBody>
+      </p:sp>
+      <p:sp>
+        <p:nvSpPr>
+          <p:cNvPr id="48" name="Rectangle à coins arrondis 47"/>
+          <p:cNvSpPr/>
+          <p:nvPr/>
+        </p:nvSpPr>
+        <p:spPr>
+          <a:xfrm>
+            <a:off x="4061024" y="3493770"/>
+            <a:ext cx="923928" cy="1422395"/>
+          </a:xfrm>
+          <a:prstGeom prst="roundRect">
+            <a:avLst/>
+          </a:prstGeom>
+          <a:solidFill>
+            <a:schemeClr val="bg1"/>
+          </a:solidFill>
+          <a:ln>
+            <a:solidFill>
+              <a:srgbClr val="C00000"/>
+            </a:solidFill>
+          </a:ln>
+        </p:spPr>
+        <p:style>
+          <a:lnRef idx="2">
+            <a:schemeClr val="accent1">
+              <a:shade val="50000"/>
+            </a:schemeClr>
+          </a:lnRef>
+          <a:fillRef idx="1">
+            <a:schemeClr val="accent1"/>
+          </a:fillRef>
+          <a:effectRef idx="0">
+            <a:schemeClr val="accent1"/>
+          </a:effectRef>
+          <a:fontRef idx="minor">
+            <a:schemeClr val="lt1"/>
+          </a:fontRef>
+        </p:style>
+        <p:txBody>
+          <a:bodyPr rtlCol="0" anchor="ctr"/>
+          <a:lstStyle/>
+          <a:p>
+            <a:pPr algn="ctr"/>
+            <a:endParaRPr lang="fr-FR"/>
+          </a:p>
+        </p:txBody>
+      </p:sp>
+      <p:sp>
+        <p:nvSpPr>
+          <p:cNvPr id="50" name="ZoneTexte 49"/>
+          <p:cNvSpPr txBox="1"/>
+          <p:nvPr/>
+        </p:nvSpPr>
+        <p:spPr>
+          <a:xfrm>
+            <a:off x="4104635" y="3992399"/>
+            <a:ext cx="882375" cy="369332"/>
+          </a:xfrm>
+          <a:prstGeom prst="rect">
+            <a:avLst/>
+          </a:prstGeom>
+          <a:noFill/>
+        </p:spPr>
+        <p:txBody>
+          <a:bodyPr wrap="square" rtlCol="0">
+            <a:spAutoFit/>
+          </a:bodyPr>
+          <a:lstStyle/>
+          <a:p>
+            <a:r>
+              <a:rPr lang="en-US" dirty="0" smtClean="0"/>
+              <a:t>Service</a:t>
+            </a:r>
+            <a:endParaRPr lang="fr-FR" dirty="0"/>
+          </a:p>
+        </p:txBody>
+      </p:sp>
+      <p:sp>
+        <p:nvSpPr>
+          <p:cNvPr id="51" name="Rectangle à coins arrondis 50"/>
+          <p:cNvSpPr/>
+          <p:nvPr/>
+        </p:nvSpPr>
+        <p:spPr>
+          <a:xfrm>
+            <a:off x="2479140" y="4344050"/>
+            <a:ext cx="1256068" cy="526533"/>
+          </a:xfrm>
+          <a:prstGeom prst="roundRect">
+            <a:avLst/>
+          </a:prstGeom>
+          <a:solidFill>
+            <a:schemeClr val="bg1"/>
+          </a:solidFill>
+          <a:ln>
+            <a:solidFill>
+              <a:srgbClr val="C00000"/>
+            </a:solidFill>
+          </a:ln>
+        </p:spPr>
+        <p:style>
+          <a:lnRef idx="2">
+            <a:schemeClr val="accent1">
+              <a:shade val="50000"/>
+            </a:schemeClr>
+          </a:lnRef>
+          <a:fillRef idx="1">
+            <a:schemeClr val="accent1"/>
+          </a:fillRef>
+          <a:effectRef idx="0">
+            <a:schemeClr val="accent1"/>
+          </a:effectRef>
+          <a:fontRef idx="minor">
+            <a:schemeClr val="lt1"/>
+          </a:fontRef>
+        </p:style>
+        <p:txBody>
+          <a:bodyPr rtlCol="0" anchor="ctr"/>
+          <a:lstStyle/>
+          <a:p>
+            <a:pPr algn="ctr"/>
+            <a:r>
+              <a:rPr lang="en-US" dirty="0" smtClean="0">
+                <a:solidFill>
+                  <a:schemeClr val="tx1"/>
+                </a:solidFill>
+              </a:rPr>
+              <a:t>Interface</a:t>
+            </a:r>
+            <a:endParaRPr lang="fr-FR" dirty="0">
+              <a:solidFill>
+                <a:schemeClr val="tx1"/>
+              </a:solidFill>
+            </a:endParaRPr>
+          </a:p>
+        </p:txBody>
+      </p:sp>
+      <p:sp>
+        <p:nvSpPr>
+          <p:cNvPr id="73" name="Rectangle à coins arrondis 72"/>
+          <p:cNvSpPr/>
+          <p:nvPr/>
+        </p:nvSpPr>
+        <p:spPr>
+          <a:xfrm>
+            <a:off x="5238049" y="3516846"/>
+            <a:ext cx="1386862" cy="1376241"/>
+          </a:xfrm>
+          <a:prstGeom prst="roundRect">
+            <a:avLst/>
+          </a:prstGeom>
+          <a:solidFill>
+            <a:schemeClr val="bg1"/>
+          </a:solidFill>
+          <a:ln>
+            <a:solidFill>
+              <a:srgbClr val="C00000"/>
+            </a:solidFill>
+          </a:ln>
+        </p:spPr>
+        <p:style>
+          <a:lnRef idx="2">
+            <a:schemeClr val="accent1">
+              <a:shade val="50000"/>
+            </a:schemeClr>
+          </a:lnRef>
+          <a:fillRef idx="1">
+            <a:schemeClr val="accent1"/>
+          </a:fillRef>
+          <a:effectRef idx="0">
+            <a:schemeClr val="accent1"/>
+          </a:effectRef>
+          <a:fontRef idx="minor">
+            <a:schemeClr val="lt1"/>
+          </a:fontRef>
+        </p:style>
+        <p:txBody>
+          <a:bodyPr rtlCol="0" anchor="ctr"/>
+          <a:lstStyle/>
+          <a:p>
+            <a:pPr algn="ctr"/>
+            <a:r>
+              <a:rPr lang="en-US" dirty="0" smtClean="0">
+                <a:solidFill>
+                  <a:schemeClr val="tx1"/>
+                </a:solidFill>
+              </a:rPr>
+              <a:t>Interceptor</a:t>
+            </a:r>
+            <a:endParaRPr lang="fr-FR" dirty="0">
+              <a:solidFill>
+                <a:schemeClr val="tx1"/>
+              </a:solidFill>
+            </a:endParaRPr>
+          </a:p>
+        </p:txBody>
+      </p:sp>
+      <p:sp>
+        <p:nvSpPr>
+          <p:cNvPr id="59" name="Rectangle à coins arrondis 58"/>
+          <p:cNvSpPr/>
+          <p:nvPr/>
+        </p:nvSpPr>
+        <p:spPr>
+          <a:xfrm>
+            <a:off x="681911" y="3109525"/>
+            <a:ext cx="6186039" cy="2146263"/>
+          </a:xfrm>
+          <a:prstGeom prst="roundRect">
+            <a:avLst/>
+          </a:prstGeom>
+          <a:noFill/>
+          <a:ln>
+            <a:solidFill>
+              <a:srgbClr val="C00000"/>
+            </a:solidFill>
+          </a:ln>
+        </p:spPr>
+        <p:style>
+          <a:lnRef idx="2">
+            <a:schemeClr val="accent1">
+              <a:shade val="50000"/>
+            </a:schemeClr>
+          </a:lnRef>
+          <a:fillRef idx="1">
+            <a:schemeClr val="accent1"/>
+          </a:fillRef>
+          <a:effectRef idx="0">
+            <a:schemeClr val="accent1"/>
+          </a:effectRef>
+          <a:fontRef idx="minor">
+            <a:schemeClr val="lt1"/>
+          </a:fontRef>
+        </p:style>
+        <p:txBody>
+          <a:bodyPr rtlCol="0" anchor="ctr"/>
+          <a:lstStyle/>
+          <a:p>
+            <a:pPr algn="ctr"/>
+            <a:endParaRPr lang="fr-FR"/>
+          </a:p>
+        </p:txBody>
+      </p:sp>
+      <p:cxnSp>
+        <p:nvCxnSpPr>
+          <p:cNvPr id="62" name="Connecteur droit avec flèche 61"/>
+          <p:cNvCxnSpPr>
+            <a:endCxn id="44" idx="1"/>
+          </p:cNvCxnSpPr>
+          <p:nvPr/>
+        </p:nvCxnSpPr>
+        <p:spPr>
+          <a:xfrm>
+            <a:off x="2227121" y="3770141"/>
+            <a:ext cx="242837" cy="0"/>
+          </a:xfrm>
+          <a:prstGeom prst="straightConnector1">
+            <a:avLst/>
+          </a:prstGeom>
+          <a:ln>
             <a:tailEnd type="triangle"/>
           </a:ln>
         </p:spPr>
@@ -7194,25 +7392,23 @@
       </p:cxnSp>
       <p:cxnSp>
         <p:nvCxnSpPr>
-          <p:cNvPr id="65" name="Straight Arrow Connector 64">
-            <a:extLst>
-              <a:ext uri="{FF2B5EF4-FFF2-40B4-BE49-F238E27FC236}">
-                <a16:creationId xmlns:a16="http://schemas.microsoft.com/office/drawing/2014/main" id="{4DC748A3-E803-4C87-9DBB-AAD20B06F1AF}"/>
-              </a:ext>
-            </a:extLst>
-          </p:cNvPr>
-          <p:cNvCxnSpPr/>
+          <p:cNvPr id="75" name="Connecteur droit avec flèche 74"/>
+          <p:cNvCxnSpPr>
+            <a:stCxn id="42" idx="2"/>
+            <a:endCxn id="51" idx="0"/>
+          </p:cNvCxnSpPr>
           <p:nvPr/>
         </p:nvCxnSpPr>
         <p:spPr>
-          <a:xfrm flipV="1">
-            <a:off x="9123967" y="2763375"/>
-            <a:ext cx="346690" cy="546609"/>
+          <a:xfrm flipH="1">
+            <a:off x="3107174" y="4064628"/>
+            <a:ext cx="15752" cy="279422"/>
           </a:xfrm>
           <a:prstGeom prst="straightConnector1">
             <a:avLst/>
           </a:prstGeom>
-          <a:ln w="19050">
+          <a:ln>
+            <a:headEnd type="triangle"/>
             <a:tailEnd type="triangle"/>
           </a:ln>
         </p:spPr>
@@ -7233,190 +7429,19 @@
       </p:cxnSp>
       <p:cxnSp>
         <p:nvCxnSpPr>
-          <p:cNvPr id="67" name="Straight Arrow Connector 66">
-            <a:extLst>
-              <a:ext uri="{FF2B5EF4-FFF2-40B4-BE49-F238E27FC236}">
-                <a16:creationId xmlns:a16="http://schemas.microsoft.com/office/drawing/2014/main" id="{C3E6D469-2301-410E-9D8B-F8BD18FC0452}"/>
-              </a:ext>
-            </a:extLst>
-          </p:cNvPr>
+          <p:cNvPr id="81" name="Connecteur droit avec flèche 80"/>
           <p:cNvCxnSpPr/>
           <p:nvPr/>
         </p:nvCxnSpPr>
         <p:spPr>
           <a:xfrm>
-            <a:off x="9889007" y="2763375"/>
-            <a:ext cx="589017" cy="546609"/>
+            <a:off x="3744636" y="3698850"/>
+            <a:ext cx="327761" cy="9859"/>
           </a:xfrm>
           <a:prstGeom prst="straightConnector1">
             <a:avLst/>
           </a:prstGeom>
-          <a:ln w="19050">
-            <a:tailEnd type="triangle"/>
-          </a:ln>
-        </p:spPr>
-        <p:style>
-          <a:lnRef idx="1">
-            <a:schemeClr val="accent1"/>
-          </a:lnRef>
-          <a:fillRef idx="0">
-            <a:schemeClr val="accent1"/>
-          </a:fillRef>
-          <a:effectRef idx="0">
-            <a:schemeClr val="accent1"/>
-          </a:effectRef>
-          <a:fontRef idx="minor">
-            <a:schemeClr val="tx1"/>
-          </a:fontRef>
-        </p:style>
-      </p:cxnSp>
-      <p:sp>
-        <p:nvSpPr>
-          <p:cNvPr id="69" name="TextBox 68">
-            <a:extLst>
-              <a:ext uri="{FF2B5EF4-FFF2-40B4-BE49-F238E27FC236}">
-                <a16:creationId xmlns:a16="http://schemas.microsoft.com/office/drawing/2014/main" id="{E67E93E0-3B05-419C-8639-5C39BEF3F653}"/>
-              </a:ext>
-            </a:extLst>
-          </p:cNvPr>
-          <p:cNvSpPr txBox="1"/>
-          <p:nvPr/>
-        </p:nvSpPr>
-        <p:spPr>
-          <a:xfrm>
-            <a:off x="10561607" y="2132123"/>
-            <a:ext cx="1025091" cy="577081"/>
-          </a:xfrm>
-          <a:prstGeom prst="rect">
-            <a:avLst/>
-          </a:prstGeom>
-          <a:noFill/>
-        </p:spPr>
-        <p:txBody>
-          <a:bodyPr wrap="square" rtlCol="0">
-            <a:spAutoFit/>
-          </a:bodyPr>
-          <a:lstStyle/>
-          <a:p>
-            <a:pPr algn="ctr"/>
-            <a:r>
-              <a:rPr lang="fr-FR" sz="1000" b="1" dirty="0"/>
-              <a:t>Ré</a:t>
-            </a:r>
-            <a:r>
-              <a:rPr lang="fr-FR" sz="1050" b="1" dirty="0"/>
-              <a:t>seau d’entreprise</a:t>
-            </a:r>
-          </a:p>
-          <a:p>
-            <a:endParaRPr lang="fr-FR" sz="1050" dirty="0"/>
-          </a:p>
-        </p:txBody>
-      </p:sp>
-      <p:sp>
-        <p:nvSpPr>
-          <p:cNvPr id="70" name="TextBox 69">
-            <a:extLst>
-              <a:ext uri="{FF2B5EF4-FFF2-40B4-BE49-F238E27FC236}">
-                <a16:creationId xmlns:a16="http://schemas.microsoft.com/office/drawing/2014/main" id="{847F1992-AA9F-4141-B814-BAD18BCF2064}"/>
-              </a:ext>
-            </a:extLst>
-          </p:cNvPr>
-          <p:cNvSpPr txBox="1"/>
-          <p:nvPr/>
-        </p:nvSpPr>
-        <p:spPr>
-          <a:xfrm>
-            <a:off x="8849361" y="2078488"/>
-            <a:ext cx="589566" cy="415498"/>
-          </a:xfrm>
-          <a:prstGeom prst="rect">
-            <a:avLst/>
-          </a:prstGeom>
-          <a:noFill/>
-        </p:spPr>
-        <p:txBody>
-          <a:bodyPr wrap="square" rtlCol="0">
-            <a:spAutoFit/>
-          </a:bodyPr>
-          <a:lstStyle/>
-          <a:p>
-            <a:r>
-              <a:rPr lang="fr-FR" sz="1050" b="1" dirty="0"/>
-              <a:t>Cloud</a:t>
-            </a:r>
-          </a:p>
-          <a:p>
-            <a:endParaRPr lang="fr-FR" sz="1050" b="1" dirty="0"/>
-          </a:p>
-        </p:txBody>
-      </p:sp>
-      <p:sp>
-        <p:nvSpPr>
-          <p:cNvPr id="72" name="TextBox 71">
-            <a:extLst>
-              <a:ext uri="{FF2B5EF4-FFF2-40B4-BE49-F238E27FC236}">
-                <a16:creationId xmlns:a16="http://schemas.microsoft.com/office/drawing/2014/main" id="{41F5CC93-DBE2-41C6-8F8D-96C5B5C1EF7B}"/>
-              </a:ext>
-            </a:extLst>
-          </p:cNvPr>
-          <p:cNvSpPr txBox="1"/>
-          <p:nvPr/>
-        </p:nvSpPr>
-        <p:spPr>
-          <a:xfrm>
-            <a:off x="7579360" y="2345482"/>
-            <a:ext cx="1168400" cy="415498"/>
-          </a:xfrm>
-          <a:prstGeom prst="rect">
-            <a:avLst/>
-          </a:prstGeom>
-          <a:noFill/>
-        </p:spPr>
-        <p:txBody>
-          <a:bodyPr wrap="square" rtlCol="0">
-            <a:spAutoFit/>
-          </a:bodyPr>
-          <a:lstStyle/>
-          <a:p>
-            <a:pPr algn="ctr"/>
-            <a:r>
-              <a:rPr lang="fr-FR" sz="1050" b="1" dirty="0"/>
-              <a:t>Applications </a:t>
-            </a:r>
-            <a:br>
-              <a:rPr lang="fr-FR" sz="1050" b="1" dirty="0"/>
-            </a:br>
-            <a:r>
-              <a:rPr lang="fr-FR" sz="1050" b="1" dirty="0"/>
-              <a:t>Smart Predict</a:t>
-            </a:r>
-          </a:p>
-        </p:txBody>
-      </p:sp>
-      <p:cxnSp>
-        <p:nvCxnSpPr>
-          <p:cNvPr id="74" name="Straight Arrow Connector 73">
-            <a:extLst>
-              <a:ext uri="{FF2B5EF4-FFF2-40B4-BE49-F238E27FC236}">
-                <a16:creationId xmlns:a16="http://schemas.microsoft.com/office/drawing/2014/main" id="{D6E13C81-2A44-4443-A1E8-8DFDB6022E79}"/>
-              </a:ext>
-            </a:extLst>
-          </p:cNvPr>
-          <p:cNvCxnSpPr>
-            <a:cxnSpLocks/>
-          </p:cNvCxnSpPr>
-          <p:nvPr/>
-        </p:nvCxnSpPr>
-        <p:spPr>
-          <a:xfrm>
-            <a:off x="8260855" y="3157584"/>
-            <a:ext cx="283705" cy="257552"/>
-          </a:xfrm>
-          <a:prstGeom prst="straightConnector1">
-            <a:avLst/>
-          </a:prstGeom>
-          <a:ln w="19050">
+          <a:ln>
             <a:tailEnd type="triangle"/>
           </a:ln>
         </p:spPr>
@@ -7437,27 +7462,21 @@
       </p:cxnSp>
       <p:cxnSp>
         <p:nvCxnSpPr>
-          <p:cNvPr id="77" name="Straight Arrow Connector 76">
-            <a:extLst>
-              <a:ext uri="{FF2B5EF4-FFF2-40B4-BE49-F238E27FC236}">
-                <a16:creationId xmlns:a16="http://schemas.microsoft.com/office/drawing/2014/main" id="{37C861EA-7519-4A41-9480-940737C08C30}"/>
-              </a:ext>
-            </a:extLst>
-          </p:cNvPr>
+          <p:cNvPr id="91" name="Connecteur droit avec flèche 90"/>
           <p:cNvCxnSpPr>
-            <a:cxnSpLocks/>
+            <a:stCxn id="50" idx="3"/>
           </p:cNvCxnSpPr>
           <p:nvPr/>
         </p:nvCxnSpPr>
         <p:spPr>
-          <a:xfrm flipH="1" flipV="1">
-            <a:off x="8349818" y="3052432"/>
-            <a:ext cx="255988" cy="257552"/>
+          <a:xfrm>
+            <a:off x="4987010" y="4177065"/>
+            <a:ext cx="366918" cy="0"/>
           </a:xfrm>
           <a:prstGeom prst="straightConnector1">
             <a:avLst/>
           </a:prstGeom>
-          <a:ln w="19050">
+          <a:ln>
             <a:tailEnd type="triangle"/>
           </a:ln>
         </p:spPr>
@@ -7478,31 +7497,20 @@
       </p:cxnSp>
       <p:cxnSp>
         <p:nvCxnSpPr>
-          <p:cNvPr id="95" name="Straight Connector 94">
-            <a:extLst>
-              <a:ext uri="{FF2B5EF4-FFF2-40B4-BE49-F238E27FC236}">
-                <a16:creationId xmlns:a16="http://schemas.microsoft.com/office/drawing/2014/main" id="{D0FBB963-EA76-4436-9076-D27A2BB5D4D7}"/>
-              </a:ext>
-            </a:extLst>
-          </p:cNvPr>
-          <p:cNvCxnSpPr>
-            <a:stCxn id="29" idx="2"/>
-            <a:endCxn id="30" idx="0"/>
-          </p:cNvCxnSpPr>
+          <p:cNvPr id="96" name="Connecteur droit avec flèche 95"/>
+          <p:cNvCxnSpPr/>
           <p:nvPr/>
         </p:nvCxnSpPr>
         <p:spPr>
-          <a:xfrm flipH="1">
-            <a:off x="3229520" y="4415717"/>
-            <a:ext cx="10160" cy="916107"/>
-          </a:xfrm>
-          <a:prstGeom prst="line">
+          <a:xfrm>
+            <a:off x="1499286" y="2723186"/>
+            <a:ext cx="0" cy="890841"/>
+          </a:xfrm>
+          <a:prstGeom prst="straightConnector1">
             <a:avLst/>
           </a:prstGeom>
-          <a:ln w="19050">
-            <a:solidFill>
-              <a:srgbClr val="DB521B"/>
-            </a:solidFill>
+          <a:ln>
+            <a:tailEnd type="triangle"/>
           </a:ln>
         </p:spPr>
         <p:style>
@@ -7522,31 +7530,23 @@
       </p:cxnSp>
       <p:cxnSp>
         <p:nvCxnSpPr>
-          <p:cNvPr id="97" name="Straight Connector 96">
-            <a:extLst>
-              <a:ext uri="{FF2B5EF4-FFF2-40B4-BE49-F238E27FC236}">
-                <a16:creationId xmlns:a16="http://schemas.microsoft.com/office/drawing/2014/main" id="{0D67840A-0E5C-4170-94BF-05F1814C576F}"/>
-              </a:ext>
-            </a:extLst>
-          </p:cNvPr>
+          <p:cNvPr id="101" name="Connecteur droit avec flèche 100"/>
           <p:cNvCxnSpPr>
-            <a:stCxn id="30" idx="0"/>
-            <a:endCxn id="31" idx="2"/>
+            <a:stCxn id="73" idx="3"/>
+            <a:endCxn id="24" idx="1"/>
           </p:cNvCxnSpPr>
           <p:nvPr/>
         </p:nvCxnSpPr>
         <p:spPr>
           <a:xfrm flipV="1">
-            <a:off x="3229520" y="4415717"/>
-            <a:ext cx="2382400" cy="916107"/>
-          </a:xfrm>
-          <a:prstGeom prst="line">
+            <a:off x="6624911" y="2158869"/>
+            <a:ext cx="1446493" cy="2046098"/>
+          </a:xfrm>
+          <a:prstGeom prst="straightConnector1">
             <a:avLst/>
           </a:prstGeom>
-          <a:ln w="19050">
-            <a:solidFill>
-              <a:srgbClr val="DB521B"/>
-            </a:solidFill>
+          <a:ln>
+            <a:tailEnd type="triangle"/>
           </a:ln>
         </p:spPr>
         <p:style>
@@ -7566,31 +7566,107 @@
       </p:cxnSp>
       <p:cxnSp>
         <p:nvCxnSpPr>
-          <p:cNvPr id="108" name="Straight Connector 107">
-            <a:extLst>
-              <a:ext uri="{FF2B5EF4-FFF2-40B4-BE49-F238E27FC236}">
-                <a16:creationId xmlns:a16="http://schemas.microsoft.com/office/drawing/2014/main" id="{C5BADE31-38C7-4622-9779-311F86751A62}"/>
+          <p:cNvPr id="105" name="Connecteur droit avec flèche 104"/>
+          <p:cNvCxnSpPr/>
+          <p:nvPr/>
+        </p:nvCxnSpPr>
+        <p:spPr>
+          <a:xfrm flipH="1">
+            <a:off x="6624912" y="2250282"/>
+            <a:ext cx="1559213" cy="2093767"/>
+          </a:xfrm>
+          <a:prstGeom prst="straightConnector1">
+            <a:avLst/>
+          </a:prstGeom>
+          <a:ln>
+            <a:tailEnd type="triangle"/>
+          </a:ln>
+        </p:spPr>
+        <p:style>
+          <a:lnRef idx="1">
+            <a:schemeClr val="accent1"/>
+          </a:lnRef>
+          <a:fillRef idx="0">
+            <a:schemeClr val="accent1"/>
+          </a:fillRef>
+          <a:effectRef idx="0">
+            <a:schemeClr val="accent1"/>
+          </a:effectRef>
+          <a:fontRef idx="minor">
+            <a:schemeClr val="tx1"/>
+          </a:fontRef>
+        </p:style>
+      </p:cxnSp>
+      <p:sp>
+        <p:nvSpPr>
+          <p:cNvPr id="106" name="Rectangle à coins arrondis 105"/>
+          <p:cNvSpPr/>
+          <p:nvPr/>
+        </p:nvSpPr>
+        <p:spPr>
+          <a:xfrm>
+            <a:off x="7937856" y="1511458"/>
+            <a:ext cx="3018468" cy="4712370"/>
+          </a:xfrm>
+          <a:prstGeom prst="roundRect">
+            <a:avLst/>
+          </a:prstGeom>
+          <a:noFill/>
+          <a:ln>
+            <a:solidFill>
+              <a:srgbClr val="92D050"/>
+            </a:solidFill>
+          </a:ln>
+        </p:spPr>
+        <p:style>
+          <a:lnRef idx="2">
+            <a:schemeClr val="accent1">
+              <a:shade val="50000"/>
+            </a:schemeClr>
+          </a:lnRef>
+          <a:fillRef idx="1">
+            <a:schemeClr val="accent1"/>
+          </a:fillRef>
+          <a:effectRef idx="0">
+            <a:schemeClr val="accent1"/>
+          </a:effectRef>
+          <a:fontRef idx="minor">
+            <a:schemeClr val="lt1"/>
+          </a:fontRef>
+        </p:style>
+        <p:txBody>
+          <a:bodyPr rtlCol="0" anchor="ctr"/>
+          <a:lstStyle/>
+          <a:p>
+            <a:pPr algn="ctr"/>
+            <a:endParaRPr lang="fr-FR"/>
+          </a:p>
+        </p:txBody>
+      </p:sp>
+      <p:cxnSp>
+        <p:nvCxnSpPr>
+          <p:cNvPr id="113" name="Straight Arrow Connector 53">
+            <a:extLst>
+              <a:ext uri="{FF2B5EF4-FFF2-40B4-BE49-F238E27FC236}">
+                <a16:creationId xmlns:a16="http://schemas.microsoft.com/office/drawing/2014/main" id="{80C3B9B2-C914-4E22-BC92-3B0097E51B7B}"/>
               </a:ext>
             </a:extLst>
           </p:cNvPr>
           <p:cNvCxnSpPr>
-            <a:stCxn id="29" idx="3"/>
-            <a:endCxn id="31" idx="1"/>
+            <a:cxnSpLocks/>
           </p:cNvCxnSpPr>
           <p:nvPr/>
         </p:nvCxnSpPr>
         <p:spPr>
-          <a:xfrm>
-            <a:off x="3959680" y="4147331"/>
-            <a:ext cx="734240" cy="0"/>
-          </a:xfrm>
-          <a:prstGeom prst="line">
+          <a:xfrm flipH="1" flipV="1">
+            <a:off x="9215194" y="2368804"/>
+            <a:ext cx="228671" cy="536527"/>
+          </a:xfrm>
+          <a:prstGeom prst="straightConnector1">
             <a:avLst/>
           </a:prstGeom>
           <a:ln w="19050">
-            <a:solidFill>
-              <a:srgbClr val="FFC000"/>
-            </a:solidFill>
+            <a:tailEnd type="triangle"/>
           </a:ln>
         </p:spPr>
         <p:style>
@@ -7610,292 +7686,26 @@
       </p:cxnSp>
       <p:cxnSp>
         <p:nvCxnSpPr>
-          <p:cNvPr id="112" name="Straight Connector 111">
-            <a:extLst>
-              <a:ext uri="{FF2B5EF4-FFF2-40B4-BE49-F238E27FC236}">
-                <a16:creationId xmlns:a16="http://schemas.microsoft.com/office/drawing/2014/main" id="{E5C0EDE2-3B33-4B95-855E-B6B44968FA66}"/>
-              </a:ext>
-            </a:extLst>
-          </p:cNvPr>
-          <p:cNvCxnSpPr>
-            <a:cxnSpLocks/>
-            <a:endCxn id="32" idx="2"/>
-          </p:cNvCxnSpPr>
+          <p:cNvPr id="115" name="Straight Arrow Connector 51">
+            <a:extLst>
+              <a:ext uri="{FF2B5EF4-FFF2-40B4-BE49-F238E27FC236}">
+                <a16:creationId xmlns:a16="http://schemas.microsoft.com/office/drawing/2014/main" id="{FD6CE13B-F633-41D3-BA55-B9995637C3F5}"/>
+              </a:ext>
+            </a:extLst>
+          </p:cNvPr>
+          <p:cNvCxnSpPr/>
           <p:nvPr/>
         </p:nvCxnSpPr>
         <p:spPr>
-          <a:xfrm flipV="1">
-            <a:off x="1614604" y="2139877"/>
-            <a:ext cx="1609396" cy="519868"/>
-          </a:xfrm>
-          <a:prstGeom prst="line">
+          <a:xfrm>
+            <a:off x="9033391" y="2341272"/>
+            <a:ext cx="223233" cy="564059"/>
+          </a:xfrm>
+          <a:prstGeom prst="straightConnector1">
             <a:avLst/>
           </a:prstGeom>
           <a:ln w="19050">
-            <a:solidFill>
-              <a:srgbClr val="00B050"/>
-            </a:solidFill>
-          </a:ln>
-        </p:spPr>
-        <p:style>
-          <a:lnRef idx="1">
-            <a:schemeClr val="accent1"/>
-          </a:lnRef>
-          <a:fillRef idx="0">
-            <a:schemeClr val="accent1"/>
-          </a:fillRef>
-          <a:effectRef idx="0">
-            <a:schemeClr val="accent1"/>
-          </a:effectRef>
-          <a:fontRef idx="minor">
-            <a:schemeClr val="tx1"/>
-          </a:fontRef>
-        </p:style>
-      </p:cxnSp>
-      <p:cxnSp>
-        <p:nvCxnSpPr>
-          <p:cNvPr id="114" name="Straight Connector 113">
-            <a:extLst>
-              <a:ext uri="{FF2B5EF4-FFF2-40B4-BE49-F238E27FC236}">
-                <a16:creationId xmlns:a16="http://schemas.microsoft.com/office/drawing/2014/main" id="{4C9D9572-AFB5-4658-B820-CD106DBF88DD}"/>
-              </a:ext>
-            </a:extLst>
-          </p:cNvPr>
-          <p:cNvCxnSpPr>
-            <a:cxnSpLocks/>
-            <a:stCxn id="32" idx="2"/>
-          </p:cNvCxnSpPr>
-          <p:nvPr/>
-        </p:nvCxnSpPr>
-        <p:spPr>
-          <a:xfrm>
-            <a:off x="3224000" y="2139877"/>
-            <a:ext cx="1641280" cy="499547"/>
-          </a:xfrm>
-          <a:prstGeom prst="line">
-            <a:avLst/>
-          </a:prstGeom>
-          <a:ln w="19050">
-            <a:solidFill>
-              <a:srgbClr val="00B050"/>
-            </a:solidFill>
-          </a:ln>
-        </p:spPr>
-        <p:style>
-          <a:lnRef idx="1">
-            <a:schemeClr val="accent1"/>
-          </a:lnRef>
-          <a:fillRef idx="0">
-            <a:schemeClr val="accent1"/>
-          </a:fillRef>
-          <a:effectRef idx="0">
-            <a:schemeClr val="accent1"/>
-          </a:effectRef>
-          <a:fontRef idx="minor">
-            <a:schemeClr val="tx1"/>
-          </a:fontRef>
-        </p:style>
-      </p:cxnSp>
-      <p:sp>
-        <p:nvSpPr>
-          <p:cNvPr id="134" name="TextBox 133">
-            <a:extLst>
-              <a:ext uri="{FF2B5EF4-FFF2-40B4-BE49-F238E27FC236}">
-                <a16:creationId xmlns:a16="http://schemas.microsoft.com/office/drawing/2014/main" id="{BF92659B-57E9-40E5-8A42-67AF2CCAAB8D}"/>
-              </a:ext>
-            </a:extLst>
-          </p:cNvPr>
-          <p:cNvSpPr txBox="1"/>
-          <p:nvPr/>
-        </p:nvSpPr>
-        <p:spPr>
-          <a:xfrm>
-            <a:off x="8077975" y="1074473"/>
-            <a:ext cx="1984120" cy="369332"/>
-          </a:xfrm>
-          <a:prstGeom prst="rect">
-            <a:avLst/>
-          </a:prstGeom>
-          <a:noFill/>
-        </p:spPr>
-        <p:txBody>
-          <a:bodyPr wrap="square" rtlCol="0">
-            <a:spAutoFit/>
-          </a:bodyPr>
-          <a:lstStyle/>
-          <a:p>
-            <a:r>
-              <a:rPr lang="fr-FR" i="1" dirty="0">
-                <a:solidFill>
-                  <a:schemeClr val="tx2">
-                    <a:lumMod val="60000"/>
-                    <a:lumOff val="40000"/>
-                  </a:schemeClr>
-                </a:solidFill>
-              </a:rPr>
-              <a:t>« Schéma MVC »</a:t>
-            </a:r>
-          </a:p>
-        </p:txBody>
-      </p:sp>
-      <p:cxnSp>
-        <p:nvCxnSpPr>
-          <p:cNvPr id="14" name="Straight Connector 13">
-            <a:extLst>
-              <a:ext uri="{FF2B5EF4-FFF2-40B4-BE49-F238E27FC236}">
-                <a16:creationId xmlns:a16="http://schemas.microsoft.com/office/drawing/2014/main" id="{89BE551A-851B-4B2D-813D-CA9AF487CD22}"/>
-              </a:ext>
-            </a:extLst>
-          </p:cNvPr>
-          <p:cNvCxnSpPr>
-            <a:stCxn id="32" idx="2"/>
-            <a:endCxn id="34" idx="0"/>
-          </p:cNvCxnSpPr>
-          <p:nvPr/>
-        </p:nvCxnSpPr>
-        <p:spPr>
-          <a:xfrm flipH="1">
-            <a:off x="3218445" y="2139877"/>
-            <a:ext cx="5555" cy="509134"/>
-          </a:xfrm>
-          <a:prstGeom prst="line">
-            <a:avLst/>
-          </a:prstGeom>
-          <a:ln w="19050">
-            <a:solidFill>
-              <a:srgbClr val="00B050"/>
-            </a:solidFill>
-          </a:ln>
-        </p:spPr>
-        <p:style>
-          <a:lnRef idx="1">
-            <a:schemeClr val="accent1"/>
-          </a:lnRef>
-          <a:fillRef idx="0">
-            <a:schemeClr val="accent1"/>
-          </a:fillRef>
-          <a:effectRef idx="0">
-            <a:schemeClr val="accent1"/>
-          </a:effectRef>
-          <a:fontRef idx="minor">
-            <a:schemeClr val="tx1"/>
-          </a:fontRef>
-        </p:style>
-      </p:cxnSp>
-      <p:cxnSp>
-        <p:nvCxnSpPr>
-          <p:cNvPr id="16" name="Straight Connector 15">
-            <a:extLst>
-              <a:ext uri="{FF2B5EF4-FFF2-40B4-BE49-F238E27FC236}">
-                <a16:creationId xmlns:a16="http://schemas.microsoft.com/office/drawing/2014/main" id="{28CAF4BB-99CC-4528-BF76-A366BE6D95CC}"/>
-              </a:ext>
-            </a:extLst>
-          </p:cNvPr>
-          <p:cNvCxnSpPr>
-            <a:cxnSpLocks/>
-            <a:stCxn id="34" idx="2"/>
-          </p:cNvCxnSpPr>
-          <p:nvPr/>
-        </p:nvCxnSpPr>
-        <p:spPr>
-          <a:xfrm>
-            <a:off x="3218445" y="3185784"/>
-            <a:ext cx="0" cy="693160"/>
-          </a:xfrm>
-          <a:prstGeom prst="line">
-            <a:avLst/>
-          </a:prstGeom>
-          <a:ln w="19050">
-            <a:solidFill>
-              <a:srgbClr val="FFC000"/>
-            </a:solidFill>
-          </a:ln>
-        </p:spPr>
-        <p:style>
-          <a:lnRef idx="1">
-            <a:schemeClr val="accent1"/>
-          </a:lnRef>
-          <a:fillRef idx="0">
-            <a:schemeClr val="accent1"/>
-          </a:fillRef>
-          <a:effectRef idx="0">
-            <a:schemeClr val="accent1"/>
-          </a:effectRef>
-          <a:fontRef idx="minor">
-            <a:schemeClr val="tx1"/>
-          </a:fontRef>
-        </p:style>
-      </p:cxnSp>
-      <p:cxnSp>
-        <p:nvCxnSpPr>
-          <p:cNvPr id="18" name="Straight Connector 17">
-            <a:extLst>
-              <a:ext uri="{FF2B5EF4-FFF2-40B4-BE49-F238E27FC236}">
-                <a16:creationId xmlns:a16="http://schemas.microsoft.com/office/drawing/2014/main" id="{89B84949-2E30-474D-BF6F-83DF6CEE2500}"/>
-              </a:ext>
-            </a:extLst>
-          </p:cNvPr>
-          <p:cNvCxnSpPr>
-            <a:stCxn id="33" idx="2"/>
-            <a:endCxn id="29" idx="0"/>
-          </p:cNvCxnSpPr>
-          <p:nvPr/>
-        </p:nvCxnSpPr>
-        <p:spPr>
-          <a:xfrm>
-            <a:off x="1572525" y="3196517"/>
-            <a:ext cx="1667155" cy="682427"/>
-          </a:xfrm>
-          <a:prstGeom prst="line">
-            <a:avLst/>
-          </a:prstGeom>
-          <a:ln w="19050">
-            <a:solidFill>
-              <a:srgbClr val="FFC000"/>
-            </a:solidFill>
-          </a:ln>
-        </p:spPr>
-        <p:style>
-          <a:lnRef idx="1">
-            <a:schemeClr val="accent1"/>
-          </a:lnRef>
-          <a:fillRef idx="0">
-            <a:schemeClr val="accent1"/>
-          </a:fillRef>
-          <a:effectRef idx="0">
-            <a:schemeClr val="accent1"/>
-          </a:effectRef>
-          <a:fontRef idx="minor">
-            <a:schemeClr val="tx1"/>
-          </a:fontRef>
-        </p:style>
-      </p:cxnSp>
-      <p:cxnSp>
-        <p:nvCxnSpPr>
-          <p:cNvPr id="36" name="Straight Connector 35">
-            <a:extLst>
-              <a:ext uri="{FF2B5EF4-FFF2-40B4-BE49-F238E27FC236}">
-                <a16:creationId xmlns:a16="http://schemas.microsoft.com/office/drawing/2014/main" id="{FFBC9DA9-0D9D-4174-A730-615A8FB6E34C}"/>
-              </a:ext>
-            </a:extLst>
-          </p:cNvPr>
-          <p:cNvCxnSpPr>
-            <a:endCxn id="29" idx="0"/>
-          </p:cNvCxnSpPr>
-          <p:nvPr/>
-        </p:nvCxnSpPr>
-        <p:spPr>
-          <a:xfrm flipH="1">
-            <a:off x="3239680" y="3185784"/>
-            <a:ext cx="1663300" cy="693160"/>
-          </a:xfrm>
-          <a:prstGeom prst="line">
-            <a:avLst/>
-          </a:prstGeom>
-          <a:ln w="19050">
-            <a:solidFill>
-              <a:srgbClr val="FFC000"/>
-            </a:solidFill>
+            <a:tailEnd type="triangle"/>
           </a:ln>
         </p:spPr>
         <p:style>
@@ -7923,6 +7733,13 @@
   <p:clrMapOvr>
     <a:masterClrMapping/>
   </p:clrMapOvr>
+  <p:timing>
+    <p:tnLst>
+      <p:par>
+        <p:cTn id="1" dur="indefinite" restart="never" nodeType="tmRoot"/>
+      </p:par>
+    </p:tnLst>
+  </p:timing>
 </p:sld>
 </file>
 
@@ -7945,55 +7762,154 @@
       </p:grpSpPr>
       <p:sp>
         <p:nvSpPr>
-          <p:cNvPr id="5" name="Title 4">
+          <p:cNvPr id="5" name="Espace réservé du numéro de diapositive 4"/>
+          <p:cNvSpPr>
+            <a:spLocks noGrp="1"/>
+          </p:cNvSpPr>
+          <p:nvPr>
+            <p:ph type="sldNum" sz="quarter" idx="12"/>
+          </p:nvPr>
+        </p:nvSpPr>
+        <p:spPr/>
+        <p:txBody>
+          <a:bodyPr/>
+          <a:lstStyle/>
+          <a:p>
+            <a:fld id="{C52ED629-2BC0-4D25-969E-9ED78B40D7C7}" type="slidenum">
+              <a:rPr lang="fr-FR" smtClean="0"/>
+              <a:t>17</a:t>
+            </a:fld>
+            <a:endParaRPr lang="fr-FR"/>
+          </a:p>
+        </p:txBody>
+      </p:sp>
+      <p:sp>
+        <p:nvSpPr>
+          <p:cNvPr id="7" name="Title 4">
             <a:extLst>
               <a:ext uri="{FF2B5EF4-FFF2-40B4-BE49-F238E27FC236}">
                 <a16:creationId xmlns:a16="http://schemas.microsoft.com/office/drawing/2014/main" id="{A4B4D787-12B7-43E2-B14C-F3027937EB2D}"/>
               </a:ext>
             </a:extLst>
           </p:cNvPr>
-          <p:cNvSpPr>
-            <a:spLocks noGrp="1"/>
-          </p:cNvSpPr>
-          <p:nvPr>
-            <p:ph type="title"/>
-          </p:nvPr>
-        </p:nvSpPr>
-        <p:spPr>
-          <a:xfrm>
-            <a:off x="1143000" y="609600"/>
-            <a:ext cx="9875520" cy="263783"/>
-          </a:xfrm>
-        </p:spPr>
-        <p:txBody>
-          <a:bodyPr>
-            <a:normAutofit fontScale="90000"/>
+          <p:cNvSpPr txBox="1">
+            <a:spLocks/>
+          </p:cNvSpPr>
+          <p:nvPr/>
+        </p:nvSpPr>
+        <p:spPr>
+          <a:xfrm>
+            <a:off x="337751" y="409483"/>
+            <a:ext cx="11524735" cy="453081"/>
+          </a:xfrm>
+          <a:prstGeom prst="rect">
+            <a:avLst/>
+          </a:prstGeom>
+        </p:spPr>
+        <p:txBody>
+          <a:bodyPr vert="horz" lIns="91440" tIns="45720" rIns="91440" bIns="45720" rtlCol="0" anchor="ctr">
+            <a:noAutofit/>
           </a:bodyPr>
-          <a:lstStyle/>
-          <a:p>
-            <a:r>
-              <a:rPr lang="fr-FR" dirty="0"/>
-              <a:t>Structure</a:t>
-            </a:r>
-            <a:endParaRPr lang="fr-FR" sz="2700" dirty="0"/>
+          <a:lstStyle>
+            <a:lvl1pPr algn="l" defTabSz="914400" rtl="0" eaLnBrk="1" latinLnBrk="0" hangingPunct="1">
+              <a:lnSpc>
+                <a:spcPct val="90000"/>
+              </a:lnSpc>
+              <a:spcBef>
+                <a:spcPct val="0"/>
+              </a:spcBef>
+              <a:buNone/>
+              <a:defRPr sz="4400" kern="1200">
+                <a:solidFill>
+                  <a:schemeClr val="accent1"/>
+                </a:solidFill>
+                <a:latin typeface="+mj-lt"/>
+                <a:ea typeface="+mj-ea"/>
+                <a:cs typeface="+mj-cs"/>
+              </a:defRPr>
+            </a:lvl1pPr>
+          </a:lstStyle>
+          <a:p>
+            <a:endParaRPr lang="fr-FR" sz="3200" dirty="0" smtClean="0"/>
+          </a:p>
+          <a:p>
+            <a:pPr algn="ctr"/>
+            <a:r>
+              <a:rPr lang="fr-FR" sz="3200" dirty="0" smtClean="0"/>
+              <a:t>Structure </a:t>
+            </a:r>
+            <a:r>
+              <a:rPr lang="fr-FR" sz="3200" dirty="0" smtClean="0"/>
+              <a:t>de Back-End</a:t>
+            </a:r>
+            <a:endParaRPr lang="fr-FR" sz="3200" dirty="0" smtClean="0"/>
+          </a:p>
+          <a:p>
+            <a:endParaRPr lang="fr-FR" sz="3200" dirty="0"/>
+          </a:p>
+        </p:txBody>
+      </p:sp>
+      <p:sp>
+        <p:nvSpPr>
+          <p:cNvPr id="8" name="Title 4">
+            <a:extLst>
+              <a:ext uri="{FF2B5EF4-FFF2-40B4-BE49-F238E27FC236}">
+                <a16:creationId xmlns:a16="http://schemas.microsoft.com/office/drawing/2014/main" id="{A4B4D787-12B7-43E2-B14C-F3027937EB2D}"/>
+              </a:ext>
+            </a:extLst>
+          </p:cNvPr>
+          <p:cNvSpPr txBox="1">
+            <a:spLocks/>
+          </p:cNvSpPr>
+          <p:nvPr/>
+        </p:nvSpPr>
+        <p:spPr>
+          <a:xfrm>
+            <a:off x="4611882" y="1134174"/>
+            <a:ext cx="2489135" cy="5272216"/>
+          </a:xfrm>
+          <a:prstGeom prst="rect">
+            <a:avLst/>
+          </a:prstGeom>
+        </p:spPr>
+        <p:txBody>
+          <a:bodyPr vert="horz" lIns="91440" tIns="45720" rIns="91440" bIns="45720" rtlCol="0" anchor="ctr">
+            <a:noAutofit/>
+          </a:bodyPr>
+          <a:lstStyle>
+            <a:lvl1pPr algn="l" defTabSz="914400" rtl="0" eaLnBrk="1" latinLnBrk="0" hangingPunct="1">
+              <a:lnSpc>
+                <a:spcPct val="90000"/>
+              </a:lnSpc>
+              <a:spcBef>
+                <a:spcPct val="0"/>
+              </a:spcBef>
+              <a:buNone/>
+              <a:defRPr sz="4400" kern="1200">
+                <a:solidFill>
+                  <a:schemeClr val="accent1"/>
+                </a:solidFill>
+                <a:latin typeface="+mj-lt"/>
+                <a:ea typeface="+mj-ea"/>
+                <a:cs typeface="+mj-cs"/>
+              </a:defRPr>
+            </a:lvl1pPr>
+          </a:lstStyle>
+          <a:p>
+            <a:endParaRPr lang="fr-FR" sz="3200" dirty="0" smtClean="0"/>
+          </a:p>
+          <a:p>
+            <a:endParaRPr lang="fr-FR" sz="3200" dirty="0"/>
           </a:p>
         </p:txBody>
       </p:sp>
       <p:pic>
         <p:nvPicPr>
-          <p:cNvPr id="12" name="Content Placeholder 8">
-            <a:extLst>
-              <a:ext uri="{FF2B5EF4-FFF2-40B4-BE49-F238E27FC236}">
-                <a16:creationId xmlns:a16="http://schemas.microsoft.com/office/drawing/2014/main" id="{CBB8D8C4-4E19-49A0-9D86-62F5F1481EE8}"/>
-              </a:ext>
-            </a:extLst>
-          </p:cNvPr>
+          <p:cNvPr id="2" name="Image 1"/>
           <p:cNvPicPr>
-            <a:picLocks noGrp="1" noChangeAspect="1"/>
+            <a:picLocks noChangeAspect="1"/>
           </p:cNvPicPr>
-          <p:nvPr>
-            <p:ph sz="half" idx="2"/>
-          </p:nvPr>
+          <p:nvPr/>
         </p:nvPicPr>
         <p:blipFill>
           <a:blip r:embed="rId2"/>
@@ -8003,585 +7919,41 @@
         </p:blipFill>
         <p:spPr>
           <a:xfrm>
-            <a:off x="4011716" y="925947"/>
-            <a:ext cx="2770525" cy="5436000"/>
-          </a:xfrm>
-        </p:spPr>
-      </p:pic>
-      <p:sp>
-        <p:nvSpPr>
-          <p:cNvPr id="4" name="Slide Number Placeholder 3">
-            <a:extLst>
-              <a:ext uri="{FF2B5EF4-FFF2-40B4-BE49-F238E27FC236}">
-                <a16:creationId xmlns:a16="http://schemas.microsoft.com/office/drawing/2014/main" id="{16BF2D82-BD2B-45B7-B233-A0026465677E}"/>
-              </a:ext>
-            </a:extLst>
-          </p:cNvPr>
-          <p:cNvSpPr>
-            <a:spLocks noGrp="1"/>
-          </p:cNvSpPr>
-          <p:nvPr>
-            <p:ph type="sldNum" sz="quarter" idx="12"/>
-          </p:nvPr>
-        </p:nvSpPr>
-        <p:spPr/>
-        <p:txBody>
-          <a:bodyPr/>
-          <a:lstStyle/>
-          <a:p>
-            <a:fld id="{C52ED629-2BC0-4D25-969E-9ED78B40D7C7}" type="slidenum">
-              <a:rPr lang="fr-FR" smtClean="0"/>
-              <a:t>17</a:t>
-            </a:fld>
-            <a:endParaRPr lang="fr-FR"/>
-          </a:p>
-        </p:txBody>
-      </p:sp>
-      <p:sp>
-        <p:nvSpPr>
-          <p:cNvPr id="2" name="Rectangle 1">
-            <a:extLst>
-              <a:ext uri="{FF2B5EF4-FFF2-40B4-BE49-F238E27FC236}">
-                <a16:creationId xmlns:a16="http://schemas.microsoft.com/office/drawing/2014/main" id="{C5A2D1F9-AEA3-4805-A9A5-7DF20DAA942F}"/>
-              </a:ext>
-            </a:extLst>
-          </p:cNvPr>
-          <p:cNvSpPr/>
-          <p:nvPr/>
-        </p:nvSpPr>
-        <p:spPr>
-          <a:xfrm>
-            <a:off x="7136737" y="928204"/>
-            <a:ext cx="3778599" cy="461665"/>
+            <a:off x="4222407" y="1462029"/>
+            <a:ext cx="3467100" cy="4362450"/>
           </a:xfrm>
           <a:prstGeom prst="rect">
             <a:avLst/>
           </a:prstGeom>
         </p:spPr>
-        <p:txBody>
-          <a:bodyPr wrap="none">
-            <a:spAutoFit/>
-          </a:bodyPr>
-          <a:lstStyle/>
-          <a:p>
-            <a:r>
-              <a:rPr lang="fr-FR" sz="1200" i="1" dirty="0">
-                <a:solidFill>
-                  <a:srgbClr val="4A66AC"/>
-                </a:solidFill>
-              </a:rPr>
-              <a:t>lance l’application Flask et la tâche de fonds </a:t>
-            </a:r>
-            <a:br>
-              <a:rPr lang="fr-FR" sz="1200" i="1" dirty="0">
-                <a:solidFill>
-                  <a:srgbClr val="4A66AC"/>
-                </a:solidFill>
-              </a:rPr>
-            </a:br>
-            <a:r>
-              <a:rPr lang="fr-FR" sz="1200" i="1" dirty="0">
-                <a:solidFill>
-                  <a:srgbClr val="4A66AC"/>
-                </a:solidFill>
-              </a:rPr>
-              <a:t>background() dans myscheduler.py en même temps</a:t>
-            </a:r>
-            <a:endParaRPr lang="fr-FR" sz="1200" dirty="0">
-              <a:solidFill>
-                <a:srgbClr val="4A66AC"/>
-              </a:solidFill>
-            </a:endParaRPr>
-          </a:p>
-        </p:txBody>
-      </p:sp>
-      <p:sp>
-        <p:nvSpPr>
-          <p:cNvPr id="3" name="Rectangle 2">
-            <a:extLst>
-              <a:ext uri="{FF2B5EF4-FFF2-40B4-BE49-F238E27FC236}">
-                <a16:creationId xmlns:a16="http://schemas.microsoft.com/office/drawing/2014/main" id="{7951BA41-EA5A-486C-8ECD-78C8030A1AB4}"/>
-              </a:ext>
-            </a:extLst>
-          </p:cNvPr>
-          <p:cNvSpPr/>
-          <p:nvPr/>
-        </p:nvSpPr>
-        <p:spPr>
-          <a:xfrm>
-            <a:off x="7117143" y="1475347"/>
-            <a:ext cx="2781531" cy="276999"/>
-          </a:xfrm>
-          <a:prstGeom prst="rect">
-            <a:avLst/>
-          </a:prstGeom>
-        </p:spPr>
-        <p:txBody>
-          <a:bodyPr wrap="none">
-            <a:spAutoFit/>
-          </a:bodyPr>
-          <a:lstStyle/>
-          <a:p>
-            <a:r>
-              <a:rPr lang="fr-FR" sz="1200" i="1" dirty="0">
-                <a:solidFill>
-                  <a:srgbClr val="4A66AC"/>
-                </a:solidFill>
-              </a:rPr>
-              <a:t>informations de </a:t>
-            </a:r>
-            <a:r>
-              <a:rPr lang="fr-FR" sz="1200" i="1" dirty="0" err="1">
-                <a:solidFill>
-                  <a:srgbClr val="4A66AC"/>
-                </a:solidFill>
-              </a:rPr>
-              <a:t>connection</a:t>
-            </a:r>
-            <a:r>
-              <a:rPr lang="fr-FR" sz="1200" i="1" dirty="0">
-                <a:solidFill>
-                  <a:srgbClr val="4A66AC"/>
-                </a:solidFill>
-              </a:rPr>
-              <a:t> à la BDD</a:t>
-            </a:r>
-          </a:p>
-        </p:txBody>
-      </p:sp>
-      <p:sp>
-        <p:nvSpPr>
-          <p:cNvPr id="8" name="Rectangle 7">
-            <a:extLst>
-              <a:ext uri="{FF2B5EF4-FFF2-40B4-BE49-F238E27FC236}">
-                <a16:creationId xmlns:a16="http://schemas.microsoft.com/office/drawing/2014/main" id="{6E162412-E711-46D2-B23C-9747E1FBB2DA}"/>
-              </a:ext>
-            </a:extLst>
-          </p:cNvPr>
-          <p:cNvSpPr/>
-          <p:nvPr/>
-        </p:nvSpPr>
-        <p:spPr>
-          <a:xfrm>
-            <a:off x="7124700" y="1815314"/>
-            <a:ext cx="4562475" cy="276999"/>
-          </a:xfrm>
-          <a:prstGeom prst="rect">
-            <a:avLst/>
-          </a:prstGeom>
-        </p:spPr>
-        <p:txBody>
-          <a:bodyPr wrap="square">
-            <a:spAutoFit/>
-          </a:bodyPr>
-          <a:lstStyle/>
-          <a:p>
-            <a:r>
-              <a:rPr lang="fr-FR" sz="1200" i="1" dirty="0">
-                <a:solidFill>
-                  <a:srgbClr val="4A66AC"/>
-                </a:solidFill>
-              </a:rPr>
-              <a:t>crée notamment l’URI pour se connecter à une BDD PostgreSQL</a:t>
-            </a:r>
-          </a:p>
-        </p:txBody>
-      </p:sp>
-      <p:sp>
-        <p:nvSpPr>
-          <p:cNvPr id="9" name="Rectangle 8">
-            <a:extLst>
-              <a:ext uri="{FF2B5EF4-FFF2-40B4-BE49-F238E27FC236}">
-                <a16:creationId xmlns:a16="http://schemas.microsoft.com/office/drawing/2014/main" id="{DE02CB92-0E01-4E58-99B3-5AC53C0A87C1}"/>
-              </a:ext>
-            </a:extLst>
-          </p:cNvPr>
-          <p:cNvSpPr/>
-          <p:nvPr/>
-        </p:nvSpPr>
-        <p:spPr>
-          <a:xfrm>
-            <a:off x="7044173" y="2253734"/>
-            <a:ext cx="3287760" cy="276999"/>
-          </a:xfrm>
-          <a:prstGeom prst="rect">
-            <a:avLst/>
-          </a:prstGeom>
-        </p:spPr>
-        <p:txBody>
-          <a:bodyPr wrap="none">
-            <a:spAutoFit/>
-          </a:bodyPr>
-          <a:lstStyle/>
-          <a:p>
-            <a:pPr marL="45720" indent="0">
-              <a:buNone/>
-            </a:pPr>
-            <a:r>
-              <a:rPr lang="fr-FR" sz="1200" dirty="0">
-                <a:solidFill>
-                  <a:srgbClr val="4A66AC"/>
-                </a:solidFill>
-              </a:rPr>
-              <a:t>Les méthodes plus la classe utilitaire </a:t>
-            </a:r>
-            <a:r>
-              <a:rPr lang="fr-FR" sz="1200" dirty="0" err="1">
-                <a:solidFill>
-                  <a:srgbClr val="4A66AC"/>
-                </a:solidFill>
-              </a:rPr>
-              <a:t>Globals</a:t>
-            </a:r>
-            <a:endParaRPr lang="fr-FR" sz="1200" dirty="0">
-              <a:solidFill>
-                <a:srgbClr val="4A66AC"/>
-              </a:solidFill>
-            </a:endParaRPr>
-          </a:p>
-        </p:txBody>
-      </p:sp>
-      <p:sp>
-        <p:nvSpPr>
-          <p:cNvPr id="13" name="Rectangle 12">
-            <a:extLst>
-              <a:ext uri="{FF2B5EF4-FFF2-40B4-BE49-F238E27FC236}">
-                <a16:creationId xmlns:a16="http://schemas.microsoft.com/office/drawing/2014/main" id="{C7A2EAE3-E515-44CA-B23C-B23BC0DC8AA3}"/>
-              </a:ext>
-            </a:extLst>
-          </p:cNvPr>
-          <p:cNvSpPr/>
-          <p:nvPr/>
-        </p:nvSpPr>
-        <p:spPr>
-          <a:xfrm>
-            <a:off x="7051030" y="2510909"/>
-            <a:ext cx="2975173" cy="461665"/>
-          </a:xfrm>
-          <a:prstGeom prst="rect">
-            <a:avLst/>
-          </a:prstGeom>
-        </p:spPr>
-        <p:txBody>
-          <a:bodyPr wrap="none">
-            <a:spAutoFit/>
-          </a:bodyPr>
-          <a:lstStyle/>
-          <a:p>
-            <a:pPr marL="45720" indent="0">
-              <a:buNone/>
-            </a:pPr>
-            <a:r>
-              <a:rPr lang="fr-FR" sz="1200" dirty="0">
-                <a:solidFill>
-                  <a:srgbClr val="4A66AC"/>
-                </a:solidFill>
-              </a:rPr>
-              <a:t>un script pour déterminer une note pour</a:t>
-            </a:r>
-            <a:br>
-              <a:rPr lang="fr-FR" sz="1200" dirty="0">
-                <a:solidFill>
-                  <a:srgbClr val="4A66AC"/>
-                </a:solidFill>
-              </a:rPr>
-            </a:br>
-            <a:r>
-              <a:rPr lang="fr-FR" sz="1200" dirty="0">
-                <a:solidFill>
-                  <a:srgbClr val="4A66AC"/>
-                </a:solidFill>
-              </a:rPr>
-              <a:t> la qualité du code avec le paquet Pylint</a:t>
-            </a:r>
-          </a:p>
-        </p:txBody>
-      </p:sp>
-      <p:sp>
-        <p:nvSpPr>
-          <p:cNvPr id="14" name="Rectangle 13">
-            <a:extLst>
-              <a:ext uri="{FF2B5EF4-FFF2-40B4-BE49-F238E27FC236}">
-                <a16:creationId xmlns:a16="http://schemas.microsoft.com/office/drawing/2014/main" id="{EB50EA85-07C8-4BB5-8252-B3A10DC9BAF9}"/>
-              </a:ext>
-            </a:extLst>
-          </p:cNvPr>
-          <p:cNvSpPr/>
-          <p:nvPr/>
-        </p:nvSpPr>
-        <p:spPr>
-          <a:xfrm>
-            <a:off x="504825" y="1680001"/>
-            <a:ext cx="3186847" cy="1015663"/>
-          </a:xfrm>
-          <a:prstGeom prst="rect">
-            <a:avLst/>
-          </a:prstGeom>
-        </p:spPr>
-        <p:txBody>
-          <a:bodyPr wrap="square">
-            <a:spAutoFit/>
-          </a:bodyPr>
-          <a:lstStyle/>
-          <a:p>
-            <a:pPr algn="just"/>
-            <a:r>
-              <a:rPr lang="fr-FR" sz="1200" dirty="0">
-                <a:solidFill>
-                  <a:srgbClr val="4A66AC"/>
-                </a:solidFill>
-              </a:rPr>
-              <a:t>contiennent les librairies et leurs extensions </a:t>
-            </a:r>
-            <a:br>
-              <a:rPr lang="fr-FR" sz="1200" dirty="0">
-                <a:solidFill>
-                  <a:srgbClr val="4A66AC"/>
-                </a:solidFill>
-              </a:rPr>
-            </a:br>
-            <a:r>
-              <a:rPr lang="fr-FR" sz="1200" dirty="0">
-                <a:solidFill>
-                  <a:srgbClr val="4A66AC"/>
-                </a:solidFill>
-              </a:rPr>
-              <a:t>nécessaires pour le fonctionnement de  l’application, à installer via le gestionnaire des paquets python « pip » pour chaque nouvel environnement</a:t>
-            </a:r>
-          </a:p>
-        </p:txBody>
-      </p:sp>
-      <p:sp>
-        <p:nvSpPr>
-          <p:cNvPr id="15" name="Rectangle 14">
-            <a:extLst>
-              <a:ext uri="{FF2B5EF4-FFF2-40B4-BE49-F238E27FC236}">
-                <a16:creationId xmlns:a16="http://schemas.microsoft.com/office/drawing/2014/main" id="{EB4B5049-09F3-4DCD-889A-08A010EFCF0E}"/>
-              </a:ext>
-            </a:extLst>
-          </p:cNvPr>
-          <p:cNvSpPr/>
-          <p:nvPr/>
-        </p:nvSpPr>
-        <p:spPr>
-          <a:xfrm>
-            <a:off x="7102285" y="3074439"/>
-            <a:ext cx="1394934" cy="276999"/>
-          </a:xfrm>
-          <a:prstGeom prst="rect">
-            <a:avLst/>
-          </a:prstGeom>
-        </p:spPr>
-        <p:txBody>
-          <a:bodyPr wrap="none">
-            <a:spAutoFit/>
-          </a:bodyPr>
-          <a:lstStyle/>
-          <a:p>
-            <a:r>
-              <a:rPr lang="fr-FR" sz="1200" dirty="0">
-                <a:solidFill>
-                  <a:srgbClr val="4A66AC"/>
-                </a:solidFill>
-              </a:rPr>
-              <a:t>les tests unitaires</a:t>
-            </a:r>
-          </a:p>
-        </p:txBody>
-      </p:sp>
-      <p:sp>
-        <p:nvSpPr>
-          <p:cNvPr id="16" name="Rectangle 15">
-            <a:extLst>
-              <a:ext uri="{FF2B5EF4-FFF2-40B4-BE49-F238E27FC236}">
-                <a16:creationId xmlns:a16="http://schemas.microsoft.com/office/drawing/2014/main" id="{73FF6CC4-C62B-4A2E-8A22-3D86FDAED9E2}"/>
-              </a:ext>
-            </a:extLst>
-          </p:cNvPr>
-          <p:cNvSpPr/>
-          <p:nvPr/>
-        </p:nvSpPr>
-        <p:spPr>
-          <a:xfrm>
-            <a:off x="504827" y="2967335"/>
-            <a:ext cx="2952748" cy="830997"/>
-          </a:xfrm>
-          <a:prstGeom prst="rect">
-            <a:avLst/>
-          </a:prstGeom>
-        </p:spPr>
-        <p:txBody>
-          <a:bodyPr wrap="square">
-            <a:spAutoFit/>
-          </a:bodyPr>
-          <a:lstStyle/>
-          <a:p>
-            <a:pPr algn="just"/>
-            <a:r>
-              <a:rPr lang="fr-FR" sz="1200" dirty="0">
-                <a:solidFill>
-                  <a:srgbClr val="4A66AC"/>
-                </a:solidFill>
-              </a:rPr>
-              <a:t>module vide mais nécessaire pour que </a:t>
-            </a:r>
-            <a:br>
-              <a:rPr lang="fr-FR" sz="1200" dirty="0">
-                <a:solidFill>
-                  <a:srgbClr val="4A66AC"/>
-                </a:solidFill>
-              </a:rPr>
-            </a:br>
-            <a:r>
-              <a:rPr lang="fr-FR" sz="1200" dirty="0">
-                <a:solidFill>
-                  <a:srgbClr val="4A66AC"/>
-                </a:solidFill>
-              </a:rPr>
-              <a:t>la librairie « </a:t>
-            </a:r>
-            <a:r>
-              <a:rPr lang="fr-FR" sz="1200" dirty="0" err="1">
-                <a:solidFill>
-                  <a:srgbClr val="4A66AC"/>
-                </a:solidFill>
-              </a:rPr>
-              <a:t>unittest</a:t>
-            </a:r>
-            <a:r>
-              <a:rPr lang="fr-FR" sz="1200" dirty="0">
-                <a:solidFill>
-                  <a:srgbClr val="4A66AC"/>
-                </a:solidFill>
-              </a:rPr>
-              <a:t> »  reconnaisse le répertoire monitor comme un package Python et lance les tests unitaires</a:t>
-            </a:r>
-          </a:p>
-        </p:txBody>
-      </p:sp>
-      <p:sp>
-        <p:nvSpPr>
-          <p:cNvPr id="17" name="Rectangle 16">
-            <a:extLst>
-              <a:ext uri="{FF2B5EF4-FFF2-40B4-BE49-F238E27FC236}">
-                <a16:creationId xmlns:a16="http://schemas.microsoft.com/office/drawing/2014/main" id="{6145869A-A185-45A3-A932-76B5F3E782DC}"/>
-              </a:ext>
-            </a:extLst>
-          </p:cNvPr>
-          <p:cNvSpPr/>
-          <p:nvPr/>
-        </p:nvSpPr>
-        <p:spPr>
-          <a:xfrm>
-            <a:off x="466725" y="4182160"/>
-            <a:ext cx="3111609" cy="646331"/>
-          </a:xfrm>
-          <a:prstGeom prst="rect">
-            <a:avLst/>
-          </a:prstGeom>
-        </p:spPr>
-        <p:txBody>
-          <a:bodyPr wrap="square">
-            <a:spAutoFit/>
-          </a:bodyPr>
-          <a:lstStyle/>
-          <a:p>
-            <a:pPr marL="45720" indent="0" algn="just">
-              <a:buNone/>
-            </a:pPr>
-            <a:r>
-              <a:rPr lang="fr-FR" sz="1200" dirty="0">
-                <a:solidFill>
-                  <a:srgbClr val="4A66AC"/>
-                </a:solidFill>
-              </a:rPr>
-              <a:t>les scripts, les versions et les paramètres</a:t>
-            </a:r>
-            <a:br>
-              <a:rPr lang="fr-FR" sz="1200" dirty="0">
-                <a:solidFill>
-                  <a:srgbClr val="4A66AC"/>
-                </a:solidFill>
-              </a:rPr>
-            </a:br>
-            <a:r>
-              <a:rPr lang="fr-FR" sz="1200" dirty="0">
-                <a:solidFill>
-                  <a:srgbClr val="4A66AC"/>
-                </a:solidFill>
-              </a:rPr>
-              <a:t> d’environnement des migrations de la BDD effectuées</a:t>
-            </a:r>
-          </a:p>
-        </p:txBody>
-      </p:sp>
-      <p:sp>
-        <p:nvSpPr>
-          <p:cNvPr id="18" name="Rectangle 17">
-            <a:extLst>
-              <a:ext uri="{FF2B5EF4-FFF2-40B4-BE49-F238E27FC236}">
-                <a16:creationId xmlns:a16="http://schemas.microsoft.com/office/drawing/2014/main" id="{DB31F5B5-FE7B-4E47-BA38-DDE548580CED}"/>
-              </a:ext>
-            </a:extLst>
-          </p:cNvPr>
-          <p:cNvSpPr/>
-          <p:nvPr/>
-        </p:nvSpPr>
-        <p:spPr>
-          <a:xfrm>
-            <a:off x="7065936" y="4882634"/>
-            <a:ext cx="3226845" cy="276999"/>
-          </a:xfrm>
-          <a:prstGeom prst="rect">
-            <a:avLst/>
-          </a:prstGeom>
-        </p:spPr>
-        <p:txBody>
-          <a:bodyPr wrap="none">
-            <a:spAutoFit/>
-          </a:bodyPr>
-          <a:lstStyle/>
-          <a:p>
-            <a:pPr marL="45720" indent="0">
-              <a:buNone/>
-            </a:pPr>
-            <a:r>
-              <a:rPr lang="fr-FR" sz="1200" dirty="0">
-                <a:solidFill>
-                  <a:srgbClr val="4A66AC"/>
-                </a:solidFill>
-              </a:rPr>
-              <a:t>feuille de style en complément de Bootstrap</a:t>
-            </a:r>
-          </a:p>
-        </p:txBody>
-      </p:sp>
+      </p:pic>
       <p:cxnSp>
         <p:nvCxnSpPr>
-          <p:cNvPr id="27" name="Straight Arrow Connector 26">
-            <a:extLst>
-              <a:ext uri="{FF2B5EF4-FFF2-40B4-BE49-F238E27FC236}">
-                <a16:creationId xmlns:a16="http://schemas.microsoft.com/office/drawing/2014/main" id="{281112F4-A98E-4E7C-8F39-BE9EF50E29E8}"/>
-              </a:ext>
-            </a:extLst>
-          </p:cNvPr>
-          <p:cNvCxnSpPr>
-            <a:cxnSpLocks/>
-            <a:endCxn id="8" idx="1"/>
-          </p:cNvCxnSpPr>
+          <p:cNvPr id="6" name="Connecteur droit avec flèche 5"/>
+          <p:cNvCxnSpPr/>
           <p:nvPr/>
         </p:nvCxnSpPr>
         <p:spPr>
-          <a:xfrm>
-            <a:off x="5699051" y="1752346"/>
-            <a:ext cx="1425649" cy="201468"/>
+          <a:xfrm flipH="1" flipV="1">
+            <a:off x="3534032" y="1878227"/>
+            <a:ext cx="1713472" cy="238897"/>
           </a:xfrm>
           <a:prstGeom prst="straightConnector1">
             <a:avLst/>
           </a:prstGeom>
           <a:ln>
+            <a:solidFill>
+              <a:srgbClr val="C00000"/>
+            </a:solidFill>
             <a:tailEnd type="triangle"/>
           </a:ln>
+          <a:effectLst>
+            <a:outerShdw blurRad="50800" dist="38100" dir="8100000" algn="tr" rotWithShape="0">
+              <a:prstClr val="black">
+                <a:alpha val="40000"/>
+              </a:prstClr>
+            </a:outerShdw>
+          </a:effectLst>
         </p:spPr>
         <p:style>
           <a:lnRef idx="1">
@@ -8598,31 +7970,372 @@
           </a:fontRef>
         </p:style>
       </p:cxnSp>
+      <p:sp>
+        <p:nvSpPr>
+          <p:cNvPr id="11" name="ZoneTexte 10"/>
+          <p:cNvSpPr txBox="1"/>
+          <p:nvPr/>
+        </p:nvSpPr>
+        <p:spPr>
+          <a:xfrm>
+            <a:off x="460933" y="1417420"/>
+            <a:ext cx="3288699" cy="830997"/>
+          </a:xfrm>
+          <a:prstGeom prst="rect">
+            <a:avLst/>
+          </a:prstGeom>
+          <a:noFill/>
+        </p:spPr>
+        <p:txBody>
+          <a:bodyPr wrap="square" rtlCol="0">
+            <a:spAutoFit/>
+          </a:bodyPr>
+          <a:lstStyle/>
+          <a:p>
+            <a:r>
+              <a:rPr lang="fr-FR" sz="1200" dirty="0">
+                <a:solidFill>
+                  <a:schemeClr val="accent1">
+                    <a:lumMod val="75000"/>
+                  </a:schemeClr>
+                </a:solidFill>
+              </a:rPr>
+              <a:t>c</a:t>
+            </a:r>
+            <a:r>
+              <a:rPr lang="fr-FR" sz="1200" dirty="0" smtClean="0">
+                <a:solidFill>
+                  <a:schemeClr val="accent1">
+                    <a:lumMod val="75000"/>
+                  </a:schemeClr>
+                </a:solidFill>
+              </a:rPr>
+              <a:t>ontient </a:t>
+            </a:r>
+            <a:r>
+              <a:rPr lang="fr-FR" sz="1200" dirty="0">
+                <a:solidFill>
+                  <a:schemeClr val="accent1">
+                    <a:lumMod val="75000"/>
+                  </a:schemeClr>
+                </a:solidFill>
+              </a:rPr>
+              <a:t>des écouteurs d'événements et des événements qui sont publiés lorsque l'utilisateur a terminé l'enregistrement ou demandé une réinitialisation du mot de </a:t>
+            </a:r>
+            <a:r>
+              <a:rPr lang="fr-FR" sz="1200" dirty="0" smtClean="0">
+                <a:solidFill>
+                  <a:schemeClr val="accent1">
+                    <a:lumMod val="75000"/>
+                  </a:schemeClr>
+                </a:solidFill>
+              </a:rPr>
+              <a:t>passe</a:t>
+            </a:r>
+            <a:endParaRPr lang="fr-FR" sz="1200" b="1" dirty="0">
+              <a:solidFill>
+                <a:schemeClr val="accent1">
+                  <a:lumMod val="75000"/>
+                </a:schemeClr>
+              </a:solidFill>
+            </a:endParaRPr>
+          </a:p>
+        </p:txBody>
+      </p:sp>
+      <p:sp>
+        <p:nvSpPr>
+          <p:cNvPr id="16" name="ZoneTexte 15"/>
+          <p:cNvSpPr txBox="1"/>
+          <p:nvPr/>
+        </p:nvSpPr>
+        <p:spPr>
+          <a:xfrm>
+            <a:off x="460933" y="2368631"/>
+            <a:ext cx="3379316" cy="1015663"/>
+          </a:xfrm>
+          <a:prstGeom prst="rect">
+            <a:avLst/>
+          </a:prstGeom>
+          <a:noFill/>
+        </p:spPr>
+        <p:txBody>
+          <a:bodyPr wrap="square" rtlCol="0">
+            <a:spAutoFit/>
+          </a:bodyPr>
+          <a:lstStyle/>
+          <a:p>
+            <a:r>
+              <a:rPr lang="fr-FR" sz="1200" dirty="0">
+                <a:solidFill>
+                  <a:schemeClr val="accent1">
+                    <a:lumMod val="75000"/>
+                  </a:schemeClr>
+                </a:solidFill>
+              </a:rPr>
+              <a:t>c</a:t>
+            </a:r>
+            <a:r>
+              <a:rPr lang="fr-FR" sz="1200" dirty="0" smtClean="0">
+                <a:solidFill>
+                  <a:schemeClr val="accent1">
+                    <a:lumMod val="75000"/>
+                  </a:schemeClr>
+                </a:solidFill>
+              </a:rPr>
+              <a:t>ontient </a:t>
+            </a:r>
+            <a:r>
+              <a:rPr lang="fr-FR" sz="1200" dirty="0">
+                <a:solidFill>
+                  <a:schemeClr val="accent1">
+                    <a:lumMod val="75000"/>
+                  </a:schemeClr>
+                </a:solidFill>
+              </a:rPr>
+              <a:t>des filtres de requête, des points d'entrée d'authentification, un objet de réponse </a:t>
+            </a:r>
+            <a:r>
+              <a:rPr lang="fr-FR" sz="1200" dirty="0" err="1">
+                <a:solidFill>
+                  <a:schemeClr val="accent1">
+                    <a:lumMod val="75000"/>
+                  </a:schemeClr>
+                </a:solidFill>
+              </a:rPr>
+              <a:t>jwt</a:t>
+            </a:r>
+            <a:r>
+              <a:rPr lang="fr-FR" sz="1200" dirty="0">
+                <a:solidFill>
+                  <a:schemeClr val="accent1">
+                    <a:lumMod val="75000"/>
+                  </a:schemeClr>
+                </a:solidFill>
+              </a:rPr>
+              <a:t> et des utilitaires pour générer des jetons d'authentification </a:t>
+            </a:r>
+            <a:r>
+              <a:rPr lang="fr-FR" sz="1200" dirty="0" err="1">
+                <a:solidFill>
+                  <a:schemeClr val="accent1">
+                    <a:lumMod val="75000"/>
+                  </a:schemeClr>
+                </a:solidFill>
+              </a:rPr>
+              <a:t>jwt</a:t>
+            </a:r>
+            <a:r>
+              <a:rPr lang="fr-FR" sz="1200" dirty="0">
+                <a:solidFill>
+                  <a:schemeClr val="accent1">
+                    <a:lumMod val="75000"/>
+                  </a:schemeClr>
+                </a:solidFill>
+              </a:rPr>
+              <a:t>, les envoyer à l'utilisateur, et lire et valider à partir des en-têtes de </a:t>
+            </a:r>
+            <a:r>
+              <a:rPr lang="fr-FR" sz="1200" dirty="0" smtClean="0">
+                <a:solidFill>
+                  <a:schemeClr val="accent1">
+                    <a:lumMod val="75000"/>
+                  </a:schemeClr>
+                </a:solidFill>
+              </a:rPr>
+              <a:t>requête</a:t>
+            </a:r>
+            <a:endParaRPr lang="fr-FR" sz="1200" dirty="0">
+              <a:solidFill>
+                <a:schemeClr val="accent1">
+                  <a:lumMod val="75000"/>
+                </a:schemeClr>
+              </a:solidFill>
+            </a:endParaRPr>
+          </a:p>
+        </p:txBody>
+      </p:sp>
       <p:cxnSp>
         <p:nvCxnSpPr>
-          <p:cNvPr id="29" name="Straight Arrow Connector 28">
-            <a:extLst>
-              <a:ext uri="{FF2B5EF4-FFF2-40B4-BE49-F238E27FC236}">
-                <a16:creationId xmlns:a16="http://schemas.microsoft.com/office/drawing/2014/main" id="{C829DF1F-36E2-4CC8-B7EE-6FA1AA2E607B}"/>
-              </a:ext>
-            </a:extLst>
-          </p:cNvPr>
-          <p:cNvCxnSpPr>
-            <a:endCxn id="9" idx="1"/>
-          </p:cNvCxnSpPr>
+          <p:cNvPr id="18" name="Connecteur droit avec flèche 17"/>
+          <p:cNvCxnSpPr/>
           <p:nvPr/>
         </p:nvCxnSpPr>
         <p:spPr>
-          <a:xfrm>
-            <a:off x="5581650" y="2138750"/>
-            <a:ext cx="1462523" cy="253484"/>
+          <a:xfrm flipH="1">
+            <a:off x="3749632" y="2529535"/>
+            <a:ext cx="1868573" cy="460800"/>
           </a:xfrm>
           <a:prstGeom prst="straightConnector1">
             <a:avLst/>
           </a:prstGeom>
           <a:ln>
+            <a:solidFill>
+              <a:srgbClr val="C00000"/>
+            </a:solidFill>
             <a:tailEnd type="triangle"/>
           </a:ln>
+          <a:effectLst>
+            <a:outerShdw blurRad="50800" dist="38100" dir="8100000" algn="tr" rotWithShape="0">
+              <a:prstClr val="black">
+                <a:alpha val="40000"/>
+              </a:prstClr>
+            </a:outerShdw>
+          </a:effectLst>
+        </p:spPr>
+        <p:style>
+          <a:lnRef idx="1">
+            <a:schemeClr val="dk1"/>
+          </a:lnRef>
+          <a:fillRef idx="0">
+            <a:schemeClr val="dk1"/>
+          </a:fillRef>
+          <a:effectRef idx="0">
+            <a:schemeClr val="dk1"/>
+          </a:effectRef>
+          <a:fontRef idx="minor">
+            <a:schemeClr val="tx1"/>
+          </a:fontRef>
+        </p:style>
+      </p:cxnSp>
+      <p:sp>
+        <p:nvSpPr>
+          <p:cNvPr id="19" name="ZoneTexte 18"/>
+          <p:cNvSpPr txBox="1"/>
+          <p:nvPr/>
+        </p:nvSpPr>
+        <p:spPr>
+          <a:xfrm>
+            <a:off x="451581" y="3497222"/>
+            <a:ext cx="2850292" cy="1015663"/>
+          </a:xfrm>
+          <a:prstGeom prst="rect">
+            <a:avLst/>
+          </a:prstGeom>
+          <a:noFill/>
+        </p:spPr>
+        <p:txBody>
+          <a:bodyPr wrap="square" rtlCol="0">
+            <a:spAutoFit/>
+          </a:bodyPr>
+          <a:lstStyle/>
+          <a:p>
+            <a:r>
+              <a:rPr lang="fr-FR" sz="1200" dirty="0">
+                <a:solidFill>
+                  <a:schemeClr val="accent1">
+                    <a:lumMod val="75000"/>
+                  </a:schemeClr>
+                </a:solidFill>
+              </a:rPr>
+              <a:t>c</a:t>
+            </a:r>
+            <a:r>
+              <a:rPr lang="fr-FR" sz="1200" dirty="0" smtClean="0">
+                <a:solidFill>
+                  <a:schemeClr val="accent1">
+                    <a:lumMod val="75000"/>
+                  </a:schemeClr>
+                </a:solidFill>
+              </a:rPr>
+              <a:t>ontient </a:t>
+            </a:r>
+            <a:r>
+              <a:rPr lang="fr-FR" sz="1200" dirty="0">
+                <a:solidFill>
+                  <a:schemeClr val="accent1">
+                    <a:lumMod val="75000"/>
+                  </a:schemeClr>
+                </a:solidFill>
+              </a:rPr>
+              <a:t>des entités, qui sont stockées dans la base de données, et le </a:t>
+            </a:r>
+            <a:r>
+              <a:rPr lang="fr-FR" sz="1200" dirty="0" smtClean="0">
+                <a:solidFill>
+                  <a:schemeClr val="accent1">
+                    <a:lumMod val="75000"/>
+                  </a:schemeClr>
+                </a:solidFill>
+              </a:rPr>
+              <a:t>dao (</a:t>
+            </a:r>
+            <a:r>
+              <a:rPr lang="fr-FR" sz="1200" dirty="0" err="1" smtClean="0">
+                <a:solidFill>
+                  <a:schemeClr val="accent1">
+                    <a:lumMod val="75000"/>
+                  </a:schemeClr>
+                </a:solidFill>
+              </a:rPr>
+              <a:t>repository</a:t>
+            </a:r>
+            <a:r>
+              <a:rPr lang="fr-FR" sz="1200" dirty="0" smtClean="0">
+                <a:solidFill>
+                  <a:schemeClr val="accent1">
+                    <a:lumMod val="75000"/>
+                  </a:schemeClr>
+                </a:solidFill>
+              </a:rPr>
+              <a:t>) - mécanisme </a:t>
+            </a:r>
+            <a:r>
+              <a:rPr lang="fr-FR" sz="1200" dirty="0">
+                <a:solidFill>
+                  <a:schemeClr val="accent1">
+                    <a:lumMod val="75000"/>
+                  </a:schemeClr>
+                </a:solidFill>
+              </a:rPr>
+              <a:t>pour encapsuler le stockage, la récupération et le comportement de </a:t>
+            </a:r>
+            <a:r>
+              <a:rPr lang="fr-FR" sz="1200" dirty="0" smtClean="0">
+                <a:solidFill>
+                  <a:schemeClr val="accent1">
+                    <a:lumMod val="75000"/>
+                  </a:schemeClr>
+                </a:solidFill>
+              </a:rPr>
+              <a:t>recherche</a:t>
+            </a:r>
+            <a:endParaRPr lang="fr-FR" sz="1200" dirty="0">
+              <a:solidFill>
+                <a:schemeClr val="accent1">
+                  <a:lumMod val="75000"/>
+                </a:schemeClr>
+              </a:solidFill>
+            </a:endParaRPr>
+          </a:p>
+        </p:txBody>
+      </p:sp>
+      <p:cxnSp>
+        <p:nvCxnSpPr>
+          <p:cNvPr id="21" name="Connecteur droit avec flèche 20"/>
+          <p:cNvCxnSpPr/>
+          <p:nvPr/>
+        </p:nvCxnSpPr>
+        <p:spPr>
+          <a:xfrm flipH="1">
+            <a:off x="3301873" y="2876462"/>
+            <a:ext cx="2279778" cy="1003560"/>
+          </a:xfrm>
+          <a:prstGeom prst="straightConnector1">
+            <a:avLst/>
+          </a:prstGeom>
+          <a:ln>
+            <a:solidFill>
+              <a:srgbClr val="C00000"/>
+            </a:solidFill>
+            <a:tailEnd type="triangle"/>
+          </a:ln>
+          <a:effectLst>
+            <a:outerShdw blurRad="50800" dist="38100" dir="8100000" algn="tr" rotWithShape="0">
+              <a:prstClr val="black">
+                <a:alpha val="40000"/>
+              </a:prstClr>
+            </a:outerShdw>
+          </a:effectLst>
         </p:spPr>
         <p:style>
           <a:lnRef idx="1">
@@ -8639,31 +8352,105 @@
           </a:fontRef>
         </p:style>
       </p:cxnSp>
+      <p:sp>
+        <p:nvSpPr>
+          <p:cNvPr id="24" name="ZoneTexte 23"/>
+          <p:cNvSpPr txBox="1"/>
+          <p:nvPr/>
+        </p:nvSpPr>
+        <p:spPr>
+          <a:xfrm>
+            <a:off x="451581" y="4633099"/>
+            <a:ext cx="2817341" cy="646331"/>
+          </a:xfrm>
+          <a:prstGeom prst="rect">
+            <a:avLst/>
+          </a:prstGeom>
+          <a:noFill/>
+        </p:spPr>
+        <p:txBody>
+          <a:bodyPr wrap="square" rtlCol="0">
+            <a:spAutoFit/>
+          </a:bodyPr>
+          <a:lstStyle/>
+          <a:p>
+            <a:r>
+              <a:rPr lang="fr-FR" sz="1200" dirty="0">
+                <a:solidFill>
+                  <a:schemeClr val="accent1">
+                    <a:lumMod val="75000"/>
+                  </a:schemeClr>
+                </a:solidFill>
+              </a:rPr>
+              <a:t>c</a:t>
+            </a:r>
+            <a:r>
+              <a:rPr lang="fr-FR" sz="1200" dirty="0" smtClean="0">
+                <a:solidFill>
+                  <a:schemeClr val="accent1">
+                    <a:lumMod val="75000"/>
+                  </a:schemeClr>
+                </a:solidFill>
+              </a:rPr>
+              <a:t>ontient </a:t>
+            </a:r>
+            <a:r>
+              <a:rPr lang="fr-FR" sz="1200" dirty="0">
+                <a:solidFill>
+                  <a:schemeClr val="accent1">
+                    <a:lumMod val="75000"/>
+                  </a:schemeClr>
+                </a:solidFill>
+              </a:rPr>
+              <a:t>des services qui sont utilisés pour écrire la logique dans une couche différente, séparée des contrôleurs </a:t>
+            </a:r>
+            <a:r>
+              <a:rPr lang="fr-FR" sz="1200" dirty="0" smtClean="0">
+                <a:solidFill>
+                  <a:schemeClr val="accent1">
+                    <a:lumMod val="75000"/>
+                  </a:schemeClr>
+                </a:solidFill>
+              </a:rPr>
+              <a:t>REST</a:t>
+            </a:r>
+            <a:endParaRPr lang="fr-FR" sz="1200" dirty="0">
+              <a:solidFill>
+                <a:schemeClr val="accent1">
+                  <a:lumMod val="75000"/>
+                </a:schemeClr>
+              </a:solidFill>
+            </a:endParaRPr>
+          </a:p>
+        </p:txBody>
+      </p:sp>
       <p:cxnSp>
         <p:nvCxnSpPr>
-          <p:cNvPr id="31" name="Straight Arrow Connector 30">
-            <a:extLst>
-              <a:ext uri="{FF2B5EF4-FFF2-40B4-BE49-F238E27FC236}">
-                <a16:creationId xmlns:a16="http://schemas.microsoft.com/office/drawing/2014/main" id="{B4985169-89B5-4321-8F77-2913A29BAB54}"/>
-              </a:ext>
-            </a:extLst>
-          </p:cNvPr>
-          <p:cNvCxnSpPr>
-            <a:cxnSpLocks/>
-          </p:cNvCxnSpPr>
+          <p:cNvPr id="26" name="Connecteur droit avec flèche 25"/>
+          <p:cNvCxnSpPr/>
           <p:nvPr/>
         </p:nvCxnSpPr>
         <p:spPr>
-          <a:xfrm>
-            <a:off x="5314276" y="2300348"/>
-            <a:ext cx="1819457" cy="358586"/>
+          <a:xfrm flipH="1">
+            <a:off x="3212757" y="3497222"/>
+            <a:ext cx="2368894" cy="1437243"/>
           </a:xfrm>
           <a:prstGeom prst="straightConnector1">
             <a:avLst/>
           </a:prstGeom>
           <a:ln>
+            <a:solidFill>
+              <a:srgbClr val="C00000"/>
+            </a:solidFill>
             <a:tailEnd type="triangle"/>
           </a:ln>
+          <a:effectLst>
+            <a:outerShdw blurRad="50800" dist="38100" dir="8100000" algn="tr" rotWithShape="0">
+              <a:prstClr val="black">
+                <a:alpha val="40000"/>
+              </a:prstClr>
+            </a:outerShdw>
+          </a:effectLst>
         </p:spPr>
         <p:style>
           <a:lnRef idx="1">
@@ -8680,32 +8467,118 @@
           </a:fontRef>
         </p:style>
       </p:cxnSp>
+      <p:sp>
+        <p:nvSpPr>
+          <p:cNvPr id="27" name="ZoneTexte 26"/>
+          <p:cNvSpPr txBox="1"/>
+          <p:nvPr/>
+        </p:nvSpPr>
+        <p:spPr>
+          <a:xfrm>
+            <a:off x="460933" y="5279430"/>
+            <a:ext cx="2840940" cy="1015663"/>
+          </a:xfrm>
+          <a:prstGeom prst="rect">
+            <a:avLst/>
+          </a:prstGeom>
+          <a:noFill/>
+        </p:spPr>
+        <p:txBody>
+          <a:bodyPr wrap="square" rtlCol="0">
+            <a:spAutoFit/>
+          </a:bodyPr>
+          <a:lstStyle/>
+          <a:p>
+            <a:r>
+              <a:rPr lang="fr-FR" sz="1200" dirty="0">
+                <a:solidFill>
+                  <a:schemeClr val="accent1">
+                    <a:lumMod val="75000"/>
+                  </a:schemeClr>
+                </a:solidFill>
+              </a:rPr>
+              <a:t>c</a:t>
+            </a:r>
+            <a:r>
+              <a:rPr lang="fr-FR" sz="1200" dirty="0" smtClean="0">
+                <a:solidFill>
+                  <a:schemeClr val="accent1">
+                    <a:lumMod val="75000"/>
+                  </a:schemeClr>
+                </a:solidFill>
+              </a:rPr>
+              <a:t>ontient </a:t>
+            </a:r>
+            <a:r>
+              <a:rPr lang="fr-FR" sz="1200" dirty="0">
+                <a:solidFill>
+                  <a:schemeClr val="accent1">
+                    <a:lumMod val="75000"/>
+                  </a:schemeClr>
+                </a:solidFill>
+              </a:rPr>
+              <a:t>des configurations </a:t>
+            </a:r>
+            <a:r>
+              <a:rPr lang="fr-FR" sz="1200" dirty="0" err="1" smtClean="0">
+                <a:solidFill>
+                  <a:schemeClr val="accent1">
+                    <a:lumMod val="75000"/>
+                  </a:schemeClr>
+                </a:solidFill>
+              </a:rPr>
+              <a:t>Spring</a:t>
+            </a:r>
+            <a:r>
+              <a:rPr lang="fr-FR" sz="1200" dirty="0" smtClean="0">
+                <a:solidFill>
+                  <a:schemeClr val="accent1">
+                    <a:lumMod val="75000"/>
+                  </a:schemeClr>
+                </a:solidFill>
+              </a:rPr>
+              <a:t>. </a:t>
+            </a:r>
+            <a:r>
+              <a:rPr lang="fr-FR" sz="1200" dirty="0">
+                <a:solidFill>
+                  <a:schemeClr val="accent1">
+                    <a:lumMod val="75000"/>
+                  </a:schemeClr>
+                </a:solidFill>
+              </a:rPr>
+              <a:t>Une configuration Web pour permettre l'accès aux contrôleurs en fonction des autorisations, et la configuration qui permet la planification des tâches</a:t>
+            </a:r>
+          </a:p>
+        </p:txBody>
+      </p:sp>
       <p:cxnSp>
         <p:nvCxnSpPr>
-          <p:cNvPr id="33" name="Straight Arrow Connector 32">
-            <a:extLst>
-              <a:ext uri="{FF2B5EF4-FFF2-40B4-BE49-F238E27FC236}">
-                <a16:creationId xmlns:a16="http://schemas.microsoft.com/office/drawing/2014/main" id="{FEF44860-6AB8-4258-87C1-FA4AF2E83E42}"/>
-              </a:ext>
-            </a:extLst>
-          </p:cNvPr>
-          <p:cNvCxnSpPr>
-            <a:cxnSpLocks/>
-            <a:endCxn id="15" idx="1"/>
-          </p:cNvCxnSpPr>
+          <p:cNvPr id="29" name="Connecteur droit avec flèche 28"/>
+          <p:cNvCxnSpPr/>
           <p:nvPr/>
         </p:nvCxnSpPr>
         <p:spPr>
-          <a:xfrm>
-            <a:off x="6096000" y="3182820"/>
-            <a:ext cx="1006285" cy="30119"/>
+          <a:xfrm flipH="1">
+            <a:off x="3155092" y="3880022"/>
+            <a:ext cx="2463114" cy="1881668"/>
           </a:xfrm>
           <a:prstGeom prst="straightConnector1">
             <a:avLst/>
           </a:prstGeom>
           <a:ln>
+            <a:solidFill>
+              <a:srgbClr val="C00000"/>
+            </a:solidFill>
             <a:tailEnd type="triangle"/>
           </a:ln>
+          <a:effectLst>
+            <a:outerShdw blurRad="50800" dist="38100" dir="8100000" algn="tr" rotWithShape="0">
+              <a:prstClr val="black">
+                <a:alpha val="40000"/>
+              </a:prstClr>
+            </a:outerShdw>
+          </a:effectLst>
         </p:spPr>
         <p:style>
           <a:lnRef idx="1">
@@ -8722,32 +8595,85 @@
           </a:fontRef>
         </p:style>
       </p:cxnSp>
+      <p:sp>
+        <p:nvSpPr>
+          <p:cNvPr id="31" name="ZoneTexte 30"/>
+          <p:cNvSpPr txBox="1"/>
+          <p:nvPr/>
+        </p:nvSpPr>
+        <p:spPr>
+          <a:xfrm>
+            <a:off x="8221908" y="1134174"/>
+            <a:ext cx="3303373" cy="830997"/>
+          </a:xfrm>
+          <a:prstGeom prst="rect">
+            <a:avLst/>
+          </a:prstGeom>
+          <a:noFill/>
+        </p:spPr>
+        <p:txBody>
+          <a:bodyPr wrap="square" rtlCol="0">
+            <a:spAutoFit/>
+          </a:bodyPr>
+          <a:lstStyle/>
+          <a:p>
+            <a:r>
+              <a:rPr lang="fr-FR" sz="1200" dirty="0">
+                <a:solidFill>
+                  <a:schemeClr val="accent1">
+                    <a:lumMod val="75000"/>
+                  </a:schemeClr>
+                </a:solidFill>
+              </a:rPr>
+              <a:t>contient des tâches de planification qui prennent en charge la suppression des fichiers, qui ne sont plus référencés dans la base de données, du stockage du </a:t>
+            </a:r>
+            <a:r>
+              <a:rPr lang="fr-FR" sz="1200" dirty="0" smtClean="0">
+                <a:solidFill>
+                  <a:schemeClr val="accent1">
+                    <a:lumMod val="75000"/>
+                  </a:schemeClr>
+                </a:solidFill>
+              </a:rPr>
+              <a:t>serveur</a:t>
+            </a:r>
+            <a:endParaRPr lang="fr-FR" sz="1200" dirty="0">
+              <a:solidFill>
+                <a:schemeClr val="accent1">
+                  <a:lumMod val="75000"/>
+                </a:schemeClr>
+              </a:solidFill>
+            </a:endParaRPr>
+          </a:p>
+        </p:txBody>
+      </p:sp>
       <p:cxnSp>
         <p:nvCxnSpPr>
-          <p:cNvPr id="35" name="Straight Arrow Connector 34">
-            <a:extLst>
-              <a:ext uri="{FF2B5EF4-FFF2-40B4-BE49-F238E27FC236}">
-                <a16:creationId xmlns:a16="http://schemas.microsoft.com/office/drawing/2014/main" id="{74A355EC-9D13-4B5A-99A1-9AD499070AF3}"/>
-              </a:ext>
-            </a:extLst>
-          </p:cNvPr>
-          <p:cNvCxnSpPr>
-            <a:cxnSpLocks/>
-            <a:endCxn id="18" idx="1"/>
-          </p:cNvCxnSpPr>
+          <p:cNvPr id="33" name="Connecteur droit avec flèche 32"/>
+          <p:cNvCxnSpPr/>
           <p:nvPr/>
         </p:nvCxnSpPr>
         <p:spPr>
           <a:xfrm flipV="1">
-            <a:off x="5924550" y="5021134"/>
-            <a:ext cx="1141386" cy="107430"/>
+            <a:off x="6109754" y="1771135"/>
+            <a:ext cx="2111608" cy="2257168"/>
           </a:xfrm>
           <a:prstGeom prst="straightConnector1">
             <a:avLst/>
           </a:prstGeom>
           <a:ln>
+            <a:solidFill>
+              <a:srgbClr val="C00000"/>
+            </a:solidFill>
             <a:tailEnd type="triangle"/>
           </a:ln>
+          <a:effectLst>
+            <a:outerShdw blurRad="50800" dist="38100" dir="8100000" algn="tr" rotWithShape="0">
+              <a:prstClr val="black">
+                <a:alpha val="40000"/>
+              </a:prstClr>
+            </a:outerShdw>
+          </a:effectLst>
         </p:spPr>
         <p:style>
           <a:lnRef idx="1">
@@ -8764,31 +8690,85 @@
           </a:fontRef>
         </p:style>
       </p:cxnSp>
+      <p:sp>
+        <p:nvSpPr>
+          <p:cNvPr id="34" name="ZoneTexte 33"/>
+          <p:cNvSpPr txBox="1"/>
+          <p:nvPr/>
+        </p:nvSpPr>
+        <p:spPr>
+          <a:xfrm>
+            <a:off x="8216196" y="2042745"/>
+            <a:ext cx="3171568" cy="830997"/>
+          </a:xfrm>
+          <a:prstGeom prst="rect">
+            <a:avLst/>
+          </a:prstGeom>
+          <a:noFill/>
+        </p:spPr>
+        <p:txBody>
+          <a:bodyPr wrap="square" rtlCol="0">
+            <a:spAutoFit/>
+          </a:bodyPr>
+          <a:lstStyle/>
+          <a:p>
+            <a:r>
+              <a:rPr lang="fr-FR" sz="1200" dirty="0">
+                <a:solidFill>
+                  <a:schemeClr val="accent1">
+                    <a:lumMod val="75000"/>
+                  </a:schemeClr>
+                </a:solidFill>
+              </a:rPr>
+              <a:t>contient des validateurs de contraintes, utilisés pour valider les demandes d'inscription, les demandes de connexion et les jetons de récupération de mot de </a:t>
+            </a:r>
+            <a:r>
+              <a:rPr lang="fr-FR" sz="1200" dirty="0" smtClean="0">
+                <a:solidFill>
+                  <a:schemeClr val="accent1">
+                    <a:lumMod val="75000"/>
+                  </a:schemeClr>
+                </a:solidFill>
+              </a:rPr>
+              <a:t>passe</a:t>
+            </a:r>
+            <a:endParaRPr lang="fr-FR" sz="1200" dirty="0">
+              <a:solidFill>
+                <a:schemeClr val="accent1">
+                  <a:lumMod val="75000"/>
+                </a:schemeClr>
+              </a:solidFill>
+            </a:endParaRPr>
+          </a:p>
+        </p:txBody>
+      </p:sp>
       <p:cxnSp>
         <p:nvCxnSpPr>
-          <p:cNvPr id="39" name="Straight Arrow Connector 38">
-            <a:extLst>
-              <a:ext uri="{FF2B5EF4-FFF2-40B4-BE49-F238E27FC236}">
-                <a16:creationId xmlns:a16="http://schemas.microsoft.com/office/drawing/2014/main" id="{CD173117-6C8C-443F-B2C3-98261DC66104}"/>
-              </a:ext>
-            </a:extLst>
-          </p:cNvPr>
-          <p:cNvCxnSpPr>
-            <a:cxnSpLocks/>
-          </p:cNvCxnSpPr>
+          <p:cNvPr id="36" name="Connecteur droit avec flèche 35"/>
+          <p:cNvCxnSpPr/>
           <p:nvPr/>
         </p:nvCxnSpPr>
         <p:spPr>
-          <a:xfrm flipH="1">
-            <a:off x="3691672" y="1928426"/>
-            <a:ext cx="627370" cy="109924"/>
+          <a:xfrm flipV="1">
+            <a:off x="6532605" y="2759935"/>
+            <a:ext cx="1683591" cy="1455908"/>
           </a:xfrm>
           <a:prstGeom prst="straightConnector1">
             <a:avLst/>
           </a:prstGeom>
           <a:ln>
+            <a:solidFill>
+              <a:srgbClr val="C00000"/>
+            </a:solidFill>
             <a:tailEnd type="triangle"/>
           </a:ln>
+          <a:effectLst>
+            <a:outerShdw blurRad="50800" dist="38100" dir="8100000" algn="tr" rotWithShape="0">
+              <a:prstClr val="black">
+                <a:alpha val="40000"/>
+              </a:prstClr>
+            </a:outerShdw>
+          </a:effectLst>
         </p:spPr>
         <p:style>
           <a:lnRef idx="1">
@@ -8805,31 +8785,68 @@
           </a:fontRef>
         </p:style>
       </p:cxnSp>
+      <p:sp>
+        <p:nvSpPr>
+          <p:cNvPr id="37" name="ZoneTexte 36"/>
+          <p:cNvSpPr txBox="1"/>
+          <p:nvPr/>
+        </p:nvSpPr>
+        <p:spPr>
+          <a:xfrm>
+            <a:off x="8254313" y="2951316"/>
+            <a:ext cx="3100499" cy="646331"/>
+          </a:xfrm>
+          <a:prstGeom prst="rect">
+            <a:avLst/>
+          </a:prstGeom>
+          <a:noFill/>
+        </p:spPr>
+        <p:txBody>
+          <a:bodyPr wrap="square" rtlCol="0">
+            <a:spAutoFit/>
+          </a:bodyPr>
+          <a:lstStyle/>
+          <a:p>
+            <a:r>
+              <a:rPr lang="fr-FR" sz="1200" dirty="0">
+                <a:solidFill>
+                  <a:schemeClr val="accent1">
+                    <a:lumMod val="75000"/>
+                  </a:schemeClr>
+                </a:solidFill>
+              </a:rPr>
+              <a:t>contient les objets d'erreur d'api et d'erreur de validation utilisés par le gestionnaire d'exception</a:t>
+            </a:r>
+          </a:p>
+        </p:txBody>
+      </p:sp>
       <p:cxnSp>
         <p:nvCxnSpPr>
-          <p:cNvPr id="41" name="Straight Arrow Connector 40">
-            <a:extLst>
-              <a:ext uri="{FF2B5EF4-FFF2-40B4-BE49-F238E27FC236}">
-                <a16:creationId xmlns:a16="http://schemas.microsoft.com/office/drawing/2014/main" id="{FE24D838-0CDB-468B-AFC8-CAFF268870E1}"/>
-              </a:ext>
-            </a:extLst>
-          </p:cNvPr>
-          <p:cNvCxnSpPr>
-            <a:cxnSpLocks/>
-          </p:cNvCxnSpPr>
+          <p:cNvPr id="39" name="Connecteur droit avec flèche 38"/>
+          <p:cNvCxnSpPr/>
           <p:nvPr/>
         </p:nvCxnSpPr>
         <p:spPr>
-          <a:xfrm flipH="1" flipV="1">
-            <a:off x="3464432" y="2530733"/>
-            <a:ext cx="854610" cy="436602"/>
+          <a:xfrm flipV="1">
+            <a:off x="6672649" y="3487889"/>
+            <a:ext cx="1581664" cy="1145210"/>
           </a:xfrm>
           <a:prstGeom prst="straightConnector1">
             <a:avLst/>
           </a:prstGeom>
           <a:ln>
+            <a:solidFill>
+              <a:srgbClr val="C00000"/>
+            </a:solidFill>
             <a:tailEnd type="triangle"/>
           </a:ln>
+          <a:effectLst>
+            <a:outerShdw blurRad="50800" dist="38100" dir="8100000" algn="tr" rotWithShape="0">
+              <a:prstClr val="black">
+                <a:alpha val="40000"/>
+              </a:prstClr>
+            </a:outerShdw>
+          </a:effectLst>
         </p:spPr>
         <p:style>
           <a:lnRef idx="1">
@@ -8846,31 +8863,125 @@
           </a:fontRef>
         </p:style>
       </p:cxnSp>
+      <p:sp>
+        <p:nvSpPr>
+          <p:cNvPr id="40" name="ZoneTexte 39"/>
+          <p:cNvSpPr txBox="1"/>
+          <p:nvPr/>
+        </p:nvSpPr>
+        <p:spPr>
+          <a:xfrm>
+            <a:off x="8283324" y="3741522"/>
+            <a:ext cx="3001644" cy="276999"/>
+          </a:xfrm>
+          <a:prstGeom prst="rect">
+            <a:avLst/>
+          </a:prstGeom>
+          <a:noFill/>
+        </p:spPr>
+        <p:txBody>
+          <a:bodyPr wrap="square" rtlCol="0">
+            <a:spAutoFit/>
+          </a:bodyPr>
+          <a:lstStyle/>
+          <a:p>
+            <a:r>
+              <a:rPr lang="en-US" sz="1200" dirty="0" err="1">
+                <a:solidFill>
+                  <a:schemeClr val="accent1">
+                    <a:lumMod val="75000"/>
+                  </a:schemeClr>
+                </a:solidFill>
+              </a:rPr>
+              <a:t>c</a:t>
+            </a:r>
+            <a:r>
+              <a:rPr lang="en-US" sz="1200" dirty="0" err="1" smtClean="0">
+                <a:solidFill>
+                  <a:schemeClr val="accent1">
+                    <a:lumMod val="75000"/>
+                  </a:schemeClr>
+                </a:solidFill>
+              </a:rPr>
+              <a:t>ontient</a:t>
+            </a:r>
+            <a:r>
+              <a:rPr lang="en-US" sz="1200" dirty="0" smtClean="0">
+                <a:solidFill>
+                  <a:schemeClr val="accent1">
+                    <a:lumMod val="75000"/>
+                  </a:schemeClr>
+                </a:solidFill>
+              </a:rPr>
+              <a:t> </a:t>
+            </a:r>
+            <a:r>
+              <a:rPr lang="en-US" sz="1200" dirty="0">
+                <a:solidFill>
+                  <a:schemeClr val="accent1">
+                    <a:lumMod val="75000"/>
+                  </a:schemeClr>
+                </a:solidFill>
+              </a:rPr>
+              <a:t>les </a:t>
+            </a:r>
+            <a:r>
+              <a:rPr lang="en-US" sz="1200" dirty="0" err="1" smtClean="0">
+                <a:solidFill>
+                  <a:schemeClr val="accent1">
+                    <a:lumMod val="75000"/>
+                  </a:schemeClr>
+                </a:solidFill>
+              </a:rPr>
+              <a:t>contrôleurs</a:t>
+            </a:r>
+            <a:r>
+              <a:rPr lang="en-US" sz="1200" dirty="0" smtClean="0">
+                <a:solidFill>
+                  <a:schemeClr val="accent1">
+                    <a:lumMod val="75000"/>
+                  </a:schemeClr>
+                </a:solidFill>
+              </a:rPr>
+              <a:t> REST</a:t>
+            </a:r>
+            <a:endParaRPr lang="fr-FR" sz="1200" dirty="0">
+              <a:solidFill>
+                <a:schemeClr val="accent1">
+                  <a:lumMod val="75000"/>
+                </a:schemeClr>
+              </a:solidFill>
+            </a:endParaRPr>
+          </a:p>
+        </p:txBody>
+      </p:sp>
       <p:cxnSp>
         <p:nvCxnSpPr>
-          <p:cNvPr id="43" name="Straight Arrow Connector 42">
-            <a:extLst>
-              <a:ext uri="{FF2B5EF4-FFF2-40B4-BE49-F238E27FC236}">
-                <a16:creationId xmlns:a16="http://schemas.microsoft.com/office/drawing/2014/main" id="{D6164692-8DD6-47E6-AF65-3B38AE7136FC}"/>
-              </a:ext>
-            </a:extLst>
-          </p:cNvPr>
-          <p:cNvCxnSpPr>
-            <a:cxnSpLocks/>
-          </p:cNvCxnSpPr>
+          <p:cNvPr id="42" name="Connecteur droit avec flèche 41"/>
+          <p:cNvCxnSpPr/>
           <p:nvPr/>
         </p:nvCxnSpPr>
         <p:spPr>
-          <a:xfrm flipH="1">
-            <a:off x="3590925" y="3335209"/>
-            <a:ext cx="728117" cy="0"/>
+          <a:xfrm flipV="1">
+            <a:off x="6870357" y="4005053"/>
+            <a:ext cx="1491048" cy="815803"/>
           </a:xfrm>
           <a:prstGeom prst="straightConnector1">
             <a:avLst/>
           </a:prstGeom>
           <a:ln>
+            <a:solidFill>
+              <a:srgbClr val="C00000"/>
+            </a:solidFill>
             <a:tailEnd type="triangle"/>
           </a:ln>
+          <a:effectLst>
+            <a:outerShdw blurRad="50800" dist="38100" dir="8100000" algn="tr" rotWithShape="0">
+              <a:prstClr val="black">
+                <a:alpha val="40000"/>
+              </a:prstClr>
+            </a:outerShdw>
+          </a:effectLst>
         </p:spPr>
         <p:style>
           <a:lnRef idx="1">
@@ -8887,31 +8998,95 @@
           </a:fontRef>
         </p:style>
       </p:cxnSp>
+      <p:sp>
+        <p:nvSpPr>
+          <p:cNvPr id="43" name="ZoneTexte 42"/>
+          <p:cNvSpPr txBox="1"/>
+          <p:nvPr/>
+        </p:nvSpPr>
+        <p:spPr>
+          <a:xfrm>
+            <a:off x="8310496" y="4162396"/>
+            <a:ext cx="2734963" cy="1015663"/>
+          </a:xfrm>
+          <a:prstGeom prst="rect">
+            <a:avLst/>
+          </a:prstGeom>
+          <a:noFill/>
+        </p:spPr>
+        <p:txBody>
+          <a:bodyPr wrap="square" rtlCol="0">
+            <a:spAutoFit/>
+          </a:bodyPr>
+          <a:lstStyle/>
+          <a:p>
+            <a:r>
+              <a:rPr lang="fr-FR" sz="1200" dirty="0" smtClean="0">
+                <a:solidFill>
+                  <a:schemeClr val="accent1">
+                    <a:lumMod val="75000"/>
+                  </a:schemeClr>
+                </a:solidFill>
+              </a:rPr>
+              <a:t>des objets de transfert de données qui ne contiennent pas de logique mais des mécanismes de sérialisation et de </a:t>
+            </a:r>
+            <a:r>
+              <a:rPr lang="fr-FR" sz="1200" dirty="0" err="1" smtClean="0">
+                <a:solidFill>
+                  <a:schemeClr val="accent1">
+                    <a:lumMod val="75000"/>
+                  </a:schemeClr>
+                </a:solidFill>
+              </a:rPr>
+              <a:t>désérialisation</a:t>
+            </a:r>
+            <a:r>
+              <a:rPr lang="fr-FR" sz="1200" dirty="0" smtClean="0">
+                <a:solidFill>
+                  <a:schemeClr val="accent1">
+                    <a:lumMod val="75000"/>
+                  </a:schemeClr>
+                </a:solidFill>
+              </a:rPr>
+              <a:t> pour le transfert de données.</a:t>
+            </a:r>
+            <a:endParaRPr lang="fr-FR" sz="1200" dirty="0">
+              <a:solidFill>
+                <a:schemeClr val="accent1">
+                  <a:lumMod val="75000"/>
+                </a:schemeClr>
+              </a:solidFill>
+            </a:endParaRPr>
+          </a:p>
+        </p:txBody>
+      </p:sp>
       <p:cxnSp>
         <p:nvCxnSpPr>
-          <p:cNvPr id="45" name="Straight Arrow Connector 44">
-            <a:extLst>
-              <a:ext uri="{FF2B5EF4-FFF2-40B4-BE49-F238E27FC236}">
-                <a16:creationId xmlns:a16="http://schemas.microsoft.com/office/drawing/2014/main" id="{65B12921-E9A4-42F0-B8BF-7BC269A3D314}"/>
-              </a:ext>
-            </a:extLst>
-          </p:cNvPr>
-          <p:cNvCxnSpPr>
-            <a:cxnSpLocks/>
-          </p:cNvCxnSpPr>
+          <p:cNvPr id="45" name="Connecteur droit avec flèche 44"/>
+          <p:cNvCxnSpPr/>
           <p:nvPr/>
         </p:nvCxnSpPr>
         <p:spPr>
-          <a:xfrm flipH="1">
-            <a:off x="3338124" y="3708405"/>
-            <a:ext cx="941777" cy="428993"/>
+          <a:xfrm flipV="1">
+            <a:off x="6450227" y="4934465"/>
+            <a:ext cx="1804086" cy="21799"/>
           </a:xfrm>
           <a:prstGeom prst="straightConnector1">
             <a:avLst/>
           </a:prstGeom>
           <a:ln>
+            <a:solidFill>
+              <a:srgbClr val="C00000"/>
+            </a:solidFill>
             <a:tailEnd type="triangle"/>
           </a:ln>
+          <a:effectLst>
+            <a:outerShdw blurRad="50800" dist="38100" dir="8100000" algn="tr" rotWithShape="0">
+              <a:prstClr val="black">
+                <a:alpha val="40000"/>
+              </a:prstClr>
+            </a:outerShdw>
+          </a:effectLst>
         </p:spPr>
         <p:style>
           <a:lnRef idx="1">
@@ -8928,31 +9103,115 @@
           </a:fontRef>
         </p:style>
       </p:cxnSp>
+      <p:sp>
+        <p:nvSpPr>
+          <p:cNvPr id="46" name="ZoneTexte 45"/>
+          <p:cNvSpPr txBox="1"/>
+          <p:nvPr/>
+        </p:nvSpPr>
+        <p:spPr>
+          <a:xfrm>
+            <a:off x="8310496" y="5174127"/>
+            <a:ext cx="2674342" cy="1384995"/>
+          </a:xfrm>
+          <a:prstGeom prst="rect">
+            <a:avLst/>
+          </a:prstGeom>
+          <a:noFill/>
+        </p:spPr>
+        <p:txBody>
+          <a:bodyPr wrap="square" rtlCol="0">
+            <a:spAutoFit/>
+          </a:bodyPr>
+          <a:lstStyle/>
+          <a:p>
+            <a:r>
+              <a:rPr lang="fr-FR" sz="1200" dirty="0" smtClean="0">
+                <a:solidFill>
+                  <a:schemeClr val="accent1">
+                    <a:lumMod val="75000"/>
+                  </a:schemeClr>
+                </a:solidFill>
+              </a:rPr>
+              <a:t>contient les exceptions qui sont lancées pendant le traitement des demandes, et un gestionnaire d'exception, qui gère toutes les exceptions et envoie au client une erreur lisible par l'homme au lieu d'un </a:t>
+            </a:r>
+            <a:r>
+              <a:rPr lang="fr-FR" sz="1200" dirty="0" err="1" smtClean="0">
+                <a:solidFill>
+                  <a:schemeClr val="accent1">
+                    <a:lumMod val="75000"/>
+                  </a:schemeClr>
+                </a:solidFill>
+              </a:rPr>
+              <a:t>backtrace</a:t>
+            </a:r>
+            <a:r>
+              <a:rPr lang="fr-FR" sz="1200" dirty="0" smtClean="0">
+                <a:solidFill>
+                  <a:schemeClr val="accent1">
+                    <a:lumMod val="75000"/>
+                  </a:schemeClr>
+                </a:solidFill>
+              </a:rPr>
+              <a:t>, en utilisant l'objet </a:t>
+            </a:r>
+            <a:r>
+              <a:rPr lang="fr-FR" sz="1200" dirty="0" err="1" smtClean="0">
+                <a:solidFill>
+                  <a:schemeClr val="accent1">
+                    <a:lumMod val="75000"/>
+                  </a:schemeClr>
+                </a:solidFill>
+              </a:rPr>
+              <a:t>ApiError</a:t>
+            </a:r>
+            <a:r>
+              <a:rPr lang="fr-FR" sz="1200" dirty="0" smtClean="0">
+                <a:solidFill>
+                  <a:schemeClr val="accent1">
+                    <a:lumMod val="75000"/>
+                  </a:schemeClr>
+                </a:solidFill>
+              </a:rPr>
+              <a:t>.</a:t>
+            </a:r>
+            <a:endParaRPr lang="fr-FR" sz="1200" dirty="0">
+              <a:solidFill>
+                <a:schemeClr val="accent1">
+                  <a:lumMod val="75000"/>
+                </a:schemeClr>
+              </a:solidFill>
+            </a:endParaRPr>
+          </a:p>
+        </p:txBody>
+      </p:sp>
       <p:cxnSp>
         <p:nvCxnSpPr>
-          <p:cNvPr id="32" name="Straight Arrow Connector 31">
-            <a:extLst>
-              <a:ext uri="{FF2B5EF4-FFF2-40B4-BE49-F238E27FC236}">
-                <a16:creationId xmlns:a16="http://schemas.microsoft.com/office/drawing/2014/main" id="{EB03F2C4-4CAD-410B-84A2-ADADBEE1CDF1}"/>
-              </a:ext>
-            </a:extLst>
-          </p:cNvPr>
-          <p:cNvCxnSpPr>
-            <a:cxnSpLocks/>
-          </p:cNvCxnSpPr>
+          <p:cNvPr id="48" name="Connecteur droit avec flèche 47"/>
+          <p:cNvCxnSpPr/>
           <p:nvPr/>
         </p:nvCxnSpPr>
         <p:spPr>
           <a:xfrm>
-            <a:off x="5621732" y="1554784"/>
-            <a:ext cx="1510925" cy="59063"/>
+            <a:off x="6763265" y="5552303"/>
+            <a:ext cx="1598140" cy="0"/>
           </a:xfrm>
           <a:prstGeom prst="straightConnector1">
             <a:avLst/>
           </a:prstGeom>
           <a:ln>
+            <a:solidFill>
+              <a:srgbClr val="C00000"/>
+            </a:solidFill>
             <a:tailEnd type="triangle"/>
           </a:ln>
+          <a:effectLst>
+            <a:outerShdw blurRad="50800" dist="38100" dir="8100000" algn="tr" rotWithShape="0">
+              <a:prstClr val="black">
+                <a:alpha val="40000"/>
+              </a:prstClr>
+            </a:outerShdw>
+          </a:effectLst>
         </p:spPr>
         <p:style>
           <a:lnRef idx="1">
@@ -8969,31 +9228,88 @@
           </a:fontRef>
         </p:style>
       </p:cxnSp>
+      <p:sp>
+        <p:nvSpPr>
+          <p:cNvPr id="49" name="ZoneTexte 48"/>
+          <p:cNvSpPr txBox="1"/>
+          <p:nvPr/>
+        </p:nvSpPr>
+        <p:spPr>
+          <a:xfrm>
+            <a:off x="4222407" y="5935421"/>
+            <a:ext cx="3417667" cy="646331"/>
+          </a:xfrm>
+          <a:prstGeom prst="rect">
+            <a:avLst/>
+          </a:prstGeom>
+          <a:noFill/>
+        </p:spPr>
+        <p:txBody>
+          <a:bodyPr wrap="square" rtlCol="0">
+            <a:spAutoFit/>
+          </a:bodyPr>
+          <a:lstStyle/>
+          <a:p>
+            <a:r>
+              <a:rPr lang="fr-FR" sz="1200" dirty="0">
+                <a:solidFill>
+                  <a:schemeClr val="accent1">
+                    <a:lumMod val="75000"/>
+                  </a:schemeClr>
+                </a:solidFill>
+              </a:rPr>
+              <a:t>contient les propriétés de l'application (propriétés de la source de données, propriétés du servlet, propriétés du serveur et minuteries </a:t>
+            </a:r>
+            <a:r>
+              <a:rPr lang="fr-FR" sz="1200" dirty="0" err="1">
+                <a:solidFill>
+                  <a:schemeClr val="accent1">
+                    <a:lumMod val="75000"/>
+                  </a:schemeClr>
+                </a:solidFill>
+              </a:rPr>
+              <a:t>cron</a:t>
+            </a:r>
+            <a:r>
+              <a:rPr lang="fr-FR" sz="1200" dirty="0">
+                <a:solidFill>
+                  <a:schemeClr val="accent1">
+                    <a:lumMod val="75000"/>
+                  </a:schemeClr>
+                </a:solidFill>
+              </a:rPr>
+              <a:t>).</a:t>
+            </a:r>
+          </a:p>
+        </p:txBody>
+      </p:sp>
       <p:cxnSp>
         <p:nvCxnSpPr>
-          <p:cNvPr id="37" name="Straight Arrow Connector 36">
-            <a:extLst>
-              <a:ext uri="{FF2B5EF4-FFF2-40B4-BE49-F238E27FC236}">
-                <a16:creationId xmlns:a16="http://schemas.microsoft.com/office/drawing/2014/main" id="{306877C8-7052-4FB7-A033-11F26E04529F}"/>
-              </a:ext>
-            </a:extLst>
-          </p:cNvPr>
-          <p:cNvCxnSpPr>
-            <a:cxnSpLocks/>
-          </p:cNvCxnSpPr>
+          <p:cNvPr id="51" name="Connecteur droit avec flèche 50"/>
+          <p:cNvCxnSpPr/>
           <p:nvPr/>
         </p:nvCxnSpPr>
         <p:spPr>
-          <a:xfrm flipV="1">
-            <a:off x="6637511" y="1159038"/>
-            <a:ext cx="513614" cy="165615"/>
+          <a:xfrm>
+            <a:off x="5016843" y="5761690"/>
+            <a:ext cx="8238" cy="276645"/>
           </a:xfrm>
           <a:prstGeom prst="straightConnector1">
             <a:avLst/>
           </a:prstGeom>
           <a:ln>
+            <a:solidFill>
+              <a:srgbClr val="C00000"/>
+            </a:solidFill>
             <a:tailEnd type="triangle"/>
           </a:ln>
+          <a:effectLst>
+            <a:outerShdw blurRad="50800" dist="38100" dir="8100000" algn="tr" rotWithShape="0">
+              <a:prstClr val="black">
+                <a:alpha val="40000"/>
+              </a:prstClr>
+            </a:outerShdw>
+          </a:effectLst>
         </p:spPr>
         <p:style>
           <a:lnRef idx="1">
@@ -9013,13 +9329,20 @@
     </p:spTree>
     <p:extLst>
       <p:ext uri="{BB962C8B-B14F-4D97-AF65-F5344CB8AC3E}">
-        <p14:creationId xmlns:p14="http://schemas.microsoft.com/office/powerpoint/2010/main" val="3183891773"/>
+        <p14:creationId xmlns:p14="http://schemas.microsoft.com/office/powerpoint/2010/main" val="1389806906"/>
       </p:ext>
     </p:extLst>
   </p:cSld>
   <p:clrMapOvr>
     <a:masterClrMapping/>
   </p:clrMapOvr>
+  <p:timing>
+    <p:tnLst>
+      <p:par>
+        <p:cTn id="1" dur="indefinite" restart="never" nodeType="tmRoot"/>
+      </p:par>
+    </p:tnLst>
+  </p:timing>
 </p:sld>
 </file>
 
@@ -9185,6 +9508,13 @@
   <p:clrMapOvr>
     <a:masterClrMapping/>
   </p:clrMapOvr>
+  <p:timing>
+    <p:tnLst>
+      <p:par>
+        <p:cTn id="1" dur="indefinite" restart="never" nodeType="tmRoot"/>
+      </p:par>
+    </p:tnLst>
+  </p:timing>
 </p:sld>
 </file>
 
@@ -9417,6 +9747,13 @@
   <p:clrMapOvr>
     <a:masterClrMapping/>
   </p:clrMapOvr>
+  <p:timing>
+    <p:tnLst>
+      <p:par>
+        <p:cTn id="1" dur="indefinite" restart="never" nodeType="tmRoot"/>
+      </p:par>
+    </p:tnLst>
+  </p:timing>
 </p:sld>
 </file>
 
@@ -10589,6 +10926,13 @@
   <p:clrMapOvr>
     <a:masterClrMapping/>
   </p:clrMapOvr>
+  <p:timing>
+    <p:tnLst>
+      <p:par>
+        <p:cTn id="1" dur="indefinite" restart="never" nodeType="tmRoot"/>
+      </p:par>
+    </p:tnLst>
+  </p:timing>
 </p:sld>
 </file>
 
@@ -15277,6 +15621,13 @@
   <p:clrMapOvr>
     <a:masterClrMapping/>
   </p:clrMapOvr>
+  <p:timing>
+    <p:tnLst>
+      <p:par>
+        <p:cTn id="1" dur="indefinite" restart="never" nodeType="tmRoot"/>
+      </p:par>
+    </p:tnLst>
+  </p:timing>
 </p:sld>
 </file>
 
@@ -16306,6 +16657,13 @@
   <p:clrMapOvr>
     <a:masterClrMapping/>
   </p:clrMapOvr>
+  <p:timing>
+    <p:tnLst>
+      <p:par>
+        <p:cTn id="1" dur="indefinite" restart="never" nodeType="tmRoot"/>
+      </p:par>
+    </p:tnLst>
+  </p:timing>
 </p:sld>
 </file>
 
@@ -16779,6 +17137,13 @@
   <p:clrMapOvr>
     <a:masterClrMapping/>
   </p:clrMapOvr>
+  <p:timing>
+    <p:tnLst>
+      <p:par>
+        <p:cTn id="1" dur="indefinite" restart="never" nodeType="tmRoot"/>
+      </p:par>
+    </p:tnLst>
+  </p:timing>
 </p:sld>
 </file>
 
@@ -17069,6 +17434,13 @@
   <p:clrMapOvr>
     <a:masterClrMapping/>
   </p:clrMapOvr>
+  <p:timing>
+    <p:tnLst>
+      <p:par>
+        <p:cTn id="1" dur="indefinite" restart="never" nodeType="tmRoot"/>
+      </p:par>
+    </p:tnLst>
+  </p:timing>
 </p:sld>
 </file>
 
@@ -17323,6 +17695,13 @@
   <p:clrMapOvr>
     <a:masterClrMapping/>
   </p:clrMapOvr>
+  <p:timing>
+    <p:tnLst>
+      <p:par>
+        <p:cTn id="1" dur="indefinite" restart="never" nodeType="tmRoot"/>
+      </p:par>
+    </p:tnLst>
+  </p:timing>
 </p:sld>
 </file>
 
@@ -18154,6 +18533,12 @@
 </file>
 
 <file path=customXml/item1.xml><?xml version="1.0" encoding="utf-8"?>
+<p:properties xmlns:p="http://schemas.microsoft.com/office/2006/metadata/properties" xmlns:xsi="http://www.w3.org/2001/XMLSchema-instance" xmlns:pc="http://schemas.microsoft.com/office/infopath/2007/PartnerControls">
+  <documentManagement/>
+</p:properties>
+</file>
+
+<file path=customXml/item2.xml><?xml version="1.0" encoding="utf-8"?>
 <ct:contentTypeSchema xmlns:ct="http://schemas.microsoft.com/office/2006/metadata/contentType" xmlns:ma="http://schemas.microsoft.com/office/2006/metadata/properties/metaAttributes" ct:_="" ma:_="" ma:contentTypeName="Document" ma:contentTypeID="0x010100CA2FD6F1506F564BB79A97F9C245AD34" ma:contentTypeVersion="11" ma:contentTypeDescription="Create a new document." ma:contentTypeScope="" ma:versionID="62e164dc57e6337fb0bd5548eaf0c6d8">
   <xsd:schema xmlns:xsd="http://www.w3.org/2001/XMLSchema" xmlns:xs="http://www.w3.org/2001/XMLSchema" xmlns:p="http://schemas.microsoft.com/office/2006/metadata/properties" xmlns:ns3="386f4720-9db4-4950-8ffd-cd1ef4b846d5" xmlns:ns4="025efd7d-4e1d-49ec-b269-b81537660960" targetNamespace="http://schemas.microsoft.com/office/2006/metadata/properties" ma:root="true" ma:fieldsID="2653329da7d3ee0d0965a72fb4ee83ab" ns3:_="" ns4:_="">
     <xsd:import namespace="386f4720-9db4-4950-8ffd-cd1ef4b846d5"/>
@@ -18362,7 +18747,7 @@
 </ct:contentTypeSchema>
 </file>
 
-<file path=customXml/item2.xml><?xml version="1.0" encoding="utf-8"?>
+<file path=customXml/item3.xml><?xml version="1.0" encoding="utf-8"?>
 <?mso-contentType ?>
 <FormTemplates xmlns="http://schemas.microsoft.com/sharepoint/v3/contenttype/forms">
   <Display>DocumentLibraryForm</Display>
@@ -18371,13 +18756,24 @@
 </FormTemplates>
 </file>
 
-<file path=customXml/item3.xml><?xml version="1.0" encoding="utf-8"?>
-<p:properties xmlns:p="http://schemas.microsoft.com/office/2006/metadata/properties" xmlns:xsi="http://www.w3.org/2001/XMLSchema-instance" xmlns:pc="http://schemas.microsoft.com/office/infopath/2007/PartnerControls">
-  <documentManagement/>
-</p:properties>
+<file path=customXml/itemProps1.xml><?xml version="1.0" encoding="utf-8"?>
+<ds:datastoreItem xmlns:ds="http://schemas.openxmlformats.org/officeDocument/2006/customXml" ds:itemID="{F277AA4F-207B-4045-A452-6C98BA7AB2BD}">
+  <ds:schemaRefs>
+    <ds:schemaRef ds:uri="025efd7d-4e1d-49ec-b269-b81537660960"/>
+    <ds:schemaRef ds:uri="http://schemas.microsoft.com/office/2006/metadata/properties"/>
+    <ds:schemaRef ds:uri="http://www.w3.org/XML/1998/namespace"/>
+    <ds:schemaRef ds:uri="http://purl.org/dc/dcmitype/"/>
+    <ds:schemaRef ds:uri="386f4720-9db4-4950-8ffd-cd1ef4b846d5"/>
+    <ds:schemaRef ds:uri="http://purl.org/dc/elements/1.1/"/>
+    <ds:schemaRef ds:uri="http://schemas.microsoft.com/office/2006/documentManagement/types"/>
+    <ds:schemaRef ds:uri="http://schemas.microsoft.com/office/infopath/2007/PartnerControls"/>
+    <ds:schemaRef ds:uri="http://schemas.openxmlformats.org/package/2006/metadata/core-properties"/>
+    <ds:schemaRef ds:uri="http://purl.org/dc/terms/"/>
+  </ds:schemaRefs>
+</ds:datastoreItem>
 </file>
 
-<file path=customXml/itemProps1.xml><?xml version="1.0" encoding="utf-8"?>
+<file path=customXml/itemProps2.xml><?xml version="1.0" encoding="utf-8"?>
 <ds:datastoreItem xmlns:ds="http://schemas.openxmlformats.org/officeDocument/2006/customXml" ds:itemID="{92BA7C88-2CFC-403E-9565-3952D53463F0}">
   <ds:schemaRefs>
     <ds:schemaRef ds:uri="http://schemas.microsoft.com/office/2006/metadata/contentType"/>
@@ -18396,27 +18792,10 @@
 </ds:datastoreItem>
 </file>
 
-<file path=customXml/itemProps2.xml><?xml version="1.0" encoding="utf-8"?>
+<file path=customXml/itemProps3.xml><?xml version="1.0" encoding="utf-8"?>
 <ds:datastoreItem xmlns:ds="http://schemas.openxmlformats.org/officeDocument/2006/customXml" ds:itemID="{FA2ECFDE-CCCD-4184-981F-FCB1A88E5D9B}">
   <ds:schemaRefs>
     <ds:schemaRef ds:uri="http://schemas.microsoft.com/sharepoint/v3/contenttype/forms"/>
   </ds:schemaRefs>
 </ds:datastoreItem>
-</file>
-
-<file path=customXml/itemProps3.xml><?xml version="1.0" encoding="utf-8"?>
-<ds:datastoreItem xmlns:ds="http://schemas.openxmlformats.org/officeDocument/2006/customXml" ds:itemID="{F277AA4F-207B-4045-A452-6C98BA7AB2BD}">
-  <ds:schemaRefs>
-    <ds:schemaRef ds:uri="http://schemas.openxmlformats.org/package/2006/metadata/core-properties"/>
-    <ds:schemaRef ds:uri="http://purl.org/dc/dcmitype/"/>
-    <ds:schemaRef ds:uri="386f4720-9db4-4950-8ffd-cd1ef4b846d5"/>
-    <ds:schemaRef ds:uri="http://schemas.microsoft.com/office/2006/metadata/properties"/>
-    <ds:schemaRef ds:uri="http://purl.org/dc/terms/"/>
-    <ds:schemaRef ds:uri="http://schemas.microsoft.com/office/infopath/2007/PartnerControls"/>
-    <ds:schemaRef ds:uri="http://www.w3.org/XML/1998/namespace"/>
-    <ds:schemaRef ds:uri="http://schemas.microsoft.com/office/2006/documentManagement/types"/>
-    <ds:schemaRef ds:uri="025efd7d-4e1d-49ec-b269-b81537660960"/>
-    <ds:schemaRef ds:uri="http://purl.org/dc/elements/1.1/"/>
-  </ds:schemaRefs>
-</ds:datastoreItem>
 </file>
--- a/rapport.PPTX
+++ b/rapport.PPTX
@@ -9398,35 +9398,6 @@
           </a:p>
         </p:txBody>
       </p:sp>
-      <p:pic>
-        <p:nvPicPr>
-          <p:cNvPr id="9" name="Content Placeholder 8">
-            <a:extLst>
-              <a:ext uri="{FF2B5EF4-FFF2-40B4-BE49-F238E27FC236}">
-                <a16:creationId xmlns:a16="http://schemas.microsoft.com/office/drawing/2014/main" id="{8ECD9798-120A-418D-8F34-D7A87771A4F4}"/>
-              </a:ext>
-            </a:extLst>
-          </p:cNvPr>
-          <p:cNvPicPr>
-            <a:picLocks noGrp="1" noChangeAspect="1"/>
-          </p:cNvPicPr>
-          <p:nvPr>
-            <p:ph idx="1"/>
-          </p:nvPr>
-        </p:nvPicPr>
-        <p:blipFill>
-          <a:blip r:embed="rId2"/>
-          <a:stretch>
-            <a:fillRect/>
-          </a:stretch>
-        </p:blipFill>
-        <p:spPr>
-          <a:xfrm>
-            <a:off x="1457790" y="1205649"/>
-            <a:ext cx="8977737" cy="5040000"/>
-          </a:xfrm>
-        </p:spPr>
-      </p:pic>
       <p:sp>
         <p:nvSpPr>
           <p:cNvPr id="4" name="Slide Number Placeholder 3">
@@ -9470,7 +9441,7 @@
         </p:nvSpPr>
         <p:spPr>
           <a:xfrm>
-            <a:off x="5810286" y="3938113"/>
+            <a:off x="6757637" y="5723854"/>
             <a:ext cx="4504318" cy="369332"/>
           </a:xfrm>
           <a:prstGeom prst="rect">
@@ -9498,6 +9469,35 @@
           </a:p>
         </p:txBody>
       </p:sp>
+      <p:pic>
+        <p:nvPicPr>
+          <p:cNvPr id="8" name="Espace réservé du contenu 7"/>
+          <p:cNvPicPr>
+            <a:picLocks noGrp="1" noChangeAspect="1"/>
+          </p:cNvPicPr>
+          <p:nvPr>
+            <p:ph idx="1"/>
+          </p:nvPr>
+        </p:nvPicPr>
+        <p:blipFill>
+          <a:blip r:embed="rId2">
+            <a:extLst>
+              <a:ext uri="{28A0092B-C50C-407E-A947-70E740481C1C}">
+                <a14:useLocalDpi xmlns:a14="http://schemas.microsoft.com/office/drawing/2010/main" val="0"/>
+              </a:ext>
+            </a:extLst>
+          </a:blip>
+          <a:stretch>
+            <a:fillRect/>
+          </a:stretch>
+        </p:blipFill>
+        <p:spPr>
+          <a:xfrm>
+            <a:off x="1496829" y="1274806"/>
+            <a:ext cx="8884919" cy="4038600"/>
+          </a:xfrm>
+        </p:spPr>
+      </p:pic>
     </p:spTree>
     <p:extLst>
       <p:ext uri="{BB962C8B-B14F-4D97-AF65-F5344CB8AC3E}">
@@ -9568,35 +9568,6 @@
           </a:p>
         </p:txBody>
       </p:sp>
-      <p:pic>
-        <p:nvPicPr>
-          <p:cNvPr id="7" name="Content Placeholder 6">
-            <a:extLst>
-              <a:ext uri="{FF2B5EF4-FFF2-40B4-BE49-F238E27FC236}">
-                <a16:creationId xmlns:a16="http://schemas.microsoft.com/office/drawing/2014/main" id="{485B43BF-07D2-47C5-B39E-DC633DD52CC8}"/>
-              </a:ext>
-            </a:extLst>
-          </p:cNvPr>
-          <p:cNvPicPr>
-            <a:picLocks noGrp="1" noChangeAspect="1"/>
-          </p:cNvPicPr>
-          <p:nvPr>
-            <p:ph idx="1"/>
-          </p:nvPr>
-        </p:nvPicPr>
-        <p:blipFill>
-          <a:blip r:embed="rId2"/>
-          <a:stretch>
-            <a:fillRect/>
-          </a:stretch>
-        </p:blipFill>
-        <p:spPr>
-          <a:xfrm>
-            <a:off x="8205089" y="2340600"/>
-            <a:ext cx="1977549" cy="1656000"/>
-          </a:xfrm>
-        </p:spPr>
-      </p:pic>
       <p:sp>
         <p:nvSpPr>
           <p:cNvPr id="4" name="Slide Number Placeholder 3">
@@ -9640,7 +9611,7 @@
         </p:nvSpPr>
         <p:spPr>
           <a:xfrm>
-            <a:off x="1907450" y="1769426"/>
+            <a:off x="7006069" y="6223828"/>
             <a:ext cx="3863967" cy="369332"/>
           </a:xfrm>
           <a:prstGeom prst="rect">
@@ -9665,72 +9636,30 @@
           </a:p>
         </p:txBody>
       </p:sp>
-      <p:sp>
-        <p:nvSpPr>
-          <p:cNvPr id="14" name="TextBox 13">
-            <a:extLst>
-              <a:ext uri="{FF2B5EF4-FFF2-40B4-BE49-F238E27FC236}">
-                <a16:creationId xmlns:a16="http://schemas.microsoft.com/office/drawing/2014/main" id="{11ADCE39-CB35-4C06-889F-0D7A28EDE3A1}"/>
-              </a:ext>
-            </a:extLst>
-          </p:cNvPr>
-          <p:cNvSpPr txBox="1"/>
-          <p:nvPr/>
-        </p:nvSpPr>
-        <p:spPr>
-          <a:xfrm>
-            <a:off x="7267700" y="1756280"/>
-            <a:ext cx="4227614" cy="369332"/>
-          </a:xfrm>
-          <a:prstGeom prst="rect">
-            <a:avLst/>
-          </a:prstGeom>
-          <a:noFill/>
-        </p:spPr>
-        <p:txBody>
-          <a:bodyPr wrap="square" rtlCol="0">
-            <a:spAutoFit/>
-          </a:bodyPr>
-          <a:lstStyle/>
-          <a:p>
-            <a:r>
-              <a:rPr lang="fr-FR" i="1" dirty="0">
-                <a:solidFill>
-                  <a:schemeClr val="tx2">
-                    <a:lumMod val="60000"/>
-                    <a:lumOff val="40000"/>
-                  </a:schemeClr>
-                </a:solidFill>
-              </a:rPr>
-              <a:t>Classe statique utilitaire non persistée</a:t>
-            </a:r>
-          </a:p>
-        </p:txBody>
-      </p:sp>
       <p:pic>
         <p:nvPicPr>
-          <p:cNvPr id="5" name="Picture 4">
-            <a:extLst>
-              <a:ext uri="{FF2B5EF4-FFF2-40B4-BE49-F238E27FC236}">
-                <a16:creationId xmlns:a16="http://schemas.microsoft.com/office/drawing/2014/main" id="{7C78F40B-1821-4590-802F-26BBE9318B1C}"/>
-              </a:ext>
-            </a:extLst>
-          </p:cNvPr>
+          <p:cNvPr id="11" name="Image 10"/>
           <p:cNvPicPr>
             <a:picLocks noChangeAspect="1"/>
           </p:cNvPicPr>
           <p:nvPr/>
         </p:nvPicPr>
         <p:blipFill>
-          <a:blip r:embed="rId3"/>
+          <a:blip r:embed="rId2">
+            <a:extLst>
+              <a:ext uri="{28A0092B-C50C-407E-A947-70E740481C1C}">
+                <a14:useLocalDpi xmlns:a14="http://schemas.microsoft.com/office/drawing/2010/main" val="0"/>
+              </a:ext>
+            </a:extLst>
+          </a:blip>
           <a:stretch>
             <a:fillRect/>
           </a:stretch>
         </p:blipFill>
         <p:spPr>
           <a:xfrm>
-            <a:off x="1752823" y="2425593"/>
-            <a:ext cx="5232857" cy="3600000"/>
+            <a:off x="1873902" y="1406258"/>
+            <a:ext cx="8192736" cy="4793072"/>
           </a:xfrm>
           <a:prstGeom prst="rect">
             <a:avLst/>
@@ -11020,6 +10949,13 @@
   <p:clrMapOvr>
     <a:masterClrMapping/>
   </p:clrMapOvr>
+  <p:timing>
+    <p:tnLst>
+      <p:par>
+        <p:cTn id="1" dur="indefinite" restart="never" nodeType="tmRoot"/>
+      </p:par>
+    </p:tnLst>
+  </p:timing>
 </p:sld>
 </file>
 
@@ -11213,6 +11149,13 @@
   <p:clrMapOvr>
     <a:masterClrMapping/>
   </p:clrMapOvr>
+  <p:timing>
+    <p:tnLst>
+      <p:par>
+        <p:cTn id="1" dur="indefinite" restart="never" nodeType="tmRoot"/>
+      </p:par>
+    </p:tnLst>
+  </p:timing>
 </p:sld>
 </file>
 
@@ -11530,6 +11473,13 @@
   <p:clrMapOvr>
     <a:masterClrMapping/>
   </p:clrMapOvr>
+  <p:timing>
+    <p:tnLst>
+      <p:par>
+        <p:cTn id="1" dur="indefinite" restart="never" nodeType="tmRoot"/>
+      </p:par>
+    </p:tnLst>
+  </p:timing>
 </p:sld>
 </file>
 
@@ -11729,6 +11679,13 @@
   <p:clrMapOvr>
     <a:masterClrMapping/>
   </p:clrMapOvr>
+  <p:timing>
+    <p:tnLst>
+      <p:par>
+        <p:cTn id="1" dur="indefinite" restart="never" nodeType="tmRoot"/>
+      </p:par>
+    </p:tnLst>
+  </p:timing>
 </p:sld>
 </file>
 
@@ -12051,6 +12008,13 @@
   <p:clrMapOvr>
     <a:masterClrMapping/>
   </p:clrMapOvr>
+  <p:timing>
+    <p:tnLst>
+      <p:par>
+        <p:cTn id="1" dur="indefinite" restart="never" nodeType="tmRoot"/>
+      </p:par>
+    </p:tnLst>
+  </p:timing>
 </p:sld>
 </file>
 
@@ -12140,6 +12104,13 @@
   <p:clrMapOvr>
     <a:masterClrMapping/>
   </p:clrMapOvr>
+  <p:timing>
+    <p:tnLst>
+      <p:par>
+        <p:cTn id="1" dur="indefinite" restart="never" nodeType="tmRoot"/>
+      </p:par>
+    </p:tnLst>
+  </p:timing>
 </p:sld>
 </file>
 
@@ -12296,6 +12267,13 @@
   <p:clrMapOvr>
     <a:masterClrMapping/>
   </p:clrMapOvr>
+  <p:timing>
+    <p:tnLst>
+      <p:par>
+        <p:cTn id="1" dur="indefinite" restart="never" nodeType="tmRoot"/>
+      </p:par>
+    </p:tnLst>
+  </p:timing>
 </p:sld>
 </file>
 
@@ -12418,6 +12396,13 @@
   <p:clrMapOvr>
     <a:masterClrMapping/>
   </p:clrMapOvr>
+  <p:timing>
+    <p:tnLst>
+      <p:par>
+        <p:cTn id="1" dur="indefinite" restart="never" nodeType="tmRoot"/>
+      </p:par>
+    </p:tnLst>
+  </p:timing>
 </p:sld>
 </file>
 
@@ -12733,6 +12718,13 @@
   <p:clrMapOvr>
     <a:masterClrMapping/>
   </p:clrMapOvr>
+  <p:timing>
+    <p:tnLst>
+      <p:par>
+        <p:cTn id="1" dur="indefinite" restart="never" nodeType="tmRoot"/>
+      </p:par>
+    </p:tnLst>
+  </p:timing>
 </p:sld>
 </file>
 
@@ -12822,6 +12814,13 @@
   <p:clrMapOvr>
     <a:masterClrMapping/>
   </p:clrMapOvr>
+  <p:timing>
+    <p:tnLst>
+      <p:par>
+        <p:cTn id="1" dur="indefinite" restart="never" nodeType="tmRoot"/>
+      </p:par>
+    </p:tnLst>
+  </p:timing>
 </p:sld>
 </file>
 
@@ -12978,6 +12977,13 @@
   <p:clrMapOvr>
     <a:masterClrMapping/>
   </p:clrMapOvr>
+  <p:timing>
+    <p:tnLst>
+      <p:par>
+        <p:cTn id="1" dur="indefinite" restart="never" nodeType="tmRoot"/>
+      </p:par>
+    </p:tnLst>
+  </p:timing>
 </p:sld>
 </file>
 
@@ -13159,6 +13165,13 @@
   <p:clrMapOvr>
     <a:masterClrMapping/>
   </p:clrMapOvr>
+  <p:timing>
+    <p:tnLst>
+      <p:par>
+        <p:cTn id="1" dur="indefinite" restart="never" nodeType="tmRoot"/>
+      </p:par>
+    </p:tnLst>
+  </p:timing>
 </p:sld>
 </file>
 
@@ -13276,6 +13289,13 @@
   <p:clrMapOvr>
     <a:masterClrMapping/>
   </p:clrMapOvr>
+  <p:timing>
+    <p:tnLst>
+      <p:par>
+        <p:cTn id="1" dur="indefinite" restart="never" nodeType="tmRoot"/>
+      </p:par>
+    </p:tnLst>
+  </p:timing>
 </p:sld>
 </file>
 
@@ -13404,6 +13424,13 @@
   <p:clrMapOvr>
     <a:masterClrMapping/>
   </p:clrMapOvr>
+  <p:timing>
+    <p:tnLst>
+      <p:par>
+        <p:cTn id="1" dur="indefinite" restart="never" nodeType="tmRoot"/>
+      </p:par>
+    </p:tnLst>
+  </p:timing>
 </p:sld>
 </file>
 
@@ -13527,6 +13554,13 @@
   <p:clrMapOvr>
     <a:masterClrMapping/>
   </p:clrMapOvr>
+  <p:timing>
+    <p:tnLst>
+      <p:par>
+        <p:cTn id="1" dur="indefinite" restart="never" nodeType="tmRoot"/>
+      </p:par>
+    </p:tnLst>
+  </p:timing>
 </p:sld>
 </file>
 
@@ -13616,6 +13650,13 @@
   <p:clrMapOvr>
     <a:masterClrMapping/>
   </p:clrMapOvr>
+  <p:timing>
+    <p:tnLst>
+      <p:par>
+        <p:cTn id="1" dur="indefinite" restart="never" nodeType="tmRoot"/>
+      </p:par>
+    </p:tnLst>
+  </p:timing>
 </p:sld>
 </file>
 
@@ -13710,6 +13751,13 @@
   <p:clrMapOvr>
     <a:masterClrMapping/>
   </p:clrMapOvr>
+  <p:timing>
+    <p:tnLst>
+      <p:par>
+        <p:cTn id="1" dur="indefinite" restart="never" nodeType="tmRoot"/>
+      </p:par>
+    </p:tnLst>
+  </p:timing>
 </p:sld>
 </file>
 
@@ -13838,6 +13886,13 @@
   <p:clrMapOvr>
     <a:masterClrMapping/>
   </p:clrMapOvr>
+  <p:timing>
+    <p:tnLst>
+      <p:par>
+        <p:cTn id="1" dur="indefinite" restart="never" nodeType="tmRoot"/>
+      </p:par>
+    </p:tnLst>
+  </p:timing>
 </p:sld>
 </file>
 
@@ -14199,6 +14254,13 @@
   <p:clrMapOvr>
     <a:masterClrMapping/>
   </p:clrMapOvr>
+  <p:timing>
+    <p:tnLst>
+      <p:par>
+        <p:cTn id="1" dur="indefinite" restart="never" nodeType="tmRoot"/>
+      </p:par>
+    </p:tnLst>
+  </p:timing>
 </p:sld>
 </file>
 
@@ -14360,6 +14422,13 @@
   <p:clrMapOvr>
     <a:masterClrMapping/>
   </p:clrMapOvr>
+  <p:timing>
+    <p:tnLst>
+      <p:par>
+        <p:cTn id="1" dur="indefinite" restart="never" nodeType="tmRoot"/>
+      </p:par>
+    </p:tnLst>
+  </p:timing>
 </p:sld>
 </file>
 
@@ -14696,6 +14765,13 @@
   <p:clrMapOvr>
     <a:masterClrMapping/>
   </p:clrMapOvr>
+  <p:timing>
+    <p:tnLst>
+      <p:par>
+        <p:cTn id="1" dur="indefinite" restart="never" nodeType="tmRoot"/>
+      </p:par>
+    </p:tnLst>
+  </p:timing>
 </p:sld>
 </file>
 
@@ -14785,6 +14861,13 @@
   <p:clrMapOvr>
     <a:masterClrMapping/>
   </p:clrMapOvr>
+  <p:timing>
+    <p:tnLst>
+      <p:par>
+        <p:cTn id="1" dur="indefinite" restart="never" nodeType="tmRoot"/>
+      </p:par>
+    </p:tnLst>
+  </p:timing>
 </p:sld>
 </file>
 
@@ -14941,6 +15024,13 @@
   <p:clrMapOvr>
     <a:masterClrMapping/>
   </p:clrMapOvr>
+  <p:timing>
+    <p:tnLst>
+      <p:par>
+        <p:cTn id="1" dur="indefinite" restart="never" nodeType="tmRoot"/>
+      </p:par>
+    </p:tnLst>
+  </p:timing>
 </p:sld>
 </file>
 
@@ -15106,6 +15196,13 @@
   <p:clrMapOvr>
     <a:masterClrMapping/>
   </p:clrMapOvr>
+  <p:timing>
+    <p:tnLst>
+      <p:par>
+        <p:cTn id="1" dur="indefinite" restart="never" nodeType="tmRoot"/>
+      </p:par>
+    </p:tnLst>
+  </p:timing>
 </p:sld>
 </file>
 
@@ -15278,6 +15375,13 @@
   <p:clrMapOvr>
     <a:masterClrMapping/>
   </p:clrMapOvr>
+  <p:timing>
+    <p:tnLst>
+      <p:par>
+        <p:cTn id="1" dur="indefinite" restart="never" nodeType="tmRoot"/>
+      </p:par>
+    </p:tnLst>
+  </p:timing>
 </p:sld>
 </file>
 
@@ -15795,6 +15899,13 @@
   <p:clrMapOvr>
     <a:masterClrMapping/>
   </p:clrMapOvr>
+  <p:timing>
+    <p:tnLst>
+      <p:par>
+        <p:cTn id="1" dur="indefinite" restart="never" nodeType="tmRoot"/>
+      </p:par>
+    </p:tnLst>
+  </p:timing>
 </p:sld>
 </file>
 
@@ -16057,6 +16168,13 @@
   <p:clrMapOvr>
     <a:masterClrMapping/>
   </p:clrMapOvr>
+  <p:timing>
+    <p:tnLst>
+      <p:par>
+        <p:cTn id="1" dur="indefinite" restart="never" nodeType="tmRoot"/>
+      </p:par>
+    </p:tnLst>
+  </p:timing>
 </p:sld>
 </file>
 
@@ -16272,6 +16390,13 @@
   <p:clrMapOvr>
     <a:masterClrMapping/>
   </p:clrMapOvr>
+  <p:timing>
+    <p:tnLst>
+      <p:par>
+        <p:cTn id="1" dur="indefinite" restart="never" nodeType="tmRoot"/>
+      </p:par>
+    </p:tnLst>
+  </p:timing>
 </p:sld>
 </file>
 

--- a/rapport.PPTX
+++ b/rapport.PPTX
@@ -389,7 +389,7 @@
           <a:p>
             <a:fld id="{8E9E7A7A-AB17-487C-9EC3-81C5DE33C772}" type="datetimeFigureOut">
               <a:rPr lang="fr-FR" smtClean="0"/>
-              <a:t>31/08/2021</a:t>
+              <a:t>03/09/2021</a:t>
             </a:fld>
             <a:endParaRPr lang="fr-FR"/>
           </a:p>
@@ -467,7 +467,7 @@
           <a:p>
             <a:fld id="{71F4787E-EE81-4ACC-921B-63D7167AD32A}" type="slidenum">
               <a:rPr lang="fr-FR" smtClean="0"/>
-              <a:t>‹N°›</a:t>
+              <a:t>‹#›</a:t>
             </a:fld>
             <a:endParaRPr lang="fr-FR"/>
           </a:p>
@@ -567,7 +567,7 @@
           <a:p>
             <a:fld id="{4A3D6330-6607-4266-91C5-92E4A45F29CC}" type="datetimeFigureOut">
               <a:rPr lang="fr-FR" smtClean="0"/>
-              <a:t>31/08/2021</a:t>
+              <a:t>03/09/2021</a:t>
             </a:fld>
             <a:endParaRPr lang="fr-FR"/>
           </a:p>
@@ -726,7 +726,7 @@
           <a:p>
             <a:fld id="{CA344FEA-621B-4B81-A1B3-BC018540DB26}" type="slidenum">
               <a:rPr lang="fr-FR" smtClean="0"/>
-              <a:t>‹N°›</a:t>
+              <a:t>‹#›</a:t>
             </a:fld>
             <a:endParaRPr lang="fr-FR"/>
           </a:p>
@@ -1702,7 +1702,7 @@
           </a:lstStyle>
           <a:p>
             <a:r>
-              <a:rPr lang="fr-FR" smtClean="0"/>
+              <a:rPr lang="fr-FR"/>
               <a:t>Modifiez le style du titre</a:t>
             </a:r>
             <a:endParaRPr lang="en-US" dirty="0"/>
@@ -1773,7 +1773,7 @@
           </a:lstStyle>
           <a:p>
             <a:r>
-              <a:rPr lang="fr-FR" smtClean="0"/>
+              <a:rPr lang="fr-FR"/>
               <a:t>Modifier le style des sous-titres du masque</a:t>
             </a:r>
             <a:endParaRPr lang="en-US" dirty="0"/>
@@ -1805,7 +1805,7 @@
           <a:p>
             <a:fld id="{FF5FEE95-2E83-4D45-987C-F0DA7B5E64B4}" type="datetime1">
               <a:rPr lang="fr-FR" smtClean="0"/>
-              <a:t>31/08/2021</a:t>
+              <a:t>03/09/2021</a:t>
             </a:fld>
             <a:endParaRPr lang="fr-FR"/>
           </a:p>
@@ -1863,7 +1863,7 @@
           <a:p>
             <a:fld id="{C52ED629-2BC0-4D25-969E-9ED78B40D7C7}" type="slidenum">
               <a:rPr lang="fr-FR" smtClean="0"/>
-              <a:t>‹N°›</a:t>
+              <a:t>‹#›</a:t>
             </a:fld>
             <a:endParaRPr lang="fr-FR"/>
           </a:p>
@@ -1951,7 +1951,7 @@
           <a:lstStyle/>
           <a:p>
             <a:r>
-              <a:rPr lang="fr-FR" smtClean="0"/>
+              <a:rPr lang="fr-FR"/>
               <a:t>Modifiez le style du titre</a:t>
             </a:r>
             <a:endParaRPr lang="en-US" dirty="0"/>
@@ -1975,35 +1975,35 @@
           <a:p>
             <a:pPr lvl="0"/>
             <a:r>
-              <a:rPr lang="fr-FR" smtClean="0"/>
+              <a:rPr lang="fr-FR"/>
               <a:t>Modifier les styles du texte du masque</a:t>
             </a:r>
           </a:p>
           <a:p>
             <a:pPr lvl="1"/>
             <a:r>
-              <a:rPr lang="fr-FR" smtClean="0"/>
+              <a:rPr lang="fr-FR"/>
               <a:t>Deuxième niveau</a:t>
             </a:r>
           </a:p>
           <a:p>
             <a:pPr lvl="2"/>
             <a:r>
-              <a:rPr lang="fr-FR" smtClean="0"/>
+              <a:rPr lang="fr-FR"/>
               <a:t>Troisième niveau</a:t>
             </a:r>
           </a:p>
           <a:p>
             <a:pPr lvl="3"/>
             <a:r>
-              <a:rPr lang="fr-FR" smtClean="0"/>
+              <a:rPr lang="fr-FR"/>
               <a:t>Quatrième niveau</a:t>
             </a:r>
           </a:p>
           <a:p>
             <a:pPr lvl="4"/>
             <a:r>
-              <a:rPr lang="fr-FR" smtClean="0"/>
+              <a:rPr lang="fr-FR"/>
               <a:t>Cinquième niveau</a:t>
             </a:r>
             <a:endParaRPr lang="en-US" dirty="0"/>
@@ -2027,7 +2027,7 @@
           <a:p>
             <a:fld id="{FF5FEE95-2E83-4D45-987C-F0DA7B5E64B4}" type="datetime1">
               <a:rPr lang="fr-FR" smtClean="0"/>
-              <a:t>31/08/2021</a:t>
+              <a:t>03/09/2021</a:t>
             </a:fld>
             <a:endParaRPr lang="fr-FR"/>
           </a:p>
@@ -2069,7 +2069,7 @@
           <a:p>
             <a:fld id="{C52ED629-2BC0-4D25-969E-9ED78B40D7C7}" type="slidenum">
               <a:rPr lang="fr-FR" smtClean="0"/>
-              <a:t>‹N°›</a:t>
+              <a:t>‹#›</a:t>
             </a:fld>
             <a:endParaRPr lang="fr-FR"/>
           </a:p>
@@ -2127,7 +2127,7 @@
           <a:lstStyle/>
           <a:p>
             <a:r>
-              <a:rPr lang="fr-FR" smtClean="0"/>
+              <a:rPr lang="fr-FR"/>
               <a:t>Modifiez le style du titre</a:t>
             </a:r>
             <a:endParaRPr lang="en-US" dirty="0"/>
@@ -2156,35 +2156,35 @@
           <a:p>
             <a:pPr lvl="0"/>
             <a:r>
-              <a:rPr lang="fr-FR" smtClean="0"/>
+              <a:rPr lang="fr-FR"/>
               <a:t>Modifier les styles du texte du masque</a:t>
             </a:r>
           </a:p>
           <a:p>
             <a:pPr lvl="1"/>
             <a:r>
-              <a:rPr lang="fr-FR" smtClean="0"/>
+              <a:rPr lang="fr-FR"/>
               <a:t>Deuxième niveau</a:t>
             </a:r>
           </a:p>
           <a:p>
             <a:pPr lvl="2"/>
             <a:r>
-              <a:rPr lang="fr-FR" smtClean="0"/>
+              <a:rPr lang="fr-FR"/>
               <a:t>Troisième niveau</a:t>
             </a:r>
           </a:p>
           <a:p>
             <a:pPr lvl="3"/>
             <a:r>
-              <a:rPr lang="fr-FR" smtClean="0"/>
+              <a:rPr lang="fr-FR"/>
               <a:t>Quatrième niveau</a:t>
             </a:r>
           </a:p>
           <a:p>
             <a:pPr lvl="4"/>
             <a:r>
-              <a:rPr lang="fr-FR" smtClean="0"/>
+              <a:rPr lang="fr-FR"/>
               <a:t>Cinquième niveau</a:t>
             </a:r>
             <a:endParaRPr lang="en-US" dirty="0"/>
@@ -2208,7 +2208,7 @@
           <a:p>
             <a:fld id="{FF5FEE95-2E83-4D45-987C-F0DA7B5E64B4}" type="datetime1">
               <a:rPr lang="fr-FR" smtClean="0"/>
-              <a:t>31/08/2021</a:t>
+              <a:t>03/09/2021</a:t>
             </a:fld>
             <a:endParaRPr lang="fr-FR"/>
           </a:p>
@@ -2250,7 +2250,7 @@
           <a:p>
             <a:fld id="{C52ED629-2BC0-4D25-969E-9ED78B40D7C7}" type="slidenum">
               <a:rPr lang="fr-FR" smtClean="0"/>
-              <a:t>‹N°›</a:t>
+              <a:t>‹#›</a:t>
             </a:fld>
             <a:endParaRPr lang="fr-FR"/>
           </a:p>
@@ -2303,7 +2303,7 @@
           <a:lstStyle/>
           <a:p>
             <a:r>
-              <a:rPr lang="fr-FR" smtClean="0"/>
+              <a:rPr lang="fr-FR"/>
               <a:t>Modifiez le style du titre</a:t>
             </a:r>
             <a:endParaRPr lang="en-US" dirty="0"/>
@@ -2327,35 +2327,35 @@
           <a:p>
             <a:pPr lvl="0"/>
             <a:r>
-              <a:rPr lang="fr-FR" smtClean="0"/>
+              <a:rPr lang="fr-FR"/>
               <a:t>Modifier les styles du texte du masque</a:t>
             </a:r>
           </a:p>
           <a:p>
             <a:pPr lvl="1"/>
             <a:r>
-              <a:rPr lang="fr-FR" smtClean="0"/>
+              <a:rPr lang="fr-FR"/>
               <a:t>Deuxième niveau</a:t>
             </a:r>
           </a:p>
           <a:p>
             <a:pPr lvl="2"/>
             <a:r>
-              <a:rPr lang="fr-FR" smtClean="0"/>
+              <a:rPr lang="fr-FR"/>
               <a:t>Troisième niveau</a:t>
             </a:r>
           </a:p>
           <a:p>
             <a:pPr lvl="3"/>
             <a:r>
-              <a:rPr lang="fr-FR" smtClean="0"/>
+              <a:rPr lang="fr-FR"/>
               <a:t>Quatrième niveau</a:t>
             </a:r>
           </a:p>
           <a:p>
             <a:pPr lvl="4"/>
             <a:r>
-              <a:rPr lang="fr-FR" smtClean="0"/>
+              <a:rPr lang="fr-FR"/>
               <a:t>Cinquième niveau</a:t>
             </a:r>
             <a:endParaRPr lang="en-US" dirty="0"/>
@@ -2379,7 +2379,7 @@
           <a:p>
             <a:fld id="{FF5FEE95-2E83-4D45-987C-F0DA7B5E64B4}" type="datetime1">
               <a:rPr lang="fr-FR" smtClean="0"/>
-              <a:t>31/08/2021</a:t>
+              <a:t>03/09/2021</a:t>
             </a:fld>
             <a:endParaRPr lang="fr-FR"/>
           </a:p>
@@ -2421,7 +2421,7 @@
           <a:p>
             <a:fld id="{C52ED629-2BC0-4D25-969E-9ED78B40D7C7}" type="slidenum">
               <a:rPr lang="fr-FR" smtClean="0"/>
-              <a:t>‹N°›</a:t>
+              <a:t>‹#›</a:t>
             </a:fld>
             <a:endParaRPr lang="fr-FR"/>
           </a:p>
@@ -2488,7 +2488,7 @@
           </a:lstStyle>
           <a:p>
             <a:r>
-              <a:rPr lang="fr-FR" smtClean="0"/>
+              <a:rPr lang="fr-FR"/>
               <a:t>Modifiez le style du titre</a:t>
             </a:r>
             <a:endParaRPr lang="en-US" dirty="0"/>
@@ -2608,7 +2608,7 @@
           <a:p>
             <a:pPr lvl="0"/>
             <a:r>
-              <a:rPr lang="fr-FR" smtClean="0"/>
+              <a:rPr lang="fr-FR"/>
               <a:t>Modifier les styles du texte du masque</a:t>
             </a:r>
           </a:p>
@@ -2631,7 +2631,7 @@
           <a:p>
             <a:fld id="{FF5FEE95-2E83-4D45-987C-F0DA7B5E64B4}" type="datetime1">
               <a:rPr lang="fr-FR" smtClean="0"/>
-              <a:t>31/08/2021</a:t>
+              <a:t>03/09/2021</a:t>
             </a:fld>
             <a:endParaRPr lang="fr-FR"/>
           </a:p>
@@ -2673,7 +2673,7 @@
           <a:p>
             <a:fld id="{C52ED629-2BC0-4D25-969E-9ED78B40D7C7}" type="slidenum">
               <a:rPr lang="fr-FR" smtClean="0"/>
-              <a:t>‹N°›</a:t>
+              <a:t>‹#›</a:t>
             </a:fld>
             <a:endParaRPr lang="fr-FR"/>
           </a:p>
@@ -2761,7 +2761,7 @@
           <a:lstStyle/>
           <a:p>
             <a:r>
-              <a:rPr lang="fr-FR" smtClean="0"/>
+              <a:rPr lang="fr-FR"/>
               <a:t>Modifiez le style du titre</a:t>
             </a:r>
             <a:endParaRPr lang="en-US" dirty="0"/>
@@ -2818,35 +2818,35 @@
           <a:p>
             <a:pPr lvl="0"/>
             <a:r>
-              <a:rPr lang="fr-FR" smtClean="0"/>
+              <a:rPr lang="fr-FR"/>
               <a:t>Modifier les styles du texte du masque</a:t>
             </a:r>
           </a:p>
           <a:p>
             <a:pPr lvl="1"/>
             <a:r>
-              <a:rPr lang="fr-FR" smtClean="0"/>
+              <a:rPr lang="fr-FR"/>
               <a:t>Deuxième niveau</a:t>
             </a:r>
           </a:p>
           <a:p>
             <a:pPr lvl="2"/>
             <a:r>
-              <a:rPr lang="fr-FR" smtClean="0"/>
+              <a:rPr lang="fr-FR"/>
               <a:t>Troisième niveau</a:t>
             </a:r>
           </a:p>
           <a:p>
             <a:pPr lvl="3"/>
             <a:r>
-              <a:rPr lang="fr-FR" smtClean="0"/>
+              <a:rPr lang="fr-FR"/>
               <a:t>Quatrième niveau</a:t>
             </a:r>
           </a:p>
           <a:p>
             <a:pPr lvl="4"/>
             <a:r>
-              <a:rPr lang="fr-FR" smtClean="0"/>
+              <a:rPr lang="fr-FR"/>
               <a:t>Cinquième niveau</a:t>
             </a:r>
             <a:endParaRPr lang="en-US" dirty="0"/>
@@ -2903,35 +2903,35 @@
           <a:p>
             <a:pPr lvl="0"/>
             <a:r>
-              <a:rPr lang="fr-FR" smtClean="0"/>
+              <a:rPr lang="fr-FR"/>
               <a:t>Modifier les styles du texte du masque</a:t>
             </a:r>
           </a:p>
           <a:p>
             <a:pPr lvl="1"/>
             <a:r>
-              <a:rPr lang="fr-FR" smtClean="0"/>
+              <a:rPr lang="fr-FR"/>
               <a:t>Deuxième niveau</a:t>
             </a:r>
           </a:p>
           <a:p>
             <a:pPr lvl="2"/>
             <a:r>
-              <a:rPr lang="fr-FR" smtClean="0"/>
+              <a:rPr lang="fr-FR"/>
               <a:t>Troisième niveau</a:t>
             </a:r>
           </a:p>
           <a:p>
             <a:pPr lvl="3"/>
             <a:r>
-              <a:rPr lang="fr-FR" smtClean="0"/>
+              <a:rPr lang="fr-FR"/>
               <a:t>Quatrième niveau</a:t>
             </a:r>
           </a:p>
           <a:p>
             <a:pPr lvl="4"/>
             <a:r>
-              <a:rPr lang="fr-FR" smtClean="0"/>
+              <a:rPr lang="fr-FR"/>
               <a:t>Cinquième niveau</a:t>
             </a:r>
             <a:endParaRPr lang="en-US" dirty="0"/>
@@ -2955,7 +2955,7 @@
           <a:p>
             <a:fld id="{FF5FEE95-2E83-4D45-987C-F0DA7B5E64B4}" type="datetime1">
               <a:rPr lang="fr-FR" smtClean="0"/>
-              <a:t>31/08/2021</a:t>
+              <a:t>03/09/2021</a:t>
             </a:fld>
             <a:endParaRPr lang="fr-FR"/>
           </a:p>
@@ -2997,7 +2997,7 @@
           <a:p>
             <a:fld id="{C52ED629-2BC0-4D25-969E-9ED78B40D7C7}" type="slidenum">
               <a:rPr lang="fr-FR" smtClean="0"/>
-              <a:t>‹N°›</a:t>
+              <a:t>‹#›</a:t>
             </a:fld>
             <a:endParaRPr lang="fr-FR"/>
           </a:p>
@@ -3050,7 +3050,7 @@
           <a:lstStyle/>
           <a:p>
             <a:r>
-              <a:rPr lang="fr-FR" smtClean="0"/>
+              <a:rPr lang="fr-FR"/>
               <a:t>Modifiez le style du titre</a:t>
             </a:r>
             <a:endParaRPr lang="en-US" dirty="0"/>
@@ -3119,7 +3119,7 @@
           <a:p>
             <a:pPr lvl="0"/>
             <a:r>
-              <a:rPr lang="fr-FR" smtClean="0"/>
+              <a:rPr lang="fr-FR"/>
               <a:t>Modifier les styles du texte du masque</a:t>
             </a:r>
           </a:p>
@@ -3175,35 +3175,35 @@
           <a:p>
             <a:pPr lvl="0"/>
             <a:r>
-              <a:rPr lang="fr-FR" smtClean="0"/>
+              <a:rPr lang="fr-FR"/>
               <a:t>Modifier les styles du texte du masque</a:t>
             </a:r>
           </a:p>
           <a:p>
             <a:pPr lvl="1"/>
             <a:r>
-              <a:rPr lang="fr-FR" smtClean="0"/>
+              <a:rPr lang="fr-FR"/>
               <a:t>Deuxième niveau</a:t>
             </a:r>
           </a:p>
           <a:p>
             <a:pPr lvl="2"/>
             <a:r>
-              <a:rPr lang="fr-FR" smtClean="0"/>
+              <a:rPr lang="fr-FR"/>
               <a:t>Troisième niveau</a:t>
             </a:r>
           </a:p>
           <a:p>
             <a:pPr lvl="3"/>
             <a:r>
-              <a:rPr lang="fr-FR" smtClean="0"/>
+              <a:rPr lang="fr-FR"/>
               <a:t>Quatrième niveau</a:t>
             </a:r>
           </a:p>
           <a:p>
             <a:pPr lvl="4"/>
             <a:r>
-              <a:rPr lang="fr-FR" smtClean="0"/>
+              <a:rPr lang="fr-FR"/>
               <a:t>Cinquième niveau</a:t>
             </a:r>
             <a:endParaRPr lang="en-US" dirty="0"/>
@@ -3272,7 +3272,7 @@
           <a:p>
             <a:pPr lvl="0"/>
             <a:r>
-              <a:rPr lang="fr-FR" smtClean="0"/>
+              <a:rPr lang="fr-FR"/>
               <a:t>Modifier les styles du texte du masque</a:t>
             </a:r>
           </a:p>
@@ -3328,35 +3328,35 @@
           <a:p>
             <a:pPr lvl="0"/>
             <a:r>
-              <a:rPr lang="fr-FR" smtClean="0"/>
+              <a:rPr lang="fr-FR"/>
               <a:t>Modifier les styles du texte du masque</a:t>
             </a:r>
           </a:p>
           <a:p>
             <a:pPr lvl="1"/>
             <a:r>
-              <a:rPr lang="fr-FR" smtClean="0"/>
+              <a:rPr lang="fr-FR"/>
               <a:t>Deuxième niveau</a:t>
             </a:r>
           </a:p>
           <a:p>
             <a:pPr lvl="2"/>
             <a:r>
-              <a:rPr lang="fr-FR" smtClean="0"/>
+              <a:rPr lang="fr-FR"/>
               <a:t>Troisième niveau</a:t>
             </a:r>
           </a:p>
           <a:p>
             <a:pPr lvl="3"/>
             <a:r>
-              <a:rPr lang="fr-FR" smtClean="0"/>
+              <a:rPr lang="fr-FR"/>
               <a:t>Quatrième niveau</a:t>
             </a:r>
           </a:p>
           <a:p>
             <a:pPr lvl="4"/>
             <a:r>
-              <a:rPr lang="fr-FR" smtClean="0"/>
+              <a:rPr lang="fr-FR"/>
               <a:t>Cinquième niveau</a:t>
             </a:r>
             <a:endParaRPr lang="en-US" dirty="0"/>
@@ -3380,7 +3380,7 @@
           <a:p>
             <a:fld id="{FF5FEE95-2E83-4D45-987C-F0DA7B5E64B4}" type="datetime1">
               <a:rPr lang="fr-FR" smtClean="0"/>
-              <a:t>31/08/2021</a:t>
+              <a:t>03/09/2021</a:t>
             </a:fld>
             <a:endParaRPr lang="fr-FR"/>
           </a:p>
@@ -3422,7 +3422,7 @@
           <a:p>
             <a:fld id="{C52ED629-2BC0-4D25-969E-9ED78B40D7C7}" type="slidenum">
               <a:rPr lang="fr-FR" smtClean="0"/>
-              <a:t>‹N°›</a:t>
+              <a:t>‹#›</a:t>
             </a:fld>
             <a:endParaRPr lang="fr-FR"/>
           </a:p>
@@ -3475,7 +3475,7 @@
           <a:lstStyle/>
           <a:p>
             <a:r>
-              <a:rPr lang="fr-FR" smtClean="0"/>
+              <a:rPr lang="fr-FR"/>
               <a:t>Modifiez le style du titre</a:t>
             </a:r>
             <a:endParaRPr lang="en-US" dirty="0"/>
@@ -3499,7 +3499,7 @@
           <a:p>
             <a:fld id="{FF5FEE95-2E83-4D45-987C-F0DA7B5E64B4}" type="datetime1">
               <a:rPr lang="fr-FR" smtClean="0"/>
-              <a:t>31/08/2021</a:t>
+              <a:t>03/09/2021</a:t>
             </a:fld>
             <a:endParaRPr lang="fr-FR"/>
           </a:p>
@@ -3541,7 +3541,7 @@
           <a:p>
             <a:fld id="{C52ED629-2BC0-4D25-969E-9ED78B40D7C7}" type="slidenum">
               <a:rPr lang="fr-FR" smtClean="0"/>
-              <a:t>‹N°›</a:t>
+              <a:t>‹#›</a:t>
             </a:fld>
             <a:endParaRPr lang="fr-FR"/>
           </a:p>
@@ -3595,7 +3595,7 @@
           <a:p>
             <a:fld id="{FF5FEE95-2E83-4D45-987C-F0DA7B5E64B4}" type="datetime1">
               <a:rPr lang="fr-FR" smtClean="0"/>
-              <a:t>31/08/2021</a:t>
+              <a:t>03/09/2021</a:t>
             </a:fld>
             <a:endParaRPr lang="fr-FR"/>
           </a:p>
@@ -3637,7 +3637,7 @@
           <a:p>
             <a:fld id="{C52ED629-2BC0-4D25-969E-9ED78B40D7C7}" type="slidenum">
               <a:rPr lang="fr-FR" smtClean="0"/>
-              <a:t>‹N°›</a:t>
+              <a:t>‹#›</a:t>
             </a:fld>
             <a:endParaRPr lang="fr-FR"/>
           </a:p>
@@ -3704,7 +3704,7 @@
           </a:lstStyle>
           <a:p>
             <a:r>
-              <a:rPr lang="fr-FR" smtClean="0"/>
+              <a:rPr lang="fr-FR"/>
               <a:t>Modifiez le style du titre</a:t>
             </a:r>
             <a:endParaRPr lang="en-US" dirty="0"/>
@@ -3761,35 +3761,35 @@
           <a:p>
             <a:pPr lvl="0"/>
             <a:r>
-              <a:rPr lang="fr-FR" smtClean="0"/>
+              <a:rPr lang="fr-FR"/>
               <a:t>Modifier les styles du texte du masque</a:t>
             </a:r>
           </a:p>
           <a:p>
             <a:pPr lvl="1"/>
             <a:r>
-              <a:rPr lang="fr-FR" smtClean="0"/>
+              <a:rPr lang="fr-FR"/>
               <a:t>Deuxième niveau</a:t>
             </a:r>
           </a:p>
           <a:p>
             <a:pPr lvl="2"/>
             <a:r>
-              <a:rPr lang="fr-FR" smtClean="0"/>
+              <a:rPr lang="fr-FR"/>
               <a:t>Troisième niveau</a:t>
             </a:r>
           </a:p>
           <a:p>
             <a:pPr lvl="3"/>
             <a:r>
-              <a:rPr lang="fr-FR" smtClean="0"/>
+              <a:rPr lang="fr-FR"/>
               <a:t>Quatrième niveau</a:t>
             </a:r>
           </a:p>
           <a:p>
             <a:pPr lvl="4"/>
             <a:r>
-              <a:rPr lang="fr-FR" smtClean="0"/>
+              <a:rPr lang="fr-FR"/>
               <a:t>Cinquième niveau</a:t>
             </a:r>
             <a:endParaRPr lang="en-US" dirty="0"/>
@@ -3863,7 +3863,7 @@
           <a:p>
             <a:pPr lvl="0"/>
             <a:r>
-              <a:rPr lang="fr-FR" smtClean="0"/>
+              <a:rPr lang="fr-FR"/>
               <a:t>Modifier les styles du texte du masque</a:t>
             </a:r>
           </a:p>
@@ -3886,7 +3886,7 @@
           <a:p>
             <a:fld id="{FF5FEE95-2E83-4D45-987C-F0DA7B5E64B4}" type="datetime1">
               <a:rPr lang="fr-FR" smtClean="0"/>
-              <a:t>31/08/2021</a:t>
+              <a:t>03/09/2021</a:t>
             </a:fld>
             <a:endParaRPr lang="fr-FR"/>
           </a:p>
@@ -3928,7 +3928,7 @@
           <a:p>
             <a:fld id="{C52ED629-2BC0-4D25-969E-9ED78B40D7C7}" type="slidenum">
               <a:rPr lang="fr-FR" smtClean="0"/>
-              <a:t>‹N°›</a:t>
+              <a:t>‹#›</a:t>
             </a:fld>
             <a:endParaRPr lang="fr-FR"/>
           </a:p>
@@ -3995,7 +3995,7 @@
           </a:lstStyle>
           <a:p>
             <a:r>
-              <a:rPr lang="fr-FR" smtClean="0"/>
+              <a:rPr lang="fr-FR"/>
               <a:t>Modifiez le style du titre</a:t>
             </a:r>
             <a:endParaRPr lang="en-US" dirty="0"/>
@@ -4062,7 +4062,7 @@
           </a:lstStyle>
           <a:p>
             <a:r>
-              <a:rPr lang="fr-FR" smtClean="0"/>
+              <a:rPr lang="fr-FR"/>
               <a:t>Cliquez sur l'icône pour ajouter une image</a:t>
             </a:r>
             <a:endParaRPr lang="en-US" dirty="0"/>
@@ -4136,7 +4136,7 @@
           <a:p>
             <a:pPr lvl="0"/>
             <a:r>
-              <a:rPr lang="fr-FR" smtClean="0"/>
+              <a:rPr lang="fr-FR"/>
               <a:t>Modifier les styles du texte du masque</a:t>
             </a:r>
           </a:p>
@@ -4159,7 +4159,7 @@
           <a:p>
             <a:fld id="{FF5FEE95-2E83-4D45-987C-F0DA7B5E64B4}" type="datetime1">
               <a:rPr lang="fr-FR" smtClean="0"/>
-              <a:t>31/08/2021</a:t>
+              <a:t>03/09/2021</a:t>
             </a:fld>
             <a:endParaRPr lang="fr-FR"/>
           </a:p>
@@ -4201,7 +4201,7 @@
           <a:p>
             <a:fld id="{C52ED629-2BC0-4D25-969E-9ED78B40D7C7}" type="slidenum">
               <a:rPr lang="fr-FR" smtClean="0"/>
-              <a:t>‹N°›</a:t>
+              <a:t>‹#›</a:t>
             </a:fld>
             <a:endParaRPr lang="fr-FR"/>
           </a:p>
@@ -4312,7 +4312,7 @@
           <a:lstStyle/>
           <a:p>
             <a:r>
-              <a:rPr lang="fr-FR" smtClean="0"/>
+              <a:rPr lang="fr-FR"/>
               <a:t>Modifiez le style du titre</a:t>
             </a:r>
             <a:endParaRPr lang="en-US" dirty="0"/>
@@ -4346,35 +4346,35 @@
           <a:p>
             <a:pPr lvl="0"/>
             <a:r>
-              <a:rPr lang="fr-FR" smtClean="0"/>
+              <a:rPr lang="fr-FR"/>
               <a:t>Modifier les styles du texte du masque</a:t>
             </a:r>
           </a:p>
           <a:p>
             <a:pPr lvl="1"/>
             <a:r>
-              <a:rPr lang="fr-FR" smtClean="0"/>
+              <a:rPr lang="fr-FR"/>
               <a:t>Deuxième niveau</a:t>
             </a:r>
           </a:p>
           <a:p>
             <a:pPr lvl="2"/>
             <a:r>
-              <a:rPr lang="fr-FR" smtClean="0"/>
+              <a:rPr lang="fr-FR"/>
               <a:t>Troisième niveau</a:t>
             </a:r>
           </a:p>
           <a:p>
             <a:pPr lvl="3"/>
             <a:r>
-              <a:rPr lang="fr-FR" smtClean="0"/>
+              <a:rPr lang="fr-FR"/>
               <a:t>Quatrième niveau</a:t>
             </a:r>
           </a:p>
           <a:p>
             <a:pPr lvl="4"/>
             <a:r>
-              <a:rPr lang="fr-FR" smtClean="0"/>
+              <a:rPr lang="fr-FR"/>
               <a:t>Cinquième niveau</a:t>
             </a:r>
             <a:endParaRPr lang="en-US" dirty="0"/>
@@ -4414,7 +4414,7 @@
           <a:p>
             <a:fld id="{FF5FEE95-2E83-4D45-987C-F0DA7B5E64B4}" type="datetime1">
               <a:rPr lang="fr-FR" smtClean="0"/>
-              <a:t>31/08/2021</a:t>
+              <a:t>03/09/2021</a:t>
             </a:fld>
             <a:endParaRPr lang="fr-FR"/>
           </a:p>
@@ -4488,7 +4488,7 @@
           <a:p>
             <a:fld id="{C52ED629-2BC0-4D25-969E-9ED78B40D7C7}" type="slidenum">
               <a:rPr lang="fr-FR" smtClean="0"/>
-              <a:t>‹N°›</a:t>
+              <a:t>‹#›</a:t>
             </a:fld>
             <a:endParaRPr lang="fr-FR"/>
           </a:p>
@@ -4906,10 +4906,6 @@
             <a:br>
               <a:rPr lang="fr-FR" sz="3200" dirty="0"/>
             </a:br>
-            <a:r>
-              <a:rPr lang="fr-FR" sz="3200" dirty="0"/>
-              <a:t/>
-            </a:r>
             <a:br>
               <a:rPr lang="fr-FR" sz="3200" dirty="0"/>
             </a:br>
@@ -4949,36 +4945,23 @@
           <a:p>
             <a:r>
               <a:rPr lang="fr-FR" sz="2400" dirty="0"/>
-              <a:t>Du </a:t>
-            </a:r>
-            <a:r>
-              <a:rPr lang="fr-FR" sz="2400" dirty="0" smtClean="0"/>
-              <a:t>16 </a:t>
-            </a:r>
-            <a:r>
-              <a:rPr lang="fr-FR" sz="2400" dirty="0" err="1" smtClean="0"/>
+              <a:t>Du 16 </a:t>
+            </a:r>
+            <a:r>
+              <a:rPr lang="fr-FR" sz="2400" dirty="0" err="1"/>
               <a:t>decembre</a:t>
             </a:r>
             <a:r>
-              <a:rPr lang="fr-FR" sz="2400" dirty="0" smtClean="0"/>
-              <a:t> 2020 </a:t>
-            </a:r>
-            <a:r>
               <a:rPr lang="fr-FR" sz="2400" dirty="0"/>
-              <a:t>au </a:t>
-            </a:r>
-            <a:r>
-              <a:rPr lang="fr-FR" sz="2400" dirty="0" smtClean="0"/>
-              <a:t>31 aout 2021</a:t>
+              <a:t> 2020 au 31 aout 2021</a:t>
             </a:r>
             <a:endParaRPr lang="fr-FR" dirty="0"/>
           </a:p>
           <a:p>
             <a:r>
-              <a:rPr lang="fr-FR" dirty="0" smtClean="0"/>
+              <a:rPr lang="fr-FR" dirty="0"/>
               <a:t>Vladislav PITENTII</a:t>
             </a:r>
-            <a:endParaRPr lang="fr-FR" dirty="0"/>
           </a:p>
         </p:txBody>
       </p:sp>
@@ -5040,14 +5023,6 @@
           </a:bodyPr>
           <a:lstStyle/>
           <a:p>
-            <a:r>
-              <a:rPr lang="fr-FR" sz="1400" dirty="0">
-                <a:solidFill>
-                  <a:schemeClr val="bg1"/>
-                </a:solidFill>
-              </a:rPr>
-              <a:t/>
-            </a:r>
             <a:br>
               <a:rPr lang="fr-FR" sz="1400" dirty="0">
                 <a:solidFill>
@@ -5061,21 +5036,8 @@
                   <a:schemeClr val="bg1"/>
                 </a:solidFill>
               </a:rPr>
-              <a:t>Centre de formation : </a:t>
-            </a:r>
-            <a:r>
-              <a:rPr lang="fr-FR" sz="1400" dirty="0" smtClean="0">
-                <a:solidFill>
-                  <a:schemeClr val="bg1"/>
-                </a:solidFill>
-              </a:rPr>
-              <a:t>AFPA, Paris Politzer 75012</a:t>
-            </a:r>
-            <a:endParaRPr lang="fr-FR" sz="1400" dirty="0">
-              <a:solidFill>
-                <a:schemeClr val="bg1"/>
-              </a:solidFill>
-            </a:endParaRPr>
+              <a:t>Centre de formation : AFPA, Paris Politzer 75012</a:t>
+            </a:r>
           </a:p>
         </p:txBody>
       </p:sp>
@@ -5176,13 +5138,6 @@
   <p:clrMapOvr>
     <a:masterClrMapping/>
   </p:clrMapOvr>
-  <p:timing>
-    <p:tnLst>
-      <p:par>
-        <p:cTn id="1" dur="indefinite" restart="never" nodeType="tmRoot"/>
-      </p:par>
-    </p:tnLst>
-  </p:timing>
 </p:sld>
 </file>
 
@@ -5279,16 +5234,12 @@
             </a:r>
             <a:r>
               <a:rPr lang="fr-FR" dirty="0"/>
-              <a:t> </a:t>
-            </a:r>
-            <a:r>
-              <a:rPr lang="fr-FR" dirty="0" smtClean="0"/>
-              <a:t>versions :</a:t>
+              <a:t> versions :</a:t>
             </a:r>
             <a:br>
-              <a:rPr lang="fr-FR" dirty="0" smtClean="0"/>
+              <a:rPr lang="fr-FR" dirty="0"/>
             </a:br>
-            <a:endParaRPr lang="fr-FR" dirty="0" smtClean="0"/>
+            <a:endParaRPr lang="fr-FR" dirty="0"/>
           </a:p>
           <a:p>
             <a:pPr lvl="1">
@@ -5296,12 +5247,8 @@
               <a:buChar char="§"/>
             </a:pPr>
             <a:r>
-              <a:rPr lang="fr-FR" dirty="0" smtClean="0"/>
-              <a:t>Squelette </a:t>
-            </a:r>
-            <a:r>
               <a:rPr lang="fr-FR" dirty="0"/>
-              <a:t>de base du projet. Interfaces requises, composants pour la page de connexion, la page d'inscription, la page d'accueil et la page de profil. Services pour les composants qui doivent communiquer avec le </a:t>
+              <a:t>Squelette de base du projet. Interfaces requises, composants pour la page de connexion, la page d'inscription, la page d'accueil et la page de profil. Services pour les composants qui doivent communiquer avec le </a:t>
             </a:r>
             <a:r>
               <a:rPr lang="fr-FR" dirty="0" err="1"/>
@@ -5368,12 +5315,8 @@
               <a:buChar char="§"/>
             </a:pPr>
             <a:r>
-              <a:rPr lang="fr-FR" dirty="0" smtClean="0"/>
-              <a:t>Ajout </a:t>
-            </a:r>
-            <a:r>
               <a:rPr lang="fr-FR" dirty="0"/>
-              <a:t>d'un gestionnaire d'exception pour gérer les exceptions qui sont lancées par l'application pendant le traitement des demandes, ce qui permet au client de recevoir des erreurs d'api lisibles par l'homme.</a:t>
+              <a:t>Ajout d'un gestionnaire d'exception pour gérer les exceptions qui sont lancées par l'application pendant le traitement des demandes, ce qui permet au client de recevoir des erreurs d'api lisibles par l'homme.</a:t>
             </a:r>
             <a:br>
               <a:rPr lang="fr-FR" dirty="0"/>
@@ -5386,20 +5329,8 @@
               <a:buChar char="§"/>
             </a:pPr>
             <a:r>
-              <a:rPr lang="fr-FR" dirty="0" smtClean="0"/>
-              <a:t>Ajouter </a:t>
-            </a:r>
-            <a:r>
               <a:rPr lang="fr-FR" dirty="0"/>
-              <a:t>la possibilité de télécharger des photos, d'aimer les photos et de laisser des </a:t>
-            </a:r>
-            <a:r>
-              <a:rPr lang="fr-FR" dirty="0" smtClean="0"/>
-              <a:t>commentaires.</a:t>
-            </a:r>
-            <a:r>
-              <a:rPr lang="fr-FR" dirty="0"/>
-              <a:t/>
+              <a:t>Ajouter la possibilité de télécharger des photos, d'aimer les photos et de laisser des commentaires.</a:t>
             </a:r>
             <a:br>
               <a:rPr lang="fr-FR" dirty="0"/>
@@ -5413,15 +5344,7 @@
             </a:pPr>
             <a:r>
               <a:rPr lang="fr-FR" dirty="0"/>
-              <a:t>Ajout de la possibilité de supprimer les photos, de s'abonner et de se désabonner, ainsi que de visualiser les photos aimées et les informations de base de l'utilisateur</a:t>
-            </a:r>
-            <a:r>
-              <a:rPr lang="fr-FR" dirty="0" smtClean="0"/>
-              <a:t>. Ainsi changer le photo de profil.</a:t>
-            </a:r>
-            <a:r>
-              <a:rPr lang="fr-FR" dirty="0"/>
-              <a:t/>
+              <a:t>Ajout de la possibilité de supprimer les photos, de s'abonner et de se désabonner, ainsi que de visualiser les photos aimées et les informations de base de l'utilisateur. Ainsi changer le photo de profil.</a:t>
             </a:r>
             <a:br>
               <a:rPr lang="fr-FR" dirty="0"/>
@@ -5434,7 +5357,7 @@
               <a:buChar char="§"/>
             </a:pPr>
             <a:r>
-              <a:rPr lang="fr-FR" dirty="0" smtClean="0"/>
+              <a:rPr lang="fr-FR" dirty="0"/>
               <a:t>Ajout de la pagination.</a:t>
             </a:r>
           </a:p>
@@ -5443,7 +5366,7 @@
               <a:buFont typeface="Wingdings" panose="05000000000000000000" pitchFamily="2" charset="2"/>
               <a:buChar char="§"/>
             </a:pPr>
-            <a:endParaRPr lang="fr-FR" dirty="0" smtClean="0"/>
+            <a:endParaRPr lang="fr-FR" dirty="0"/>
           </a:p>
           <a:p>
             <a:pPr lvl="1">
@@ -5451,40 +5374,20 @@
               <a:buChar char="§"/>
             </a:pPr>
             <a:r>
-              <a:rPr lang="fr-FR" dirty="0" smtClean="0"/>
-              <a:t>Ajouter </a:t>
-            </a:r>
-            <a:r>
               <a:rPr lang="fr-FR" dirty="0"/>
-              <a:t>des tâches pour s'occuper des publications </a:t>
-            </a:r>
-            <a:r>
-              <a:rPr lang="fr-FR" dirty="0" smtClean="0"/>
-              <a:t>ou les photos de profil supprimées</a:t>
-            </a:r>
-            <a:r>
-              <a:rPr lang="fr-FR" dirty="0"/>
-              <a:t>.</a:t>
+              <a:t>Ajouter des tâches pour s'occuper des publications ou les photos de profil supprimées.</a:t>
             </a:r>
           </a:p>
           <a:p>
             <a:pPr marL="45720" indent="0">
               <a:buNone/>
             </a:pPr>
-            <a:r>
-              <a:rPr lang="fr-FR" dirty="0" smtClean="0"/>
-              <a:t/>
-            </a:r>
             <a:br>
-              <a:rPr lang="fr-FR" dirty="0" smtClean="0"/>
+              <a:rPr lang="fr-FR" dirty="0"/>
             </a:br>
             <a:r>
-              <a:rPr lang="fr-FR" dirty="0" smtClean="0"/>
-              <a:t>La version utilisée pour le rapport du stage est avec MySQL</a:t>
-            </a:r>
-            <a:r>
               <a:rPr lang="fr-FR" dirty="0"/>
-              <a:t>.</a:t>
+              <a:t>La version utilisée pour le rapport du stage est avec MySQL.</a:t>
             </a:r>
           </a:p>
           <a:p>
@@ -5542,13 +5445,6 @@
   <p:clrMapOvr>
     <a:masterClrMapping/>
   </p:clrMapOvr>
-  <p:timing>
-    <p:tnLst>
-      <p:par>
-        <p:cTn id="1" dur="indefinite" restart="never" nodeType="tmRoot"/>
-      </p:par>
-    </p:tnLst>
-  </p:timing>
 </p:sld>
 </file>
 
@@ -5671,13 +5567,6 @@
   <p:clrMapOvr>
     <a:masterClrMapping/>
   </p:clrMapOvr>
-  <p:timing>
-    <p:tnLst>
-      <p:par>
-        <p:cTn id="1" dur="indefinite" restart="never" nodeType="tmRoot"/>
-      </p:par>
-    </p:tnLst>
-  </p:timing>
 </p:sld>
 </file>
 
@@ -5765,13 +5654,6 @@
   <p:clrMapOvr>
     <a:masterClrMapping/>
   </p:clrMapOvr>
-  <p:timing>
-    <p:tnLst>
-      <p:par>
-        <p:cTn id="1" dur="indefinite" restart="never" nodeType="tmRoot"/>
-      </p:par>
-    </p:tnLst>
-  </p:timing>
 </p:sld>
 </file>
 
@@ -5814,15 +5696,15 @@
           <a:lstStyle/>
           <a:p>
             <a:r>
-              <a:rPr lang="fr-FR" dirty="0" err="1" smtClean="0"/>
+              <a:rPr lang="fr-FR" dirty="0" err="1"/>
               <a:t>Spring</a:t>
             </a:r>
             <a:r>
-              <a:rPr lang="fr-FR" dirty="0" smtClean="0"/>
+              <a:rPr lang="fr-FR" dirty="0"/>
               <a:t> Boot et </a:t>
             </a:r>
             <a:r>
-              <a:rPr lang="fr-FR" dirty="0" err="1" smtClean="0"/>
+              <a:rPr lang="fr-FR" dirty="0" err="1"/>
               <a:t>Angular</a:t>
             </a:r>
             <a:endParaRPr lang="fr-FR" dirty="0"/>
@@ -5886,49 +5768,25 @@
             </a:r>
             <a:r>
               <a:rPr lang="fr-FR" dirty="0"/>
-              <a:t>. J'ai lu beaucoup de documentation pour comprendre comment chacun d'eux fonctionne indépendamment et comment les faire fonctionner ensemble. La documentation facile à comprendre, les exemples et les guides disponibles sur le web m'ont beaucoup aidé à créer ce projet</a:t>
-            </a:r>
-            <a:r>
-              <a:rPr lang="fr-FR" dirty="0" smtClean="0"/>
-              <a:t>. </a:t>
+              <a:t>. J'ai lu beaucoup de documentation pour comprendre comment chacun d'eux fonctionne indépendamment et comment les faire fonctionner ensemble. La documentation facile à comprendre, les exemples et les guides disponibles sur le web m'ont beaucoup aidé à créer ce projet. </a:t>
             </a:r>
           </a:p>
           <a:p>
             <a:r>
               <a:rPr lang="fr-FR" dirty="0"/>
-              <a:t>l</a:t>
-            </a:r>
-            <a:r>
-              <a:rPr lang="fr-FR" dirty="0" smtClean="0"/>
-              <a:t>a </a:t>
-            </a:r>
+              <a:t>la meilleure façon de mapper les entités</a:t>
+            </a:r>
+          </a:p>
+          <a:p>
             <a:r>
               <a:rPr lang="fr-FR" dirty="0"/>
-              <a:t>meilleure </a:t>
-            </a:r>
-            <a:r>
-              <a:rPr lang="fr-FR" dirty="0" smtClean="0"/>
-              <a:t>façon de mapper les entités</a:t>
+              <a:t>transfert de la logique aux services</a:t>
             </a:r>
           </a:p>
           <a:p>
             <a:r>
               <a:rPr lang="fr-FR" dirty="0"/>
-              <a:t>transfert de la logique aux </a:t>
-            </a:r>
-            <a:r>
-              <a:rPr lang="fr-FR" dirty="0" smtClean="0"/>
-              <a:t>services</a:t>
-            </a:r>
-          </a:p>
-          <a:p>
-            <a:r>
-              <a:rPr lang="fr-FR" dirty="0"/>
-              <a:t>traitement des exceptions et des réponses </a:t>
-            </a:r>
-            <a:r>
-              <a:rPr lang="fr-FR" dirty="0" smtClean="0"/>
-              <a:t>api</a:t>
+              <a:t>traitement des exceptions et des réponses api</a:t>
             </a:r>
           </a:p>
           <a:p>
@@ -5937,7 +5795,7 @@
               <a:t>observables </a:t>
             </a:r>
             <a:r>
-              <a:rPr lang="fr-FR" dirty="0" err="1" smtClean="0"/>
+              <a:rPr lang="fr-FR" dirty="0" err="1"/>
               <a:t>rxjs</a:t>
             </a:r>
             <a:endParaRPr lang="fr-FR" dirty="0"/>
@@ -5983,13 +5841,6 @@
   <p:clrMapOvr>
     <a:masterClrMapping/>
   </p:clrMapOvr>
-  <p:timing>
-    <p:tnLst>
-      <p:par>
-        <p:cTn id="1" dur="indefinite" restart="never" nodeType="tmRoot"/>
-      </p:par>
-    </p:tnLst>
-  </p:timing>
 </p:sld>
 </file>
 
@@ -6077,13 +5928,6 @@
   <p:clrMapOvr>
     <a:masterClrMapping/>
   </p:clrMapOvr>
-  <p:timing>
-    <p:tnLst>
-      <p:par>
-        <p:cTn id="1" dur="indefinite" restart="never" nodeType="tmRoot"/>
-      </p:par>
-    </p:tnLst>
-  </p:timing>
 </p:sld>
 </file>
 
@@ -6269,7 +6113,7 @@
           <a:blip r:embed="rId3">
             <a:extLst>
               <a:ext uri="{96DAC541-7B7A-43D3-8B79-37D633B846F1}">
-                <asvg:svgBlip xmlns="" xmlns:asvg="http://schemas.microsoft.com/office/drawing/2016/SVG/main" r:embed="rId6"/>
+                <asvg:svgBlip xmlns:asvg="http://schemas.microsoft.com/office/drawing/2016/SVG/main" r:embed="rId4"/>
               </a:ext>
             </a:extLst>
           </a:blip>
@@ -6389,18 +6233,13 @@
           <a:p>
             <a:pPr algn="ctr"/>
             <a:r>
-              <a:rPr lang="fr-FR" sz="1200" dirty="0" smtClean="0">
+              <a:rPr lang="fr-FR" sz="1200" dirty="0">
                 <a:solidFill>
                   <a:schemeClr val="tx1"/>
                 </a:solidFill>
               </a:rPr>
               <a:t>entités</a:t>
             </a:r>
-            <a:endParaRPr lang="fr-FR" sz="1200" dirty="0">
-              <a:solidFill>
-                <a:schemeClr val="tx1"/>
-              </a:solidFill>
-            </a:endParaRPr>
           </a:p>
         </p:txBody>
       </p:sp>
@@ -6450,18 +6289,13 @@
           <a:p>
             <a:pPr algn="ctr"/>
             <a:r>
-              <a:rPr lang="fr-FR" sz="1200" dirty="0" smtClean="0">
+              <a:rPr lang="fr-FR" sz="1200" dirty="0">
                 <a:solidFill>
                   <a:schemeClr val="tx1"/>
                 </a:solidFill>
               </a:rPr>
               <a:t>service</a:t>
             </a:r>
-            <a:endParaRPr lang="fr-FR" sz="1200" dirty="0">
-              <a:solidFill>
-                <a:schemeClr val="tx1"/>
-              </a:solidFill>
-            </a:endParaRPr>
           </a:p>
         </p:txBody>
       </p:sp>
@@ -6698,29 +6532,7 @@
                   </a:schemeClr>
                 </a:solidFill>
               </a:rPr>
-              <a:t>« </a:t>
-            </a:r>
-            <a:r>
-              <a:rPr lang="fr-FR" i="1" dirty="0" smtClean="0">
-                <a:solidFill>
-                  <a:schemeClr val="tx2">
-                    <a:lumMod val="60000"/>
-                    <a:lumOff val="40000"/>
-                  </a:schemeClr>
-                </a:solidFill>
-              </a:rPr>
-              <a:t>REST API</a:t>
-            </a:r>
-            <a:r>
-              <a:rPr lang="fr-FR" i="1" dirty="0">
-                <a:solidFill>
-                  <a:schemeClr val="tx2">
-                    <a:lumMod val="60000"/>
-                    <a:lumOff val="40000"/>
-                  </a:schemeClr>
-                </a:solidFill>
-              </a:rPr>
-              <a:t> »</a:t>
+              <a:t>« REST API »</a:t>
             </a:r>
           </a:p>
         </p:txBody>
@@ -6774,18 +6586,13 @@
           <a:p>
             <a:pPr algn="ctr"/>
             <a:r>
-              <a:rPr lang="fr-FR" sz="1200" dirty="0" smtClean="0">
+              <a:rPr lang="fr-FR" sz="1200" dirty="0">
                 <a:solidFill>
                   <a:schemeClr val="tx1"/>
                 </a:solidFill>
               </a:rPr>
               <a:t>dao</a:t>
             </a:r>
-            <a:endParaRPr lang="fr-FR" sz="1200" dirty="0">
-              <a:solidFill>
-                <a:schemeClr val="tx1"/>
-              </a:solidFill>
-            </a:endParaRPr>
           </a:p>
         </p:txBody>
       </p:sp>
@@ -6940,7 +6747,7 @@
           <a:lstStyle/>
           <a:p>
             <a:r>
-              <a:rPr lang="en-US" dirty="0" err="1" smtClean="0"/>
+              <a:rPr lang="en-US" dirty="0" err="1"/>
               <a:t>Navigateur</a:t>
             </a:r>
             <a:endParaRPr lang="fr-FR" dirty="0"/>
@@ -7019,14 +6826,14 @@
           <a:p>
             <a:pPr algn="ctr"/>
             <a:r>
-              <a:rPr lang="en-US" dirty="0" smtClean="0"/>
+              <a:rPr lang="en-US" dirty="0"/>
               <a:t>HTML</a:t>
             </a:r>
           </a:p>
           <a:p>
             <a:pPr algn="ctr"/>
             <a:r>
-              <a:rPr lang="en-US" dirty="0" smtClean="0"/>
+              <a:rPr lang="en-US" dirty="0"/>
               <a:t>Template</a:t>
             </a:r>
             <a:endParaRPr lang="fr-FR" dirty="0"/>
@@ -7104,7 +6911,7 @@
           <a:lstStyle/>
           <a:p>
             <a:r>
-              <a:rPr lang="en-US" dirty="0" smtClean="0"/>
+              <a:rPr lang="en-US" dirty="0"/>
               <a:t>Component</a:t>
             </a:r>
             <a:endParaRPr lang="fr-FR" dirty="0"/>
@@ -7182,7 +6989,7 @@
           <a:lstStyle/>
           <a:p>
             <a:r>
-              <a:rPr lang="en-US" dirty="0" smtClean="0"/>
+              <a:rPr lang="en-US" dirty="0"/>
               <a:t>Service</a:t>
             </a:r>
             <a:endParaRPr lang="fr-FR" dirty="0"/>
@@ -7234,7 +7041,7 @@
           <a:p>
             <a:pPr algn="ctr"/>
             <a:r>
-              <a:rPr lang="en-US" dirty="0" smtClean="0">
+              <a:rPr lang="en-US" dirty="0">
                 <a:solidFill>
                   <a:schemeClr val="tx1"/>
                 </a:solidFill>
@@ -7294,7 +7101,7 @@
           <a:p>
             <a:pPr algn="ctr"/>
             <a:r>
-              <a:rPr lang="en-US" dirty="0" smtClean="0">
+              <a:rPr lang="en-US" dirty="0">
                 <a:solidFill>
                   <a:schemeClr val="tx1"/>
                 </a:solidFill>
@@ -7733,13 +7540,6 @@
   <p:clrMapOvr>
     <a:masterClrMapping/>
   </p:clrMapOvr>
-  <p:timing>
-    <p:tnLst>
-      <p:par>
-        <p:cTn id="1" dur="indefinite" restart="never" nodeType="tmRoot"/>
-      </p:par>
-    </p:tnLst>
-  </p:timing>
 </p:sld>
 </file>
 
@@ -7830,19 +7630,14 @@
             </a:lvl1pPr>
           </a:lstStyle>
           <a:p>
-            <a:endParaRPr lang="fr-FR" sz="3200" dirty="0" smtClean="0"/>
+            <a:endParaRPr lang="fr-FR" sz="3200" dirty="0"/>
           </a:p>
           <a:p>
             <a:pPr algn="ctr"/>
             <a:r>
-              <a:rPr lang="fr-FR" sz="3200" dirty="0" smtClean="0"/>
-              <a:t>Structure </a:t>
-            </a:r>
-            <a:r>
-              <a:rPr lang="fr-FR" sz="3200" dirty="0" smtClean="0"/>
-              <a:t>de Back-End</a:t>
-            </a:r>
-            <a:endParaRPr lang="fr-FR" sz="3200" dirty="0" smtClean="0"/>
+              <a:rPr lang="fr-FR" sz="3200" dirty="0"/>
+              <a:t>Structure de Back-End</a:t>
+            </a:r>
           </a:p>
           <a:p>
             <a:endParaRPr lang="fr-FR" sz="3200" dirty="0"/>
@@ -7896,7 +7691,7 @@
             </a:lvl1pPr>
           </a:lstStyle>
           <a:p>
-            <a:endParaRPr lang="fr-FR" sz="3200" dirty="0" smtClean="0"/>
+            <a:endParaRPr lang="fr-FR" sz="3200" dirty="0"/>
           </a:p>
           <a:p>
             <a:endParaRPr lang="fr-FR" sz="3200" dirty="0"/>
@@ -8000,18 +7795,40 @@
                   </a:schemeClr>
                 </a:solidFill>
               </a:rPr>
-              <a:t>c</a:t>
-            </a:r>
-            <a:r>
-              <a:rPr lang="fr-FR" sz="1200" dirty="0" smtClean="0">
-                <a:solidFill>
-                  <a:schemeClr val="accent1">
-                    <a:lumMod val="75000"/>
-                  </a:schemeClr>
-                </a:solidFill>
-              </a:rPr>
-              <a:t>ontient </a:t>
-            </a:r>
+              <a:t>contient des écouteurs d'événements et des événements qui sont publiés lorsque l'utilisateur a terminé l'enregistrement ou demandé une réinitialisation du mot de passe</a:t>
+            </a:r>
+            <a:endParaRPr lang="fr-FR" sz="1200" b="1" dirty="0">
+              <a:solidFill>
+                <a:schemeClr val="accent1">
+                  <a:lumMod val="75000"/>
+                </a:schemeClr>
+              </a:solidFill>
+            </a:endParaRPr>
+          </a:p>
+        </p:txBody>
+      </p:sp>
+      <p:sp>
+        <p:nvSpPr>
+          <p:cNvPr id="16" name="ZoneTexte 15"/>
+          <p:cNvSpPr txBox="1"/>
+          <p:nvPr/>
+        </p:nvSpPr>
+        <p:spPr>
+          <a:xfrm>
+            <a:off x="460933" y="2368631"/>
+            <a:ext cx="3379316" cy="1015663"/>
+          </a:xfrm>
+          <a:prstGeom prst="rect">
+            <a:avLst/>
+          </a:prstGeom>
+          <a:noFill/>
+        </p:spPr>
+        <p:txBody>
+          <a:bodyPr wrap="square" rtlCol="0">
+            <a:spAutoFit/>
+          </a:bodyPr>
+          <a:lstStyle/>
+          <a:p>
             <a:r>
               <a:rPr lang="fr-FR" sz="1200" dirty="0">
                 <a:solidFill>
@@ -8020,79 +7837,7 @@
                   </a:schemeClr>
                 </a:solidFill>
               </a:rPr>
-              <a:t>des écouteurs d'événements et des événements qui sont publiés lorsque l'utilisateur a terminé l'enregistrement ou demandé une réinitialisation du mot de </a:t>
-            </a:r>
-            <a:r>
-              <a:rPr lang="fr-FR" sz="1200" dirty="0" smtClean="0">
-                <a:solidFill>
-                  <a:schemeClr val="accent1">
-                    <a:lumMod val="75000"/>
-                  </a:schemeClr>
-                </a:solidFill>
-              </a:rPr>
-              <a:t>passe</a:t>
-            </a:r>
-            <a:endParaRPr lang="fr-FR" sz="1200" b="1" dirty="0">
-              <a:solidFill>
-                <a:schemeClr val="accent1">
-                  <a:lumMod val="75000"/>
-                </a:schemeClr>
-              </a:solidFill>
-            </a:endParaRPr>
-          </a:p>
-        </p:txBody>
-      </p:sp>
-      <p:sp>
-        <p:nvSpPr>
-          <p:cNvPr id="16" name="ZoneTexte 15"/>
-          <p:cNvSpPr txBox="1"/>
-          <p:nvPr/>
-        </p:nvSpPr>
-        <p:spPr>
-          <a:xfrm>
-            <a:off x="460933" y="2368631"/>
-            <a:ext cx="3379316" cy="1015663"/>
-          </a:xfrm>
-          <a:prstGeom prst="rect">
-            <a:avLst/>
-          </a:prstGeom>
-          <a:noFill/>
-        </p:spPr>
-        <p:txBody>
-          <a:bodyPr wrap="square" rtlCol="0">
-            <a:spAutoFit/>
-          </a:bodyPr>
-          <a:lstStyle/>
-          <a:p>
-            <a:r>
-              <a:rPr lang="fr-FR" sz="1200" dirty="0">
-                <a:solidFill>
-                  <a:schemeClr val="accent1">
-                    <a:lumMod val="75000"/>
-                  </a:schemeClr>
-                </a:solidFill>
-              </a:rPr>
-              <a:t>c</a:t>
-            </a:r>
-            <a:r>
-              <a:rPr lang="fr-FR" sz="1200" dirty="0" smtClean="0">
-                <a:solidFill>
-                  <a:schemeClr val="accent1">
-                    <a:lumMod val="75000"/>
-                  </a:schemeClr>
-                </a:solidFill>
-              </a:rPr>
-              <a:t>ontient </a:t>
-            </a:r>
-            <a:r>
-              <a:rPr lang="fr-FR" sz="1200" dirty="0">
-                <a:solidFill>
-                  <a:schemeClr val="accent1">
-                    <a:lumMod val="75000"/>
-                  </a:schemeClr>
-                </a:solidFill>
-              </a:rPr>
-              <a:t>des filtres de requête, des points d'entrée d'authentification, un objet de réponse </a:t>
+              <a:t>contient des filtres de requête, des points d'entrée d'authentification, un objet de réponse </a:t>
             </a:r>
             <a:r>
               <a:rPr lang="fr-FR" sz="1200" dirty="0" err="1">
@@ -8132,25 +7877,8 @@
                   </a:schemeClr>
                 </a:solidFill>
               </a:rPr>
-              <a:t>, les envoyer à l'utilisateur, et lire et valider à partir des en-têtes de </a:t>
-            </a:r>
-            <a:r>
-              <a:rPr lang="fr-FR" sz="1200" dirty="0" smtClean="0">
-                <a:solidFill>
-                  <a:schemeClr val="accent1">
-                    <a:lumMod val="75000"/>
-                  </a:schemeClr>
-                </a:solidFill>
-              </a:rPr>
-              <a:t>requête</a:t>
-            </a:r>
-            <a:endParaRPr lang="fr-FR" sz="1200" dirty="0">
-              <a:solidFill>
-                <a:schemeClr val="accent1">
-                  <a:lumMod val="75000"/>
-                </a:schemeClr>
-              </a:solidFill>
-            </a:endParaRPr>
+              <a:t>, les envoyer à l'utilisateur, et lire et valider à partir des en-têtes de requête</a:t>
+            </a:r>
           </a:p>
         </p:txBody>
       </p:sp>
@@ -8227,17 +7955,17 @@
                   </a:schemeClr>
                 </a:solidFill>
               </a:rPr>
-              <a:t>c</a:t>
-            </a:r>
-            <a:r>
-              <a:rPr lang="fr-FR" sz="1200" dirty="0" smtClean="0">
+              <a:t>contient des entités, qui sont stockées dans la base de données, et le dao (</a:t>
+            </a:r>
+            <a:r>
+              <a:rPr lang="fr-FR" sz="1200" dirty="0" err="1">
                 <a:solidFill>
                   <a:schemeClr val="accent1">
                     <a:lumMod val="75000"/>
                   </a:schemeClr>
                 </a:solidFill>
               </a:rPr>
-              <a:t>ontient </a:t>
+              <a:t>repository</a:t>
             </a:r>
             <a:r>
               <a:rPr lang="fr-FR" sz="1200" dirty="0">
@@ -8247,65 +7975,8 @@
                   </a:schemeClr>
                 </a:solidFill>
               </a:rPr>
-              <a:t>des entités, qui sont stockées dans la base de données, et le </a:t>
-            </a:r>
-            <a:r>
-              <a:rPr lang="fr-FR" sz="1200" dirty="0" smtClean="0">
-                <a:solidFill>
-                  <a:schemeClr val="accent1">
-                    <a:lumMod val="75000"/>
-                  </a:schemeClr>
-                </a:solidFill>
-              </a:rPr>
-              <a:t>dao (</a:t>
-            </a:r>
-            <a:r>
-              <a:rPr lang="fr-FR" sz="1200" dirty="0" err="1" smtClean="0">
-                <a:solidFill>
-                  <a:schemeClr val="accent1">
-                    <a:lumMod val="75000"/>
-                  </a:schemeClr>
-                </a:solidFill>
-              </a:rPr>
-              <a:t>repository</a:t>
-            </a:r>
-            <a:r>
-              <a:rPr lang="fr-FR" sz="1200" dirty="0" smtClean="0">
-                <a:solidFill>
-                  <a:schemeClr val="accent1">
-                    <a:lumMod val="75000"/>
-                  </a:schemeClr>
-                </a:solidFill>
-              </a:rPr>
-              <a:t>) - mécanisme </a:t>
-            </a:r>
-            <a:r>
-              <a:rPr lang="fr-FR" sz="1200" dirty="0">
-                <a:solidFill>
-                  <a:schemeClr val="accent1">
-                    <a:lumMod val="75000"/>
-                  </a:schemeClr>
-                </a:solidFill>
-              </a:rPr>
-              <a:t>pour encapsuler le stockage, la récupération et le comportement de </a:t>
-            </a:r>
-            <a:r>
-              <a:rPr lang="fr-FR" sz="1200" dirty="0" smtClean="0">
-                <a:solidFill>
-                  <a:schemeClr val="accent1">
-                    <a:lumMod val="75000"/>
-                  </a:schemeClr>
-                </a:solidFill>
-              </a:rPr>
-              <a:t>recherche</a:t>
-            </a:r>
-            <a:endParaRPr lang="fr-FR" sz="1200" dirty="0">
-              <a:solidFill>
-                <a:schemeClr val="accent1">
-                  <a:lumMod val="75000"/>
-                </a:schemeClr>
-              </a:solidFill>
-            </a:endParaRPr>
+              <a:t>) - mécanisme pour encapsuler le stockage, la récupération et le comportement de recherche</a:t>
+            </a:r>
           </a:p>
         </p:txBody>
       </p:sp>
@@ -8382,45 +8053,8 @@
                   </a:schemeClr>
                 </a:solidFill>
               </a:rPr>
-              <a:t>c</a:t>
-            </a:r>
-            <a:r>
-              <a:rPr lang="fr-FR" sz="1200" dirty="0" smtClean="0">
-                <a:solidFill>
-                  <a:schemeClr val="accent1">
-                    <a:lumMod val="75000"/>
-                  </a:schemeClr>
-                </a:solidFill>
-              </a:rPr>
-              <a:t>ontient </a:t>
-            </a:r>
-            <a:r>
-              <a:rPr lang="fr-FR" sz="1200" dirty="0">
-                <a:solidFill>
-                  <a:schemeClr val="accent1">
-                    <a:lumMod val="75000"/>
-                  </a:schemeClr>
-                </a:solidFill>
-              </a:rPr>
-              <a:t>des services qui sont utilisés pour écrire la logique dans une couche différente, séparée des contrôleurs </a:t>
-            </a:r>
-            <a:r>
-              <a:rPr lang="fr-FR" sz="1200" dirty="0" smtClean="0">
-                <a:solidFill>
-                  <a:schemeClr val="accent1">
-                    <a:lumMod val="75000"/>
-                  </a:schemeClr>
-                </a:solidFill>
-              </a:rPr>
-              <a:t>REST</a:t>
-            </a:r>
-            <a:endParaRPr lang="fr-FR" sz="1200" dirty="0">
-              <a:solidFill>
-                <a:schemeClr val="accent1">
-                  <a:lumMod val="75000"/>
-                </a:schemeClr>
-              </a:solidFill>
-            </a:endParaRPr>
+              <a:t>contient des services qui sont utilisés pour écrire la logique dans une couche différente, séparée des contrôleurs REST</a:t>
+            </a:r>
           </a:p>
         </p:txBody>
       </p:sp>
@@ -8497,17 +8131,17 @@
                   </a:schemeClr>
                 </a:solidFill>
               </a:rPr>
-              <a:t>c</a:t>
-            </a:r>
-            <a:r>
-              <a:rPr lang="fr-FR" sz="1200" dirty="0" smtClean="0">
+              <a:t>contient des configurations </a:t>
+            </a:r>
+            <a:r>
+              <a:rPr lang="fr-FR" sz="1200" dirty="0" err="1">
                 <a:solidFill>
                   <a:schemeClr val="accent1">
                     <a:lumMod val="75000"/>
                   </a:schemeClr>
                 </a:solidFill>
               </a:rPr>
-              <a:t>ontient </a:t>
+              <a:t>Spring</a:t>
             </a:r>
             <a:r>
               <a:rPr lang="fr-FR" sz="1200" dirty="0">
@@ -8517,37 +8151,7 @@
                   </a:schemeClr>
                 </a:solidFill>
               </a:rPr>
-              <a:t>des configurations </a:t>
-            </a:r>
-            <a:r>
-              <a:rPr lang="fr-FR" sz="1200" dirty="0" err="1" smtClean="0">
-                <a:solidFill>
-                  <a:schemeClr val="accent1">
-                    <a:lumMod val="75000"/>
-                  </a:schemeClr>
-                </a:solidFill>
-              </a:rPr>
-              <a:t>Spring</a:t>
-            </a:r>
-            <a:r>
-              <a:rPr lang="fr-FR" sz="1200" dirty="0" smtClean="0">
-                <a:solidFill>
-                  <a:schemeClr val="accent1">
-                    <a:lumMod val="75000"/>
-                  </a:schemeClr>
-                </a:solidFill>
-              </a:rPr>
-              <a:t>. </a:t>
-            </a:r>
-            <a:r>
-              <a:rPr lang="fr-FR" sz="1200" dirty="0">
-                <a:solidFill>
-                  <a:schemeClr val="accent1">
-                    <a:lumMod val="75000"/>
-                  </a:schemeClr>
-                </a:solidFill>
-              </a:rPr>
-              <a:t>Une configuration Web pour permettre l'accès aux contrôleurs en fonction des autorisations, et la configuration qui permet la planification des tâches</a:t>
+              <a:t>. Une configuration Web pour permettre l'accès aux contrôleurs en fonction des autorisations, et la configuration qui permet la planification des tâches</a:t>
             </a:r>
           </a:p>
         </p:txBody>
@@ -8625,25 +8229,8 @@
                   </a:schemeClr>
                 </a:solidFill>
               </a:rPr>
-              <a:t>contient des tâches de planification qui prennent en charge la suppression des fichiers, qui ne sont plus référencés dans la base de données, du stockage du </a:t>
-            </a:r>
-            <a:r>
-              <a:rPr lang="fr-FR" sz="1200" dirty="0" smtClean="0">
-                <a:solidFill>
-                  <a:schemeClr val="accent1">
-                    <a:lumMod val="75000"/>
-                  </a:schemeClr>
-                </a:solidFill>
-              </a:rPr>
-              <a:t>serveur</a:t>
-            </a:r>
-            <a:endParaRPr lang="fr-FR" sz="1200" dirty="0">
-              <a:solidFill>
-                <a:schemeClr val="accent1">
-                  <a:lumMod val="75000"/>
-                </a:schemeClr>
-              </a:solidFill>
-            </a:endParaRPr>
+              <a:t>contient des tâches de planification qui prennent en charge la suppression des fichiers, qui ne sont plus référencés dans la base de données, du stockage du serveur</a:t>
+            </a:r>
           </a:p>
         </p:txBody>
       </p:sp>
@@ -8720,25 +8307,8 @@
                   </a:schemeClr>
                 </a:solidFill>
               </a:rPr>
-              <a:t>contient des validateurs de contraintes, utilisés pour valider les demandes d'inscription, les demandes de connexion et les jetons de récupération de mot de </a:t>
-            </a:r>
-            <a:r>
-              <a:rPr lang="fr-FR" sz="1200" dirty="0" smtClean="0">
-                <a:solidFill>
-                  <a:schemeClr val="accent1">
-                    <a:lumMod val="75000"/>
-                  </a:schemeClr>
-                </a:solidFill>
-              </a:rPr>
-              <a:t>passe</a:t>
-            </a:r>
-            <a:endParaRPr lang="fr-FR" sz="1200" dirty="0">
-              <a:solidFill>
-                <a:schemeClr val="accent1">
-                  <a:lumMod val="75000"/>
-                </a:schemeClr>
-              </a:solidFill>
-            </a:endParaRPr>
+              <a:t>contient des validateurs de contraintes, utilisés pour valider les demandes d'inscription, les demandes de connexion et les jetons de récupération de mot de passe</a:t>
+            </a:r>
           </a:p>
         </p:txBody>
       </p:sp>
@@ -8893,27 +8463,7 @@
                   </a:schemeClr>
                 </a:solidFill>
               </a:rPr>
-              <a:t>c</a:t>
-            </a:r>
-            <a:r>
-              <a:rPr lang="en-US" sz="1200" dirty="0" err="1" smtClean="0">
-                <a:solidFill>
-                  <a:schemeClr val="accent1">
-                    <a:lumMod val="75000"/>
-                  </a:schemeClr>
-                </a:solidFill>
-              </a:rPr>
-              <a:t>ontient</a:t>
-            </a:r>
-            <a:r>
-              <a:rPr lang="en-US" sz="1200" dirty="0" smtClean="0">
-                <a:solidFill>
-                  <a:schemeClr val="accent1">
-                    <a:lumMod val="75000"/>
-                  </a:schemeClr>
-                </a:solidFill>
-              </a:rPr>
-              <a:t> </a:t>
+              <a:t>contient</a:t>
             </a:r>
             <a:r>
               <a:rPr lang="en-US" sz="1200" dirty="0">
@@ -8923,10 +8473,10 @@
                   </a:schemeClr>
                 </a:solidFill>
               </a:rPr>
-              <a:t>les </a:t>
-            </a:r>
-            <a:r>
-              <a:rPr lang="en-US" sz="1200" dirty="0" err="1" smtClean="0">
+              <a:t> les </a:t>
+            </a:r>
+            <a:r>
+              <a:rPr lang="en-US" sz="1200" dirty="0" err="1">
                 <a:solidFill>
                   <a:schemeClr val="accent1">
                     <a:lumMod val="75000"/>
@@ -8936,7 +8486,7 @@
               <a:t>contrôleurs</a:t>
             </a:r>
             <a:r>
-              <a:rPr lang="en-US" sz="1200" dirty="0" smtClean="0">
+              <a:rPr lang="en-US" sz="1200" dirty="0">
                 <a:solidFill>
                   <a:schemeClr val="accent1">
                     <a:lumMod val="75000"/>
@@ -9021,7 +8571,7 @@
           <a:lstStyle/>
           <a:p>
             <a:r>
-              <a:rPr lang="fr-FR" sz="1200" dirty="0" smtClean="0">
+              <a:rPr lang="fr-FR" sz="1200" dirty="0">
                 <a:solidFill>
                   <a:schemeClr val="accent1">
                     <a:lumMod val="75000"/>
@@ -9031,7 +8581,7 @@
               <a:t>des objets de transfert de données qui ne contiennent pas de logique mais des mécanismes de sérialisation et de </a:t>
             </a:r>
             <a:r>
-              <a:rPr lang="fr-FR" sz="1200" dirty="0" err="1" smtClean="0">
+              <a:rPr lang="fr-FR" sz="1200" dirty="0" err="1">
                 <a:solidFill>
                   <a:schemeClr val="accent1">
                     <a:lumMod val="75000"/>
@@ -9041,7 +8591,7 @@
               <a:t>désérialisation</a:t>
             </a:r>
             <a:r>
-              <a:rPr lang="fr-FR" sz="1200" dirty="0" smtClean="0">
+              <a:rPr lang="fr-FR" sz="1200" dirty="0">
                 <a:solidFill>
                   <a:schemeClr val="accent1">
                     <a:lumMod val="75000"/>
@@ -9050,13 +8600,6 @@
               </a:rPr>
               <a:t> pour le transfert de données.</a:t>
             </a:r>
-            <a:endParaRPr lang="fr-FR" sz="1200" dirty="0">
-              <a:solidFill>
-                <a:schemeClr val="accent1">
-                  <a:lumMod val="75000"/>
-                </a:schemeClr>
-              </a:solidFill>
-            </a:endParaRPr>
           </a:p>
         </p:txBody>
       </p:sp>
@@ -9126,7 +8669,7 @@
           <a:lstStyle/>
           <a:p>
             <a:r>
-              <a:rPr lang="fr-FR" sz="1200" dirty="0" smtClean="0">
+              <a:rPr lang="fr-FR" sz="1200" dirty="0">
                 <a:solidFill>
                   <a:schemeClr val="accent1">
                     <a:lumMod val="75000"/>
@@ -9136,7 +8679,7 @@
               <a:t>contient les exceptions qui sont lancées pendant le traitement des demandes, et un gestionnaire d'exception, qui gère toutes les exceptions et envoie au client une erreur lisible par l'homme au lieu d'un </a:t>
             </a:r>
             <a:r>
-              <a:rPr lang="fr-FR" sz="1200" dirty="0" err="1" smtClean="0">
+              <a:rPr lang="fr-FR" sz="1200" dirty="0" err="1">
                 <a:solidFill>
                   <a:schemeClr val="accent1">
                     <a:lumMod val="75000"/>
@@ -9146,7 +8689,7 @@
               <a:t>backtrace</a:t>
             </a:r>
             <a:r>
-              <a:rPr lang="fr-FR" sz="1200" dirty="0" smtClean="0">
+              <a:rPr lang="fr-FR" sz="1200" dirty="0">
                 <a:solidFill>
                   <a:schemeClr val="accent1">
                     <a:lumMod val="75000"/>
@@ -9156,7 +8699,7 @@
               <a:t>, en utilisant l'objet </a:t>
             </a:r>
             <a:r>
-              <a:rPr lang="fr-FR" sz="1200" dirty="0" err="1" smtClean="0">
+              <a:rPr lang="fr-FR" sz="1200" dirty="0" err="1">
                 <a:solidFill>
                   <a:schemeClr val="accent1">
                     <a:lumMod val="75000"/>
@@ -9166,7 +8709,7 @@
               <a:t>ApiError</a:t>
             </a:r>
             <a:r>
-              <a:rPr lang="fr-FR" sz="1200" dirty="0" smtClean="0">
+              <a:rPr lang="fr-FR" sz="1200" dirty="0">
                 <a:solidFill>
                   <a:schemeClr val="accent1">
                     <a:lumMod val="75000"/>
@@ -9175,13 +8718,6 @@
               </a:rPr>
               <a:t>.</a:t>
             </a:r>
-            <a:endParaRPr lang="fr-FR" sz="1200" dirty="0">
-              <a:solidFill>
-                <a:schemeClr val="accent1">
-                  <a:lumMod val="75000"/>
-                </a:schemeClr>
-              </a:solidFill>
-            </a:endParaRPr>
           </a:p>
         </p:txBody>
       </p:sp>
@@ -9336,13 +8872,6 @@
   <p:clrMapOvr>
     <a:masterClrMapping/>
   </p:clrMapOvr>
-  <p:timing>
-    <p:tnLst>
-      <p:par>
-        <p:cTn id="1" dur="indefinite" restart="never" nodeType="tmRoot"/>
-      </p:par>
-    </p:tnLst>
-  </p:timing>
 </p:sld>
 </file>
 
@@ -9508,13 +9037,6 @@
   <p:clrMapOvr>
     <a:masterClrMapping/>
   </p:clrMapOvr>
-  <p:timing>
-    <p:tnLst>
-      <p:par>
-        <p:cTn id="1" dur="indefinite" restart="never" nodeType="tmRoot"/>
-      </p:par>
-    </p:tnLst>
-  </p:timing>
 </p:sld>
 </file>
 
@@ -9676,13 +9198,6 @@
   <p:clrMapOvr>
     <a:masterClrMapping/>
   </p:clrMapOvr>
-  <p:timing>
-    <p:tnLst>
-      <p:par>
-        <p:cTn id="1" dur="indefinite" restart="never" nodeType="tmRoot"/>
-      </p:par>
-    </p:tnLst>
-  </p:timing>
 </p:sld>
 </file>
 
@@ -9779,20 +9294,12 @@
               <a:buAutoNum type="romanUcPeriod"/>
             </a:pPr>
             <a:r>
-              <a:rPr lang="fr-FR" sz="2400" dirty="0" smtClean="0"/>
+              <a:rPr lang="fr-FR" sz="2400" dirty="0"/>
               <a:t>Remerciements </a:t>
             </a:r>
             <a:r>
-              <a:rPr lang="fr-FR" sz="1600" dirty="0" smtClean="0"/>
-              <a:t>……………………………....................... .p</a:t>
-            </a:r>
-            <a:r>
               <a:rPr lang="fr-FR" sz="1600" dirty="0"/>
-              <a:t>. 3</a:t>
-            </a:r>
-            <a:r>
-              <a:rPr lang="fr-FR" sz="2400" dirty="0"/>
-              <a:t/>
+              <a:t>……………………………....................... .p. 3</a:t>
             </a:r>
             <a:br>
               <a:rPr lang="fr-FR" sz="2400" dirty="0"/>
@@ -9808,10 +9315,6 @@
               <a:rPr lang="fr-FR" sz="2400" dirty="0"/>
               <a:t>Introduction</a:t>
             </a:r>
-            <a:r>
-              <a:rPr lang="fr-FR" dirty="0"/>
-              <a:t/>
-            </a:r>
             <a:br>
               <a:rPr lang="fr-FR" dirty="0"/>
             </a:br>
@@ -9823,22 +9326,13 @@
               <a:buChar char="§"/>
             </a:pPr>
             <a:r>
-              <a:rPr lang="fr-FR" sz="1700" dirty="0" smtClean="0"/>
+              <a:rPr lang="fr-FR" sz="1700" dirty="0"/>
               <a:t>Période préformation</a:t>
             </a:r>
             <a:r>
-              <a:rPr lang="fr-FR" sz="1600" dirty="0" smtClean="0"/>
-              <a:t>………………………………………………..p</a:t>
-            </a:r>
-            <a:r>
               <a:rPr lang="fr-FR" sz="1600" dirty="0"/>
-              <a:t>. </a:t>
-            </a:r>
-            <a:r>
-              <a:rPr lang="fr-FR" sz="1600" dirty="0" smtClean="0"/>
-              <a:t>4</a:t>
-            </a:r>
-            <a:endParaRPr lang="fr-FR" sz="1600" dirty="0"/>
+              <a:t>………………………………………………..p. 4</a:t>
+            </a:r>
           </a:p>
           <a:p>
             <a:pPr lvl="2">
@@ -9846,16 +9340,12 @@
               <a:buChar char="§"/>
             </a:pPr>
             <a:r>
-              <a:rPr lang="fr-FR" sz="1700" dirty="0" smtClean="0"/>
+              <a:rPr lang="fr-FR" sz="1700" dirty="0"/>
               <a:t>Période de recherche de stage</a:t>
             </a:r>
             <a:r>
-              <a:rPr lang="fr-FR" sz="1600" dirty="0" smtClean="0"/>
-              <a:t>……………………………………p</a:t>
-            </a:r>
-            <a:r>
               <a:rPr lang="fr-FR" sz="1600" dirty="0"/>
-              <a:t>. 4</a:t>
+              <a:t>……………………………………p. 4</a:t>
             </a:r>
             <a:br>
               <a:rPr lang="fr-FR" sz="1600" dirty="0"/>
@@ -9871,10 +9361,6 @@
               <a:rPr lang="fr-FR" sz="2400" dirty="0"/>
               <a:t>Environnement de travail</a:t>
             </a:r>
-            <a:r>
-              <a:rPr lang="fr-FR" dirty="0"/>
-              <a:t/>
-            </a:r>
             <a:br>
               <a:rPr lang="fr-FR" dirty="0"/>
             </a:br>
@@ -9890,18 +9376,9 @@
               <a:t>Langages et base de données </a:t>
             </a:r>
             <a:r>
-              <a:rPr lang="fr-FR" sz="1600" dirty="0" smtClean="0"/>
-              <a:t>…………………………….. ……p</a:t>
-            </a:r>
-            <a:r>
               <a:rPr lang="fr-FR" sz="1600" dirty="0"/>
-              <a:t>. </a:t>
-            </a:r>
-            <a:r>
-              <a:rPr lang="fr-FR" sz="1600" dirty="0" smtClean="0"/>
-              <a:t>6</a:t>
-            </a:r>
-            <a:endParaRPr lang="fr-FR" sz="1600" dirty="0"/>
+              <a:t>…………………………….. ……p. 6</a:t>
+            </a:r>
           </a:p>
           <a:p>
             <a:pPr lvl="2">
@@ -9909,34 +9386,25 @@
               <a:buChar char="§"/>
             </a:pPr>
             <a:r>
-              <a:rPr lang="fr-FR" sz="1700" dirty="0" err="1" smtClean="0"/>
+              <a:rPr lang="fr-FR" sz="1700" dirty="0" err="1"/>
               <a:t>Frameworks</a:t>
             </a:r>
             <a:r>
-              <a:rPr lang="fr-FR" sz="1700" dirty="0" smtClean="0"/>
+              <a:rPr lang="fr-FR" sz="1700" dirty="0"/>
               <a:t> et bibliothèques</a:t>
             </a:r>
             <a:r>
-              <a:rPr lang="fr-FR" sz="1600" dirty="0" smtClean="0"/>
+              <a:rPr lang="fr-FR" sz="1600" dirty="0"/>
               <a:t>………………………</a:t>
             </a:r>
             <a:r>
-              <a:rPr lang="en-US" sz="1600" dirty="0" smtClean="0"/>
+              <a:rPr lang="en-US" sz="1600" dirty="0"/>
               <a:t>…………….</a:t>
             </a:r>
             <a:r>
-              <a:rPr lang="fr-FR" sz="1600" dirty="0" smtClean="0"/>
-              <a:t>p</a:t>
-            </a:r>
-            <a:r>
               <a:rPr lang="fr-FR" sz="1600" dirty="0"/>
-              <a:t>. </a:t>
-            </a:r>
-            <a:r>
-              <a:rPr lang="fr-FR" sz="1600" dirty="0" smtClean="0"/>
-              <a:t>7</a:t>
-            </a:r>
-            <a:endParaRPr lang="fr-FR" sz="1600" dirty="0"/>
+              <a:t>p. 7</a:t>
+            </a:r>
           </a:p>
           <a:p>
             <a:pPr lvl="2">
@@ -9944,24 +9412,20 @@
               <a:buChar char="§"/>
             </a:pPr>
             <a:r>
-              <a:rPr lang="fr-FR" sz="1700" dirty="0" smtClean="0"/>
+              <a:rPr lang="fr-FR" sz="1700" dirty="0"/>
               <a:t>Git </a:t>
             </a:r>
             <a:r>
-              <a:rPr lang="en-US" sz="1700" dirty="0" smtClean="0"/>
+              <a:rPr lang="en-US" sz="1700" dirty="0"/>
               <a:t>&amp; </a:t>
             </a:r>
             <a:r>
-              <a:rPr lang="en-US" sz="1700" dirty="0" err="1" smtClean="0"/>
+              <a:rPr lang="en-US" sz="1700" dirty="0" err="1"/>
               <a:t>Github</a:t>
             </a:r>
             <a:r>
-              <a:rPr lang="fr-FR" sz="1600" dirty="0" smtClean="0"/>
-              <a:t>………………………………............................……..p</a:t>
-            </a:r>
-            <a:r>
               <a:rPr lang="fr-FR" sz="1600" dirty="0"/>
-              <a:t>. 8</a:t>
+              <a:t>………………………………............................……..p. 8</a:t>
             </a:r>
           </a:p>
           <a:p>
@@ -9970,24 +9434,20 @@
               <a:buChar char="§"/>
             </a:pPr>
             <a:r>
-              <a:rPr lang="fr-FR" sz="1700" dirty="0" smtClean="0"/>
+              <a:rPr lang="fr-FR" sz="1700" dirty="0"/>
               <a:t>Editeur de </a:t>
             </a:r>
             <a:r>
-              <a:rPr lang="fr-FR" sz="1700" dirty="0" err="1" smtClean="0"/>
+              <a:rPr lang="fr-FR" sz="1700" dirty="0" err="1"/>
               <a:t>text</a:t>
             </a:r>
             <a:r>
-              <a:rPr lang="fr-FR" sz="1700" dirty="0" smtClean="0"/>
+              <a:rPr lang="fr-FR" sz="1700" dirty="0"/>
               <a:t>, IDE et quelques outils</a:t>
             </a:r>
             <a:r>
-              <a:rPr lang="fr-FR" sz="1600" dirty="0" smtClean="0"/>
-              <a:t>……………..............p</a:t>
-            </a:r>
-            <a:r>
               <a:rPr lang="fr-FR" sz="1600" dirty="0"/>
-              <a:t>. 9</a:t>
+              <a:t>……………..............p. 9</a:t>
             </a:r>
           </a:p>
           <a:p>
@@ -10160,21 +9620,7 @@
                 <a:ea typeface="+mn-lt"/>
                 <a:cs typeface="+mn-lt"/>
               </a:rPr>
-              <a:t>Diagrammes package et cas d’utilisations « Consultation » </a:t>
-            </a:r>
-            <a:r>
-              <a:rPr lang="fr-FR" sz="1600" dirty="0" smtClean="0">
-                <a:ea typeface="+mn-lt"/>
-                <a:cs typeface="+mn-lt"/>
-              </a:rPr>
-              <a:t>… p</a:t>
-            </a:r>
-            <a:r>
-              <a:rPr lang="fr-FR" sz="1600" dirty="0">
-                <a:ea typeface="+mn-lt"/>
-                <a:cs typeface="+mn-lt"/>
-              </a:rPr>
-              <a:t>. 22</a:t>
+              <a:t>Diagrammes package et cas d’utilisations « Consultation » … p. 22</a:t>
             </a:r>
           </a:p>
           <a:p>
@@ -10236,48 +9682,20 @@
                 <a:ea typeface="+mn-lt"/>
                 <a:cs typeface="+mn-lt"/>
               </a:rPr>
-              <a:t>Paramètres de connexion à la base de données </a:t>
-            </a:r>
-            <a:r>
-              <a:rPr lang="fr-FR" sz="1600" dirty="0" smtClean="0">
-                <a:ea typeface="+mn-lt"/>
-                <a:cs typeface="+mn-lt"/>
-              </a:rPr>
-              <a:t>………………… </a:t>
-            </a:r>
+              <a:t>Paramètres de connexion à la base de données ………………… p. 26</a:t>
+            </a:r>
+          </a:p>
+          <a:p>
+            <a:pPr lvl="2">
+              <a:buFont typeface="Wingdings" panose="05000000000000000000" pitchFamily="2" charset="2"/>
+              <a:buChar char="§"/>
+            </a:pPr>
             <a:r>
               <a:rPr lang="fr-FR" sz="1600" dirty="0">
                 <a:ea typeface="+mn-lt"/>
                 <a:cs typeface="+mn-lt"/>
               </a:rPr>
-              <a:t>p. 26</a:t>
-            </a:r>
-          </a:p>
-          <a:p>
-            <a:pPr lvl="2">
-              <a:buFont typeface="Wingdings" panose="05000000000000000000" pitchFamily="2" charset="2"/>
-              <a:buChar char="§"/>
-            </a:pPr>
-            <a:r>
-              <a:rPr lang="fr-FR" sz="1600" dirty="0">
-                <a:ea typeface="+mn-lt"/>
-                <a:cs typeface="+mn-lt"/>
-              </a:rPr>
-              <a:t>Création de l’objet application </a:t>
-            </a:r>
-            <a:r>
-              <a:rPr lang="fr-FR" sz="1600" dirty="0" smtClean="0">
-                <a:ea typeface="+mn-lt"/>
-                <a:cs typeface="+mn-lt"/>
-              </a:rPr>
-              <a:t>………………………………………… </a:t>
-            </a:r>
-            <a:r>
-              <a:rPr lang="fr-FR" sz="1600" dirty="0">
-                <a:ea typeface="+mn-lt"/>
-                <a:cs typeface="+mn-lt"/>
-              </a:rPr>
-              <a:t>p. 27</a:t>
+              <a:t>Création de l’objet application ………………………………………… p. 27</a:t>
             </a:r>
           </a:p>
           <a:p>
@@ -10316,21 +9734,7 @@
                 <a:ea typeface="+mn-lt"/>
                 <a:cs typeface="+mn-lt"/>
               </a:rPr>
-              <a:t>Cas d’utilisation « List » </a:t>
-            </a:r>
-            <a:r>
-              <a:rPr lang="fr-FR" sz="1600" dirty="0" smtClean="0">
-                <a:ea typeface="+mn-lt"/>
-                <a:cs typeface="+mn-lt"/>
-              </a:rPr>
-              <a:t>…………………………………………………. </a:t>
-            </a:r>
-            <a:r>
-              <a:rPr lang="fr-FR" sz="1600" dirty="0">
-                <a:ea typeface="+mn-lt"/>
-                <a:cs typeface="+mn-lt"/>
-              </a:rPr>
-              <a:t>p. 38</a:t>
+              <a:t>Cas d’utilisation « List » …………………………………………………. p. 38</a:t>
             </a:r>
           </a:p>
           <a:p>
@@ -10369,21 +9773,7 @@
                 <a:ea typeface="+mn-lt"/>
                 <a:cs typeface="+mn-lt"/>
               </a:rPr>
-              <a:t>Lancement application + scheduler </a:t>
-            </a:r>
-            <a:r>
-              <a:rPr lang="fr-FR" sz="1600" dirty="0" smtClean="0">
-                <a:ea typeface="+mn-lt"/>
-                <a:cs typeface="+mn-lt"/>
-              </a:rPr>
-              <a:t>…………………………………. </a:t>
-            </a:r>
-            <a:r>
-              <a:rPr lang="fr-FR" sz="1600" dirty="0">
-                <a:ea typeface="+mn-lt"/>
-                <a:cs typeface="+mn-lt"/>
-              </a:rPr>
-              <a:t>p. 56</a:t>
+              <a:t>Lancement application + scheduler …………………………………. p. 56</a:t>
             </a:r>
           </a:p>
           <a:p>
@@ -10516,13 +9906,6 @@
   <p:clrMapOvr>
     <a:masterClrMapping/>
   </p:clrMapOvr>
-  <p:timing>
-    <p:tnLst>
-      <p:par>
-        <p:cTn id="1" dur="indefinite" restart="never" nodeType="tmRoot"/>
-      </p:par>
-    </p:tnLst>
-  </p:timing>
 </p:sld>
 </file>
 
@@ -10650,6 +10033,7 @@
           <a:prstGeom prst="rect">
             <a:avLst/>
           </a:prstGeom>
+          <a:noFill/>
         </p:spPr>
         <p:style>
           <a:lnRef idx="2">
@@ -10694,6 +10078,7 @@
           <a:prstGeom prst="rect">
             <a:avLst/>
           </a:prstGeom>
+          <a:noFill/>
         </p:spPr>
         <p:style>
           <a:lnRef idx="2">
@@ -10855,13 +10240,6 @@
   <p:clrMapOvr>
     <a:masterClrMapping/>
   </p:clrMapOvr>
-  <p:timing>
-    <p:tnLst>
-      <p:par>
-        <p:cTn id="1" dur="indefinite" restart="never" nodeType="tmRoot"/>
-      </p:par>
-    </p:tnLst>
-  </p:timing>
 </p:sld>
 </file>
 
@@ -10949,13 +10327,6 @@
   <p:clrMapOvr>
     <a:masterClrMapping/>
   </p:clrMapOvr>
-  <p:timing>
-    <p:tnLst>
-      <p:par>
-        <p:cTn id="1" dur="indefinite" restart="never" nodeType="tmRoot"/>
-      </p:par>
-    </p:tnLst>
-  </p:timing>
 </p:sld>
 </file>
 
@@ -11149,13 +10520,6 @@
   <p:clrMapOvr>
     <a:masterClrMapping/>
   </p:clrMapOvr>
-  <p:timing>
-    <p:tnLst>
-      <p:par>
-        <p:cTn id="1" dur="indefinite" restart="never" nodeType="tmRoot"/>
-      </p:par>
-    </p:tnLst>
-  </p:timing>
 </p:sld>
 </file>
 
@@ -11473,13 +10837,6 @@
   <p:clrMapOvr>
     <a:masterClrMapping/>
   </p:clrMapOvr>
-  <p:timing>
-    <p:tnLst>
-      <p:par>
-        <p:cTn id="1" dur="indefinite" restart="never" nodeType="tmRoot"/>
-      </p:par>
-    </p:tnLst>
-  </p:timing>
 </p:sld>
 </file>
 
@@ -11679,13 +11036,6 @@
   <p:clrMapOvr>
     <a:masterClrMapping/>
   </p:clrMapOvr>
-  <p:timing>
-    <p:tnLst>
-      <p:par>
-        <p:cTn id="1" dur="indefinite" restart="never" nodeType="tmRoot"/>
-      </p:par>
-    </p:tnLst>
-  </p:timing>
 </p:sld>
 </file>
 
@@ -12008,13 +11358,6 @@
   <p:clrMapOvr>
     <a:masterClrMapping/>
   </p:clrMapOvr>
-  <p:timing>
-    <p:tnLst>
-      <p:par>
-        <p:cTn id="1" dur="indefinite" restart="never" nodeType="tmRoot"/>
-      </p:par>
-    </p:tnLst>
-  </p:timing>
 </p:sld>
 </file>
 
@@ -12104,13 +11447,6 @@
   <p:clrMapOvr>
     <a:masterClrMapping/>
   </p:clrMapOvr>
-  <p:timing>
-    <p:tnLst>
-      <p:par>
-        <p:cTn id="1" dur="indefinite" restart="never" nodeType="tmRoot"/>
-      </p:par>
-    </p:tnLst>
-  </p:timing>
 </p:sld>
 </file>
 
@@ -12267,13 +11603,6 @@
   <p:clrMapOvr>
     <a:masterClrMapping/>
   </p:clrMapOvr>
-  <p:timing>
-    <p:tnLst>
-      <p:par>
-        <p:cTn id="1" dur="indefinite" restart="never" nodeType="tmRoot"/>
-      </p:par>
-    </p:tnLst>
-  </p:timing>
 </p:sld>
 </file>
 
@@ -12396,13 +11725,6 @@
   <p:clrMapOvr>
     <a:masterClrMapping/>
   </p:clrMapOvr>
-  <p:timing>
-    <p:tnLst>
-      <p:par>
-        <p:cTn id="1" dur="indefinite" restart="never" nodeType="tmRoot"/>
-      </p:par>
-    </p:tnLst>
-  </p:timing>
 </p:sld>
 </file>
 
@@ -12452,10 +11774,9 @@
           <a:lstStyle/>
           <a:p>
             <a:r>
-              <a:rPr lang="fr-FR" dirty="0" smtClean="0"/>
+              <a:rPr lang="fr-FR" dirty="0"/>
               <a:t>Remerciements</a:t>
             </a:r>
-            <a:endParaRPr lang="fr-FR" dirty="0"/>
           </a:p>
         </p:txBody>
       </p:sp>
@@ -12489,30 +11810,13 @@
           <a:p>
             <a:r>
               <a:rPr lang="fr-FR" dirty="0"/>
-              <a:t>Je tiens à remercier l'AFPA, pour </a:t>
-            </a:r>
-            <a:r>
-              <a:rPr lang="fr-FR" dirty="0" smtClean="0"/>
-              <a:t>m'avoir </a:t>
-            </a:r>
+              <a:t>Je tiens à remercier l'AFPA, pour m'avoir donné ma chance en validant ma candidature pour la formation.</a:t>
+            </a:r>
+          </a:p>
+          <a:p>
             <a:r>
               <a:rPr lang="fr-FR" dirty="0"/>
-              <a:t>donné ma chance en validant ma candidature pour la formation</a:t>
-            </a:r>
-            <a:r>
-              <a:rPr lang="fr-FR" dirty="0" smtClean="0"/>
-              <a:t>.</a:t>
-            </a:r>
-            <a:endParaRPr lang="fr-FR" dirty="0"/>
-          </a:p>
-          <a:p>
-            <a:r>
-              <a:rPr lang="fr-FR" dirty="0"/>
-              <a:t>Je remercie également Moussa Camara, mon formateur qui, par la qualité de son enseignement et sa pédagogie, m'a permis d'acquérir des bases solides en m'aidant pendant les cours et en consacrant son temps libre</a:t>
-            </a:r>
-            <a:r>
-              <a:rPr lang="fr-FR" dirty="0" smtClean="0"/>
-              <a:t>.</a:t>
+              <a:t>Je remercie également Moussa Camara, mon formateur qui, par la qualité de son enseignement et sa pédagogie, m'a permis d'acquérir des bases solides en m'aidant pendant les cours et en consacrant son temps libre.</a:t>
             </a:r>
           </a:p>
           <a:p>
@@ -12521,22 +11825,13 @@
               <a:t>Un mot en particulier sur notre professeur d’anglais </a:t>
             </a:r>
             <a:r>
-              <a:rPr lang="fr-FR" sz="2400" dirty="0" err="1" smtClean="0"/>
+              <a:rPr lang="fr-FR" sz="2400" dirty="0" err="1"/>
               <a:t>Susannah</a:t>
             </a:r>
             <a:r>
-              <a:rPr lang="fr-FR" sz="2400" dirty="0" smtClean="0"/>
-              <a:t> </a:t>
-            </a:r>
-            <a:r>
               <a:rPr lang="fr-FR" sz="2400" dirty="0"/>
-              <a:t>pour ses cours intelligents et </a:t>
-            </a:r>
-            <a:r>
-              <a:rPr lang="fr-FR" sz="2400" dirty="0" smtClean="0"/>
-              <a:t>intéressants.</a:t>
-            </a:r>
-            <a:endParaRPr lang="fr-FR" sz="2400" dirty="0"/>
+              <a:t> pour ses cours intelligents et intéressants.</a:t>
+            </a:r>
           </a:p>
           <a:p>
             <a:endParaRPr lang="fr-FR" dirty="0"/>
@@ -12582,13 +11877,6 @@
   <p:clrMapOvr>
     <a:masterClrMapping/>
   </p:clrMapOvr>
-  <p:timing>
-    <p:tnLst>
-      <p:par>
-        <p:cTn id="1" dur="indefinite" restart="never" nodeType="tmRoot"/>
-      </p:par>
-    </p:tnLst>
-  </p:timing>
 </p:sld>
 </file>
 
@@ -12718,13 +12006,6 @@
   <p:clrMapOvr>
     <a:masterClrMapping/>
   </p:clrMapOvr>
-  <p:timing>
-    <p:tnLst>
-      <p:par>
-        <p:cTn id="1" dur="indefinite" restart="never" nodeType="tmRoot"/>
-      </p:par>
-    </p:tnLst>
-  </p:timing>
 </p:sld>
 </file>
 
@@ -12814,13 +12095,6 @@
   <p:clrMapOvr>
     <a:masterClrMapping/>
   </p:clrMapOvr>
-  <p:timing>
-    <p:tnLst>
-      <p:par>
-        <p:cTn id="1" dur="indefinite" restart="never" nodeType="tmRoot"/>
-      </p:par>
-    </p:tnLst>
-  </p:timing>
 </p:sld>
 </file>
 
@@ -12977,13 +12251,6 @@
   <p:clrMapOvr>
     <a:masterClrMapping/>
   </p:clrMapOvr>
-  <p:timing>
-    <p:tnLst>
-      <p:par>
-        <p:cTn id="1" dur="indefinite" restart="never" nodeType="tmRoot"/>
-      </p:par>
-    </p:tnLst>
-  </p:timing>
 </p:sld>
 </file>
 
@@ -13165,13 +12432,6 @@
   <p:clrMapOvr>
     <a:masterClrMapping/>
   </p:clrMapOvr>
-  <p:timing>
-    <p:tnLst>
-      <p:par>
-        <p:cTn id="1" dur="indefinite" restart="never" nodeType="tmRoot"/>
-      </p:par>
-    </p:tnLst>
-  </p:timing>
 </p:sld>
 </file>
 
@@ -13289,13 +12549,6 @@
   <p:clrMapOvr>
     <a:masterClrMapping/>
   </p:clrMapOvr>
-  <p:timing>
-    <p:tnLst>
-      <p:par>
-        <p:cTn id="1" dur="indefinite" restart="never" nodeType="tmRoot"/>
-      </p:par>
-    </p:tnLst>
-  </p:timing>
 </p:sld>
 </file>
 
@@ -13424,13 +12677,6 @@
   <p:clrMapOvr>
     <a:masterClrMapping/>
   </p:clrMapOvr>
-  <p:timing>
-    <p:tnLst>
-      <p:par>
-        <p:cTn id="1" dur="indefinite" restart="never" nodeType="tmRoot"/>
-      </p:par>
-    </p:tnLst>
-  </p:timing>
 </p:sld>
 </file>
 
@@ -13554,13 +12800,6 @@
   <p:clrMapOvr>
     <a:masterClrMapping/>
   </p:clrMapOvr>
-  <p:timing>
-    <p:tnLst>
-      <p:par>
-        <p:cTn id="1" dur="indefinite" restart="never" nodeType="tmRoot"/>
-      </p:par>
-    </p:tnLst>
-  </p:timing>
 </p:sld>
 </file>
 
@@ -13650,13 +12889,6 @@
   <p:clrMapOvr>
     <a:masterClrMapping/>
   </p:clrMapOvr>
-  <p:timing>
-    <p:tnLst>
-      <p:par>
-        <p:cTn id="1" dur="indefinite" restart="never" nodeType="tmRoot"/>
-      </p:par>
-    </p:tnLst>
-  </p:timing>
 </p:sld>
 </file>
 
@@ -13751,13 +12983,6 @@
   <p:clrMapOvr>
     <a:masterClrMapping/>
   </p:clrMapOvr>
-  <p:timing>
-    <p:tnLst>
-      <p:par>
-        <p:cTn id="1" dur="indefinite" restart="never" nodeType="tmRoot"/>
-      </p:par>
-    </p:tnLst>
-  </p:timing>
 </p:sld>
 </file>
 
@@ -13886,13 +13111,6 @@
   <p:clrMapOvr>
     <a:masterClrMapping/>
   </p:clrMapOvr>
-  <p:timing>
-    <p:tnLst>
-      <p:par>
-        <p:cTn id="1" dur="indefinite" restart="never" nodeType="tmRoot"/>
-      </p:par>
-    </p:tnLst>
-  </p:timing>
 </p:sld>
 </file>
 
@@ -13977,72 +13195,39 @@
           <a:lstStyle/>
           <a:p>
             <a:r>
-              <a:rPr lang="fr-FR" sz="2000" b="1" dirty="0" smtClean="0"/>
+              <a:rPr lang="fr-FR" sz="2000" b="1" dirty="0"/>
               <a:t>Période pré</a:t>
             </a:r>
             <a:r>
-              <a:rPr lang="en-US" sz="2000" b="1" dirty="0" smtClean="0"/>
+              <a:rPr lang="en-US" sz="2000" b="1" dirty="0"/>
               <a:t>formation</a:t>
             </a:r>
             <a:r>
-              <a:rPr lang="fr-FR" sz="2000" b="1" dirty="0" smtClean="0"/>
+              <a:rPr lang="fr-FR" sz="2000" b="1" dirty="0"/>
               <a:t>: </a:t>
             </a:r>
             <a:r>
-              <a:rPr lang="fr-FR" dirty="0" smtClean="0"/>
-              <a:t>Ayant </a:t>
-            </a:r>
-            <a:r>
               <a:rPr lang="fr-FR" dirty="0"/>
-              <a:t>déjà les connaissances en informatique </a:t>
-            </a:r>
-            <a:r>
-              <a:rPr lang="fr-FR" dirty="0" smtClean="0"/>
-              <a:t>j’avais décidé de </a:t>
+              <a:t>Ayant déjà les connaissances en informatique j’avais décidé de les approfondir par l'inscription en formation.  Parmi celles que j’ai trouvées, la formation “Concepteur Développeur d’Applications” proposée par l’AFPA m’a semblé être la plus prometteuse, et le centre Paris 12eme était la plus proche de chez moi.</a:t>
+            </a:r>
+          </a:p>
+          <a:p>
+            <a:r>
+              <a:rPr lang="fr-FR" sz="2000" b="1" dirty="0"/>
+              <a:t>Période de recherche de stage</a:t>
+            </a:r>
+            <a:r>
+              <a:rPr lang="en-US" b="1" dirty="0"/>
+              <a:t>: </a:t>
             </a:r>
             <a:r>
               <a:rPr lang="fr-FR" dirty="0"/>
-              <a:t>les approfondir par l'inscription en formation.  Parmi celles que j’ai trouvées, la formation “Concepteur Développeur d’Applications” proposée par l’AFPA m’a semblé être la plus prometteuse, et le centre Paris 12eme était la plus proche de chez moi</a:t>
-            </a:r>
-            <a:r>
-              <a:rPr lang="fr-FR" dirty="0" smtClean="0"/>
-              <a:t>.</a:t>
-            </a:r>
-          </a:p>
-          <a:p>
-            <a:r>
-              <a:rPr lang="fr-FR" sz="2000" b="1" dirty="0" smtClean="0"/>
-              <a:t>Période de recherche de stage</a:t>
-            </a:r>
-            <a:r>
-              <a:rPr lang="en-US" b="1" dirty="0" smtClean="0"/>
-              <a:t>: </a:t>
-            </a:r>
-            <a:r>
-              <a:rPr lang="fr-FR" dirty="0"/>
-              <a:t>Malgré mes recherches, je n’ai pas trouvé d’entreprise d’accueil pour effectuer un stage. J’ai donc dû entreprendre la création d’un projet afin de le présenter le jour de l’examen. </a:t>
-            </a:r>
-            <a:r>
-              <a:rPr lang="fr-FR" dirty="0" smtClean="0"/>
-              <a:t>Sous </a:t>
-            </a:r>
-            <a:r>
-              <a:rPr lang="fr-FR" dirty="0"/>
-              <a:t>les conseils de mon formateur, j’ai décidé de continuer le travail sur mon dernier projet en formation de type réseau sociale. </a:t>
-            </a:r>
-            <a:r>
-              <a:rPr lang="fr-FR" dirty="0" smtClean="0"/>
-              <a:t>Ce </a:t>
-            </a:r>
-            <a:r>
-              <a:rPr lang="fr-FR" dirty="0"/>
-              <a:t>type de projet était tout indiqué pour exposer l’ensemble des capacités que j‘ai acquises pendant la formation.</a:t>
-            </a:r>
-            <a:endParaRPr lang="fr-FR" dirty="0" smtClean="0"/>
+              <a:t>Malgré mes recherches, je n’ai pas trouvé d’entreprise d’accueil pour effectuer un stage. J’ai donc dû entreprendre la création d’un projet afin de le présenter le jour de l’examen. Sous les conseils de mon formateur, j’ai décidé de continuer le travail sur mon dernier projet en formation de type réseau sociale. Ce type de projet était tout indiqué pour exposer l’ensemble des capacités que j‘ai acquises pendant la formation.</a:t>
+            </a:r>
           </a:p>
           <a:p>
             <a:pPr algn="just"/>
-            <a:endParaRPr lang="fr-FR" sz="2000" b="1" dirty="0" smtClean="0"/>
+            <a:endParaRPr lang="fr-FR" sz="2000" b="1" dirty="0"/>
           </a:p>
           <a:p>
             <a:pPr algn="just"/>
@@ -14254,13 +13439,6 @@
   <p:clrMapOvr>
     <a:masterClrMapping/>
   </p:clrMapOvr>
-  <p:timing>
-    <p:tnLst>
-      <p:par>
-        <p:cTn id="1" dur="indefinite" restart="never" nodeType="tmRoot"/>
-      </p:par>
-    </p:tnLst>
-  </p:timing>
 </p:sld>
 </file>
 
@@ -14422,13 +13600,6 @@
   <p:clrMapOvr>
     <a:masterClrMapping/>
   </p:clrMapOvr>
-  <p:timing>
-    <p:tnLst>
-      <p:par>
-        <p:cTn id="1" dur="indefinite" restart="never" nodeType="tmRoot"/>
-      </p:par>
-    </p:tnLst>
-  </p:timing>
 </p:sld>
 </file>
 
@@ -14765,13 +13936,6 @@
   <p:clrMapOvr>
     <a:masterClrMapping/>
   </p:clrMapOvr>
-  <p:timing>
-    <p:tnLst>
-      <p:par>
-        <p:cTn id="1" dur="indefinite" restart="never" nodeType="tmRoot"/>
-      </p:par>
-    </p:tnLst>
-  </p:timing>
 </p:sld>
 </file>
 
@@ -14861,13 +14025,6 @@
   <p:clrMapOvr>
     <a:masterClrMapping/>
   </p:clrMapOvr>
-  <p:timing>
-    <p:tnLst>
-      <p:par>
-        <p:cTn id="1" dur="indefinite" restart="never" nodeType="tmRoot"/>
-      </p:par>
-    </p:tnLst>
-  </p:timing>
 </p:sld>
 </file>
 
@@ -15024,13 +14181,6 @@
   <p:clrMapOvr>
     <a:masterClrMapping/>
   </p:clrMapOvr>
-  <p:timing>
-    <p:tnLst>
-      <p:par>
-        <p:cTn id="1" dur="indefinite" restart="never" nodeType="tmRoot"/>
-      </p:par>
-    </p:tnLst>
-  </p:timing>
 </p:sld>
 </file>
 
@@ -15196,13 +14346,6 @@
   <p:clrMapOvr>
     <a:masterClrMapping/>
   </p:clrMapOvr>
-  <p:timing>
-    <p:tnLst>
-      <p:par>
-        <p:cTn id="1" dur="indefinite" restart="never" nodeType="tmRoot"/>
-      </p:par>
-    </p:tnLst>
-  </p:timing>
 </p:sld>
 </file>
 
@@ -15375,13 +14518,6 @@
   <p:clrMapOvr>
     <a:masterClrMapping/>
   </p:clrMapOvr>
-  <p:timing>
-    <p:tnLst>
-      <p:par>
-        <p:cTn id="1" dur="indefinite" restart="never" nodeType="tmRoot"/>
-      </p:par>
-    </p:tnLst>
-  </p:timing>
 </p:sld>
 </file>
 
@@ -15725,13 +14861,6 @@
   <p:clrMapOvr>
     <a:masterClrMapping/>
   </p:clrMapOvr>
-  <p:timing>
-    <p:tnLst>
-      <p:par>
-        <p:cTn id="1" dur="indefinite" restart="never" nodeType="tmRoot"/>
-      </p:par>
-    </p:tnLst>
-  </p:timing>
 </p:sld>
 </file>
 
@@ -15899,13 +15028,6 @@
   <p:clrMapOvr>
     <a:masterClrMapping/>
   </p:clrMapOvr>
-  <p:timing>
-    <p:tnLst>
-      <p:par>
-        <p:cTn id="1" dur="indefinite" restart="never" nodeType="tmRoot"/>
-      </p:par>
-    </p:tnLst>
-  </p:timing>
 </p:sld>
 </file>
 
@@ -16168,13 +15290,6 @@
   <p:clrMapOvr>
     <a:masterClrMapping/>
   </p:clrMapOvr>
-  <p:timing>
-    <p:tnLst>
-      <p:par>
-        <p:cTn id="1" dur="indefinite" restart="never" nodeType="tmRoot"/>
-      </p:par>
-    </p:tnLst>
-  </p:timing>
 </p:sld>
 </file>
 
@@ -16390,13 +15505,6 @@
   <p:clrMapOvr>
     <a:masterClrMapping/>
   </p:clrMapOvr>
-  <p:timing>
-    <p:tnLst>
-      <p:par>
-        <p:cTn id="1" dur="indefinite" restart="never" nodeType="tmRoot"/>
-      </p:par>
-    </p:tnLst>
-  </p:timing>
 </p:sld>
 </file>
 
@@ -16661,85 +15769,48 @@
           <a:p>
             <a:r>
               <a:rPr lang="fr-FR" sz="2000" b="1" dirty="0"/>
-              <a:t>Java SE </a:t>
-            </a:r>
-            <a:r>
-              <a:rPr lang="fr-FR" sz="2000" b="1" dirty="0" smtClean="0"/>
-              <a:t>11: </a:t>
-            </a:r>
-            <a:r>
-              <a:rPr lang="fr-FR" sz="2000" dirty="0" smtClean="0"/>
+              <a:t>Java SE 11: </a:t>
+            </a:r>
+            <a:r>
+              <a:rPr lang="fr-FR" sz="2000" dirty="0"/>
               <a:t>un</a:t>
             </a:r>
             <a:r>
-              <a:rPr lang="fr-FR" sz="2000" b="1" dirty="0" smtClean="0"/>
+              <a:rPr lang="fr-FR" sz="2000" b="1" dirty="0"/>
               <a:t> </a:t>
             </a:r>
             <a:r>
-              <a:rPr lang="fr-FR" sz="2000" dirty="0" smtClean="0"/>
-              <a:t>langage </a:t>
-            </a:r>
-            <a:r>
               <a:rPr lang="fr-FR" sz="2000" dirty="0"/>
-              <a:t>de programmation orienté </a:t>
-            </a:r>
-            <a:r>
-              <a:rPr lang="fr-FR" sz="2000" dirty="0" smtClean="0"/>
-              <a:t>objet.</a:t>
-            </a:r>
-            <a:endParaRPr lang="fr-FR" sz="2000" b="1" dirty="0" smtClean="0"/>
-          </a:p>
-          <a:p>
-            <a:r>
-              <a:rPr lang="en-US" sz="1800" b="1" dirty="0" smtClean="0"/>
+              <a:t>langage de programmation orienté objet.</a:t>
+            </a:r>
+            <a:endParaRPr lang="fr-FR" sz="2000" b="1" dirty="0"/>
+          </a:p>
+          <a:p>
+            <a:r>
+              <a:rPr lang="en-US" sz="1800" b="1" dirty="0"/>
               <a:t>Typescript 4: </a:t>
             </a:r>
             <a:r>
               <a:rPr lang="fr-FR" sz="1800" dirty="0"/>
-              <a:t>un langage de programmation libre et open source </a:t>
-            </a:r>
-            <a:r>
-              <a:rPr lang="fr-FR" sz="1800" dirty="0" smtClean="0"/>
-              <a:t>qui </a:t>
+              <a:t>un langage de programmation libre et open source qui a pour but d'améliorer et de sécuriser la production de code JavaScript.</a:t>
+            </a:r>
+            <a:endParaRPr lang="en-US" sz="1800" b="1" dirty="0"/>
+          </a:p>
+          <a:p>
+            <a:r>
+              <a:rPr lang="fr-FR" sz="1800" b="1" dirty="0"/>
+              <a:t>HTML5 et CSS3</a:t>
+            </a:r>
+          </a:p>
+          <a:p>
+            <a:r>
+              <a:rPr lang="en-US" sz="1800" b="1" dirty="0"/>
+              <a:t>MySQL 8 - </a:t>
             </a:r>
             <a:r>
               <a:rPr lang="fr-FR" sz="1800" dirty="0"/>
-              <a:t>a pour but d'améliorer et de sécuriser la production de code JavaScript.</a:t>
-            </a:r>
-            <a:endParaRPr lang="en-US" sz="1800" b="1" dirty="0" smtClean="0"/>
-          </a:p>
-          <a:p>
-            <a:r>
-              <a:rPr lang="fr-FR" sz="1800" b="1" dirty="0" smtClean="0"/>
-              <a:t>HTML5</a:t>
-            </a:r>
-            <a:r>
-              <a:rPr lang="fr-FR" sz="1800" b="1" dirty="0"/>
-              <a:t> et </a:t>
-            </a:r>
-            <a:r>
-              <a:rPr lang="fr-FR" sz="1800" b="1" dirty="0" smtClean="0"/>
-              <a:t>CSS3</a:t>
-            </a:r>
-          </a:p>
-          <a:p>
-            <a:r>
-              <a:rPr lang="en-US" sz="1800" b="1" dirty="0" smtClean="0"/>
-              <a:t>MySQL 8 - </a:t>
-            </a:r>
-            <a:r>
-              <a:rPr lang="fr-FR" sz="1800" dirty="0" smtClean="0"/>
-              <a:t>système </a:t>
-            </a:r>
-            <a:r>
-              <a:rPr lang="fr-FR" sz="1800" dirty="0"/>
-              <a:t>de gestion de bases de données relationnelles </a:t>
-            </a:r>
-            <a:r>
-              <a:rPr lang="fr-FR" sz="1800" dirty="0" smtClean="0"/>
-              <a:t>.</a:t>
-            </a:r>
-            <a:endParaRPr lang="fr-FR" sz="1800" dirty="0"/>
+              <a:t>système de gestion de bases de données relationnelles .</a:t>
+            </a:r>
           </a:p>
         </p:txBody>
       </p:sp>
@@ -16782,13 +15853,6 @@
   <p:clrMapOvr>
     <a:masterClrMapping/>
   </p:clrMapOvr>
-  <p:timing>
-    <p:tnLst>
-      <p:par>
-        <p:cTn id="1" dur="indefinite" restart="never" nodeType="tmRoot"/>
-      </p:par>
-    </p:tnLst>
-  </p:timing>
 </p:sld>
 </file>
 
@@ -16838,16 +15902,12 @@
           <a:lstStyle/>
           <a:p>
             <a:r>
-              <a:rPr lang="fr-FR" b="1" dirty="0" err="1" smtClean="0"/>
+              <a:rPr lang="fr-FR" b="1" dirty="0" err="1"/>
               <a:t>Frameworks</a:t>
             </a:r>
             <a:r>
-              <a:rPr lang="fr-FR" b="1" dirty="0" smtClean="0"/>
-              <a:t> </a:t>
-            </a:r>
-            <a:r>
               <a:rPr lang="fr-FR" b="1" dirty="0"/>
-              <a:t>et </a:t>
+              <a:t> et </a:t>
             </a:r>
             <a:r>
               <a:rPr lang="fr-FR" b="1" dirty="0">
@@ -16894,11 +15954,11 @@
           <a:lstStyle/>
           <a:p>
             <a:r>
-              <a:rPr lang="fr-FR" sz="1900" b="1" dirty="0" err="1" smtClean="0"/>
+              <a:rPr lang="fr-FR" sz="1900" b="1" dirty="0" err="1"/>
               <a:t>Springboot</a:t>
             </a:r>
             <a:r>
-              <a:rPr lang="fr-FR" sz="1900" b="1" dirty="0" smtClean="0"/>
+              <a:rPr lang="fr-FR" sz="1900" b="1" dirty="0"/>
               <a:t> 2.5.4</a:t>
             </a:r>
             <a:r>
@@ -16910,26 +15970,18 @@
               <a:t>—</a:t>
             </a:r>
             <a:r>
-              <a:rPr lang="fr-FR" sz="1900" dirty="0" smtClean="0"/>
+              <a:rPr lang="fr-FR" sz="1900" dirty="0"/>
               <a:t> Un </a:t>
             </a:r>
             <a:r>
-              <a:rPr lang="fr-FR" sz="1900" dirty="0" err="1" smtClean="0"/>
+              <a:rPr lang="fr-FR" sz="1900" dirty="0" err="1"/>
               <a:t>framework</a:t>
             </a:r>
             <a:r>
-              <a:rPr lang="fr-FR" sz="1900" dirty="0" smtClean="0"/>
-              <a:t> </a:t>
-            </a:r>
-            <a:r>
               <a:rPr lang="fr-FR" sz="1900" dirty="0"/>
-              <a:t>open source qui prisse en charge la création d’objets et la mise en relation d’objets par l’intermédiaire d’un fichier de </a:t>
-            </a:r>
-            <a:r>
-              <a:rPr lang="fr-FR" sz="1900" dirty="0" smtClean="0"/>
-              <a:t>configuration.</a:t>
-            </a:r>
-            <a:endParaRPr lang="fr-FR" sz="2200" dirty="0" smtClean="0">
+              <a:t> open source qui prisse en charge la création d’objets et la mise en relation d’objets par l’intermédiaire d’un fichier de configuration.</a:t>
+            </a:r>
+            <a:endParaRPr lang="fr-FR" sz="2200" dirty="0">
               <a:solidFill>
                 <a:srgbClr val="4A66AC"/>
               </a:solidFill>
@@ -16939,7 +15991,7 @@
             <a:pPr marL="274320" lvl="1" indent="0">
               <a:buNone/>
             </a:pPr>
-            <a:endParaRPr lang="fr-FR" dirty="0" smtClean="0">
+            <a:endParaRPr lang="fr-FR" dirty="0">
               <a:solidFill>
                 <a:srgbClr val="4A66AC"/>
               </a:solidFill>
@@ -16950,7 +16002,7 @@
               <a:buNone/>
             </a:pPr>
             <a:r>
-              <a:rPr lang="fr-FR" dirty="0" smtClean="0">
+              <a:rPr lang="fr-FR" dirty="0">
                 <a:solidFill>
                   <a:srgbClr val="4A66AC"/>
                 </a:solidFill>
@@ -16958,7 +16010,7 @@
               <a:t>Les </a:t>
             </a:r>
             <a:r>
-              <a:rPr lang="fr-FR" dirty="0" err="1" smtClean="0">
+              <a:rPr lang="fr-FR" dirty="0" err="1">
                 <a:solidFill>
                   <a:srgbClr val="4A66AC"/>
                 </a:solidFill>
@@ -16966,7 +16018,7 @@
               <a:t>libraries</a:t>
             </a:r>
             <a:r>
-              <a:rPr lang="fr-FR" dirty="0" smtClean="0">
+              <a:rPr lang="fr-FR" dirty="0">
                 <a:solidFill>
                   <a:srgbClr val="4A66AC"/>
                 </a:solidFill>
@@ -16974,7 +16026,7 @@
               <a:t> utilisées</a:t>
             </a:r>
             <a:r>
-              <a:rPr lang="fr-FR" sz="2200" dirty="0" smtClean="0">
+              <a:rPr lang="fr-FR" sz="2200" dirty="0">
                 <a:solidFill>
                   <a:srgbClr val="4A66AC"/>
                 </a:solidFill>
@@ -16992,20 +16044,12 @@
               <a:t>MySQL </a:t>
             </a:r>
             <a:r>
-              <a:rPr lang="fr-FR" dirty="0" err="1" smtClean="0"/>
+              <a:rPr lang="fr-FR" dirty="0" err="1"/>
               <a:t>Connector</a:t>
             </a:r>
             <a:r>
               <a:rPr lang="fr-FR" dirty="0"/>
-              <a:t> —</a:t>
-            </a:r>
-            <a:r>
-              <a:rPr lang="fr-FR" dirty="0" smtClean="0"/>
-              <a:t> </a:t>
-            </a:r>
-            <a:r>
-              <a:rPr lang="fr-FR" dirty="0"/>
-              <a:t>Pilote JDBC qui permet la connexion à la base de données MySQL.</a:t>
+              <a:t> — Pilote JDBC qui permet la connexion à la base de données MySQL.</a:t>
             </a:r>
           </a:p>
           <a:p>
@@ -17030,20 +16074,8 @@
               <a:t>Token</a:t>
             </a:r>
             <a:r>
-              <a:rPr lang="fr-FR" dirty="0" smtClean="0"/>
-              <a:t>) </a:t>
-            </a:r>
-            <a:r>
               <a:rPr lang="fr-FR" dirty="0"/>
-              <a:t>—</a:t>
-            </a:r>
-            <a:r>
-              <a:rPr lang="fr-FR" dirty="0" smtClean="0"/>
-              <a:t> </a:t>
-            </a:r>
-            <a:r>
-              <a:rPr lang="fr-FR" dirty="0"/>
-              <a:t>Bibliothèque la plus facile à utiliser et à comprendre pour créer et vérifier des jetons Web JSON (JWT) sur la JVM. </a:t>
+              <a:t>) — Bibliothèque la plus facile à utiliser et à comprendre pour créer et vérifier des jetons Web JSON (JWT) sur la JVM. </a:t>
             </a:r>
           </a:p>
           <a:p>
@@ -17051,7 +16083,7 @@
               <a:buNone/>
             </a:pPr>
             <a:r>
-              <a:rPr lang="fr-FR" sz="2000" b="1" dirty="0" err="1" smtClean="0">
+              <a:rPr lang="fr-FR" sz="2000" b="1" dirty="0" err="1">
                 <a:solidFill>
                   <a:srgbClr val="4A66AC"/>
                 </a:solidFill>
@@ -17059,7 +16091,7 @@
               <a:t>Angular</a:t>
             </a:r>
             <a:r>
-              <a:rPr lang="fr-FR" sz="2000" b="1" dirty="0" smtClean="0">
+              <a:rPr lang="fr-FR" sz="2000" b="1" dirty="0">
                 <a:solidFill>
                   <a:srgbClr val="4A66AC"/>
                 </a:solidFill>
@@ -17092,11 +16124,7 @@
             </a:r>
             <a:r>
               <a:rPr lang="fr-FR" sz="2000" dirty="0"/>
-              <a:t> </a:t>
-            </a:r>
-            <a:r>
-              <a:rPr lang="fr-FR" sz="2000" dirty="0" smtClean="0"/>
-              <a:t>».</a:t>
+              <a:t> ».</a:t>
             </a:r>
           </a:p>
           <a:p>
@@ -17104,19 +16132,19 @@
               <a:buNone/>
             </a:pPr>
             <a:r>
-              <a:rPr lang="en-US" sz="2000" dirty="0" smtClean="0"/>
+              <a:rPr lang="en-US" sz="2000" dirty="0"/>
               <a:t>    Les libraries </a:t>
             </a:r>
             <a:r>
-              <a:rPr lang="en-US" sz="2000" dirty="0" err="1" smtClean="0"/>
+              <a:rPr lang="en-US" sz="2000" dirty="0" err="1"/>
               <a:t>utilis</a:t>
             </a:r>
             <a:r>
-              <a:rPr lang="fr-FR" sz="2000" dirty="0" err="1" smtClean="0"/>
+              <a:rPr lang="fr-FR" sz="2000" dirty="0" err="1"/>
               <a:t>ées</a:t>
             </a:r>
             <a:r>
-              <a:rPr lang="en-US" sz="2000" dirty="0" smtClean="0"/>
+              <a:rPr lang="en-US" sz="2000" dirty="0"/>
               <a:t>:</a:t>
             </a:r>
             <a:endParaRPr lang="fr-FR" sz="2000" dirty="0"/>
@@ -17127,24 +16155,12 @@
               <a:buChar char="o"/>
             </a:pPr>
             <a:r>
-              <a:rPr lang="en-US" sz="1600" dirty="0" smtClean="0"/>
+              <a:rPr lang="en-US" sz="1600" dirty="0"/>
               <a:t>Angular Material </a:t>
             </a:r>
             <a:r>
               <a:rPr lang="fr-FR" sz="1600" dirty="0"/>
-              <a:t>—</a:t>
-            </a:r>
-            <a:r>
-              <a:rPr lang="fr-FR" sz="1600" dirty="0" smtClean="0"/>
-              <a:t> </a:t>
-            </a:r>
-            <a:r>
-              <a:rPr lang="fr-FR" sz="1600" dirty="0"/>
-              <a:t>Bibliothèque de composants </a:t>
-            </a:r>
-            <a:r>
-              <a:rPr lang="fr-FR" sz="1600" dirty="0" smtClean="0"/>
-              <a:t>UI</a:t>
+              <a:t>— Bibliothèque de composants UI</a:t>
             </a:r>
           </a:p>
           <a:p>
@@ -17153,16 +16169,12 @@
               <a:buChar char="o"/>
             </a:pPr>
             <a:r>
-              <a:rPr lang="en-US" sz="1600" dirty="0" smtClean="0"/>
+              <a:rPr lang="en-US" sz="1600" dirty="0"/>
               <a:t>ng-infinite-scroll </a:t>
             </a:r>
             <a:r>
-              <a:rPr lang="fr-FR" sz="1600" dirty="0" smtClean="0"/>
-              <a:t>— Directive </a:t>
-            </a:r>
-            <a:r>
               <a:rPr lang="fr-FR" sz="1600" dirty="0"/>
-              <a:t>"</a:t>
+              <a:t>— Directive "</a:t>
             </a:r>
             <a:r>
               <a:rPr lang="fr-FR" sz="1600" dirty="0" err="1"/>
@@ -17180,7 +16192,6 @@
               <a:rPr lang="fr-FR" sz="1600" dirty="0"/>
               <a:t> </a:t>
             </a:r>
-            <a:endParaRPr lang="fr-FR" sz="1600" dirty="0" smtClean="0"/>
           </a:p>
           <a:p>
             <a:pPr lvl="2">
@@ -17188,28 +16199,20 @@
               <a:buChar char="o"/>
             </a:pPr>
             <a:r>
-              <a:rPr lang="en-US" sz="1600" dirty="0" smtClean="0"/>
+              <a:rPr lang="en-US" sz="1600" dirty="0"/>
               <a:t>angular-</a:t>
             </a:r>
             <a:r>
-              <a:rPr lang="en-US" sz="1600" dirty="0" err="1" smtClean="0"/>
+              <a:rPr lang="en-US" sz="1600" dirty="0" err="1"/>
               <a:t>timesince</a:t>
             </a:r>
             <a:r>
-              <a:rPr lang="en-US" sz="1600" dirty="0" smtClean="0"/>
+              <a:rPr lang="en-US" sz="1600" dirty="0"/>
               <a:t> </a:t>
             </a:r>
             <a:r>
               <a:rPr lang="fr-FR" sz="1600" dirty="0"/>
-              <a:t>— </a:t>
-            </a:r>
-            <a:r>
-              <a:rPr lang="fr-FR" sz="1600" dirty="0" smtClean="0"/>
-              <a:t> une </a:t>
-            </a:r>
-            <a:r>
-              <a:rPr lang="fr-FR" sz="1600" dirty="0"/>
-              <a:t>bibliothèque simple et légère qui rend une date </a:t>
+              <a:t>—  une bibliothèque simple et légère qui rend une date </a:t>
             </a:r>
             <a:r>
               <a:rPr lang="fr-FR" sz="1600" dirty="0" err="1"/>
@@ -17219,7 +16222,7 @@
               <a:rPr lang="fr-FR" sz="1600" dirty="0"/>
               <a:t> lisible par l'homme</a:t>
             </a:r>
-            <a:endParaRPr lang="en-US" sz="1600" dirty="0" smtClean="0"/>
+            <a:endParaRPr lang="en-US" sz="1600" dirty="0"/>
           </a:p>
         </p:txBody>
       </p:sp>
@@ -17262,13 +16265,6 @@
   <p:clrMapOvr>
     <a:masterClrMapping/>
   </p:clrMapOvr>
-  <p:timing>
-    <p:tnLst>
-      <p:par>
-        <p:cTn id="1" dur="indefinite" restart="never" nodeType="tmRoot"/>
-      </p:par>
-    </p:tnLst>
-  </p:timing>
 </p:sld>
 </file>
 
@@ -17367,7 +16363,7 @@
               <a:t> </a:t>
             </a:r>
             <a:r>
-              <a:rPr lang="fr-FR" sz="1900" b="1" dirty="0" smtClean="0">
+              <a:rPr lang="fr-FR" sz="1900" b="1" dirty="0">
                 <a:solidFill>
                   <a:schemeClr val="tx2">
                     <a:lumMod val="60000"/>
@@ -17378,17 +16374,6 @@
               <a:t>2.33.0</a:t>
             </a:r>
             <a:r>
-              <a:rPr lang="fr-FR" sz="1900" dirty="0" smtClean="0">
-                <a:solidFill>
-                  <a:schemeClr val="tx2">
-                    <a:lumMod val="60000"/>
-                    <a:lumOff val="40000"/>
-                  </a:schemeClr>
-                </a:solidFill>
-              </a:rPr>
-              <a:t> </a:t>
-            </a:r>
-            <a:r>
               <a:rPr lang="fr-FR" sz="1900" dirty="0">
                 <a:solidFill>
                   <a:schemeClr val="tx2">
@@ -17397,7 +16382,7 @@
                   </a:schemeClr>
                 </a:solidFill>
               </a:rPr>
-              <a:t>: </a:t>
+              <a:t> : </a:t>
             </a:r>
             <a:r>
               <a:rPr lang="fr-FR" sz="1900" dirty="0"/>
@@ -17406,10 +16391,6 @@
             <a:br>
               <a:rPr lang="fr-FR" sz="1900" dirty="0"/>
             </a:br>
-            <a:r>
-              <a:rPr lang="fr-FR" sz="1900" dirty="0"/>
-              <a:t/>
-            </a:r>
             <a:br>
               <a:rPr lang="fr-FR" sz="1900" dirty="0"/>
             </a:br>
@@ -17469,31 +16450,15 @@
             </a:r>
             <a:r>
               <a:rPr lang="fr-FR" sz="1900" dirty="0"/>
-              <a:t> : L’outil de visualisation graphique de l’historique d’un projet. Il permet de voir </a:t>
-            </a:r>
-            <a:r>
-              <a:rPr lang="fr-FR" sz="1900" dirty="0" smtClean="0"/>
-              <a:t>l’arbre historique de notre </a:t>
-            </a:r>
-            <a:r>
-              <a:rPr lang="fr-FR" sz="1900" dirty="0" err="1" smtClean="0"/>
+              <a:t> : L’outil de visualisation graphique de l’historique d’un projet. Il permet de voir l’arbre historique de notre </a:t>
+            </a:r>
+            <a:r>
+              <a:rPr lang="fr-FR" sz="1900" dirty="0" err="1"/>
               <a:t>depot</a:t>
             </a:r>
             <a:r>
-              <a:rPr lang="fr-FR" sz="1900" dirty="0" smtClean="0"/>
-              <a:t>, </a:t>
-            </a:r>
-            <a:r>
               <a:rPr lang="fr-FR" sz="1900" dirty="0"/>
-              <a:t>les informations d’un commit (Id (SHA-1), auteur, </a:t>
-            </a:r>
-            <a:r>
-              <a:rPr lang="fr-FR" sz="1900" dirty="0" smtClean="0"/>
-              <a:t>le message, la liste de tags), </a:t>
-            </a:r>
-            <a:r>
-              <a:rPr lang="fr-FR" sz="1900" dirty="0"/>
-              <a:t>les fichiers d’un commit, la différence d’un fichier entre deux </a:t>
+              <a:t>, les informations d’un commit (Id (SHA-1), auteur, le message, la liste de tags), les fichiers d’un commit, la différence d’un fichier entre deux </a:t>
             </a:r>
             <a:r>
               <a:rPr lang="fr-FR" sz="1900" dirty="0" err="1"/>
@@ -17559,13 +16524,6 @@
   <p:clrMapOvr>
     <a:masterClrMapping/>
   </p:clrMapOvr>
-  <p:timing>
-    <p:tnLst>
-      <p:par>
-        <p:cTn id="1" dur="indefinite" restart="never" nodeType="tmRoot"/>
-      </p:par>
-    </p:tnLst>
-  </p:timing>
 </p:sld>
 </file>
 
@@ -17608,23 +16566,23 @@
           <a:lstStyle/>
           <a:p>
             <a:r>
-              <a:rPr lang="fr-FR" b="1" dirty="0" smtClean="0"/>
+              <a:rPr lang="fr-FR" b="1" dirty="0"/>
               <a:t>Les </a:t>
             </a:r>
             <a:r>
-              <a:rPr lang="fr-FR" b="1" dirty="0" err="1" smtClean="0"/>
+              <a:rPr lang="fr-FR" b="1" dirty="0" err="1"/>
               <a:t>editeurs</a:t>
             </a:r>
             <a:r>
-              <a:rPr lang="fr-FR" b="1" dirty="0" smtClean="0"/>
+              <a:rPr lang="fr-FR" b="1" dirty="0"/>
               <a:t> de </a:t>
             </a:r>
             <a:r>
-              <a:rPr lang="fr-FR" b="1" dirty="0" err="1" smtClean="0"/>
+              <a:rPr lang="fr-FR" b="1" dirty="0" err="1"/>
               <a:t>text</a:t>
             </a:r>
             <a:r>
-              <a:rPr lang="fr-FR" b="1" dirty="0" smtClean="0"/>
+              <a:rPr lang="fr-FR" b="1" dirty="0"/>
               <a:t>, outils et IDE</a:t>
             </a:r>
             <a:endParaRPr lang="fr-FR" dirty="0"/>
@@ -17659,125 +16617,121 @@
           <a:p>
             <a:pPr algn="just"/>
             <a:r>
-              <a:rPr lang="en-US" sz="2000" b="1" dirty="0" smtClean="0"/>
+              <a:rPr lang="en-US" sz="2000" b="1" dirty="0"/>
               <a:t>Eclipse IDE </a:t>
             </a:r>
             <a:r>
-              <a:rPr lang="fr-FR" sz="2000" dirty="0" smtClean="0"/>
+              <a:rPr lang="fr-FR" sz="2000" dirty="0"/>
               <a:t>— pour </a:t>
             </a:r>
             <a:r>
-              <a:rPr lang="fr-FR" sz="2000" dirty="0" err="1" smtClean="0"/>
+              <a:rPr lang="fr-FR" sz="2000" dirty="0" err="1"/>
               <a:t>gerer</a:t>
             </a:r>
             <a:r>
-              <a:rPr lang="fr-FR" sz="2000" dirty="0" smtClean="0"/>
+              <a:rPr lang="fr-FR" sz="2000" dirty="0"/>
               <a:t> la partie back-end en Java.</a:t>
             </a:r>
           </a:p>
           <a:p>
             <a:pPr algn="just"/>
             <a:r>
-              <a:rPr lang="en-US" sz="2000" b="1" dirty="0" err="1" smtClean="0"/>
+              <a:rPr lang="en-US" sz="2000" b="1" dirty="0" err="1"/>
               <a:t>VSCodium</a:t>
             </a:r>
             <a:r>
-              <a:rPr lang="en-US" sz="2000" b="1" dirty="0" smtClean="0"/>
+              <a:rPr lang="en-US" sz="2000" b="1" dirty="0"/>
               <a:t> </a:t>
             </a:r>
             <a:r>
-              <a:rPr lang="fr-FR" sz="2000" dirty="0" smtClean="0"/>
+              <a:rPr lang="fr-FR" sz="2000" dirty="0"/>
               <a:t>— un </a:t>
             </a:r>
             <a:r>
-              <a:rPr lang="fr-FR" sz="2000" dirty="0" err="1" smtClean="0"/>
+              <a:rPr lang="fr-FR" sz="2000" dirty="0" err="1"/>
               <a:t>editeur</a:t>
             </a:r>
             <a:r>
-              <a:rPr lang="fr-FR" sz="2000" dirty="0" smtClean="0"/>
+              <a:rPr lang="fr-FR" sz="2000" dirty="0"/>
               <a:t> </a:t>
             </a:r>
             <a:r>
-              <a:rPr lang="fr-FR" sz="2000" dirty="0" err="1" smtClean="0"/>
+              <a:rPr lang="fr-FR" sz="2000" dirty="0" err="1"/>
               <a:t>text</a:t>
             </a:r>
             <a:r>
-              <a:rPr lang="fr-FR" sz="2000" dirty="0" smtClean="0"/>
+              <a:rPr lang="fr-FR" sz="2000" dirty="0"/>
               <a:t>, qui permet de </a:t>
             </a:r>
             <a:r>
-              <a:rPr lang="fr-FR" sz="2000" dirty="0" err="1" smtClean="0"/>
+              <a:rPr lang="fr-FR" sz="2000" dirty="0" err="1"/>
               <a:t>gerer</a:t>
             </a:r>
             <a:r>
-              <a:rPr lang="fr-FR" sz="2000" dirty="0" smtClean="0"/>
+              <a:rPr lang="fr-FR" sz="2000" dirty="0"/>
               <a:t> tout types de fichiers, il vient avec le support </a:t>
             </a:r>
             <a:r>
-              <a:rPr lang="fr-FR" sz="2000" dirty="0" err="1" smtClean="0"/>
+              <a:rPr lang="fr-FR" sz="2000" dirty="0" err="1"/>
               <a:t>integré</a:t>
             </a:r>
             <a:r>
-              <a:rPr lang="fr-FR" sz="2000" dirty="0" smtClean="0"/>
+              <a:rPr lang="fr-FR" sz="2000" dirty="0"/>
               <a:t> d</a:t>
             </a:r>
             <a:r>
-              <a:rPr lang="en-US" sz="2000" dirty="0" smtClean="0"/>
+              <a:rPr lang="en-US" sz="2000" dirty="0"/>
               <a:t>’un terminal et </a:t>
             </a:r>
             <a:r>
-              <a:rPr lang="en-US" sz="2000" dirty="0" err="1" smtClean="0"/>
+              <a:rPr lang="en-US" sz="2000" dirty="0" err="1"/>
               <a:t>git</a:t>
             </a:r>
             <a:r>
-              <a:rPr lang="en-US" sz="2000" dirty="0" smtClean="0"/>
+              <a:rPr lang="en-US" sz="2000" dirty="0"/>
               <a:t>. </a:t>
             </a:r>
             <a:r>
-              <a:rPr lang="fr-FR" sz="2000" dirty="0" smtClean="0"/>
+              <a:rPr lang="fr-FR" sz="2000" dirty="0"/>
               <a:t>Je l’avais utilisé pour </a:t>
             </a:r>
             <a:r>
-              <a:rPr lang="fr-FR" sz="2000" dirty="0" err="1" smtClean="0"/>
+              <a:rPr lang="fr-FR" sz="2000" dirty="0" err="1"/>
               <a:t>developpeur</a:t>
             </a:r>
             <a:r>
-              <a:rPr lang="fr-FR" sz="2000" dirty="0" smtClean="0"/>
+              <a:rPr lang="fr-FR" sz="2000" dirty="0"/>
               <a:t> l</a:t>
             </a:r>
             <a:r>
-              <a:rPr lang="en-US" sz="2000" dirty="0" smtClean="0"/>
+              <a:rPr lang="en-US" sz="2000" dirty="0"/>
               <a:t>a </a:t>
             </a:r>
             <a:r>
-              <a:rPr lang="en-US" sz="2000" dirty="0" err="1" smtClean="0"/>
+              <a:rPr lang="en-US" sz="2000" dirty="0" err="1"/>
               <a:t>partie</a:t>
             </a:r>
             <a:r>
-              <a:rPr lang="en-US" sz="2000" dirty="0" smtClean="0"/>
+              <a:rPr lang="en-US" sz="2000" dirty="0"/>
               <a:t> front-end de mon </a:t>
             </a:r>
             <a:r>
-              <a:rPr lang="en-US" sz="2000" dirty="0" err="1" smtClean="0"/>
+              <a:rPr lang="en-US" sz="2000" dirty="0" err="1"/>
               <a:t>projet</a:t>
             </a:r>
             <a:r>
               <a:rPr lang="en-US" sz="2000" dirty="0"/>
-              <a:t> </a:t>
-            </a:r>
-            <a:r>
-              <a:rPr lang="en-US" sz="2000" dirty="0" smtClean="0"/>
-              <a:t>(html/</a:t>
-            </a:r>
-            <a:r>
-              <a:rPr lang="en-US" sz="2000" dirty="0" err="1" smtClean="0"/>
+              <a:t> (html/</a:t>
+            </a:r>
+            <a:r>
+              <a:rPr lang="en-US" sz="2000" dirty="0" err="1"/>
               <a:t>css</a:t>
             </a:r>
             <a:r>
-              <a:rPr lang="en-US" sz="2000" dirty="0" smtClean="0"/>
+              <a:rPr lang="en-US" sz="2000" dirty="0"/>
               <a:t>/typescript).</a:t>
             </a:r>
-            <a:endParaRPr lang="fr-FR" sz="2000" b="1" dirty="0" smtClean="0"/>
+            <a:endParaRPr lang="fr-FR" sz="2000" b="1" dirty="0"/>
           </a:p>
         </p:txBody>
       </p:sp>
@@ -17820,13 +16774,6 @@
   <p:clrMapOvr>
     <a:masterClrMapping/>
   </p:clrMapOvr>
-  <p:timing>
-    <p:tnLst>
-      <p:par>
-        <p:cTn id="1" dur="indefinite" restart="never" nodeType="tmRoot"/>
-      </p:par>
-    </p:tnLst>
-  </p:timing>
 </p:sld>
 </file>
 
@@ -18658,12 +17605,6 @@
 </file>
 
 <file path=customXml/item1.xml><?xml version="1.0" encoding="utf-8"?>
-<p:properties xmlns:p="http://schemas.microsoft.com/office/2006/metadata/properties" xmlns:xsi="http://www.w3.org/2001/XMLSchema-instance" xmlns:pc="http://schemas.microsoft.com/office/infopath/2007/PartnerControls">
-  <documentManagement/>
-</p:properties>
-</file>
-
-<file path=customXml/item2.xml><?xml version="1.0" encoding="utf-8"?>
 <ct:contentTypeSchema xmlns:ct="http://schemas.microsoft.com/office/2006/metadata/contentType" xmlns:ma="http://schemas.microsoft.com/office/2006/metadata/properties/metaAttributes" ct:_="" ma:_="" ma:contentTypeName="Document" ma:contentTypeID="0x010100CA2FD6F1506F564BB79A97F9C245AD34" ma:contentTypeVersion="11" ma:contentTypeDescription="Create a new document." ma:contentTypeScope="" ma:versionID="62e164dc57e6337fb0bd5548eaf0c6d8">
   <xsd:schema xmlns:xsd="http://www.w3.org/2001/XMLSchema" xmlns:xs="http://www.w3.org/2001/XMLSchema" xmlns:p="http://schemas.microsoft.com/office/2006/metadata/properties" xmlns:ns3="386f4720-9db4-4950-8ffd-cd1ef4b846d5" xmlns:ns4="025efd7d-4e1d-49ec-b269-b81537660960" targetNamespace="http://schemas.microsoft.com/office/2006/metadata/properties" ma:root="true" ma:fieldsID="2653329da7d3ee0d0965a72fb4ee83ab" ns3:_="" ns4:_="">
     <xsd:import namespace="386f4720-9db4-4950-8ffd-cd1ef4b846d5"/>
@@ -18872,7 +17813,7 @@
 </ct:contentTypeSchema>
 </file>
 
-<file path=customXml/item3.xml><?xml version="1.0" encoding="utf-8"?>
+<file path=customXml/item2.xml><?xml version="1.0" encoding="utf-8"?>
 <?mso-contentType ?>
 <FormTemplates xmlns="http://schemas.microsoft.com/sharepoint/v3/contenttype/forms">
   <Display>DocumentLibraryForm</Display>
@@ -18881,24 +17822,13 @@
 </FormTemplates>
 </file>
 
-<file path=customXml/itemProps1.xml><?xml version="1.0" encoding="utf-8"?>
-<ds:datastoreItem xmlns:ds="http://schemas.openxmlformats.org/officeDocument/2006/customXml" ds:itemID="{F277AA4F-207B-4045-A452-6C98BA7AB2BD}">
-  <ds:schemaRefs>
-    <ds:schemaRef ds:uri="025efd7d-4e1d-49ec-b269-b81537660960"/>
-    <ds:schemaRef ds:uri="http://schemas.microsoft.com/office/2006/metadata/properties"/>
-    <ds:schemaRef ds:uri="http://www.w3.org/XML/1998/namespace"/>
-    <ds:schemaRef ds:uri="http://purl.org/dc/dcmitype/"/>
-    <ds:schemaRef ds:uri="386f4720-9db4-4950-8ffd-cd1ef4b846d5"/>
-    <ds:schemaRef ds:uri="http://purl.org/dc/elements/1.1/"/>
-    <ds:schemaRef ds:uri="http://schemas.microsoft.com/office/2006/documentManagement/types"/>
-    <ds:schemaRef ds:uri="http://schemas.microsoft.com/office/infopath/2007/PartnerControls"/>
-    <ds:schemaRef ds:uri="http://schemas.openxmlformats.org/package/2006/metadata/core-properties"/>
-    <ds:schemaRef ds:uri="http://purl.org/dc/terms/"/>
-  </ds:schemaRefs>
-</ds:datastoreItem>
+<file path=customXml/item3.xml><?xml version="1.0" encoding="utf-8"?>
+<p:properties xmlns:p="http://schemas.microsoft.com/office/2006/metadata/properties" xmlns:xsi="http://www.w3.org/2001/XMLSchema-instance" xmlns:pc="http://schemas.microsoft.com/office/infopath/2007/PartnerControls">
+  <documentManagement/>
+</p:properties>
 </file>
 
-<file path=customXml/itemProps2.xml><?xml version="1.0" encoding="utf-8"?>
+<file path=customXml/itemProps1.xml><?xml version="1.0" encoding="utf-8"?>
 <ds:datastoreItem xmlns:ds="http://schemas.openxmlformats.org/officeDocument/2006/customXml" ds:itemID="{92BA7C88-2CFC-403E-9565-3952D53463F0}">
   <ds:schemaRefs>
     <ds:schemaRef ds:uri="http://schemas.microsoft.com/office/2006/metadata/contentType"/>
@@ -18917,10 +17847,27 @@
 </ds:datastoreItem>
 </file>
 
-<file path=customXml/itemProps3.xml><?xml version="1.0" encoding="utf-8"?>
+<file path=customXml/itemProps2.xml><?xml version="1.0" encoding="utf-8"?>
 <ds:datastoreItem xmlns:ds="http://schemas.openxmlformats.org/officeDocument/2006/customXml" ds:itemID="{FA2ECFDE-CCCD-4184-981F-FCB1A88E5D9B}">
   <ds:schemaRefs>
     <ds:schemaRef ds:uri="http://schemas.microsoft.com/sharepoint/v3/contenttype/forms"/>
   </ds:schemaRefs>
 </ds:datastoreItem>
+</file>
+
+<file path=customXml/itemProps3.xml><?xml version="1.0" encoding="utf-8"?>
+<ds:datastoreItem xmlns:ds="http://schemas.openxmlformats.org/officeDocument/2006/customXml" ds:itemID="{F277AA4F-207B-4045-A452-6C98BA7AB2BD}">
+  <ds:schemaRefs>
+    <ds:schemaRef ds:uri="025efd7d-4e1d-49ec-b269-b81537660960"/>
+    <ds:schemaRef ds:uri="http://schemas.microsoft.com/office/2006/metadata/properties"/>
+    <ds:schemaRef ds:uri="http://www.w3.org/XML/1998/namespace"/>
+    <ds:schemaRef ds:uri="http://purl.org/dc/dcmitype/"/>
+    <ds:schemaRef ds:uri="386f4720-9db4-4950-8ffd-cd1ef4b846d5"/>
+    <ds:schemaRef ds:uri="http://purl.org/dc/elements/1.1/"/>
+    <ds:schemaRef ds:uri="http://schemas.microsoft.com/office/2006/documentManagement/types"/>
+    <ds:schemaRef ds:uri="http://schemas.microsoft.com/office/infopath/2007/PartnerControls"/>
+    <ds:schemaRef ds:uri="http://schemas.openxmlformats.org/package/2006/metadata/core-properties"/>
+    <ds:schemaRef ds:uri="http://purl.org/dc/terms/"/>
+  </ds:schemaRefs>
+</ds:datastoreItem>
 </file>
--- a/rapport.PPTX
+++ b/rapport.PPTX
@@ -389,7 +389,7 @@
           <a:p>
             <a:fld id="{8E9E7A7A-AB17-487C-9EC3-81C5DE33C772}" type="datetimeFigureOut">
               <a:rPr lang="fr-FR" smtClean="0"/>
-              <a:t>03/09/2021</a:t>
+              <a:t>08/09/2021</a:t>
             </a:fld>
             <a:endParaRPr lang="fr-FR"/>
           </a:p>
@@ -567,7 +567,7 @@
           <a:p>
             <a:fld id="{4A3D6330-6607-4266-91C5-92E4A45F29CC}" type="datetimeFigureOut">
               <a:rPr lang="fr-FR" smtClean="0"/>
-              <a:t>03/09/2021</a:t>
+              <a:t>08/09/2021</a:t>
             </a:fld>
             <a:endParaRPr lang="fr-FR"/>
           </a:p>
@@ -1805,7 +1805,7 @@
           <a:p>
             <a:fld id="{FF5FEE95-2E83-4D45-987C-F0DA7B5E64B4}" type="datetime1">
               <a:rPr lang="fr-FR" smtClean="0"/>
-              <a:t>03/09/2021</a:t>
+              <a:t>08/09/2021</a:t>
             </a:fld>
             <a:endParaRPr lang="fr-FR"/>
           </a:p>
@@ -2027,7 +2027,7 @@
           <a:p>
             <a:fld id="{FF5FEE95-2E83-4D45-987C-F0DA7B5E64B4}" type="datetime1">
               <a:rPr lang="fr-FR" smtClean="0"/>
-              <a:t>03/09/2021</a:t>
+              <a:t>08/09/2021</a:t>
             </a:fld>
             <a:endParaRPr lang="fr-FR"/>
           </a:p>
@@ -2208,7 +2208,7 @@
           <a:p>
             <a:fld id="{FF5FEE95-2E83-4D45-987C-F0DA7B5E64B4}" type="datetime1">
               <a:rPr lang="fr-FR" smtClean="0"/>
-              <a:t>03/09/2021</a:t>
+              <a:t>08/09/2021</a:t>
             </a:fld>
             <a:endParaRPr lang="fr-FR"/>
           </a:p>
@@ -2379,7 +2379,7 @@
           <a:p>
             <a:fld id="{FF5FEE95-2E83-4D45-987C-F0DA7B5E64B4}" type="datetime1">
               <a:rPr lang="fr-FR" smtClean="0"/>
-              <a:t>03/09/2021</a:t>
+              <a:t>08/09/2021</a:t>
             </a:fld>
             <a:endParaRPr lang="fr-FR"/>
           </a:p>
@@ -2631,7 +2631,7 @@
           <a:p>
             <a:fld id="{FF5FEE95-2E83-4D45-987C-F0DA7B5E64B4}" type="datetime1">
               <a:rPr lang="fr-FR" smtClean="0"/>
-              <a:t>03/09/2021</a:t>
+              <a:t>08/09/2021</a:t>
             </a:fld>
             <a:endParaRPr lang="fr-FR"/>
           </a:p>
@@ -2955,7 +2955,7 @@
           <a:p>
             <a:fld id="{FF5FEE95-2E83-4D45-987C-F0DA7B5E64B4}" type="datetime1">
               <a:rPr lang="fr-FR" smtClean="0"/>
-              <a:t>03/09/2021</a:t>
+              <a:t>08/09/2021</a:t>
             </a:fld>
             <a:endParaRPr lang="fr-FR"/>
           </a:p>
@@ -3380,7 +3380,7 @@
           <a:p>
             <a:fld id="{FF5FEE95-2E83-4D45-987C-F0DA7B5E64B4}" type="datetime1">
               <a:rPr lang="fr-FR" smtClean="0"/>
-              <a:t>03/09/2021</a:t>
+              <a:t>08/09/2021</a:t>
             </a:fld>
             <a:endParaRPr lang="fr-FR"/>
           </a:p>
@@ -3499,7 +3499,7 @@
           <a:p>
             <a:fld id="{FF5FEE95-2E83-4D45-987C-F0DA7B5E64B4}" type="datetime1">
               <a:rPr lang="fr-FR" smtClean="0"/>
-              <a:t>03/09/2021</a:t>
+              <a:t>08/09/2021</a:t>
             </a:fld>
             <a:endParaRPr lang="fr-FR"/>
           </a:p>
@@ -3595,7 +3595,7 @@
           <a:p>
             <a:fld id="{FF5FEE95-2E83-4D45-987C-F0DA7B5E64B4}" type="datetime1">
               <a:rPr lang="fr-FR" smtClean="0"/>
-              <a:t>03/09/2021</a:t>
+              <a:t>08/09/2021</a:t>
             </a:fld>
             <a:endParaRPr lang="fr-FR"/>
           </a:p>
@@ -3886,7 +3886,7 @@
           <a:p>
             <a:fld id="{FF5FEE95-2E83-4D45-987C-F0DA7B5E64B4}" type="datetime1">
               <a:rPr lang="fr-FR" smtClean="0"/>
-              <a:t>03/09/2021</a:t>
+              <a:t>08/09/2021</a:t>
             </a:fld>
             <a:endParaRPr lang="fr-FR"/>
           </a:p>
@@ -4159,7 +4159,7 @@
           <a:p>
             <a:fld id="{FF5FEE95-2E83-4D45-987C-F0DA7B5E64B4}" type="datetime1">
               <a:rPr lang="fr-FR" smtClean="0"/>
-              <a:t>03/09/2021</a:t>
+              <a:t>08/09/2021</a:t>
             </a:fld>
             <a:endParaRPr lang="fr-FR"/>
           </a:p>
@@ -4414,7 +4414,7 @@
           <a:p>
             <a:fld id="{FF5FEE95-2E83-4D45-987C-F0DA7B5E64B4}" type="datetime1">
               <a:rPr lang="fr-FR" smtClean="0"/>
-              <a:t>03/09/2021</a:t>
+              <a:t>08/09/2021</a:t>
             </a:fld>
             <a:endParaRPr lang="fr-FR"/>
           </a:p>
@@ -6591,7 +6591,7 @@
                   <a:schemeClr val="tx1"/>
                 </a:solidFill>
               </a:rPr>
-              <a:t>dao</a:t>
+              <a:t>repository</a:t>
             </a:r>
           </a:p>
         </p:txBody>
@@ -7725,13 +7725,15 @@
       <p:cxnSp>
         <p:nvCxnSpPr>
           <p:cNvPr id="6" name="Connecteur droit avec flèche 5"/>
-          <p:cNvCxnSpPr/>
+          <p:cNvCxnSpPr>
+            <a:cxnSpLocks/>
+          </p:cNvCxnSpPr>
           <p:nvPr/>
         </p:nvCxnSpPr>
         <p:spPr>
           <a:xfrm flipH="1" flipV="1">
-            <a:off x="3534032" y="1878227"/>
-            <a:ext cx="1713472" cy="238897"/>
+            <a:off x="3370362" y="1559746"/>
+            <a:ext cx="1877143" cy="557380"/>
           </a:xfrm>
           <a:prstGeom prst="straightConnector1">
             <a:avLst/>
@@ -7774,7 +7776,7 @@
         <p:spPr>
           <a:xfrm>
             <a:off x="460933" y="1417420"/>
-            <a:ext cx="3288699" cy="830997"/>
+            <a:ext cx="3288699" cy="461665"/>
           </a:xfrm>
           <a:prstGeom prst="rect">
             <a:avLst/>
@@ -7795,7 +7797,7 @@
                   </a:schemeClr>
                 </a:solidFill>
               </a:rPr>
-              <a:t>contient des écouteurs d'événements et des événements qui sont publiés lorsque l'utilisateur a terminé l'enregistrement ou demandé une réinitialisation du mot de passe</a:t>
+              <a:t>contient des écouteurs d'événements et des événements</a:t>
             </a:r>
             <a:endParaRPr lang="fr-FR" sz="1200" b="1" dirty="0">
               <a:solidFill>
@@ -7815,7 +7817,7 @@
         </p:nvSpPr>
         <p:spPr>
           <a:xfrm>
-            <a:off x="460933" y="2368631"/>
+            <a:off x="460933" y="1979779"/>
             <a:ext cx="3379316" cy="1015663"/>
           </a:xfrm>
           <a:prstGeom prst="rect">
@@ -7885,13 +7887,15 @@
       <p:cxnSp>
         <p:nvCxnSpPr>
           <p:cNvPr id="18" name="Connecteur droit avec flèche 17"/>
-          <p:cNvCxnSpPr/>
+          <p:cNvCxnSpPr>
+            <a:cxnSpLocks/>
+          </p:cNvCxnSpPr>
           <p:nvPr/>
         </p:nvCxnSpPr>
         <p:spPr>
           <a:xfrm flipH="1">
-            <a:off x="3749632" y="2529535"/>
-            <a:ext cx="1868573" cy="460800"/>
+            <a:off x="3601418" y="2271976"/>
+            <a:ext cx="2016789" cy="245779"/>
           </a:xfrm>
           <a:prstGeom prst="straightConnector1">
             <a:avLst/>
@@ -7933,8 +7937,8 @@
         </p:nvSpPr>
         <p:spPr>
           <a:xfrm>
-            <a:off x="451581" y="3497222"/>
-            <a:ext cx="2850292" cy="1015663"/>
+            <a:off x="477795" y="3126029"/>
+            <a:ext cx="2850292" cy="1200329"/>
           </a:xfrm>
           <a:prstGeom prst="rect">
             <a:avLst/>
@@ -7955,27 +7959,7 @@
                   </a:schemeClr>
                 </a:solidFill>
               </a:rPr>
-              <a:t>contient des entités, qui sont stockées dans la base de données, et le dao (</a:t>
-            </a:r>
-            <a:r>
-              <a:rPr lang="fr-FR" sz="1200" dirty="0" err="1">
-                <a:solidFill>
-                  <a:schemeClr val="accent1">
-                    <a:lumMod val="75000"/>
-                  </a:schemeClr>
-                </a:solidFill>
-              </a:rPr>
-              <a:t>repository</a:t>
-            </a:r>
-            <a:r>
-              <a:rPr lang="fr-FR" sz="1200" dirty="0">
-                <a:solidFill>
-                  <a:schemeClr val="accent1">
-                    <a:lumMod val="75000"/>
-                  </a:schemeClr>
-                </a:solidFill>
-              </a:rPr>
-              <a:t>) - mécanisme pour encapsuler le stockage, la récupération et le comportement de recherche</a:t>
+              <a:t>contient les entités (les données qui peuvent être persistées dans la base de données) et les repositories (mécanisme d'encapsulation du stockage, de la récupération et de la recherche qui émule une collection d'objets)</a:t>
             </a:r>
           </a:p>
         </p:txBody>
@@ -7983,13 +7967,15 @@
       <p:cxnSp>
         <p:nvCxnSpPr>
           <p:cNvPr id="21" name="Connecteur droit avec flèche 20"/>
-          <p:cNvCxnSpPr/>
+          <p:cNvCxnSpPr>
+            <a:cxnSpLocks/>
+          </p:cNvCxnSpPr>
           <p:nvPr/>
         </p:nvCxnSpPr>
         <p:spPr>
           <a:xfrm flipH="1">
-            <a:off x="3301873" y="2876462"/>
-            <a:ext cx="2279778" cy="1003560"/>
+            <a:off x="3098909" y="2876462"/>
+            <a:ext cx="2482742" cy="893820"/>
           </a:xfrm>
           <a:prstGeom prst="straightConnector1">
             <a:avLst/>
@@ -8031,7 +8017,7 @@
         </p:nvSpPr>
         <p:spPr>
           <a:xfrm>
-            <a:off x="451581" y="4633099"/>
+            <a:off x="457007" y="4454485"/>
             <a:ext cx="2817341" cy="646331"/>
           </a:xfrm>
           <a:prstGeom prst="rect">
@@ -8053,7 +8039,7 @@
                   </a:schemeClr>
                 </a:solidFill>
               </a:rPr>
-              <a:t>contient des services qui sont utilisés pour écrire la logique dans une couche différente, séparée des contrôleurs REST</a:t>
+              <a:t>contient les services qui sont utilisés pour écrire la logique dans une couche différente, séparée des contrôleurs REST</a:t>
             </a:r>
           </a:p>
         </p:txBody>
@@ -8061,13 +8047,15 @@
       <p:cxnSp>
         <p:nvCxnSpPr>
           <p:cNvPr id="26" name="Connecteur droit avec flèche 25"/>
-          <p:cNvCxnSpPr/>
+          <p:cNvCxnSpPr>
+            <a:cxnSpLocks/>
+          </p:cNvCxnSpPr>
           <p:nvPr/>
         </p:nvCxnSpPr>
         <p:spPr>
           <a:xfrm flipH="1">
-            <a:off x="3212757" y="3497222"/>
-            <a:ext cx="2368894" cy="1437243"/>
+            <a:off x="3042726" y="3497222"/>
+            <a:ext cx="2538925" cy="1280428"/>
           </a:xfrm>
           <a:prstGeom prst="straightConnector1">
             <a:avLst/>
@@ -8109,8 +8097,8 @@
         </p:nvSpPr>
         <p:spPr>
           <a:xfrm>
-            <a:off x="460933" y="5279430"/>
-            <a:ext cx="2840940" cy="1015663"/>
+            <a:off x="460933" y="5228943"/>
+            <a:ext cx="2840940" cy="830997"/>
           </a:xfrm>
           <a:prstGeom prst="rect">
             <a:avLst/>
@@ -8131,27 +8119,7 @@
                   </a:schemeClr>
                 </a:solidFill>
               </a:rPr>
-              <a:t>contient des configurations </a:t>
-            </a:r>
-            <a:r>
-              <a:rPr lang="fr-FR" sz="1200" dirty="0" err="1">
-                <a:solidFill>
-                  <a:schemeClr val="accent1">
-                    <a:lumMod val="75000"/>
-                  </a:schemeClr>
-                </a:solidFill>
-              </a:rPr>
-              <a:t>Spring</a:t>
-            </a:r>
-            <a:r>
-              <a:rPr lang="fr-FR" sz="1200" dirty="0">
-                <a:solidFill>
-                  <a:schemeClr val="accent1">
-                    <a:lumMod val="75000"/>
-                  </a:schemeClr>
-                </a:solidFill>
-              </a:rPr>
-              <a:t>. Une configuration Web pour permettre l'accès aux contrôleurs en fonction des autorisations, et la configuration qui permet la planification des tâches</a:t>
+              <a:t>contient la configurations de Spring. Configuration Web, configuration des tâches, et la configuration d'événements asynchrones</a:t>
             </a:r>
           </a:p>
         </p:txBody>
@@ -8159,13 +8127,15 @@
       <p:cxnSp>
         <p:nvCxnSpPr>
           <p:cNvPr id="29" name="Connecteur droit avec flèche 28"/>
-          <p:cNvCxnSpPr/>
+          <p:cNvCxnSpPr>
+            <a:cxnSpLocks/>
+          </p:cNvCxnSpPr>
           <p:nvPr/>
         </p:nvCxnSpPr>
         <p:spPr>
           <a:xfrm flipH="1">
-            <a:off x="3155092" y="3880022"/>
-            <a:ext cx="2463114" cy="1881668"/>
+            <a:off x="3037560" y="3880022"/>
+            <a:ext cx="2580646" cy="1662959"/>
           </a:xfrm>
           <a:prstGeom prst="straightConnector1">
             <a:avLst/>
@@ -8207,8 +8177,8 @@
         </p:nvSpPr>
         <p:spPr>
           <a:xfrm>
-            <a:off x="8221908" y="1134174"/>
-            <a:ext cx="3303373" cy="830997"/>
+            <a:off x="8277805" y="1192105"/>
+            <a:ext cx="3303373" cy="646331"/>
           </a:xfrm>
           <a:prstGeom prst="rect">
             <a:avLst/>
@@ -8229,7 +8199,7 @@
                   </a:schemeClr>
                 </a:solidFill>
               </a:rPr>
-              <a:t>contient des tâches de planification qui prennent en charge la suppression des fichiers, qui ne sont plus référencés dans la base de données, du stockage du serveur</a:t>
+              <a:t>contient les tâches de planification qui prennent en charge la suppression des fichiers, qui ne sont plus référencés dans la base de données</a:t>
             </a:r>
           </a:p>
         </p:txBody>
@@ -8237,13 +8207,15 @@
       <p:cxnSp>
         <p:nvCxnSpPr>
           <p:cNvPr id="33" name="Connecteur droit avec flèche 32"/>
-          <p:cNvCxnSpPr/>
+          <p:cNvCxnSpPr>
+            <a:cxnSpLocks/>
+          </p:cNvCxnSpPr>
           <p:nvPr/>
         </p:nvCxnSpPr>
         <p:spPr>
           <a:xfrm flipV="1">
-            <a:off x="6109754" y="1771135"/>
-            <a:ext cx="2111608" cy="2257168"/>
+            <a:off x="6109754" y="1648252"/>
+            <a:ext cx="2115548" cy="2380051"/>
           </a:xfrm>
           <a:prstGeom prst="straightConnector1">
             <a:avLst/>
@@ -8285,8 +8257,8 @@
         </p:nvSpPr>
         <p:spPr>
           <a:xfrm>
-            <a:off x="8216196" y="2042745"/>
-            <a:ext cx="3171568" cy="830997"/>
+            <a:off x="8256003" y="2114824"/>
+            <a:ext cx="3171568" cy="461665"/>
           </a:xfrm>
           <a:prstGeom prst="rect">
             <a:avLst/>
@@ -8307,7 +8279,27 @@
                   </a:schemeClr>
                 </a:solidFill>
               </a:rPr>
-              <a:t>contient des validateurs de contraintes, utilisés pour valider les demandes d'inscription, les demandes de connexion et les jetons de récupération de mot de passe</a:t>
+              <a:t>contient les validateurs de contraintes pour valider </a:t>
+            </a:r>
+            <a:r>
+              <a:rPr lang="fr-FR" sz="1200" dirty="0" err="1">
+                <a:solidFill>
+                  <a:schemeClr val="accent1">
+                    <a:lumMod val="75000"/>
+                  </a:schemeClr>
+                </a:solidFill>
+              </a:rPr>
+              <a:t>differents</a:t>
+            </a:r>
+            <a:r>
+              <a:rPr lang="fr-FR" sz="1200" dirty="0">
+                <a:solidFill>
+                  <a:schemeClr val="accent1">
+                    <a:lumMod val="75000"/>
+                  </a:schemeClr>
+                </a:solidFill>
+              </a:rPr>
+              <a:t> types de requête</a:t>
             </a:r>
           </a:p>
         </p:txBody>
@@ -8315,13 +8307,15 @@
       <p:cxnSp>
         <p:nvCxnSpPr>
           <p:cNvPr id="36" name="Connecteur droit avec flèche 35"/>
-          <p:cNvCxnSpPr/>
+          <p:cNvCxnSpPr>
+            <a:cxnSpLocks/>
+          </p:cNvCxnSpPr>
           <p:nvPr/>
         </p:nvCxnSpPr>
         <p:spPr>
           <a:xfrm flipV="1">
-            <a:off x="6532605" y="2759935"/>
-            <a:ext cx="1683591" cy="1455908"/>
+            <a:off x="6532605" y="2460203"/>
+            <a:ext cx="1745200" cy="1755640"/>
           </a:xfrm>
           <a:prstGeom prst="straightConnector1">
             <a:avLst/>
@@ -8363,7 +8357,7 @@
         </p:nvSpPr>
         <p:spPr>
           <a:xfrm>
-            <a:off x="8254313" y="2951316"/>
+            <a:off x="8302438" y="2823016"/>
             <a:ext cx="3100499" cy="646331"/>
           </a:xfrm>
           <a:prstGeom prst="rect">
@@ -8393,13 +8387,16 @@
       <p:cxnSp>
         <p:nvCxnSpPr>
           <p:cNvPr id="39" name="Connecteur droit avec flèche 38"/>
-          <p:cNvCxnSpPr/>
+          <p:cNvCxnSpPr>
+            <a:cxnSpLocks/>
+            <a:endCxn id="37" idx="1"/>
+          </p:cNvCxnSpPr>
           <p:nvPr/>
         </p:nvCxnSpPr>
         <p:spPr>
           <a:xfrm flipV="1">
-            <a:off x="6672649" y="3487889"/>
-            <a:ext cx="1581664" cy="1145210"/>
+            <a:off x="6672649" y="3146182"/>
+            <a:ext cx="1629789" cy="1486918"/>
           </a:xfrm>
           <a:prstGeom prst="straightConnector1">
             <a:avLst/>
@@ -8441,7 +8438,7 @@
         </p:nvSpPr>
         <p:spPr>
           <a:xfrm>
-            <a:off x="8283324" y="3741522"/>
+            <a:off x="8351865" y="3668226"/>
             <a:ext cx="3001644" cy="276999"/>
           </a:xfrm>
           <a:prstGeom prst="rect">
@@ -8508,13 +8505,16 @@
       <p:cxnSp>
         <p:nvCxnSpPr>
           <p:cNvPr id="42" name="Connecteur droit avec flèche 41"/>
-          <p:cNvCxnSpPr/>
+          <p:cNvCxnSpPr>
+            <a:cxnSpLocks/>
+            <a:endCxn id="40" idx="1"/>
+          </p:cNvCxnSpPr>
           <p:nvPr/>
         </p:nvCxnSpPr>
         <p:spPr>
           <a:xfrm flipV="1">
-            <a:off x="6870357" y="4005053"/>
-            <a:ext cx="1491048" cy="815803"/>
+            <a:off x="6870357" y="3806726"/>
+            <a:ext cx="1481508" cy="1014132"/>
           </a:xfrm>
           <a:prstGeom prst="straightConnector1">
             <a:avLst/>
@@ -8654,8 +8654,8 @@
         </p:nvSpPr>
         <p:spPr>
           <a:xfrm>
-            <a:off x="8310496" y="5174127"/>
-            <a:ext cx="2674342" cy="1384995"/>
+            <a:off x="8411026" y="5481810"/>
+            <a:ext cx="2674342" cy="461665"/>
           </a:xfrm>
           <a:prstGeom prst="rect">
             <a:avLst/>
@@ -8676,47 +8676,7 @@
                   </a:schemeClr>
                 </a:solidFill>
               </a:rPr>
-              <a:t>contient les exceptions qui sont lancées pendant le traitement des demandes, et un gestionnaire d'exception, qui gère toutes les exceptions et envoie au client une erreur lisible par l'homme au lieu d'un </a:t>
-            </a:r>
-            <a:r>
-              <a:rPr lang="fr-FR" sz="1200" dirty="0" err="1">
-                <a:solidFill>
-                  <a:schemeClr val="accent1">
-                    <a:lumMod val="75000"/>
-                  </a:schemeClr>
-                </a:solidFill>
-              </a:rPr>
-              <a:t>backtrace</a:t>
-            </a:r>
-            <a:r>
-              <a:rPr lang="fr-FR" sz="1200" dirty="0">
-                <a:solidFill>
-                  <a:schemeClr val="accent1">
-                    <a:lumMod val="75000"/>
-                  </a:schemeClr>
-                </a:solidFill>
-              </a:rPr>
-              <a:t>, en utilisant l'objet </a:t>
-            </a:r>
-            <a:r>
-              <a:rPr lang="fr-FR" sz="1200" dirty="0" err="1">
-                <a:solidFill>
-                  <a:schemeClr val="accent1">
-                    <a:lumMod val="75000"/>
-                  </a:schemeClr>
-                </a:solidFill>
-              </a:rPr>
-              <a:t>ApiError</a:t>
-            </a:r>
-            <a:r>
-              <a:rPr lang="fr-FR" sz="1200" dirty="0">
-                <a:solidFill>
-                  <a:schemeClr val="accent1">
-                    <a:lumMod val="75000"/>
-                  </a:schemeClr>
-                </a:solidFill>
-              </a:rPr>
-              <a:t>.</a:t>
+              <a:t>contient les exceptions personnalisées, et un gestionnaire d'exception</a:t>
             </a:r>
           </a:p>
         </p:txBody>
@@ -8724,13 +8684,16 @@
       <p:cxnSp>
         <p:nvCxnSpPr>
           <p:cNvPr id="48" name="Connecteur droit avec flèche 47"/>
-          <p:cNvCxnSpPr/>
+          <p:cNvCxnSpPr>
+            <a:cxnSpLocks/>
+            <a:endCxn id="46" idx="1"/>
+          </p:cNvCxnSpPr>
           <p:nvPr/>
         </p:nvCxnSpPr>
         <p:spPr>
           <a:xfrm>
             <a:off x="6763265" y="5552303"/>
-            <a:ext cx="1598140" cy="0"/>
+            <a:ext cx="1647761" cy="160340"/>
           </a:xfrm>
           <a:prstGeom prst="straightConnector1">
             <a:avLst/>
@@ -8772,8 +8735,8 @@
         </p:nvSpPr>
         <p:spPr>
           <a:xfrm>
-            <a:off x="4222407" y="5935421"/>
-            <a:ext cx="3417667" cy="646331"/>
+            <a:off x="4303579" y="6194047"/>
+            <a:ext cx="3417667" cy="276999"/>
           </a:xfrm>
           <a:prstGeom prst="rect">
             <a:avLst/>
@@ -8786,6 +8749,7 @@
           </a:bodyPr>
           <a:lstStyle/>
           <a:p>
+            <a:pPr algn="ctr"/>
             <a:r>
               <a:rPr lang="fr-FR" sz="1200" dirty="0">
                 <a:solidFill>
@@ -8794,27 +8758,7 @@
                   </a:schemeClr>
                 </a:solidFill>
               </a:rPr>
-              <a:t>contient les propriétés de l'application (propriétés de la source de données, propriétés du servlet, propriétés du serveur et minuteries </a:t>
-            </a:r>
-            <a:r>
-              <a:rPr lang="fr-FR" sz="1200" dirty="0" err="1">
-                <a:solidFill>
-                  <a:schemeClr val="accent1">
-                    <a:lumMod val="75000"/>
-                  </a:schemeClr>
-                </a:solidFill>
-              </a:rPr>
-              <a:t>cron</a:t>
-            </a:r>
-            <a:r>
-              <a:rPr lang="fr-FR" sz="1200" dirty="0">
-                <a:solidFill>
-                  <a:schemeClr val="accent1">
-                    <a:lumMod val="75000"/>
-                  </a:schemeClr>
-                </a:solidFill>
-              </a:rPr>
-              <a:t>).</a:t>
+              <a:t>contient les propriétés de l'application</a:t>
             </a:r>
           </a:p>
         </p:txBody>
@@ -8822,13 +8766,15 @@
       <p:cxnSp>
         <p:nvCxnSpPr>
           <p:cNvPr id="51" name="Connecteur droit avec flèche 50"/>
-          <p:cNvCxnSpPr/>
+          <p:cNvCxnSpPr>
+            <a:cxnSpLocks/>
+          </p:cNvCxnSpPr>
           <p:nvPr/>
         </p:nvCxnSpPr>
         <p:spPr>
           <a:xfrm>
-            <a:off x="5016843" y="5761690"/>
-            <a:ext cx="8238" cy="276645"/>
+            <a:off x="5367528" y="5754993"/>
+            <a:ext cx="488921" cy="492518"/>
           </a:xfrm>
           <a:prstGeom prst="straightConnector1">
             <a:avLst/>
@@ -10365,8 +10311,8 @@
         </p:nvSpPr>
         <p:spPr>
           <a:xfrm>
-            <a:off x="1028699" y="1001583"/>
-            <a:ext cx="4048125" cy="1737360"/>
+            <a:off x="894823" y="2267082"/>
+            <a:ext cx="4048125" cy="497491"/>
           </a:xfrm>
         </p:spPr>
         <p:txBody>
@@ -10375,7 +10321,7 @@
           <a:p>
             <a:r>
               <a:rPr lang="fr-FR" sz="3200" dirty="0"/>
-              <a:t>Les Classes ORM</a:t>
+              <a:t>Les Entités</a:t>
             </a:r>
           </a:p>
         </p:txBody>
@@ -10398,7 +10344,7 @@
         </p:nvSpPr>
         <p:spPr>
           <a:xfrm>
-            <a:off x="1076325" y="2866539"/>
+            <a:off x="894823" y="2904820"/>
             <a:ext cx="4048124" cy="2428475"/>
           </a:xfrm>
         </p:spPr>
@@ -10408,7 +10354,7 @@
           <a:p>
             <a:r>
               <a:rPr lang="fr-FR" dirty="0"/>
-              <a:t>Module models.py</a:t>
+              <a:t>package model</a:t>
             </a:r>
             <a:endParaRPr lang="fr-FR" dirty="0">
               <a:highlight>
@@ -10418,35 +10364,24 @@
           </a:p>
           <a:p>
             <a:r>
+              <a:rPr lang="fr-FR" dirty="0"/>
+              <a:t>Les POJO (plain </a:t>
+            </a:r>
+            <a:r>
               <a:rPr lang="fr-FR" dirty="0" err="1"/>
-              <a:t>db</a:t>
+              <a:t>old</a:t>
             </a:r>
             <a:r>
               <a:rPr lang="fr-FR" dirty="0"/>
-              <a:t> est une instance de </a:t>
+              <a:t> Java </a:t>
             </a:r>
             <a:r>
               <a:rPr lang="fr-FR" dirty="0" err="1"/>
-              <a:t>SQLAlchemy</a:t>
+              <a:t>object</a:t>
             </a:r>
             <a:r>
               <a:rPr lang="fr-FR" dirty="0"/>
-              <a:t> créé dans le module database.py </a:t>
-            </a:r>
-          </a:p>
-          <a:p>
-            <a:pPr algn="just"/>
-            <a:r>
-              <a:rPr lang="fr-FR" dirty="0"/>
-              <a:t>Model est la classe base déclarative de </a:t>
-            </a:r>
-            <a:r>
-              <a:rPr lang="fr-FR" dirty="0" err="1"/>
-              <a:t>SQLAlchemy</a:t>
-            </a:r>
-            <a:r>
-              <a:rPr lang="fr-FR" dirty="0"/>
-              <a:t> qui contient toutes les classes ORM et leurs relations.</a:t>
+              <a:t>) représentant des données qui peuvent être persistées dans la base de données. Une entité représente une table stockée dans une base de données. Chaque instance d'une entité représente une ligne dans la table.</a:t>
             </a:r>
           </a:p>
         </p:txBody>
@@ -10482,10 +10417,10 @@
       </p:sp>
       <p:pic>
         <p:nvPicPr>
-          <p:cNvPr id="3" name="Picture 2">
-            <a:extLst>
-              <a:ext uri="{FF2B5EF4-FFF2-40B4-BE49-F238E27FC236}">
-                <a16:creationId xmlns:a16="http://schemas.microsoft.com/office/drawing/2014/main" id="{AE1D7377-0B8D-44F6-899E-E9F64866F450}"/>
+          <p:cNvPr id="6" name="Picture 5">
+            <a:extLst>
+              <a:ext uri="{FF2B5EF4-FFF2-40B4-BE49-F238E27FC236}">
+                <a16:creationId xmlns:a16="http://schemas.microsoft.com/office/drawing/2014/main" id="{D79338FC-3A3B-4E20-ACBE-FB60F04CC03D}"/>
               </a:ext>
             </a:extLst>
           </p:cNvPr>
@@ -10502,8 +10437,8 @@
         </p:blipFill>
         <p:spPr>
           <a:xfrm>
-            <a:off x="5434243" y="1211455"/>
-            <a:ext cx="5919807" cy="4320000"/>
+            <a:off x="4809070" y="886968"/>
+            <a:ext cx="7076946" cy="5084064"/>
           </a:xfrm>
           <a:prstGeom prst="rect">
             <a:avLst/>
@@ -17605,6 +17540,21 @@
 </file>
 
 <file path=customXml/item1.xml><?xml version="1.0" encoding="utf-8"?>
+<?mso-contentType ?>
+<FormTemplates xmlns="http://schemas.microsoft.com/sharepoint/v3/contenttype/forms">
+  <Display>DocumentLibraryForm</Display>
+  <Edit>DocumentLibraryForm</Edit>
+  <New>DocumentLibraryForm</New>
+</FormTemplates>
+</file>
+
+<file path=customXml/item2.xml><?xml version="1.0" encoding="utf-8"?>
+<p:properties xmlns:p="http://schemas.microsoft.com/office/2006/metadata/properties" xmlns:xsi="http://www.w3.org/2001/XMLSchema-instance" xmlns:pc="http://schemas.microsoft.com/office/infopath/2007/PartnerControls">
+  <documentManagement/>
+</p:properties>
+</file>
+
+<file path=customXml/item3.xml><?xml version="1.0" encoding="utf-8"?>
 <ct:contentTypeSchema xmlns:ct="http://schemas.microsoft.com/office/2006/metadata/contentType" xmlns:ma="http://schemas.microsoft.com/office/2006/metadata/properties/metaAttributes" ct:_="" ma:_="" ma:contentTypeName="Document" ma:contentTypeID="0x010100CA2FD6F1506F564BB79A97F9C245AD34" ma:contentTypeVersion="11" ma:contentTypeDescription="Create a new document." ma:contentTypeScope="" ma:versionID="62e164dc57e6337fb0bd5548eaf0c6d8">
   <xsd:schema xmlns:xsd="http://www.w3.org/2001/XMLSchema" xmlns:xs="http://www.w3.org/2001/XMLSchema" xmlns:p="http://schemas.microsoft.com/office/2006/metadata/properties" xmlns:ns3="386f4720-9db4-4950-8ffd-cd1ef4b846d5" xmlns:ns4="025efd7d-4e1d-49ec-b269-b81537660960" targetNamespace="http://schemas.microsoft.com/office/2006/metadata/properties" ma:root="true" ma:fieldsID="2653329da7d3ee0d0965a72fb4ee83ab" ns3:_="" ns4:_="">
     <xsd:import namespace="386f4720-9db4-4950-8ffd-cd1ef4b846d5"/>
@@ -17813,22 +17763,32 @@
 </ct:contentTypeSchema>
 </file>
 
-<file path=customXml/item2.xml><?xml version="1.0" encoding="utf-8"?>
-<?mso-contentType ?>
-<FormTemplates xmlns="http://schemas.microsoft.com/sharepoint/v3/contenttype/forms">
-  <Display>DocumentLibraryForm</Display>
-  <Edit>DocumentLibraryForm</Edit>
-  <New>DocumentLibraryForm</New>
-</FormTemplates>
+<file path=customXml/itemProps1.xml><?xml version="1.0" encoding="utf-8"?>
+<ds:datastoreItem xmlns:ds="http://schemas.openxmlformats.org/officeDocument/2006/customXml" ds:itemID="{FA2ECFDE-CCCD-4184-981F-FCB1A88E5D9B}">
+  <ds:schemaRefs>
+    <ds:schemaRef ds:uri="http://schemas.microsoft.com/sharepoint/v3/contenttype/forms"/>
+  </ds:schemaRefs>
+</ds:datastoreItem>
 </file>
 
-<file path=customXml/item3.xml><?xml version="1.0" encoding="utf-8"?>
-<p:properties xmlns:p="http://schemas.microsoft.com/office/2006/metadata/properties" xmlns:xsi="http://www.w3.org/2001/XMLSchema-instance" xmlns:pc="http://schemas.microsoft.com/office/infopath/2007/PartnerControls">
-  <documentManagement/>
-</p:properties>
+<file path=customXml/itemProps2.xml><?xml version="1.0" encoding="utf-8"?>
+<ds:datastoreItem xmlns:ds="http://schemas.openxmlformats.org/officeDocument/2006/customXml" ds:itemID="{F277AA4F-207B-4045-A452-6C98BA7AB2BD}">
+  <ds:schemaRefs>
+    <ds:schemaRef ds:uri="025efd7d-4e1d-49ec-b269-b81537660960"/>
+    <ds:schemaRef ds:uri="http://schemas.microsoft.com/office/2006/metadata/properties"/>
+    <ds:schemaRef ds:uri="http://www.w3.org/XML/1998/namespace"/>
+    <ds:schemaRef ds:uri="http://purl.org/dc/dcmitype/"/>
+    <ds:schemaRef ds:uri="386f4720-9db4-4950-8ffd-cd1ef4b846d5"/>
+    <ds:schemaRef ds:uri="http://purl.org/dc/elements/1.1/"/>
+    <ds:schemaRef ds:uri="http://schemas.microsoft.com/office/2006/documentManagement/types"/>
+    <ds:schemaRef ds:uri="http://schemas.microsoft.com/office/infopath/2007/PartnerControls"/>
+    <ds:schemaRef ds:uri="http://schemas.openxmlformats.org/package/2006/metadata/core-properties"/>
+    <ds:schemaRef ds:uri="http://purl.org/dc/terms/"/>
+  </ds:schemaRefs>
+</ds:datastoreItem>
 </file>
 
-<file path=customXml/itemProps1.xml><?xml version="1.0" encoding="utf-8"?>
+<file path=customXml/itemProps3.xml><?xml version="1.0" encoding="utf-8"?>
 <ds:datastoreItem xmlns:ds="http://schemas.openxmlformats.org/officeDocument/2006/customXml" ds:itemID="{92BA7C88-2CFC-403E-9565-3952D53463F0}">
   <ds:schemaRefs>
     <ds:schemaRef ds:uri="http://schemas.microsoft.com/office/2006/metadata/contentType"/>
@@ -17845,29 +17805,4 @@
     <ds:schemaRef ds:uri="http://schemas.microsoft.com/internal/obd"/>
   </ds:schemaRefs>
 </ds:datastoreItem>
-</file>
-
-<file path=customXml/itemProps2.xml><?xml version="1.0" encoding="utf-8"?>
-<ds:datastoreItem xmlns:ds="http://schemas.openxmlformats.org/officeDocument/2006/customXml" ds:itemID="{FA2ECFDE-CCCD-4184-981F-FCB1A88E5D9B}">
-  <ds:schemaRefs>
-    <ds:schemaRef ds:uri="http://schemas.microsoft.com/sharepoint/v3/contenttype/forms"/>
-  </ds:schemaRefs>
-</ds:datastoreItem>
-</file>
-
-<file path=customXml/itemProps3.xml><?xml version="1.0" encoding="utf-8"?>
-<ds:datastoreItem xmlns:ds="http://schemas.openxmlformats.org/officeDocument/2006/customXml" ds:itemID="{F277AA4F-207B-4045-A452-6C98BA7AB2BD}">
-  <ds:schemaRefs>
-    <ds:schemaRef ds:uri="025efd7d-4e1d-49ec-b269-b81537660960"/>
-    <ds:schemaRef ds:uri="http://schemas.microsoft.com/office/2006/metadata/properties"/>
-    <ds:schemaRef ds:uri="http://www.w3.org/XML/1998/namespace"/>
-    <ds:schemaRef ds:uri="http://purl.org/dc/dcmitype/"/>
-    <ds:schemaRef ds:uri="386f4720-9db4-4950-8ffd-cd1ef4b846d5"/>
-    <ds:schemaRef ds:uri="http://purl.org/dc/elements/1.1/"/>
-    <ds:schemaRef ds:uri="http://schemas.microsoft.com/office/2006/documentManagement/types"/>
-    <ds:schemaRef ds:uri="http://schemas.microsoft.com/office/infopath/2007/PartnerControls"/>
-    <ds:schemaRef ds:uri="http://schemas.openxmlformats.org/package/2006/metadata/core-properties"/>
-    <ds:schemaRef ds:uri="http://purl.org/dc/terms/"/>
-  </ds:schemaRefs>
-</ds:datastoreItem>
 </file>
--- a/rapport.PPTX
+++ b/rapport.PPTX
@@ -30,12 +30,12 @@
     <p:sldId id="374" r:id="rId21"/>
     <p:sldId id="305" r:id="rId22"/>
     <p:sldId id="306" r:id="rId23"/>
-    <p:sldId id="279" r:id="rId24"/>
-    <p:sldId id="373" r:id="rId25"/>
-    <p:sldId id="345" r:id="rId26"/>
-    <p:sldId id="367" r:id="rId27"/>
-    <p:sldId id="346" r:id="rId28"/>
-    <p:sldId id="344" r:id="rId29"/>
+    <p:sldId id="373" r:id="rId24"/>
+    <p:sldId id="345" r:id="rId25"/>
+    <p:sldId id="367" r:id="rId26"/>
+    <p:sldId id="346" r:id="rId27"/>
+    <p:sldId id="344" r:id="rId28"/>
+    <p:sldId id="375" r:id="rId29"/>
     <p:sldId id="290" r:id="rId30"/>
     <p:sldId id="312" r:id="rId31"/>
     <p:sldId id="354" r:id="rId32"/>
@@ -215,7 +215,6 @@
             <p14:sldId id="374"/>
             <p14:sldId id="305"/>
             <p14:sldId id="306"/>
-            <p14:sldId id="279"/>
           </p14:sldIdLst>
         </p14:section>
         <p14:section name="Implementation" id="{4F01F8AB-2081-45D5-9329-E02D0662CD36}">
@@ -225,6 +224,7 @@
             <p14:sldId id="367"/>
             <p14:sldId id="346"/>
             <p14:sldId id="344"/>
+            <p14:sldId id="375"/>
             <p14:sldId id="290"/>
             <p14:sldId id="312"/>
             <p14:sldId id="354"/>
@@ -254,9 +254,6 @@
             <p14:sldId id="316"/>
             <p14:sldId id="347"/>
           </p14:sldIdLst>
-        </p14:section>
-        <p14:section name="Tests" id="{2A1E5F8D-9C3F-44EA-B7C4-9D25DFEF77D5}">
-          <p14:sldIdLst/>
         </p14:section>
         <p14:section name="Conclusion" id="{07435913-793C-4D44-B94F-E25FF897E776}">
           <p14:sldIdLst>
@@ -920,6 +917,107 @@
 </p:notes>
 </file>
 
+<file path=ppt/notesSlides/notesSlide10.xml><?xml version="1.0" encoding="utf-8"?>
+<p:notes xmlns:a="http://schemas.openxmlformats.org/drawingml/2006/main" xmlns:r="http://schemas.openxmlformats.org/officeDocument/2006/relationships" xmlns:p="http://schemas.openxmlformats.org/presentationml/2006/main">
+  <p:cSld>
+    <p:spTree>
+      <p:nvGrpSpPr>
+        <p:cNvPr id="1" name=""/>
+        <p:cNvGrpSpPr/>
+        <p:nvPr/>
+      </p:nvGrpSpPr>
+      <p:grpSpPr>
+        <a:xfrm>
+          <a:off x="0" y="0"/>
+          <a:ext cx="0" cy="0"/>
+          <a:chOff x="0" y="0"/>
+          <a:chExt cx="0" cy="0"/>
+        </a:xfrm>
+      </p:grpSpPr>
+      <p:sp>
+        <p:nvSpPr>
+          <p:cNvPr id="2" name="Slide Image Placeholder 1"/>
+          <p:cNvSpPr>
+            <a:spLocks noGrp="1" noRot="1" noChangeAspect="1"/>
+          </p:cNvSpPr>
+          <p:nvPr>
+            <p:ph type="sldImg"/>
+          </p:nvPr>
+        </p:nvSpPr>
+        <p:spPr/>
+      </p:sp>
+      <p:sp>
+        <p:nvSpPr>
+          <p:cNvPr id="3" name="Notes Placeholder 2"/>
+          <p:cNvSpPr>
+            <a:spLocks noGrp="1"/>
+          </p:cNvSpPr>
+          <p:nvPr>
+            <p:ph type="body" idx="1"/>
+          </p:nvPr>
+        </p:nvSpPr>
+        <p:spPr/>
+        <p:txBody>
+          <a:bodyPr/>
+          <a:lstStyle/>
+          <a:p>
+            <a:pPr marL="0" marR="0" lvl="0" indent="0" algn="l" defTabSz="914400" rtl="0" eaLnBrk="1" fontAlgn="auto" latinLnBrk="0" hangingPunct="1">
+              <a:lnSpc>
+                <a:spcPct val="100000"/>
+              </a:lnSpc>
+              <a:spcBef>
+                <a:spcPts val="0"/>
+              </a:spcBef>
+              <a:spcAft>
+                <a:spcPts val="0"/>
+              </a:spcAft>
+              <a:buClrTx/>
+              <a:buSzTx/>
+              <a:buFontTx/>
+              <a:buNone/>
+              <a:tabLst/>
+              <a:defRPr/>
+            </a:pPr>
+            <a:endParaRPr lang="en-US" dirty="0"/>
+          </a:p>
+        </p:txBody>
+      </p:sp>
+      <p:sp>
+        <p:nvSpPr>
+          <p:cNvPr id="4" name="Slide Number Placeholder 3"/>
+          <p:cNvSpPr>
+            <a:spLocks noGrp="1"/>
+          </p:cNvSpPr>
+          <p:nvPr>
+            <p:ph type="sldNum" sz="quarter" idx="5"/>
+          </p:nvPr>
+        </p:nvSpPr>
+        <p:spPr/>
+        <p:txBody>
+          <a:bodyPr/>
+          <a:lstStyle/>
+          <a:p>
+            <a:fld id="{CA344FEA-621B-4B81-A1B3-BC018540DB26}" type="slidenum">
+              <a:rPr lang="fr-FR" smtClean="0"/>
+              <a:t>25</a:t>
+            </a:fld>
+            <a:endParaRPr lang="fr-FR"/>
+          </a:p>
+        </p:txBody>
+      </p:sp>
+    </p:spTree>
+    <p:extLst>
+      <p:ext uri="{BB962C8B-B14F-4D97-AF65-F5344CB8AC3E}">
+        <p14:creationId xmlns:p14="http://schemas.microsoft.com/office/powerpoint/2010/main" val="2349577186"/>
+      </p:ext>
+    </p:extLst>
+  </p:cSld>
+  <p:clrMapOvr>
+    <a:masterClrMapping/>
+  </p:clrMapOvr>
+</p:notes>
+</file>
+
 <file path=ppt/notesSlides/notesSlide2.xml><?xml version="1.0" encoding="utf-8"?>
 <p:notes xmlns:a="http://schemas.openxmlformats.org/drawingml/2006/main" xmlns:r="http://schemas.openxmlformats.org/officeDocument/2006/relationships" xmlns:p="http://schemas.openxmlformats.org/presentationml/2006/main">
   <p:cSld>
@@ -1489,7 +1587,7 @@
           <a:p>
             <a:fld id="{CA344FEA-621B-4B81-A1B3-BC018540DB26}" type="slidenum">
               <a:rPr lang="fr-FR" smtClean="0"/>
-              <a:t>22</a:t>
+              <a:t>21</a:t>
             </a:fld>
             <a:endParaRPr lang="fr-FR"/>
           </a:p>
@@ -1590,7 +1688,7 @@
           <a:p>
             <a:fld id="{CA344FEA-621B-4B81-A1B3-BC018540DB26}" type="slidenum">
               <a:rPr lang="fr-FR" smtClean="0"/>
-              <a:t>25</a:t>
+              <a:t>24</a:t>
             </a:fld>
             <a:endParaRPr lang="fr-FR"/>
           </a:p>
@@ -9874,10 +9972,38 @@
       </p:grpSpPr>
       <p:sp>
         <p:nvSpPr>
-          <p:cNvPr id="4" name="Slide Number Placeholder 3">
-            <a:extLst>
-              <a:ext uri="{FF2B5EF4-FFF2-40B4-BE49-F238E27FC236}">
-                <a16:creationId xmlns:a16="http://schemas.microsoft.com/office/drawing/2014/main" id="{FB67C934-97E0-490F-A04F-9A696566CBCE}"/>
+          <p:cNvPr id="6" name="Title 5">
+            <a:extLst>
+              <a:ext uri="{FF2B5EF4-FFF2-40B4-BE49-F238E27FC236}">
+                <a16:creationId xmlns:a16="http://schemas.microsoft.com/office/drawing/2014/main" id="{4E580A3E-6CEB-4116-9FE2-20FA30465974}"/>
+              </a:ext>
+            </a:extLst>
+          </p:cNvPr>
+          <p:cNvSpPr>
+            <a:spLocks noGrp="1"/>
+          </p:cNvSpPr>
+          <p:nvPr>
+            <p:ph type="title"/>
+          </p:nvPr>
+        </p:nvSpPr>
+        <p:spPr/>
+        <p:txBody>
+          <a:bodyPr/>
+          <a:lstStyle/>
+          <a:p>
+            <a:r>
+              <a:rPr lang="fr-FR" dirty="0"/>
+              <a:t>implémentation</a:t>
+            </a:r>
+          </a:p>
+        </p:txBody>
+      </p:sp>
+      <p:sp>
+        <p:nvSpPr>
+          <p:cNvPr id="5" name="Slide Number Placeholder 4">
+            <a:extLst>
+              <a:ext uri="{FF2B5EF4-FFF2-40B4-BE49-F238E27FC236}">
+                <a16:creationId xmlns:a16="http://schemas.microsoft.com/office/drawing/2014/main" id="{D114C4F2-23AE-4BE4-BCF3-BCDE63E4887D}"/>
               </a:ext>
             </a:extLst>
           </p:cNvPr>
@@ -9901,285 +10027,10 @@
           </a:p>
         </p:txBody>
       </p:sp>
-      <p:pic>
-        <p:nvPicPr>
-          <p:cNvPr id="18" name="Content Placeholder 17">
-            <a:extLst>
-              <a:ext uri="{FF2B5EF4-FFF2-40B4-BE49-F238E27FC236}">
-                <a16:creationId xmlns:a16="http://schemas.microsoft.com/office/drawing/2014/main" id="{E0E7A415-6D31-4F53-92D1-DED93E534F36}"/>
-              </a:ext>
-            </a:extLst>
-          </p:cNvPr>
-          <p:cNvPicPr>
-            <a:picLocks noGrp="1" noChangeAspect="1"/>
-          </p:cNvPicPr>
-          <p:nvPr>
-            <p:ph sz="half" idx="4294967295"/>
-          </p:nvPr>
-        </p:nvPicPr>
-        <p:blipFill>
-          <a:blip r:embed="rId2"/>
-          <a:stretch>
-            <a:fillRect/>
-          </a:stretch>
-        </p:blipFill>
-        <p:spPr>
-          <a:xfrm>
-            <a:off x="0" y="2516188"/>
-            <a:ext cx="3686175" cy="2051050"/>
-          </a:xfrm>
-        </p:spPr>
-      </p:pic>
-      <p:pic>
-        <p:nvPicPr>
-          <p:cNvPr id="36" name="Content Placeholder 35">
-            <a:extLst>
-              <a:ext uri="{FF2B5EF4-FFF2-40B4-BE49-F238E27FC236}">
-                <a16:creationId xmlns:a16="http://schemas.microsoft.com/office/drawing/2014/main" id="{28813DFD-F216-455F-80C8-213CC306BCF0}"/>
-              </a:ext>
-            </a:extLst>
-          </p:cNvPr>
-          <p:cNvPicPr>
-            <a:picLocks noGrp="1" noChangeAspect="1"/>
-          </p:cNvPicPr>
-          <p:nvPr>
-            <p:ph sz="half" idx="4294967295"/>
-          </p:nvPr>
-        </p:nvPicPr>
-        <p:blipFill>
-          <a:blip r:embed="rId3"/>
-          <a:stretch>
-            <a:fillRect/>
-          </a:stretch>
-        </p:blipFill>
-        <p:spPr>
-          <a:xfrm>
-            <a:off x="7588250" y="1273175"/>
-            <a:ext cx="4603750" cy="4537075"/>
-          </a:xfrm>
-        </p:spPr>
-      </p:pic>
-      <p:sp>
-        <p:nvSpPr>
-          <p:cNvPr id="15" name="Rectangle 14">
-            <a:extLst>
-              <a:ext uri="{FF2B5EF4-FFF2-40B4-BE49-F238E27FC236}">
-                <a16:creationId xmlns:a16="http://schemas.microsoft.com/office/drawing/2014/main" id="{967D2BBB-0B04-4C85-B81A-506E056BA635}"/>
-              </a:ext>
-            </a:extLst>
-          </p:cNvPr>
-          <p:cNvSpPr/>
-          <p:nvPr/>
-        </p:nvSpPr>
-        <p:spPr>
-          <a:xfrm>
-            <a:off x="772168" y="800100"/>
-            <a:ext cx="4399272" cy="5423728"/>
-          </a:xfrm>
-          <a:prstGeom prst="rect">
-            <a:avLst/>
-          </a:prstGeom>
-          <a:noFill/>
-        </p:spPr>
-        <p:style>
-          <a:lnRef idx="2">
-            <a:schemeClr val="accent6"/>
-          </a:lnRef>
-          <a:fillRef idx="1">
-            <a:schemeClr val="lt1"/>
-          </a:fillRef>
-          <a:effectRef idx="0">
-            <a:schemeClr val="accent6"/>
-          </a:effectRef>
-          <a:fontRef idx="minor">
-            <a:schemeClr val="dk1"/>
-          </a:fontRef>
-        </p:style>
-        <p:txBody>
-          <a:bodyPr rtlCol="0" anchor="ctr"/>
-          <a:lstStyle/>
-          <a:p>
-            <a:pPr algn="ctr"/>
-            <a:endParaRPr lang="fr-FR"/>
-          </a:p>
-        </p:txBody>
-      </p:sp>
-      <p:sp>
-        <p:nvSpPr>
-          <p:cNvPr id="16" name="Rectangle 15">
-            <a:extLst>
-              <a:ext uri="{FF2B5EF4-FFF2-40B4-BE49-F238E27FC236}">
-                <a16:creationId xmlns:a16="http://schemas.microsoft.com/office/drawing/2014/main" id="{58AE085C-19BC-4104-A0C0-7FDCDBA96CE7}"/>
-              </a:ext>
-            </a:extLst>
-          </p:cNvPr>
-          <p:cNvSpPr/>
-          <p:nvPr/>
-        </p:nvSpPr>
-        <p:spPr>
-          <a:xfrm>
-            <a:off x="5763260" y="824672"/>
-            <a:ext cx="5717539" cy="5423728"/>
-          </a:xfrm>
-          <a:prstGeom prst="rect">
-            <a:avLst/>
-          </a:prstGeom>
-          <a:noFill/>
-        </p:spPr>
-        <p:style>
-          <a:lnRef idx="2">
-            <a:schemeClr val="accent6"/>
-          </a:lnRef>
-          <a:fillRef idx="1">
-            <a:schemeClr val="lt1"/>
-          </a:fillRef>
-          <a:effectRef idx="0">
-            <a:schemeClr val="accent6"/>
-          </a:effectRef>
-          <a:fontRef idx="minor">
-            <a:schemeClr val="dk1"/>
-          </a:fontRef>
-        </p:style>
-        <p:txBody>
-          <a:bodyPr rtlCol="0" anchor="ctr"/>
-          <a:lstStyle/>
-          <a:p>
-            <a:pPr algn="ctr"/>
-            <a:endParaRPr lang="fr-FR"/>
-          </a:p>
-        </p:txBody>
-      </p:sp>
-      <p:sp>
-        <p:nvSpPr>
-          <p:cNvPr id="30" name="Arrow: Right 29">
-            <a:extLst>
-              <a:ext uri="{FF2B5EF4-FFF2-40B4-BE49-F238E27FC236}">
-                <a16:creationId xmlns:a16="http://schemas.microsoft.com/office/drawing/2014/main" id="{80CE0D6C-4B60-4281-9718-C883CE0D2479}"/>
-              </a:ext>
-            </a:extLst>
-          </p:cNvPr>
-          <p:cNvSpPr/>
-          <p:nvPr/>
-        </p:nvSpPr>
-        <p:spPr>
-          <a:xfrm>
-            <a:off x="4687580" y="3541760"/>
-            <a:ext cx="1089653" cy="252000"/>
-          </a:xfrm>
-          <a:prstGeom prst="rightArrow">
-            <a:avLst>
-              <a:gd name="adj1" fmla="val 58063"/>
-              <a:gd name="adj2" fmla="val 50000"/>
-            </a:avLst>
-          </a:prstGeom>
-        </p:spPr>
-        <p:style>
-          <a:lnRef idx="2">
-            <a:schemeClr val="accent1">
-              <a:shade val="50000"/>
-            </a:schemeClr>
-          </a:lnRef>
-          <a:fillRef idx="1">
-            <a:schemeClr val="accent1"/>
-          </a:fillRef>
-          <a:effectRef idx="0">
-            <a:schemeClr val="accent1"/>
-          </a:effectRef>
-          <a:fontRef idx="minor">
-            <a:schemeClr val="lt1"/>
-          </a:fontRef>
-        </p:style>
-        <p:txBody>
-          <a:bodyPr rtlCol="0" anchor="ctr"/>
-          <a:lstStyle/>
-          <a:p>
-            <a:pPr algn="ctr"/>
-            <a:endParaRPr lang="fr-FR"/>
-          </a:p>
-        </p:txBody>
-      </p:sp>
-      <p:sp>
-        <p:nvSpPr>
-          <p:cNvPr id="31" name="TextBox 30">
-            <a:extLst>
-              <a:ext uri="{FF2B5EF4-FFF2-40B4-BE49-F238E27FC236}">
-                <a16:creationId xmlns:a16="http://schemas.microsoft.com/office/drawing/2014/main" id="{BC53E1B6-E13F-413E-8570-7A54A8EE3CD3}"/>
-              </a:ext>
-            </a:extLst>
-          </p:cNvPr>
-          <p:cNvSpPr txBox="1"/>
-          <p:nvPr/>
-        </p:nvSpPr>
-        <p:spPr>
-          <a:xfrm>
-            <a:off x="2068195" y="952501"/>
-            <a:ext cx="1940560" cy="276999"/>
-          </a:xfrm>
-          <a:prstGeom prst="rect">
-            <a:avLst/>
-          </a:prstGeom>
-          <a:noFill/>
-        </p:spPr>
-        <p:txBody>
-          <a:bodyPr wrap="square" rtlCol="0">
-            <a:spAutoFit/>
-          </a:bodyPr>
-          <a:lstStyle/>
-          <a:p>
-            <a:r>
-              <a:rPr lang="fr-FR" sz="1200" i="1" dirty="0">
-                <a:solidFill>
-                  <a:srgbClr val="4A66AC"/>
-                </a:solidFill>
-              </a:rPr>
-              <a:t>Diagramme de packages</a:t>
-            </a:r>
-          </a:p>
-        </p:txBody>
-      </p:sp>
-      <p:sp>
-        <p:nvSpPr>
-          <p:cNvPr id="32" name="TextBox 31">
-            <a:extLst>
-              <a:ext uri="{FF2B5EF4-FFF2-40B4-BE49-F238E27FC236}">
-                <a16:creationId xmlns:a16="http://schemas.microsoft.com/office/drawing/2014/main" id="{D5E26461-1273-4296-8E63-D3267FFD9492}"/>
-              </a:ext>
-            </a:extLst>
-          </p:cNvPr>
-          <p:cNvSpPr txBox="1"/>
-          <p:nvPr/>
-        </p:nvSpPr>
-        <p:spPr>
-          <a:xfrm>
-            <a:off x="6553200" y="958215"/>
-            <a:ext cx="4846320" cy="276999"/>
-          </a:xfrm>
-          <a:prstGeom prst="rect">
-            <a:avLst/>
-          </a:prstGeom>
-          <a:noFill/>
-        </p:spPr>
-        <p:txBody>
-          <a:bodyPr wrap="square" rtlCol="0">
-            <a:spAutoFit/>
-          </a:bodyPr>
-          <a:lstStyle/>
-          <a:p>
-            <a:r>
-              <a:rPr lang="fr-FR" sz="1200" i="1" dirty="0">
-                <a:solidFill>
-                  <a:srgbClr val="4A66AC"/>
-                </a:solidFill>
-              </a:rPr>
-              <a:t>Diagramme de cas d’utilisations du package « Consultation »</a:t>
-            </a:r>
-          </a:p>
-        </p:txBody>
-      </p:sp>
     </p:spTree>
     <p:extLst>
       <p:ext uri="{BB962C8B-B14F-4D97-AF65-F5344CB8AC3E}">
-        <p14:creationId xmlns:p14="http://schemas.microsoft.com/office/powerpoint/2010/main" val="1507287825"/>
+        <p14:creationId xmlns:p14="http://schemas.microsoft.com/office/powerpoint/2010/main" val="282304843"/>
       </p:ext>
     </p:extLst>
   </p:cSld>
@@ -10208,10 +10059,10 @@
       </p:grpSpPr>
       <p:sp>
         <p:nvSpPr>
-          <p:cNvPr id="6" name="Title 5">
-            <a:extLst>
-              <a:ext uri="{FF2B5EF4-FFF2-40B4-BE49-F238E27FC236}">
-                <a16:creationId xmlns:a16="http://schemas.microsoft.com/office/drawing/2014/main" id="{4E580A3E-6CEB-4116-9FE2-20FA30465974}"/>
+          <p:cNvPr id="5" name="Title 4">
+            <a:extLst>
+              <a:ext uri="{FF2B5EF4-FFF2-40B4-BE49-F238E27FC236}">
+                <a16:creationId xmlns:a16="http://schemas.microsoft.com/office/drawing/2014/main" id="{4CDF0B49-DFFF-4F07-A69C-15C9675C177D}"/>
               </a:ext>
             </a:extLst>
           </p:cNvPr>
@@ -10222,24 +10073,93 @@
             <p:ph type="title"/>
           </p:nvPr>
         </p:nvSpPr>
-        <p:spPr/>
+        <p:spPr>
+          <a:xfrm>
+            <a:off x="894823" y="2267082"/>
+            <a:ext cx="4048125" cy="497491"/>
+          </a:xfrm>
+        </p:spPr>
         <p:txBody>
           <a:bodyPr/>
           <a:lstStyle/>
           <a:p>
             <a:r>
+              <a:rPr lang="fr-FR" sz="3200" dirty="0"/>
+              <a:t>Entité</a:t>
+            </a:r>
+          </a:p>
+        </p:txBody>
+      </p:sp>
+      <p:sp>
+        <p:nvSpPr>
+          <p:cNvPr id="7" name="Text Placeholder 6">
+            <a:extLst>
+              <a:ext uri="{FF2B5EF4-FFF2-40B4-BE49-F238E27FC236}">
+                <a16:creationId xmlns:a16="http://schemas.microsoft.com/office/drawing/2014/main" id="{9D7F3D95-B628-49D2-A8CC-AA330A076C71}"/>
+              </a:ext>
+            </a:extLst>
+          </p:cNvPr>
+          <p:cNvSpPr>
+            <a:spLocks noGrp="1"/>
+          </p:cNvSpPr>
+          <p:nvPr>
+            <p:ph type="body" sz="half" idx="2"/>
+          </p:nvPr>
+        </p:nvSpPr>
+        <p:spPr>
+          <a:xfrm>
+            <a:off x="894823" y="2904820"/>
+            <a:ext cx="4048124" cy="2428475"/>
+          </a:xfrm>
+        </p:spPr>
+        <p:txBody>
+          <a:bodyPr/>
+          <a:lstStyle/>
+          <a:p>
+            <a:r>
               <a:rPr lang="fr-FR" dirty="0"/>
-              <a:t>implémentation</a:t>
-            </a:r>
-          </a:p>
-        </p:txBody>
-      </p:sp>
-      <p:sp>
-        <p:nvSpPr>
-          <p:cNvPr id="5" name="Slide Number Placeholder 4">
-            <a:extLst>
-              <a:ext uri="{FF2B5EF4-FFF2-40B4-BE49-F238E27FC236}">
-                <a16:creationId xmlns:a16="http://schemas.microsoft.com/office/drawing/2014/main" id="{D114C4F2-23AE-4BE4-BCF3-BCDE63E4887D}"/>
+              <a:t>package </a:t>
+            </a:r>
+            <a:r>
+              <a:rPr lang="fr-FR" dirty="0" err="1"/>
+              <a:t>rest.model</a:t>
+            </a:r>
+            <a:endParaRPr lang="fr-FR" dirty="0">
+              <a:highlight>
+                <a:srgbClr val="FFFF00"/>
+              </a:highlight>
+            </a:endParaRPr>
+          </a:p>
+          <a:p>
+            <a:r>
+              <a:rPr lang="fr-FR" dirty="0"/>
+              <a:t>Les POJO (plain </a:t>
+            </a:r>
+            <a:r>
+              <a:rPr lang="fr-FR" dirty="0" err="1"/>
+              <a:t>old</a:t>
+            </a:r>
+            <a:r>
+              <a:rPr lang="fr-FR" dirty="0"/>
+              <a:t> Java </a:t>
+            </a:r>
+            <a:r>
+              <a:rPr lang="fr-FR" dirty="0" err="1"/>
+              <a:t>object</a:t>
+            </a:r>
+            <a:r>
+              <a:rPr lang="fr-FR" dirty="0"/>
+              <a:t>) représentant des données qui peuvent être persistées dans la base de données. Une entité représente une table stockée dans une base de données. Chaque instance d'une entité représente une ligne dans la table.</a:t>
+            </a:r>
+          </a:p>
+        </p:txBody>
+      </p:sp>
+      <p:sp>
+        <p:nvSpPr>
+          <p:cNvPr id="4" name="Slide Number Placeholder 3">
+            <a:extLst>
+              <a:ext uri="{FF2B5EF4-FFF2-40B4-BE49-F238E27FC236}">
+                <a16:creationId xmlns:a16="http://schemas.microsoft.com/office/drawing/2014/main" id="{679FED70-8373-4B7B-9939-9D42BBF449F0}"/>
               </a:ext>
             </a:extLst>
           </p:cNvPr>
@@ -10263,10 +10183,40 @@
           </a:p>
         </p:txBody>
       </p:sp>
+      <p:pic>
+        <p:nvPicPr>
+          <p:cNvPr id="6" name="Picture 5">
+            <a:extLst>
+              <a:ext uri="{FF2B5EF4-FFF2-40B4-BE49-F238E27FC236}">
+                <a16:creationId xmlns:a16="http://schemas.microsoft.com/office/drawing/2014/main" id="{D79338FC-3A3B-4E20-ACBE-FB60F04CC03D}"/>
+              </a:ext>
+            </a:extLst>
+          </p:cNvPr>
+          <p:cNvPicPr>
+            <a:picLocks noChangeAspect="1"/>
+          </p:cNvPicPr>
+          <p:nvPr/>
+        </p:nvPicPr>
+        <p:blipFill>
+          <a:blip r:embed="rId3"/>
+          <a:stretch>
+            <a:fillRect/>
+          </a:stretch>
+        </p:blipFill>
+        <p:spPr>
+          <a:xfrm>
+            <a:off x="4794220" y="886968"/>
+            <a:ext cx="7091796" cy="5094732"/>
+          </a:xfrm>
+          <a:prstGeom prst="rect">
+            <a:avLst/>
+          </a:prstGeom>
+        </p:spPr>
+      </p:pic>
     </p:spTree>
     <p:extLst>
       <p:ext uri="{BB962C8B-B14F-4D97-AF65-F5344CB8AC3E}">
-        <p14:creationId xmlns:p14="http://schemas.microsoft.com/office/powerpoint/2010/main" val="282304843"/>
+        <p14:creationId xmlns:p14="http://schemas.microsoft.com/office/powerpoint/2010/main" val="18609862"/>
       </p:ext>
     </p:extLst>
   </p:cSld>
@@ -10295,10 +10245,10 @@
       </p:grpSpPr>
       <p:sp>
         <p:nvSpPr>
-          <p:cNvPr id="5" name="Title 4">
-            <a:extLst>
-              <a:ext uri="{FF2B5EF4-FFF2-40B4-BE49-F238E27FC236}">
-                <a16:creationId xmlns:a16="http://schemas.microsoft.com/office/drawing/2014/main" id="{4CDF0B49-DFFF-4F07-A69C-15C9675C177D}"/>
+          <p:cNvPr id="2" name="Title 1">
+            <a:extLst>
+              <a:ext uri="{FF2B5EF4-FFF2-40B4-BE49-F238E27FC236}">
+                <a16:creationId xmlns:a16="http://schemas.microsoft.com/office/drawing/2014/main" id="{20D515A5-C6F5-497C-94E5-39E954224069}"/>
               </a:ext>
             </a:extLst>
           </p:cNvPr>
@@ -10311,8 +10261,8 @@
         </p:nvSpPr>
         <p:spPr>
           <a:xfrm>
-            <a:off x="894823" y="2267082"/>
-            <a:ext cx="4048125" cy="497491"/>
+            <a:off x="484667" y="2366343"/>
+            <a:ext cx="3990022" cy="530721"/>
           </a:xfrm>
         </p:spPr>
         <p:txBody>
@@ -10321,40 +10271,299 @@
           <a:p>
             <a:r>
               <a:rPr lang="fr-FR" sz="3200" dirty="0"/>
-              <a:t>Les Entités</a:t>
-            </a:r>
-          </a:p>
-        </p:txBody>
-      </p:sp>
-      <p:sp>
-        <p:nvSpPr>
-          <p:cNvPr id="7" name="Text Placeholder 6">
-            <a:extLst>
-              <a:ext uri="{FF2B5EF4-FFF2-40B4-BE49-F238E27FC236}">
-                <a16:creationId xmlns:a16="http://schemas.microsoft.com/office/drawing/2014/main" id="{9D7F3D95-B628-49D2-A8CC-AA330A076C71}"/>
-              </a:ext>
-            </a:extLst>
-          </p:cNvPr>
-          <p:cNvSpPr>
-            <a:spLocks noGrp="1"/>
-          </p:cNvSpPr>
-          <p:nvPr>
-            <p:ph type="body" sz="half" idx="2"/>
-          </p:nvPr>
-        </p:nvSpPr>
-        <p:spPr>
-          <a:xfrm>
-            <a:off x="894823" y="2904820"/>
+              <a:t>Repository</a:t>
+            </a:r>
+          </a:p>
+        </p:txBody>
+      </p:sp>
+      <p:sp>
+        <p:nvSpPr>
+          <p:cNvPr id="5" name="Slide Number Placeholder 4">
+            <a:extLst>
+              <a:ext uri="{FF2B5EF4-FFF2-40B4-BE49-F238E27FC236}">
+                <a16:creationId xmlns:a16="http://schemas.microsoft.com/office/drawing/2014/main" id="{8A03AB9E-C1EF-4514-8365-049366EC9E89}"/>
+              </a:ext>
+            </a:extLst>
+          </p:cNvPr>
+          <p:cNvSpPr>
+            <a:spLocks noGrp="1"/>
+          </p:cNvSpPr>
+          <p:nvPr>
+            <p:ph type="sldNum" sz="quarter" idx="12"/>
+          </p:nvPr>
+        </p:nvSpPr>
+        <p:spPr/>
+        <p:txBody>
+          <a:bodyPr/>
+          <a:lstStyle/>
+          <a:p>
+            <a:fld id="{C52ED629-2BC0-4D25-969E-9ED78B40D7C7}" type="slidenum">
+              <a:rPr lang="fr-FR" smtClean="0"/>
+              <a:t>22</a:t>
+            </a:fld>
+            <a:endParaRPr lang="fr-FR"/>
+          </a:p>
+        </p:txBody>
+      </p:sp>
+      <p:sp>
+        <p:nvSpPr>
+          <p:cNvPr id="9" name="Text Placeholder 6">
+            <a:extLst>
+              <a:ext uri="{FF2B5EF4-FFF2-40B4-BE49-F238E27FC236}">
+                <a16:creationId xmlns:a16="http://schemas.microsoft.com/office/drawing/2014/main" id="{5E829D45-B73C-4DB2-9FF2-C18C11D66A63}"/>
+              </a:ext>
+            </a:extLst>
+          </p:cNvPr>
+          <p:cNvSpPr txBox="1">
+            <a:spLocks/>
+          </p:cNvSpPr>
+          <p:nvPr/>
+        </p:nvSpPr>
+        <p:spPr>
+          <a:xfrm>
+            <a:off x="484667" y="2974728"/>
             <a:ext cx="4048124" cy="2428475"/>
           </a:xfrm>
-        </p:spPr>
-        <p:txBody>
-          <a:bodyPr/>
-          <a:lstStyle/>
+          <a:prstGeom prst="rect">
+            <a:avLst/>
+          </a:prstGeom>
+        </p:spPr>
+        <p:txBody>
+          <a:bodyPr vert="horz" lIns="91440" tIns="45720" rIns="91440" bIns="45720" rtlCol="0">
+            <a:normAutofit/>
+          </a:bodyPr>
+          <a:lstStyle>
+            <a:lvl1pPr marL="0" indent="0" algn="l" defTabSz="914400" rtl="0" eaLnBrk="1" latinLnBrk="0" hangingPunct="1">
+              <a:lnSpc>
+                <a:spcPct val="100000"/>
+              </a:lnSpc>
+              <a:spcBef>
+                <a:spcPts val="1000"/>
+              </a:spcBef>
+              <a:buClr>
+                <a:schemeClr val="accent1"/>
+              </a:buClr>
+              <a:buSzPct val="80000"/>
+              <a:buFont typeface="Corbel" pitchFamily="34" charset="0"/>
+              <a:buNone/>
+              <a:defRPr sz="1700" kern="1200">
+                <a:solidFill>
+                  <a:schemeClr val="accent1"/>
+                </a:solidFill>
+                <a:latin typeface="+mn-lt"/>
+                <a:ea typeface="+mn-ea"/>
+                <a:cs typeface="+mn-cs"/>
+              </a:defRPr>
+            </a:lvl1pPr>
+            <a:lvl2pPr marL="457200" indent="0" algn="l" defTabSz="914400" rtl="0" eaLnBrk="1" latinLnBrk="0" hangingPunct="1">
+              <a:lnSpc>
+                <a:spcPct val="90000"/>
+              </a:lnSpc>
+              <a:spcBef>
+                <a:spcPts val="200"/>
+              </a:spcBef>
+              <a:spcAft>
+                <a:spcPts val="400"/>
+              </a:spcAft>
+              <a:buClr>
+                <a:schemeClr val="accent1"/>
+              </a:buClr>
+              <a:buSzPct val="80000"/>
+              <a:buFont typeface="Corbel" pitchFamily="34" charset="0"/>
+              <a:buNone/>
+              <a:defRPr sz="1200" kern="1200">
+                <a:solidFill>
+                  <a:schemeClr val="accent1"/>
+                </a:solidFill>
+                <a:latin typeface="+mn-lt"/>
+                <a:ea typeface="+mn-ea"/>
+                <a:cs typeface="+mn-cs"/>
+              </a:defRPr>
+            </a:lvl2pPr>
+            <a:lvl3pPr marL="914400" indent="0" algn="l" defTabSz="914400" rtl="0" eaLnBrk="1" latinLnBrk="0" hangingPunct="1">
+              <a:lnSpc>
+                <a:spcPct val="90000"/>
+              </a:lnSpc>
+              <a:spcBef>
+                <a:spcPts val="200"/>
+              </a:spcBef>
+              <a:spcAft>
+                <a:spcPts val="400"/>
+              </a:spcAft>
+              <a:buClr>
+                <a:schemeClr val="accent1"/>
+              </a:buClr>
+              <a:buSzPct val="80000"/>
+              <a:buFont typeface="Corbel" pitchFamily="34" charset="0"/>
+              <a:buNone/>
+              <a:defRPr sz="1000" kern="1200">
+                <a:solidFill>
+                  <a:schemeClr val="accent1"/>
+                </a:solidFill>
+                <a:latin typeface="+mn-lt"/>
+                <a:ea typeface="+mn-ea"/>
+                <a:cs typeface="+mn-cs"/>
+              </a:defRPr>
+            </a:lvl3pPr>
+            <a:lvl4pPr marL="1371600" indent="0" algn="l" defTabSz="914400" rtl="0" eaLnBrk="1" latinLnBrk="0" hangingPunct="1">
+              <a:lnSpc>
+                <a:spcPct val="90000"/>
+              </a:lnSpc>
+              <a:spcBef>
+                <a:spcPts val="200"/>
+              </a:spcBef>
+              <a:spcAft>
+                <a:spcPts val="400"/>
+              </a:spcAft>
+              <a:buClr>
+                <a:schemeClr val="accent1"/>
+              </a:buClr>
+              <a:buSzPct val="80000"/>
+              <a:buFont typeface="Corbel" pitchFamily="34" charset="0"/>
+              <a:buNone/>
+              <a:defRPr sz="900" kern="1200">
+                <a:solidFill>
+                  <a:schemeClr val="accent1"/>
+                </a:solidFill>
+                <a:latin typeface="+mn-lt"/>
+                <a:ea typeface="+mn-ea"/>
+                <a:cs typeface="+mn-cs"/>
+              </a:defRPr>
+            </a:lvl4pPr>
+            <a:lvl5pPr marL="1828800" indent="0" algn="l" defTabSz="914400" rtl="0" eaLnBrk="1" latinLnBrk="0" hangingPunct="1">
+              <a:lnSpc>
+                <a:spcPct val="90000"/>
+              </a:lnSpc>
+              <a:spcBef>
+                <a:spcPts val="200"/>
+              </a:spcBef>
+              <a:spcAft>
+                <a:spcPts val="400"/>
+              </a:spcAft>
+              <a:buClr>
+                <a:schemeClr val="accent1"/>
+              </a:buClr>
+              <a:buSzPct val="80000"/>
+              <a:buFont typeface="Corbel" pitchFamily="34" charset="0"/>
+              <a:buNone/>
+              <a:defRPr sz="900" kern="1200">
+                <a:solidFill>
+                  <a:schemeClr val="accent1"/>
+                </a:solidFill>
+                <a:latin typeface="+mn-lt"/>
+                <a:ea typeface="+mn-ea"/>
+                <a:cs typeface="+mn-cs"/>
+              </a:defRPr>
+            </a:lvl5pPr>
+            <a:lvl6pPr marL="2286000" indent="0" algn="l" defTabSz="914400" rtl="0" eaLnBrk="1" latinLnBrk="0" hangingPunct="1">
+              <a:lnSpc>
+                <a:spcPct val="90000"/>
+              </a:lnSpc>
+              <a:spcBef>
+                <a:spcPts val="200"/>
+              </a:spcBef>
+              <a:spcAft>
+                <a:spcPts val="400"/>
+              </a:spcAft>
+              <a:buClr>
+                <a:schemeClr val="accent1"/>
+              </a:buClr>
+              <a:buSzPct val="80000"/>
+              <a:buFont typeface="Corbel" pitchFamily="34" charset="0"/>
+              <a:buNone/>
+              <a:defRPr sz="900" kern="1200">
+                <a:solidFill>
+                  <a:schemeClr val="accent1"/>
+                </a:solidFill>
+                <a:latin typeface="+mn-lt"/>
+                <a:ea typeface="+mn-ea"/>
+                <a:cs typeface="+mn-cs"/>
+              </a:defRPr>
+            </a:lvl6pPr>
+            <a:lvl7pPr marL="2743200" indent="0" algn="l" defTabSz="914400" rtl="0" eaLnBrk="1" latinLnBrk="0" hangingPunct="1">
+              <a:lnSpc>
+                <a:spcPct val="90000"/>
+              </a:lnSpc>
+              <a:spcBef>
+                <a:spcPts val="200"/>
+              </a:spcBef>
+              <a:spcAft>
+                <a:spcPts val="400"/>
+              </a:spcAft>
+              <a:buClr>
+                <a:schemeClr val="accent1"/>
+              </a:buClr>
+              <a:buSzPct val="80000"/>
+              <a:buFont typeface="Corbel" pitchFamily="34" charset="0"/>
+              <a:buNone/>
+              <a:defRPr sz="900" kern="1200">
+                <a:solidFill>
+                  <a:schemeClr val="accent1"/>
+                </a:solidFill>
+                <a:latin typeface="+mn-lt"/>
+                <a:ea typeface="+mn-ea"/>
+                <a:cs typeface="+mn-cs"/>
+              </a:defRPr>
+            </a:lvl7pPr>
+            <a:lvl8pPr marL="3200400" indent="0" algn="l" defTabSz="914400" rtl="0" eaLnBrk="1" latinLnBrk="0" hangingPunct="1">
+              <a:lnSpc>
+                <a:spcPct val="90000"/>
+              </a:lnSpc>
+              <a:spcBef>
+                <a:spcPts val="200"/>
+              </a:spcBef>
+              <a:spcAft>
+                <a:spcPts val="400"/>
+              </a:spcAft>
+              <a:buClr>
+                <a:schemeClr val="accent1"/>
+              </a:buClr>
+              <a:buSzPct val="80000"/>
+              <a:buFont typeface="Corbel" pitchFamily="34" charset="0"/>
+              <a:buNone/>
+              <a:defRPr sz="900" kern="1200">
+                <a:solidFill>
+                  <a:schemeClr val="accent1"/>
+                </a:solidFill>
+                <a:latin typeface="+mn-lt"/>
+                <a:ea typeface="+mn-ea"/>
+                <a:cs typeface="+mn-cs"/>
+              </a:defRPr>
+            </a:lvl8pPr>
+            <a:lvl9pPr marL="3657600" indent="0" algn="l" defTabSz="914400" rtl="0" eaLnBrk="1" latinLnBrk="0" hangingPunct="1">
+              <a:lnSpc>
+                <a:spcPct val="90000"/>
+              </a:lnSpc>
+              <a:spcBef>
+                <a:spcPts val="200"/>
+              </a:spcBef>
+              <a:spcAft>
+                <a:spcPts val="400"/>
+              </a:spcAft>
+              <a:buClr>
+                <a:schemeClr val="accent1"/>
+              </a:buClr>
+              <a:buSzPct val="80000"/>
+              <a:buFont typeface="Corbel" pitchFamily="34" charset="0"/>
+              <a:buNone/>
+              <a:defRPr sz="900" kern="1200">
+                <a:solidFill>
+                  <a:schemeClr val="accent1"/>
+                </a:solidFill>
+                <a:latin typeface="+mn-lt"/>
+                <a:ea typeface="+mn-ea"/>
+                <a:cs typeface="+mn-cs"/>
+              </a:defRPr>
+            </a:lvl9pPr>
+          </a:lstStyle>
           <a:p>
             <a:r>
               <a:rPr lang="fr-FR" dirty="0"/>
-              <a:t>package model</a:t>
+              <a:t>Package </a:t>
+            </a:r>
+            <a:r>
+              <a:rPr lang="fr-FR" dirty="0" err="1"/>
+              <a:t>rest.dao</a:t>
             </a:r>
             <a:endParaRPr lang="fr-FR" dirty="0">
               <a:highlight>
@@ -10365,62 +10574,17 @@
           <a:p>
             <a:r>
               <a:rPr lang="fr-FR" dirty="0"/>
-              <a:t>Les POJO (plain </a:t>
-            </a:r>
-            <a:r>
-              <a:rPr lang="fr-FR" dirty="0" err="1"/>
-              <a:t>old</a:t>
-            </a:r>
-            <a:r>
-              <a:rPr lang="fr-FR" dirty="0"/>
-              <a:t> Java </a:t>
-            </a:r>
-            <a:r>
-              <a:rPr lang="fr-FR" dirty="0" err="1"/>
-              <a:t>object</a:t>
-            </a:r>
-            <a:r>
-              <a:rPr lang="fr-FR" dirty="0"/>
-              <a:t>) représentant des données qui peuvent être persistées dans la base de données. Une entité représente une table stockée dans une base de données. Chaque instance d'une entité représente une ligne dans la table.</a:t>
-            </a:r>
-          </a:p>
-        </p:txBody>
-      </p:sp>
-      <p:sp>
-        <p:nvSpPr>
-          <p:cNvPr id="4" name="Slide Number Placeholder 3">
-            <a:extLst>
-              <a:ext uri="{FF2B5EF4-FFF2-40B4-BE49-F238E27FC236}">
-                <a16:creationId xmlns:a16="http://schemas.microsoft.com/office/drawing/2014/main" id="{679FED70-8373-4B7B-9939-9D42BBF449F0}"/>
-              </a:ext>
-            </a:extLst>
-          </p:cNvPr>
-          <p:cNvSpPr>
-            <a:spLocks noGrp="1"/>
-          </p:cNvSpPr>
-          <p:nvPr>
-            <p:ph type="sldNum" sz="quarter" idx="12"/>
-          </p:nvPr>
-        </p:nvSpPr>
-        <p:spPr/>
-        <p:txBody>
-          <a:bodyPr/>
-          <a:lstStyle/>
-          <a:p>
-            <a:fld id="{C52ED629-2BC0-4D25-969E-9ED78B40D7C7}" type="slidenum">
-              <a:rPr lang="fr-FR" smtClean="0"/>
-              <a:t>22</a:t>
-            </a:fld>
-            <a:endParaRPr lang="fr-FR"/>
+              <a:t>Mécanisme d'encapsulation du stockage, de la récupération et de la recherche qui émule une collection d'objets</a:t>
+            </a:r>
           </a:p>
         </p:txBody>
       </p:sp>
       <p:pic>
         <p:nvPicPr>
-          <p:cNvPr id="6" name="Picture 5">
-            <a:extLst>
-              <a:ext uri="{FF2B5EF4-FFF2-40B4-BE49-F238E27FC236}">
-                <a16:creationId xmlns:a16="http://schemas.microsoft.com/office/drawing/2014/main" id="{D79338FC-3A3B-4E20-ACBE-FB60F04CC03D}"/>
+          <p:cNvPr id="15" name="Picture 14">
+            <a:extLst>
+              <a:ext uri="{FF2B5EF4-FFF2-40B4-BE49-F238E27FC236}">
+                <a16:creationId xmlns:a16="http://schemas.microsoft.com/office/drawing/2014/main" id="{4D794A99-8C93-4B81-AB1D-7752AF866298}"/>
               </a:ext>
             </a:extLst>
           </p:cNvPr>
@@ -10430,15 +10594,15 @@
           <p:nvPr/>
         </p:nvPicPr>
         <p:blipFill>
-          <a:blip r:embed="rId3"/>
+          <a:blip r:embed="rId2"/>
           <a:stretch>
             <a:fillRect/>
           </a:stretch>
         </p:blipFill>
         <p:spPr>
           <a:xfrm>
-            <a:off x="4809070" y="886968"/>
-            <a:ext cx="7076946" cy="5084064"/>
+            <a:off x="4885038" y="1682826"/>
+            <a:ext cx="6339016" cy="3440584"/>
           </a:xfrm>
           <a:prstGeom prst="rect">
             <a:avLst/>
@@ -10448,7 +10612,7 @@
     </p:spTree>
     <p:extLst>
       <p:ext uri="{BB962C8B-B14F-4D97-AF65-F5344CB8AC3E}">
-        <p14:creationId xmlns:p14="http://schemas.microsoft.com/office/powerpoint/2010/main" val="18609862"/>
+        <p14:creationId xmlns:p14="http://schemas.microsoft.com/office/powerpoint/2010/main" val="1446959564"/>
       </p:ext>
     </p:extLst>
   </p:cSld>
@@ -10480,7 +10644,7 @@
           <p:cNvPr id="2" name="Title 1">
             <a:extLst>
               <a:ext uri="{FF2B5EF4-FFF2-40B4-BE49-F238E27FC236}">
-                <a16:creationId xmlns:a16="http://schemas.microsoft.com/office/drawing/2014/main" id="{20D515A5-C6F5-497C-94E5-39E954224069}"/>
+                <a16:creationId xmlns:a16="http://schemas.microsoft.com/office/drawing/2014/main" id="{98F90172-22ED-45C0-9E05-7AE26E27DAD1}"/>
               </a:ext>
             </a:extLst>
           </p:cNvPr>
@@ -10493,8 +10657,8 @@
         </p:nvSpPr>
         <p:spPr>
           <a:xfrm>
-            <a:off x="1132367" y="1009339"/>
-            <a:ext cx="3931920" cy="1737360"/>
+            <a:off x="561975" y="2305050"/>
+            <a:ext cx="3588488" cy="529590"/>
           </a:xfrm>
         </p:spPr>
         <p:txBody>
@@ -10503,7 +10667,7 @@
           <a:p>
             <a:r>
               <a:rPr lang="fr-FR" sz="3200" dirty="0"/>
-              <a:t>Migrations</a:t>
+              <a:t>Service</a:t>
             </a:r>
           </a:p>
         </p:txBody>
@@ -10513,7 +10677,7 @@
           <p:cNvPr id="4" name="Text Placeholder 3">
             <a:extLst>
               <a:ext uri="{FF2B5EF4-FFF2-40B4-BE49-F238E27FC236}">
-                <a16:creationId xmlns:a16="http://schemas.microsoft.com/office/drawing/2014/main" id="{346A3C87-2BEC-4F72-BB95-2A1DC946926A}"/>
+                <a16:creationId xmlns:a16="http://schemas.microsoft.com/office/drawing/2014/main" id="{C8F2384B-06FE-45A1-858F-D93DD9A1BB08}"/>
               </a:ext>
             </a:extLst>
           </p:cNvPr>
@@ -10526,8 +10690,8 @@
         </p:nvSpPr>
         <p:spPr>
           <a:xfrm>
-            <a:off x="1143000" y="2866539"/>
-            <a:ext cx="2620926" cy="1545973"/>
+            <a:off x="561975" y="3021795"/>
+            <a:ext cx="3588488" cy="2003131"/>
           </a:xfrm>
         </p:spPr>
         <p:txBody>
@@ -10538,14 +10702,27 @@
           <a:p>
             <a:r>
               <a:rPr lang="fr-FR" dirty="0"/>
-              <a:t>Dossier migrations/</a:t>
-            </a:r>
+              <a:t>Package </a:t>
+            </a:r>
+            <a:r>
+              <a:rPr lang="fr-FR" dirty="0" err="1"/>
+              <a:t>service.impl</a:t>
+            </a:r>
+            <a:endParaRPr lang="fr-FR" dirty="0"/>
           </a:p>
           <a:p>
             <a:pPr algn="just"/>
             <a:r>
               <a:rPr lang="fr-FR" dirty="0"/>
-              <a:t>Exemples de scripts de modifications de la base de données.</a:t>
+              <a:t>Les fichiers de classe qui sont utilisés pour écrire la logique métier dans une couche différente, séparée du fichier de classe @</a:t>
+            </a:r>
+            <a:r>
+              <a:rPr lang="fr-FR" dirty="0" err="1"/>
+              <a:t>RestController</a:t>
+            </a:r>
+            <a:r>
+              <a:rPr lang="fr-FR" dirty="0"/>
+              <a:t>.</a:t>
             </a:r>
           </a:p>
         </p:txBody>
@@ -10555,7 +10732,7 @@
           <p:cNvPr id="5" name="Slide Number Placeholder 4">
             <a:extLst>
               <a:ext uri="{FF2B5EF4-FFF2-40B4-BE49-F238E27FC236}">
-                <a16:creationId xmlns:a16="http://schemas.microsoft.com/office/drawing/2014/main" id="{8A03AB9E-C1EF-4514-8365-049366EC9E89}"/>
+                <a16:creationId xmlns:a16="http://schemas.microsoft.com/office/drawing/2014/main" id="{8E70A56F-EA1B-4F60-91B7-BCA62F99293D}"/>
               </a:ext>
             </a:extLst>
           </p:cNvPr>
@@ -10579,135 +10756,12 @@
           </a:p>
         </p:txBody>
       </p:sp>
-      <p:sp>
-        <p:nvSpPr>
-          <p:cNvPr id="10" name="TextBox 9">
-            <a:extLst>
-              <a:ext uri="{FF2B5EF4-FFF2-40B4-BE49-F238E27FC236}">
-                <a16:creationId xmlns:a16="http://schemas.microsoft.com/office/drawing/2014/main" id="{9DAEBB5B-9244-4D7F-9925-F785F4D45A39}"/>
-              </a:ext>
-            </a:extLst>
-          </p:cNvPr>
-          <p:cNvSpPr txBox="1"/>
-          <p:nvPr/>
-        </p:nvSpPr>
-        <p:spPr>
-          <a:xfrm>
-            <a:off x="5231440" y="3714138"/>
-            <a:ext cx="3790951" cy="353943"/>
-          </a:xfrm>
-          <a:prstGeom prst="rect">
-            <a:avLst/>
-          </a:prstGeom>
-          <a:noFill/>
-        </p:spPr>
-        <p:txBody>
-          <a:bodyPr wrap="square" rtlCol="0">
-            <a:spAutoFit/>
-          </a:bodyPr>
-          <a:lstStyle/>
-          <a:p>
-            <a:r>
-              <a:rPr lang="fr-FR" sz="1600" i="1" dirty="0" err="1">
-                <a:solidFill>
-                  <a:srgbClr val="4A66AC"/>
-                </a:solidFill>
-              </a:rPr>
-              <a:t>Version</a:t>
-            </a:r>
-            <a:r>
-              <a:rPr lang="fr-FR" sz="1700" i="1" dirty="0" err="1">
-                <a:solidFill>
-                  <a:srgbClr val="4A66AC"/>
-                </a:solidFill>
-              </a:rPr>
-              <a:t>_date</a:t>
-            </a:r>
-            <a:r>
-              <a:rPr lang="fr-FR" sz="1700" i="1" dirty="0">
-                <a:solidFill>
-                  <a:srgbClr val="4A66AC"/>
-                </a:solidFill>
-              </a:rPr>
-              <a:t> : </a:t>
-            </a:r>
-            <a:r>
-              <a:rPr lang="fr-FR" sz="1700" i="1" dirty="0" err="1">
-                <a:solidFill>
-                  <a:srgbClr val="4A66AC"/>
-                </a:solidFill>
-              </a:rPr>
-              <a:t>timezone</a:t>
-            </a:r>
-            <a:r>
-              <a:rPr lang="fr-FR" sz="1700" i="1" dirty="0">
-                <a:solidFill>
-                  <a:srgbClr val="4A66AC"/>
-                </a:solidFill>
-              </a:rPr>
-              <a:t> = </a:t>
-            </a:r>
-            <a:r>
-              <a:rPr lang="fr-FR" sz="1700" i="1" dirty="0" err="1">
-                <a:solidFill>
-                  <a:srgbClr val="4A66AC"/>
-                </a:solidFill>
-              </a:rPr>
-              <a:t>True</a:t>
-            </a:r>
-            <a:endParaRPr lang="fr-FR" sz="1700" i="1" dirty="0">
-              <a:solidFill>
-                <a:srgbClr val="4A66AC"/>
-              </a:solidFill>
-            </a:endParaRPr>
-          </a:p>
-        </p:txBody>
-      </p:sp>
-      <p:sp>
-        <p:nvSpPr>
-          <p:cNvPr id="11" name="TextBox 10">
-            <a:extLst>
-              <a:ext uri="{FF2B5EF4-FFF2-40B4-BE49-F238E27FC236}">
-                <a16:creationId xmlns:a16="http://schemas.microsoft.com/office/drawing/2014/main" id="{30C83169-C78F-4502-BF62-2136F6131BAE}"/>
-              </a:ext>
-            </a:extLst>
-          </p:cNvPr>
-          <p:cNvSpPr txBox="1"/>
-          <p:nvPr/>
-        </p:nvSpPr>
-        <p:spPr>
-          <a:xfrm>
-            <a:off x="5238751" y="450999"/>
-            <a:ext cx="2705100" cy="353943"/>
-          </a:xfrm>
-          <a:prstGeom prst="rect">
-            <a:avLst/>
-          </a:prstGeom>
-          <a:noFill/>
-        </p:spPr>
-        <p:txBody>
-          <a:bodyPr wrap="square" rtlCol="0">
-            <a:spAutoFit/>
-          </a:bodyPr>
-          <a:lstStyle/>
-          <a:p>
-            <a:r>
-              <a:rPr lang="fr-FR" sz="1700" i="1" dirty="0">
-                <a:solidFill>
-                  <a:srgbClr val="4A66AC"/>
-                </a:solidFill>
-              </a:rPr>
-              <a:t>Modifications de noms</a:t>
-            </a:r>
-          </a:p>
-        </p:txBody>
-      </p:sp>
       <p:pic>
         <p:nvPicPr>
-          <p:cNvPr id="6" name="Picture 5">
-            <a:extLst>
-              <a:ext uri="{FF2B5EF4-FFF2-40B4-BE49-F238E27FC236}">
-                <a16:creationId xmlns:a16="http://schemas.microsoft.com/office/drawing/2014/main" id="{CCF061CD-985B-41DE-AB67-4866FE8A6BEE}"/>
+          <p:cNvPr id="7" name="Picture 6">
+            <a:extLst>
+              <a:ext uri="{FF2B5EF4-FFF2-40B4-BE49-F238E27FC236}">
+                <a16:creationId xmlns:a16="http://schemas.microsoft.com/office/drawing/2014/main" id="{45BBD823-B4DA-4471-9B1C-7E5F0C2D7FD6}"/>
               </a:ext>
             </a:extLst>
           </p:cNvPr>
@@ -10724,38 +10778,8 @@
         </p:blipFill>
         <p:spPr>
           <a:xfrm>
-            <a:off x="5611802" y="798636"/>
-            <a:ext cx="5588203" cy="2700000"/>
-          </a:xfrm>
-          <a:prstGeom prst="rect">
-            <a:avLst/>
-          </a:prstGeom>
-        </p:spPr>
-      </p:pic>
-      <p:pic>
-        <p:nvPicPr>
-          <p:cNvPr id="12" name="Picture 11">
-            <a:extLst>
-              <a:ext uri="{FF2B5EF4-FFF2-40B4-BE49-F238E27FC236}">
-                <a16:creationId xmlns:a16="http://schemas.microsoft.com/office/drawing/2014/main" id="{AE3E11B6-807A-4B8F-9ABB-EB0B1BDAB7B7}"/>
-              </a:ext>
-            </a:extLst>
-          </p:cNvPr>
-          <p:cNvPicPr>
-            <a:picLocks noChangeAspect="1"/>
-          </p:cNvPicPr>
-          <p:nvPr/>
-        </p:nvPicPr>
-        <p:blipFill>
-          <a:blip r:embed="rId3"/>
-          <a:stretch>
-            <a:fillRect/>
-          </a:stretch>
-        </p:blipFill>
-        <p:spPr>
-          <a:xfrm>
-            <a:off x="5677790" y="4070806"/>
-            <a:ext cx="3328658" cy="2160000"/>
+            <a:off x="4150463" y="423443"/>
+            <a:ext cx="7793887" cy="5614090"/>
           </a:xfrm>
           <a:prstGeom prst="rect">
             <a:avLst/>
@@ -10765,7 +10789,7 @@
     </p:spTree>
     <p:extLst>
       <p:ext uri="{BB962C8B-B14F-4D97-AF65-F5344CB8AC3E}">
-        <p14:creationId xmlns:p14="http://schemas.microsoft.com/office/powerpoint/2010/main" val="1446959564"/>
+        <p14:creationId xmlns:p14="http://schemas.microsoft.com/office/powerpoint/2010/main" val="1269320423"/>
       </p:ext>
     </p:extLst>
   </p:cSld>
@@ -10794,10 +10818,10 @@
       </p:grpSpPr>
       <p:sp>
         <p:nvSpPr>
-          <p:cNvPr id="2" name="Title 1">
-            <a:extLst>
-              <a:ext uri="{FF2B5EF4-FFF2-40B4-BE49-F238E27FC236}">
-                <a16:creationId xmlns:a16="http://schemas.microsoft.com/office/drawing/2014/main" id="{98F90172-22ED-45C0-9E05-7AE26E27DAD1}"/>
+          <p:cNvPr id="8" name="Title 7">
+            <a:extLst>
+              <a:ext uri="{FF2B5EF4-FFF2-40B4-BE49-F238E27FC236}">
+                <a16:creationId xmlns:a16="http://schemas.microsoft.com/office/drawing/2014/main" id="{70DD703C-496A-4D79-A750-6BF493C55E67}"/>
               </a:ext>
             </a:extLst>
           </p:cNvPr>
@@ -10810,8 +10834,8 @@
         </p:nvSpPr>
         <p:spPr>
           <a:xfrm>
-            <a:off x="1143000" y="1097280"/>
-            <a:ext cx="3588488" cy="1737360"/>
+            <a:off x="561975" y="1809749"/>
+            <a:ext cx="3539314" cy="920115"/>
           </a:xfrm>
         </p:spPr>
         <p:txBody>
@@ -10820,17 +10844,17 @@
           <a:p>
             <a:r>
               <a:rPr lang="fr-FR" sz="3200" dirty="0"/>
-              <a:t>Paramètres de connexion de la base de données</a:t>
-            </a:r>
-          </a:p>
-        </p:txBody>
-      </p:sp>
-      <p:sp>
-        <p:nvSpPr>
-          <p:cNvPr id="4" name="Text Placeholder 3">
-            <a:extLst>
-              <a:ext uri="{FF2B5EF4-FFF2-40B4-BE49-F238E27FC236}">
-                <a16:creationId xmlns:a16="http://schemas.microsoft.com/office/drawing/2014/main" id="{C8F2384B-06FE-45A1-858F-D93DD9A1BB08}"/>
+              <a:t>Controlleur Rest</a:t>
+            </a:r>
+          </a:p>
+        </p:txBody>
+      </p:sp>
+      <p:sp>
+        <p:nvSpPr>
+          <p:cNvPr id="10" name="Text Placeholder 9">
+            <a:extLst>
+              <a:ext uri="{FF2B5EF4-FFF2-40B4-BE49-F238E27FC236}">
+                <a16:creationId xmlns:a16="http://schemas.microsoft.com/office/drawing/2014/main" id="{F8E1EE0F-E85E-4C5F-81B8-5CB3F139BCE8}"/>
               </a:ext>
             </a:extLst>
           </p:cNvPr>
@@ -10843,71 +10867,36 @@
         </p:nvSpPr>
         <p:spPr>
           <a:xfrm>
-            <a:off x="1143000" y="3047336"/>
-            <a:ext cx="3588488" cy="2003131"/>
+            <a:off x="619126" y="2844165"/>
+            <a:ext cx="3482163" cy="2003174"/>
           </a:xfrm>
         </p:spPr>
         <p:txBody>
           <a:bodyPr>
-            <a:normAutofit lnSpcReduction="10000"/>
+            <a:normAutofit/>
           </a:bodyPr>
           <a:lstStyle/>
           <a:p>
             <a:r>
               <a:rPr lang="fr-FR" dirty="0"/>
-              <a:t>Module database.py</a:t>
+              <a:t>Package web.controller</a:t>
             </a:r>
           </a:p>
           <a:p>
             <a:pPr algn="just"/>
             <a:r>
-              <a:rPr lang="fr-FR" dirty="0" err="1"/>
-              <a:t>db</a:t>
-            </a:r>
-            <a:r>
               <a:rPr lang="fr-FR" dirty="0"/>
-              <a:t> et </a:t>
-            </a:r>
-            <a:r>
-              <a:rPr lang="fr-FR" dirty="0" err="1"/>
-              <a:t>migrate</a:t>
-            </a:r>
-            <a:r>
-              <a:rPr lang="fr-FR" dirty="0"/>
-              <a:t> sont des instances de </a:t>
-            </a:r>
-            <a:r>
-              <a:rPr lang="fr-FR" dirty="0" err="1"/>
-              <a:t>SQLAlchemy</a:t>
-            </a:r>
-            <a:r>
-              <a:rPr lang="fr-FR" dirty="0"/>
-              <a:t> et </a:t>
-            </a:r>
-            <a:r>
-              <a:rPr lang="fr-FR" dirty="0" err="1"/>
-              <a:t>Migrate</a:t>
-            </a:r>
-            <a:r>
-              <a:rPr lang="fr-FR" dirty="0"/>
-              <a:t> créées de façon globales.</a:t>
-            </a:r>
-          </a:p>
-          <a:p>
-            <a:pPr algn="just"/>
-            <a:r>
-              <a:rPr lang="fr-FR" dirty="0"/>
-              <a:t>Création d’un URI utilisé par l’objet application dans le contrôleur monitor.py</a:t>
-            </a:r>
-          </a:p>
-        </p:txBody>
-      </p:sp>
-      <p:sp>
-        <p:nvSpPr>
-          <p:cNvPr id="5" name="Slide Number Placeholder 4">
-            <a:extLst>
-              <a:ext uri="{FF2B5EF4-FFF2-40B4-BE49-F238E27FC236}">
-                <a16:creationId xmlns:a16="http://schemas.microsoft.com/office/drawing/2014/main" id="{8E70A56F-EA1B-4F60-91B7-BCA62F99293D}"/>
+              <a:t>Un contrôleur où chaque méthode renvoie un objet de domaine au lieu d'une vue. C'est un raccourci pour inclure à la fois @Controller et @ResponseBody.</a:t>
+            </a:r>
+          </a:p>
+        </p:txBody>
+      </p:sp>
+      <p:sp>
+        <p:nvSpPr>
+          <p:cNvPr id="4" name="Slide Number Placeholder 3">
+            <a:extLst>
+              <a:ext uri="{FF2B5EF4-FFF2-40B4-BE49-F238E27FC236}">
+                <a16:creationId xmlns:a16="http://schemas.microsoft.com/office/drawing/2014/main" id="{C68682F4-A2E8-4507-8723-7F44EDD2DA12}"/>
               </a:ext>
             </a:extLst>
           </p:cNvPr>
@@ -10933,10 +10922,10 @@
       </p:sp>
       <p:pic>
         <p:nvPicPr>
-          <p:cNvPr id="6" name="Picture 5">
-            <a:extLst>
-              <a:ext uri="{FF2B5EF4-FFF2-40B4-BE49-F238E27FC236}">
-                <a16:creationId xmlns:a16="http://schemas.microsoft.com/office/drawing/2014/main" id="{67D89FAA-F028-43C1-B2FE-BA7239AB78C4}"/>
+          <p:cNvPr id="11" name="Picture 10">
+            <a:extLst>
+              <a:ext uri="{FF2B5EF4-FFF2-40B4-BE49-F238E27FC236}">
+                <a16:creationId xmlns:a16="http://schemas.microsoft.com/office/drawing/2014/main" id="{16D4394B-1D75-499D-9E61-AD4C2DB43429}"/>
               </a:ext>
             </a:extLst>
           </p:cNvPr>
@@ -10946,15 +10935,15 @@
           <p:nvPr/>
         </p:nvPicPr>
         <p:blipFill>
-          <a:blip r:embed="rId2"/>
+          <a:blip r:embed="rId3"/>
           <a:stretch>
             <a:fillRect/>
           </a:stretch>
         </p:blipFill>
         <p:spPr>
           <a:xfrm>
-            <a:off x="6318668" y="898395"/>
-            <a:ext cx="3892750" cy="5061210"/>
+            <a:off x="4101289" y="428206"/>
+            <a:ext cx="7144747" cy="6001588"/>
           </a:xfrm>
           <a:prstGeom prst="rect">
             <a:avLst/>
@@ -10964,7 +10953,7 @@
     </p:spTree>
     <p:extLst>
       <p:ext uri="{BB962C8B-B14F-4D97-AF65-F5344CB8AC3E}">
-        <p14:creationId xmlns:p14="http://schemas.microsoft.com/office/powerpoint/2010/main" val="1269320423"/>
+        <p14:creationId xmlns:p14="http://schemas.microsoft.com/office/powerpoint/2010/main" val="3224417307"/>
       </p:ext>
     </p:extLst>
   </p:cSld>
@@ -11009,8 +10998,8 @@
         </p:nvSpPr>
         <p:spPr>
           <a:xfrm>
-            <a:off x="1085850" y="992505"/>
-            <a:ext cx="3539314" cy="1737360"/>
+            <a:off x="561975" y="1343025"/>
+            <a:ext cx="3539314" cy="1386839"/>
           </a:xfrm>
         </p:spPr>
         <p:txBody>
@@ -11019,14 +11008,7 @@
           <a:p>
             <a:r>
               <a:rPr lang="fr-FR" sz="3200" dirty="0"/>
-              <a:t>Création de l’objet </a:t>
-            </a:r>
-            <a:br>
-              <a:rPr lang="fr-FR" sz="3200" dirty="0"/>
-            </a:br>
-            <a:r>
-              <a:rPr lang="fr-FR" sz="3200" dirty="0"/>
-              <a:t>application Flask</a:t>
+              <a:t>Écouteur d'événements asynchrones</a:t>
             </a:r>
           </a:p>
         </p:txBody>
@@ -11049,49 +11031,39 @@
         </p:nvSpPr>
         <p:spPr>
           <a:xfrm>
-            <a:off x="1143000" y="2834640"/>
-            <a:ext cx="3482163" cy="2003174"/>
+            <a:off x="619126" y="2844164"/>
+            <a:ext cx="3482163" cy="2394585"/>
           </a:xfrm>
         </p:spPr>
         <p:txBody>
           <a:bodyPr>
-            <a:normAutofit lnSpcReduction="10000"/>
+            <a:noAutofit/>
           </a:bodyPr>
           <a:lstStyle/>
           <a:p>
             <a:r>
-              <a:rPr lang="fr-FR" dirty="0"/>
-              <a:t>monitor.py (le contrôleur)</a:t>
-            </a:r>
+              <a:rPr lang="fr-FR" sz="1800" dirty="0"/>
+              <a:t>Package </a:t>
+            </a:r>
+            <a:r>
+              <a:rPr lang="fr-FR" sz="1800" dirty="0" err="1"/>
+              <a:t>event.listeners</a:t>
+            </a:r>
+            <a:endParaRPr lang="fr-FR" sz="1800" dirty="0"/>
           </a:p>
           <a:p>
             <a:pPr algn="just"/>
             <a:r>
-              <a:rPr lang="fr-FR" dirty="0"/>
-              <a:t>Création d’un objet application Flask. Il est configuré avec l’URI pour se connecter à la BDD PostgreSQL.</a:t>
-            </a:r>
-          </a:p>
-          <a:p>
-            <a:pPr algn="just"/>
-            <a:r>
-              <a:rPr lang="fr-FR" dirty="0"/>
-              <a:t>Initialisation de l’application avec les instances de </a:t>
-            </a:r>
-            <a:r>
-              <a:rPr lang="fr-FR" dirty="0" err="1"/>
-              <a:t>SQLAlchemy</a:t>
-            </a:r>
-            <a:r>
-              <a:rPr lang="fr-FR" dirty="0"/>
-              <a:t> et </a:t>
-            </a:r>
-            <a:r>
-              <a:rPr lang="fr-FR" dirty="0" err="1"/>
-              <a:t>Migrate</a:t>
-            </a:r>
-            <a:r>
-              <a:rPr lang="fr-FR" dirty="0"/>
-              <a:t>.</a:t>
+              <a:rPr lang="fr-FR" sz="1800" dirty="0"/>
+              <a:t>Un écouteur pour les événements de l'application. @</a:t>
+            </a:r>
+            <a:r>
+              <a:rPr lang="fr-FR" sz="1800" dirty="0" err="1"/>
+              <a:t>async</a:t>
+            </a:r>
+            <a:r>
+              <a:rPr lang="fr-FR" sz="1800" dirty="0"/>
+              <a:t> permet à l'écouteur d'événements de Spring Boot de fonctionner en mode asynchrone afin que le code s'exécute dans un environnement multithread.</a:t>
             </a:r>
           </a:p>
         </p:txBody>
@@ -11127,10 +11099,10 @@
       </p:sp>
       <p:pic>
         <p:nvPicPr>
-          <p:cNvPr id="3" name="Picture 2">
-            <a:extLst>
-              <a:ext uri="{FF2B5EF4-FFF2-40B4-BE49-F238E27FC236}">
-                <a16:creationId xmlns:a16="http://schemas.microsoft.com/office/drawing/2014/main" id="{A3296821-D5E4-438D-A150-9CAFAF4D3411}"/>
+          <p:cNvPr id="5" name="Picture 4">
+            <a:extLst>
+              <a:ext uri="{FF2B5EF4-FFF2-40B4-BE49-F238E27FC236}">
+                <a16:creationId xmlns:a16="http://schemas.microsoft.com/office/drawing/2014/main" id="{36262389-DB81-4F7A-BC68-B6178DB05AAF}"/>
               </a:ext>
             </a:extLst>
           </p:cNvPr>
@@ -11147,8 +11119,8 @@
         </p:blipFill>
         <p:spPr>
           <a:xfrm>
-            <a:off x="5737568" y="1385939"/>
-            <a:ext cx="5187971" cy="3600000"/>
+            <a:off x="4101290" y="430869"/>
+            <a:ext cx="7833536" cy="6049745"/>
           </a:xfrm>
           <a:prstGeom prst="rect">
             <a:avLst/>
@@ -11158,7 +11130,7 @@
     </p:spTree>
     <p:extLst>
       <p:ext uri="{BB962C8B-B14F-4D97-AF65-F5344CB8AC3E}">
-        <p14:creationId xmlns:p14="http://schemas.microsoft.com/office/powerpoint/2010/main" val="3224417307"/>
+        <p14:creationId xmlns:p14="http://schemas.microsoft.com/office/powerpoint/2010/main" val="2339138980"/>
       </p:ext>
     </p:extLst>
   </p:cSld>
@@ -17540,21 +17512,12 @@
 </file>
 
 <file path=customXml/item1.xml><?xml version="1.0" encoding="utf-8"?>
-<?mso-contentType ?>
-<FormTemplates xmlns="http://schemas.microsoft.com/sharepoint/v3/contenttype/forms">
-  <Display>DocumentLibraryForm</Display>
-  <Edit>DocumentLibraryForm</Edit>
-  <New>DocumentLibraryForm</New>
-</FormTemplates>
-</file>
-
-<file path=customXml/item2.xml><?xml version="1.0" encoding="utf-8"?>
 <p:properties xmlns:p="http://schemas.microsoft.com/office/2006/metadata/properties" xmlns:xsi="http://www.w3.org/2001/XMLSchema-instance" xmlns:pc="http://schemas.microsoft.com/office/infopath/2007/PartnerControls">
   <documentManagement/>
 </p:properties>
 </file>
 
-<file path=customXml/item3.xml><?xml version="1.0" encoding="utf-8"?>
+<file path=customXml/item2.xml><?xml version="1.0" encoding="utf-8"?>
 <ct:contentTypeSchema xmlns:ct="http://schemas.microsoft.com/office/2006/metadata/contentType" xmlns:ma="http://schemas.microsoft.com/office/2006/metadata/properties/metaAttributes" ct:_="" ma:_="" ma:contentTypeName="Document" ma:contentTypeID="0x010100CA2FD6F1506F564BB79A97F9C245AD34" ma:contentTypeVersion="11" ma:contentTypeDescription="Create a new document." ma:contentTypeScope="" ma:versionID="62e164dc57e6337fb0bd5548eaf0c6d8">
   <xsd:schema xmlns:xsd="http://www.w3.org/2001/XMLSchema" xmlns:xs="http://www.w3.org/2001/XMLSchema" xmlns:p="http://schemas.microsoft.com/office/2006/metadata/properties" xmlns:ns3="386f4720-9db4-4950-8ffd-cd1ef4b846d5" xmlns:ns4="025efd7d-4e1d-49ec-b269-b81537660960" targetNamespace="http://schemas.microsoft.com/office/2006/metadata/properties" ma:root="true" ma:fieldsID="2653329da7d3ee0d0965a72fb4ee83ab" ns3:_="" ns4:_="">
     <xsd:import namespace="386f4720-9db4-4950-8ffd-cd1ef4b846d5"/>
@@ -17763,15 +17726,16 @@
 </ct:contentTypeSchema>
 </file>
 
-<file path=customXml/itemProps1.xml><?xml version="1.0" encoding="utf-8"?>
-<ds:datastoreItem xmlns:ds="http://schemas.openxmlformats.org/officeDocument/2006/customXml" ds:itemID="{FA2ECFDE-CCCD-4184-981F-FCB1A88E5D9B}">
-  <ds:schemaRefs>
-    <ds:schemaRef ds:uri="http://schemas.microsoft.com/sharepoint/v3/contenttype/forms"/>
-  </ds:schemaRefs>
-</ds:datastoreItem>
+<file path=customXml/item3.xml><?xml version="1.0" encoding="utf-8"?>
+<?mso-contentType ?>
+<FormTemplates xmlns="http://schemas.microsoft.com/sharepoint/v3/contenttype/forms">
+  <Display>DocumentLibraryForm</Display>
+  <Edit>DocumentLibraryForm</Edit>
+  <New>DocumentLibraryForm</New>
+</FormTemplates>
 </file>
 
-<file path=customXml/itemProps2.xml><?xml version="1.0" encoding="utf-8"?>
+<file path=customXml/itemProps1.xml><?xml version="1.0" encoding="utf-8"?>
 <ds:datastoreItem xmlns:ds="http://schemas.openxmlformats.org/officeDocument/2006/customXml" ds:itemID="{F277AA4F-207B-4045-A452-6C98BA7AB2BD}">
   <ds:schemaRefs>
     <ds:schemaRef ds:uri="025efd7d-4e1d-49ec-b269-b81537660960"/>
@@ -17788,7 +17752,7 @@
 </ds:datastoreItem>
 </file>
 
-<file path=customXml/itemProps3.xml><?xml version="1.0" encoding="utf-8"?>
+<file path=customXml/itemProps2.xml><?xml version="1.0" encoding="utf-8"?>
 <ds:datastoreItem xmlns:ds="http://schemas.openxmlformats.org/officeDocument/2006/customXml" ds:itemID="{92BA7C88-2CFC-403E-9565-3952D53463F0}">
   <ds:schemaRefs>
     <ds:schemaRef ds:uri="http://schemas.microsoft.com/office/2006/metadata/contentType"/>
@@ -17805,4 +17769,12 @@
     <ds:schemaRef ds:uri="http://schemas.microsoft.com/internal/obd"/>
   </ds:schemaRefs>
 </ds:datastoreItem>
+</file>
+
+<file path=customXml/itemProps3.xml><?xml version="1.0" encoding="utf-8"?>
+<ds:datastoreItem xmlns:ds="http://schemas.openxmlformats.org/officeDocument/2006/customXml" ds:itemID="{FA2ECFDE-CCCD-4184-981F-FCB1A88E5D9B}">
+  <ds:schemaRefs>
+    <ds:schemaRef ds:uri="http://schemas.microsoft.com/sharepoint/v3/contenttype/forms"/>
+  </ds:schemaRefs>
+</ds:datastoreItem>
 </file>
--- a/rapport.PPTX
+++ b/rapport.PPTX
@@ -5,10 +5,10 @@
     <p:sldMasterId id="2147483876" r:id="rId4"/>
   </p:sldMasterIdLst>
   <p:notesMasterIdLst>
-    <p:notesMasterId r:id="rId59"/>
+    <p:notesMasterId r:id="rId53"/>
   </p:notesMasterIdLst>
   <p:handoutMasterIdLst>
-    <p:handoutMasterId r:id="rId60"/>
+    <p:handoutMasterId r:id="rId54"/>
   </p:handoutMasterIdLst>
   <p:sldIdLst>
     <p:sldId id="256" r:id="rId5"/>
@@ -36,35 +36,29 @@
     <p:sldId id="346" r:id="rId27"/>
     <p:sldId id="344" r:id="rId28"/>
     <p:sldId id="375" r:id="rId29"/>
-    <p:sldId id="290" r:id="rId30"/>
-    <p:sldId id="312" r:id="rId31"/>
-    <p:sldId id="354" r:id="rId32"/>
-    <p:sldId id="352" r:id="rId33"/>
-    <p:sldId id="369" r:id="rId34"/>
-    <p:sldId id="311" r:id="rId35"/>
-    <p:sldId id="355" r:id="rId36"/>
-    <p:sldId id="356" r:id="rId37"/>
-    <p:sldId id="353" r:id="rId38"/>
-    <p:sldId id="357" r:id="rId39"/>
-    <p:sldId id="293" r:id="rId40"/>
-    <p:sldId id="313" r:id="rId41"/>
-    <p:sldId id="317" r:id="rId42"/>
-    <p:sldId id="362" r:id="rId43"/>
-    <p:sldId id="359" r:id="rId44"/>
-    <p:sldId id="360" r:id="rId45"/>
-    <p:sldId id="361" r:id="rId46"/>
-    <p:sldId id="370" r:id="rId47"/>
-    <p:sldId id="314" r:id="rId48"/>
-    <p:sldId id="363" r:id="rId49"/>
-    <p:sldId id="364" r:id="rId50"/>
-    <p:sldId id="358" r:id="rId51"/>
-    <p:sldId id="318" r:id="rId52"/>
-    <p:sldId id="315" r:id="rId53"/>
-    <p:sldId id="365" r:id="rId54"/>
-    <p:sldId id="366" r:id="rId55"/>
-    <p:sldId id="316" r:id="rId56"/>
-    <p:sldId id="347" r:id="rId57"/>
-    <p:sldId id="303" r:id="rId58"/>
+    <p:sldId id="352" r:id="rId30"/>
+    <p:sldId id="354" r:id="rId31"/>
+    <p:sldId id="369" r:id="rId32"/>
+    <p:sldId id="311" r:id="rId33"/>
+    <p:sldId id="355" r:id="rId34"/>
+    <p:sldId id="376" r:id="rId35"/>
+    <p:sldId id="377" r:id="rId36"/>
+    <p:sldId id="378" r:id="rId37"/>
+    <p:sldId id="379" r:id="rId38"/>
+    <p:sldId id="380" r:id="rId39"/>
+    <p:sldId id="381" r:id="rId40"/>
+    <p:sldId id="353" r:id="rId41"/>
+    <p:sldId id="382" r:id="rId42"/>
+    <p:sldId id="383" r:id="rId43"/>
+    <p:sldId id="384" r:id="rId44"/>
+    <p:sldId id="385" r:id="rId45"/>
+    <p:sldId id="386" r:id="rId46"/>
+    <p:sldId id="387" r:id="rId47"/>
+    <p:sldId id="388" r:id="rId48"/>
+    <p:sldId id="389" r:id="rId49"/>
+    <p:sldId id="390" r:id="rId50"/>
+    <p:sldId id="347" r:id="rId51"/>
+    <p:sldId id="303" r:id="rId52"/>
   </p:sldIdLst>
   <p:sldSz cx="12192000" cy="6858000"/>
   <p:notesSz cx="6858000" cy="9926638"/>
@@ -225,33 +219,27 @@
             <p14:sldId id="346"/>
             <p14:sldId id="344"/>
             <p14:sldId id="375"/>
-            <p14:sldId id="290"/>
-            <p14:sldId id="312"/>
+            <p14:sldId id="352"/>
             <p14:sldId id="354"/>
-            <p14:sldId id="352"/>
             <p14:sldId id="369"/>
             <p14:sldId id="311"/>
             <p14:sldId id="355"/>
-            <p14:sldId id="356"/>
+            <p14:sldId id="376"/>
+            <p14:sldId id="377"/>
+            <p14:sldId id="378"/>
+            <p14:sldId id="379"/>
+            <p14:sldId id="380"/>
+            <p14:sldId id="381"/>
             <p14:sldId id="353"/>
-            <p14:sldId id="357"/>
-            <p14:sldId id="293"/>
-            <p14:sldId id="313"/>
-            <p14:sldId id="317"/>
-            <p14:sldId id="362"/>
-            <p14:sldId id="359"/>
-            <p14:sldId id="360"/>
-            <p14:sldId id="361"/>
-            <p14:sldId id="370"/>
-            <p14:sldId id="314"/>
-            <p14:sldId id="363"/>
-            <p14:sldId id="364"/>
-            <p14:sldId id="358"/>
-            <p14:sldId id="318"/>
-            <p14:sldId id="315"/>
-            <p14:sldId id="365"/>
-            <p14:sldId id="366"/>
-            <p14:sldId id="316"/>
+            <p14:sldId id="382"/>
+            <p14:sldId id="383"/>
+            <p14:sldId id="384"/>
+            <p14:sldId id="385"/>
+            <p14:sldId id="386"/>
+            <p14:sldId id="387"/>
+            <p14:sldId id="388"/>
+            <p14:sldId id="389"/>
+            <p14:sldId id="390"/>
             <p14:sldId id="347"/>
           </p14:sldIdLst>
         </p14:section>
@@ -386,7 +374,7 @@
           <a:p>
             <a:fld id="{8E9E7A7A-AB17-487C-9EC3-81C5DE33C772}" type="datetimeFigureOut">
               <a:rPr lang="fr-FR" smtClean="0"/>
-              <a:t>08/09/2021</a:t>
+              <a:t>09/09/2021</a:t>
             </a:fld>
             <a:endParaRPr lang="fr-FR"/>
           </a:p>
@@ -564,7 +552,7 @@
           <a:p>
             <a:fld id="{4A3D6330-6607-4266-91C5-92E4A45F29CC}" type="datetimeFigureOut">
               <a:rPr lang="fr-FR" smtClean="0"/>
-              <a:t>08/09/2021</a:t>
+              <a:t>09/09/2021</a:t>
             </a:fld>
             <a:endParaRPr lang="fr-FR"/>
           </a:p>
@@ -1903,7 +1891,7 @@
           <a:p>
             <a:fld id="{FF5FEE95-2E83-4D45-987C-F0DA7B5E64B4}" type="datetime1">
               <a:rPr lang="fr-FR" smtClean="0"/>
-              <a:t>08/09/2021</a:t>
+              <a:t>09/09/2021</a:t>
             </a:fld>
             <a:endParaRPr lang="fr-FR"/>
           </a:p>
@@ -2125,7 +2113,7 @@
           <a:p>
             <a:fld id="{FF5FEE95-2E83-4D45-987C-F0DA7B5E64B4}" type="datetime1">
               <a:rPr lang="fr-FR" smtClean="0"/>
-              <a:t>08/09/2021</a:t>
+              <a:t>09/09/2021</a:t>
             </a:fld>
             <a:endParaRPr lang="fr-FR"/>
           </a:p>
@@ -2306,7 +2294,7 @@
           <a:p>
             <a:fld id="{FF5FEE95-2E83-4D45-987C-F0DA7B5E64B4}" type="datetime1">
               <a:rPr lang="fr-FR" smtClean="0"/>
-              <a:t>08/09/2021</a:t>
+              <a:t>09/09/2021</a:t>
             </a:fld>
             <a:endParaRPr lang="fr-FR"/>
           </a:p>
@@ -2477,7 +2465,7 @@
           <a:p>
             <a:fld id="{FF5FEE95-2E83-4D45-987C-F0DA7B5E64B4}" type="datetime1">
               <a:rPr lang="fr-FR" smtClean="0"/>
-              <a:t>08/09/2021</a:t>
+              <a:t>09/09/2021</a:t>
             </a:fld>
             <a:endParaRPr lang="fr-FR"/>
           </a:p>
@@ -2729,7 +2717,7 @@
           <a:p>
             <a:fld id="{FF5FEE95-2E83-4D45-987C-F0DA7B5E64B4}" type="datetime1">
               <a:rPr lang="fr-FR" smtClean="0"/>
-              <a:t>08/09/2021</a:t>
+              <a:t>09/09/2021</a:t>
             </a:fld>
             <a:endParaRPr lang="fr-FR"/>
           </a:p>
@@ -3053,7 +3041,7 @@
           <a:p>
             <a:fld id="{FF5FEE95-2E83-4D45-987C-F0DA7B5E64B4}" type="datetime1">
               <a:rPr lang="fr-FR" smtClean="0"/>
-              <a:t>08/09/2021</a:t>
+              <a:t>09/09/2021</a:t>
             </a:fld>
             <a:endParaRPr lang="fr-FR"/>
           </a:p>
@@ -3478,7 +3466,7 @@
           <a:p>
             <a:fld id="{FF5FEE95-2E83-4D45-987C-F0DA7B5E64B4}" type="datetime1">
               <a:rPr lang="fr-FR" smtClean="0"/>
-              <a:t>08/09/2021</a:t>
+              <a:t>09/09/2021</a:t>
             </a:fld>
             <a:endParaRPr lang="fr-FR"/>
           </a:p>
@@ -3597,7 +3585,7 @@
           <a:p>
             <a:fld id="{FF5FEE95-2E83-4D45-987C-F0DA7B5E64B4}" type="datetime1">
               <a:rPr lang="fr-FR" smtClean="0"/>
-              <a:t>08/09/2021</a:t>
+              <a:t>09/09/2021</a:t>
             </a:fld>
             <a:endParaRPr lang="fr-FR"/>
           </a:p>
@@ -3693,7 +3681,7 @@
           <a:p>
             <a:fld id="{FF5FEE95-2E83-4D45-987C-F0DA7B5E64B4}" type="datetime1">
               <a:rPr lang="fr-FR" smtClean="0"/>
-              <a:t>08/09/2021</a:t>
+              <a:t>09/09/2021</a:t>
             </a:fld>
             <a:endParaRPr lang="fr-FR"/>
           </a:p>
@@ -3984,7 +3972,7 @@
           <a:p>
             <a:fld id="{FF5FEE95-2E83-4D45-987C-F0DA7B5E64B4}" type="datetime1">
               <a:rPr lang="fr-FR" smtClean="0"/>
-              <a:t>08/09/2021</a:t>
+              <a:t>09/09/2021</a:t>
             </a:fld>
             <a:endParaRPr lang="fr-FR"/>
           </a:p>
@@ -4257,7 +4245,7 @@
           <a:p>
             <a:fld id="{FF5FEE95-2E83-4D45-987C-F0DA7B5E64B4}" type="datetime1">
               <a:rPr lang="fr-FR" smtClean="0"/>
-              <a:t>08/09/2021</a:t>
+              <a:t>09/09/2021</a:t>
             </a:fld>
             <a:endParaRPr lang="fr-FR"/>
           </a:p>
@@ -4512,7 +4500,7 @@
           <a:p>
             <a:fld id="{FF5FEE95-2E83-4D45-987C-F0DA7B5E64B4}" type="datetime1">
               <a:rPr lang="fr-FR" smtClean="0"/>
-              <a:t>08/09/2021</a:t>
+              <a:t>09/09/2021</a:t>
             </a:fld>
             <a:endParaRPr lang="fr-FR"/>
           </a:p>
@@ -5606,8 +5594,8 @@
         </p:nvSpPr>
         <p:spPr>
           <a:xfrm>
-            <a:off x="2741377" y="6156244"/>
-            <a:ext cx="6208657" cy="307777"/>
+            <a:off x="3990321" y="6169059"/>
+            <a:ext cx="4211358" cy="307777"/>
           </a:xfrm>
           <a:prstGeom prst="rect">
             <a:avLst/>
@@ -5626,7 +5614,7 @@
                   <a:srgbClr val="4A66AC"/>
                 </a:solidFill>
               </a:rPr>
-              <a:t>Dépôt GitHub avec les différentes versions de l’application, et les exercices</a:t>
+              <a:t>Dépôt GitHub avec la version principale de l’application</a:t>
             </a:r>
           </a:p>
         </p:txBody>
@@ -9515,7 +9503,7 @@
             </a:pPr>
             <a:r>
               <a:rPr lang="fr-FR" sz="1500" dirty="0"/>
-              <a:t>Les versions ……………………………………………………….. p. 13</a:t>
+              <a:t>Les versions ………………………………………………………………p. 11</a:t>
             </a:r>
           </a:p>
           <a:p>
@@ -9542,7 +9530,21 @@
                 <a:ea typeface="+mn-lt"/>
                 <a:cs typeface="+mn-lt"/>
               </a:rPr>
-              <a:t>Python, Git, GitHub et Flask ………………………………… p. 16</a:t>
+              <a:t>Spring Boot et </a:t>
+            </a:r>
+            <a:r>
+              <a:rPr lang="fr-FR" sz="1600" dirty="0" err="1">
+                <a:ea typeface="+mn-lt"/>
+                <a:cs typeface="+mn-lt"/>
+              </a:rPr>
+              <a:t>Angular</a:t>
+            </a:r>
+            <a:r>
+              <a:rPr lang="fr-FR" sz="1600" dirty="0">
+                <a:ea typeface="+mn-lt"/>
+                <a:cs typeface="+mn-lt"/>
+              </a:rPr>
+              <a:t> …………………………………………………p. 14</a:t>
             </a:r>
             <a:endParaRPr lang="fr-FR" sz="1600" dirty="0"/>
           </a:p>
@@ -9608,7 +9610,7 @@
                 <a:ea typeface="+mn-lt"/>
                 <a:cs typeface="+mn-lt"/>
               </a:rPr>
-              <a:t>L’Architecture ………………………………………………………………... p. 18</a:t>
+              <a:t>L’Architecture ………………………………………………………………... p. 16</a:t>
             </a:r>
             <a:endParaRPr lang="en-US" sz="1600" dirty="0">
               <a:ea typeface="+mn-lt"/>
@@ -9625,7 +9627,7 @@
                 <a:ea typeface="+mn-lt"/>
                 <a:cs typeface="+mn-lt"/>
               </a:rPr>
-              <a:t>La Structure …………………………………………………………………… p. 19</a:t>
+              <a:t>La Structure …………………………………………………………………… p. 17</a:t>
             </a:r>
           </a:p>
           <a:p>
@@ -9638,7 +9640,7 @@
                 <a:ea typeface="+mn-lt"/>
                 <a:cs typeface="+mn-lt"/>
               </a:rPr>
-              <a:t>Schéma de la base de données  ………………………………………... p. 20</a:t>
+              <a:t>Schéma de la base de données  ………………………………………... p. 18</a:t>
             </a:r>
           </a:p>
           <a:p>
@@ -9651,20 +9653,7 @@
                 <a:ea typeface="+mn-lt"/>
                 <a:cs typeface="+mn-lt"/>
               </a:rPr>
-              <a:t>Diagramme des classes …………………………………………………... p. 21</a:t>
-            </a:r>
-          </a:p>
-          <a:p>
-            <a:pPr lvl="2">
-              <a:buFont typeface="Wingdings" panose="05000000000000000000" pitchFamily="2" charset="2"/>
-              <a:buChar char="§"/>
-            </a:pPr>
-            <a:r>
-              <a:rPr lang="fr-FR" sz="1600" dirty="0">
-                <a:ea typeface="+mn-lt"/>
-                <a:cs typeface="+mn-lt"/>
-              </a:rPr>
-              <a:t>Diagrammes package et cas d’utilisations « Consultation » … p. 22</a:t>
+              <a:t>Diagramme des classes …………………………………………………... p. 19</a:t>
             </a:r>
           </a:p>
           <a:p>
@@ -9700,7 +9689,21 @@
                 <a:ea typeface="+mn-lt"/>
                 <a:cs typeface="+mn-lt"/>
               </a:rPr>
-              <a:t>Les classes mapping objet-relationnel …………………………...... p. 24</a:t>
+              <a:t>Les entités</a:t>
+            </a:r>
+            <a:r>
+              <a:rPr lang="en-US" sz="1600" dirty="0">
+                <a:ea typeface="+mn-lt"/>
+                <a:cs typeface="+mn-lt"/>
+              </a:rPr>
+              <a:t>…………………………………….</a:t>
+            </a:r>
+            <a:r>
+              <a:rPr lang="fr-FR" sz="1600" dirty="0">
+                <a:ea typeface="+mn-lt"/>
+                <a:cs typeface="+mn-lt"/>
+              </a:rPr>
+              <a:t>…………………………...... p. 21</a:t>
             </a:r>
           </a:p>
           <a:p>
@@ -9713,7 +9716,7 @@
                 <a:ea typeface="+mn-lt"/>
                 <a:cs typeface="+mn-lt"/>
               </a:rPr>
-              <a:t>Migrations – exemples …………………………………………………… p. 25</a:t>
+              <a:t>Repository ……………….……………………………………………………p. 22</a:t>
             </a:r>
           </a:p>
           <a:p>
@@ -9726,7 +9729,7 @@
                 <a:ea typeface="+mn-lt"/>
                 <a:cs typeface="+mn-lt"/>
               </a:rPr>
-              <a:t>Paramètres de connexion à la base de données ………………… p. 26</a:t>
+              <a:t>Service………………………………………………………………………….p. 23</a:t>
             </a:r>
           </a:p>
           <a:p>
@@ -9739,7 +9742,7 @@
                 <a:ea typeface="+mn-lt"/>
                 <a:cs typeface="+mn-lt"/>
               </a:rPr>
-              <a:t>Création de l’objet application ………………………………………… p. 27</a:t>
+              <a:t>Controlleur REST……………………………………………………………p. 24</a:t>
             </a:r>
           </a:p>
           <a:p>
@@ -9752,7 +9755,21 @@
                 <a:ea typeface="+mn-lt"/>
                 <a:cs typeface="+mn-lt"/>
               </a:rPr>
-              <a:t>Cas d’utilisation « Formulaire » ……………………………………… p. 28</a:t>
+              <a:t>Ecouteur d’</a:t>
+            </a:r>
+            <a:r>
+              <a:rPr lang="fr-FR" sz="1600" dirty="0" err="1">
+                <a:ea typeface="+mn-lt"/>
+                <a:cs typeface="+mn-lt"/>
+              </a:rPr>
+              <a:t>evenements</a:t>
+            </a:r>
+            <a:r>
+              <a:rPr lang="fr-FR" sz="1600" dirty="0">
+                <a:ea typeface="+mn-lt"/>
+                <a:cs typeface="+mn-lt"/>
+              </a:rPr>
+              <a:t>………………………………………..............p. 25</a:t>
             </a:r>
           </a:p>
           <a:p>
@@ -9765,7 +9782,7 @@
                 <a:ea typeface="+mn-lt"/>
                 <a:cs typeface="+mn-lt"/>
               </a:rPr>
-              <a:t>Diagramme de séquences « Formulaire » + code ……………… p. 29</a:t>
+              <a:t>Creation de compte………………………………………………………..p. 26</a:t>
             </a:r>
           </a:p>
           <a:p>
@@ -9778,7 +9795,7 @@
                 <a:ea typeface="+mn-lt"/>
                 <a:cs typeface="+mn-lt"/>
               </a:rPr>
-              <a:t>Cas d’utilisation « List » …………………………………………………. p. 38</a:t>
+              <a:t>Cas d’utilisation « Creation de compte » …………………………….p. 27</a:t>
             </a:r>
           </a:p>
           <a:p>
@@ -9791,7 +9808,7 @@
                 <a:ea typeface="+mn-lt"/>
                 <a:cs typeface="+mn-lt"/>
               </a:rPr>
-              <a:t>Diagrammes de séquences « List  » + code …………………….... p. 54</a:t>
+              <a:t>Diagrammes de séquences « List  » + code ……………………......p. 54</a:t>
             </a:r>
           </a:p>
           <a:p>
@@ -9804,7 +9821,7 @@
                 <a:ea typeface="+mn-lt"/>
                 <a:cs typeface="+mn-lt"/>
               </a:rPr>
-              <a:t>Tâche de fonds périodique (scheduler) ……………………………. p. 55</a:t>
+              <a:t>Tâche de fonds périodique (scheduler) ………………………………p. 55</a:t>
             </a:r>
           </a:p>
           <a:p>
@@ -9817,7 +9834,21 @@
                 <a:ea typeface="+mn-lt"/>
                 <a:cs typeface="+mn-lt"/>
               </a:rPr>
-              <a:t>Lancement application + scheduler …………………………………. p. 56</a:t>
+              <a:t>Lancement application + </a:t>
+            </a:r>
+            <a:r>
+              <a:rPr lang="fr-FR" sz="1600" dirty="0" err="1">
+                <a:ea typeface="+mn-lt"/>
+                <a:cs typeface="+mn-lt"/>
+              </a:rPr>
+              <a:t>scheduler</a:t>
+            </a:r>
+            <a:r>
+              <a:rPr lang="fr-FR" sz="1600" dirty="0">
+                <a:ea typeface="+mn-lt"/>
+                <a:cs typeface="+mn-lt"/>
+              </a:rPr>
+              <a:t> …………………………………..p. 56</a:t>
             </a:r>
           </a:p>
           <a:p>
@@ -9830,7 +9861,21 @@
                 <a:ea typeface="+mn-lt"/>
                 <a:cs typeface="+mn-lt"/>
               </a:rPr>
-              <a:t>Déploiement dans Cloud Foundry …………………………………… p. 57</a:t>
+              <a:t>Déploiement dans Cloud </a:t>
+            </a:r>
+            <a:r>
+              <a:rPr lang="fr-FR" sz="1600" dirty="0" err="1">
+                <a:ea typeface="+mn-lt"/>
+                <a:cs typeface="+mn-lt"/>
+              </a:rPr>
+              <a:t>Foundry</a:t>
+            </a:r>
+            <a:r>
+              <a:rPr lang="fr-FR" sz="1600" dirty="0">
+                <a:ea typeface="+mn-lt"/>
+                <a:cs typeface="+mn-lt"/>
+              </a:rPr>
+              <a:t> …………………………………….p. 57</a:t>
             </a:r>
           </a:p>
           <a:p>
@@ -9993,7 +10038,7 @@
           <a:p>
             <a:r>
               <a:rPr lang="fr-FR" dirty="0"/>
-              <a:t>implémentation</a:t>
+              <a:t>Implémentation</a:t>
             </a:r>
           </a:p>
         </p:txBody>
@@ -11159,10 +11204,10 @@
       </p:grpSpPr>
       <p:sp>
         <p:nvSpPr>
-          <p:cNvPr id="2" name="Title 1">
-            <a:extLst>
-              <a:ext uri="{FF2B5EF4-FFF2-40B4-BE49-F238E27FC236}">
-                <a16:creationId xmlns:a16="http://schemas.microsoft.com/office/drawing/2014/main" id="{F34F5631-DFBF-42E4-987C-6C3016A6EAC6}"/>
+          <p:cNvPr id="6" name="Title 5">
+            <a:extLst>
+              <a:ext uri="{FF2B5EF4-FFF2-40B4-BE49-F238E27FC236}">
+                <a16:creationId xmlns:a16="http://schemas.microsoft.com/office/drawing/2014/main" id="{8713A425-B247-45A7-84F1-128B7D287CB2}"/>
               </a:ext>
             </a:extLst>
           </p:cNvPr>
@@ -11175,43 +11220,63 @@
         </p:nvSpPr>
         <p:spPr>
           <a:xfrm>
-            <a:off x="1143000" y="609600"/>
-            <a:ext cx="9875520" cy="528918"/>
-          </a:xfrm>
-        </p:spPr>
-        <p:txBody>
-          <a:bodyPr>
-            <a:normAutofit fontScale="90000"/>
-          </a:bodyPr>
-          <a:lstStyle/>
-          <a:p>
-            <a:r>
-              <a:rPr lang="fr-FR" dirty="0"/>
-              <a:t>Cas d’utilisation « Formulaire »</a:t>
-            </a:r>
-            <a:endParaRPr lang="fr-FR" dirty="0">
-              <a:highlight>
-                <a:srgbClr val="FFFF00"/>
-              </a:highlight>
-            </a:endParaRPr>
+            <a:off x="594154" y="609599"/>
+            <a:ext cx="5501846" cy="453905"/>
+          </a:xfrm>
+        </p:spPr>
+        <p:txBody>
+          <a:bodyPr/>
+          <a:lstStyle/>
+          <a:p>
+            <a:r>
+              <a:rPr lang="fr-FR" sz="3200" dirty="0"/>
+              <a:t>Creation de compte (frontend)</a:t>
+            </a:r>
+          </a:p>
+        </p:txBody>
+      </p:sp>
+      <p:sp>
+        <p:nvSpPr>
+          <p:cNvPr id="5" name="Slide Number Placeholder 4">
+            <a:extLst>
+              <a:ext uri="{FF2B5EF4-FFF2-40B4-BE49-F238E27FC236}">
+                <a16:creationId xmlns:a16="http://schemas.microsoft.com/office/drawing/2014/main" id="{37DA76C1-10ED-4E69-8345-584BCAD66E99}"/>
+              </a:ext>
+            </a:extLst>
+          </p:cNvPr>
+          <p:cNvSpPr>
+            <a:spLocks noGrp="1"/>
+          </p:cNvSpPr>
+          <p:nvPr>
+            <p:ph type="sldNum" sz="quarter" idx="12"/>
+          </p:nvPr>
+        </p:nvSpPr>
+        <p:spPr/>
+        <p:txBody>
+          <a:bodyPr/>
+          <a:lstStyle/>
+          <a:p>
+            <a:fld id="{C52ED629-2BC0-4D25-969E-9ED78B40D7C7}" type="slidenum">
+              <a:rPr lang="fr-FR" smtClean="0"/>
+              <a:t>26</a:t>
+            </a:fld>
+            <a:endParaRPr lang="fr-FR"/>
           </a:p>
         </p:txBody>
       </p:sp>
       <p:pic>
         <p:nvPicPr>
-          <p:cNvPr id="7" name="Content Placeholder 6">
-            <a:extLst>
-              <a:ext uri="{FF2B5EF4-FFF2-40B4-BE49-F238E27FC236}">
-                <a16:creationId xmlns:a16="http://schemas.microsoft.com/office/drawing/2014/main" id="{6A3986CF-18C0-49C2-A48E-E50944E11473}"/>
+          <p:cNvPr id="10" name="Picture 9">
+            <a:extLst>
+              <a:ext uri="{FF2B5EF4-FFF2-40B4-BE49-F238E27FC236}">
+                <a16:creationId xmlns:a16="http://schemas.microsoft.com/office/drawing/2014/main" id="{3A8B705B-3120-40CE-8440-00215DEAB9C7}"/>
               </a:ext>
             </a:extLst>
           </p:cNvPr>
           <p:cNvPicPr>
-            <a:picLocks noGrp="1" noChangeAspect="1"/>
+            <a:picLocks noChangeAspect="1"/>
           </p:cNvPicPr>
-          <p:nvPr>
-            <p:ph idx="1"/>
-          </p:nvPr>
+          <p:nvPr/>
         </p:nvPicPr>
         <p:blipFill>
           <a:blip r:embed="rId2"/>
@@ -11221,44 +11286,102 @@
         </p:blipFill>
         <p:spPr>
           <a:xfrm>
-            <a:off x="3362461" y="1262440"/>
-            <a:ext cx="5404235" cy="5040000"/>
-          </a:xfrm>
+            <a:off x="1070550" y="1709523"/>
+            <a:ext cx="4840028" cy="4349548"/>
+          </a:xfrm>
+          <a:prstGeom prst="rect">
+            <a:avLst/>
+          </a:prstGeom>
         </p:spPr>
       </p:pic>
-      <p:sp>
-        <p:nvSpPr>
-          <p:cNvPr id="4" name="Slide Number Placeholder 3">
-            <a:extLst>
-              <a:ext uri="{FF2B5EF4-FFF2-40B4-BE49-F238E27FC236}">
-                <a16:creationId xmlns:a16="http://schemas.microsoft.com/office/drawing/2014/main" id="{03351833-B8E2-46A0-930C-926CEA7FEF4D}"/>
-              </a:ext>
-            </a:extLst>
-          </p:cNvPr>
-          <p:cNvSpPr>
-            <a:spLocks noGrp="1"/>
-          </p:cNvSpPr>
-          <p:nvPr>
-            <p:ph type="sldNum" sz="quarter" idx="12"/>
-          </p:nvPr>
-        </p:nvSpPr>
-        <p:spPr/>
-        <p:txBody>
-          <a:bodyPr/>
-          <a:lstStyle/>
-          <a:p>
-            <a:fld id="{C52ED629-2BC0-4D25-969E-9ED78B40D7C7}" type="slidenum">
-              <a:rPr lang="fr-FR" smtClean="0"/>
-              <a:t>26</a:t>
-            </a:fld>
-            <a:endParaRPr lang="fr-FR"/>
+      <p:pic>
+        <p:nvPicPr>
+          <p:cNvPr id="15" name="Picture 14">
+            <a:extLst>
+              <a:ext uri="{FF2B5EF4-FFF2-40B4-BE49-F238E27FC236}">
+                <a16:creationId xmlns:a16="http://schemas.microsoft.com/office/drawing/2014/main" id="{5709D381-6913-4B25-99AC-5BE5F4F63D5A}"/>
+              </a:ext>
+            </a:extLst>
+          </p:cNvPr>
+          <p:cNvPicPr>
+            <a:picLocks noChangeAspect="1"/>
+          </p:cNvPicPr>
+          <p:nvPr/>
+        </p:nvPicPr>
+        <p:blipFill>
+          <a:blip r:embed="rId3"/>
+          <a:stretch>
+            <a:fillRect/>
+          </a:stretch>
+        </p:blipFill>
+        <p:spPr>
+          <a:xfrm>
+            <a:off x="6281423" y="1709523"/>
+            <a:ext cx="4505954" cy="543001"/>
+          </a:xfrm>
+          <a:prstGeom prst="rect">
+            <a:avLst/>
+          </a:prstGeom>
+        </p:spPr>
+      </p:pic>
+      <p:sp>
+        <p:nvSpPr>
+          <p:cNvPr id="16" name="Title 1">
+            <a:extLst>
+              <a:ext uri="{FF2B5EF4-FFF2-40B4-BE49-F238E27FC236}">
+                <a16:creationId xmlns:a16="http://schemas.microsoft.com/office/drawing/2014/main" id="{EAD8CBA5-4C29-4335-B2D0-D32337137B6A}"/>
+              </a:ext>
+            </a:extLst>
+          </p:cNvPr>
+          <p:cNvSpPr txBox="1">
+            <a:spLocks/>
+          </p:cNvSpPr>
+          <p:nvPr/>
+        </p:nvSpPr>
+        <p:spPr>
+          <a:xfrm>
+            <a:off x="594154" y="939343"/>
+            <a:ext cx="2244748" cy="248321"/>
+          </a:xfrm>
+          <a:prstGeom prst="rect">
+            <a:avLst/>
+          </a:prstGeom>
+        </p:spPr>
+        <p:txBody>
+          <a:bodyPr vert="horz" lIns="91440" tIns="45720" rIns="91440" bIns="45720" rtlCol="0" anchor="b">
+            <a:noAutofit/>
+          </a:bodyPr>
+          <a:lstStyle>
+            <a:lvl1pPr algn="l" defTabSz="914400" rtl="0" eaLnBrk="1" latinLnBrk="0" hangingPunct="1">
+              <a:lnSpc>
+                <a:spcPct val="90000"/>
+              </a:lnSpc>
+              <a:spcBef>
+                <a:spcPct val="0"/>
+              </a:spcBef>
+              <a:buNone/>
+              <a:defRPr sz="4000" b="0" kern="1200">
+                <a:solidFill>
+                  <a:schemeClr val="accent1"/>
+                </a:solidFill>
+                <a:latin typeface="+mj-lt"/>
+                <a:ea typeface="+mj-ea"/>
+                <a:cs typeface="+mj-cs"/>
+              </a:defRPr>
+            </a:lvl1pPr>
+          </a:lstStyle>
+          <a:p>
+            <a:r>
+              <a:rPr lang="fr-FR" sz="1200" dirty="0"/>
+              <a:t>component et service</a:t>
+            </a:r>
           </a:p>
         </p:txBody>
       </p:sp>
     </p:spTree>
     <p:extLst>
       <p:ext uri="{BB962C8B-B14F-4D97-AF65-F5344CB8AC3E}">
-        <p14:creationId xmlns:p14="http://schemas.microsoft.com/office/powerpoint/2010/main" val="1535053419"/>
+        <p14:creationId xmlns:p14="http://schemas.microsoft.com/office/powerpoint/2010/main" val="2723941690"/>
       </p:ext>
     </p:extLst>
   </p:cSld>
@@ -11287,10 +11410,51 @@
       </p:grpSpPr>
       <p:sp>
         <p:nvSpPr>
-          <p:cNvPr id="4" name="Slide Number Placeholder 3">
-            <a:extLst>
-              <a:ext uri="{FF2B5EF4-FFF2-40B4-BE49-F238E27FC236}">
-                <a16:creationId xmlns:a16="http://schemas.microsoft.com/office/drawing/2014/main" id="{D03571B3-4586-4F72-8495-6FFC955B4827}"/>
+          <p:cNvPr id="2" name="Title 1">
+            <a:extLst>
+              <a:ext uri="{FF2B5EF4-FFF2-40B4-BE49-F238E27FC236}">
+                <a16:creationId xmlns:a16="http://schemas.microsoft.com/office/drawing/2014/main" id="{29D16C52-2441-407A-950F-948F1D4DF3EF}"/>
+              </a:ext>
+            </a:extLst>
+          </p:cNvPr>
+          <p:cNvSpPr>
+            <a:spLocks noGrp="1"/>
+          </p:cNvSpPr>
+          <p:nvPr>
+            <p:ph type="title"/>
+          </p:nvPr>
+        </p:nvSpPr>
+        <p:spPr>
+          <a:xfrm>
+            <a:off x="749705" y="609600"/>
+            <a:ext cx="5478100" cy="524205"/>
+          </a:xfrm>
+        </p:spPr>
+        <p:txBody>
+          <a:bodyPr/>
+          <a:lstStyle/>
+          <a:p>
+            <a:r>
+              <a:rPr lang="fr-FR" sz="3200" dirty="0"/>
+              <a:t>Création de compte (</a:t>
+            </a:r>
+            <a:r>
+              <a:rPr lang="fr-FR" sz="3200" dirty="0" err="1"/>
+              <a:t>back-end</a:t>
+            </a:r>
+            <a:r>
+              <a:rPr lang="fr-FR" sz="3200" dirty="0"/>
+              <a:t>)</a:t>
+            </a:r>
+          </a:p>
+        </p:txBody>
+      </p:sp>
+      <p:sp>
+        <p:nvSpPr>
+          <p:cNvPr id="5" name="Slide Number Placeholder 4">
+            <a:extLst>
+              <a:ext uri="{FF2B5EF4-FFF2-40B4-BE49-F238E27FC236}">
+                <a16:creationId xmlns:a16="http://schemas.microsoft.com/office/drawing/2014/main" id="{A6EACE12-EFC6-4C2C-9025-475FB479ACF5}"/>
               </a:ext>
             </a:extLst>
           </p:cNvPr>
@@ -11316,10 +11480,10 @@
       </p:sp>
       <p:pic>
         <p:nvPicPr>
-          <p:cNvPr id="7" name="Picture 6">
-            <a:extLst>
-              <a:ext uri="{FF2B5EF4-FFF2-40B4-BE49-F238E27FC236}">
-                <a16:creationId xmlns:a16="http://schemas.microsoft.com/office/drawing/2014/main" id="{C980F37C-6462-486B-B40D-61EE41943BF7}"/>
+          <p:cNvPr id="3" name="Picture 2">
+            <a:extLst>
+              <a:ext uri="{FF2B5EF4-FFF2-40B4-BE49-F238E27FC236}">
+                <a16:creationId xmlns:a16="http://schemas.microsoft.com/office/drawing/2014/main" id="{87E37737-C595-4B9C-8CCA-1BC654D5B607}"/>
               </a:ext>
             </a:extLst>
           </p:cNvPr>
@@ -11336,18 +11500,102 @@
         </p:blipFill>
         <p:spPr>
           <a:xfrm>
-            <a:off x="609600" y="771586"/>
-            <a:ext cx="10972800" cy="5219578"/>
+            <a:off x="849115" y="1583104"/>
+            <a:ext cx="8754697" cy="905001"/>
           </a:xfrm>
           <a:prstGeom prst="rect">
             <a:avLst/>
           </a:prstGeom>
         </p:spPr>
       </p:pic>
+      <p:pic>
+        <p:nvPicPr>
+          <p:cNvPr id="13" name="Picture 12">
+            <a:extLst>
+              <a:ext uri="{FF2B5EF4-FFF2-40B4-BE49-F238E27FC236}">
+                <a16:creationId xmlns:a16="http://schemas.microsoft.com/office/drawing/2014/main" id="{3D3E543A-79DD-4C28-BE3D-D5C55BAA3A53}"/>
+              </a:ext>
+            </a:extLst>
+          </p:cNvPr>
+          <p:cNvPicPr>
+            <a:picLocks noChangeAspect="1"/>
+          </p:cNvPicPr>
+          <p:nvPr/>
+        </p:nvPicPr>
+        <p:blipFill>
+          <a:blip r:embed="rId3"/>
+          <a:stretch>
+            <a:fillRect/>
+          </a:stretch>
+        </p:blipFill>
+        <p:spPr>
+          <a:xfrm>
+            <a:off x="849115" y="2785004"/>
+            <a:ext cx="7725853" cy="2724530"/>
+          </a:xfrm>
+          <a:prstGeom prst="rect">
+            <a:avLst/>
+          </a:prstGeom>
+        </p:spPr>
+      </p:pic>
+      <p:sp>
+        <p:nvSpPr>
+          <p:cNvPr id="14" name="Title 1">
+            <a:extLst>
+              <a:ext uri="{FF2B5EF4-FFF2-40B4-BE49-F238E27FC236}">
+                <a16:creationId xmlns:a16="http://schemas.microsoft.com/office/drawing/2014/main" id="{33350126-403D-402D-B823-FFF4ECD0518E}"/>
+              </a:ext>
+            </a:extLst>
+          </p:cNvPr>
+          <p:cNvSpPr txBox="1">
+            <a:spLocks/>
+          </p:cNvSpPr>
+          <p:nvPr/>
+        </p:nvSpPr>
+        <p:spPr>
+          <a:xfrm>
+            <a:off x="749705" y="1037884"/>
+            <a:ext cx="2244748" cy="248321"/>
+          </a:xfrm>
+          <a:prstGeom prst="rect">
+            <a:avLst/>
+          </a:prstGeom>
+        </p:spPr>
+        <p:txBody>
+          <a:bodyPr vert="horz" lIns="91440" tIns="45720" rIns="91440" bIns="45720" rtlCol="0" anchor="b">
+            <a:noAutofit/>
+          </a:bodyPr>
+          <a:lstStyle>
+            <a:lvl1pPr algn="l" defTabSz="914400" rtl="0" eaLnBrk="1" latinLnBrk="0" hangingPunct="1">
+              <a:lnSpc>
+                <a:spcPct val="90000"/>
+              </a:lnSpc>
+              <a:spcBef>
+                <a:spcPct val="0"/>
+              </a:spcBef>
+              <a:buNone/>
+              <a:defRPr sz="4000" b="0" kern="1200">
+                <a:solidFill>
+                  <a:schemeClr val="accent1"/>
+                </a:solidFill>
+                <a:latin typeface="+mj-lt"/>
+                <a:ea typeface="+mj-ea"/>
+                <a:cs typeface="+mj-cs"/>
+              </a:defRPr>
+            </a:lvl1pPr>
+          </a:lstStyle>
+          <a:p>
+            <a:r>
+              <a:rPr lang="fr-FR" sz="1200" dirty="0"/>
+              <a:t>controlleur et service</a:t>
+            </a:r>
+          </a:p>
+        </p:txBody>
+      </p:sp>
     </p:spTree>
     <p:extLst>
       <p:ext uri="{BB962C8B-B14F-4D97-AF65-F5344CB8AC3E}">
-        <p14:creationId xmlns:p14="http://schemas.microsoft.com/office/powerpoint/2010/main" val="922260344"/>
+        <p14:creationId xmlns:p14="http://schemas.microsoft.com/office/powerpoint/2010/main" val="4254964310"/>
       </p:ext>
     </p:extLst>
   </p:cSld>
@@ -11376,77 +11624,10 @@
       </p:grpSpPr>
       <p:sp>
         <p:nvSpPr>
-          <p:cNvPr id="2" name="Title 1">
-            <a:extLst>
-              <a:ext uri="{FF2B5EF4-FFF2-40B4-BE49-F238E27FC236}">
-                <a16:creationId xmlns:a16="http://schemas.microsoft.com/office/drawing/2014/main" id="{29D16C52-2441-407A-950F-948F1D4DF3EF}"/>
-              </a:ext>
-            </a:extLst>
-          </p:cNvPr>
-          <p:cNvSpPr>
-            <a:spLocks noGrp="1"/>
-          </p:cNvSpPr>
-          <p:nvPr>
-            <p:ph type="title"/>
-          </p:nvPr>
-        </p:nvSpPr>
-        <p:spPr>
-          <a:xfrm>
-            <a:off x="1242242" y="1735681"/>
-            <a:ext cx="3265963" cy="1255395"/>
-          </a:xfrm>
-        </p:spPr>
-        <p:txBody>
-          <a:bodyPr/>
-          <a:lstStyle/>
-          <a:p>
-            <a:r>
-              <a:rPr lang="fr-FR" sz="3200" dirty="0"/>
-              <a:t>Contrôleur partie formulaire</a:t>
-            </a:r>
-          </a:p>
-        </p:txBody>
-      </p:sp>
-      <p:sp>
-        <p:nvSpPr>
-          <p:cNvPr id="4" name="Text Placeholder 3">
-            <a:extLst>
-              <a:ext uri="{FF2B5EF4-FFF2-40B4-BE49-F238E27FC236}">
-                <a16:creationId xmlns:a16="http://schemas.microsoft.com/office/drawing/2014/main" id="{A72BBF2A-83BC-4E38-B07F-64F865C3BFC2}"/>
-              </a:ext>
-            </a:extLst>
-          </p:cNvPr>
-          <p:cNvSpPr>
-            <a:spLocks noGrp="1"/>
-          </p:cNvSpPr>
-          <p:nvPr>
-            <p:ph type="body" sz="half" idx="2"/>
-          </p:nvPr>
-        </p:nvSpPr>
-        <p:spPr>
-          <a:xfrm>
-            <a:off x="1332395" y="3042458"/>
-            <a:ext cx="2973794" cy="1296102"/>
-          </a:xfrm>
-        </p:spPr>
-        <p:txBody>
-          <a:bodyPr/>
-          <a:lstStyle/>
-          <a:p>
-            <a:r>
-              <a:rPr lang="fr-FR" dirty="0" err="1"/>
-              <a:t>monitor.formulaire</a:t>
-            </a:r>
-            <a:endParaRPr lang="fr-FR" dirty="0"/>
-          </a:p>
-        </p:txBody>
-      </p:sp>
-      <p:sp>
-        <p:nvSpPr>
-          <p:cNvPr id="5" name="Slide Number Placeholder 4">
-            <a:extLst>
-              <a:ext uri="{FF2B5EF4-FFF2-40B4-BE49-F238E27FC236}">
-                <a16:creationId xmlns:a16="http://schemas.microsoft.com/office/drawing/2014/main" id="{A6EACE12-EFC6-4C2C-9025-475FB479ACF5}"/>
+          <p:cNvPr id="2" name="Slide Number Placeholder 1">
+            <a:extLst>
+              <a:ext uri="{FF2B5EF4-FFF2-40B4-BE49-F238E27FC236}">
+                <a16:creationId xmlns:a16="http://schemas.microsoft.com/office/drawing/2014/main" id="{EE4CEC49-3FA8-4FF4-AA1C-C76C9CA7B9D4}"/>
               </a:ext>
             </a:extLst>
           </p:cNvPr>
@@ -11470,12 +11651,52 @@
           </a:p>
         </p:txBody>
       </p:sp>
+      <p:sp>
+        <p:nvSpPr>
+          <p:cNvPr id="4" name="TextBox 3">
+            <a:extLst>
+              <a:ext uri="{FF2B5EF4-FFF2-40B4-BE49-F238E27FC236}">
+                <a16:creationId xmlns:a16="http://schemas.microsoft.com/office/drawing/2014/main" id="{02D63997-F04C-4768-9825-71A70B369A63}"/>
+              </a:ext>
+            </a:extLst>
+          </p:cNvPr>
+          <p:cNvSpPr txBox="1"/>
+          <p:nvPr/>
+        </p:nvSpPr>
+        <p:spPr>
+          <a:xfrm>
+            <a:off x="5053800" y="6069939"/>
+            <a:ext cx="2072979" cy="307777"/>
+          </a:xfrm>
+          <a:prstGeom prst="rect">
+            <a:avLst/>
+          </a:prstGeom>
+          <a:noFill/>
+        </p:spPr>
+        <p:txBody>
+          <a:bodyPr wrap="square" rtlCol="0">
+            <a:spAutoFit/>
+          </a:bodyPr>
+          <a:lstStyle/>
+          <a:p>
+            <a:pPr algn="just"/>
+            <a:r>
+              <a:rPr lang="fr-FR" sz="1400" i="1" dirty="0">
+                <a:solidFill>
+                  <a:srgbClr val="4A66AC"/>
+                </a:solidFill>
+              </a:rPr>
+              <a:t>Le formulaire d’inscription</a:t>
+            </a:r>
+          </a:p>
+        </p:txBody>
+      </p:sp>
       <p:pic>
         <p:nvPicPr>
-          <p:cNvPr id="6" name="Picture 5">
-            <a:extLst>
-              <a:ext uri="{FF2B5EF4-FFF2-40B4-BE49-F238E27FC236}">
-                <a16:creationId xmlns:a16="http://schemas.microsoft.com/office/drawing/2014/main" id="{A1001E06-DBF3-4861-82D6-8993EF2CF563}"/>
+          <p:cNvPr id="5" name="Picture 4">
+            <a:extLst>
+              <a:ext uri="{FF2B5EF4-FFF2-40B4-BE49-F238E27FC236}">
+                <a16:creationId xmlns:a16="http://schemas.microsoft.com/office/drawing/2014/main" id="{23517FAC-8284-4E67-B389-337809DF5FFA}"/>
               </a:ext>
             </a:extLst>
           </p:cNvPr>
@@ -11492,8 +11713,8 @@
         </p:blipFill>
         <p:spPr>
           <a:xfrm>
-            <a:off x="4768387" y="2331316"/>
-            <a:ext cx="6502878" cy="1260000"/>
+            <a:off x="2851051" y="742315"/>
+            <a:ext cx="6478479" cy="5176584"/>
           </a:xfrm>
           <a:prstGeom prst="rect">
             <a:avLst/>
@@ -11503,7 +11724,7 @@
     </p:spTree>
     <p:extLst>
       <p:ext uri="{BB962C8B-B14F-4D97-AF65-F5344CB8AC3E}">
-        <p14:creationId xmlns:p14="http://schemas.microsoft.com/office/powerpoint/2010/main" val="4254964310"/>
+        <p14:creationId xmlns:p14="http://schemas.microsoft.com/office/powerpoint/2010/main" val="414992980"/>
       </p:ext>
     </p:extLst>
   </p:cSld>
@@ -11532,43 +11753,10 @@
       </p:grpSpPr>
       <p:sp>
         <p:nvSpPr>
-          <p:cNvPr id="6" name="Title 5">
-            <a:extLst>
-              <a:ext uri="{FF2B5EF4-FFF2-40B4-BE49-F238E27FC236}">
-                <a16:creationId xmlns:a16="http://schemas.microsoft.com/office/drawing/2014/main" id="{8713A425-B247-45A7-84F1-128B7D287CB2}"/>
-              </a:ext>
-            </a:extLst>
-          </p:cNvPr>
-          <p:cNvSpPr>
-            <a:spLocks noGrp="1"/>
-          </p:cNvSpPr>
-          <p:nvPr>
-            <p:ph type="title"/>
-          </p:nvPr>
-        </p:nvSpPr>
-        <p:spPr>
-          <a:xfrm>
-            <a:off x="1409700" y="1097280"/>
-            <a:ext cx="3419475" cy="1737360"/>
-          </a:xfrm>
-        </p:spPr>
-        <p:txBody>
-          <a:bodyPr/>
-          <a:lstStyle/>
-          <a:p>
-            <a:r>
-              <a:rPr lang="fr-FR" sz="3200" dirty="0"/>
-              <a:t>form.html</a:t>
-            </a:r>
-          </a:p>
-        </p:txBody>
-      </p:sp>
-      <p:sp>
-        <p:nvSpPr>
-          <p:cNvPr id="5" name="Slide Number Placeholder 4">
-            <a:extLst>
-              <a:ext uri="{FF2B5EF4-FFF2-40B4-BE49-F238E27FC236}">
-                <a16:creationId xmlns:a16="http://schemas.microsoft.com/office/drawing/2014/main" id="{37DA76C1-10ED-4E69-8345-584BCAD66E99}"/>
+          <p:cNvPr id="4" name="Slide Number Placeholder 3">
+            <a:extLst>
+              <a:ext uri="{FF2B5EF4-FFF2-40B4-BE49-F238E27FC236}">
+                <a16:creationId xmlns:a16="http://schemas.microsoft.com/office/drawing/2014/main" id="{1F453FBE-929A-47DA-87C9-10F16A63298E}"/>
               </a:ext>
             </a:extLst>
           </p:cNvPr>
@@ -11594,10 +11782,10 @@
       </p:sp>
       <p:pic>
         <p:nvPicPr>
-          <p:cNvPr id="3" name="Picture 2">
-            <a:extLst>
-              <a:ext uri="{FF2B5EF4-FFF2-40B4-BE49-F238E27FC236}">
-                <a16:creationId xmlns:a16="http://schemas.microsoft.com/office/drawing/2014/main" id="{DAABFC6F-E034-4734-A093-A66B0A3FEC41}"/>
+          <p:cNvPr id="2" name="Picture 1">
+            <a:extLst>
+              <a:ext uri="{FF2B5EF4-FFF2-40B4-BE49-F238E27FC236}">
+                <a16:creationId xmlns:a16="http://schemas.microsoft.com/office/drawing/2014/main" id="{65415FA0-77D5-4F18-A73B-90C7B93D4C0A}"/>
               </a:ext>
             </a:extLst>
           </p:cNvPr>
@@ -11614,18 +11802,86 @@
         </p:blipFill>
         <p:spPr>
           <a:xfrm>
-            <a:off x="5314590" y="978734"/>
-            <a:ext cx="5581937" cy="4858000"/>
+            <a:off x="345989" y="1053983"/>
+            <a:ext cx="11500022" cy="4750033"/>
           </a:xfrm>
           <a:prstGeom prst="rect">
             <a:avLst/>
           </a:prstGeom>
         </p:spPr>
       </p:pic>
+      <p:sp>
+        <p:nvSpPr>
+          <p:cNvPr id="3" name="TextBox 2">
+            <a:extLst>
+              <a:ext uri="{FF2B5EF4-FFF2-40B4-BE49-F238E27FC236}">
+                <a16:creationId xmlns:a16="http://schemas.microsoft.com/office/drawing/2014/main" id="{745DDA25-C087-4416-9425-F208524B605A}"/>
+              </a:ext>
+            </a:extLst>
+          </p:cNvPr>
+          <p:cNvSpPr txBox="1"/>
+          <p:nvPr/>
+        </p:nvSpPr>
+        <p:spPr>
+          <a:xfrm>
+            <a:off x="700216" y="444843"/>
+            <a:ext cx="4473146" cy="369332"/>
+          </a:xfrm>
+          <a:prstGeom prst="rect">
+            <a:avLst/>
+          </a:prstGeom>
+          <a:noFill/>
+        </p:spPr>
+        <p:txBody>
+          <a:bodyPr wrap="square" rtlCol="0">
+            <a:spAutoFit/>
+          </a:bodyPr>
+          <a:lstStyle/>
+          <a:p>
+            <a:r>
+              <a:rPr lang="en-US" dirty="0">
+                <a:solidFill>
+                  <a:schemeClr val="accent2">
+                    <a:lumMod val="50000"/>
+                  </a:schemeClr>
+                </a:solidFill>
+              </a:rPr>
+              <a:t>Diagram de sequence (</a:t>
+            </a:r>
+            <a:r>
+              <a:rPr lang="en-US" dirty="0" err="1">
+                <a:solidFill>
+                  <a:schemeClr val="accent2">
+                    <a:lumMod val="50000"/>
+                  </a:schemeClr>
+                </a:solidFill>
+              </a:rPr>
+              <a:t>formulaire</a:t>
+            </a:r>
+            <a:r>
+              <a:rPr lang="en-US" dirty="0">
+                <a:solidFill>
+                  <a:schemeClr val="accent2">
+                    <a:lumMod val="50000"/>
+                  </a:schemeClr>
+                </a:solidFill>
+              </a:rPr>
+              <a:t> inscription)</a:t>
+            </a:r>
+            <a:endParaRPr lang="ru-RU" dirty="0">
+              <a:solidFill>
+                <a:schemeClr val="accent2">
+                  <a:lumMod val="50000"/>
+                </a:schemeClr>
+              </a:solidFill>
+            </a:endParaRPr>
+          </a:p>
+        </p:txBody>
+      </p:sp>
     </p:spTree>
     <p:extLst>
       <p:ext uri="{BB962C8B-B14F-4D97-AF65-F5344CB8AC3E}">
-        <p14:creationId xmlns:p14="http://schemas.microsoft.com/office/powerpoint/2010/main" val="2723941690"/>
+        <p14:creationId xmlns:p14="http://schemas.microsoft.com/office/powerpoint/2010/main" val="4154454613"/>
       </p:ext>
     </p:extLst>
   </p:cSld>
@@ -11809,7 +12065,7 @@
           <p:cNvPr id="2" name="Slide Number Placeholder 1">
             <a:extLst>
               <a:ext uri="{FF2B5EF4-FFF2-40B4-BE49-F238E27FC236}">
-                <a16:creationId xmlns:a16="http://schemas.microsoft.com/office/drawing/2014/main" id="{EE4CEC49-3FA8-4FF4-AA1C-C76C9CA7B9D4}"/>
+                <a16:creationId xmlns:a16="http://schemas.microsoft.com/office/drawing/2014/main" id="{D7D2B9A0-649C-43F6-89F9-515C0A14EC30}"/>
               </a:ext>
             </a:extLst>
           </p:cNvPr>
@@ -11833,12 +12089,107 @@
           </a:p>
         </p:txBody>
       </p:sp>
+      <p:sp>
+        <p:nvSpPr>
+          <p:cNvPr id="10" name="Title 1">
+            <a:extLst>
+              <a:ext uri="{FF2B5EF4-FFF2-40B4-BE49-F238E27FC236}">
+                <a16:creationId xmlns:a16="http://schemas.microsoft.com/office/drawing/2014/main" id="{918D844B-CD2C-44BF-A21F-AC45672375D1}"/>
+              </a:ext>
+            </a:extLst>
+          </p:cNvPr>
+          <p:cNvSpPr>
+            <a:spLocks noGrp="1"/>
+          </p:cNvSpPr>
+          <p:nvPr>
+            <p:ph type="title"/>
+          </p:nvPr>
+        </p:nvSpPr>
+        <p:spPr>
+          <a:xfrm>
+            <a:off x="749705" y="609600"/>
+            <a:ext cx="5478100" cy="524205"/>
+          </a:xfrm>
+        </p:spPr>
+        <p:txBody>
+          <a:bodyPr/>
+          <a:lstStyle/>
+          <a:p>
+            <a:r>
+              <a:rPr lang="fr-FR" sz="3200" dirty="0"/>
+              <a:t>Connexion (</a:t>
+            </a:r>
+            <a:r>
+              <a:rPr lang="fr-FR" sz="3200" dirty="0" err="1"/>
+              <a:t>front-end</a:t>
+            </a:r>
+            <a:r>
+              <a:rPr lang="fr-FR" sz="3200" dirty="0"/>
+              <a:t>)</a:t>
+            </a:r>
+          </a:p>
+        </p:txBody>
+      </p:sp>
+      <p:sp>
+        <p:nvSpPr>
+          <p:cNvPr id="11" name="Title 1">
+            <a:extLst>
+              <a:ext uri="{FF2B5EF4-FFF2-40B4-BE49-F238E27FC236}">
+                <a16:creationId xmlns:a16="http://schemas.microsoft.com/office/drawing/2014/main" id="{ECE187B8-96EB-498F-B037-6580597BE94F}"/>
+              </a:ext>
+            </a:extLst>
+          </p:cNvPr>
+          <p:cNvSpPr txBox="1">
+            <a:spLocks/>
+          </p:cNvSpPr>
+          <p:nvPr/>
+        </p:nvSpPr>
+        <p:spPr>
+          <a:xfrm>
+            <a:off x="749705" y="1037884"/>
+            <a:ext cx="2244748" cy="248321"/>
+          </a:xfrm>
+          <a:prstGeom prst="rect">
+            <a:avLst/>
+          </a:prstGeom>
+        </p:spPr>
+        <p:txBody>
+          <a:bodyPr vert="horz" lIns="91440" tIns="45720" rIns="91440" bIns="45720" rtlCol="0" anchor="b">
+            <a:noAutofit/>
+          </a:bodyPr>
+          <a:lstStyle>
+            <a:lvl1pPr algn="l" defTabSz="914400" rtl="0" eaLnBrk="1" latinLnBrk="0" hangingPunct="1">
+              <a:lnSpc>
+                <a:spcPct val="90000"/>
+              </a:lnSpc>
+              <a:spcBef>
+                <a:spcPct val="0"/>
+              </a:spcBef>
+              <a:buNone/>
+              <a:defRPr sz="4000" b="0" kern="1200">
+                <a:solidFill>
+                  <a:schemeClr val="accent1"/>
+                </a:solidFill>
+                <a:latin typeface="+mj-lt"/>
+                <a:ea typeface="+mj-ea"/>
+                <a:cs typeface="+mj-cs"/>
+              </a:defRPr>
+            </a:lvl1pPr>
+          </a:lstStyle>
+          <a:p>
+            <a:r>
+              <a:rPr lang="fr-FR" sz="1200" dirty="0"/>
+              <a:t>component et service</a:t>
+            </a:r>
+          </a:p>
+        </p:txBody>
+      </p:sp>
       <p:pic>
         <p:nvPicPr>
-          <p:cNvPr id="3" name="Picture 2">
-            <a:extLst>
-              <a:ext uri="{FF2B5EF4-FFF2-40B4-BE49-F238E27FC236}">
-                <a16:creationId xmlns:a16="http://schemas.microsoft.com/office/drawing/2014/main" id="{DDE86D37-3C0F-46AB-96AE-C35C8E7E4BD7}"/>
+          <p:cNvPr id="12" name="Picture 11">
+            <a:extLst>
+              <a:ext uri="{FF2B5EF4-FFF2-40B4-BE49-F238E27FC236}">
+                <a16:creationId xmlns:a16="http://schemas.microsoft.com/office/drawing/2014/main" id="{4868798A-CF66-4030-A9B0-A8D245CD13C7}"/>
               </a:ext>
             </a:extLst>
           </p:cNvPr>
@@ -11855,58 +12206,78 @@
         </p:blipFill>
         <p:spPr>
           <a:xfrm>
-            <a:off x="645109" y="614942"/>
-            <a:ext cx="10770154" cy="2470277"/>
+            <a:off x="749705" y="1396216"/>
+            <a:ext cx="4744112" cy="5087060"/>
           </a:xfrm>
           <a:prstGeom prst="rect">
             <a:avLst/>
           </a:prstGeom>
         </p:spPr>
       </p:pic>
-      <p:sp>
-        <p:nvSpPr>
-          <p:cNvPr id="4" name="TextBox 3">
-            <a:extLst>
-              <a:ext uri="{FF2B5EF4-FFF2-40B4-BE49-F238E27FC236}">
-                <a16:creationId xmlns:a16="http://schemas.microsoft.com/office/drawing/2014/main" id="{02D63997-F04C-4768-9825-71A70B369A63}"/>
-              </a:ext>
-            </a:extLst>
-          </p:cNvPr>
-          <p:cNvSpPr txBox="1"/>
+      <p:pic>
+        <p:nvPicPr>
+          <p:cNvPr id="13" name="Picture 12">
+            <a:extLst>
+              <a:ext uri="{FF2B5EF4-FFF2-40B4-BE49-F238E27FC236}">
+                <a16:creationId xmlns:a16="http://schemas.microsoft.com/office/drawing/2014/main" id="{C492E753-F4C8-41CF-8E5D-CE324FF823A7}"/>
+              </a:ext>
+            </a:extLst>
+          </p:cNvPr>
+          <p:cNvPicPr>
+            <a:picLocks noChangeAspect="1"/>
+          </p:cNvPicPr>
           <p:nvPr/>
-        </p:nvSpPr>
-        <p:spPr>
-          <a:xfrm>
-            <a:off x="1158950" y="4114801"/>
-            <a:ext cx="9887430" cy="523220"/>
+        </p:nvPicPr>
+        <p:blipFill>
+          <a:blip r:embed="rId3"/>
+          <a:stretch>
+            <a:fillRect/>
+          </a:stretch>
+        </p:blipFill>
+        <p:spPr>
+          <a:xfrm>
+            <a:off x="6227805" y="1396216"/>
+            <a:ext cx="4553585" cy="600159"/>
           </a:xfrm>
           <a:prstGeom prst="rect">
             <a:avLst/>
           </a:prstGeom>
-          <a:noFill/>
-        </p:spPr>
-        <p:txBody>
-          <a:bodyPr wrap="square" rtlCol="0">
-            <a:spAutoFit/>
-          </a:bodyPr>
-          <a:lstStyle/>
-          <a:p>
-            <a:pPr algn="just"/>
-            <a:r>
-              <a:rPr lang="fr-FR" sz="1400" i="1" dirty="0">
-                <a:solidFill>
-                  <a:srgbClr val="4A66AC"/>
-                </a:solidFill>
-              </a:rPr>
-              <a:t>La page formulaire pour faire une requête HTTP pour une application et un de ses datacenters et récupérer la. Le résultat est inséré dans la base de données et affiché dans la page « result.html ».</a:t>
-            </a:r>
-          </a:p>
-        </p:txBody>
-      </p:sp>
+        </p:spPr>
+      </p:pic>
+      <p:pic>
+        <p:nvPicPr>
+          <p:cNvPr id="14" name="Picture 13">
+            <a:extLst>
+              <a:ext uri="{FF2B5EF4-FFF2-40B4-BE49-F238E27FC236}">
+                <a16:creationId xmlns:a16="http://schemas.microsoft.com/office/drawing/2014/main" id="{8A06BEE8-1C16-433B-B127-4095DD2E382B}"/>
+              </a:ext>
+            </a:extLst>
+          </p:cNvPr>
+          <p:cNvPicPr>
+            <a:picLocks noChangeAspect="1"/>
+          </p:cNvPicPr>
+          <p:nvPr/>
+        </p:nvPicPr>
+        <p:blipFill>
+          <a:blip r:embed="rId4"/>
+          <a:stretch>
+            <a:fillRect/>
+          </a:stretch>
+        </p:blipFill>
+        <p:spPr>
+          <a:xfrm>
+            <a:off x="6227805" y="2529544"/>
+            <a:ext cx="4801270" cy="1667108"/>
+          </a:xfrm>
+          <a:prstGeom prst="rect">
+            <a:avLst/>
+          </a:prstGeom>
+        </p:spPr>
+      </p:pic>
     </p:spTree>
     <p:extLst>
       <p:ext uri="{BB962C8B-B14F-4D97-AF65-F5344CB8AC3E}">
-        <p14:creationId xmlns:p14="http://schemas.microsoft.com/office/powerpoint/2010/main" val="414992980"/>
+        <p14:creationId xmlns:p14="http://schemas.microsoft.com/office/powerpoint/2010/main" val="347380102"/>
       </p:ext>
     </p:extLst>
   </p:cSld>
@@ -11935,10 +12306,10 @@
       </p:grpSpPr>
       <p:sp>
         <p:nvSpPr>
-          <p:cNvPr id="4" name="Slide Number Placeholder 3">
-            <a:extLst>
-              <a:ext uri="{FF2B5EF4-FFF2-40B4-BE49-F238E27FC236}">
-                <a16:creationId xmlns:a16="http://schemas.microsoft.com/office/drawing/2014/main" id="{1F453FBE-929A-47DA-87C9-10F16A63298E}"/>
+          <p:cNvPr id="2" name="Slide Number Placeholder 1">
+            <a:extLst>
+              <a:ext uri="{FF2B5EF4-FFF2-40B4-BE49-F238E27FC236}">
+                <a16:creationId xmlns:a16="http://schemas.microsoft.com/office/drawing/2014/main" id="{D7D2B9A0-649C-43F6-89F9-515C0A14EC30}"/>
               </a:ext>
             </a:extLst>
           </p:cNvPr>
@@ -11962,12 +12333,107 @@
           </a:p>
         </p:txBody>
       </p:sp>
+      <p:sp>
+        <p:nvSpPr>
+          <p:cNvPr id="10" name="Title 1">
+            <a:extLst>
+              <a:ext uri="{FF2B5EF4-FFF2-40B4-BE49-F238E27FC236}">
+                <a16:creationId xmlns:a16="http://schemas.microsoft.com/office/drawing/2014/main" id="{918D844B-CD2C-44BF-A21F-AC45672375D1}"/>
+              </a:ext>
+            </a:extLst>
+          </p:cNvPr>
+          <p:cNvSpPr>
+            <a:spLocks noGrp="1"/>
+          </p:cNvSpPr>
+          <p:nvPr>
+            <p:ph type="title"/>
+          </p:nvPr>
+        </p:nvSpPr>
+        <p:spPr>
+          <a:xfrm>
+            <a:off x="749705" y="609600"/>
+            <a:ext cx="5478100" cy="524205"/>
+          </a:xfrm>
+        </p:spPr>
+        <p:txBody>
+          <a:bodyPr/>
+          <a:lstStyle/>
+          <a:p>
+            <a:r>
+              <a:rPr lang="fr-FR" sz="3200" dirty="0"/>
+              <a:t>Connexion (</a:t>
+            </a:r>
+            <a:r>
+              <a:rPr lang="fr-FR" sz="3200" dirty="0" err="1"/>
+              <a:t>back-end</a:t>
+            </a:r>
+            <a:r>
+              <a:rPr lang="fr-FR" sz="3200" dirty="0"/>
+              <a:t>)</a:t>
+            </a:r>
+          </a:p>
+        </p:txBody>
+      </p:sp>
+      <p:sp>
+        <p:nvSpPr>
+          <p:cNvPr id="11" name="Title 1">
+            <a:extLst>
+              <a:ext uri="{FF2B5EF4-FFF2-40B4-BE49-F238E27FC236}">
+                <a16:creationId xmlns:a16="http://schemas.microsoft.com/office/drawing/2014/main" id="{ECE187B8-96EB-498F-B037-6580597BE94F}"/>
+              </a:ext>
+            </a:extLst>
+          </p:cNvPr>
+          <p:cNvSpPr txBox="1">
+            <a:spLocks/>
+          </p:cNvSpPr>
+          <p:nvPr/>
+        </p:nvSpPr>
+        <p:spPr>
+          <a:xfrm>
+            <a:off x="749705" y="1037884"/>
+            <a:ext cx="2244748" cy="248321"/>
+          </a:xfrm>
+          <a:prstGeom prst="rect">
+            <a:avLst/>
+          </a:prstGeom>
+        </p:spPr>
+        <p:txBody>
+          <a:bodyPr vert="horz" lIns="91440" tIns="45720" rIns="91440" bIns="45720" rtlCol="0" anchor="b">
+            <a:noAutofit/>
+          </a:bodyPr>
+          <a:lstStyle>
+            <a:lvl1pPr algn="l" defTabSz="914400" rtl="0" eaLnBrk="1" latinLnBrk="0" hangingPunct="1">
+              <a:lnSpc>
+                <a:spcPct val="90000"/>
+              </a:lnSpc>
+              <a:spcBef>
+                <a:spcPct val="0"/>
+              </a:spcBef>
+              <a:buNone/>
+              <a:defRPr sz="4000" b="0" kern="1200">
+                <a:solidFill>
+                  <a:schemeClr val="accent1"/>
+                </a:solidFill>
+                <a:latin typeface="+mj-lt"/>
+                <a:ea typeface="+mj-ea"/>
+                <a:cs typeface="+mj-cs"/>
+              </a:defRPr>
+            </a:lvl1pPr>
+          </a:lstStyle>
+          <a:p>
+            <a:r>
+              <a:rPr lang="fr-FR" sz="1200" dirty="0"/>
+              <a:t>controlleur et le service</a:t>
+            </a:r>
+          </a:p>
+        </p:txBody>
+      </p:sp>
       <p:pic>
         <p:nvPicPr>
-          <p:cNvPr id="7" name="Picture 6">
-            <a:extLst>
-              <a:ext uri="{FF2B5EF4-FFF2-40B4-BE49-F238E27FC236}">
-                <a16:creationId xmlns:a16="http://schemas.microsoft.com/office/drawing/2014/main" id="{92243C1A-D59A-4289-990A-9C7402EF5257}"/>
+          <p:cNvPr id="4" name="Picture 3">
+            <a:extLst>
+              <a:ext uri="{FF2B5EF4-FFF2-40B4-BE49-F238E27FC236}">
+                <a16:creationId xmlns:a16="http://schemas.microsoft.com/office/drawing/2014/main" id="{9EF76AA0-147C-4803-9EF3-89F7C914D3C5}"/>
               </a:ext>
             </a:extLst>
           </p:cNvPr>
@@ -11984,8 +12450,68 @@
         </p:blipFill>
         <p:spPr>
           <a:xfrm>
-            <a:off x="676276" y="247650"/>
-            <a:ext cx="10091858" cy="6362700"/>
+            <a:off x="749705" y="1473113"/>
+            <a:ext cx="5391902" cy="600159"/>
+          </a:xfrm>
+          <a:prstGeom prst="rect">
+            <a:avLst/>
+          </a:prstGeom>
+        </p:spPr>
+      </p:pic>
+      <p:pic>
+        <p:nvPicPr>
+          <p:cNvPr id="5" name="Picture 4">
+            <a:extLst>
+              <a:ext uri="{FF2B5EF4-FFF2-40B4-BE49-F238E27FC236}">
+                <a16:creationId xmlns:a16="http://schemas.microsoft.com/office/drawing/2014/main" id="{A5072830-D09A-420A-9BAC-13949B68B131}"/>
+              </a:ext>
+            </a:extLst>
+          </p:cNvPr>
+          <p:cNvPicPr>
+            <a:picLocks noChangeAspect="1"/>
+          </p:cNvPicPr>
+          <p:nvPr/>
+        </p:nvPicPr>
+        <p:blipFill>
+          <a:blip r:embed="rId3"/>
+          <a:stretch>
+            <a:fillRect/>
+          </a:stretch>
+        </p:blipFill>
+        <p:spPr>
+          <a:xfrm>
+            <a:off x="749705" y="2190577"/>
+            <a:ext cx="7706801" cy="2476846"/>
+          </a:xfrm>
+          <a:prstGeom prst="rect">
+            <a:avLst/>
+          </a:prstGeom>
+        </p:spPr>
+      </p:pic>
+      <p:pic>
+        <p:nvPicPr>
+          <p:cNvPr id="8" name="Picture 7">
+            <a:extLst>
+              <a:ext uri="{FF2B5EF4-FFF2-40B4-BE49-F238E27FC236}">
+                <a16:creationId xmlns:a16="http://schemas.microsoft.com/office/drawing/2014/main" id="{22367C3D-F538-4F4D-9644-8477F7AC12F5}"/>
+              </a:ext>
+            </a:extLst>
+          </p:cNvPr>
+          <p:cNvPicPr>
+            <a:picLocks noChangeAspect="1"/>
+          </p:cNvPicPr>
+          <p:nvPr/>
+        </p:nvPicPr>
+        <p:blipFill>
+          <a:blip r:embed="rId4"/>
+          <a:stretch>
+            <a:fillRect/>
+          </a:stretch>
+        </p:blipFill>
+        <p:spPr>
+          <a:xfrm>
+            <a:off x="655327" y="4784728"/>
+            <a:ext cx="5048955" cy="1590897"/>
           </a:xfrm>
           <a:prstGeom prst="rect">
             <a:avLst/>
@@ -11995,7 +12521,7 @@
     </p:spTree>
     <p:extLst>
       <p:ext uri="{BB962C8B-B14F-4D97-AF65-F5344CB8AC3E}">
-        <p14:creationId xmlns:p14="http://schemas.microsoft.com/office/powerpoint/2010/main" val="4154454613"/>
+        <p14:creationId xmlns:p14="http://schemas.microsoft.com/office/powerpoint/2010/main" val="4069293728"/>
       </p:ext>
     </p:extLst>
   </p:cSld>
@@ -12024,77 +12550,10 @@
       </p:grpSpPr>
       <p:sp>
         <p:nvSpPr>
-          <p:cNvPr id="3" name="Title 2">
-            <a:extLst>
-              <a:ext uri="{FF2B5EF4-FFF2-40B4-BE49-F238E27FC236}">
-                <a16:creationId xmlns:a16="http://schemas.microsoft.com/office/drawing/2014/main" id="{8B2B9F8F-3ADE-47ED-BFAC-8CB7CAECE3E1}"/>
-              </a:ext>
-            </a:extLst>
-          </p:cNvPr>
-          <p:cNvSpPr>
-            <a:spLocks noGrp="1"/>
-          </p:cNvSpPr>
-          <p:nvPr>
-            <p:ph type="title"/>
-          </p:nvPr>
-        </p:nvSpPr>
-        <p:spPr>
-          <a:xfrm>
-            <a:off x="1066800" y="1348915"/>
-            <a:ext cx="3190723" cy="1737360"/>
-          </a:xfrm>
-        </p:spPr>
-        <p:txBody>
-          <a:bodyPr/>
-          <a:lstStyle/>
-          <a:p>
-            <a:r>
-              <a:rPr lang="fr-FR" sz="3200" dirty="0"/>
-              <a:t>Contrôleur page result.html</a:t>
-            </a:r>
-          </a:p>
-        </p:txBody>
-      </p:sp>
-      <p:sp>
-        <p:nvSpPr>
-          <p:cNvPr id="5" name="Text Placeholder 4">
-            <a:extLst>
-              <a:ext uri="{FF2B5EF4-FFF2-40B4-BE49-F238E27FC236}">
-                <a16:creationId xmlns:a16="http://schemas.microsoft.com/office/drawing/2014/main" id="{05D88ACA-3347-46B8-8723-391C045F2EF9}"/>
-              </a:ext>
-            </a:extLst>
-          </p:cNvPr>
-          <p:cNvSpPr>
-            <a:spLocks noGrp="1"/>
-          </p:cNvSpPr>
-          <p:nvPr>
-            <p:ph type="body" sz="half" idx="2"/>
-          </p:nvPr>
-        </p:nvSpPr>
-        <p:spPr>
-          <a:xfrm>
-            <a:off x="1123950" y="3257725"/>
-            <a:ext cx="3190723" cy="1297577"/>
-          </a:xfrm>
-        </p:spPr>
-        <p:txBody>
-          <a:bodyPr/>
-          <a:lstStyle/>
-          <a:p>
-            <a:r>
-              <a:rPr lang="fr-FR" dirty="0" err="1"/>
-              <a:t>monitor.form_result</a:t>
-            </a:r>
-            <a:endParaRPr lang="fr-FR" dirty="0"/>
-          </a:p>
-        </p:txBody>
-      </p:sp>
-      <p:sp>
-        <p:nvSpPr>
           <p:cNvPr id="2" name="Slide Number Placeholder 1">
             <a:extLst>
               <a:ext uri="{FF2B5EF4-FFF2-40B4-BE49-F238E27FC236}">
-                <a16:creationId xmlns:a16="http://schemas.microsoft.com/office/drawing/2014/main" id="{D7D2B9A0-649C-43F6-89F9-515C0A14EC30}"/>
+                <a16:creationId xmlns:a16="http://schemas.microsoft.com/office/drawing/2014/main" id="{EE4CEC49-3FA8-4FF4-AA1C-C76C9CA7B9D4}"/>
               </a:ext>
             </a:extLst>
           </p:cNvPr>
@@ -12118,12 +12577,65 @@
           </a:p>
         </p:txBody>
       </p:sp>
+      <p:sp>
+        <p:nvSpPr>
+          <p:cNvPr id="4" name="TextBox 3">
+            <a:extLst>
+              <a:ext uri="{FF2B5EF4-FFF2-40B4-BE49-F238E27FC236}">
+                <a16:creationId xmlns:a16="http://schemas.microsoft.com/office/drawing/2014/main" id="{02D63997-F04C-4768-9825-71A70B369A63}"/>
+              </a:ext>
+            </a:extLst>
+          </p:cNvPr>
+          <p:cNvSpPr txBox="1"/>
+          <p:nvPr/>
+        </p:nvSpPr>
+        <p:spPr>
+          <a:xfrm>
+            <a:off x="5004896" y="6069939"/>
+            <a:ext cx="2170784" cy="307777"/>
+          </a:xfrm>
+          <a:prstGeom prst="rect">
+            <a:avLst/>
+          </a:prstGeom>
+          <a:noFill/>
+        </p:spPr>
+        <p:txBody>
+          <a:bodyPr wrap="square" rtlCol="0">
+            <a:spAutoFit/>
+          </a:bodyPr>
+          <a:lstStyle/>
+          <a:p>
+            <a:pPr algn="just"/>
+            <a:r>
+              <a:rPr lang="fr-FR" sz="1400" i="1" dirty="0">
+                <a:solidFill>
+                  <a:srgbClr val="4A66AC"/>
+                </a:solidFill>
+              </a:rPr>
+              <a:t>Le formulaire de </a:t>
+            </a:r>
+            <a:r>
+              <a:rPr lang="fr-FR" sz="1400" i="1" dirty="0" err="1">
+                <a:solidFill>
+                  <a:srgbClr val="4A66AC"/>
+                </a:solidFill>
+              </a:rPr>
+              <a:t>connection</a:t>
+            </a:r>
+            <a:endParaRPr lang="fr-FR" sz="1400" i="1" dirty="0">
+              <a:solidFill>
+                <a:srgbClr val="4A66AC"/>
+              </a:solidFill>
+            </a:endParaRPr>
+          </a:p>
+        </p:txBody>
+      </p:sp>
       <p:pic>
         <p:nvPicPr>
           <p:cNvPr id="6" name="Picture 5">
             <a:extLst>
               <a:ext uri="{FF2B5EF4-FFF2-40B4-BE49-F238E27FC236}">
-                <a16:creationId xmlns:a16="http://schemas.microsoft.com/office/drawing/2014/main" id="{7C03C65C-A757-40B7-ABA0-342508E40E92}"/>
+                <a16:creationId xmlns:a16="http://schemas.microsoft.com/office/drawing/2014/main" id="{170AF68A-BE46-4B3F-94D6-BA984B7CE361}"/>
               </a:ext>
             </a:extLst>
           </p:cNvPr>
@@ -12140,8 +12652,8 @@
         </p:blipFill>
         <p:spPr>
           <a:xfrm>
-            <a:off x="4593348" y="2009138"/>
-            <a:ext cx="7022052" cy="2160000"/>
+            <a:off x="3789680" y="980733"/>
+            <a:ext cx="4601217" cy="4896533"/>
           </a:xfrm>
           <a:prstGeom prst="rect">
             <a:avLst/>
@@ -12151,7 +12663,7 @@
     </p:spTree>
     <p:extLst>
       <p:ext uri="{BB962C8B-B14F-4D97-AF65-F5344CB8AC3E}">
-        <p14:creationId xmlns:p14="http://schemas.microsoft.com/office/powerpoint/2010/main" val="347380102"/>
+        <p14:creationId xmlns:p14="http://schemas.microsoft.com/office/powerpoint/2010/main" val="285448310"/>
       </p:ext>
     </p:extLst>
   </p:cSld>
@@ -12180,102 +12692,10 @@
       </p:grpSpPr>
       <p:sp>
         <p:nvSpPr>
-          <p:cNvPr id="2" name="Title 1">
-            <a:extLst>
-              <a:ext uri="{FF2B5EF4-FFF2-40B4-BE49-F238E27FC236}">
-                <a16:creationId xmlns:a16="http://schemas.microsoft.com/office/drawing/2014/main" id="{2A0DF731-AA39-41DB-88EB-94BC97B61809}"/>
-              </a:ext>
-            </a:extLst>
-          </p:cNvPr>
-          <p:cNvSpPr>
-            <a:spLocks noGrp="1"/>
-          </p:cNvSpPr>
-          <p:nvPr>
-            <p:ph type="title"/>
-          </p:nvPr>
-        </p:nvSpPr>
-        <p:spPr>
-          <a:xfrm>
-            <a:off x="1143000" y="1097280"/>
-            <a:ext cx="3886200" cy="1737360"/>
-          </a:xfrm>
-        </p:spPr>
-        <p:txBody>
-          <a:bodyPr/>
-          <a:lstStyle/>
-          <a:p>
-            <a:r>
-              <a:rPr lang="fr-FR" sz="3200" dirty="0"/>
-              <a:t>Les méthodes de la partie </a:t>
-            </a:r>
-            <a:r>
-              <a:rPr lang="fr-FR" sz="3200" dirty="0" err="1"/>
-              <a:t>form_result</a:t>
-            </a:r>
-            <a:r>
-              <a:rPr lang="fr-FR" sz="3200" dirty="0"/>
-              <a:t>() du contrôleur</a:t>
-            </a:r>
-          </a:p>
-        </p:txBody>
-      </p:sp>
-      <p:sp>
-        <p:nvSpPr>
-          <p:cNvPr id="4" name="Text Placeholder 3">
-            <a:extLst>
-              <a:ext uri="{FF2B5EF4-FFF2-40B4-BE49-F238E27FC236}">
-                <a16:creationId xmlns:a16="http://schemas.microsoft.com/office/drawing/2014/main" id="{78A55034-3B1F-4020-B0A4-54E77204154E}"/>
-              </a:ext>
-            </a:extLst>
-          </p:cNvPr>
-          <p:cNvSpPr>
-            <a:spLocks noGrp="1"/>
-          </p:cNvSpPr>
-          <p:nvPr>
-            <p:ph type="body" sz="half" idx="2"/>
-          </p:nvPr>
-        </p:nvSpPr>
-        <p:spPr>
-          <a:xfrm>
-            <a:off x="1143000" y="2909071"/>
-            <a:ext cx="3771900" cy="1114290"/>
-          </a:xfrm>
-        </p:spPr>
-        <p:txBody>
-          <a:bodyPr>
-            <a:normAutofit fontScale="85000" lnSpcReduction="10000"/>
-          </a:bodyPr>
-          <a:lstStyle/>
-          <a:p>
-            <a:pPr algn="just"/>
-            <a:r>
-              <a:rPr lang="fr-FR" dirty="0"/>
-              <a:t>library.py</a:t>
-            </a:r>
-          </a:p>
-          <a:p>
-            <a:pPr algn="just"/>
-            <a:r>
-              <a:rPr lang="fr-FR" dirty="0"/>
-              <a:t>L’ensemble des méthodes pour la requête HTTP GET, l’insertion en base de données et l’affichage du résultat, ainsi que get_app() et </a:t>
-            </a:r>
-            <a:r>
-              <a:rPr lang="fr-FR" dirty="0" err="1"/>
-              <a:t>get_center</a:t>
-            </a:r>
-            <a:r>
-              <a:rPr lang="fr-FR" dirty="0"/>
-              <a:t>()</a:t>
-            </a:r>
-          </a:p>
-        </p:txBody>
-      </p:sp>
-      <p:sp>
-        <p:nvSpPr>
-          <p:cNvPr id="5" name="Slide Number Placeholder 4">
-            <a:extLst>
-              <a:ext uri="{FF2B5EF4-FFF2-40B4-BE49-F238E27FC236}">
-                <a16:creationId xmlns:a16="http://schemas.microsoft.com/office/drawing/2014/main" id="{B25D8A50-3042-48F9-BF81-EC0755323D98}"/>
+          <p:cNvPr id="2" name="Slide Number Placeholder 1">
+            <a:extLst>
+              <a:ext uri="{FF2B5EF4-FFF2-40B4-BE49-F238E27FC236}">
+                <a16:creationId xmlns:a16="http://schemas.microsoft.com/office/drawing/2014/main" id="{D7D2B9A0-649C-43F6-89F9-515C0A14EC30}"/>
               </a:ext>
             </a:extLst>
           </p:cNvPr>
@@ -12299,12 +12719,107 @@
           </a:p>
         </p:txBody>
       </p:sp>
+      <p:sp>
+        <p:nvSpPr>
+          <p:cNvPr id="10" name="Title 1">
+            <a:extLst>
+              <a:ext uri="{FF2B5EF4-FFF2-40B4-BE49-F238E27FC236}">
+                <a16:creationId xmlns:a16="http://schemas.microsoft.com/office/drawing/2014/main" id="{918D844B-CD2C-44BF-A21F-AC45672375D1}"/>
+              </a:ext>
+            </a:extLst>
+          </p:cNvPr>
+          <p:cNvSpPr>
+            <a:spLocks noGrp="1"/>
+          </p:cNvSpPr>
+          <p:nvPr>
+            <p:ph type="title"/>
+          </p:nvPr>
+        </p:nvSpPr>
+        <p:spPr>
+          <a:xfrm>
+            <a:off x="749705" y="609600"/>
+            <a:ext cx="7142144" cy="524205"/>
+          </a:xfrm>
+        </p:spPr>
+        <p:txBody>
+          <a:bodyPr/>
+          <a:lstStyle/>
+          <a:p>
+            <a:r>
+              <a:rPr lang="fr-FR" sz="3200" dirty="0"/>
+              <a:t>Page utilisateur (</a:t>
+            </a:r>
+            <a:r>
+              <a:rPr lang="fr-FR" sz="3200" dirty="0" err="1"/>
+              <a:t>front-end</a:t>
+            </a:r>
+            <a:r>
+              <a:rPr lang="fr-FR" sz="3200" dirty="0"/>
+              <a:t>)</a:t>
+            </a:r>
+          </a:p>
+        </p:txBody>
+      </p:sp>
+      <p:sp>
+        <p:nvSpPr>
+          <p:cNvPr id="11" name="Title 1">
+            <a:extLst>
+              <a:ext uri="{FF2B5EF4-FFF2-40B4-BE49-F238E27FC236}">
+                <a16:creationId xmlns:a16="http://schemas.microsoft.com/office/drawing/2014/main" id="{ECE187B8-96EB-498F-B037-6580597BE94F}"/>
+              </a:ext>
+            </a:extLst>
+          </p:cNvPr>
+          <p:cNvSpPr txBox="1">
+            <a:spLocks/>
+          </p:cNvSpPr>
+          <p:nvPr/>
+        </p:nvSpPr>
+        <p:spPr>
+          <a:xfrm>
+            <a:off x="749705" y="1037884"/>
+            <a:ext cx="2244748" cy="248321"/>
+          </a:xfrm>
+          <a:prstGeom prst="rect">
+            <a:avLst/>
+          </a:prstGeom>
+        </p:spPr>
+        <p:txBody>
+          <a:bodyPr vert="horz" lIns="91440" tIns="45720" rIns="91440" bIns="45720" rtlCol="0" anchor="b">
+            <a:noAutofit/>
+          </a:bodyPr>
+          <a:lstStyle>
+            <a:lvl1pPr algn="l" defTabSz="914400" rtl="0" eaLnBrk="1" latinLnBrk="0" hangingPunct="1">
+              <a:lnSpc>
+                <a:spcPct val="90000"/>
+              </a:lnSpc>
+              <a:spcBef>
+                <a:spcPct val="0"/>
+              </a:spcBef>
+              <a:buNone/>
+              <a:defRPr sz="4000" b="0" kern="1200">
+                <a:solidFill>
+                  <a:schemeClr val="accent1"/>
+                </a:solidFill>
+                <a:latin typeface="+mj-lt"/>
+                <a:ea typeface="+mj-ea"/>
+                <a:cs typeface="+mj-cs"/>
+              </a:defRPr>
+            </a:lvl1pPr>
+          </a:lstStyle>
+          <a:p>
+            <a:r>
+              <a:rPr lang="fr-FR" sz="1200" dirty="0"/>
+              <a:t>component et service</a:t>
+            </a:r>
+          </a:p>
+        </p:txBody>
+      </p:sp>
       <p:pic>
         <p:nvPicPr>
-          <p:cNvPr id="6" name="Picture 5">
-            <a:extLst>
-              <a:ext uri="{FF2B5EF4-FFF2-40B4-BE49-F238E27FC236}">
-                <a16:creationId xmlns:a16="http://schemas.microsoft.com/office/drawing/2014/main" id="{0C099B52-A9FE-4568-A734-6A0121582355}"/>
+          <p:cNvPr id="3" name="Picture 2">
+            <a:extLst>
+              <a:ext uri="{FF2B5EF4-FFF2-40B4-BE49-F238E27FC236}">
+                <a16:creationId xmlns:a16="http://schemas.microsoft.com/office/drawing/2014/main" id="{D7ADDBE9-2A3E-4C3A-90B9-5399FEC62882}"/>
               </a:ext>
             </a:extLst>
           </p:cNvPr>
@@ -12321,8 +12836,38 @@
         </p:blipFill>
         <p:spPr>
           <a:xfrm>
-            <a:off x="5863299" y="924200"/>
-            <a:ext cx="5613110" cy="5040000"/>
+            <a:off x="749705" y="2308115"/>
+            <a:ext cx="3232515" cy="2241770"/>
+          </a:xfrm>
+          <a:prstGeom prst="rect">
+            <a:avLst/>
+          </a:prstGeom>
+        </p:spPr>
+      </p:pic>
+      <p:pic>
+        <p:nvPicPr>
+          <p:cNvPr id="4" name="Picture 3">
+            <a:extLst>
+              <a:ext uri="{FF2B5EF4-FFF2-40B4-BE49-F238E27FC236}">
+                <a16:creationId xmlns:a16="http://schemas.microsoft.com/office/drawing/2014/main" id="{842851CF-AAF5-48A3-9AFE-F65B0D6968C2}"/>
+              </a:ext>
+            </a:extLst>
+          </p:cNvPr>
+          <p:cNvPicPr>
+            <a:picLocks noChangeAspect="1"/>
+          </p:cNvPicPr>
+          <p:nvPr/>
+        </p:nvPicPr>
+        <p:blipFill>
+          <a:blip r:embed="rId3"/>
+          <a:stretch>
+            <a:fillRect/>
+          </a:stretch>
+        </p:blipFill>
+        <p:spPr>
+          <a:xfrm>
+            <a:off x="5694939" y="2308115"/>
+            <a:ext cx="4393819" cy="572304"/>
           </a:xfrm>
           <a:prstGeom prst="rect">
             <a:avLst/>
@@ -12332,7 +12877,7 @@
     </p:spTree>
     <p:extLst>
       <p:ext uri="{BB962C8B-B14F-4D97-AF65-F5344CB8AC3E}">
-        <p14:creationId xmlns:p14="http://schemas.microsoft.com/office/powerpoint/2010/main" val="1123802575"/>
+        <p14:creationId xmlns:p14="http://schemas.microsoft.com/office/powerpoint/2010/main" val="3690683018"/>
       </p:ext>
     </p:extLst>
   </p:cSld>
@@ -12361,38 +12906,10 @@
       </p:grpSpPr>
       <p:sp>
         <p:nvSpPr>
-          <p:cNvPr id="6" name="Title 5">
-            <a:extLst>
-              <a:ext uri="{FF2B5EF4-FFF2-40B4-BE49-F238E27FC236}">
-                <a16:creationId xmlns:a16="http://schemas.microsoft.com/office/drawing/2014/main" id="{DE6E8CC8-E3D3-49A0-8F7E-D06F5E89201C}"/>
-              </a:ext>
-            </a:extLst>
-          </p:cNvPr>
-          <p:cNvSpPr>
-            <a:spLocks noGrp="1"/>
-          </p:cNvSpPr>
-          <p:nvPr>
-            <p:ph type="title"/>
-          </p:nvPr>
-        </p:nvSpPr>
-        <p:spPr/>
-        <p:txBody>
-          <a:bodyPr/>
-          <a:lstStyle/>
-          <a:p>
-            <a:r>
-              <a:rPr lang="fr-FR" dirty="0"/>
-              <a:t>result.html</a:t>
-            </a:r>
-          </a:p>
-        </p:txBody>
-      </p:sp>
-      <p:sp>
-        <p:nvSpPr>
-          <p:cNvPr id="5" name="Slide Number Placeholder 4">
-            <a:extLst>
-              <a:ext uri="{FF2B5EF4-FFF2-40B4-BE49-F238E27FC236}">
-                <a16:creationId xmlns:a16="http://schemas.microsoft.com/office/drawing/2014/main" id="{40360F2A-729E-43E7-BE3D-E865638F1C43}"/>
+          <p:cNvPr id="2" name="Slide Number Placeholder 1">
+            <a:extLst>
+              <a:ext uri="{FF2B5EF4-FFF2-40B4-BE49-F238E27FC236}">
+                <a16:creationId xmlns:a16="http://schemas.microsoft.com/office/drawing/2014/main" id="{D7D2B9A0-649C-43F6-89F9-515C0A14EC30}"/>
               </a:ext>
             </a:extLst>
           </p:cNvPr>
@@ -12416,12 +12933,107 @@
           </a:p>
         </p:txBody>
       </p:sp>
+      <p:sp>
+        <p:nvSpPr>
+          <p:cNvPr id="10" name="Title 1">
+            <a:extLst>
+              <a:ext uri="{FF2B5EF4-FFF2-40B4-BE49-F238E27FC236}">
+                <a16:creationId xmlns:a16="http://schemas.microsoft.com/office/drawing/2014/main" id="{918D844B-CD2C-44BF-A21F-AC45672375D1}"/>
+              </a:ext>
+            </a:extLst>
+          </p:cNvPr>
+          <p:cNvSpPr>
+            <a:spLocks noGrp="1"/>
+          </p:cNvSpPr>
+          <p:nvPr>
+            <p:ph type="title"/>
+          </p:nvPr>
+        </p:nvSpPr>
+        <p:spPr>
+          <a:xfrm>
+            <a:off x="749705" y="609600"/>
+            <a:ext cx="9061560" cy="524205"/>
+          </a:xfrm>
+        </p:spPr>
+        <p:txBody>
+          <a:bodyPr/>
+          <a:lstStyle/>
+          <a:p>
+            <a:r>
+              <a:rPr lang="fr-FR" sz="3200" dirty="0"/>
+              <a:t>Page utilisateur (</a:t>
+            </a:r>
+            <a:r>
+              <a:rPr lang="fr-FR" sz="3200" dirty="0" err="1"/>
+              <a:t>back-end</a:t>
+            </a:r>
+            <a:r>
+              <a:rPr lang="fr-FR" sz="3200" dirty="0"/>
+              <a:t>)</a:t>
+            </a:r>
+          </a:p>
+        </p:txBody>
+      </p:sp>
+      <p:sp>
+        <p:nvSpPr>
+          <p:cNvPr id="11" name="Title 1">
+            <a:extLst>
+              <a:ext uri="{FF2B5EF4-FFF2-40B4-BE49-F238E27FC236}">
+                <a16:creationId xmlns:a16="http://schemas.microsoft.com/office/drawing/2014/main" id="{ECE187B8-96EB-498F-B037-6580597BE94F}"/>
+              </a:ext>
+            </a:extLst>
+          </p:cNvPr>
+          <p:cNvSpPr txBox="1">
+            <a:spLocks/>
+          </p:cNvSpPr>
+          <p:nvPr/>
+        </p:nvSpPr>
+        <p:spPr>
+          <a:xfrm>
+            <a:off x="749705" y="1037884"/>
+            <a:ext cx="2244748" cy="248321"/>
+          </a:xfrm>
+          <a:prstGeom prst="rect">
+            <a:avLst/>
+          </a:prstGeom>
+        </p:spPr>
+        <p:txBody>
+          <a:bodyPr vert="horz" lIns="91440" tIns="45720" rIns="91440" bIns="45720" rtlCol="0" anchor="b">
+            <a:noAutofit/>
+          </a:bodyPr>
+          <a:lstStyle>
+            <a:lvl1pPr algn="l" defTabSz="914400" rtl="0" eaLnBrk="1" latinLnBrk="0" hangingPunct="1">
+              <a:lnSpc>
+                <a:spcPct val="90000"/>
+              </a:lnSpc>
+              <a:spcBef>
+                <a:spcPct val="0"/>
+              </a:spcBef>
+              <a:buNone/>
+              <a:defRPr sz="4000" b="0" kern="1200">
+                <a:solidFill>
+                  <a:schemeClr val="accent1"/>
+                </a:solidFill>
+                <a:latin typeface="+mj-lt"/>
+                <a:ea typeface="+mj-ea"/>
+                <a:cs typeface="+mj-cs"/>
+              </a:defRPr>
+            </a:lvl1pPr>
+          </a:lstStyle>
+          <a:p>
+            <a:r>
+              <a:rPr lang="fr-FR" sz="1200" dirty="0"/>
+              <a:t>Controlleur et service</a:t>
+            </a:r>
+          </a:p>
+        </p:txBody>
+      </p:sp>
       <p:pic>
         <p:nvPicPr>
-          <p:cNvPr id="3" name="Picture 2">
-            <a:extLst>
-              <a:ext uri="{FF2B5EF4-FFF2-40B4-BE49-F238E27FC236}">
-                <a16:creationId xmlns:a16="http://schemas.microsoft.com/office/drawing/2014/main" id="{B8E3010D-DEA7-494A-AB25-6A12F926A499}"/>
+          <p:cNvPr id="5" name="Picture 4">
+            <a:extLst>
+              <a:ext uri="{FF2B5EF4-FFF2-40B4-BE49-F238E27FC236}">
+                <a16:creationId xmlns:a16="http://schemas.microsoft.com/office/drawing/2014/main" id="{6A8E2575-3CD0-4F8D-A5A5-F5DFF33C0D42}"/>
               </a:ext>
             </a:extLst>
           </p:cNvPr>
@@ -12438,8 +13050,38 @@
         </p:blipFill>
         <p:spPr>
           <a:xfrm>
-            <a:off x="5412968" y="804062"/>
-            <a:ext cx="5275594" cy="5040000"/>
+            <a:off x="836302" y="1714489"/>
+            <a:ext cx="4316302" cy="603742"/>
+          </a:xfrm>
+          <a:prstGeom prst="rect">
+            <a:avLst/>
+          </a:prstGeom>
+        </p:spPr>
+      </p:pic>
+      <p:pic>
+        <p:nvPicPr>
+          <p:cNvPr id="7" name="Picture 6">
+            <a:extLst>
+              <a:ext uri="{FF2B5EF4-FFF2-40B4-BE49-F238E27FC236}">
+                <a16:creationId xmlns:a16="http://schemas.microsoft.com/office/drawing/2014/main" id="{EE498E6F-70DC-4D94-99CB-E316C26BA565}"/>
+              </a:ext>
+            </a:extLst>
+          </p:cNvPr>
+          <p:cNvPicPr>
+            <a:picLocks noChangeAspect="1"/>
+          </p:cNvPicPr>
+          <p:nvPr/>
+        </p:nvPicPr>
+        <p:blipFill>
+          <a:blip r:embed="rId3"/>
+          <a:stretch>
+            <a:fillRect/>
+          </a:stretch>
+        </p:blipFill>
+        <p:spPr>
+          <a:xfrm>
+            <a:off x="749705" y="2621954"/>
+            <a:ext cx="5992602" cy="3443510"/>
           </a:xfrm>
           <a:prstGeom prst="rect">
             <a:avLst/>
@@ -12449,7 +13091,7 @@
     </p:spTree>
     <p:extLst>
       <p:ext uri="{BB962C8B-B14F-4D97-AF65-F5344CB8AC3E}">
-        <p14:creationId xmlns:p14="http://schemas.microsoft.com/office/powerpoint/2010/main" val="173234259"/>
+        <p14:creationId xmlns:p14="http://schemas.microsoft.com/office/powerpoint/2010/main" val="1112796613"/>
       </p:ext>
     </p:extLst>
   </p:cSld>
@@ -12478,10 +13120,10 @@
       </p:grpSpPr>
       <p:sp>
         <p:nvSpPr>
-          <p:cNvPr id="5" name="Slide Number Placeholder 4">
-            <a:extLst>
-              <a:ext uri="{FF2B5EF4-FFF2-40B4-BE49-F238E27FC236}">
-                <a16:creationId xmlns:a16="http://schemas.microsoft.com/office/drawing/2014/main" id="{3B814D10-85B8-4BDC-86C1-B55DBC4253CF}"/>
+          <p:cNvPr id="2" name="Slide Number Placeholder 1">
+            <a:extLst>
+              <a:ext uri="{FF2B5EF4-FFF2-40B4-BE49-F238E27FC236}">
+                <a16:creationId xmlns:a16="http://schemas.microsoft.com/office/drawing/2014/main" id="{D7D2B9A0-649C-43F6-89F9-515C0A14EC30}"/>
               </a:ext>
             </a:extLst>
           </p:cNvPr>
@@ -12505,12 +13147,107 @@
           </a:p>
         </p:txBody>
       </p:sp>
+      <p:sp>
+        <p:nvSpPr>
+          <p:cNvPr id="10" name="Title 1">
+            <a:extLst>
+              <a:ext uri="{FF2B5EF4-FFF2-40B4-BE49-F238E27FC236}">
+                <a16:creationId xmlns:a16="http://schemas.microsoft.com/office/drawing/2014/main" id="{918D844B-CD2C-44BF-A21F-AC45672375D1}"/>
+              </a:ext>
+            </a:extLst>
+          </p:cNvPr>
+          <p:cNvSpPr>
+            <a:spLocks noGrp="1"/>
+          </p:cNvSpPr>
+          <p:nvPr>
+            <p:ph type="title"/>
+          </p:nvPr>
+        </p:nvSpPr>
+        <p:spPr>
+          <a:xfrm>
+            <a:off x="749705" y="609600"/>
+            <a:ext cx="7142144" cy="524205"/>
+          </a:xfrm>
+        </p:spPr>
+        <p:txBody>
+          <a:bodyPr/>
+          <a:lstStyle/>
+          <a:p>
+            <a:r>
+              <a:rPr lang="fr-FR" sz="3200" dirty="0"/>
+              <a:t>Component publications (</a:t>
+            </a:r>
+            <a:r>
+              <a:rPr lang="fr-FR" sz="3200" dirty="0" err="1"/>
+              <a:t>front-end</a:t>
+            </a:r>
+            <a:r>
+              <a:rPr lang="fr-FR" sz="3200" dirty="0"/>
+              <a:t>)</a:t>
+            </a:r>
+          </a:p>
+        </p:txBody>
+      </p:sp>
+      <p:sp>
+        <p:nvSpPr>
+          <p:cNvPr id="11" name="Title 1">
+            <a:extLst>
+              <a:ext uri="{FF2B5EF4-FFF2-40B4-BE49-F238E27FC236}">
+                <a16:creationId xmlns:a16="http://schemas.microsoft.com/office/drawing/2014/main" id="{ECE187B8-96EB-498F-B037-6580597BE94F}"/>
+              </a:ext>
+            </a:extLst>
+          </p:cNvPr>
+          <p:cNvSpPr txBox="1">
+            <a:spLocks/>
+          </p:cNvSpPr>
+          <p:nvPr/>
+        </p:nvSpPr>
+        <p:spPr>
+          <a:xfrm>
+            <a:off x="749705" y="1037884"/>
+            <a:ext cx="2244748" cy="248321"/>
+          </a:xfrm>
+          <a:prstGeom prst="rect">
+            <a:avLst/>
+          </a:prstGeom>
+        </p:spPr>
+        <p:txBody>
+          <a:bodyPr vert="horz" lIns="91440" tIns="45720" rIns="91440" bIns="45720" rtlCol="0" anchor="b">
+            <a:noAutofit/>
+          </a:bodyPr>
+          <a:lstStyle>
+            <a:lvl1pPr algn="l" defTabSz="914400" rtl="0" eaLnBrk="1" latinLnBrk="0" hangingPunct="1">
+              <a:lnSpc>
+                <a:spcPct val="90000"/>
+              </a:lnSpc>
+              <a:spcBef>
+                <a:spcPct val="0"/>
+              </a:spcBef>
+              <a:buNone/>
+              <a:defRPr sz="4000" b="0" kern="1200">
+                <a:solidFill>
+                  <a:schemeClr val="accent1"/>
+                </a:solidFill>
+                <a:latin typeface="+mj-lt"/>
+                <a:ea typeface="+mj-ea"/>
+                <a:cs typeface="+mj-cs"/>
+              </a:defRPr>
+            </a:lvl1pPr>
+          </a:lstStyle>
+          <a:p>
+            <a:r>
+              <a:rPr lang="fr-FR" sz="1200" dirty="0"/>
+              <a:t>component et service</a:t>
+            </a:r>
+          </a:p>
+        </p:txBody>
+      </p:sp>
       <p:pic>
         <p:nvPicPr>
-          <p:cNvPr id="6" name="Picture 5">
-            <a:extLst>
-              <a:ext uri="{FF2B5EF4-FFF2-40B4-BE49-F238E27FC236}">
-                <a16:creationId xmlns:a16="http://schemas.microsoft.com/office/drawing/2014/main" id="{45DFC666-3876-4562-B4E7-5DB3EF0B8291}"/>
+          <p:cNvPr id="5" name="Picture 4">
+            <a:extLst>
+              <a:ext uri="{FF2B5EF4-FFF2-40B4-BE49-F238E27FC236}">
+                <a16:creationId xmlns:a16="http://schemas.microsoft.com/office/drawing/2014/main" id="{A119EAF4-E07E-471E-8807-4935D0056EBF}"/>
               </a:ext>
             </a:extLst>
           </p:cNvPr>
@@ -12527,57 +13264,48 @@
         </p:blipFill>
         <p:spPr>
           <a:xfrm>
-            <a:off x="645055" y="798330"/>
-            <a:ext cx="10890810" cy="1860646"/>
+            <a:off x="749705" y="1562089"/>
+            <a:ext cx="4860263" cy="4050219"/>
           </a:xfrm>
           <a:prstGeom prst="rect">
             <a:avLst/>
           </a:prstGeom>
         </p:spPr>
       </p:pic>
-      <p:sp>
-        <p:nvSpPr>
-          <p:cNvPr id="2" name="TextBox 1">
-            <a:extLst>
-              <a:ext uri="{FF2B5EF4-FFF2-40B4-BE49-F238E27FC236}">
-                <a16:creationId xmlns:a16="http://schemas.microsoft.com/office/drawing/2014/main" id="{49496315-4ACC-4526-A5AA-4698DFEADE33}"/>
-              </a:ext>
-            </a:extLst>
-          </p:cNvPr>
-          <p:cNvSpPr txBox="1"/>
+      <p:pic>
+        <p:nvPicPr>
+          <p:cNvPr id="6" name="Picture 5">
+            <a:extLst>
+              <a:ext uri="{FF2B5EF4-FFF2-40B4-BE49-F238E27FC236}">
+                <a16:creationId xmlns:a16="http://schemas.microsoft.com/office/drawing/2014/main" id="{F48C9E66-14C6-4DD3-8F6B-8BD5F31F1DF8}"/>
+              </a:ext>
+            </a:extLst>
+          </p:cNvPr>
+          <p:cNvPicPr>
+            <a:picLocks noChangeAspect="1"/>
+          </p:cNvPicPr>
           <p:nvPr/>
-        </p:nvSpPr>
-        <p:spPr>
-          <a:xfrm>
-            <a:off x="3510570" y="3748545"/>
-            <a:ext cx="4746736" cy="307777"/>
+        </p:nvPicPr>
+        <p:blipFill>
+          <a:blip r:embed="rId3"/>
+          <a:stretch>
+            <a:fillRect/>
+          </a:stretch>
+        </p:blipFill>
+        <p:spPr>
+          <a:xfrm>
+            <a:off x="749705" y="5885862"/>
+            <a:ext cx="7592485" cy="600159"/>
           </a:xfrm>
           <a:prstGeom prst="rect">
             <a:avLst/>
           </a:prstGeom>
-          <a:noFill/>
-        </p:spPr>
-        <p:txBody>
-          <a:bodyPr wrap="square" rtlCol="0">
-            <a:spAutoFit/>
-          </a:bodyPr>
-          <a:lstStyle/>
-          <a:p>
-            <a:r>
-              <a:rPr lang="fr-FR" sz="1400" i="1" dirty="0">
-                <a:solidFill>
-                  <a:srgbClr val="4A66AC"/>
-                </a:solidFill>
-              </a:rPr>
-              <a:t>Le résultat de la requête HTTP de la page « form.html »</a:t>
-            </a:r>
-          </a:p>
-        </p:txBody>
-      </p:sp>
+        </p:spPr>
+      </p:pic>
     </p:spTree>
     <p:extLst>
       <p:ext uri="{BB962C8B-B14F-4D97-AF65-F5344CB8AC3E}">
-        <p14:creationId xmlns:p14="http://schemas.microsoft.com/office/powerpoint/2010/main" val="1209017131"/>
+        <p14:creationId xmlns:p14="http://schemas.microsoft.com/office/powerpoint/2010/main" val="476374708"/>
       </p:ext>
     </p:extLst>
   </p:cSld>
@@ -12606,10 +13334,39 @@
       </p:grpSpPr>
       <p:sp>
         <p:nvSpPr>
-          <p:cNvPr id="2" name="Title 1">
-            <a:extLst>
-              <a:ext uri="{FF2B5EF4-FFF2-40B4-BE49-F238E27FC236}">
-                <a16:creationId xmlns:a16="http://schemas.microsoft.com/office/drawing/2014/main" id="{4DE78B21-65EF-4B72-A0BB-B51937D2D41B}"/>
+          <p:cNvPr id="2" name="Slide Number Placeholder 1">
+            <a:extLst>
+              <a:ext uri="{FF2B5EF4-FFF2-40B4-BE49-F238E27FC236}">
+                <a16:creationId xmlns:a16="http://schemas.microsoft.com/office/drawing/2014/main" id="{D7D2B9A0-649C-43F6-89F9-515C0A14EC30}"/>
+              </a:ext>
+            </a:extLst>
+          </p:cNvPr>
+          <p:cNvSpPr>
+            <a:spLocks noGrp="1"/>
+          </p:cNvSpPr>
+          <p:nvPr>
+            <p:ph type="sldNum" sz="quarter" idx="12"/>
+          </p:nvPr>
+        </p:nvSpPr>
+        <p:spPr/>
+        <p:txBody>
+          <a:bodyPr/>
+          <a:lstStyle/>
+          <a:p>
+            <a:fld id="{C52ED629-2BC0-4D25-969E-9ED78B40D7C7}" type="slidenum">
+              <a:rPr lang="fr-FR" smtClean="0"/>
+              <a:t>36</a:t>
+            </a:fld>
+            <a:endParaRPr lang="fr-FR"/>
+          </a:p>
+        </p:txBody>
+      </p:sp>
+      <p:sp>
+        <p:nvSpPr>
+          <p:cNvPr id="10" name="Title 1">
+            <a:extLst>
+              <a:ext uri="{FF2B5EF4-FFF2-40B4-BE49-F238E27FC236}">
+                <a16:creationId xmlns:a16="http://schemas.microsoft.com/office/drawing/2014/main" id="{918D844B-CD2C-44BF-A21F-AC45672375D1}"/>
               </a:ext>
             </a:extLst>
           </p:cNvPr>
@@ -12622,38 +13379,96 @@
         </p:nvSpPr>
         <p:spPr>
           <a:xfrm>
-            <a:off x="1143000" y="609600"/>
-            <a:ext cx="9875520" cy="274320"/>
-          </a:xfrm>
-        </p:spPr>
-        <p:txBody>
-          <a:bodyPr>
-            <a:normAutofit fontScale="90000"/>
+            <a:off x="749705" y="609600"/>
+            <a:ext cx="7142144" cy="524205"/>
+          </a:xfrm>
+        </p:spPr>
+        <p:txBody>
+          <a:bodyPr/>
+          <a:lstStyle/>
+          <a:p>
+            <a:r>
+              <a:rPr lang="fr-FR" sz="3200" dirty="0"/>
+              <a:t>Publications de l’utilisateur (</a:t>
+            </a:r>
+            <a:r>
+              <a:rPr lang="fr-FR" sz="3200" dirty="0" err="1"/>
+              <a:t>back-end</a:t>
+            </a:r>
+            <a:r>
+              <a:rPr lang="fr-FR" sz="3200" dirty="0"/>
+              <a:t>)</a:t>
+            </a:r>
+          </a:p>
+        </p:txBody>
+      </p:sp>
+      <p:sp>
+        <p:nvSpPr>
+          <p:cNvPr id="11" name="Title 1">
+            <a:extLst>
+              <a:ext uri="{FF2B5EF4-FFF2-40B4-BE49-F238E27FC236}">
+                <a16:creationId xmlns:a16="http://schemas.microsoft.com/office/drawing/2014/main" id="{ECE187B8-96EB-498F-B037-6580597BE94F}"/>
+              </a:ext>
+            </a:extLst>
+          </p:cNvPr>
+          <p:cNvSpPr txBox="1">
+            <a:spLocks/>
+          </p:cNvSpPr>
+          <p:nvPr/>
+        </p:nvSpPr>
+        <p:spPr>
+          <a:xfrm>
+            <a:off x="749705" y="1037884"/>
+            <a:ext cx="2244748" cy="248321"/>
+          </a:xfrm>
+          <a:prstGeom prst="rect">
+            <a:avLst/>
+          </a:prstGeom>
+        </p:spPr>
+        <p:txBody>
+          <a:bodyPr vert="horz" lIns="91440" tIns="45720" rIns="91440" bIns="45720" rtlCol="0" anchor="b">
+            <a:noAutofit/>
           </a:bodyPr>
-          <a:lstStyle/>
-          <a:p>
-            <a:r>
-              <a:rPr lang="fr-FR" dirty="0"/>
-              <a:t>Cas d’utilisation page « List »</a:t>
+          <a:lstStyle>
+            <a:lvl1pPr algn="l" defTabSz="914400" rtl="0" eaLnBrk="1" latinLnBrk="0" hangingPunct="1">
+              <a:lnSpc>
+                <a:spcPct val="90000"/>
+              </a:lnSpc>
+              <a:spcBef>
+                <a:spcPct val="0"/>
+              </a:spcBef>
+              <a:buNone/>
+              <a:defRPr sz="4000" b="0" kern="1200">
+                <a:solidFill>
+                  <a:schemeClr val="accent1"/>
+                </a:solidFill>
+                <a:latin typeface="+mj-lt"/>
+                <a:ea typeface="+mj-ea"/>
+                <a:cs typeface="+mj-cs"/>
+              </a:defRPr>
+            </a:lvl1pPr>
+          </a:lstStyle>
+          <a:p>
+            <a:r>
+              <a:rPr lang="fr-FR" sz="1200" dirty="0"/>
+              <a:t>Controlleur, service et repository</a:t>
             </a:r>
           </a:p>
         </p:txBody>
       </p:sp>
       <p:pic>
         <p:nvPicPr>
-          <p:cNvPr id="11" name="Content Placeholder 10">
-            <a:extLst>
-              <a:ext uri="{FF2B5EF4-FFF2-40B4-BE49-F238E27FC236}">
-                <a16:creationId xmlns:a16="http://schemas.microsoft.com/office/drawing/2014/main" id="{783AE1D7-2D9D-4574-88E0-DCFB2E33A889}"/>
+          <p:cNvPr id="3" name="Picture 2">
+            <a:extLst>
+              <a:ext uri="{FF2B5EF4-FFF2-40B4-BE49-F238E27FC236}">
+                <a16:creationId xmlns:a16="http://schemas.microsoft.com/office/drawing/2014/main" id="{BD7F8004-2053-4A53-846F-17574A5EDDCA}"/>
               </a:ext>
             </a:extLst>
           </p:cNvPr>
           <p:cNvPicPr>
-            <a:picLocks noGrp="1" noChangeAspect="1"/>
+            <a:picLocks noChangeAspect="1"/>
           </p:cNvPicPr>
-          <p:nvPr>
-            <p:ph idx="1"/>
-          </p:nvPr>
+          <p:nvPr/>
         </p:nvPicPr>
         <p:blipFill>
           <a:blip r:embed="rId2"/>
@@ -12663,44 +13478,78 @@
         </p:blipFill>
         <p:spPr>
           <a:xfrm>
-            <a:off x="4016886" y="1228614"/>
-            <a:ext cx="4377931" cy="5040000"/>
-          </a:xfrm>
+            <a:off x="749706" y="1562089"/>
+            <a:ext cx="4992068" cy="959674"/>
+          </a:xfrm>
+          <a:prstGeom prst="rect">
+            <a:avLst/>
+          </a:prstGeom>
         </p:spPr>
       </p:pic>
-      <p:sp>
-        <p:nvSpPr>
-          <p:cNvPr id="4" name="Slide Number Placeholder 3">
-            <a:extLst>
-              <a:ext uri="{FF2B5EF4-FFF2-40B4-BE49-F238E27FC236}">
-                <a16:creationId xmlns:a16="http://schemas.microsoft.com/office/drawing/2014/main" id="{D7663BAB-4B62-4B8B-840C-627E3866497A}"/>
-              </a:ext>
-            </a:extLst>
-          </p:cNvPr>
-          <p:cNvSpPr>
-            <a:spLocks noGrp="1"/>
-          </p:cNvSpPr>
-          <p:nvPr>
-            <p:ph type="sldNum" sz="quarter" idx="12"/>
-          </p:nvPr>
-        </p:nvSpPr>
-        <p:spPr/>
-        <p:txBody>
-          <a:bodyPr/>
-          <a:lstStyle/>
-          <a:p>
-            <a:fld id="{C52ED629-2BC0-4D25-969E-9ED78B40D7C7}" type="slidenum">
-              <a:rPr lang="fr-FR" smtClean="0"/>
-              <a:t>36</a:t>
-            </a:fld>
-            <a:endParaRPr lang="fr-FR"/>
-          </a:p>
-        </p:txBody>
-      </p:sp>
+      <p:pic>
+        <p:nvPicPr>
+          <p:cNvPr id="4" name="Picture 3">
+            <a:extLst>
+              <a:ext uri="{FF2B5EF4-FFF2-40B4-BE49-F238E27FC236}">
+                <a16:creationId xmlns:a16="http://schemas.microsoft.com/office/drawing/2014/main" id="{9A491790-1911-4C2C-8241-F77B80A9AB75}"/>
+              </a:ext>
+            </a:extLst>
+          </p:cNvPr>
+          <p:cNvPicPr>
+            <a:picLocks noChangeAspect="1"/>
+          </p:cNvPicPr>
+          <p:nvPr/>
+        </p:nvPicPr>
+        <p:blipFill>
+          <a:blip r:embed="rId3"/>
+          <a:stretch>
+            <a:fillRect/>
+          </a:stretch>
+        </p:blipFill>
+        <p:spPr>
+          <a:xfrm>
+            <a:off x="749705" y="2804191"/>
+            <a:ext cx="6771126" cy="2023842"/>
+          </a:xfrm>
+          <a:prstGeom prst="rect">
+            <a:avLst/>
+          </a:prstGeom>
+        </p:spPr>
+      </p:pic>
+      <p:pic>
+        <p:nvPicPr>
+          <p:cNvPr id="7" name="Picture 6">
+            <a:extLst>
+              <a:ext uri="{FF2B5EF4-FFF2-40B4-BE49-F238E27FC236}">
+                <a16:creationId xmlns:a16="http://schemas.microsoft.com/office/drawing/2014/main" id="{F6E20E32-3A24-4893-9A72-16C815A867EA}"/>
+              </a:ext>
+            </a:extLst>
+          </p:cNvPr>
+          <p:cNvPicPr>
+            <a:picLocks noChangeAspect="1"/>
+          </p:cNvPicPr>
+          <p:nvPr/>
+        </p:nvPicPr>
+        <p:blipFill>
+          <a:blip r:embed="rId4"/>
+          <a:stretch>
+            <a:fillRect/>
+          </a:stretch>
+        </p:blipFill>
+        <p:spPr>
+          <a:xfrm>
+            <a:off x="749705" y="5191121"/>
+            <a:ext cx="5582429" cy="209579"/>
+          </a:xfrm>
+          <a:prstGeom prst="rect">
+            <a:avLst/>
+          </a:prstGeom>
+        </p:spPr>
+      </p:pic>
     </p:spTree>
     <p:extLst>
       <p:ext uri="{BB962C8B-B14F-4D97-AF65-F5344CB8AC3E}">
-        <p14:creationId xmlns:p14="http://schemas.microsoft.com/office/powerpoint/2010/main" val="1076937060"/>
+        <p14:creationId xmlns:p14="http://schemas.microsoft.com/office/powerpoint/2010/main" val="3029924315"/>
       </p:ext>
     </p:extLst>
   </p:cSld>
@@ -12729,10 +13578,43 @@
       </p:grpSpPr>
       <p:sp>
         <p:nvSpPr>
-          <p:cNvPr id="4" name="Slide Number Placeholder 3">
-            <a:extLst>
-              <a:ext uri="{FF2B5EF4-FFF2-40B4-BE49-F238E27FC236}">
-                <a16:creationId xmlns:a16="http://schemas.microsoft.com/office/drawing/2014/main" id="{E137FFB2-AFDD-43D1-B665-1C7183EBEEEA}"/>
+          <p:cNvPr id="6" name="Title 5">
+            <a:extLst>
+              <a:ext uri="{FF2B5EF4-FFF2-40B4-BE49-F238E27FC236}">
+                <a16:creationId xmlns:a16="http://schemas.microsoft.com/office/drawing/2014/main" id="{DE6E8CC8-E3D3-49A0-8F7E-D06F5E89201C}"/>
+              </a:ext>
+            </a:extLst>
+          </p:cNvPr>
+          <p:cNvSpPr>
+            <a:spLocks noGrp="1"/>
+          </p:cNvSpPr>
+          <p:nvPr>
+            <p:ph type="title"/>
+          </p:nvPr>
+        </p:nvSpPr>
+        <p:spPr>
+          <a:xfrm>
+            <a:off x="525160" y="488784"/>
+            <a:ext cx="6320483" cy="514404"/>
+          </a:xfrm>
+        </p:spPr>
+        <p:txBody>
+          <a:bodyPr/>
+          <a:lstStyle/>
+          <a:p>
+            <a:r>
+              <a:rPr lang="fr-FR" dirty="0"/>
+              <a:t>Component page utilisateur</a:t>
+            </a:r>
+          </a:p>
+        </p:txBody>
+      </p:sp>
+      <p:sp>
+        <p:nvSpPr>
+          <p:cNvPr id="5" name="Slide Number Placeholder 4">
+            <a:extLst>
+              <a:ext uri="{FF2B5EF4-FFF2-40B4-BE49-F238E27FC236}">
+                <a16:creationId xmlns:a16="http://schemas.microsoft.com/office/drawing/2014/main" id="{40360F2A-729E-43E7-BE3D-E865638F1C43}"/>
               </a:ext>
             </a:extLst>
           </p:cNvPr>
@@ -12758,10 +13640,10 @@
       </p:sp>
       <p:pic>
         <p:nvPicPr>
-          <p:cNvPr id="5" name="Picture 4">
-            <a:extLst>
-              <a:ext uri="{FF2B5EF4-FFF2-40B4-BE49-F238E27FC236}">
-                <a16:creationId xmlns:a16="http://schemas.microsoft.com/office/drawing/2014/main" id="{59E1A950-592E-433E-9E58-718C58087B23}"/>
+          <p:cNvPr id="7" name="Picture 6">
+            <a:extLst>
+              <a:ext uri="{FF2B5EF4-FFF2-40B4-BE49-F238E27FC236}">
+                <a16:creationId xmlns:a16="http://schemas.microsoft.com/office/drawing/2014/main" id="{4DDA67EC-F223-4469-920C-36CFD08BD343}"/>
               </a:ext>
             </a:extLst>
           </p:cNvPr>
@@ -12778,8 +13660,8 @@
         </p:blipFill>
         <p:spPr>
           <a:xfrm>
-            <a:off x="257175" y="407461"/>
-            <a:ext cx="11477625" cy="5816367"/>
+            <a:off x="3208941" y="1101036"/>
+            <a:ext cx="5445351" cy="5257199"/>
           </a:xfrm>
           <a:prstGeom prst="rect">
             <a:avLst/>
@@ -12789,7 +13671,7 @@
     </p:spTree>
     <p:extLst>
       <p:ext uri="{BB962C8B-B14F-4D97-AF65-F5344CB8AC3E}">
-        <p14:creationId xmlns:p14="http://schemas.microsoft.com/office/powerpoint/2010/main" val="3395004554"/>
+        <p14:creationId xmlns:p14="http://schemas.microsoft.com/office/powerpoint/2010/main" val="173234259"/>
       </p:ext>
     </p:extLst>
   </p:cSld>
@@ -12818,10 +13700,10 @@
       </p:grpSpPr>
       <p:sp>
         <p:nvSpPr>
-          <p:cNvPr id="4" name="Slide Number Placeholder 3">
-            <a:extLst>
-              <a:ext uri="{FF2B5EF4-FFF2-40B4-BE49-F238E27FC236}">
-                <a16:creationId xmlns:a16="http://schemas.microsoft.com/office/drawing/2014/main" id="{D358A592-BE85-4E8B-A1C8-248E0A3930A9}"/>
+          <p:cNvPr id="2" name="Slide Number Placeholder 1">
+            <a:extLst>
+              <a:ext uri="{FF2B5EF4-FFF2-40B4-BE49-F238E27FC236}">
+                <a16:creationId xmlns:a16="http://schemas.microsoft.com/office/drawing/2014/main" id="{D7D2B9A0-649C-43F6-89F9-515C0A14EC30}"/>
               </a:ext>
             </a:extLst>
           </p:cNvPr>
@@ -12832,12 +13714,7 @@
             <p:ph type="sldNum" sz="quarter" idx="12"/>
           </p:nvPr>
         </p:nvSpPr>
-        <p:spPr>
-          <a:xfrm>
-            <a:off x="9329530" y="6223828"/>
-            <a:ext cx="2548145" cy="262697"/>
-          </a:xfrm>
-        </p:spPr>
+        <p:spPr/>
         <p:txBody>
           <a:bodyPr/>
           <a:lstStyle/>
@@ -12846,16 +13723,111 @@
               <a:rPr lang="fr-FR" smtClean="0"/>
               <a:t>38</a:t>
             </a:fld>
-            <a:endParaRPr lang="fr-FR" dirty="0"/>
+            <a:endParaRPr lang="fr-FR"/>
+          </a:p>
+        </p:txBody>
+      </p:sp>
+      <p:sp>
+        <p:nvSpPr>
+          <p:cNvPr id="10" name="Title 1">
+            <a:extLst>
+              <a:ext uri="{FF2B5EF4-FFF2-40B4-BE49-F238E27FC236}">
+                <a16:creationId xmlns:a16="http://schemas.microsoft.com/office/drawing/2014/main" id="{918D844B-CD2C-44BF-A21F-AC45672375D1}"/>
+              </a:ext>
+            </a:extLst>
+          </p:cNvPr>
+          <p:cNvSpPr>
+            <a:spLocks noGrp="1"/>
+          </p:cNvSpPr>
+          <p:nvPr>
+            <p:ph type="title"/>
+          </p:nvPr>
+        </p:nvSpPr>
+        <p:spPr>
+          <a:xfrm>
+            <a:off x="749705" y="502124"/>
+            <a:ext cx="7142144" cy="524205"/>
+          </a:xfrm>
+        </p:spPr>
+        <p:txBody>
+          <a:bodyPr/>
+          <a:lstStyle/>
+          <a:p>
+            <a:r>
+              <a:rPr lang="fr-FR" sz="3200" dirty="0"/>
+              <a:t>Creation d’une publication (</a:t>
+            </a:r>
+            <a:r>
+              <a:rPr lang="fr-FR" sz="3200" dirty="0" err="1"/>
+              <a:t>front-end</a:t>
+            </a:r>
+            <a:r>
+              <a:rPr lang="fr-FR" sz="3200" dirty="0"/>
+              <a:t>)</a:t>
+            </a:r>
+          </a:p>
+        </p:txBody>
+      </p:sp>
+      <p:sp>
+        <p:nvSpPr>
+          <p:cNvPr id="11" name="Title 1">
+            <a:extLst>
+              <a:ext uri="{FF2B5EF4-FFF2-40B4-BE49-F238E27FC236}">
+                <a16:creationId xmlns:a16="http://schemas.microsoft.com/office/drawing/2014/main" id="{ECE187B8-96EB-498F-B037-6580597BE94F}"/>
+              </a:ext>
+            </a:extLst>
+          </p:cNvPr>
+          <p:cNvSpPr txBox="1">
+            <a:spLocks/>
+          </p:cNvSpPr>
+          <p:nvPr/>
+        </p:nvSpPr>
+        <p:spPr>
+          <a:xfrm>
+            <a:off x="749705" y="910171"/>
+            <a:ext cx="2244748" cy="248321"/>
+          </a:xfrm>
+          <a:prstGeom prst="rect">
+            <a:avLst/>
+          </a:prstGeom>
+        </p:spPr>
+        <p:txBody>
+          <a:bodyPr vert="horz" lIns="91440" tIns="45720" rIns="91440" bIns="45720" rtlCol="0" anchor="b">
+            <a:noAutofit/>
+          </a:bodyPr>
+          <a:lstStyle>
+            <a:lvl1pPr algn="l" defTabSz="914400" rtl="0" eaLnBrk="1" latinLnBrk="0" hangingPunct="1">
+              <a:lnSpc>
+                <a:spcPct val="90000"/>
+              </a:lnSpc>
+              <a:spcBef>
+                <a:spcPct val="0"/>
+              </a:spcBef>
+              <a:buNone/>
+              <a:defRPr sz="4000" b="0" kern="1200">
+                <a:solidFill>
+                  <a:schemeClr val="accent1"/>
+                </a:solidFill>
+                <a:latin typeface="+mj-lt"/>
+                <a:ea typeface="+mj-ea"/>
+                <a:cs typeface="+mj-cs"/>
+              </a:defRPr>
+            </a:lvl1pPr>
+          </a:lstStyle>
+          <a:p>
+            <a:r>
+              <a:rPr lang="fr-FR" sz="1200" dirty="0"/>
+              <a:t>component et service</a:t>
+            </a:r>
           </a:p>
         </p:txBody>
       </p:sp>
       <p:pic>
         <p:nvPicPr>
-          <p:cNvPr id="11" name="Picture 10">
-            <a:extLst>
-              <a:ext uri="{FF2B5EF4-FFF2-40B4-BE49-F238E27FC236}">
-                <a16:creationId xmlns:a16="http://schemas.microsoft.com/office/drawing/2014/main" id="{0CF9BC7F-270B-4D8A-9D87-8F78DD1C0DBF}"/>
+          <p:cNvPr id="5" name="Picture 4">
+            <a:extLst>
+              <a:ext uri="{FF2B5EF4-FFF2-40B4-BE49-F238E27FC236}">
+                <a16:creationId xmlns:a16="http://schemas.microsoft.com/office/drawing/2014/main" id="{030944BD-43D3-4B98-88D6-52435A91BD9B}"/>
               </a:ext>
             </a:extLst>
           </p:cNvPr>
@@ -12872,8 +13844,38 @@
         </p:blipFill>
         <p:spPr>
           <a:xfrm>
-            <a:off x="818879" y="371318"/>
-            <a:ext cx="10440000" cy="6049170"/>
+            <a:off x="536508" y="1290657"/>
+            <a:ext cx="4191088" cy="5298296"/>
+          </a:xfrm>
+          <a:prstGeom prst="rect">
+            <a:avLst/>
+          </a:prstGeom>
+        </p:spPr>
+      </p:pic>
+      <p:pic>
+        <p:nvPicPr>
+          <p:cNvPr id="6" name="Picture 5">
+            <a:extLst>
+              <a:ext uri="{FF2B5EF4-FFF2-40B4-BE49-F238E27FC236}">
+                <a16:creationId xmlns:a16="http://schemas.microsoft.com/office/drawing/2014/main" id="{A135AB29-1B7C-4846-916C-AA137AB063E2}"/>
+              </a:ext>
+            </a:extLst>
+          </p:cNvPr>
+          <p:cNvPicPr>
+            <a:picLocks noChangeAspect="1"/>
+          </p:cNvPicPr>
+          <p:nvPr/>
+        </p:nvPicPr>
+        <p:blipFill>
+          <a:blip r:embed="rId3"/>
+          <a:stretch>
+            <a:fillRect/>
+          </a:stretch>
+        </p:blipFill>
+        <p:spPr>
+          <a:xfrm>
+            <a:off x="5838302" y="1290657"/>
+            <a:ext cx="3810532" cy="571580"/>
           </a:xfrm>
           <a:prstGeom prst="rect">
             <a:avLst/>
@@ -12883,7 +13885,7 @@
     </p:spTree>
     <p:extLst>
       <p:ext uri="{BB962C8B-B14F-4D97-AF65-F5344CB8AC3E}">
-        <p14:creationId xmlns:p14="http://schemas.microsoft.com/office/powerpoint/2010/main" val="3630426936"/>
+        <p14:creationId xmlns:p14="http://schemas.microsoft.com/office/powerpoint/2010/main" val="1758935530"/>
       </p:ext>
     </p:extLst>
   </p:cSld>
@@ -12915,7 +13917,7 @@
           <p:cNvPr id="2" name="Slide Number Placeholder 1">
             <a:extLst>
               <a:ext uri="{FF2B5EF4-FFF2-40B4-BE49-F238E27FC236}">
-                <a16:creationId xmlns:a16="http://schemas.microsoft.com/office/drawing/2014/main" id="{D6B1B7D3-0967-46F2-997E-E5079A7B06DA}"/>
+                <a16:creationId xmlns:a16="http://schemas.microsoft.com/office/drawing/2014/main" id="{D7D2B9A0-649C-43F6-89F9-515C0A14EC30}"/>
               </a:ext>
             </a:extLst>
           </p:cNvPr>
@@ -12939,12 +13941,113 @@
           </a:p>
         </p:txBody>
       </p:sp>
+      <p:sp>
+        <p:nvSpPr>
+          <p:cNvPr id="10" name="Title 1">
+            <a:extLst>
+              <a:ext uri="{FF2B5EF4-FFF2-40B4-BE49-F238E27FC236}">
+                <a16:creationId xmlns:a16="http://schemas.microsoft.com/office/drawing/2014/main" id="{918D844B-CD2C-44BF-A21F-AC45672375D1}"/>
+              </a:ext>
+            </a:extLst>
+          </p:cNvPr>
+          <p:cNvSpPr>
+            <a:spLocks noGrp="1"/>
+          </p:cNvSpPr>
+          <p:nvPr>
+            <p:ph type="title"/>
+          </p:nvPr>
+        </p:nvSpPr>
+        <p:spPr>
+          <a:xfrm>
+            <a:off x="749705" y="502124"/>
+            <a:ext cx="7142144" cy="408047"/>
+          </a:xfrm>
+        </p:spPr>
+        <p:txBody>
+          <a:bodyPr/>
+          <a:lstStyle/>
+          <a:p>
+            <a:r>
+              <a:rPr lang="fr-FR" sz="3200" dirty="0"/>
+              <a:t>Creation d’une publication (</a:t>
+            </a:r>
+            <a:r>
+              <a:rPr lang="fr-FR" sz="3200" dirty="0" err="1"/>
+              <a:t>back-end</a:t>
+            </a:r>
+            <a:r>
+              <a:rPr lang="fr-FR" sz="3200" dirty="0"/>
+              <a:t>)</a:t>
+            </a:r>
+          </a:p>
+        </p:txBody>
+      </p:sp>
+      <p:sp>
+        <p:nvSpPr>
+          <p:cNvPr id="11" name="Title 1">
+            <a:extLst>
+              <a:ext uri="{FF2B5EF4-FFF2-40B4-BE49-F238E27FC236}">
+                <a16:creationId xmlns:a16="http://schemas.microsoft.com/office/drawing/2014/main" id="{ECE187B8-96EB-498F-B037-6580597BE94F}"/>
+              </a:ext>
+            </a:extLst>
+          </p:cNvPr>
+          <p:cNvSpPr txBox="1">
+            <a:spLocks/>
+          </p:cNvSpPr>
+          <p:nvPr/>
+        </p:nvSpPr>
+        <p:spPr>
+          <a:xfrm>
+            <a:off x="638493" y="2400497"/>
+            <a:ext cx="2244748" cy="248321"/>
+          </a:xfrm>
+          <a:prstGeom prst="rect">
+            <a:avLst/>
+          </a:prstGeom>
+          <a:solidFill>
+            <a:schemeClr val="accent5">
+              <a:lumMod val="20000"/>
+              <a:lumOff val="80000"/>
+            </a:schemeClr>
+          </a:solidFill>
+        </p:spPr>
+        <p:txBody>
+          <a:bodyPr vert="horz" lIns="91440" tIns="45720" rIns="91440" bIns="45720" rtlCol="0" anchor="b">
+            <a:noAutofit/>
+          </a:bodyPr>
+          <a:lstStyle>
+            <a:lvl1pPr algn="l" defTabSz="914400" rtl="0" eaLnBrk="1" latinLnBrk="0" hangingPunct="1">
+              <a:lnSpc>
+                <a:spcPct val="90000"/>
+              </a:lnSpc>
+              <a:spcBef>
+                <a:spcPct val="0"/>
+              </a:spcBef>
+              <a:buNone/>
+              <a:defRPr sz="4000" b="0" kern="1200">
+                <a:solidFill>
+                  <a:schemeClr val="accent1"/>
+                </a:solidFill>
+                <a:latin typeface="+mj-lt"/>
+                <a:ea typeface="+mj-ea"/>
+                <a:cs typeface="+mj-cs"/>
+              </a:defRPr>
+            </a:lvl1pPr>
+          </a:lstStyle>
+          <a:p>
+            <a:r>
+              <a:rPr lang="fr-FR" sz="1200" dirty="0"/>
+              <a:t>Storage service</a:t>
+            </a:r>
+          </a:p>
+        </p:txBody>
+      </p:sp>
       <p:pic>
         <p:nvPicPr>
-          <p:cNvPr id="4" name="Picture 3">
-            <a:extLst>
-              <a:ext uri="{FF2B5EF4-FFF2-40B4-BE49-F238E27FC236}">
-                <a16:creationId xmlns:a16="http://schemas.microsoft.com/office/drawing/2014/main" id="{7ED9590E-148D-4DB4-8FA7-56841D2870C1}"/>
+          <p:cNvPr id="3" name="Picture 2">
+            <a:extLst>
+              <a:ext uri="{FF2B5EF4-FFF2-40B4-BE49-F238E27FC236}">
+                <a16:creationId xmlns:a16="http://schemas.microsoft.com/office/drawing/2014/main" id="{087574B8-E3F4-4FC4-B7D3-2FAF8310A81F}"/>
               </a:ext>
             </a:extLst>
           </p:cNvPr>
@@ -12961,49 +14064,190 @@
         </p:blipFill>
         <p:spPr>
           <a:xfrm>
-            <a:off x="884372" y="643071"/>
-            <a:ext cx="10440000" cy="4823685"/>
+            <a:off x="638493" y="1408671"/>
+            <a:ext cx="7253356" cy="899514"/>
           </a:xfrm>
           <a:prstGeom prst="rect">
             <a:avLst/>
           </a:prstGeom>
         </p:spPr>
       </p:pic>
-      <p:sp>
-        <p:nvSpPr>
-          <p:cNvPr id="3" name="TextBox 2">
-            <a:extLst>
-              <a:ext uri="{FF2B5EF4-FFF2-40B4-BE49-F238E27FC236}">
-                <a16:creationId xmlns:a16="http://schemas.microsoft.com/office/drawing/2014/main" id="{54169FE1-42D4-4176-866D-9F1240A6D755}"/>
-              </a:ext>
-            </a:extLst>
-          </p:cNvPr>
-          <p:cNvSpPr txBox="1"/>
+      <p:pic>
+        <p:nvPicPr>
+          <p:cNvPr id="4" name="Picture 3">
+            <a:extLst>
+              <a:ext uri="{FF2B5EF4-FFF2-40B4-BE49-F238E27FC236}">
+                <a16:creationId xmlns:a16="http://schemas.microsoft.com/office/drawing/2014/main" id="{8A8C185C-70EB-4887-A1E9-6754C258B360}"/>
+              </a:ext>
+            </a:extLst>
+          </p:cNvPr>
+          <p:cNvPicPr>
+            <a:picLocks noChangeAspect="1"/>
+          </p:cNvPicPr>
           <p:nvPr/>
-        </p:nvSpPr>
-        <p:spPr>
-          <a:xfrm>
-            <a:off x="1763607" y="5786360"/>
-            <a:ext cx="8506047" cy="523220"/>
+        </p:nvPicPr>
+        <p:blipFill>
+          <a:blip r:embed="rId3"/>
+          <a:stretch>
+            <a:fillRect/>
+          </a:stretch>
+        </p:blipFill>
+        <p:spPr>
+          <a:xfrm>
+            <a:off x="638493" y="2757406"/>
+            <a:ext cx="6676707" cy="2088982"/>
           </a:xfrm>
           <a:prstGeom prst="rect">
             <a:avLst/>
           </a:prstGeom>
-          <a:noFill/>
-        </p:spPr>
-        <p:txBody>
-          <a:bodyPr wrap="square" rtlCol="0">
-            <a:spAutoFit/>
+        </p:spPr>
+      </p:pic>
+      <p:pic>
+        <p:nvPicPr>
+          <p:cNvPr id="7" name="Picture 6">
+            <a:extLst>
+              <a:ext uri="{FF2B5EF4-FFF2-40B4-BE49-F238E27FC236}">
+                <a16:creationId xmlns:a16="http://schemas.microsoft.com/office/drawing/2014/main" id="{38CAD40E-6F9C-42E5-B97F-1FEDFF6D7855}"/>
+              </a:ext>
+            </a:extLst>
+          </p:cNvPr>
+          <p:cNvPicPr>
+            <a:picLocks noChangeAspect="1"/>
+          </p:cNvPicPr>
+          <p:nvPr/>
+        </p:nvPicPr>
+        <p:blipFill>
+          <a:blip r:embed="rId4"/>
+          <a:stretch>
+            <a:fillRect/>
+          </a:stretch>
+        </p:blipFill>
+        <p:spPr>
+          <a:xfrm>
+            <a:off x="638493" y="5199882"/>
+            <a:ext cx="5062091" cy="1206508"/>
+          </a:xfrm>
+          <a:prstGeom prst="rect">
+            <a:avLst/>
+          </a:prstGeom>
+        </p:spPr>
+      </p:pic>
+      <p:sp>
+        <p:nvSpPr>
+          <p:cNvPr id="13" name="Title 1">
+            <a:extLst>
+              <a:ext uri="{FF2B5EF4-FFF2-40B4-BE49-F238E27FC236}">
+                <a16:creationId xmlns:a16="http://schemas.microsoft.com/office/drawing/2014/main" id="{3D7EFA52-EDA0-4565-BFF6-177102000DEC}"/>
+              </a:ext>
+            </a:extLst>
+          </p:cNvPr>
+          <p:cNvSpPr txBox="1">
+            <a:spLocks/>
+          </p:cNvSpPr>
+          <p:nvPr/>
+        </p:nvSpPr>
+        <p:spPr>
+          <a:xfrm>
+            <a:off x="638493" y="1122024"/>
+            <a:ext cx="2244748" cy="248321"/>
+          </a:xfrm>
+          <a:prstGeom prst="rect">
+            <a:avLst/>
+          </a:prstGeom>
+          <a:solidFill>
+            <a:schemeClr val="accent5">
+              <a:lumMod val="20000"/>
+              <a:lumOff val="80000"/>
+            </a:schemeClr>
+          </a:solidFill>
+        </p:spPr>
+        <p:txBody>
+          <a:bodyPr vert="horz" lIns="91440" tIns="45720" rIns="91440" bIns="45720" rtlCol="0" anchor="b">
+            <a:noAutofit/>
           </a:bodyPr>
-          <a:lstStyle/>
-          <a:p>
-            <a:r>
-              <a:rPr lang="fr-FR" sz="1400" i="1" dirty="0">
+          <a:lstStyle>
+            <a:lvl1pPr algn="l" defTabSz="914400" rtl="0" eaLnBrk="1" latinLnBrk="0" hangingPunct="1">
+              <a:lnSpc>
+                <a:spcPct val="90000"/>
+              </a:lnSpc>
+              <a:spcBef>
+                <a:spcPct val="0"/>
+              </a:spcBef>
+              <a:buNone/>
+              <a:defRPr sz="4000" b="0" kern="1200">
                 <a:solidFill>
-                  <a:srgbClr val="4A66AC"/>
+                  <a:schemeClr val="accent1"/>
                 </a:solidFill>
-              </a:rPr>
-              <a:t>La page contenant tous les enregistrements avec la possibilité de filtrer les versions par application, datacenter et date ou une combinaison de filtres.0</a:t>
+                <a:latin typeface="+mj-lt"/>
+                <a:ea typeface="+mj-ea"/>
+                <a:cs typeface="+mj-cs"/>
+              </a:defRPr>
+            </a:lvl1pPr>
+          </a:lstStyle>
+          <a:p>
+            <a:r>
+              <a:rPr lang="fr-FR" sz="1200" dirty="0"/>
+              <a:t>Controlleur</a:t>
+            </a:r>
+          </a:p>
+        </p:txBody>
+      </p:sp>
+      <p:sp>
+        <p:nvSpPr>
+          <p:cNvPr id="14" name="Title 1">
+            <a:extLst>
+              <a:ext uri="{FF2B5EF4-FFF2-40B4-BE49-F238E27FC236}">
+                <a16:creationId xmlns:a16="http://schemas.microsoft.com/office/drawing/2014/main" id="{A36EAC05-B0D1-474C-9EB9-23DA43A63386}"/>
+              </a:ext>
+            </a:extLst>
+          </p:cNvPr>
+          <p:cNvSpPr txBox="1">
+            <a:spLocks/>
+          </p:cNvSpPr>
+          <p:nvPr/>
+        </p:nvSpPr>
+        <p:spPr>
+          <a:xfrm>
+            <a:off x="638493" y="4867701"/>
+            <a:ext cx="2244748" cy="248321"/>
+          </a:xfrm>
+          <a:prstGeom prst="rect">
+            <a:avLst/>
+          </a:prstGeom>
+          <a:solidFill>
+            <a:schemeClr val="accent5">
+              <a:lumMod val="20000"/>
+              <a:lumOff val="80000"/>
+            </a:schemeClr>
+          </a:solidFill>
+        </p:spPr>
+        <p:txBody>
+          <a:bodyPr vert="horz" lIns="91440" tIns="45720" rIns="91440" bIns="45720" rtlCol="0" anchor="b">
+            <a:noAutofit/>
+          </a:bodyPr>
+          <a:lstStyle>
+            <a:lvl1pPr algn="l" defTabSz="914400" rtl="0" eaLnBrk="1" latinLnBrk="0" hangingPunct="1">
+              <a:lnSpc>
+                <a:spcPct val="90000"/>
+              </a:lnSpc>
+              <a:spcBef>
+                <a:spcPct val="0"/>
+              </a:spcBef>
+              <a:buNone/>
+              <a:defRPr sz="4000" b="0" kern="1200">
+                <a:solidFill>
+                  <a:schemeClr val="accent1"/>
+                </a:solidFill>
+                <a:latin typeface="+mj-lt"/>
+                <a:ea typeface="+mj-ea"/>
+                <a:cs typeface="+mj-cs"/>
+              </a:defRPr>
+            </a:lvl1pPr>
+          </a:lstStyle>
+          <a:p>
+            <a:r>
+              <a:rPr lang="fr-FR" sz="1200" dirty="0"/>
+              <a:t>Publication Service</a:t>
             </a:r>
           </a:p>
         </p:txBody>
@@ -13011,7 +14255,7 @@
     </p:spTree>
     <p:extLst>
       <p:ext uri="{BB962C8B-B14F-4D97-AF65-F5344CB8AC3E}">
-        <p14:creationId xmlns:p14="http://schemas.microsoft.com/office/powerpoint/2010/main" val="3336134308"/>
+        <p14:creationId xmlns:p14="http://schemas.microsoft.com/office/powerpoint/2010/main" val="2653058341"/>
       </p:ext>
     </p:extLst>
   </p:cSld>
@@ -13203,10 +14447,10 @@
       </p:grpSpPr>
       <p:sp>
         <p:nvSpPr>
-          <p:cNvPr id="3" name="Title 2">
-            <a:extLst>
-              <a:ext uri="{FF2B5EF4-FFF2-40B4-BE49-F238E27FC236}">
-                <a16:creationId xmlns:a16="http://schemas.microsoft.com/office/drawing/2014/main" id="{F50325DC-68DD-4AF1-BFBC-442F696476D3}"/>
+          <p:cNvPr id="6" name="Title 5">
+            <a:extLst>
+              <a:ext uri="{FF2B5EF4-FFF2-40B4-BE49-F238E27FC236}">
+                <a16:creationId xmlns:a16="http://schemas.microsoft.com/office/drawing/2014/main" id="{DE6E8CC8-E3D3-49A0-8F7E-D06F5E89201C}"/>
               </a:ext>
             </a:extLst>
           </p:cNvPr>
@@ -13219,8 +14463,8 @@
         </p:nvSpPr>
         <p:spPr>
           <a:xfrm>
-            <a:off x="808074" y="1097280"/>
-            <a:ext cx="3593805" cy="1737360"/>
+            <a:off x="525160" y="488784"/>
+            <a:ext cx="6320483" cy="514404"/>
           </a:xfrm>
         </p:spPr>
         <p:txBody>
@@ -13228,61 +14472,18 @@
           <a:lstStyle/>
           <a:p>
             <a:r>
-              <a:rPr lang="fr-FR" sz="3200" dirty="0"/>
-              <a:t>Contrôleur index()</a:t>
-            </a:r>
-          </a:p>
-        </p:txBody>
-      </p:sp>
-      <p:sp>
-        <p:nvSpPr>
-          <p:cNvPr id="5" name="Text Placeholder 4">
-            <a:extLst>
-              <a:ext uri="{FF2B5EF4-FFF2-40B4-BE49-F238E27FC236}">
-                <a16:creationId xmlns:a16="http://schemas.microsoft.com/office/drawing/2014/main" id="{12030B6A-8A5E-4C33-A7B2-88EB3444EFD0}"/>
-              </a:ext>
-            </a:extLst>
-          </p:cNvPr>
-          <p:cNvSpPr>
-            <a:spLocks noGrp="1"/>
-          </p:cNvSpPr>
-          <p:nvPr>
-            <p:ph type="body" sz="half" idx="2"/>
-          </p:nvPr>
-        </p:nvSpPr>
-        <p:spPr>
-          <a:xfrm>
-            <a:off x="930348" y="2834640"/>
-            <a:ext cx="2933700" cy="1442085"/>
-          </a:xfrm>
-        </p:spPr>
-        <p:txBody>
-          <a:bodyPr>
-            <a:normAutofit lnSpcReduction="10000"/>
-          </a:bodyPr>
-          <a:lstStyle/>
-          <a:p>
-            <a:r>
-              <a:rPr lang="fr-FR" dirty="0" err="1"/>
-              <a:t>monitor.index</a:t>
-            </a:r>
-            <a:endParaRPr lang="fr-FR" dirty="0"/>
-          </a:p>
-          <a:p>
-            <a:pPr algn="just"/>
-            <a:r>
               <a:rPr lang="fr-FR" dirty="0"/>
-              <a:t>Avec la partie du code pour le chargement de la page « List » à la première vue sans le choix de filtres.</a:t>
-            </a:r>
-          </a:p>
-        </p:txBody>
-      </p:sp>
-      <p:sp>
-        <p:nvSpPr>
-          <p:cNvPr id="2" name="Slide Number Placeholder 1">
-            <a:extLst>
-              <a:ext uri="{FF2B5EF4-FFF2-40B4-BE49-F238E27FC236}">
-                <a16:creationId xmlns:a16="http://schemas.microsoft.com/office/drawing/2014/main" id="{CA84499E-3364-4D2A-8887-96A250CA4B07}"/>
+              <a:t>Creation d’une publication</a:t>
+            </a:r>
+          </a:p>
+        </p:txBody>
+      </p:sp>
+      <p:sp>
+        <p:nvSpPr>
+          <p:cNvPr id="5" name="Slide Number Placeholder 4">
+            <a:extLst>
+              <a:ext uri="{FF2B5EF4-FFF2-40B4-BE49-F238E27FC236}">
+                <a16:creationId xmlns:a16="http://schemas.microsoft.com/office/drawing/2014/main" id="{40360F2A-729E-43E7-BE3D-E865638F1C43}"/>
               </a:ext>
             </a:extLst>
           </p:cNvPr>
@@ -13308,10 +14509,10 @@
       </p:sp>
       <p:pic>
         <p:nvPicPr>
-          <p:cNvPr id="6" name="Picture 5">
-            <a:extLst>
-              <a:ext uri="{FF2B5EF4-FFF2-40B4-BE49-F238E27FC236}">
-                <a16:creationId xmlns:a16="http://schemas.microsoft.com/office/drawing/2014/main" id="{DB542712-79C2-4C22-B4A3-21234FD93E94}"/>
+          <p:cNvPr id="4" name="Picture 3">
+            <a:extLst>
+              <a:ext uri="{FF2B5EF4-FFF2-40B4-BE49-F238E27FC236}">
+                <a16:creationId xmlns:a16="http://schemas.microsoft.com/office/drawing/2014/main" id="{71230A1B-5420-4BA6-A79A-0F06044C7186}"/>
               </a:ext>
             </a:extLst>
           </p:cNvPr>
@@ -13328,8 +14529,8 @@
         </p:blipFill>
         <p:spPr>
           <a:xfrm>
-            <a:off x="4567409" y="1952449"/>
-            <a:ext cx="6919759" cy="2160000"/>
+            <a:off x="4086198" y="1062681"/>
+            <a:ext cx="4019604" cy="5450040"/>
           </a:xfrm>
           <a:prstGeom prst="rect">
             <a:avLst/>
@@ -13339,7 +14540,7 @@
     </p:spTree>
     <p:extLst>
       <p:ext uri="{BB962C8B-B14F-4D97-AF65-F5344CB8AC3E}">
-        <p14:creationId xmlns:p14="http://schemas.microsoft.com/office/powerpoint/2010/main" val="3855733227"/>
+        <p14:creationId xmlns:p14="http://schemas.microsoft.com/office/powerpoint/2010/main" val="2372291601"/>
       </p:ext>
     </p:extLst>
   </p:cSld>
@@ -13368,82 +14569,10 @@
       </p:grpSpPr>
       <p:sp>
         <p:nvSpPr>
-          <p:cNvPr id="2" name="Title 1">
-            <a:extLst>
-              <a:ext uri="{FF2B5EF4-FFF2-40B4-BE49-F238E27FC236}">
-                <a16:creationId xmlns:a16="http://schemas.microsoft.com/office/drawing/2014/main" id="{DE4DE7C5-EA26-4226-A65D-9E14A55DD0C6}"/>
-              </a:ext>
-            </a:extLst>
-          </p:cNvPr>
-          <p:cNvSpPr>
-            <a:spLocks noGrp="1"/>
-          </p:cNvSpPr>
-          <p:nvPr>
-            <p:ph type="title"/>
-          </p:nvPr>
-        </p:nvSpPr>
-        <p:spPr>
-          <a:xfrm>
-            <a:off x="1143000" y="1030605"/>
-            <a:ext cx="3556591" cy="1737360"/>
-          </a:xfrm>
-        </p:spPr>
-        <p:txBody>
-          <a:bodyPr/>
-          <a:lstStyle/>
-          <a:p>
-            <a:r>
-              <a:rPr lang="fr-FR" sz="3200" dirty="0"/>
-              <a:t>Les méthodes du contrôleur index()</a:t>
-            </a:r>
-          </a:p>
-        </p:txBody>
-      </p:sp>
-      <p:sp>
-        <p:nvSpPr>
-          <p:cNvPr id="4" name="Text Placeholder 3">
-            <a:extLst>
-              <a:ext uri="{FF2B5EF4-FFF2-40B4-BE49-F238E27FC236}">
-                <a16:creationId xmlns:a16="http://schemas.microsoft.com/office/drawing/2014/main" id="{9A2EE05C-C238-4B29-B171-47E9E33B89C1}"/>
-              </a:ext>
-            </a:extLst>
-          </p:cNvPr>
-          <p:cNvSpPr>
-            <a:spLocks noGrp="1"/>
-          </p:cNvSpPr>
-          <p:nvPr>
-            <p:ph type="body" sz="half" idx="2"/>
-          </p:nvPr>
-        </p:nvSpPr>
-        <p:spPr>
-          <a:xfrm>
-            <a:off x="1143000" y="2844165"/>
-            <a:ext cx="3381375" cy="3017520"/>
-          </a:xfrm>
-        </p:spPr>
-        <p:txBody>
-          <a:bodyPr/>
-          <a:lstStyle/>
-          <a:p>
-            <a:r>
-              <a:rPr lang="fr-FR" dirty="0"/>
-              <a:t>library.py</a:t>
-            </a:r>
-          </a:p>
-          <a:p>
-            <a:r>
-              <a:rPr lang="fr-FR" dirty="0"/>
-              <a:t>Les méthodes pour l’affichage de la page index.html à la première vue sans filtres.</a:t>
-            </a:r>
-          </a:p>
-        </p:txBody>
-      </p:sp>
-      <p:sp>
-        <p:nvSpPr>
-          <p:cNvPr id="5" name="Slide Number Placeholder 4">
-            <a:extLst>
-              <a:ext uri="{FF2B5EF4-FFF2-40B4-BE49-F238E27FC236}">
-                <a16:creationId xmlns:a16="http://schemas.microsoft.com/office/drawing/2014/main" id="{0CA2E92A-9648-478A-B323-592AE1E3CA61}"/>
+          <p:cNvPr id="2" name="Slide Number Placeholder 1">
+            <a:extLst>
+              <a:ext uri="{FF2B5EF4-FFF2-40B4-BE49-F238E27FC236}">
+                <a16:creationId xmlns:a16="http://schemas.microsoft.com/office/drawing/2014/main" id="{D7D2B9A0-649C-43F6-89F9-515C0A14EC30}"/>
               </a:ext>
             </a:extLst>
           </p:cNvPr>
@@ -13467,12 +14596,113 @@
           </a:p>
         </p:txBody>
       </p:sp>
+      <p:sp>
+        <p:nvSpPr>
+          <p:cNvPr id="10" name="Title 1">
+            <a:extLst>
+              <a:ext uri="{FF2B5EF4-FFF2-40B4-BE49-F238E27FC236}">
+                <a16:creationId xmlns:a16="http://schemas.microsoft.com/office/drawing/2014/main" id="{918D844B-CD2C-44BF-A21F-AC45672375D1}"/>
+              </a:ext>
+            </a:extLst>
+          </p:cNvPr>
+          <p:cNvSpPr>
+            <a:spLocks noGrp="1"/>
+          </p:cNvSpPr>
+          <p:nvPr>
+            <p:ph type="title"/>
+          </p:nvPr>
+        </p:nvSpPr>
+        <p:spPr>
+          <a:xfrm>
+            <a:off x="749705" y="502124"/>
+            <a:ext cx="7142144" cy="524205"/>
+          </a:xfrm>
+        </p:spPr>
+        <p:txBody>
+          <a:bodyPr/>
+          <a:lstStyle/>
+          <a:p>
+            <a:r>
+              <a:rPr lang="fr-FR" sz="3200" dirty="0"/>
+              <a:t>Chargement d'avatar (</a:t>
+            </a:r>
+            <a:r>
+              <a:rPr lang="fr-FR" sz="3200" dirty="0" err="1"/>
+              <a:t>front-end</a:t>
+            </a:r>
+            <a:r>
+              <a:rPr lang="fr-FR" sz="3200" dirty="0"/>
+              <a:t>)</a:t>
+            </a:r>
+          </a:p>
+        </p:txBody>
+      </p:sp>
+      <p:sp>
+        <p:nvSpPr>
+          <p:cNvPr id="7" name="Title 1">
+            <a:extLst>
+              <a:ext uri="{FF2B5EF4-FFF2-40B4-BE49-F238E27FC236}">
+                <a16:creationId xmlns:a16="http://schemas.microsoft.com/office/drawing/2014/main" id="{AA88D16D-0C13-4503-A38C-4AD5B377B1D2}"/>
+              </a:ext>
+            </a:extLst>
+          </p:cNvPr>
+          <p:cNvSpPr txBox="1">
+            <a:spLocks/>
+          </p:cNvSpPr>
+          <p:nvPr/>
+        </p:nvSpPr>
+        <p:spPr>
+          <a:xfrm>
+            <a:off x="749704" y="1171451"/>
+            <a:ext cx="7142143" cy="248321"/>
+          </a:xfrm>
+          <a:prstGeom prst="rect">
+            <a:avLst/>
+          </a:prstGeom>
+          <a:solidFill>
+            <a:schemeClr val="accent5">
+              <a:lumMod val="20000"/>
+              <a:lumOff val="80000"/>
+            </a:schemeClr>
+          </a:solidFill>
+        </p:spPr>
+        <p:txBody>
+          <a:bodyPr vert="horz" lIns="91440" tIns="45720" rIns="91440" bIns="45720" rtlCol="0" anchor="b">
+            <a:noAutofit/>
+          </a:bodyPr>
+          <a:lstStyle>
+            <a:lvl1pPr algn="l" defTabSz="914400" rtl="0" eaLnBrk="1" latinLnBrk="0" hangingPunct="1">
+              <a:lnSpc>
+                <a:spcPct val="90000"/>
+              </a:lnSpc>
+              <a:spcBef>
+                <a:spcPct val="0"/>
+              </a:spcBef>
+              <a:buNone/>
+              <a:defRPr sz="4000" b="0" kern="1200">
+                <a:solidFill>
+                  <a:schemeClr val="accent1"/>
+                </a:solidFill>
+                <a:latin typeface="+mj-lt"/>
+                <a:ea typeface="+mj-ea"/>
+                <a:cs typeface="+mj-cs"/>
+              </a:defRPr>
+            </a:lvl1pPr>
+          </a:lstStyle>
+          <a:p>
+            <a:r>
+              <a:rPr lang="fr-FR" sz="1200" dirty="0"/>
+              <a:t>Component</a:t>
+            </a:r>
+          </a:p>
+        </p:txBody>
+      </p:sp>
       <p:pic>
         <p:nvPicPr>
-          <p:cNvPr id="9" name="Picture 8">
-            <a:extLst>
-              <a:ext uri="{FF2B5EF4-FFF2-40B4-BE49-F238E27FC236}">
-                <a16:creationId xmlns:a16="http://schemas.microsoft.com/office/drawing/2014/main" id="{262B0701-A09D-4771-88EC-B8E4EAB6FF35}"/>
+          <p:cNvPr id="3" name="Picture 2">
+            <a:extLst>
+              <a:ext uri="{FF2B5EF4-FFF2-40B4-BE49-F238E27FC236}">
+                <a16:creationId xmlns:a16="http://schemas.microsoft.com/office/drawing/2014/main" id="{19E81C26-980D-4478-948A-7C830625D910}"/>
               </a:ext>
             </a:extLst>
           </p:cNvPr>
@@ -13489,18 +14719,138 @@
         </p:blipFill>
         <p:spPr>
           <a:xfrm>
-            <a:off x="5413237" y="1727682"/>
-            <a:ext cx="5087772" cy="2520000"/>
+            <a:off x="749705" y="1564894"/>
+            <a:ext cx="3250421" cy="4833340"/>
           </a:xfrm>
           <a:prstGeom prst="rect">
             <a:avLst/>
           </a:prstGeom>
         </p:spPr>
       </p:pic>
+      <p:pic>
+        <p:nvPicPr>
+          <p:cNvPr id="4" name="Picture 3">
+            <a:extLst>
+              <a:ext uri="{FF2B5EF4-FFF2-40B4-BE49-F238E27FC236}">
+                <a16:creationId xmlns:a16="http://schemas.microsoft.com/office/drawing/2014/main" id="{58C2E63F-46B6-45AD-A3F9-820F65322D80}"/>
+              </a:ext>
+            </a:extLst>
+          </p:cNvPr>
+          <p:cNvPicPr>
+            <a:picLocks noChangeAspect="1"/>
+          </p:cNvPicPr>
+          <p:nvPr/>
+        </p:nvPicPr>
+        <p:blipFill>
+          <a:blip r:embed="rId3"/>
+          <a:stretch>
+            <a:fillRect/>
+          </a:stretch>
+        </p:blipFill>
+        <p:spPr>
+          <a:xfrm>
+            <a:off x="4781335" y="1553141"/>
+            <a:ext cx="3766986" cy="3278036"/>
+          </a:xfrm>
+          <a:prstGeom prst="rect">
+            <a:avLst/>
+          </a:prstGeom>
+        </p:spPr>
+      </p:pic>
+      <p:pic>
+        <p:nvPicPr>
+          <p:cNvPr id="8" name="Picture 7">
+            <a:extLst>
+              <a:ext uri="{FF2B5EF4-FFF2-40B4-BE49-F238E27FC236}">
+                <a16:creationId xmlns:a16="http://schemas.microsoft.com/office/drawing/2014/main" id="{5D5836DB-A38A-4145-A0AF-2659C9FA1E05}"/>
+              </a:ext>
+            </a:extLst>
+          </p:cNvPr>
+          <p:cNvPicPr>
+            <a:picLocks noChangeAspect="1"/>
+          </p:cNvPicPr>
+          <p:nvPr/>
+        </p:nvPicPr>
+        <p:blipFill>
+          <a:blip r:embed="rId4"/>
+          <a:stretch>
+            <a:fillRect/>
+          </a:stretch>
+        </p:blipFill>
+        <p:spPr>
+          <a:xfrm>
+            <a:off x="4781335" y="5261596"/>
+            <a:ext cx="4016676" cy="1097674"/>
+          </a:xfrm>
+          <a:prstGeom prst="rect">
+            <a:avLst/>
+          </a:prstGeom>
+        </p:spPr>
+      </p:pic>
+      <p:sp>
+        <p:nvSpPr>
+          <p:cNvPr id="12" name="Title 1">
+            <a:extLst>
+              <a:ext uri="{FF2B5EF4-FFF2-40B4-BE49-F238E27FC236}">
+                <a16:creationId xmlns:a16="http://schemas.microsoft.com/office/drawing/2014/main" id="{3199A7B5-9BB9-4832-9C88-611DF6F9A751}"/>
+              </a:ext>
+            </a:extLst>
+          </p:cNvPr>
+          <p:cNvSpPr txBox="1">
+            <a:spLocks/>
+          </p:cNvSpPr>
+          <p:nvPr/>
+        </p:nvSpPr>
+        <p:spPr>
+          <a:xfrm>
+            <a:off x="4781335" y="4964546"/>
+            <a:ext cx="3766986" cy="248321"/>
+          </a:xfrm>
+          <a:prstGeom prst="rect">
+            <a:avLst/>
+          </a:prstGeom>
+          <a:solidFill>
+            <a:schemeClr val="accent5">
+              <a:lumMod val="20000"/>
+              <a:lumOff val="80000"/>
+            </a:schemeClr>
+          </a:solidFill>
+        </p:spPr>
+        <p:txBody>
+          <a:bodyPr vert="horz" lIns="91440" tIns="45720" rIns="91440" bIns="45720" rtlCol="0" anchor="b">
+            <a:noAutofit/>
+          </a:bodyPr>
+          <a:lstStyle>
+            <a:lvl1pPr algn="l" defTabSz="914400" rtl="0" eaLnBrk="1" latinLnBrk="0" hangingPunct="1">
+              <a:lnSpc>
+                <a:spcPct val="90000"/>
+              </a:lnSpc>
+              <a:spcBef>
+                <a:spcPct val="0"/>
+              </a:spcBef>
+              <a:buNone/>
+              <a:defRPr sz="4000" b="0" kern="1200">
+                <a:solidFill>
+                  <a:schemeClr val="accent1"/>
+                </a:solidFill>
+                <a:latin typeface="+mj-lt"/>
+                <a:ea typeface="+mj-ea"/>
+                <a:cs typeface="+mj-cs"/>
+              </a:defRPr>
+            </a:lvl1pPr>
+          </a:lstStyle>
+          <a:p>
+            <a:r>
+              <a:rPr lang="fr-FR" sz="1200" dirty="0"/>
+              <a:t>Service</a:t>
+            </a:r>
+          </a:p>
+        </p:txBody>
+      </p:sp>
     </p:spTree>
     <p:extLst>
       <p:ext uri="{BB962C8B-B14F-4D97-AF65-F5344CB8AC3E}">
-        <p14:creationId xmlns:p14="http://schemas.microsoft.com/office/powerpoint/2010/main" val="3001869646"/>
+        <p14:creationId xmlns:p14="http://schemas.microsoft.com/office/powerpoint/2010/main" val="1682254831"/>
       </p:ext>
     </p:extLst>
   </p:cSld>
@@ -13529,95 +14879,10 @@
       </p:grpSpPr>
       <p:sp>
         <p:nvSpPr>
-          <p:cNvPr id="2" name="Title 1">
-            <a:extLst>
-              <a:ext uri="{FF2B5EF4-FFF2-40B4-BE49-F238E27FC236}">
-                <a16:creationId xmlns:a16="http://schemas.microsoft.com/office/drawing/2014/main" id="{C40B99D1-000A-488E-BCAE-5A77EB738CB7}"/>
-              </a:ext>
-            </a:extLst>
-          </p:cNvPr>
-          <p:cNvSpPr>
-            <a:spLocks noGrp="1"/>
-          </p:cNvSpPr>
-          <p:nvPr>
-            <p:ph type="title"/>
-          </p:nvPr>
-        </p:nvSpPr>
-        <p:spPr>
-          <a:xfrm>
-            <a:off x="1143000" y="1097280"/>
-            <a:ext cx="2819400" cy="1737360"/>
-          </a:xfrm>
-        </p:spPr>
-        <p:txBody>
-          <a:bodyPr/>
-          <a:lstStyle/>
-          <a:p>
-            <a:r>
-              <a:rPr lang="fr-FR" dirty="0"/>
-              <a:t>index.html</a:t>
-            </a:r>
-          </a:p>
-        </p:txBody>
-      </p:sp>
-      <p:sp>
-        <p:nvSpPr>
-          <p:cNvPr id="4" name="Text Placeholder 3">
-            <a:extLst>
-              <a:ext uri="{FF2B5EF4-FFF2-40B4-BE49-F238E27FC236}">
-                <a16:creationId xmlns:a16="http://schemas.microsoft.com/office/drawing/2014/main" id="{9E8C8CC8-0758-4386-9AC1-52B1D2A704BB}"/>
-              </a:ext>
-            </a:extLst>
-          </p:cNvPr>
-          <p:cNvSpPr>
-            <a:spLocks noGrp="1"/>
-          </p:cNvSpPr>
-          <p:nvPr>
-            <p:ph type="body" sz="half" idx="2"/>
-          </p:nvPr>
-        </p:nvSpPr>
-        <p:spPr>
-          <a:xfrm>
-            <a:off x="1143001" y="2834641"/>
-            <a:ext cx="2631558" cy="737900"/>
-          </a:xfrm>
-        </p:spPr>
-        <p:txBody>
-          <a:bodyPr>
-            <a:normAutofit fontScale="92500" lnSpcReduction="20000"/>
-          </a:bodyPr>
-          <a:lstStyle/>
-          <a:p>
-            <a:pPr algn="just"/>
-            <a:r>
-              <a:rPr lang="fr-FR" dirty="0"/>
-              <a:t>Le formulaire, les filtres, le bouton « </a:t>
-            </a:r>
-            <a:r>
-              <a:rPr lang="fr-FR" dirty="0" err="1"/>
-              <a:t>delete</a:t>
-            </a:r>
-            <a:r>
-              <a:rPr lang="fr-FR" dirty="0"/>
-              <a:t> » et le bouton « </a:t>
-            </a:r>
-            <a:r>
-              <a:rPr lang="fr-FR" dirty="0" err="1"/>
-              <a:t>clear</a:t>
-            </a:r>
-            <a:r>
-              <a:rPr lang="fr-FR" dirty="0"/>
-              <a:t> ».</a:t>
-            </a:r>
-          </a:p>
-        </p:txBody>
-      </p:sp>
-      <p:sp>
-        <p:nvSpPr>
-          <p:cNvPr id="5" name="Slide Number Placeholder 4">
-            <a:extLst>
-              <a:ext uri="{FF2B5EF4-FFF2-40B4-BE49-F238E27FC236}">
-                <a16:creationId xmlns:a16="http://schemas.microsoft.com/office/drawing/2014/main" id="{4D8537FD-8A57-4967-B0F9-EE970D3A467C}"/>
+          <p:cNvPr id="2" name="Slide Number Placeholder 1">
+            <a:extLst>
+              <a:ext uri="{FF2B5EF4-FFF2-40B4-BE49-F238E27FC236}">
+                <a16:creationId xmlns:a16="http://schemas.microsoft.com/office/drawing/2014/main" id="{D7D2B9A0-649C-43F6-89F9-515C0A14EC30}"/>
               </a:ext>
             </a:extLst>
           </p:cNvPr>
@@ -13628,12 +14893,7 @@
             <p:ph type="sldNum" sz="quarter" idx="12"/>
           </p:nvPr>
         </p:nvSpPr>
-        <p:spPr>
-          <a:xfrm>
-            <a:off x="9329530" y="6223828"/>
-            <a:ext cx="2567195" cy="357947"/>
-          </a:xfrm>
-        </p:spPr>
+        <p:spPr/>
         <p:txBody>
           <a:bodyPr/>
           <a:lstStyle/>
@@ -13642,16 +14902,177 @@
               <a:rPr lang="fr-FR" smtClean="0"/>
               <a:t>42</a:t>
             </a:fld>
-            <a:endParaRPr lang="fr-FR" dirty="0"/>
+            <a:endParaRPr lang="fr-FR"/>
+          </a:p>
+        </p:txBody>
+      </p:sp>
+      <p:sp>
+        <p:nvSpPr>
+          <p:cNvPr id="10" name="Title 1">
+            <a:extLst>
+              <a:ext uri="{FF2B5EF4-FFF2-40B4-BE49-F238E27FC236}">
+                <a16:creationId xmlns:a16="http://schemas.microsoft.com/office/drawing/2014/main" id="{918D844B-CD2C-44BF-A21F-AC45672375D1}"/>
+              </a:ext>
+            </a:extLst>
+          </p:cNvPr>
+          <p:cNvSpPr>
+            <a:spLocks noGrp="1"/>
+          </p:cNvSpPr>
+          <p:nvPr>
+            <p:ph type="title"/>
+          </p:nvPr>
+        </p:nvSpPr>
+        <p:spPr>
+          <a:xfrm>
+            <a:off x="749705" y="502124"/>
+            <a:ext cx="7142144" cy="524205"/>
+          </a:xfrm>
+        </p:spPr>
+        <p:txBody>
+          <a:bodyPr/>
+          <a:lstStyle/>
+          <a:p>
+            <a:r>
+              <a:rPr lang="fr-FR" sz="3200" dirty="0"/>
+              <a:t>Chargement d'avatar (</a:t>
+            </a:r>
+            <a:r>
+              <a:rPr lang="fr-FR" sz="3200" dirty="0" err="1"/>
+              <a:t>back-end</a:t>
+            </a:r>
+            <a:r>
+              <a:rPr lang="fr-FR" sz="3200" dirty="0"/>
+              <a:t>)</a:t>
+            </a:r>
+          </a:p>
+        </p:txBody>
+      </p:sp>
+      <p:sp>
+        <p:nvSpPr>
+          <p:cNvPr id="7" name="Title 1">
+            <a:extLst>
+              <a:ext uri="{FF2B5EF4-FFF2-40B4-BE49-F238E27FC236}">
+                <a16:creationId xmlns:a16="http://schemas.microsoft.com/office/drawing/2014/main" id="{AA88D16D-0C13-4503-A38C-4AD5B377B1D2}"/>
+              </a:ext>
+            </a:extLst>
+          </p:cNvPr>
+          <p:cNvSpPr txBox="1">
+            <a:spLocks/>
+          </p:cNvSpPr>
+          <p:nvPr/>
+        </p:nvSpPr>
+        <p:spPr>
+          <a:xfrm>
+            <a:off x="749704" y="1171451"/>
+            <a:ext cx="930815" cy="248321"/>
+          </a:xfrm>
+          <a:prstGeom prst="rect">
+            <a:avLst/>
+          </a:prstGeom>
+          <a:solidFill>
+            <a:schemeClr val="accent5">
+              <a:lumMod val="20000"/>
+              <a:lumOff val="80000"/>
+            </a:schemeClr>
+          </a:solidFill>
+        </p:spPr>
+        <p:txBody>
+          <a:bodyPr vert="horz" lIns="91440" tIns="45720" rIns="91440" bIns="45720" rtlCol="0" anchor="b">
+            <a:noAutofit/>
+          </a:bodyPr>
+          <a:lstStyle>
+            <a:lvl1pPr algn="l" defTabSz="914400" rtl="0" eaLnBrk="1" latinLnBrk="0" hangingPunct="1">
+              <a:lnSpc>
+                <a:spcPct val="90000"/>
+              </a:lnSpc>
+              <a:spcBef>
+                <a:spcPct val="0"/>
+              </a:spcBef>
+              <a:buNone/>
+              <a:defRPr sz="4000" b="0" kern="1200">
+                <a:solidFill>
+                  <a:schemeClr val="accent1"/>
+                </a:solidFill>
+                <a:latin typeface="+mj-lt"/>
+                <a:ea typeface="+mj-ea"/>
+                <a:cs typeface="+mj-cs"/>
+              </a:defRPr>
+            </a:lvl1pPr>
+          </a:lstStyle>
+          <a:p>
+            <a:r>
+              <a:rPr lang="fr-FR" sz="1200" dirty="0"/>
+              <a:t>Controlleur</a:t>
+            </a:r>
+          </a:p>
+        </p:txBody>
+      </p:sp>
+      <p:sp>
+        <p:nvSpPr>
+          <p:cNvPr id="12" name="Title 1">
+            <a:extLst>
+              <a:ext uri="{FF2B5EF4-FFF2-40B4-BE49-F238E27FC236}">
+                <a16:creationId xmlns:a16="http://schemas.microsoft.com/office/drawing/2014/main" id="{3199A7B5-9BB9-4832-9C88-611DF6F9A751}"/>
+              </a:ext>
+            </a:extLst>
+          </p:cNvPr>
+          <p:cNvSpPr txBox="1">
+            <a:spLocks/>
+          </p:cNvSpPr>
+          <p:nvPr/>
+        </p:nvSpPr>
+        <p:spPr>
+          <a:xfrm>
+            <a:off x="749704" y="3127030"/>
+            <a:ext cx="1202664" cy="248321"/>
+          </a:xfrm>
+          <a:prstGeom prst="rect">
+            <a:avLst/>
+          </a:prstGeom>
+          <a:solidFill>
+            <a:schemeClr val="accent5">
+              <a:lumMod val="20000"/>
+              <a:lumOff val="80000"/>
+            </a:schemeClr>
+          </a:solidFill>
+        </p:spPr>
+        <p:txBody>
+          <a:bodyPr vert="horz" lIns="91440" tIns="45720" rIns="91440" bIns="45720" rtlCol="0" anchor="b">
+            <a:noAutofit/>
+          </a:bodyPr>
+          <a:lstStyle>
+            <a:lvl1pPr algn="l" defTabSz="914400" rtl="0" eaLnBrk="1" latinLnBrk="0" hangingPunct="1">
+              <a:lnSpc>
+                <a:spcPct val="90000"/>
+              </a:lnSpc>
+              <a:spcBef>
+                <a:spcPct val="0"/>
+              </a:spcBef>
+              <a:buNone/>
+              <a:defRPr sz="4000" b="0" kern="1200">
+                <a:solidFill>
+                  <a:schemeClr val="accent1"/>
+                </a:solidFill>
+                <a:latin typeface="+mj-lt"/>
+                <a:ea typeface="+mj-ea"/>
+                <a:cs typeface="+mj-cs"/>
+              </a:defRPr>
+            </a:lvl1pPr>
+          </a:lstStyle>
+          <a:p>
+            <a:r>
+              <a:rPr lang="fr-FR" sz="1200" dirty="0"/>
+              <a:t>Storage Service</a:t>
+            </a:r>
           </a:p>
         </p:txBody>
       </p:sp>
       <p:pic>
         <p:nvPicPr>
-          <p:cNvPr id="8" name="Picture 7">
-            <a:extLst>
-              <a:ext uri="{FF2B5EF4-FFF2-40B4-BE49-F238E27FC236}">
-                <a16:creationId xmlns:a16="http://schemas.microsoft.com/office/drawing/2014/main" id="{B6617050-C99B-49BB-B027-D63D8F56B793}"/>
+          <p:cNvPr id="5" name="Picture 4">
+            <a:extLst>
+              <a:ext uri="{FF2B5EF4-FFF2-40B4-BE49-F238E27FC236}">
+                <a16:creationId xmlns:a16="http://schemas.microsoft.com/office/drawing/2014/main" id="{DB5E4140-5875-43BC-BCCF-C006EB56F9E9}"/>
               </a:ext>
             </a:extLst>
           </p:cNvPr>
@@ -13668,18 +15089,228 @@
         </p:blipFill>
         <p:spPr>
           <a:xfrm>
-            <a:off x="3995892" y="1144013"/>
-            <a:ext cx="7753087" cy="4320000"/>
+            <a:off x="749704" y="1645134"/>
+            <a:ext cx="7798617" cy="1256534"/>
           </a:xfrm>
           <a:prstGeom prst="rect">
             <a:avLst/>
           </a:prstGeom>
         </p:spPr>
       </p:pic>
+      <p:pic>
+        <p:nvPicPr>
+          <p:cNvPr id="6" name="Picture 5">
+            <a:extLst>
+              <a:ext uri="{FF2B5EF4-FFF2-40B4-BE49-F238E27FC236}">
+                <a16:creationId xmlns:a16="http://schemas.microsoft.com/office/drawing/2014/main" id="{6DE2BCFD-EC77-412D-86D2-4C3282243B60}"/>
+              </a:ext>
+            </a:extLst>
+          </p:cNvPr>
+          <p:cNvPicPr>
+            <a:picLocks noChangeAspect="1"/>
+          </p:cNvPicPr>
+          <p:nvPr/>
+        </p:nvPicPr>
+        <p:blipFill>
+          <a:blip r:embed="rId3"/>
+          <a:stretch>
+            <a:fillRect/>
+          </a:stretch>
+        </p:blipFill>
+        <p:spPr>
+          <a:xfrm>
+            <a:off x="749704" y="3520473"/>
+            <a:ext cx="5898231" cy="1858154"/>
+          </a:xfrm>
+          <a:prstGeom prst="rect">
+            <a:avLst/>
+          </a:prstGeom>
+        </p:spPr>
+      </p:pic>
+      <p:pic>
+        <p:nvPicPr>
+          <p:cNvPr id="9" name="Picture 8">
+            <a:extLst>
+              <a:ext uri="{FF2B5EF4-FFF2-40B4-BE49-F238E27FC236}">
+                <a16:creationId xmlns:a16="http://schemas.microsoft.com/office/drawing/2014/main" id="{86CD4F2B-87BB-4648-895C-8FC2F5FA117E}"/>
+              </a:ext>
+            </a:extLst>
+          </p:cNvPr>
+          <p:cNvPicPr>
+            <a:picLocks noChangeAspect="1"/>
+          </p:cNvPicPr>
+          <p:nvPr/>
+        </p:nvPicPr>
+        <p:blipFill>
+          <a:blip r:embed="rId4"/>
+          <a:stretch>
+            <a:fillRect/>
+          </a:stretch>
+        </p:blipFill>
+        <p:spPr>
+          <a:xfrm>
+            <a:off x="749704" y="5721254"/>
+            <a:ext cx="3410404" cy="661836"/>
+          </a:xfrm>
+          <a:prstGeom prst="rect">
+            <a:avLst/>
+          </a:prstGeom>
+        </p:spPr>
+      </p:pic>
+      <p:sp>
+        <p:nvSpPr>
+          <p:cNvPr id="13" name="Title 1">
+            <a:extLst>
+              <a:ext uri="{FF2B5EF4-FFF2-40B4-BE49-F238E27FC236}">
+                <a16:creationId xmlns:a16="http://schemas.microsoft.com/office/drawing/2014/main" id="{A1B901FF-D955-4C68-AAA2-3E89DFE3ABAD}"/>
+              </a:ext>
+            </a:extLst>
+          </p:cNvPr>
+          <p:cNvSpPr txBox="1">
+            <a:spLocks/>
+          </p:cNvSpPr>
+          <p:nvPr/>
+        </p:nvSpPr>
+        <p:spPr>
+          <a:xfrm>
+            <a:off x="749704" y="5404577"/>
+            <a:ext cx="1202664" cy="248321"/>
+          </a:xfrm>
+          <a:prstGeom prst="rect">
+            <a:avLst/>
+          </a:prstGeom>
+          <a:solidFill>
+            <a:schemeClr val="accent5">
+              <a:lumMod val="20000"/>
+              <a:lumOff val="80000"/>
+            </a:schemeClr>
+          </a:solidFill>
+        </p:spPr>
+        <p:txBody>
+          <a:bodyPr vert="horz" lIns="91440" tIns="45720" rIns="91440" bIns="45720" rtlCol="0" anchor="b">
+            <a:noAutofit/>
+          </a:bodyPr>
+          <a:lstStyle>
+            <a:lvl1pPr algn="l" defTabSz="914400" rtl="0" eaLnBrk="1" latinLnBrk="0" hangingPunct="1">
+              <a:lnSpc>
+                <a:spcPct val="90000"/>
+              </a:lnSpc>
+              <a:spcBef>
+                <a:spcPct val="0"/>
+              </a:spcBef>
+              <a:buNone/>
+              <a:defRPr sz="4000" b="0" kern="1200">
+                <a:solidFill>
+                  <a:schemeClr val="accent1"/>
+                </a:solidFill>
+                <a:latin typeface="+mj-lt"/>
+                <a:ea typeface="+mj-ea"/>
+                <a:cs typeface="+mj-cs"/>
+              </a:defRPr>
+            </a:lvl1pPr>
+          </a:lstStyle>
+          <a:p>
+            <a:r>
+              <a:rPr lang="fr-FR" sz="1200" dirty="0"/>
+              <a:t>User Service</a:t>
+            </a:r>
+          </a:p>
+        </p:txBody>
+      </p:sp>
+      <p:pic>
+        <p:nvPicPr>
+          <p:cNvPr id="11" name="Picture 10">
+            <a:extLst>
+              <a:ext uri="{FF2B5EF4-FFF2-40B4-BE49-F238E27FC236}">
+                <a16:creationId xmlns:a16="http://schemas.microsoft.com/office/drawing/2014/main" id="{37FD8025-13E7-477C-AB35-26D9B1599C8C}"/>
+              </a:ext>
+            </a:extLst>
+          </p:cNvPr>
+          <p:cNvPicPr>
+            <a:picLocks noChangeAspect="1"/>
+          </p:cNvPicPr>
+          <p:nvPr/>
+        </p:nvPicPr>
+        <p:blipFill>
+          <a:blip r:embed="rId5"/>
+          <a:stretch>
+            <a:fillRect/>
+          </a:stretch>
+        </p:blipFill>
+        <p:spPr>
+          <a:xfrm>
+            <a:off x="6951312" y="5029314"/>
+            <a:ext cx="4756436" cy="1247167"/>
+          </a:xfrm>
+          <a:prstGeom prst="rect">
+            <a:avLst/>
+          </a:prstGeom>
+        </p:spPr>
+      </p:pic>
+      <p:sp>
+        <p:nvSpPr>
+          <p:cNvPr id="14" name="Title 1">
+            <a:extLst>
+              <a:ext uri="{FF2B5EF4-FFF2-40B4-BE49-F238E27FC236}">
+                <a16:creationId xmlns:a16="http://schemas.microsoft.com/office/drawing/2014/main" id="{93D6A70A-8CAD-43B0-BE34-35352FD066EA}"/>
+              </a:ext>
+            </a:extLst>
+          </p:cNvPr>
+          <p:cNvSpPr txBox="1">
+            <a:spLocks/>
+          </p:cNvSpPr>
+          <p:nvPr/>
+        </p:nvSpPr>
+        <p:spPr>
+          <a:xfrm>
+            <a:off x="6951312" y="4592681"/>
+            <a:ext cx="1311239" cy="248321"/>
+          </a:xfrm>
+          <a:prstGeom prst="rect">
+            <a:avLst/>
+          </a:prstGeom>
+          <a:solidFill>
+            <a:schemeClr val="accent5">
+              <a:lumMod val="20000"/>
+              <a:lumOff val="80000"/>
+            </a:schemeClr>
+          </a:solidFill>
+        </p:spPr>
+        <p:txBody>
+          <a:bodyPr vert="horz" lIns="91440" tIns="45720" rIns="91440" bIns="45720" rtlCol="0" anchor="b">
+            <a:noAutofit/>
+          </a:bodyPr>
+          <a:lstStyle>
+            <a:lvl1pPr algn="l" defTabSz="914400" rtl="0" eaLnBrk="1" latinLnBrk="0" hangingPunct="1">
+              <a:lnSpc>
+                <a:spcPct val="90000"/>
+              </a:lnSpc>
+              <a:spcBef>
+                <a:spcPct val="0"/>
+              </a:spcBef>
+              <a:buNone/>
+              <a:defRPr sz="4000" b="0" kern="1200">
+                <a:solidFill>
+                  <a:schemeClr val="accent1"/>
+                </a:solidFill>
+                <a:latin typeface="+mj-lt"/>
+                <a:ea typeface="+mj-ea"/>
+                <a:cs typeface="+mj-cs"/>
+              </a:defRPr>
+            </a:lvl1pPr>
+          </a:lstStyle>
+          <a:p>
+            <a:r>
+              <a:rPr lang="fr-FR" sz="1200" dirty="0"/>
+              <a:t>User Repository</a:t>
+            </a:r>
+          </a:p>
+        </p:txBody>
+      </p:sp>
     </p:spTree>
     <p:extLst>
       <p:ext uri="{BB962C8B-B14F-4D97-AF65-F5344CB8AC3E}">
-        <p14:creationId xmlns:p14="http://schemas.microsoft.com/office/powerpoint/2010/main" val="1687564270"/>
+        <p14:creationId xmlns:p14="http://schemas.microsoft.com/office/powerpoint/2010/main" val="3033865113"/>
       </p:ext>
     </p:extLst>
   </p:cSld>
@@ -13708,10 +15339,10 @@
       </p:grpSpPr>
       <p:sp>
         <p:nvSpPr>
-          <p:cNvPr id="2" name="Title 1">
-            <a:extLst>
-              <a:ext uri="{FF2B5EF4-FFF2-40B4-BE49-F238E27FC236}">
-                <a16:creationId xmlns:a16="http://schemas.microsoft.com/office/drawing/2014/main" id="{F3F89300-BBAB-45D5-B6B8-46AAD5324AF5}"/>
+          <p:cNvPr id="6" name="Title 5">
+            <a:extLst>
+              <a:ext uri="{FF2B5EF4-FFF2-40B4-BE49-F238E27FC236}">
+                <a16:creationId xmlns:a16="http://schemas.microsoft.com/office/drawing/2014/main" id="{DE6E8CC8-E3D3-49A0-8F7E-D06F5E89201C}"/>
               </a:ext>
             </a:extLst>
           </p:cNvPr>
@@ -13722,54 +15353,19 @@
             <p:ph type="title"/>
           </p:nvPr>
         </p:nvSpPr>
-        <p:spPr/>
+        <p:spPr>
+          <a:xfrm>
+            <a:off x="525160" y="488784"/>
+            <a:ext cx="6320483" cy="514404"/>
+          </a:xfrm>
+        </p:spPr>
         <p:txBody>
           <a:bodyPr/>
           <a:lstStyle/>
           <a:p>
             <a:r>
               <a:rPr lang="fr-FR" dirty="0"/>
-              <a:t>index.html</a:t>
-            </a:r>
-          </a:p>
-        </p:txBody>
-      </p:sp>
-      <p:sp>
-        <p:nvSpPr>
-          <p:cNvPr id="4" name="Text Placeholder 3">
-            <a:extLst>
-              <a:ext uri="{FF2B5EF4-FFF2-40B4-BE49-F238E27FC236}">
-                <a16:creationId xmlns:a16="http://schemas.microsoft.com/office/drawing/2014/main" id="{5B578530-5E16-445E-B1F8-04E549DC071D}"/>
-              </a:ext>
-            </a:extLst>
-          </p:cNvPr>
-          <p:cNvSpPr>
-            <a:spLocks noGrp="1"/>
-          </p:cNvSpPr>
-          <p:nvPr>
-            <p:ph type="body" sz="half" idx="2"/>
-          </p:nvPr>
-        </p:nvSpPr>
-        <p:spPr>
-          <a:xfrm>
-            <a:off x="1143000" y="2945218"/>
-            <a:ext cx="2557130" cy="637953"/>
-          </a:xfrm>
-        </p:spPr>
-        <p:txBody>
-          <a:bodyPr/>
-          <a:lstStyle/>
-          <a:p>
-            <a:r>
-              <a:rPr lang="fr-FR" dirty="0"/>
-              <a:t>Affichage de la liste </a:t>
-            </a:r>
-            <a:br>
-              <a:rPr lang="fr-FR" dirty="0"/>
-            </a:br>
-            <a:r>
-              <a:rPr lang="fr-FR" dirty="0"/>
-              <a:t>des versions</a:t>
+              <a:t>Chargement d'avatar</a:t>
             </a:r>
           </a:p>
         </p:txBody>
@@ -13779,7 +15375,7 @@
           <p:cNvPr id="5" name="Slide Number Placeholder 4">
             <a:extLst>
               <a:ext uri="{FF2B5EF4-FFF2-40B4-BE49-F238E27FC236}">
-                <a16:creationId xmlns:a16="http://schemas.microsoft.com/office/drawing/2014/main" id="{EDE7D137-0784-45C6-9C57-3598CD4B3430}"/>
+                <a16:creationId xmlns:a16="http://schemas.microsoft.com/office/drawing/2014/main" id="{40360F2A-729E-43E7-BE3D-E865638F1C43}"/>
               </a:ext>
             </a:extLst>
           </p:cNvPr>
@@ -13805,10 +15401,10 @@
       </p:sp>
       <p:pic>
         <p:nvPicPr>
-          <p:cNvPr id="9" name="Picture 8">
-            <a:extLst>
-              <a:ext uri="{FF2B5EF4-FFF2-40B4-BE49-F238E27FC236}">
-                <a16:creationId xmlns:a16="http://schemas.microsoft.com/office/drawing/2014/main" id="{E6896D35-DFAC-4C53-8323-E96F56E5A3A2}"/>
+          <p:cNvPr id="4" name="Picture 3">
+            <a:extLst>
+              <a:ext uri="{FF2B5EF4-FFF2-40B4-BE49-F238E27FC236}">
+                <a16:creationId xmlns:a16="http://schemas.microsoft.com/office/drawing/2014/main" id="{1FC3D2C9-B204-4BF4-A0BF-2DF164A6128B}"/>
               </a:ext>
             </a:extLst>
           </p:cNvPr>
@@ -13825,8 +15421,8 @@
         </p:blipFill>
         <p:spPr>
           <a:xfrm>
-            <a:off x="4356518" y="1283803"/>
-            <a:ext cx="7371189" cy="3600000"/>
+            <a:off x="3732318" y="2236670"/>
+            <a:ext cx="3838255" cy="2384659"/>
           </a:xfrm>
           <a:prstGeom prst="rect">
             <a:avLst/>
@@ -13836,7 +15432,7 @@
     </p:spTree>
     <p:extLst>
       <p:ext uri="{BB962C8B-B14F-4D97-AF65-F5344CB8AC3E}">
-        <p14:creationId xmlns:p14="http://schemas.microsoft.com/office/powerpoint/2010/main" val="1133584253"/>
+        <p14:creationId xmlns:p14="http://schemas.microsoft.com/office/powerpoint/2010/main" val="2499337418"/>
       </p:ext>
     </p:extLst>
   </p:cSld>
@@ -13868,7 +15464,7 @@
           <p:cNvPr id="2" name="Slide Number Placeholder 1">
             <a:extLst>
               <a:ext uri="{FF2B5EF4-FFF2-40B4-BE49-F238E27FC236}">
-                <a16:creationId xmlns:a16="http://schemas.microsoft.com/office/drawing/2014/main" id="{93F704AB-05D1-46BD-BEF8-2FFCD56FD2C9}"/>
+                <a16:creationId xmlns:a16="http://schemas.microsoft.com/office/drawing/2014/main" id="{D7D2B9A0-649C-43F6-89F9-515C0A14EC30}"/>
               </a:ext>
             </a:extLst>
           </p:cNvPr>
@@ -13892,12 +15488,173 @@
           </a:p>
         </p:txBody>
       </p:sp>
+      <p:sp>
+        <p:nvSpPr>
+          <p:cNvPr id="10" name="Title 1">
+            <a:extLst>
+              <a:ext uri="{FF2B5EF4-FFF2-40B4-BE49-F238E27FC236}">
+                <a16:creationId xmlns:a16="http://schemas.microsoft.com/office/drawing/2014/main" id="{918D844B-CD2C-44BF-A21F-AC45672375D1}"/>
+              </a:ext>
+            </a:extLst>
+          </p:cNvPr>
+          <p:cNvSpPr>
+            <a:spLocks noGrp="1"/>
+          </p:cNvSpPr>
+          <p:nvPr>
+            <p:ph type="title"/>
+          </p:nvPr>
+        </p:nvSpPr>
+        <p:spPr>
+          <a:xfrm>
+            <a:off x="749705" y="502124"/>
+            <a:ext cx="7142144" cy="524205"/>
+          </a:xfrm>
+        </p:spPr>
+        <p:txBody>
+          <a:bodyPr/>
+          <a:lstStyle/>
+          <a:p>
+            <a:r>
+              <a:rPr lang="fr-FR" sz="3200" dirty="0"/>
+              <a:t>Page publication (</a:t>
+            </a:r>
+            <a:r>
+              <a:rPr lang="fr-FR" sz="3200" dirty="0" err="1"/>
+              <a:t>front-end</a:t>
+            </a:r>
+            <a:r>
+              <a:rPr lang="fr-FR" sz="3200" dirty="0"/>
+              <a:t>)</a:t>
+            </a:r>
+          </a:p>
+        </p:txBody>
+      </p:sp>
+      <p:sp>
+        <p:nvSpPr>
+          <p:cNvPr id="7" name="Title 1">
+            <a:extLst>
+              <a:ext uri="{FF2B5EF4-FFF2-40B4-BE49-F238E27FC236}">
+                <a16:creationId xmlns:a16="http://schemas.microsoft.com/office/drawing/2014/main" id="{AA88D16D-0C13-4503-A38C-4AD5B377B1D2}"/>
+              </a:ext>
+            </a:extLst>
+          </p:cNvPr>
+          <p:cNvSpPr txBox="1">
+            <a:spLocks/>
+          </p:cNvSpPr>
+          <p:nvPr/>
+        </p:nvSpPr>
+        <p:spPr>
+          <a:xfrm>
+            <a:off x="749704" y="1171451"/>
+            <a:ext cx="7403200" cy="248321"/>
+          </a:xfrm>
+          <a:prstGeom prst="rect">
+            <a:avLst/>
+          </a:prstGeom>
+          <a:solidFill>
+            <a:schemeClr val="accent5">
+              <a:lumMod val="20000"/>
+              <a:lumOff val="80000"/>
+            </a:schemeClr>
+          </a:solidFill>
+        </p:spPr>
+        <p:txBody>
+          <a:bodyPr vert="horz" lIns="91440" tIns="45720" rIns="91440" bIns="45720" rtlCol="0" anchor="b">
+            <a:noAutofit/>
+          </a:bodyPr>
+          <a:lstStyle>
+            <a:lvl1pPr algn="l" defTabSz="914400" rtl="0" eaLnBrk="1" latinLnBrk="0" hangingPunct="1">
+              <a:lnSpc>
+                <a:spcPct val="90000"/>
+              </a:lnSpc>
+              <a:spcBef>
+                <a:spcPct val="0"/>
+              </a:spcBef>
+              <a:buNone/>
+              <a:defRPr sz="4000" b="0" kern="1200">
+                <a:solidFill>
+                  <a:schemeClr val="accent1"/>
+                </a:solidFill>
+                <a:latin typeface="+mj-lt"/>
+                <a:ea typeface="+mj-ea"/>
+                <a:cs typeface="+mj-cs"/>
+              </a:defRPr>
+            </a:lvl1pPr>
+          </a:lstStyle>
+          <a:p>
+            <a:r>
+              <a:rPr lang="fr-FR" sz="1200" dirty="0"/>
+              <a:t>Component</a:t>
+            </a:r>
+          </a:p>
+        </p:txBody>
+      </p:sp>
+      <p:sp>
+        <p:nvSpPr>
+          <p:cNvPr id="12" name="Title 1">
+            <a:extLst>
+              <a:ext uri="{FF2B5EF4-FFF2-40B4-BE49-F238E27FC236}">
+                <a16:creationId xmlns:a16="http://schemas.microsoft.com/office/drawing/2014/main" id="{3199A7B5-9BB9-4832-9C88-611DF6F9A751}"/>
+              </a:ext>
+            </a:extLst>
+          </p:cNvPr>
+          <p:cNvSpPr txBox="1">
+            <a:spLocks/>
+          </p:cNvSpPr>
+          <p:nvPr/>
+        </p:nvSpPr>
+        <p:spPr>
+          <a:xfrm>
+            <a:off x="684318" y="4256092"/>
+            <a:ext cx="3766986" cy="248321"/>
+          </a:xfrm>
+          <a:prstGeom prst="rect">
+            <a:avLst/>
+          </a:prstGeom>
+          <a:solidFill>
+            <a:schemeClr val="accent5">
+              <a:lumMod val="20000"/>
+              <a:lumOff val="80000"/>
+            </a:schemeClr>
+          </a:solidFill>
+        </p:spPr>
+        <p:txBody>
+          <a:bodyPr vert="horz" lIns="91440" tIns="45720" rIns="91440" bIns="45720" rtlCol="0" anchor="b">
+            <a:noAutofit/>
+          </a:bodyPr>
+          <a:lstStyle>
+            <a:lvl1pPr algn="l" defTabSz="914400" rtl="0" eaLnBrk="1" latinLnBrk="0" hangingPunct="1">
+              <a:lnSpc>
+                <a:spcPct val="90000"/>
+              </a:lnSpc>
+              <a:spcBef>
+                <a:spcPct val="0"/>
+              </a:spcBef>
+              <a:buNone/>
+              <a:defRPr sz="4000" b="0" kern="1200">
+                <a:solidFill>
+                  <a:schemeClr val="accent1"/>
+                </a:solidFill>
+                <a:latin typeface="+mj-lt"/>
+                <a:ea typeface="+mj-ea"/>
+                <a:cs typeface="+mj-cs"/>
+              </a:defRPr>
+            </a:lvl1pPr>
+          </a:lstStyle>
+          <a:p>
+            <a:r>
+              <a:rPr lang="fr-FR" sz="1200" dirty="0"/>
+              <a:t>Service</a:t>
+            </a:r>
+          </a:p>
+        </p:txBody>
+      </p:sp>
       <p:pic>
         <p:nvPicPr>
-          <p:cNvPr id="4" name="Picture 3">
-            <a:extLst>
-              <a:ext uri="{FF2B5EF4-FFF2-40B4-BE49-F238E27FC236}">
-                <a16:creationId xmlns:a16="http://schemas.microsoft.com/office/drawing/2014/main" id="{72B6C042-1E13-4358-9458-57DC3602F615}"/>
+          <p:cNvPr id="5" name="Picture 4">
+            <a:extLst>
+              <a:ext uri="{FF2B5EF4-FFF2-40B4-BE49-F238E27FC236}">
+                <a16:creationId xmlns:a16="http://schemas.microsoft.com/office/drawing/2014/main" id="{5D501F5E-79F2-42B6-BB40-9BAE0224B225}"/>
               </a:ext>
             </a:extLst>
           </p:cNvPr>
@@ -13914,8 +15671,38 @@
         </p:blipFill>
         <p:spPr>
           <a:xfrm>
-            <a:off x="923925" y="269047"/>
-            <a:ext cx="9744842" cy="6319906"/>
+            <a:off x="749704" y="1564894"/>
+            <a:ext cx="4201237" cy="2444357"/>
+          </a:xfrm>
+          <a:prstGeom prst="rect">
+            <a:avLst/>
+          </a:prstGeom>
+        </p:spPr>
+      </p:pic>
+      <p:pic>
+        <p:nvPicPr>
+          <p:cNvPr id="11" name="Picture 10">
+            <a:extLst>
+              <a:ext uri="{FF2B5EF4-FFF2-40B4-BE49-F238E27FC236}">
+                <a16:creationId xmlns:a16="http://schemas.microsoft.com/office/drawing/2014/main" id="{5DD5ED09-D9D8-423F-8904-296331342E77}"/>
+              </a:ext>
+            </a:extLst>
+          </p:cNvPr>
+          <p:cNvPicPr>
+            <a:picLocks noChangeAspect="1"/>
+          </p:cNvPicPr>
+          <p:nvPr/>
+        </p:nvPicPr>
+        <p:blipFill>
+          <a:blip r:embed="rId3"/>
+          <a:stretch>
+            <a:fillRect/>
+          </a:stretch>
+        </p:blipFill>
+        <p:spPr>
+          <a:xfrm>
+            <a:off x="684318" y="4751255"/>
+            <a:ext cx="3409887" cy="583270"/>
           </a:xfrm>
           <a:prstGeom prst="rect">
             <a:avLst/>
@@ -13925,7 +15712,7 @@
     </p:spTree>
     <p:extLst>
       <p:ext uri="{BB962C8B-B14F-4D97-AF65-F5344CB8AC3E}">
-        <p14:creationId xmlns:p14="http://schemas.microsoft.com/office/powerpoint/2010/main" val="4002068371"/>
+        <p14:creationId xmlns:p14="http://schemas.microsoft.com/office/powerpoint/2010/main" val="3068546476"/>
       </p:ext>
     </p:extLst>
   </p:cSld>
@@ -13954,77 +15741,10 @@
       </p:grpSpPr>
       <p:sp>
         <p:nvSpPr>
-          <p:cNvPr id="3" name="Title 2">
-            <a:extLst>
-              <a:ext uri="{FF2B5EF4-FFF2-40B4-BE49-F238E27FC236}">
-                <a16:creationId xmlns:a16="http://schemas.microsoft.com/office/drawing/2014/main" id="{C4F40C6E-DE0E-417B-8596-7E6A12350E0D}"/>
-              </a:ext>
-            </a:extLst>
-          </p:cNvPr>
-          <p:cNvSpPr>
-            <a:spLocks noGrp="1"/>
-          </p:cNvSpPr>
-          <p:nvPr>
-            <p:ph type="title"/>
-          </p:nvPr>
-        </p:nvSpPr>
-        <p:spPr>
-          <a:xfrm>
-            <a:off x="1143000" y="1068705"/>
-            <a:ext cx="3931920" cy="1737360"/>
-          </a:xfrm>
-        </p:spPr>
-        <p:txBody>
-          <a:bodyPr/>
-          <a:lstStyle/>
-          <a:p>
-            <a:r>
-              <a:rPr lang="fr-FR" sz="3200" dirty="0"/>
-              <a:t>Contrôleur index() suite</a:t>
-            </a:r>
-          </a:p>
-        </p:txBody>
-      </p:sp>
-      <p:sp>
-        <p:nvSpPr>
-          <p:cNvPr id="5" name="Text Placeholder 4">
-            <a:extLst>
-              <a:ext uri="{FF2B5EF4-FFF2-40B4-BE49-F238E27FC236}">
-                <a16:creationId xmlns:a16="http://schemas.microsoft.com/office/drawing/2014/main" id="{F8AB24DF-9543-41FE-B8F9-1C5E830EB685}"/>
-              </a:ext>
-            </a:extLst>
-          </p:cNvPr>
-          <p:cNvSpPr>
-            <a:spLocks noGrp="1"/>
-          </p:cNvSpPr>
-          <p:nvPr>
-            <p:ph type="body" sz="half" idx="2"/>
-          </p:nvPr>
-        </p:nvSpPr>
-        <p:spPr/>
-        <p:txBody>
-          <a:bodyPr/>
-          <a:lstStyle/>
-          <a:p>
-            <a:r>
-              <a:rPr lang="fr-FR" dirty="0"/>
-              <a:t>monitor.index</a:t>
-            </a:r>
-          </a:p>
-          <a:p>
-            <a:r>
-              <a:rPr lang="fr-FR" dirty="0"/>
-              <a:t>Dans le cas de choix de filtres.</a:t>
-            </a:r>
-          </a:p>
-        </p:txBody>
-      </p:sp>
-      <p:sp>
-        <p:nvSpPr>
           <p:cNvPr id="2" name="Slide Number Placeholder 1">
             <a:extLst>
               <a:ext uri="{FF2B5EF4-FFF2-40B4-BE49-F238E27FC236}">
-                <a16:creationId xmlns:a16="http://schemas.microsoft.com/office/drawing/2014/main" id="{30C4A1B6-F9EE-4762-B9F4-6ABE4C0176D3}"/>
+                <a16:creationId xmlns:a16="http://schemas.microsoft.com/office/drawing/2014/main" id="{D7D2B9A0-649C-43F6-89F9-515C0A14EC30}"/>
               </a:ext>
             </a:extLst>
           </p:cNvPr>
@@ -14048,12 +15768,173 @@
           </a:p>
         </p:txBody>
       </p:sp>
+      <p:sp>
+        <p:nvSpPr>
+          <p:cNvPr id="10" name="Title 1">
+            <a:extLst>
+              <a:ext uri="{FF2B5EF4-FFF2-40B4-BE49-F238E27FC236}">
+                <a16:creationId xmlns:a16="http://schemas.microsoft.com/office/drawing/2014/main" id="{918D844B-CD2C-44BF-A21F-AC45672375D1}"/>
+              </a:ext>
+            </a:extLst>
+          </p:cNvPr>
+          <p:cNvSpPr>
+            <a:spLocks noGrp="1"/>
+          </p:cNvSpPr>
+          <p:nvPr>
+            <p:ph type="title"/>
+          </p:nvPr>
+        </p:nvSpPr>
+        <p:spPr>
+          <a:xfrm>
+            <a:off x="749705" y="502124"/>
+            <a:ext cx="7142144" cy="524205"/>
+          </a:xfrm>
+        </p:spPr>
+        <p:txBody>
+          <a:bodyPr/>
+          <a:lstStyle/>
+          <a:p>
+            <a:r>
+              <a:rPr lang="fr-FR" sz="3200" dirty="0"/>
+              <a:t>Page publication (</a:t>
+            </a:r>
+            <a:r>
+              <a:rPr lang="fr-FR" sz="3200" dirty="0" err="1"/>
+              <a:t>back-end</a:t>
+            </a:r>
+            <a:r>
+              <a:rPr lang="fr-FR" sz="3200" dirty="0"/>
+              <a:t>)</a:t>
+            </a:r>
+          </a:p>
+        </p:txBody>
+      </p:sp>
+      <p:sp>
+        <p:nvSpPr>
+          <p:cNvPr id="7" name="Title 1">
+            <a:extLst>
+              <a:ext uri="{FF2B5EF4-FFF2-40B4-BE49-F238E27FC236}">
+                <a16:creationId xmlns:a16="http://schemas.microsoft.com/office/drawing/2014/main" id="{AA88D16D-0C13-4503-A38C-4AD5B377B1D2}"/>
+              </a:ext>
+            </a:extLst>
+          </p:cNvPr>
+          <p:cNvSpPr txBox="1">
+            <a:spLocks/>
+          </p:cNvSpPr>
+          <p:nvPr/>
+        </p:nvSpPr>
+        <p:spPr>
+          <a:xfrm>
+            <a:off x="749704" y="1171451"/>
+            <a:ext cx="930815" cy="248321"/>
+          </a:xfrm>
+          <a:prstGeom prst="rect">
+            <a:avLst/>
+          </a:prstGeom>
+          <a:solidFill>
+            <a:schemeClr val="accent5">
+              <a:lumMod val="20000"/>
+              <a:lumOff val="80000"/>
+            </a:schemeClr>
+          </a:solidFill>
+        </p:spPr>
+        <p:txBody>
+          <a:bodyPr vert="horz" lIns="91440" tIns="45720" rIns="91440" bIns="45720" rtlCol="0" anchor="b">
+            <a:noAutofit/>
+          </a:bodyPr>
+          <a:lstStyle>
+            <a:lvl1pPr algn="l" defTabSz="914400" rtl="0" eaLnBrk="1" latinLnBrk="0" hangingPunct="1">
+              <a:lnSpc>
+                <a:spcPct val="90000"/>
+              </a:lnSpc>
+              <a:spcBef>
+                <a:spcPct val="0"/>
+              </a:spcBef>
+              <a:buNone/>
+              <a:defRPr sz="4000" b="0" kern="1200">
+                <a:solidFill>
+                  <a:schemeClr val="accent1"/>
+                </a:solidFill>
+                <a:latin typeface="+mj-lt"/>
+                <a:ea typeface="+mj-ea"/>
+                <a:cs typeface="+mj-cs"/>
+              </a:defRPr>
+            </a:lvl1pPr>
+          </a:lstStyle>
+          <a:p>
+            <a:r>
+              <a:rPr lang="fr-FR" sz="1200" dirty="0"/>
+              <a:t>Controlleur</a:t>
+            </a:r>
+          </a:p>
+        </p:txBody>
+      </p:sp>
+      <p:sp>
+        <p:nvSpPr>
+          <p:cNvPr id="12" name="Title 1">
+            <a:extLst>
+              <a:ext uri="{FF2B5EF4-FFF2-40B4-BE49-F238E27FC236}">
+                <a16:creationId xmlns:a16="http://schemas.microsoft.com/office/drawing/2014/main" id="{3199A7B5-9BB9-4832-9C88-611DF6F9A751}"/>
+              </a:ext>
+            </a:extLst>
+          </p:cNvPr>
+          <p:cNvSpPr txBox="1">
+            <a:spLocks/>
+          </p:cNvSpPr>
+          <p:nvPr/>
+        </p:nvSpPr>
+        <p:spPr>
+          <a:xfrm>
+            <a:off x="749704" y="2441228"/>
+            <a:ext cx="1202664" cy="248321"/>
+          </a:xfrm>
+          <a:prstGeom prst="rect">
+            <a:avLst/>
+          </a:prstGeom>
+          <a:solidFill>
+            <a:schemeClr val="accent5">
+              <a:lumMod val="20000"/>
+              <a:lumOff val="80000"/>
+            </a:schemeClr>
+          </a:solidFill>
+        </p:spPr>
+        <p:txBody>
+          <a:bodyPr vert="horz" lIns="91440" tIns="45720" rIns="91440" bIns="45720" rtlCol="0" anchor="b">
+            <a:noAutofit/>
+          </a:bodyPr>
+          <a:lstStyle>
+            <a:lvl1pPr algn="l" defTabSz="914400" rtl="0" eaLnBrk="1" latinLnBrk="0" hangingPunct="1">
+              <a:lnSpc>
+                <a:spcPct val="90000"/>
+              </a:lnSpc>
+              <a:spcBef>
+                <a:spcPct val="0"/>
+              </a:spcBef>
+              <a:buNone/>
+              <a:defRPr sz="4000" b="0" kern="1200">
+                <a:solidFill>
+                  <a:schemeClr val="accent1"/>
+                </a:solidFill>
+                <a:latin typeface="+mj-lt"/>
+                <a:ea typeface="+mj-ea"/>
+                <a:cs typeface="+mj-cs"/>
+              </a:defRPr>
+            </a:lvl1pPr>
+          </a:lstStyle>
+          <a:p>
+            <a:r>
+              <a:rPr lang="fr-FR" sz="1200" dirty="0"/>
+              <a:t>Service</a:t>
+            </a:r>
+          </a:p>
+        </p:txBody>
+      </p:sp>
       <p:pic>
         <p:nvPicPr>
-          <p:cNvPr id="6" name="Picture 5">
-            <a:extLst>
-              <a:ext uri="{FF2B5EF4-FFF2-40B4-BE49-F238E27FC236}">
-                <a16:creationId xmlns:a16="http://schemas.microsoft.com/office/drawing/2014/main" id="{5E2C4C34-6C93-43C9-B4DE-2ED2DD3AA0C8}"/>
+          <p:cNvPr id="4" name="Picture 3">
+            <a:extLst>
+              <a:ext uri="{FF2B5EF4-FFF2-40B4-BE49-F238E27FC236}">
+                <a16:creationId xmlns:a16="http://schemas.microsoft.com/office/drawing/2014/main" id="{1905DE77-13A8-4D3E-AC7B-FFA144AFEF34}"/>
               </a:ext>
             </a:extLst>
           </p:cNvPr>
@@ -14070,8 +15951,38 @@
         </p:blipFill>
         <p:spPr>
           <a:xfrm>
-            <a:off x="5119693" y="983562"/>
-            <a:ext cx="5495837" cy="5040000"/>
+            <a:off x="749704" y="1599905"/>
+            <a:ext cx="3542210" cy="617449"/>
+          </a:xfrm>
+          <a:prstGeom prst="rect">
+            <a:avLst/>
+          </a:prstGeom>
+        </p:spPr>
+      </p:pic>
+      <p:pic>
+        <p:nvPicPr>
+          <p:cNvPr id="8" name="Picture 7">
+            <a:extLst>
+              <a:ext uri="{FF2B5EF4-FFF2-40B4-BE49-F238E27FC236}">
+                <a16:creationId xmlns:a16="http://schemas.microsoft.com/office/drawing/2014/main" id="{199D3504-84A0-41F1-9D8A-93B2C8731A7D}"/>
+              </a:ext>
+            </a:extLst>
+          </p:cNvPr>
+          <p:cNvPicPr>
+            <a:picLocks noChangeAspect="1"/>
+          </p:cNvPicPr>
+          <p:nvPr/>
+        </p:nvPicPr>
+        <p:blipFill>
+          <a:blip r:embed="rId3"/>
+          <a:stretch>
+            <a:fillRect/>
+          </a:stretch>
+        </p:blipFill>
+        <p:spPr>
+          <a:xfrm>
+            <a:off x="749704" y="2875062"/>
+            <a:ext cx="5346296" cy="2522275"/>
           </a:xfrm>
           <a:prstGeom prst="rect">
             <a:avLst/>
@@ -14081,7 +15992,7 @@
     </p:spTree>
     <p:extLst>
       <p:ext uri="{BB962C8B-B14F-4D97-AF65-F5344CB8AC3E}">
-        <p14:creationId xmlns:p14="http://schemas.microsoft.com/office/powerpoint/2010/main" val="3260186258"/>
+        <p14:creationId xmlns:p14="http://schemas.microsoft.com/office/powerpoint/2010/main" val="749070851"/>
       </p:ext>
     </p:extLst>
   </p:cSld>
@@ -14110,10 +16021,10 @@
       </p:grpSpPr>
       <p:sp>
         <p:nvSpPr>
-          <p:cNvPr id="2" name="Title 1">
-            <a:extLst>
-              <a:ext uri="{FF2B5EF4-FFF2-40B4-BE49-F238E27FC236}">
-                <a16:creationId xmlns:a16="http://schemas.microsoft.com/office/drawing/2014/main" id="{3EE4957A-F7D2-4BAA-83CE-36D81E4DC73C}"/>
+          <p:cNvPr id="6" name="Title 5">
+            <a:extLst>
+              <a:ext uri="{FF2B5EF4-FFF2-40B4-BE49-F238E27FC236}">
+                <a16:creationId xmlns:a16="http://schemas.microsoft.com/office/drawing/2014/main" id="{DE6E8CC8-E3D3-49A0-8F7E-D06F5E89201C}"/>
               </a:ext>
             </a:extLst>
           </p:cNvPr>
@@ -14126,8 +16037,8 @@
         </p:nvSpPr>
         <p:spPr>
           <a:xfrm>
-            <a:off x="763608" y="1087755"/>
-            <a:ext cx="3946615" cy="1737360"/>
+            <a:off x="525160" y="488784"/>
+            <a:ext cx="6320483" cy="514404"/>
           </a:xfrm>
         </p:spPr>
         <p:txBody>
@@ -14135,51 +16046,8 @@
           <a:lstStyle/>
           <a:p>
             <a:r>
-              <a:rPr lang="fr-FR" sz="3200" dirty="0"/>
-              <a:t>Méthodes du index() en cas de filtres</a:t>
-            </a:r>
-          </a:p>
-        </p:txBody>
-      </p:sp>
-      <p:sp>
-        <p:nvSpPr>
-          <p:cNvPr id="4" name="Text Placeholder 3">
-            <a:extLst>
-              <a:ext uri="{FF2B5EF4-FFF2-40B4-BE49-F238E27FC236}">
-                <a16:creationId xmlns:a16="http://schemas.microsoft.com/office/drawing/2014/main" id="{4DE9DB64-507B-47B6-8A2E-91890DA65CD2}"/>
-              </a:ext>
-            </a:extLst>
-          </p:cNvPr>
-          <p:cNvSpPr>
-            <a:spLocks noGrp="1"/>
-          </p:cNvSpPr>
-          <p:nvPr>
-            <p:ph type="body" sz="half" idx="2"/>
-          </p:nvPr>
-        </p:nvSpPr>
-        <p:spPr>
-          <a:xfrm>
-            <a:off x="855912" y="2882265"/>
-            <a:ext cx="3514725" cy="1542180"/>
-          </a:xfrm>
-        </p:spPr>
-        <p:txBody>
-          <a:bodyPr>
-            <a:normAutofit/>
-          </a:bodyPr>
-          <a:lstStyle/>
-          <a:p>
-            <a:pPr algn="just"/>
-            <a:r>
               <a:rPr lang="fr-FR" dirty="0"/>
-              <a:t>library.py</a:t>
-            </a:r>
-          </a:p>
-          <a:p>
-            <a:pPr algn="just"/>
-            <a:r>
-              <a:rPr lang="fr-FR" dirty="0"/>
-              <a:t>Une partie des méthodes utilisées pour les filtres envoyés via le formulaire avec la méthode ‘POST’.</a:t>
+              <a:t>Page publication</a:t>
             </a:r>
           </a:p>
         </p:txBody>
@@ -14189,7 +16057,7 @@
           <p:cNvPr id="5" name="Slide Number Placeholder 4">
             <a:extLst>
               <a:ext uri="{FF2B5EF4-FFF2-40B4-BE49-F238E27FC236}">
-                <a16:creationId xmlns:a16="http://schemas.microsoft.com/office/drawing/2014/main" id="{B0118F5C-56E1-44F6-B33A-73DA37A35E22}"/>
+                <a16:creationId xmlns:a16="http://schemas.microsoft.com/office/drawing/2014/main" id="{40360F2A-729E-43E7-BE3D-E865638F1C43}"/>
               </a:ext>
             </a:extLst>
           </p:cNvPr>
@@ -14215,10 +16083,10 @@
       </p:sp>
       <p:pic>
         <p:nvPicPr>
-          <p:cNvPr id="8" name="Picture 7">
-            <a:extLst>
-              <a:ext uri="{FF2B5EF4-FFF2-40B4-BE49-F238E27FC236}">
-                <a16:creationId xmlns:a16="http://schemas.microsoft.com/office/drawing/2014/main" id="{7B515753-73C8-4F2A-B99E-CA54237FC7C7}"/>
+          <p:cNvPr id="2" name="Picture 1">
+            <a:extLst>
+              <a:ext uri="{FF2B5EF4-FFF2-40B4-BE49-F238E27FC236}">
+                <a16:creationId xmlns:a16="http://schemas.microsoft.com/office/drawing/2014/main" id="{DAA68478-6E69-42A6-9AC7-87FBF3177DCE}"/>
               </a:ext>
             </a:extLst>
           </p:cNvPr>
@@ -14235,8 +16103,8 @@
         </p:blipFill>
         <p:spPr>
           <a:xfrm>
-            <a:off x="5398000" y="1904445"/>
-            <a:ext cx="6030392" cy="2520000"/>
+            <a:off x="2204374" y="1230906"/>
+            <a:ext cx="7783251" cy="5138310"/>
           </a:xfrm>
           <a:prstGeom prst="rect">
             <a:avLst/>
@@ -14246,7 +16114,7 @@
     </p:spTree>
     <p:extLst>
       <p:ext uri="{BB962C8B-B14F-4D97-AF65-F5344CB8AC3E}">
-        <p14:creationId xmlns:p14="http://schemas.microsoft.com/office/powerpoint/2010/main" val="1858073369"/>
+        <p14:creationId xmlns:p14="http://schemas.microsoft.com/office/powerpoint/2010/main" val="2532374349"/>
       </p:ext>
     </p:extLst>
   </p:cSld>
@@ -14275,10 +16143,10 @@
       </p:grpSpPr>
       <p:sp>
         <p:nvSpPr>
-          <p:cNvPr id="5" name="Title 4">
-            <a:extLst>
-              <a:ext uri="{FF2B5EF4-FFF2-40B4-BE49-F238E27FC236}">
-                <a16:creationId xmlns:a16="http://schemas.microsoft.com/office/drawing/2014/main" id="{524C1C25-2326-4720-82B2-E68A44047A53}"/>
+          <p:cNvPr id="3" name="Title 2">
+            <a:extLst>
+              <a:ext uri="{FF2B5EF4-FFF2-40B4-BE49-F238E27FC236}">
+                <a16:creationId xmlns:a16="http://schemas.microsoft.com/office/drawing/2014/main" id="{3C4AB454-D70A-4CD2-A386-387CA35C6C9C}"/>
               </a:ext>
             </a:extLst>
           </p:cNvPr>
@@ -14291,8 +16159,8 @@
         </p:nvSpPr>
         <p:spPr>
           <a:xfrm>
-            <a:off x="838200" y="1059180"/>
-            <a:ext cx="2886075" cy="1737360"/>
+            <a:off x="1009650" y="1031266"/>
+            <a:ext cx="3931920" cy="1398270"/>
           </a:xfrm>
         </p:spPr>
         <p:txBody>
@@ -14301,17 +16169,17 @@
           <a:p>
             <a:r>
               <a:rPr lang="fr-FR" sz="3200" dirty="0"/>
-              <a:t>Pagination</a:t>
-            </a:r>
-          </a:p>
-        </p:txBody>
-      </p:sp>
-      <p:sp>
-        <p:nvSpPr>
-          <p:cNvPr id="7" name="Text Placeholder 6">
-            <a:extLst>
-              <a:ext uri="{FF2B5EF4-FFF2-40B4-BE49-F238E27FC236}">
-                <a16:creationId xmlns:a16="http://schemas.microsoft.com/office/drawing/2014/main" id="{7EC9EE20-AA85-4F75-B6FC-8F6311566CBB}"/>
+              <a:t>La tâche de fonds périodique</a:t>
+            </a:r>
+          </a:p>
+        </p:txBody>
+      </p:sp>
+      <p:sp>
+        <p:nvSpPr>
+          <p:cNvPr id="5" name="Text Placeholder 4">
+            <a:extLst>
+              <a:ext uri="{FF2B5EF4-FFF2-40B4-BE49-F238E27FC236}">
+                <a16:creationId xmlns:a16="http://schemas.microsoft.com/office/drawing/2014/main" id="{79B0202E-6205-4F11-A66A-033E40E42508}"/>
               </a:ext>
             </a:extLst>
           </p:cNvPr>
@@ -14324,44 +16192,88 @@
         </p:nvSpPr>
         <p:spPr>
           <a:xfrm>
-            <a:off x="876300" y="2940968"/>
-            <a:ext cx="2578100" cy="2003172"/>
+            <a:off x="1038224" y="2675144"/>
+            <a:ext cx="3865246" cy="3374777"/>
           </a:xfrm>
         </p:spPr>
         <p:txBody>
           <a:bodyPr>
-            <a:normAutofit fontScale="70000" lnSpcReduction="20000"/>
+            <a:noAutofit/>
           </a:bodyPr>
           <a:lstStyle/>
           <a:p>
             <a:pPr algn="just"/>
             <a:r>
+              <a:rPr lang="fr-FR" dirty="0" err="1"/>
+              <a:t>com.example.task</a:t>
+            </a:r>
+            <a:endParaRPr lang="fr-FR" dirty="0"/>
+          </a:p>
+          <a:p>
+            <a:pPr algn="just"/>
+            <a:r>
               <a:rPr lang="fr-FR" dirty="0"/>
-              <a:t>La page « index.html ». </a:t>
+              <a:t>Tâche de fonds périodique</a:t>
+            </a:r>
+            <a:r>
+              <a:rPr lang="fr-FR" dirty="0">
+                <a:solidFill>
+                  <a:srgbClr val="4A66AC"/>
+                </a:solidFill>
+              </a:rPr>
+              <a:t> qui s’exécute dans le fonds à intervalle régulière avec l’extension apscheduler.</a:t>
             </a:r>
           </a:p>
           <a:p>
             <a:pPr algn="just"/>
             <a:r>
-              <a:rPr lang="fr-FR" dirty="0"/>
-              <a:t>Synchronisation entre la vue et la base de données du nombres d’enregistrements à afficher à la fois. Un objet « Pagination » est ajouté à l’objet «Version » en faisant la requête SQL avec des attributs nombres de page, par page, etc. </a:t>
+              <a:rPr lang="fr-FR" dirty="0">
+                <a:solidFill>
+                  <a:srgbClr val="4A66AC"/>
+                </a:solidFill>
+              </a:rPr>
+              <a:t>Cette tâche est lancée en même temps que l’application Flask via le module app_plus_scheduler.py.</a:t>
             </a:r>
           </a:p>
           <a:p>
             <a:pPr algn="just"/>
             <a:r>
-              <a:rPr lang="fr-FR" dirty="0"/>
-              <a:t>Les types des classes sont de Bootstrap. </a:t>
-            </a:r>
-          </a:p>
-        </p:txBody>
-      </p:sp>
-      <p:sp>
-        <p:nvSpPr>
-          <p:cNvPr id="4" name="Slide Number Placeholder 3">
-            <a:extLst>
-              <a:ext uri="{FF2B5EF4-FFF2-40B4-BE49-F238E27FC236}">
-                <a16:creationId xmlns:a16="http://schemas.microsoft.com/office/drawing/2014/main" id="{BB01D351-669F-4239-A35D-0817340A9691}"/>
+              <a:rPr lang="fr-FR" dirty="0">
+                <a:solidFill>
+                  <a:srgbClr val="4A66AC"/>
+                </a:solidFill>
+              </a:rPr>
+              <a:t>Elle s’exécute une 1</a:t>
+            </a:r>
+            <a:r>
+              <a:rPr lang="fr-FR" baseline="30000" dirty="0">
+                <a:solidFill>
+                  <a:srgbClr val="4A66AC"/>
+                </a:solidFill>
+              </a:rPr>
+              <a:t>ière</a:t>
+            </a:r>
+            <a:r>
+              <a:rPr lang="fr-FR" dirty="0">
+                <a:solidFill>
+                  <a:srgbClr val="4A66AC"/>
+                </a:solidFill>
+              </a:rPr>
+              <a:t> fois directement au lancement et ensuite par intervalles, dans notre cas toutes les 60 minutes.</a:t>
+            </a:r>
+          </a:p>
+          <a:p>
+            <a:pPr algn="just"/>
+            <a:endParaRPr lang="fr-FR" dirty="0"/>
+          </a:p>
+        </p:txBody>
+      </p:sp>
+      <p:sp>
+        <p:nvSpPr>
+          <p:cNvPr id="2" name="Slide Number Placeholder 1">
+            <a:extLst>
+              <a:ext uri="{FF2B5EF4-FFF2-40B4-BE49-F238E27FC236}">
+                <a16:creationId xmlns:a16="http://schemas.microsoft.com/office/drawing/2014/main" id="{8D70FDCB-5278-4CF3-8A2A-ACB5F9ED2E45}"/>
               </a:ext>
             </a:extLst>
           </p:cNvPr>
@@ -14387,10 +16299,10 @@
       </p:sp>
       <p:pic>
         <p:nvPicPr>
-          <p:cNvPr id="9" name="Picture 8">
-            <a:extLst>
-              <a:ext uri="{FF2B5EF4-FFF2-40B4-BE49-F238E27FC236}">
-                <a16:creationId xmlns:a16="http://schemas.microsoft.com/office/drawing/2014/main" id="{8164551E-8C80-48EA-A2C0-7FA4D16A3941}"/>
+          <p:cNvPr id="6" name="Picture 5">
+            <a:extLst>
+              <a:ext uri="{FF2B5EF4-FFF2-40B4-BE49-F238E27FC236}">
+                <a16:creationId xmlns:a16="http://schemas.microsoft.com/office/drawing/2014/main" id="{BBC9E1B5-1573-4CD8-808D-3172D21F2A4C}"/>
               </a:ext>
             </a:extLst>
           </p:cNvPr>
@@ -14407,8 +16319,8 @@
         </p:blipFill>
         <p:spPr>
           <a:xfrm>
-            <a:off x="4681851" y="609978"/>
-            <a:ext cx="6464632" cy="5404128"/>
+            <a:off x="5359328" y="1345157"/>
+            <a:ext cx="6138730" cy="3600000"/>
           </a:xfrm>
           <a:prstGeom prst="rect">
             <a:avLst/>
@@ -14418,7 +16330,7 @@
     </p:spTree>
     <p:extLst>
       <p:ext uri="{BB962C8B-B14F-4D97-AF65-F5344CB8AC3E}">
-        <p14:creationId xmlns:p14="http://schemas.microsoft.com/office/powerpoint/2010/main" val="994933941"/>
+        <p14:creationId xmlns:p14="http://schemas.microsoft.com/office/powerpoint/2010/main" val="3290733965"/>
       </p:ext>
     </p:extLst>
   </p:cSld>
@@ -14447,10 +16359,129 @@
       </p:grpSpPr>
       <p:sp>
         <p:nvSpPr>
-          <p:cNvPr id="2" name="Slide Number Placeholder 1">
-            <a:extLst>
-              <a:ext uri="{FF2B5EF4-FFF2-40B4-BE49-F238E27FC236}">
-                <a16:creationId xmlns:a16="http://schemas.microsoft.com/office/drawing/2014/main" id="{5A4F435A-FBC5-482D-BA8F-3754768650AB}"/>
+          <p:cNvPr id="2" name="Title 1">
+            <a:extLst>
+              <a:ext uri="{FF2B5EF4-FFF2-40B4-BE49-F238E27FC236}">
+                <a16:creationId xmlns:a16="http://schemas.microsoft.com/office/drawing/2014/main" id="{2D9BE37F-9AF0-44C0-886D-14D92A5E9052}"/>
+              </a:ext>
+            </a:extLst>
+          </p:cNvPr>
+          <p:cNvSpPr>
+            <a:spLocks noGrp="1"/>
+          </p:cNvSpPr>
+          <p:nvPr>
+            <p:ph type="title"/>
+          </p:nvPr>
+        </p:nvSpPr>
+        <p:spPr>
+          <a:xfrm>
+            <a:off x="1143000" y="609600"/>
+            <a:ext cx="9875520" cy="704850"/>
+          </a:xfrm>
+        </p:spPr>
+        <p:txBody>
+          <a:bodyPr/>
+          <a:lstStyle/>
+          <a:p>
+            <a:r>
+              <a:rPr lang="fr-FR" dirty="0"/>
+              <a:t>Conclusion</a:t>
+            </a:r>
+          </a:p>
+        </p:txBody>
+      </p:sp>
+      <p:sp>
+        <p:nvSpPr>
+          <p:cNvPr id="3" name="Content Placeholder 2">
+            <a:extLst>
+              <a:ext uri="{FF2B5EF4-FFF2-40B4-BE49-F238E27FC236}">
+                <a16:creationId xmlns:a16="http://schemas.microsoft.com/office/drawing/2014/main" id="{CE097B3D-BE10-49DA-8991-C23783BC9299}"/>
+              </a:ext>
+            </a:extLst>
+          </p:cNvPr>
+          <p:cNvSpPr>
+            <a:spLocks noGrp="1"/>
+          </p:cNvSpPr>
+          <p:nvPr>
+            <p:ph idx="1"/>
+          </p:nvPr>
+        </p:nvSpPr>
+        <p:spPr>
+          <a:xfrm>
+            <a:off x="1143000" y="1457325"/>
+            <a:ext cx="9872871" cy="4638675"/>
+          </a:xfrm>
+        </p:spPr>
+        <p:txBody>
+          <a:bodyPr>
+            <a:normAutofit/>
+          </a:bodyPr>
+          <a:lstStyle/>
+          <a:p>
+            <a:pPr marL="45720" indent="0" algn="just">
+              <a:buNone/>
+            </a:pPr>
+            <a:r>
+              <a:rPr lang="fr-FR" dirty="0"/>
+              <a:t>L’application web est en ligne avec la partie principale du backend en fonction (historisation et recherche), tout en ayant rempli un certains nombres de tests et de critères concernant le code.</a:t>
+            </a:r>
+          </a:p>
+          <a:p>
+            <a:pPr marL="45720" indent="0">
+              <a:buNone/>
+            </a:pPr>
+            <a:r>
+              <a:rPr lang="fr-FR" dirty="0"/>
+              <a:t>Vu la durée du stage (2 mois) et le temps nécessaire pour me former reste à faire :</a:t>
+            </a:r>
+          </a:p>
+          <a:p>
+            <a:pPr>
+              <a:buFont typeface="Wingdings" panose="05000000000000000000" pitchFamily="2" charset="2"/>
+              <a:buChar char="§"/>
+            </a:pPr>
+            <a:r>
+              <a:rPr lang="fr-FR" dirty="0"/>
+              <a:t>Compléter le Backend.</a:t>
+            </a:r>
+          </a:p>
+          <a:p>
+            <a:pPr>
+              <a:buFont typeface="Wingdings" panose="05000000000000000000" pitchFamily="2" charset="2"/>
+              <a:buChar char="§"/>
+            </a:pPr>
+            <a:r>
+              <a:rPr lang="fr-FR" dirty="0"/>
+              <a:t>Le Frontend : L’</a:t>
+            </a:r>
+            <a:r>
+              <a:rPr lang="fr-FR" dirty="0" err="1"/>
+              <a:t>authentication</a:t>
+            </a:r>
+            <a:r>
+              <a:rPr lang="fr-FR" dirty="0"/>
+              <a:t>.</a:t>
+            </a:r>
+          </a:p>
+          <a:p>
+            <a:pPr>
+              <a:buFont typeface="Wingdings" panose="05000000000000000000" pitchFamily="2" charset="2"/>
+              <a:buChar char="§"/>
+            </a:pPr>
+            <a:r>
+              <a:rPr lang="fr-FR" dirty="0"/>
+              <a:t>Mettre en place une base de données SAP Hana.</a:t>
+            </a:r>
+            <a:endParaRPr lang="fr-FR" b="1" dirty="0"/>
+          </a:p>
+        </p:txBody>
+      </p:sp>
+      <p:sp>
+        <p:nvSpPr>
+          <p:cNvPr id="4" name="Slide Number Placeholder 3">
+            <a:extLst>
+              <a:ext uri="{FF2B5EF4-FFF2-40B4-BE49-F238E27FC236}">
+                <a16:creationId xmlns:a16="http://schemas.microsoft.com/office/drawing/2014/main" id="{E2D53EDA-94B6-4BC2-9CF2-C2CE6F0E0F88}"/>
               </a:ext>
             </a:extLst>
           </p:cNvPr>
@@ -14470,204 +16501,14 @@
               <a:rPr lang="fr-FR" smtClean="0"/>
               <a:t>48</a:t>
             </a:fld>
-            <a:endParaRPr lang="fr-FR" dirty="0"/>
-          </a:p>
-        </p:txBody>
-      </p:sp>
-      <p:pic>
-        <p:nvPicPr>
-          <p:cNvPr id="5" name="Picture 4">
-            <a:extLst>
-              <a:ext uri="{FF2B5EF4-FFF2-40B4-BE49-F238E27FC236}">
-                <a16:creationId xmlns:a16="http://schemas.microsoft.com/office/drawing/2014/main" id="{EC65999F-6271-48DA-8450-929F62DF53AC}"/>
-              </a:ext>
-            </a:extLst>
-          </p:cNvPr>
-          <p:cNvPicPr>
-            <a:picLocks noChangeAspect="1"/>
-          </p:cNvPicPr>
-          <p:nvPr/>
-        </p:nvPicPr>
-        <p:blipFill>
-          <a:blip r:embed="rId2"/>
-          <a:stretch>
-            <a:fillRect/>
-          </a:stretch>
-        </p:blipFill>
-        <p:spPr>
-          <a:xfrm>
-            <a:off x="390525" y="287734"/>
-            <a:ext cx="11427123" cy="5778797"/>
-          </a:xfrm>
-          <a:prstGeom prst="rect">
-            <a:avLst/>
-          </a:prstGeom>
-        </p:spPr>
-      </p:pic>
-      <p:sp>
-        <p:nvSpPr>
-          <p:cNvPr id="3" name="TextBox 2">
-            <a:extLst>
-              <a:ext uri="{FF2B5EF4-FFF2-40B4-BE49-F238E27FC236}">
-                <a16:creationId xmlns:a16="http://schemas.microsoft.com/office/drawing/2014/main" id="{7B453057-9326-44F9-9E43-12847BDBA385}"/>
-              </a:ext>
-            </a:extLst>
-          </p:cNvPr>
-          <p:cNvSpPr txBox="1"/>
-          <p:nvPr/>
-        </p:nvSpPr>
-        <p:spPr>
-          <a:xfrm>
-            <a:off x="2434863" y="6138766"/>
-            <a:ext cx="7180192" cy="307777"/>
-          </a:xfrm>
-          <a:prstGeom prst="rect">
-            <a:avLst/>
-          </a:prstGeom>
-          <a:noFill/>
-        </p:spPr>
-        <p:txBody>
-          <a:bodyPr wrap="square" rtlCol="0">
-            <a:spAutoFit/>
-          </a:bodyPr>
-          <a:lstStyle/>
-          <a:p>
-            <a:r>
-              <a:rPr lang="fr-FR" sz="1400" i="1" dirty="0">
-                <a:solidFill>
-                  <a:srgbClr val="4A66AC"/>
-                </a:solidFill>
-              </a:rPr>
-              <a:t>Versions filtrées avec « </a:t>
-            </a:r>
-            <a:r>
-              <a:rPr lang="fr-FR" sz="1400" i="1" dirty="0" err="1">
-                <a:solidFill>
-                  <a:srgbClr val="4A66AC"/>
-                </a:solidFill>
-              </a:rPr>
-              <a:t>procserver</a:t>
-            </a:r>
-            <a:r>
-              <a:rPr lang="fr-FR" sz="1400" i="1" dirty="0">
-                <a:solidFill>
-                  <a:srgbClr val="4A66AC"/>
-                </a:solidFill>
-              </a:rPr>
-              <a:t> », « ap11 » et « 2020-05-16 » (exemple </a:t>
-            </a:r>
-            <a:r>
-              <a:rPr lang="fr-FR" sz="1400" i="1" dirty="0" err="1">
-                <a:solidFill>
-                  <a:srgbClr val="4A66AC"/>
-                </a:solidFill>
-              </a:rPr>
-              <a:t>localhost</a:t>
-            </a:r>
-            <a:r>
-              <a:rPr lang="fr-FR" sz="1400" i="1" dirty="0">
-                <a:solidFill>
-                  <a:srgbClr val="4A66AC"/>
-                </a:solidFill>
-              </a:rPr>
-              <a:t>)</a:t>
-            </a:r>
+            <a:endParaRPr lang="fr-FR"/>
           </a:p>
         </p:txBody>
       </p:sp>
     </p:spTree>
     <p:extLst>
       <p:ext uri="{BB962C8B-B14F-4D97-AF65-F5344CB8AC3E}">
-        <p14:creationId xmlns:p14="http://schemas.microsoft.com/office/powerpoint/2010/main" val="860151735"/>
-      </p:ext>
-    </p:extLst>
-  </p:cSld>
-  <p:clrMapOvr>
-    <a:masterClrMapping/>
-  </p:clrMapOvr>
-</p:sld>
-</file>
-
-<file path=ppt/slides/slide49.xml><?xml version="1.0" encoding="utf-8"?>
-<p:sld xmlns:a="http://schemas.openxmlformats.org/drawingml/2006/main" xmlns:r="http://schemas.openxmlformats.org/officeDocument/2006/relationships" xmlns:p="http://schemas.openxmlformats.org/presentationml/2006/main">
-  <p:cSld>
-    <p:spTree>
-      <p:nvGrpSpPr>
-        <p:cNvPr id="1" name=""/>
-        <p:cNvGrpSpPr/>
-        <p:nvPr/>
-      </p:nvGrpSpPr>
-      <p:grpSpPr>
-        <a:xfrm>
-          <a:off x="0" y="0"/>
-          <a:ext cx="0" cy="0"/>
-          <a:chOff x="0" y="0"/>
-          <a:chExt cx="0" cy="0"/>
-        </a:xfrm>
-      </p:grpSpPr>
-      <p:sp>
-        <p:nvSpPr>
-          <p:cNvPr id="2" name="Slide Number Placeholder 1">
-            <a:extLst>
-              <a:ext uri="{FF2B5EF4-FFF2-40B4-BE49-F238E27FC236}">
-                <a16:creationId xmlns:a16="http://schemas.microsoft.com/office/drawing/2014/main" id="{AC6E5E48-DD27-4A00-985E-936BDDFF125A}"/>
-              </a:ext>
-            </a:extLst>
-          </p:cNvPr>
-          <p:cNvSpPr>
-            <a:spLocks noGrp="1"/>
-          </p:cNvSpPr>
-          <p:nvPr>
-            <p:ph type="sldNum" sz="quarter" idx="12"/>
-          </p:nvPr>
-        </p:nvSpPr>
-        <p:spPr/>
-        <p:txBody>
-          <a:bodyPr/>
-          <a:lstStyle/>
-          <a:p>
-            <a:fld id="{C52ED629-2BC0-4D25-969E-9ED78B40D7C7}" type="slidenum">
-              <a:rPr lang="fr-FR" smtClean="0"/>
-              <a:t>49</a:t>
-            </a:fld>
-            <a:endParaRPr lang="fr-FR"/>
-          </a:p>
-        </p:txBody>
-      </p:sp>
-      <p:pic>
-        <p:nvPicPr>
-          <p:cNvPr id="4" name="Picture 3">
-            <a:extLst>
-              <a:ext uri="{FF2B5EF4-FFF2-40B4-BE49-F238E27FC236}">
-                <a16:creationId xmlns:a16="http://schemas.microsoft.com/office/drawing/2014/main" id="{57D0FF69-0FB5-40EE-8B54-A9397DBED786}"/>
-              </a:ext>
-            </a:extLst>
-          </p:cNvPr>
-          <p:cNvPicPr>
-            <a:picLocks noChangeAspect="1"/>
-          </p:cNvPicPr>
-          <p:nvPr/>
-        </p:nvPicPr>
-        <p:blipFill>
-          <a:blip r:embed="rId2"/>
-          <a:stretch>
-            <a:fillRect/>
-          </a:stretch>
-        </p:blipFill>
-        <p:spPr>
-          <a:xfrm>
-            <a:off x="304884" y="269047"/>
-            <a:ext cx="11582231" cy="6036503"/>
-          </a:xfrm>
-          <a:prstGeom prst="rect">
-            <a:avLst/>
-          </a:prstGeom>
-        </p:spPr>
-      </p:pic>
-    </p:spTree>
-    <p:extLst>
-      <p:ext uri="{BB962C8B-B14F-4D97-AF65-F5344CB8AC3E}">
-        <p14:creationId xmlns:p14="http://schemas.microsoft.com/office/powerpoint/2010/main" val="2294276124"/>
+        <p14:creationId xmlns:p14="http://schemas.microsoft.com/office/powerpoint/2010/main" val="898043026"/>
       </p:ext>
     </p:extLst>
   </p:cSld>
@@ -14762,828 +16603,6 @@
     <p:extLst>
       <p:ext uri="{BB962C8B-B14F-4D97-AF65-F5344CB8AC3E}">
         <p14:creationId xmlns:p14="http://schemas.microsoft.com/office/powerpoint/2010/main" val="2866829233"/>
-      </p:ext>
-    </p:extLst>
-  </p:cSld>
-  <p:clrMapOvr>
-    <a:masterClrMapping/>
-  </p:clrMapOvr>
-</p:sld>
-</file>
-
-<file path=ppt/slides/slide50.xml><?xml version="1.0" encoding="utf-8"?>
-<p:sld xmlns:a="http://schemas.openxmlformats.org/drawingml/2006/main" xmlns:r="http://schemas.openxmlformats.org/officeDocument/2006/relationships" xmlns:p="http://schemas.openxmlformats.org/presentationml/2006/main">
-  <p:cSld>
-    <p:spTree>
-      <p:nvGrpSpPr>
-        <p:cNvPr id="1" name=""/>
-        <p:cNvGrpSpPr/>
-        <p:nvPr/>
-      </p:nvGrpSpPr>
-      <p:grpSpPr>
-        <a:xfrm>
-          <a:off x="0" y="0"/>
-          <a:ext cx="0" cy="0"/>
-          <a:chOff x="0" y="0"/>
-          <a:chExt cx="0" cy="0"/>
-        </a:xfrm>
-      </p:grpSpPr>
-      <p:sp>
-        <p:nvSpPr>
-          <p:cNvPr id="3" name="Title 2">
-            <a:extLst>
-              <a:ext uri="{FF2B5EF4-FFF2-40B4-BE49-F238E27FC236}">
-                <a16:creationId xmlns:a16="http://schemas.microsoft.com/office/drawing/2014/main" id="{A2F8D74C-653A-47AE-BAD6-405A419EA559}"/>
-              </a:ext>
-            </a:extLst>
-          </p:cNvPr>
-          <p:cNvSpPr>
-            <a:spLocks noGrp="1"/>
-          </p:cNvSpPr>
-          <p:nvPr>
-            <p:ph type="title"/>
-          </p:nvPr>
-        </p:nvSpPr>
-        <p:spPr>
-          <a:xfrm>
-            <a:off x="1143000" y="1097280"/>
-            <a:ext cx="2822944" cy="1737360"/>
-          </a:xfrm>
-        </p:spPr>
-        <p:txBody>
-          <a:bodyPr/>
-          <a:lstStyle/>
-          <a:p>
-            <a:r>
-              <a:rPr lang="fr-FR" sz="3200" dirty="0"/>
-              <a:t>Contrôleur la partie </a:t>
-            </a:r>
-            <a:r>
-              <a:rPr lang="fr-FR" sz="3200" dirty="0" err="1"/>
-              <a:t>delete</a:t>
-            </a:r>
-            <a:r>
-              <a:rPr lang="fr-FR" sz="3200" dirty="0"/>
-              <a:t>()</a:t>
-            </a:r>
-          </a:p>
-        </p:txBody>
-      </p:sp>
-      <p:sp>
-        <p:nvSpPr>
-          <p:cNvPr id="5" name="Text Placeholder 4">
-            <a:extLst>
-              <a:ext uri="{FF2B5EF4-FFF2-40B4-BE49-F238E27FC236}">
-                <a16:creationId xmlns:a16="http://schemas.microsoft.com/office/drawing/2014/main" id="{85FF8C69-6326-4FE1-9B6B-E4283C0471BF}"/>
-              </a:ext>
-            </a:extLst>
-          </p:cNvPr>
-          <p:cNvSpPr>
-            <a:spLocks noGrp="1"/>
-          </p:cNvSpPr>
-          <p:nvPr>
-            <p:ph type="body" sz="half" idx="2"/>
-          </p:nvPr>
-        </p:nvSpPr>
-        <p:spPr>
-          <a:xfrm>
-            <a:off x="1143000" y="2834640"/>
-            <a:ext cx="2714625" cy="2232660"/>
-          </a:xfrm>
-        </p:spPr>
-        <p:txBody>
-          <a:bodyPr/>
-          <a:lstStyle/>
-          <a:p>
-            <a:r>
-              <a:rPr lang="fr-FR" dirty="0" err="1"/>
-              <a:t>monitor.delete</a:t>
-            </a:r>
-            <a:endParaRPr lang="fr-FR" dirty="0"/>
-          </a:p>
-          <a:p>
-            <a:endParaRPr lang="fr-FR" dirty="0"/>
-          </a:p>
-        </p:txBody>
-      </p:sp>
-      <p:sp>
-        <p:nvSpPr>
-          <p:cNvPr id="2" name="Slide Number Placeholder 1">
-            <a:extLst>
-              <a:ext uri="{FF2B5EF4-FFF2-40B4-BE49-F238E27FC236}">
-                <a16:creationId xmlns:a16="http://schemas.microsoft.com/office/drawing/2014/main" id="{0082BE4A-28C1-42A9-B1AB-E31760B2700A}"/>
-              </a:ext>
-            </a:extLst>
-          </p:cNvPr>
-          <p:cNvSpPr>
-            <a:spLocks noGrp="1"/>
-          </p:cNvSpPr>
-          <p:nvPr>
-            <p:ph type="sldNum" sz="quarter" idx="12"/>
-          </p:nvPr>
-        </p:nvSpPr>
-        <p:spPr/>
-        <p:txBody>
-          <a:bodyPr/>
-          <a:lstStyle/>
-          <a:p>
-            <a:fld id="{C52ED629-2BC0-4D25-969E-9ED78B40D7C7}" type="slidenum">
-              <a:rPr lang="fr-FR" smtClean="0"/>
-              <a:t>50</a:t>
-            </a:fld>
-            <a:endParaRPr lang="fr-FR"/>
-          </a:p>
-        </p:txBody>
-      </p:sp>
-      <p:pic>
-        <p:nvPicPr>
-          <p:cNvPr id="6" name="Picture 5">
-            <a:extLst>
-              <a:ext uri="{FF2B5EF4-FFF2-40B4-BE49-F238E27FC236}">
-                <a16:creationId xmlns:a16="http://schemas.microsoft.com/office/drawing/2014/main" id="{5C374800-6963-41A6-A979-FB5CD5239805}"/>
-              </a:ext>
-            </a:extLst>
-          </p:cNvPr>
-          <p:cNvPicPr>
-            <a:picLocks noChangeAspect="1"/>
-          </p:cNvPicPr>
-          <p:nvPr/>
-        </p:nvPicPr>
-        <p:blipFill>
-          <a:blip r:embed="rId2"/>
-          <a:stretch>
-            <a:fillRect/>
-          </a:stretch>
-        </p:blipFill>
-        <p:spPr>
-          <a:xfrm>
-            <a:off x="4443821" y="1686237"/>
-            <a:ext cx="7095419" cy="2880000"/>
-          </a:xfrm>
-          <a:prstGeom prst="rect">
-            <a:avLst/>
-          </a:prstGeom>
-        </p:spPr>
-      </p:pic>
-    </p:spTree>
-    <p:extLst>
-      <p:ext uri="{BB962C8B-B14F-4D97-AF65-F5344CB8AC3E}">
-        <p14:creationId xmlns:p14="http://schemas.microsoft.com/office/powerpoint/2010/main" val="1314801893"/>
-      </p:ext>
-    </p:extLst>
-  </p:cSld>
-  <p:clrMapOvr>
-    <a:masterClrMapping/>
-  </p:clrMapOvr>
-</p:sld>
-</file>
-
-<file path=ppt/slides/slide51.xml><?xml version="1.0" encoding="utf-8"?>
-<p:sld xmlns:a="http://schemas.openxmlformats.org/drawingml/2006/main" xmlns:r="http://schemas.openxmlformats.org/officeDocument/2006/relationships" xmlns:p="http://schemas.openxmlformats.org/presentationml/2006/main">
-  <p:cSld>
-    <p:spTree>
-      <p:nvGrpSpPr>
-        <p:cNvPr id="1" name=""/>
-        <p:cNvGrpSpPr/>
-        <p:nvPr/>
-      </p:nvGrpSpPr>
-      <p:grpSpPr>
-        <a:xfrm>
-          <a:off x="0" y="0"/>
-          <a:ext cx="0" cy="0"/>
-          <a:chOff x="0" y="0"/>
-          <a:chExt cx="0" cy="0"/>
-        </a:xfrm>
-      </p:grpSpPr>
-      <p:sp>
-        <p:nvSpPr>
-          <p:cNvPr id="2" name="Title 1">
-            <a:extLst>
-              <a:ext uri="{FF2B5EF4-FFF2-40B4-BE49-F238E27FC236}">
-                <a16:creationId xmlns:a16="http://schemas.microsoft.com/office/drawing/2014/main" id="{E36E3102-122B-4992-9C62-BCA3A4232ECD}"/>
-              </a:ext>
-            </a:extLst>
-          </p:cNvPr>
-          <p:cNvSpPr>
-            <a:spLocks noGrp="1"/>
-          </p:cNvSpPr>
-          <p:nvPr>
-            <p:ph type="title"/>
-          </p:nvPr>
-        </p:nvSpPr>
-        <p:spPr>
-          <a:xfrm>
-            <a:off x="1089835" y="1097280"/>
-            <a:ext cx="4417828" cy="1737360"/>
-          </a:xfrm>
-        </p:spPr>
-        <p:txBody>
-          <a:bodyPr/>
-          <a:lstStyle/>
-          <a:p>
-            <a:r>
-              <a:rPr lang="fr-FR" sz="3200" dirty="0"/>
-              <a:t>Les de la partie </a:t>
-            </a:r>
-            <a:r>
-              <a:rPr lang="fr-FR" sz="3200" dirty="0" err="1"/>
-              <a:t>delete</a:t>
-            </a:r>
-            <a:r>
-              <a:rPr lang="fr-FR" sz="3200" dirty="0"/>
-              <a:t>() du contrôleur</a:t>
-            </a:r>
-          </a:p>
-        </p:txBody>
-      </p:sp>
-      <p:sp>
-        <p:nvSpPr>
-          <p:cNvPr id="4" name="Text Placeholder 3">
-            <a:extLst>
-              <a:ext uri="{FF2B5EF4-FFF2-40B4-BE49-F238E27FC236}">
-                <a16:creationId xmlns:a16="http://schemas.microsoft.com/office/drawing/2014/main" id="{DFED41B2-C97B-4092-98E2-D21920085434}"/>
-              </a:ext>
-            </a:extLst>
-          </p:cNvPr>
-          <p:cNvSpPr>
-            <a:spLocks noGrp="1"/>
-          </p:cNvSpPr>
-          <p:nvPr>
-            <p:ph type="body" sz="half" idx="2"/>
-          </p:nvPr>
-        </p:nvSpPr>
-        <p:spPr>
-          <a:xfrm>
-            <a:off x="1089835" y="2962234"/>
-            <a:ext cx="4077586" cy="1737360"/>
-          </a:xfrm>
-        </p:spPr>
-        <p:txBody>
-          <a:bodyPr>
-            <a:normAutofit/>
-          </a:bodyPr>
-          <a:lstStyle/>
-          <a:p>
-            <a:pPr algn="just"/>
-            <a:r>
-              <a:rPr lang="fr-FR" dirty="0"/>
-              <a:t>library.py</a:t>
-            </a:r>
-          </a:p>
-          <a:p>
-            <a:pPr algn="just"/>
-            <a:r>
-              <a:rPr lang="fr-FR" dirty="0"/>
-              <a:t>Les méthodes pour vérifier l’existence d’un enregistrement et de le supprimer, ainsi que pour changer un string en format date pour l’insertion dans la base de données.</a:t>
-            </a:r>
-          </a:p>
-        </p:txBody>
-      </p:sp>
-      <p:sp>
-        <p:nvSpPr>
-          <p:cNvPr id="5" name="Slide Number Placeholder 4">
-            <a:extLst>
-              <a:ext uri="{FF2B5EF4-FFF2-40B4-BE49-F238E27FC236}">
-                <a16:creationId xmlns:a16="http://schemas.microsoft.com/office/drawing/2014/main" id="{B5B44CB5-CE6A-4069-B9A7-258339CB131A}"/>
-              </a:ext>
-            </a:extLst>
-          </p:cNvPr>
-          <p:cNvSpPr>
-            <a:spLocks noGrp="1"/>
-          </p:cNvSpPr>
-          <p:nvPr>
-            <p:ph type="sldNum" sz="quarter" idx="12"/>
-          </p:nvPr>
-        </p:nvSpPr>
-        <p:spPr/>
-        <p:txBody>
-          <a:bodyPr/>
-          <a:lstStyle/>
-          <a:p>
-            <a:fld id="{C52ED629-2BC0-4D25-969E-9ED78B40D7C7}" type="slidenum">
-              <a:rPr lang="fr-FR" smtClean="0"/>
-              <a:t>51</a:t>
-            </a:fld>
-            <a:endParaRPr lang="fr-FR"/>
-          </a:p>
-        </p:txBody>
-      </p:sp>
-      <p:pic>
-        <p:nvPicPr>
-          <p:cNvPr id="6" name="Picture 5">
-            <a:extLst>
-              <a:ext uri="{FF2B5EF4-FFF2-40B4-BE49-F238E27FC236}">
-                <a16:creationId xmlns:a16="http://schemas.microsoft.com/office/drawing/2014/main" id="{0A1AA4AA-B0D9-465C-87F1-7AA9DD9BA1EF}"/>
-              </a:ext>
-            </a:extLst>
-          </p:cNvPr>
-          <p:cNvPicPr>
-            <a:picLocks noChangeAspect="1"/>
-          </p:cNvPicPr>
-          <p:nvPr/>
-        </p:nvPicPr>
-        <p:blipFill>
-          <a:blip r:embed="rId2"/>
-          <a:stretch>
-            <a:fillRect/>
-          </a:stretch>
-        </p:blipFill>
-        <p:spPr>
-          <a:xfrm>
-            <a:off x="5863415" y="1711812"/>
-            <a:ext cx="5308334" cy="2520000"/>
-          </a:xfrm>
-          <a:prstGeom prst="rect">
-            <a:avLst/>
-          </a:prstGeom>
-        </p:spPr>
-      </p:pic>
-    </p:spTree>
-    <p:extLst>
-      <p:ext uri="{BB962C8B-B14F-4D97-AF65-F5344CB8AC3E}">
-        <p14:creationId xmlns:p14="http://schemas.microsoft.com/office/powerpoint/2010/main" val="1051132031"/>
-      </p:ext>
-    </p:extLst>
-  </p:cSld>
-  <p:clrMapOvr>
-    <a:masterClrMapping/>
-  </p:clrMapOvr>
-</p:sld>
-</file>
-
-<file path=ppt/slides/slide52.xml><?xml version="1.0" encoding="utf-8"?>
-<p:sld xmlns:a="http://schemas.openxmlformats.org/drawingml/2006/main" xmlns:r="http://schemas.openxmlformats.org/officeDocument/2006/relationships" xmlns:p="http://schemas.openxmlformats.org/presentationml/2006/main">
-  <p:cSld>
-    <p:spTree>
-      <p:nvGrpSpPr>
-        <p:cNvPr id="1" name=""/>
-        <p:cNvGrpSpPr/>
-        <p:nvPr/>
-      </p:nvGrpSpPr>
-      <p:grpSpPr>
-        <a:xfrm>
-          <a:off x="0" y="0"/>
-          <a:ext cx="0" cy="0"/>
-          <a:chOff x="0" y="0"/>
-          <a:chExt cx="0" cy="0"/>
-        </a:xfrm>
-      </p:grpSpPr>
-      <p:sp>
-        <p:nvSpPr>
-          <p:cNvPr id="2" name="Slide Number Placeholder 1">
-            <a:extLst>
-              <a:ext uri="{FF2B5EF4-FFF2-40B4-BE49-F238E27FC236}">
-                <a16:creationId xmlns:a16="http://schemas.microsoft.com/office/drawing/2014/main" id="{92BA4785-60EA-4BD5-A116-E334441DE187}"/>
-              </a:ext>
-            </a:extLst>
-          </p:cNvPr>
-          <p:cNvSpPr>
-            <a:spLocks noGrp="1"/>
-          </p:cNvSpPr>
-          <p:nvPr>
-            <p:ph type="sldNum" sz="quarter" idx="12"/>
-          </p:nvPr>
-        </p:nvSpPr>
-        <p:spPr/>
-        <p:txBody>
-          <a:bodyPr/>
-          <a:lstStyle/>
-          <a:p>
-            <a:fld id="{C52ED629-2BC0-4D25-969E-9ED78B40D7C7}" type="slidenum">
-              <a:rPr lang="fr-FR" smtClean="0"/>
-              <a:t>52</a:t>
-            </a:fld>
-            <a:endParaRPr lang="fr-FR"/>
-          </a:p>
-        </p:txBody>
-      </p:sp>
-      <p:pic>
-        <p:nvPicPr>
-          <p:cNvPr id="5" name="Picture 4">
-            <a:extLst>
-              <a:ext uri="{FF2B5EF4-FFF2-40B4-BE49-F238E27FC236}">
-                <a16:creationId xmlns:a16="http://schemas.microsoft.com/office/drawing/2014/main" id="{49533B93-D2FE-4613-B9E1-217B8C150D24}"/>
-              </a:ext>
-            </a:extLst>
-          </p:cNvPr>
-          <p:cNvPicPr>
-            <a:picLocks noChangeAspect="1"/>
-          </p:cNvPicPr>
-          <p:nvPr/>
-        </p:nvPicPr>
-        <p:blipFill>
-          <a:blip r:embed="rId2"/>
-          <a:stretch>
-            <a:fillRect/>
-          </a:stretch>
-        </p:blipFill>
-        <p:spPr>
-          <a:xfrm>
-            <a:off x="638175" y="269047"/>
-            <a:ext cx="10039350" cy="6223828"/>
-          </a:xfrm>
-          <a:prstGeom prst="rect">
-            <a:avLst/>
-          </a:prstGeom>
-        </p:spPr>
-      </p:pic>
-    </p:spTree>
-    <p:extLst>
-      <p:ext uri="{BB962C8B-B14F-4D97-AF65-F5344CB8AC3E}">
-        <p14:creationId xmlns:p14="http://schemas.microsoft.com/office/powerpoint/2010/main" val="1467973923"/>
-      </p:ext>
-    </p:extLst>
-  </p:cSld>
-  <p:clrMapOvr>
-    <a:masterClrMapping/>
-  </p:clrMapOvr>
-</p:sld>
-</file>
-
-<file path=ppt/slides/slide53.xml><?xml version="1.0" encoding="utf-8"?>
-<p:sld xmlns:a="http://schemas.openxmlformats.org/drawingml/2006/main" xmlns:r="http://schemas.openxmlformats.org/officeDocument/2006/relationships" xmlns:p="http://schemas.openxmlformats.org/presentationml/2006/main">
-  <p:cSld>
-    <p:spTree>
-      <p:nvGrpSpPr>
-        <p:cNvPr id="1" name=""/>
-        <p:cNvGrpSpPr/>
-        <p:nvPr/>
-      </p:nvGrpSpPr>
-      <p:grpSpPr>
-        <a:xfrm>
-          <a:off x="0" y="0"/>
-          <a:ext cx="0" cy="0"/>
-          <a:chOff x="0" y="0"/>
-          <a:chExt cx="0" cy="0"/>
-        </a:xfrm>
-      </p:grpSpPr>
-      <p:sp>
-        <p:nvSpPr>
-          <p:cNvPr id="3" name="Title 2">
-            <a:extLst>
-              <a:ext uri="{FF2B5EF4-FFF2-40B4-BE49-F238E27FC236}">
-                <a16:creationId xmlns:a16="http://schemas.microsoft.com/office/drawing/2014/main" id="{3C4AB454-D70A-4CD2-A386-387CA35C6C9C}"/>
-              </a:ext>
-            </a:extLst>
-          </p:cNvPr>
-          <p:cNvSpPr>
-            <a:spLocks noGrp="1"/>
-          </p:cNvSpPr>
-          <p:nvPr>
-            <p:ph type="title"/>
-          </p:nvPr>
-        </p:nvSpPr>
-        <p:spPr>
-          <a:xfrm>
-            <a:off x="1009650" y="1031266"/>
-            <a:ext cx="3931920" cy="1398270"/>
-          </a:xfrm>
-        </p:spPr>
-        <p:txBody>
-          <a:bodyPr/>
-          <a:lstStyle/>
-          <a:p>
-            <a:r>
-              <a:rPr lang="fr-FR" sz="3200" dirty="0"/>
-              <a:t>La tâche de fonds périodique</a:t>
-            </a:r>
-          </a:p>
-        </p:txBody>
-      </p:sp>
-      <p:sp>
-        <p:nvSpPr>
-          <p:cNvPr id="5" name="Text Placeholder 4">
-            <a:extLst>
-              <a:ext uri="{FF2B5EF4-FFF2-40B4-BE49-F238E27FC236}">
-                <a16:creationId xmlns:a16="http://schemas.microsoft.com/office/drawing/2014/main" id="{79B0202E-6205-4F11-A66A-033E40E42508}"/>
-              </a:ext>
-            </a:extLst>
-          </p:cNvPr>
-          <p:cNvSpPr>
-            <a:spLocks noGrp="1"/>
-          </p:cNvSpPr>
-          <p:nvPr>
-            <p:ph type="body" sz="half" idx="2"/>
-          </p:nvPr>
-        </p:nvSpPr>
-        <p:spPr>
-          <a:xfrm>
-            <a:off x="1038224" y="2675144"/>
-            <a:ext cx="3865246" cy="3374777"/>
-          </a:xfrm>
-        </p:spPr>
-        <p:txBody>
-          <a:bodyPr>
-            <a:noAutofit/>
-          </a:bodyPr>
-          <a:lstStyle/>
-          <a:p>
-            <a:pPr algn="just"/>
-            <a:r>
-              <a:rPr lang="fr-FR" dirty="0"/>
-              <a:t>myscheduler.py</a:t>
-            </a:r>
-          </a:p>
-          <a:p>
-            <a:pPr algn="just"/>
-            <a:r>
-              <a:rPr lang="fr-FR" dirty="0"/>
-              <a:t>Tâche de fonds périodique</a:t>
-            </a:r>
-            <a:r>
-              <a:rPr lang="fr-FR" dirty="0">
-                <a:solidFill>
-                  <a:srgbClr val="4A66AC"/>
-                </a:solidFill>
-              </a:rPr>
-              <a:t> qui s’exécute dans le fonds à intervalle régulière avec l’extension apscheduler.</a:t>
-            </a:r>
-          </a:p>
-          <a:p>
-            <a:pPr algn="just"/>
-            <a:r>
-              <a:rPr lang="fr-FR" dirty="0">
-                <a:solidFill>
-                  <a:srgbClr val="4A66AC"/>
-                </a:solidFill>
-              </a:rPr>
-              <a:t>Cette tâche est lancée en même temps que l’application Flask via le module app_plus_scheduler.py.</a:t>
-            </a:r>
-          </a:p>
-          <a:p>
-            <a:pPr algn="just"/>
-            <a:r>
-              <a:rPr lang="fr-FR" dirty="0">
-                <a:solidFill>
-                  <a:srgbClr val="4A66AC"/>
-                </a:solidFill>
-              </a:rPr>
-              <a:t>Elle s’exécute une 1</a:t>
-            </a:r>
-            <a:r>
-              <a:rPr lang="fr-FR" baseline="30000" dirty="0">
-                <a:solidFill>
-                  <a:srgbClr val="4A66AC"/>
-                </a:solidFill>
-              </a:rPr>
-              <a:t>ière</a:t>
-            </a:r>
-            <a:r>
-              <a:rPr lang="fr-FR" dirty="0">
-                <a:solidFill>
-                  <a:srgbClr val="4A66AC"/>
-                </a:solidFill>
-              </a:rPr>
-              <a:t> fois directement au lancement et ensuite par intervalles, dans notre cas toutes les 60 minutes.</a:t>
-            </a:r>
-          </a:p>
-          <a:p>
-            <a:pPr algn="just"/>
-            <a:endParaRPr lang="fr-FR" dirty="0"/>
-          </a:p>
-        </p:txBody>
-      </p:sp>
-      <p:sp>
-        <p:nvSpPr>
-          <p:cNvPr id="2" name="Slide Number Placeholder 1">
-            <a:extLst>
-              <a:ext uri="{FF2B5EF4-FFF2-40B4-BE49-F238E27FC236}">
-                <a16:creationId xmlns:a16="http://schemas.microsoft.com/office/drawing/2014/main" id="{8D70FDCB-5278-4CF3-8A2A-ACB5F9ED2E45}"/>
-              </a:ext>
-            </a:extLst>
-          </p:cNvPr>
-          <p:cNvSpPr>
-            <a:spLocks noGrp="1"/>
-          </p:cNvSpPr>
-          <p:nvPr>
-            <p:ph type="sldNum" sz="quarter" idx="12"/>
-          </p:nvPr>
-        </p:nvSpPr>
-        <p:spPr/>
-        <p:txBody>
-          <a:bodyPr/>
-          <a:lstStyle/>
-          <a:p>
-            <a:fld id="{C52ED629-2BC0-4D25-969E-9ED78B40D7C7}" type="slidenum">
-              <a:rPr lang="fr-FR" smtClean="0"/>
-              <a:t>53</a:t>
-            </a:fld>
-            <a:endParaRPr lang="fr-FR"/>
-          </a:p>
-        </p:txBody>
-      </p:sp>
-      <p:pic>
-        <p:nvPicPr>
-          <p:cNvPr id="6" name="Picture 5">
-            <a:extLst>
-              <a:ext uri="{FF2B5EF4-FFF2-40B4-BE49-F238E27FC236}">
-                <a16:creationId xmlns:a16="http://schemas.microsoft.com/office/drawing/2014/main" id="{BBC9E1B5-1573-4CD8-808D-3172D21F2A4C}"/>
-              </a:ext>
-            </a:extLst>
-          </p:cNvPr>
-          <p:cNvPicPr>
-            <a:picLocks noChangeAspect="1"/>
-          </p:cNvPicPr>
-          <p:nvPr/>
-        </p:nvPicPr>
-        <p:blipFill>
-          <a:blip r:embed="rId2"/>
-          <a:stretch>
-            <a:fillRect/>
-          </a:stretch>
-        </p:blipFill>
-        <p:spPr>
-          <a:xfrm>
-            <a:off x="5359328" y="1345157"/>
-            <a:ext cx="6138730" cy="3600000"/>
-          </a:xfrm>
-          <a:prstGeom prst="rect">
-            <a:avLst/>
-          </a:prstGeom>
-        </p:spPr>
-      </p:pic>
-    </p:spTree>
-    <p:extLst>
-      <p:ext uri="{BB962C8B-B14F-4D97-AF65-F5344CB8AC3E}">
-        <p14:creationId xmlns:p14="http://schemas.microsoft.com/office/powerpoint/2010/main" val="3290733965"/>
-      </p:ext>
-    </p:extLst>
-  </p:cSld>
-  <p:clrMapOvr>
-    <a:masterClrMapping/>
-  </p:clrMapOvr>
-</p:sld>
-</file>
-
-<file path=ppt/slides/slide54.xml><?xml version="1.0" encoding="utf-8"?>
-<p:sld xmlns:a="http://schemas.openxmlformats.org/drawingml/2006/main" xmlns:r="http://schemas.openxmlformats.org/officeDocument/2006/relationships" xmlns:p="http://schemas.openxmlformats.org/presentationml/2006/main">
-  <p:cSld>
-    <p:spTree>
-      <p:nvGrpSpPr>
-        <p:cNvPr id="1" name=""/>
-        <p:cNvGrpSpPr/>
-        <p:nvPr/>
-      </p:nvGrpSpPr>
-      <p:grpSpPr>
-        <a:xfrm>
-          <a:off x="0" y="0"/>
-          <a:ext cx="0" cy="0"/>
-          <a:chOff x="0" y="0"/>
-          <a:chExt cx="0" cy="0"/>
-        </a:xfrm>
-      </p:grpSpPr>
-      <p:sp>
-        <p:nvSpPr>
-          <p:cNvPr id="2" name="Title 1">
-            <a:extLst>
-              <a:ext uri="{FF2B5EF4-FFF2-40B4-BE49-F238E27FC236}">
-                <a16:creationId xmlns:a16="http://schemas.microsoft.com/office/drawing/2014/main" id="{2D9BE37F-9AF0-44C0-886D-14D92A5E9052}"/>
-              </a:ext>
-            </a:extLst>
-          </p:cNvPr>
-          <p:cNvSpPr>
-            <a:spLocks noGrp="1"/>
-          </p:cNvSpPr>
-          <p:nvPr>
-            <p:ph type="title"/>
-          </p:nvPr>
-        </p:nvSpPr>
-        <p:spPr>
-          <a:xfrm>
-            <a:off x="1143000" y="609600"/>
-            <a:ext cx="9875520" cy="704850"/>
-          </a:xfrm>
-        </p:spPr>
-        <p:txBody>
-          <a:bodyPr/>
-          <a:lstStyle/>
-          <a:p>
-            <a:r>
-              <a:rPr lang="fr-FR" dirty="0"/>
-              <a:t>Conclusion</a:t>
-            </a:r>
-          </a:p>
-        </p:txBody>
-      </p:sp>
-      <p:sp>
-        <p:nvSpPr>
-          <p:cNvPr id="3" name="Content Placeholder 2">
-            <a:extLst>
-              <a:ext uri="{FF2B5EF4-FFF2-40B4-BE49-F238E27FC236}">
-                <a16:creationId xmlns:a16="http://schemas.microsoft.com/office/drawing/2014/main" id="{CE097B3D-BE10-49DA-8991-C23783BC9299}"/>
-              </a:ext>
-            </a:extLst>
-          </p:cNvPr>
-          <p:cNvSpPr>
-            <a:spLocks noGrp="1"/>
-          </p:cNvSpPr>
-          <p:nvPr>
-            <p:ph idx="1"/>
-          </p:nvPr>
-        </p:nvSpPr>
-        <p:spPr>
-          <a:xfrm>
-            <a:off x="1143000" y="1457325"/>
-            <a:ext cx="9872871" cy="4638675"/>
-          </a:xfrm>
-        </p:spPr>
-        <p:txBody>
-          <a:bodyPr>
-            <a:normAutofit/>
-          </a:bodyPr>
-          <a:lstStyle/>
-          <a:p>
-            <a:pPr marL="45720" indent="0" algn="just">
-              <a:buNone/>
-            </a:pPr>
-            <a:r>
-              <a:rPr lang="fr-FR" dirty="0"/>
-              <a:t>L’application web est en ligne avec la partie principale du backend en fonction (historisation et recherche), tout en ayant rempli un certains nombres de tests et de critères concernant le code.</a:t>
-            </a:r>
-          </a:p>
-          <a:p>
-            <a:pPr marL="45720" indent="0">
-              <a:buNone/>
-            </a:pPr>
-            <a:r>
-              <a:rPr lang="fr-FR" dirty="0"/>
-              <a:t>Vu la durée du stage (2 mois) et le temps nécessaire pour me former reste à faire :</a:t>
-            </a:r>
-          </a:p>
-          <a:p>
-            <a:pPr>
-              <a:buFont typeface="Wingdings" panose="05000000000000000000" pitchFamily="2" charset="2"/>
-              <a:buChar char="§"/>
-            </a:pPr>
-            <a:r>
-              <a:rPr lang="fr-FR" dirty="0"/>
-              <a:t>Compléter le Backend.</a:t>
-            </a:r>
-          </a:p>
-          <a:p>
-            <a:pPr>
-              <a:buFont typeface="Wingdings" panose="05000000000000000000" pitchFamily="2" charset="2"/>
-              <a:buChar char="§"/>
-            </a:pPr>
-            <a:r>
-              <a:rPr lang="fr-FR" dirty="0"/>
-              <a:t>Le Frontend : L’</a:t>
-            </a:r>
-            <a:r>
-              <a:rPr lang="fr-FR" dirty="0" err="1"/>
-              <a:t>authentication</a:t>
-            </a:r>
-            <a:r>
-              <a:rPr lang="fr-FR" dirty="0"/>
-              <a:t>.</a:t>
-            </a:r>
-          </a:p>
-          <a:p>
-            <a:pPr>
-              <a:buFont typeface="Wingdings" panose="05000000000000000000" pitchFamily="2" charset="2"/>
-              <a:buChar char="§"/>
-            </a:pPr>
-            <a:r>
-              <a:rPr lang="fr-FR" dirty="0"/>
-              <a:t>Mettre en place une base de données SAP Hana.</a:t>
-            </a:r>
-            <a:endParaRPr lang="fr-FR" b="1" dirty="0"/>
-          </a:p>
-        </p:txBody>
-      </p:sp>
-      <p:sp>
-        <p:nvSpPr>
-          <p:cNvPr id="4" name="Slide Number Placeholder 3">
-            <a:extLst>
-              <a:ext uri="{FF2B5EF4-FFF2-40B4-BE49-F238E27FC236}">
-                <a16:creationId xmlns:a16="http://schemas.microsoft.com/office/drawing/2014/main" id="{E2D53EDA-94B6-4BC2-9CF2-C2CE6F0E0F88}"/>
-              </a:ext>
-            </a:extLst>
-          </p:cNvPr>
-          <p:cNvSpPr>
-            <a:spLocks noGrp="1"/>
-          </p:cNvSpPr>
-          <p:nvPr>
-            <p:ph type="sldNum" sz="quarter" idx="12"/>
-          </p:nvPr>
-        </p:nvSpPr>
-        <p:spPr/>
-        <p:txBody>
-          <a:bodyPr/>
-          <a:lstStyle/>
-          <a:p>
-            <a:fld id="{C52ED629-2BC0-4D25-969E-9ED78B40D7C7}" type="slidenum">
-              <a:rPr lang="fr-FR" smtClean="0"/>
-              <a:t>54</a:t>
-            </a:fld>
-            <a:endParaRPr lang="fr-FR"/>
-          </a:p>
-        </p:txBody>
-      </p:sp>
-    </p:spTree>
-    <p:extLst>
-      <p:ext uri="{BB962C8B-B14F-4D97-AF65-F5344CB8AC3E}">
-        <p14:creationId xmlns:p14="http://schemas.microsoft.com/office/powerpoint/2010/main" val="898043026"/>
       </p:ext>
     </p:extLst>
   </p:cSld>
@@ -17512,12 +18531,6 @@
 </file>
 
 <file path=customXml/item1.xml><?xml version="1.0" encoding="utf-8"?>
-<p:properties xmlns:p="http://schemas.microsoft.com/office/2006/metadata/properties" xmlns:xsi="http://www.w3.org/2001/XMLSchema-instance" xmlns:pc="http://schemas.microsoft.com/office/infopath/2007/PartnerControls">
-  <documentManagement/>
-</p:properties>
-</file>
-
-<file path=customXml/item2.xml><?xml version="1.0" encoding="utf-8"?>
 <ct:contentTypeSchema xmlns:ct="http://schemas.microsoft.com/office/2006/metadata/contentType" xmlns:ma="http://schemas.microsoft.com/office/2006/metadata/properties/metaAttributes" ct:_="" ma:_="" ma:contentTypeName="Document" ma:contentTypeID="0x010100CA2FD6F1506F564BB79A97F9C245AD34" ma:contentTypeVersion="11" ma:contentTypeDescription="Create a new document." ma:contentTypeScope="" ma:versionID="62e164dc57e6337fb0bd5548eaf0c6d8">
   <xsd:schema xmlns:xsd="http://www.w3.org/2001/XMLSchema" xmlns:xs="http://www.w3.org/2001/XMLSchema" xmlns:p="http://schemas.microsoft.com/office/2006/metadata/properties" xmlns:ns3="386f4720-9db4-4950-8ffd-cd1ef4b846d5" xmlns:ns4="025efd7d-4e1d-49ec-b269-b81537660960" targetNamespace="http://schemas.microsoft.com/office/2006/metadata/properties" ma:root="true" ma:fieldsID="2653329da7d3ee0d0965a72fb4ee83ab" ns3:_="" ns4:_="">
     <xsd:import namespace="386f4720-9db4-4950-8ffd-cd1ef4b846d5"/>
@@ -17726,7 +18739,7 @@
 </ct:contentTypeSchema>
 </file>
 
-<file path=customXml/item3.xml><?xml version="1.0" encoding="utf-8"?>
+<file path=customXml/item2.xml><?xml version="1.0" encoding="utf-8"?>
 <?mso-contentType ?>
 <FormTemplates xmlns="http://schemas.microsoft.com/sharepoint/v3/contenttype/forms">
   <Display>DocumentLibraryForm</Display>
@@ -17735,24 +18748,13 @@
 </FormTemplates>
 </file>
 
-<file path=customXml/itemProps1.xml><?xml version="1.0" encoding="utf-8"?>
-<ds:datastoreItem xmlns:ds="http://schemas.openxmlformats.org/officeDocument/2006/customXml" ds:itemID="{F277AA4F-207B-4045-A452-6C98BA7AB2BD}">
-  <ds:schemaRefs>
-    <ds:schemaRef ds:uri="025efd7d-4e1d-49ec-b269-b81537660960"/>
-    <ds:schemaRef ds:uri="http://schemas.microsoft.com/office/2006/metadata/properties"/>
-    <ds:schemaRef ds:uri="http://www.w3.org/XML/1998/namespace"/>
-    <ds:schemaRef ds:uri="http://purl.org/dc/dcmitype/"/>
-    <ds:schemaRef ds:uri="386f4720-9db4-4950-8ffd-cd1ef4b846d5"/>
-    <ds:schemaRef ds:uri="http://purl.org/dc/elements/1.1/"/>
-    <ds:schemaRef ds:uri="http://schemas.microsoft.com/office/2006/documentManagement/types"/>
-    <ds:schemaRef ds:uri="http://schemas.microsoft.com/office/infopath/2007/PartnerControls"/>
-    <ds:schemaRef ds:uri="http://schemas.openxmlformats.org/package/2006/metadata/core-properties"/>
-    <ds:schemaRef ds:uri="http://purl.org/dc/terms/"/>
-  </ds:schemaRefs>
-</ds:datastoreItem>
+<file path=customXml/item3.xml><?xml version="1.0" encoding="utf-8"?>
+<p:properties xmlns:p="http://schemas.microsoft.com/office/2006/metadata/properties" xmlns:xsi="http://www.w3.org/2001/XMLSchema-instance" xmlns:pc="http://schemas.microsoft.com/office/infopath/2007/PartnerControls">
+  <documentManagement/>
+</p:properties>
 </file>
 
-<file path=customXml/itemProps2.xml><?xml version="1.0" encoding="utf-8"?>
+<file path=customXml/itemProps1.xml><?xml version="1.0" encoding="utf-8"?>
 <ds:datastoreItem xmlns:ds="http://schemas.openxmlformats.org/officeDocument/2006/customXml" ds:itemID="{92BA7C88-2CFC-403E-9565-3952D53463F0}">
   <ds:schemaRefs>
     <ds:schemaRef ds:uri="http://schemas.microsoft.com/office/2006/metadata/contentType"/>
@@ -17771,10 +18773,27 @@
 </ds:datastoreItem>
 </file>
 
-<file path=customXml/itemProps3.xml><?xml version="1.0" encoding="utf-8"?>
+<file path=customXml/itemProps2.xml><?xml version="1.0" encoding="utf-8"?>
 <ds:datastoreItem xmlns:ds="http://schemas.openxmlformats.org/officeDocument/2006/customXml" ds:itemID="{FA2ECFDE-CCCD-4184-981F-FCB1A88E5D9B}">
   <ds:schemaRefs>
     <ds:schemaRef ds:uri="http://schemas.microsoft.com/sharepoint/v3/contenttype/forms"/>
   </ds:schemaRefs>
 </ds:datastoreItem>
+</file>
+
+<file path=customXml/itemProps3.xml><?xml version="1.0" encoding="utf-8"?>
+<ds:datastoreItem xmlns:ds="http://schemas.openxmlformats.org/officeDocument/2006/customXml" ds:itemID="{F277AA4F-207B-4045-A452-6C98BA7AB2BD}">
+  <ds:schemaRefs>
+    <ds:schemaRef ds:uri="386f4720-9db4-4950-8ffd-cd1ef4b846d5"/>
+    <ds:schemaRef ds:uri="025efd7d-4e1d-49ec-b269-b81537660960"/>
+    <ds:schemaRef ds:uri="http://schemas.openxmlformats.org/package/2006/metadata/core-properties"/>
+    <ds:schemaRef ds:uri="http://www.w3.org/XML/1998/namespace"/>
+    <ds:schemaRef ds:uri="http://purl.org/dc/terms/"/>
+    <ds:schemaRef ds:uri="http://purl.org/dc/elements/1.1/"/>
+    <ds:schemaRef ds:uri="http://purl.org/dc/dcmitype/"/>
+    <ds:schemaRef ds:uri="http://schemas.microsoft.com/office/2006/documentManagement/types"/>
+    <ds:schemaRef ds:uri="http://schemas.microsoft.com/office/infopath/2007/PartnerControls"/>
+    <ds:schemaRef ds:uri="http://schemas.microsoft.com/office/2006/metadata/properties"/>
+  </ds:schemaRefs>
+</ds:datastoreItem>
 </file>
--- a/rapport.PPTX
+++ b/rapport.PPTX
@@ -15961,10 +15961,10 @@
       </p:pic>
       <p:pic>
         <p:nvPicPr>
-          <p:cNvPr id="8" name="Picture 7">
-            <a:extLst>
-              <a:ext uri="{FF2B5EF4-FFF2-40B4-BE49-F238E27FC236}">
-                <a16:creationId xmlns:a16="http://schemas.microsoft.com/office/drawing/2014/main" id="{199D3504-84A0-41F1-9D8A-93B2C8731A7D}"/>
+          <p:cNvPr id="5" name="Picture 4">
+            <a:extLst>
+              <a:ext uri="{FF2B5EF4-FFF2-40B4-BE49-F238E27FC236}">
+                <a16:creationId xmlns:a16="http://schemas.microsoft.com/office/drawing/2014/main" id="{C3C00B62-534C-4027-BAEC-393974D02BF4}"/>
               </a:ext>
             </a:extLst>
           </p:cNvPr>
@@ -15981,8 +15981,8 @@
         </p:blipFill>
         <p:spPr>
           <a:xfrm>
-            <a:off x="749704" y="2875062"/>
-            <a:ext cx="5346296" cy="2522275"/>
+            <a:off x="613733" y="2913423"/>
+            <a:ext cx="7278116" cy="3572374"/>
           </a:xfrm>
           <a:prstGeom prst="rect">
             <a:avLst/>

--- a/rapport.PPTX
+++ b/rapport.PPTX
@@ -5,10 +5,10 @@
     <p:sldMasterId id="2147483876" r:id="rId4"/>
   </p:sldMasterIdLst>
   <p:notesMasterIdLst>
-    <p:notesMasterId r:id="rId53"/>
+    <p:notesMasterId r:id="rId60"/>
   </p:notesMasterIdLst>
   <p:handoutMasterIdLst>
-    <p:handoutMasterId r:id="rId54"/>
+    <p:handoutMasterId r:id="rId61"/>
   </p:handoutMasterIdLst>
   <p:sldIdLst>
     <p:sldId id="256" r:id="rId5"/>
@@ -57,8 +57,15 @@
     <p:sldId id="388" r:id="rId48"/>
     <p:sldId id="389" r:id="rId49"/>
     <p:sldId id="390" r:id="rId50"/>
-    <p:sldId id="347" r:id="rId51"/>
-    <p:sldId id="303" r:id="rId52"/>
+    <p:sldId id="391" r:id="rId51"/>
+    <p:sldId id="392" r:id="rId52"/>
+    <p:sldId id="393" r:id="rId53"/>
+    <p:sldId id="394" r:id="rId54"/>
+    <p:sldId id="395" r:id="rId55"/>
+    <p:sldId id="396" r:id="rId56"/>
+    <p:sldId id="397" r:id="rId57"/>
+    <p:sldId id="347" r:id="rId58"/>
+    <p:sldId id="303" r:id="rId59"/>
   </p:sldIdLst>
   <p:sldSz cx="12192000" cy="6858000"/>
   <p:notesSz cx="6858000" cy="9926638"/>
@@ -240,6 +247,13 @@
             <p14:sldId id="388"/>
             <p14:sldId id="389"/>
             <p14:sldId id="390"/>
+            <p14:sldId id="391"/>
+            <p14:sldId id="392"/>
+            <p14:sldId id="393"/>
+            <p14:sldId id="394"/>
+            <p14:sldId id="395"/>
+            <p14:sldId id="396"/>
+            <p14:sldId id="397"/>
             <p14:sldId id="347"/>
           </p14:sldIdLst>
         </p14:section>
@@ -374,7 +388,7 @@
           <a:p>
             <a:fld id="{8E9E7A7A-AB17-487C-9EC3-81C5DE33C772}" type="datetimeFigureOut">
               <a:rPr lang="fr-FR" smtClean="0"/>
-              <a:t>09/09/2021</a:t>
+              <a:t>14/09/2021</a:t>
             </a:fld>
             <a:endParaRPr lang="fr-FR"/>
           </a:p>
@@ -552,7 +566,7 @@
           <a:p>
             <a:fld id="{4A3D6330-6607-4266-91C5-92E4A45F29CC}" type="datetimeFigureOut">
               <a:rPr lang="fr-FR" smtClean="0"/>
-              <a:t>09/09/2021</a:t>
+              <a:t>14/09/2021</a:t>
             </a:fld>
             <a:endParaRPr lang="fr-FR"/>
           </a:p>
@@ -1891,7 +1905,7 @@
           <a:p>
             <a:fld id="{FF5FEE95-2E83-4D45-987C-F0DA7B5E64B4}" type="datetime1">
               <a:rPr lang="fr-FR" smtClean="0"/>
-              <a:t>09/09/2021</a:t>
+              <a:t>14/09/2021</a:t>
             </a:fld>
             <a:endParaRPr lang="fr-FR"/>
           </a:p>
@@ -2113,7 +2127,7 @@
           <a:p>
             <a:fld id="{FF5FEE95-2E83-4D45-987C-F0DA7B5E64B4}" type="datetime1">
               <a:rPr lang="fr-FR" smtClean="0"/>
-              <a:t>09/09/2021</a:t>
+              <a:t>14/09/2021</a:t>
             </a:fld>
             <a:endParaRPr lang="fr-FR"/>
           </a:p>
@@ -2294,7 +2308,7 @@
           <a:p>
             <a:fld id="{FF5FEE95-2E83-4D45-987C-F0DA7B5E64B4}" type="datetime1">
               <a:rPr lang="fr-FR" smtClean="0"/>
-              <a:t>09/09/2021</a:t>
+              <a:t>14/09/2021</a:t>
             </a:fld>
             <a:endParaRPr lang="fr-FR"/>
           </a:p>
@@ -2465,7 +2479,7 @@
           <a:p>
             <a:fld id="{FF5FEE95-2E83-4D45-987C-F0DA7B5E64B4}" type="datetime1">
               <a:rPr lang="fr-FR" smtClean="0"/>
-              <a:t>09/09/2021</a:t>
+              <a:t>14/09/2021</a:t>
             </a:fld>
             <a:endParaRPr lang="fr-FR"/>
           </a:p>
@@ -2717,7 +2731,7 @@
           <a:p>
             <a:fld id="{FF5FEE95-2E83-4D45-987C-F0DA7B5E64B4}" type="datetime1">
               <a:rPr lang="fr-FR" smtClean="0"/>
-              <a:t>09/09/2021</a:t>
+              <a:t>14/09/2021</a:t>
             </a:fld>
             <a:endParaRPr lang="fr-FR"/>
           </a:p>
@@ -3041,7 +3055,7 @@
           <a:p>
             <a:fld id="{FF5FEE95-2E83-4D45-987C-F0DA7B5E64B4}" type="datetime1">
               <a:rPr lang="fr-FR" smtClean="0"/>
-              <a:t>09/09/2021</a:t>
+              <a:t>14/09/2021</a:t>
             </a:fld>
             <a:endParaRPr lang="fr-FR"/>
           </a:p>
@@ -3466,7 +3480,7 @@
           <a:p>
             <a:fld id="{FF5FEE95-2E83-4D45-987C-F0DA7B5E64B4}" type="datetime1">
               <a:rPr lang="fr-FR" smtClean="0"/>
-              <a:t>09/09/2021</a:t>
+              <a:t>14/09/2021</a:t>
             </a:fld>
             <a:endParaRPr lang="fr-FR"/>
           </a:p>
@@ -3585,7 +3599,7 @@
           <a:p>
             <a:fld id="{FF5FEE95-2E83-4D45-987C-F0DA7B5E64B4}" type="datetime1">
               <a:rPr lang="fr-FR" smtClean="0"/>
-              <a:t>09/09/2021</a:t>
+              <a:t>14/09/2021</a:t>
             </a:fld>
             <a:endParaRPr lang="fr-FR"/>
           </a:p>
@@ -3681,7 +3695,7 @@
           <a:p>
             <a:fld id="{FF5FEE95-2E83-4D45-987C-F0DA7B5E64B4}" type="datetime1">
               <a:rPr lang="fr-FR" smtClean="0"/>
-              <a:t>09/09/2021</a:t>
+              <a:t>14/09/2021</a:t>
             </a:fld>
             <a:endParaRPr lang="fr-FR"/>
           </a:p>
@@ -3972,7 +3986,7 @@
           <a:p>
             <a:fld id="{FF5FEE95-2E83-4D45-987C-F0DA7B5E64B4}" type="datetime1">
               <a:rPr lang="fr-FR" smtClean="0"/>
-              <a:t>09/09/2021</a:t>
+              <a:t>14/09/2021</a:t>
             </a:fld>
             <a:endParaRPr lang="fr-FR"/>
           </a:p>
@@ -4245,7 +4259,7 @@
           <a:p>
             <a:fld id="{FF5FEE95-2E83-4D45-987C-F0DA7B5E64B4}" type="datetime1">
               <a:rPr lang="fr-FR" smtClean="0"/>
-              <a:t>09/09/2021</a:t>
+              <a:t>14/09/2021</a:t>
             </a:fld>
             <a:endParaRPr lang="fr-FR"/>
           </a:p>
@@ -4500,7 +4514,7 @@
           <a:p>
             <a:fld id="{FF5FEE95-2E83-4D45-987C-F0DA7B5E64B4}" type="datetime1">
               <a:rPr lang="fr-FR" smtClean="0"/>
-              <a:t>09/09/2021</a:t>
+              <a:t>14/09/2021</a:t>
             </a:fld>
             <a:endParaRPr lang="fr-FR"/>
           </a:p>
@@ -9808,7 +9822,7 @@
                 <a:ea typeface="+mn-lt"/>
                 <a:cs typeface="+mn-lt"/>
               </a:rPr>
-              <a:t>Diagrammes de séquences « List  » + code ……………………......p. 54</a:t>
+              <a:t>Diagrammes de séquences « List  » + code ……………………......p. 29</a:t>
             </a:r>
           </a:p>
           <a:p>
@@ -9821,7 +9835,7 @@
                 <a:ea typeface="+mn-lt"/>
                 <a:cs typeface="+mn-lt"/>
               </a:rPr>
-              <a:t>Tâche de fonds périodique (scheduler) ………………………………p. 55</a:t>
+              <a:t>Tous Les Pages en Front et Backend………………………..………..p. 30</a:t>
             </a:r>
           </a:p>
           <a:p>
@@ -9834,110 +9848,21 @@
                 <a:ea typeface="+mn-lt"/>
                 <a:cs typeface="+mn-lt"/>
               </a:rPr>
-              <a:t>Lancement application + </a:t>
+              <a:t>Les taches de fond </a:t>
             </a:r>
             <a:r>
               <a:rPr lang="fr-FR" sz="1600" dirty="0" err="1">
                 <a:ea typeface="+mn-lt"/>
                 <a:cs typeface="+mn-lt"/>
               </a:rPr>
-              <a:t>scheduler</a:t>
+              <a:t>periodique</a:t>
             </a:r>
             <a:r>
               <a:rPr lang="fr-FR" sz="1600" dirty="0">
                 <a:ea typeface="+mn-lt"/>
                 <a:cs typeface="+mn-lt"/>
               </a:rPr>
-              <a:t> …………………………………..p. 56</a:t>
-            </a:r>
-          </a:p>
-          <a:p>
-            <a:pPr lvl="2">
-              <a:buFont typeface="Wingdings" panose="05000000000000000000" pitchFamily="2" charset="2"/>
-              <a:buChar char="§"/>
-            </a:pPr>
-            <a:r>
-              <a:rPr lang="fr-FR" sz="1600" dirty="0">
-                <a:ea typeface="+mn-lt"/>
-                <a:cs typeface="+mn-lt"/>
-              </a:rPr>
-              <a:t>Déploiement dans Cloud </a:t>
-            </a:r>
-            <a:r>
-              <a:rPr lang="fr-FR" sz="1600" dirty="0" err="1">
-                <a:ea typeface="+mn-lt"/>
-                <a:cs typeface="+mn-lt"/>
-              </a:rPr>
-              <a:t>Foundry</a:t>
-            </a:r>
-            <a:r>
-              <a:rPr lang="fr-FR" sz="1600" dirty="0">
-                <a:ea typeface="+mn-lt"/>
-                <a:cs typeface="+mn-lt"/>
-              </a:rPr>
-              <a:t> …………………………………….p. 57</a:t>
-            </a:r>
-          </a:p>
-          <a:p>
-            <a:pPr marL="560070" indent="-514350">
-              <a:buFont typeface="+mj-lt"/>
-              <a:buAutoNum type="romanUcPeriod" startAt="7"/>
-            </a:pPr>
-            <a:r>
-              <a:rPr lang="fr-FR" sz="2000" dirty="0">
-                <a:ea typeface="+mn-lt"/>
-                <a:cs typeface="+mn-lt"/>
-              </a:rPr>
-              <a:t>Tests et Contrôles</a:t>
-            </a:r>
-            <a:br>
-              <a:rPr lang="fr-FR" sz="2000" dirty="0">
-                <a:ea typeface="+mn-lt"/>
-                <a:cs typeface="+mn-lt"/>
-              </a:rPr>
-            </a:br>
-            <a:endParaRPr lang="fr-FR" sz="2000" dirty="0">
-              <a:ea typeface="+mn-lt"/>
-              <a:cs typeface="+mn-lt"/>
-            </a:endParaRPr>
-          </a:p>
-          <a:p>
-            <a:pPr lvl="2">
-              <a:buFont typeface="Wingdings" panose="05000000000000000000" pitchFamily="2" charset="2"/>
-              <a:buChar char="§"/>
-            </a:pPr>
-            <a:r>
-              <a:rPr lang="fr-FR" sz="1600" dirty="0">
-                <a:ea typeface="+mn-lt"/>
-                <a:cs typeface="+mn-lt"/>
-              </a:rPr>
-              <a:t>Intégration continue – workflow  ……………………………………. p. 60</a:t>
-            </a:r>
-          </a:p>
-          <a:p>
-            <a:pPr lvl="2">
-              <a:buFont typeface="Wingdings" panose="05000000000000000000" pitchFamily="2" charset="2"/>
-              <a:buChar char="§"/>
-            </a:pPr>
-            <a:r>
-              <a:rPr lang="fr-FR" sz="1600" dirty="0">
-                <a:ea typeface="+mn-lt"/>
-                <a:cs typeface="+mn-lt"/>
-              </a:rPr>
-              <a:t>Tests unitaires et Coverage – exemples …………………………... p. 62</a:t>
-            </a:r>
-          </a:p>
-          <a:p>
-            <a:pPr lvl="2">
-              <a:buFont typeface="Wingdings" panose="05000000000000000000" pitchFamily="2" charset="2"/>
-              <a:buChar char="§"/>
-            </a:pPr>
-            <a:r>
-              <a:rPr lang="fr-FR" sz="1600" dirty="0">
-                <a:ea typeface="+mn-lt"/>
-                <a:cs typeface="+mn-lt"/>
-              </a:rPr>
-              <a:t>Pylint – qualité du code …………………………………………………. p. 65</a:t>
+              <a:t>……………………………..……………p. 54</a:t>
             </a:r>
           </a:p>
           <a:p>
@@ -9951,7 +9876,7 @@
             </a:r>
             <a:r>
               <a:rPr lang="fr-FR" sz="1600" dirty="0"/>
-              <a:t>…………………………………………………………………. p. 66</a:t>
+              <a:t>…………………………………………………………………. p. 55</a:t>
             </a:r>
             <a:endParaRPr lang="en-US" sz="1600" dirty="0"/>
           </a:p>
@@ -11144,10 +11069,10 @@
       </p:sp>
       <p:pic>
         <p:nvPicPr>
-          <p:cNvPr id="5" name="Picture 4">
-            <a:extLst>
-              <a:ext uri="{FF2B5EF4-FFF2-40B4-BE49-F238E27FC236}">
-                <a16:creationId xmlns:a16="http://schemas.microsoft.com/office/drawing/2014/main" id="{36262389-DB81-4F7A-BC68-B6178DB05AAF}"/>
+          <p:cNvPr id="2" name="Picture 1">
+            <a:extLst>
+              <a:ext uri="{FF2B5EF4-FFF2-40B4-BE49-F238E27FC236}">
+                <a16:creationId xmlns:a16="http://schemas.microsoft.com/office/drawing/2014/main" id="{4681C1D7-9205-40E6-85FD-DEE10F57EBFA}"/>
               </a:ext>
             </a:extLst>
           </p:cNvPr>
@@ -11164,8 +11089,8 @@
         </p:blipFill>
         <p:spPr>
           <a:xfrm>
-            <a:off x="4101290" y="430869"/>
-            <a:ext cx="7833536" cy="6049745"/>
+            <a:off x="4490306" y="708853"/>
+            <a:ext cx="7139719" cy="5514975"/>
           </a:xfrm>
           <a:prstGeom prst="rect">
             <a:avLst/>
@@ -13060,10 +12985,10 @@
       </p:pic>
       <p:pic>
         <p:nvPicPr>
-          <p:cNvPr id="7" name="Picture 6">
-            <a:extLst>
-              <a:ext uri="{FF2B5EF4-FFF2-40B4-BE49-F238E27FC236}">
-                <a16:creationId xmlns:a16="http://schemas.microsoft.com/office/drawing/2014/main" id="{EE498E6F-70DC-4D94-99CB-E316C26BA565}"/>
+          <p:cNvPr id="4" name="Picture 3">
+            <a:extLst>
+              <a:ext uri="{FF2B5EF4-FFF2-40B4-BE49-F238E27FC236}">
+                <a16:creationId xmlns:a16="http://schemas.microsoft.com/office/drawing/2014/main" id="{0F8FB9BE-6E0B-4DB1-87E5-9BB1DBC34358}"/>
               </a:ext>
             </a:extLst>
           </p:cNvPr>
@@ -13080,8 +13005,8 @@
         </p:blipFill>
         <p:spPr>
           <a:xfrm>
-            <a:off x="749705" y="2621954"/>
-            <a:ext cx="5992602" cy="3443510"/>
+            <a:off x="836302" y="2898915"/>
+            <a:ext cx="7487695" cy="2848373"/>
           </a:xfrm>
           <a:prstGeom prst="rect">
             <a:avLst/>
@@ -14094,7 +14019,7 @@
         </p:blipFill>
         <p:spPr>
           <a:xfrm>
-            <a:off x="638493" y="2757406"/>
+            <a:off x="638493" y="2709542"/>
             <a:ext cx="6676707" cy="2088982"/>
           </a:xfrm>
           <a:prstGeom prst="rect">
@@ -16083,10 +16008,10 @@
       </p:sp>
       <p:pic>
         <p:nvPicPr>
-          <p:cNvPr id="2" name="Picture 1">
-            <a:extLst>
-              <a:ext uri="{FF2B5EF4-FFF2-40B4-BE49-F238E27FC236}">
-                <a16:creationId xmlns:a16="http://schemas.microsoft.com/office/drawing/2014/main" id="{DAA68478-6E69-42A6-9AC7-87FBF3177DCE}"/>
+          <p:cNvPr id="3" name="Picture 2">
+            <a:extLst>
+              <a:ext uri="{FF2B5EF4-FFF2-40B4-BE49-F238E27FC236}">
+                <a16:creationId xmlns:a16="http://schemas.microsoft.com/office/drawing/2014/main" id="{104A5F80-D1AC-40EC-9C02-E392A4DD4809}"/>
               </a:ext>
             </a:extLst>
           </p:cNvPr>
@@ -16103,8 +16028,8 @@
         </p:blipFill>
         <p:spPr>
           <a:xfrm>
-            <a:off x="2204374" y="1230906"/>
-            <a:ext cx="7783251" cy="5138310"/>
+            <a:off x="1855599" y="1064152"/>
+            <a:ext cx="8480802" cy="5342238"/>
           </a:xfrm>
           <a:prstGeom prst="rect">
             <a:avLst/>
@@ -16143,137 +16068,10 @@
       </p:grpSpPr>
       <p:sp>
         <p:nvSpPr>
-          <p:cNvPr id="3" name="Title 2">
-            <a:extLst>
-              <a:ext uri="{FF2B5EF4-FFF2-40B4-BE49-F238E27FC236}">
-                <a16:creationId xmlns:a16="http://schemas.microsoft.com/office/drawing/2014/main" id="{3C4AB454-D70A-4CD2-A386-387CA35C6C9C}"/>
-              </a:ext>
-            </a:extLst>
-          </p:cNvPr>
-          <p:cNvSpPr>
-            <a:spLocks noGrp="1"/>
-          </p:cNvSpPr>
-          <p:nvPr>
-            <p:ph type="title"/>
-          </p:nvPr>
-        </p:nvSpPr>
-        <p:spPr>
-          <a:xfrm>
-            <a:off x="1009650" y="1031266"/>
-            <a:ext cx="3931920" cy="1398270"/>
-          </a:xfrm>
-        </p:spPr>
-        <p:txBody>
-          <a:bodyPr/>
-          <a:lstStyle/>
-          <a:p>
-            <a:r>
-              <a:rPr lang="fr-FR" sz="3200" dirty="0"/>
-              <a:t>La tâche de fonds périodique</a:t>
-            </a:r>
-          </a:p>
-        </p:txBody>
-      </p:sp>
-      <p:sp>
-        <p:nvSpPr>
-          <p:cNvPr id="5" name="Text Placeholder 4">
-            <a:extLst>
-              <a:ext uri="{FF2B5EF4-FFF2-40B4-BE49-F238E27FC236}">
-                <a16:creationId xmlns:a16="http://schemas.microsoft.com/office/drawing/2014/main" id="{79B0202E-6205-4F11-A66A-033E40E42508}"/>
-              </a:ext>
-            </a:extLst>
-          </p:cNvPr>
-          <p:cNvSpPr>
-            <a:spLocks noGrp="1"/>
-          </p:cNvSpPr>
-          <p:nvPr>
-            <p:ph type="body" sz="half" idx="2"/>
-          </p:nvPr>
-        </p:nvSpPr>
-        <p:spPr>
-          <a:xfrm>
-            <a:off x="1038224" y="2675144"/>
-            <a:ext cx="3865246" cy="3374777"/>
-          </a:xfrm>
-        </p:spPr>
-        <p:txBody>
-          <a:bodyPr>
-            <a:noAutofit/>
-          </a:bodyPr>
-          <a:lstStyle/>
-          <a:p>
-            <a:pPr algn="just"/>
-            <a:r>
-              <a:rPr lang="fr-FR" dirty="0" err="1"/>
-              <a:t>com.example.task</a:t>
-            </a:r>
-            <a:endParaRPr lang="fr-FR" dirty="0"/>
-          </a:p>
-          <a:p>
-            <a:pPr algn="just"/>
-            <a:r>
-              <a:rPr lang="fr-FR" dirty="0"/>
-              <a:t>Tâche de fonds périodique</a:t>
-            </a:r>
-            <a:r>
-              <a:rPr lang="fr-FR" dirty="0">
-                <a:solidFill>
-                  <a:srgbClr val="4A66AC"/>
-                </a:solidFill>
-              </a:rPr>
-              <a:t> qui s’exécute dans le fonds à intervalle régulière avec l’extension apscheduler.</a:t>
-            </a:r>
-          </a:p>
-          <a:p>
-            <a:pPr algn="just"/>
-            <a:r>
-              <a:rPr lang="fr-FR" dirty="0">
-                <a:solidFill>
-                  <a:srgbClr val="4A66AC"/>
-                </a:solidFill>
-              </a:rPr>
-              <a:t>Cette tâche est lancée en même temps que l’application Flask via le module app_plus_scheduler.py.</a:t>
-            </a:r>
-          </a:p>
-          <a:p>
-            <a:pPr algn="just"/>
-            <a:r>
-              <a:rPr lang="fr-FR" dirty="0">
-                <a:solidFill>
-                  <a:srgbClr val="4A66AC"/>
-                </a:solidFill>
-              </a:rPr>
-              <a:t>Elle s’exécute une 1</a:t>
-            </a:r>
-            <a:r>
-              <a:rPr lang="fr-FR" baseline="30000" dirty="0">
-                <a:solidFill>
-                  <a:srgbClr val="4A66AC"/>
-                </a:solidFill>
-              </a:rPr>
-              <a:t>ière</a:t>
-            </a:r>
-            <a:r>
-              <a:rPr lang="fr-FR" dirty="0">
-                <a:solidFill>
-                  <a:srgbClr val="4A66AC"/>
-                </a:solidFill>
-              </a:rPr>
-              <a:t> fois directement au lancement et ensuite par intervalles, dans notre cas toutes les 60 minutes.</a:t>
-            </a:r>
-          </a:p>
-          <a:p>
-            <a:pPr algn="just"/>
-            <a:endParaRPr lang="fr-FR" dirty="0"/>
-          </a:p>
-        </p:txBody>
-      </p:sp>
-      <p:sp>
-        <p:nvSpPr>
           <p:cNvPr id="2" name="Slide Number Placeholder 1">
             <a:extLst>
               <a:ext uri="{FF2B5EF4-FFF2-40B4-BE49-F238E27FC236}">
-                <a16:creationId xmlns:a16="http://schemas.microsoft.com/office/drawing/2014/main" id="{8D70FDCB-5278-4CF3-8A2A-ACB5F9ED2E45}"/>
+                <a16:creationId xmlns:a16="http://schemas.microsoft.com/office/drawing/2014/main" id="{D7D2B9A0-649C-43F6-89F9-515C0A14EC30}"/>
               </a:ext>
             </a:extLst>
           </p:cNvPr>
@@ -16297,12 +16095,173 @@
           </a:p>
         </p:txBody>
       </p:sp>
+      <p:sp>
+        <p:nvSpPr>
+          <p:cNvPr id="10" name="Title 1">
+            <a:extLst>
+              <a:ext uri="{FF2B5EF4-FFF2-40B4-BE49-F238E27FC236}">
+                <a16:creationId xmlns:a16="http://schemas.microsoft.com/office/drawing/2014/main" id="{918D844B-CD2C-44BF-A21F-AC45672375D1}"/>
+              </a:ext>
+            </a:extLst>
+          </p:cNvPr>
+          <p:cNvSpPr>
+            <a:spLocks noGrp="1"/>
+          </p:cNvSpPr>
+          <p:nvPr>
+            <p:ph type="title"/>
+          </p:nvPr>
+        </p:nvSpPr>
+        <p:spPr>
+          <a:xfrm>
+            <a:off x="749705" y="502124"/>
+            <a:ext cx="7142144" cy="524205"/>
+          </a:xfrm>
+        </p:spPr>
+        <p:txBody>
+          <a:bodyPr/>
+          <a:lstStyle/>
+          <a:p>
+            <a:r>
+              <a:rPr lang="fr-FR" sz="3200" dirty="0"/>
+              <a:t>Page explore (</a:t>
+            </a:r>
+            <a:r>
+              <a:rPr lang="fr-FR" sz="3200" dirty="0" err="1"/>
+              <a:t>front-end</a:t>
+            </a:r>
+            <a:r>
+              <a:rPr lang="fr-FR" sz="3200" dirty="0"/>
+              <a:t>)</a:t>
+            </a:r>
+          </a:p>
+        </p:txBody>
+      </p:sp>
+      <p:sp>
+        <p:nvSpPr>
+          <p:cNvPr id="7" name="Title 1">
+            <a:extLst>
+              <a:ext uri="{FF2B5EF4-FFF2-40B4-BE49-F238E27FC236}">
+                <a16:creationId xmlns:a16="http://schemas.microsoft.com/office/drawing/2014/main" id="{AA88D16D-0C13-4503-A38C-4AD5B377B1D2}"/>
+              </a:ext>
+            </a:extLst>
+          </p:cNvPr>
+          <p:cNvSpPr txBox="1">
+            <a:spLocks/>
+          </p:cNvSpPr>
+          <p:nvPr/>
+        </p:nvSpPr>
+        <p:spPr>
+          <a:xfrm>
+            <a:off x="749704" y="1171451"/>
+            <a:ext cx="4574844" cy="248321"/>
+          </a:xfrm>
+          <a:prstGeom prst="rect">
+            <a:avLst/>
+          </a:prstGeom>
+          <a:solidFill>
+            <a:schemeClr val="accent5">
+              <a:lumMod val="20000"/>
+              <a:lumOff val="80000"/>
+            </a:schemeClr>
+          </a:solidFill>
+        </p:spPr>
+        <p:txBody>
+          <a:bodyPr vert="horz" lIns="91440" tIns="45720" rIns="91440" bIns="45720" rtlCol="0" anchor="b">
+            <a:noAutofit/>
+          </a:bodyPr>
+          <a:lstStyle>
+            <a:lvl1pPr algn="l" defTabSz="914400" rtl="0" eaLnBrk="1" latinLnBrk="0" hangingPunct="1">
+              <a:lnSpc>
+                <a:spcPct val="90000"/>
+              </a:lnSpc>
+              <a:spcBef>
+                <a:spcPct val="0"/>
+              </a:spcBef>
+              <a:buNone/>
+              <a:defRPr sz="4000" b="0" kern="1200">
+                <a:solidFill>
+                  <a:schemeClr val="accent1"/>
+                </a:solidFill>
+                <a:latin typeface="+mj-lt"/>
+                <a:ea typeface="+mj-ea"/>
+                <a:cs typeface="+mj-cs"/>
+              </a:defRPr>
+            </a:lvl1pPr>
+          </a:lstStyle>
+          <a:p>
+            <a:r>
+              <a:rPr lang="fr-FR" sz="1200" dirty="0"/>
+              <a:t>Component</a:t>
+            </a:r>
+          </a:p>
+        </p:txBody>
+      </p:sp>
+      <p:sp>
+        <p:nvSpPr>
+          <p:cNvPr id="12" name="Title 1">
+            <a:extLst>
+              <a:ext uri="{FF2B5EF4-FFF2-40B4-BE49-F238E27FC236}">
+                <a16:creationId xmlns:a16="http://schemas.microsoft.com/office/drawing/2014/main" id="{3199A7B5-9BB9-4832-9C88-611DF6F9A751}"/>
+              </a:ext>
+            </a:extLst>
+          </p:cNvPr>
+          <p:cNvSpPr txBox="1">
+            <a:spLocks/>
+          </p:cNvSpPr>
+          <p:nvPr/>
+        </p:nvSpPr>
+        <p:spPr>
+          <a:xfrm>
+            <a:off x="5562544" y="1171450"/>
+            <a:ext cx="3766986" cy="248321"/>
+          </a:xfrm>
+          <a:prstGeom prst="rect">
+            <a:avLst/>
+          </a:prstGeom>
+          <a:solidFill>
+            <a:schemeClr val="accent5">
+              <a:lumMod val="20000"/>
+              <a:lumOff val="80000"/>
+            </a:schemeClr>
+          </a:solidFill>
+        </p:spPr>
+        <p:txBody>
+          <a:bodyPr vert="horz" lIns="91440" tIns="45720" rIns="91440" bIns="45720" rtlCol="0" anchor="b">
+            <a:noAutofit/>
+          </a:bodyPr>
+          <a:lstStyle>
+            <a:lvl1pPr algn="l" defTabSz="914400" rtl="0" eaLnBrk="1" latinLnBrk="0" hangingPunct="1">
+              <a:lnSpc>
+                <a:spcPct val="90000"/>
+              </a:lnSpc>
+              <a:spcBef>
+                <a:spcPct val="0"/>
+              </a:spcBef>
+              <a:buNone/>
+              <a:defRPr sz="4000" b="0" kern="1200">
+                <a:solidFill>
+                  <a:schemeClr val="accent1"/>
+                </a:solidFill>
+                <a:latin typeface="+mj-lt"/>
+                <a:ea typeface="+mj-ea"/>
+                <a:cs typeface="+mj-cs"/>
+              </a:defRPr>
+            </a:lvl1pPr>
+          </a:lstStyle>
+          <a:p>
+            <a:r>
+              <a:rPr lang="fr-FR" sz="1200" dirty="0"/>
+              <a:t>Service</a:t>
+            </a:r>
+          </a:p>
+        </p:txBody>
+      </p:sp>
       <p:pic>
         <p:nvPicPr>
-          <p:cNvPr id="6" name="Picture 5">
-            <a:extLst>
-              <a:ext uri="{FF2B5EF4-FFF2-40B4-BE49-F238E27FC236}">
-                <a16:creationId xmlns:a16="http://schemas.microsoft.com/office/drawing/2014/main" id="{BBC9E1B5-1573-4CD8-808D-3172D21F2A4C}"/>
+          <p:cNvPr id="3" name="Picture 2">
+            <a:extLst>
+              <a:ext uri="{FF2B5EF4-FFF2-40B4-BE49-F238E27FC236}">
+                <a16:creationId xmlns:a16="http://schemas.microsoft.com/office/drawing/2014/main" id="{909A3B4C-E711-43EB-866B-EBE2FB706930}"/>
               </a:ext>
             </a:extLst>
           </p:cNvPr>
@@ -16319,8 +16278,38 @@
         </p:blipFill>
         <p:spPr>
           <a:xfrm>
-            <a:off x="5359328" y="1345157"/>
-            <a:ext cx="6138730" cy="3600000"/>
+            <a:off x="749704" y="1564894"/>
+            <a:ext cx="4574844" cy="3948572"/>
+          </a:xfrm>
+          <a:prstGeom prst="rect">
+            <a:avLst/>
+          </a:prstGeom>
+        </p:spPr>
+      </p:pic>
+      <p:pic>
+        <p:nvPicPr>
+          <p:cNvPr id="6" name="Picture 5">
+            <a:extLst>
+              <a:ext uri="{FF2B5EF4-FFF2-40B4-BE49-F238E27FC236}">
+                <a16:creationId xmlns:a16="http://schemas.microsoft.com/office/drawing/2014/main" id="{1E6F8244-187B-4220-A709-9726A3B837EA}"/>
+              </a:ext>
+            </a:extLst>
+          </p:cNvPr>
+          <p:cNvPicPr>
+            <a:picLocks noChangeAspect="1"/>
+          </p:cNvPicPr>
+          <p:nvPr/>
+        </p:nvPicPr>
+        <p:blipFill>
+          <a:blip r:embed="rId3"/>
+          <a:stretch>
+            <a:fillRect/>
+          </a:stretch>
+        </p:blipFill>
+        <p:spPr>
+          <a:xfrm>
+            <a:off x="5472829" y="1747150"/>
+            <a:ext cx="6411220" cy="628738"/>
           </a:xfrm>
           <a:prstGeom prst="rect">
             <a:avLst/>
@@ -16330,7 +16319,7 @@
     </p:spTree>
     <p:extLst>
       <p:ext uri="{BB962C8B-B14F-4D97-AF65-F5344CB8AC3E}">
-        <p14:creationId xmlns:p14="http://schemas.microsoft.com/office/powerpoint/2010/main" val="3290733965"/>
+        <p14:creationId xmlns:p14="http://schemas.microsoft.com/office/powerpoint/2010/main" val="849119731"/>
       </p:ext>
     </p:extLst>
   </p:cSld>
@@ -16359,129 +16348,10 @@
       </p:grpSpPr>
       <p:sp>
         <p:nvSpPr>
-          <p:cNvPr id="2" name="Title 1">
-            <a:extLst>
-              <a:ext uri="{FF2B5EF4-FFF2-40B4-BE49-F238E27FC236}">
-                <a16:creationId xmlns:a16="http://schemas.microsoft.com/office/drawing/2014/main" id="{2D9BE37F-9AF0-44C0-886D-14D92A5E9052}"/>
-              </a:ext>
-            </a:extLst>
-          </p:cNvPr>
-          <p:cNvSpPr>
-            <a:spLocks noGrp="1"/>
-          </p:cNvSpPr>
-          <p:nvPr>
-            <p:ph type="title"/>
-          </p:nvPr>
-        </p:nvSpPr>
-        <p:spPr>
-          <a:xfrm>
-            <a:off x="1143000" y="609600"/>
-            <a:ext cx="9875520" cy="704850"/>
-          </a:xfrm>
-        </p:spPr>
-        <p:txBody>
-          <a:bodyPr/>
-          <a:lstStyle/>
-          <a:p>
-            <a:r>
-              <a:rPr lang="fr-FR" dirty="0"/>
-              <a:t>Conclusion</a:t>
-            </a:r>
-          </a:p>
-        </p:txBody>
-      </p:sp>
-      <p:sp>
-        <p:nvSpPr>
-          <p:cNvPr id="3" name="Content Placeholder 2">
-            <a:extLst>
-              <a:ext uri="{FF2B5EF4-FFF2-40B4-BE49-F238E27FC236}">
-                <a16:creationId xmlns:a16="http://schemas.microsoft.com/office/drawing/2014/main" id="{CE097B3D-BE10-49DA-8991-C23783BC9299}"/>
-              </a:ext>
-            </a:extLst>
-          </p:cNvPr>
-          <p:cNvSpPr>
-            <a:spLocks noGrp="1"/>
-          </p:cNvSpPr>
-          <p:nvPr>
-            <p:ph idx="1"/>
-          </p:nvPr>
-        </p:nvSpPr>
-        <p:spPr>
-          <a:xfrm>
-            <a:off x="1143000" y="1457325"/>
-            <a:ext cx="9872871" cy="4638675"/>
-          </a:xfrm>
-        </p:spPr>
-        <p:txBody>
-          <a:bodyPr>
-            <a:normAutofit/>
-          </a:bodyPr>
-          <a:lstStyle/>
-          <a:p>
-            <a:pPr marL="45720" indent="0" algn="just">
-              <a:buNone/>
-            </a:pPr>
-            <a:r>
-              <a:rPr lang="fr-FR" dirty="0"/>
-              <a:t>L’application web est en ligne avec la partie principale du backend en fonction (historisation et recherche), tout en ayant rempli un certains nombres de tests et de critères concernant le code.</a:t>
-            </a:r>
-          </a:p>
-          <a:p>
-            <a:pPr marL="45720" indent="0">
-              <a:buNone/>
-            </a:pPr>
-            <a:r>
-              <a:rPr lang="fr-FR" dirty="0"/>
-              <a:t>Vu la durée du stage (2 mois) et le temps nécessaire pour me former reste à faire :</a:t>
-            </a:r>
-          </a:p>
-          <a:p>
-            <a:pPr>
-              <a:buFont typeface="Wingdings" panose="05000000000000000000" pitchFamily="2" charset="2"/>
-              <a:buChar char="§"/>
-            </a:pPr>
-            <a:r>
-              <a:rPr lang="fr-FR" dirty="0"/>
-              <a:t>Compléter le Backend.</a:t>
-            </a:r>
-          </a:p>
-          <a:p>
-            <a:pPr>
-              <a:buFont typeface="Wingdings" panose="05000000000000000000" pitchFamily="2" charset="2"/>
-              <a:buChar char="§"/>
-            </a:pPr>
-            <a:r>
-              <a:rPr lang="fr-FR" dirty="0"/>
-              <a:t>Le Frontend : L’</a:t>
-            </a:r>
-            <a:r>
-              <a:rPr lang="fr-FR" dirty="0" err="1"/>
-              <a:t>authentication</a:t>
-            </a:r>
-            <a:r>
-              <a:rPr lang="fr-FR" dirty="0"/>
-              <a:t>.</a:t>
-            </a:r>
-          </a:p>
-          <a:p>
-            <a:pPr>
-              <a:buFont typeface="Wingdings" panose="05000000000000000000" pitchFamily="2" charset="2"/>
-              <a:buChar char="§"/>
-            </a:pPr>
-            <a:r>
-              <a:rPr lang="fr-FR" dirty="0"/>
-              <a:t>Mettre en place une base de données SAP Hana.</a:t>
-            </a:r>
-            <a:endParaRPr lang="fr-FR" b="1" dirty="0"/>
-          </a:p>
-        </p:txBody>
-      </p:sp>
-      <p:sp>
-        <p:nvSpPr>
-          <p:cNvPr id="4" name="Slide Number Placeholder 3">
-            <a:extLst>
-              <a:ext uri="{FF2B5EF4-FFF2-40B4-BE49-F238E27FC236}">
-                <a16:creationId xmlns:a16="http://schemas.microsoft.com/office/drawing/2014/main" id="{E2D53EDA-94B6-4BC2-9CF2-C2CE6F0E0F88}"/>
+          <p:cNvPr id="2" name="Slide Number Placeholder 1">
+            <a:extLst>
+              <a:ext uri="{FF2B5EF4-FFF2-40B4-BE49-F238E27FC236}">
+                <a16:creationId xmlns:a16="http://schemas.microsoft.com/office/drawing/2014/main" id="{D7D2B9A0-649C-43F6-89F9-515C0A14EC30}"/>
               </a:ext>
             </a:extLst>
           </p:cNvPr>
@@ -16505,10 +16375,383 @@
           </a:p>
         </p:txBody>
       </p:sp>
+      <p:sp>
+        <p:nvSpPr>
+          <p:cNvPr id="10" name="Title 1">
+            <a:extLst>
+              <a:ext uri="{FF2B5EF4-FFF2-40B4-BE49-F238E27FC236}">
+                <a16:creationId xmlns:a16="http://schemas.microsoft.com/office/drawing/2014/main" id="{918D844B-CD2C-44BF-A21F-AC45672375D1}"/>
+              </a:ext>
+            </a:extLst>
+          </p:cNvPr>
+          <p:cNvSpPr>
+            <a:spLocks noGrp="1"/>
+          </p:cNvSpPr>
+          <p:nvPr>
+            <p:ph type="title"/>
+          </p:nvPr>
+        </p:nvSpPr>
+        <p:spPr>
+          <a:xfrm>
+            <a:off x="749705" y="502124"/>
+            <a:ext cx="7142144" cy="524205"/>
+          </a:xfrm>
+        </p:spPr>
+        <p:txBody>
+          <a:bodyPr/>
+          <a:lstStyle/>
+          <a:p>
+            <a:r>
+              <a:rPr lang="fr-FR" sz="3200" dirty="0"/>
+              <a:t>Page explore (</a:t>
+            </a:r>
+            <a:r>
+              <a:rPr lang="fr-FR" sz="3200" dirty="0" err="1"/>
+              <a:t>back-end</a:t>
+            </a:r>
+            <a:r>
+              <a:rPr lang="fr-FR" sz="3200" dirty="0"/>
+              <a:t>)</a:t>
+            </a:r>
+          </a:p>
+        </p:txBody>
+      </p:sp>
+      <p:sp>
+        <p:nvSpPr>
+          <p:cNvPr id="7" name="Title 1">
+            <a:extLst>
+              <a:ext uri="{FF2B5EF4-FFF2-40B4-BE49-F238E27FC236}">
+                <a16:creationId xmlns:a16="http://schemas.microsoft.com/office/drawing/2014/main" id="{AA88D16D-0C13-4503-A38C-4AD5B377B1D2}"/>
+              </a:ext>
+            </a:extLst>
+          </p:cNvPr>
+          <p:cNvSpPr txBox="1">
+            <a:spLocks/>
+          </p:cNvSpPr>
+          <p:nvPr/>
+        </p:nvSpPr>
+        <p:spPr>
+          <a:xfrm>
+            <a:off x="749704" y="1171451"/>
+            <a:ext cx="4574844" cy="248321"/>
+          </a:xfrm>
+          <a:prstGeom prst="rect">
+            <a:avLst/>
+          </a:prstGeom>
+          <a:solidFill>
+            <a:schemeClr val="accent5">
+              <a:lumMod val="20000"/>
+              <a:lumOff val="80000"/>
+            </a:schemeClr>
+          </a:solidFill>
+        </p:spPr>
+        <p:txBody>
+          <a:bodyPr vert="horz" lIns="91440" tIns="45720" rIns="91440" bIns="45720" rtlCol="0" anchor="b">
+            <a:noAutofit/>
+          </a:bodyPr>
+          <a:lstStyle>
+            <a:lvl1pPr algn="l" defTabSz="914400" rtl="0" eaLnBrk="1" latinLnBrk="0" hangingPunct="1">
+              <a:lnSpc>
+                <a:spcPct val="90000"/>
+              </a:lnSpc>
+              <a:spcBef>
+                <a:spcPct val="0"/>
+              </a:spcBef>
+              <a:buNone/>
+              <a:defRPr sz="4000" b="0" kern="1200">
+                <a:solidFill>
+                  <a:schemeClr val="accent1"/>
+                </a:solidFill>
+                <a:latin typeface="+mj-lt"/>
+                <a:ea typeface="+mj-ea"/>
+                <a:cs typeface="+mj-cs"/>
+              </a:defRPr>
+            </a:lvl1pPr>
+          </a:lstStyle>
+          <a:p>
+            <a:r>
+              <a:rPr lang="fr-FR" sz="1200" dirty="0"/>
+              <a:t>Controlleur</a:t>
+            </a:r>
+          </a:p>
+        </p:txBody>
+      </p:sp>
+      <p:sp>
+        <p:nvSpPr>
+          <p:cNvPr id="12" name="Title 1">
+            <a:extLst>
+              <a:ext uri="{FF2B5EF4-FFF2-40B4-BE49-F238E27FC236}">
+                <a16:creationId xmlns:a16="http://schemas.microsoft.com/office/drawing/2014/main" id="{3199A7B5-9BB9-4832-9C88-611DF6F9A751}"/>
+              </a:ext>
+            </a:extLst>
+          </p:cNvPr>
+          <p:cNvSpPr txBox="1">
+            <a:spLocks/>
+          </p:cNvSpPr>
+          <p:nvPr/>
+        </p:nvSpPr>
+        <p:spPr>
+          <a:xfrm>
+            <a:off x="749704" y="2316603"/>
+            <a:ext cx="3766986" cy="248321"/>
+          </a:xfrm>
+          <a:prstGeom prst="rect">
+            <a:avLst/>
+          </a:prstGeom>
+          <a:solidFill>
+            <a:schemeClr val="accent5">
+              <a:lumMod val="20000"/>
+              <a:lumOff val="80000"/>
+            </a:schemeClr>
+          </a:solidFill>
+        </p:spPr>
+        <p:txBody>
+          <a:bodyPr vert="horz" lIns="91440" tIns="45720" rIns="91440" bIns="45720" rtlCol="0" anchor="b">
+            <a:noAutofit/>
+          </a:bodyPr>
+          <a:lstStyle>
+            <a:lvl1pPr algn="l" defTabSz="914400" rtl="0" eaLnBrk="1" latinLnBrk="0" hangingPunct="1">
+              <a:lnSpc>
+                <a:spcPct val="90000"/>
+              </a:lnSpc>
+              <a:spcBef>
+                <a:spcPct val="0"/>
+              </a:spcBef>
+              <a:buNone/>
+              <a:defRPr sz="4000" b="0" kern="1200">
+                <a:solidFill>
+                  <a:schemeClr val="accent1"/>
+                </a:solidFill>
+                <a:latin typeface="+mj-lt"/>
+                <a:ea typeface="+mj-ea"/>
+                <a:cs typeface="+mj-cs"/>
+              </a:defRPr>
+            </a:lvl1pPr>
+          </a:lstStyle>
+          <a:p>
+            <a:r>
+              <a:rPr lang="fr-FR" sz="1200" dirty="0"/>
+              <a:t>Service</a:t>
+            </a:r>
+          </a:p>
+        </p:txBody>
+      </p:sp>
+      <p:pic>
+        <p:nvPicPr>
+          <p:cNvPr id="4" name="Picture 3">
+            <a:extLst>
+              <a:ext uri="{FF2B5EF4-FFF2-40B4-BE49-F238E27FC236}">
+                <a16:creationId xmlns:a16="http://schemas.microsoft.com/office/drawing/2014/main" id="{81C5864D-6134-4527-BED1-FAB0A534D488}"/>
+              </a:ext>
+            </a:extLst>
+          </p:cNvPr>
+          <p:cNvPicPr>
+            <a:picLocks noChangeAspect="1"/>
+          </p:cNvPicPr>
+          <p:nvPr/>
+        </p:nvPicPr>
+        <p:blipFill>
+          <a:blip r:embed="rId2"/>
+          <a:stretch>
+            <a:fillRect/>
+          </a:stretch>
+        </p:blipFill>
+        <p:spPr>
+          <a:xfrm>
+            <a:off x="749704" y="1533646"/>
+            <a:ext cx="7078063" cy="619211"/>
+          </a:xfrm>
+          <a:prstGeom prst="rect">
+            <a:avLst/>
+          </a:prstGeom>
+        </p:spPr>
+      </p:pic>
+      <p:pic>
+        <p:nvPicPr>
+          <p:cNvPr id="5" name="Picture 4">
+            <a:extLst>
+              <a:ext uri="{FF2B5EF4-FFF2-40B4-BE49-F238E27FC236}">
+                <a16:creationId xmlns:a16="http://schemas.microsoft.com/office/drawing/2014/main" id="{D34DD191-76EB-42F9-890F-0407533D3660}"/>
+              </a:ext>
+            </a:extLst>
+          </p:cNvPr>
+          <p:cNvPicPr>
+            <a:picLocks noChangeAspect="1"/>
+          </p:cNvPicPr>
+          <p:nvPr/>
+        </p:nvPicPr>
+        <p:blipFill>
+          <a:blip r:embed="rId3"/>
+          <a:stretch>
+            <a:fillRect/>
+          </a:stretch>
+        </p:blipFill>
+        <p:spPr>
+          <a:xfrm>
+            <a:off x="624342" y="2660174"/>
+            <a:ext cx="7784696" cy="2926107"/>
+          </a:xfrm>
+          <a:prstGeom prst="rect">
+            <a:avLst/>
+          </a:prstGeom>
+        </p:spPr>
+      </p:pic>
+      <p:pic>
+        <p:nvPicPr>
+          <p:cNvPr id="8" name="Picture 7">
+            <a:extLst>
+              <a:ext uri="{FF2B5EF4-FFF2-40B4-BE49-F238E27FC236}">
+                <a16:creationId xmlns:a16="http://schemas.microsoft.com/office/drawing/2014/main" id="{7FCAC4DB-7A84-49B1-BC77-3A82EC917A89}"/>
+              </a:ext>
+            </a:extLst>
+          </p:cNvPr>
+          <p:cNvPicPr>
+            <a:picLocks noChangeAspect="1"/>
+          </p:cNvPicPr>
+          <p:nvPr/>
+        </p:nvPicPr>
+        <p:blipFill>
+          <a:blip r:embed="rId4"/>
+          <a:stretch>
+            <a:fillRect/>
+          </a:stretch>
+        </p:blipFill>
+        <p:spPr>
+          <a:xfrm>
+            <a:off x="624342" y="5586281"/>
+            <a:ext cx="6239746" cy="924054"/>
+          </a:xfrm>
+          <a:prstGeom prst="rect">
+            <a:avLst/>
+          </a:prstGeom>
+        </p:spPr>
+      </p:pic>
     </p:spTree>
     <p:extLst>
       <p:ext uri="{BB962C8B-B14F-4D97-AF65-F5344CB8AC3E}">
-        <p14:creationId xmlns:p14="http://schemas.microsoft.com/office/powerpoint/2010/main" val="898043026"/>
+        <p14:creationId xmlns:p14="http://schemas.microsoft.com/office/powerpoint/2010/main" val="424516691"/>
+      </p:ext>
+    </p:extLst>
+  </p:cSld>
+  <p:clrMapOvr>
+    <a:masterClrMapping/>
+  </p:clrMapOvr>
+</p:sld>
+</file>
+
+<file path=ppt/slides/slide49.xml><?xml version="1.0" encoding="utf-8"?>
+<p:sld xmlns:a="http://schemas.openxmlformats.org/drawingml/2006/main" xmlns:r="http://schemas.openxmlformats.org/officeDocument/2006/relationships" xmlns:p="http://schemas.openxmlformats.org/presentationml/2006/main">
+  <p:cSld>
+    <p:spTree>
+      <p:nvGrpSpPr>
+        <p:cNvPr id="1" name=""/>
+        <p:cNvGrpSpPr/>
+        <p:nvPr/>
+      </p:nvGrpSpPr>
+      <p:grpSpPr>
+        <a:xfrm>
+          <a:off x="0" y="0"/>
+          <a:ext cx="0" cy="0"/>
+          <a:chOff x="0" y="0"/>
+          <a:chExt cx="0" cy="0"/>
+        </a:xfrm>
+      </p:grpSpPr>
+      <p:sp>
+        <p:nvSpPr>
+          <p:cNvPr id="6" name="Title 5">
+            <a:extLst>
+              <a:ext uri="{FF2B5EF4-FFF2-40B4-BE49-F238E27FC236}">
+                <a16:creationId xmlns:a16="http://schemas.microsoft.com/office/drawing/2014/main" id="{DE6E8CC8-E3D3-49A0-8F7E-D06F5E89201C}"/>
+              </a:ext>
+            </a:extLst>
+          </p:cNvPr>
+          <p:cNvSpPr>
+            <a:spLocks noGrp="1"/>
+          </p:cNvSpPr>
+          <p:nvPr>
+            <p:ph type="title"/>
+          </p:nvPr>
+        </p:nvSpPr>
+        <p:spPr>
+          <a:xfrm>
+            <a:off x="525160" y="488784"/>
+            <a:ext cx="6320483" cy="514404"/>
+          </a:xfrm>
+        </p:spPr>
+        <p:txBody>
+          <a:bodyPr/>
+          <a:lstStyle/>
+          <a:p>
+            <a:r>
+              <a:rPr lang="fr-FR" dirty="0"/>
+              <a:t>Page explore</a:t>
+            </a:r>
+          </a:p>
+        </p:txBody>
+      </p:sp>
+      <p:sp>
+        <p:nvSpPr>
+          <p:cNvPr id="5" name="Slide Number Placeholder 4">
+            <a:extLst>
+              <a:ext uri="{FF2B5EF4-FFF2-40B4-BE49-F238E27FC236}">
+                <a16:creationId xmlns:a16="http://schemas.microsoft.com/office/drawing/2014/main" id="{40360F2A-729E-43E7-BE3D-E865638F1C43}"/>
+              </a:ext>
+            </a:extLst>
+          </p:cNvPr>
+          <p:cNvSpPr>
+            <a:spLocks noGrp="1"/>
+          </p:cNvSpPr>
+          <p:nvPr>
+            <p:ph type="sldNum" sz="quarter" idx="12"/>
+          </p:nvPr>
+        </p:nvSpPr>
+        <p:spPr/>
+        <p:txBody>
+          <a:bodyPr/>
+          <a:lstStyle/>
+          <a:p>
+            <a:fld id="{C52ED629-2BC0-4D25-969E-9ED78B40D7C7}" type="slidenum">
+              <a:rPr lang="fr-FR" smtClean="0"/>
+              <a:t>49</a:t>
+            </a:fld>
+            <a:endParaRPr lang="fr-FR"/>
+          </a:p>
+        </p:txBody>
+      </p:sp>
+      <p:pic>
+        <p:nvPicPr>
+          <p:cNvPr id="2" name="Picture 1">
+            <a:extLst>
+              <a:ext uri="{FF2B5EF4-FFF2-40B4-BE49-F238E27FC236}">
+                <a16:creationId xmlns:a16="http://schemas.microsoft.com/office/drawing/2014/main" id="{481295B7-9A88-4F53-A2FC-C5E466248C62}"/>
+              </a:ext>
+            </a:extLst>
+          </p:cNvPr>
+          <p:cNvPicPr>
+            <a:picLocks noChangeAspect="1"/>
+          </p:cNvPicPr>
+          <p:nvPr/>
+        </p:nvPicPr>
+        <p:blipFill>
+          <a:blip r:embed="rId2"/>
+          <a:stretch>
+            <a:fillRect/>
+          </a:stretch>
+        </p:blipFill>
+        <p:spPr>
+          <a:xfrm>
+            <a:off x="3760803" y="856735"/>
+            <a:ext cx="4670393" cy="5630562"/>
+          </a:xfrm>
+          <a:prstGeom prst="rect">
+            <a:avLst/>
+          </a:prstGeom>
+        </p:spPr>
+      </p:pic>
+    </p:spTree>
+    <p:extLst>
+      <p:ext uri="{BB962C8B-B14F-4D97-AF65-F5344CB8AC3E}">
+        <p14:creationId xmlns:p14="http://schemas.microsoft.com/office/powerpoint/2010/main" val="848664432"/>
       </p:ext>
     </p:extLst>
   </p:cSld>
@@ -16603,6 +16846,1449 @@
     <p:extLst>
       <p:ext uri="{BB962C8B-B14F-4D97-AF65-F5344CB8AC3E}">
         <p14:creationId xmlns:p14="http://schemas.microsoft.com/office/powerpoint/2010/main" val="2866829233"/>
+      </p:ext>
+    </p:extLst>
+  </p:cSld>
+  <p:clrMapOvr>
+    <a:masterClrMapping/>
+  </p:clrMapOvr>
+</p:sld>
+</file>
+
+<file path=ppt/slides/slide50.xml><?xml version="1.0" encoding="utf-8"?>
+<p:sld xmlns:a="http://schemas.openxmlformats.org/drawingml/2006/main" xmlns:r="http://schemas.openxmlformats.org/officeDocument/2006/relationships" xmlns:p="http://schemas.openxmlformats.org/presentationml/2006/main">
+  <p:cSld>
+    <p:spTree>
+      <p:nvGrpSpPr>
+        <p:cNvPr id="1" name=""/>
+        <p:cNvGrpSpPr/>
+        <p:nvPr/>
+      </p:nvGrpSpPr>
+      <p:grpSpPr>
+        <a:xfrm>
+          <a:off x="0" y="0"/>
+          <a:ext cx="0" cy="0"/>
+          <a:chOff x="0" y="0"/>
+          <a:chExt cx="0" cy="0"/>
+        </a:xfrm>
+      </p:grpSpPr>
+      <p:sp>
+        <p:nvSpPr>
+          <p:cNvPr id="2" name="Slide Number Placeholder 1">
+            <a:extLst>
+              <a:ext uri="{FF2B5EF4-FFF2-40B4-BE49-F238E27FC236}">
+                <a16:creationId xmlns:a16="http://schemas.microsoft.com/office/drawing/2014/main" id="{D7D2B9A0-649C-43F6-89F9-515C0A14EC30}"/>
+              </a:ext>
+            </a:extLst>
+          </p:cNvPr>
+          <p:cNvSpPr>
+            <a:spLocks noGrp="1"/>
+          </p:cNvSpPr>
+          <p:nvPr>
+            <p:ph type="sldNum" sz="quarter" idx="12"/>
+          </p:nvPr>
+        </p:nvSpPr>
+        <p:spPr/>
+        <p:txBody>
+          <a:bodyPr/>
+          <a:lstStyle/>
+          <a:p>
+            <a:fld id="{C52ED629-2BC0-4D25-969E-9ED78B40D7C7}" type="slidenum">
+              <a:rPr lang="fr-FR" smtClean="0"/>
+              <a:t>50</a:t>
+            </a:fld>
+            <a:endParaRPr lang="fr-FR"/>
+          </a:p>
+        </p:txBody>
+      </p:sp>
+      <p:sp>
+        <p:nvSpPr>
+          <p:cNvPr id="10" name="Title 1">
+            <a:extLst>
+              <a:ext uri="{FF2B5EF4-FFF2-40B4-BE49-F238E27FC236}">
+                <a16:creationId xmlns:a16="http://schemas.microsoft.com/office/drawing/2014/main" id="{918D844B-CD2C-44BF-A21F-AC45672375D1}"/>
+              </a:ext>
+            </a:extLst>
+          </p:cNvPr>
+          <p:cNvSpPr>
+            <a:spLocks noGrp="1"/>
+          </p:cNvSpPr>
+          <p:nvPr>
+            <p:ph type="title"/>
+          </p:nvPr>
+        </p:nvSpPr>
+        <p:spPr>
+          <a:xfrm>
+            <a:off x="749705" y="502124"/>
+            <a:ext cx="7142144" cy="524205"/>
+          </a:xfrm>
+        </p:spPr>
+        <p:txBody>
+          <a:bodyPr/>
+          <a:lstStyle/>
+          <a:p>
+            <a:r>
+              <a:rPr lang="fr-FR" sz="3200" dirty="0"/>
+              <a:t>Page </a:t>
+            </a:r>
+            <a:r>
+              <a:rPr lang="fr-FR" sz="3200" dirty="0" err="1"/>
+              <a:t>reinitialisation</a:t>
+            </a:r>
+            <a:r>
+              <a:rPr lang="fr-FR" sz="3200" dirty="0"/>
+              <a:t> </a:t>
+            </a:r>
+            <a:r>
+              <a:rPr lang="fr-FR" sz="3200" dirty="0" err="1"/>
+              <a:t>mdp</a:t>
+            </a:r>
+            <a:r>
+              <a:rPr lang="fr-FR" sz="3200" dirty="0"/>
+              <a:t> (</a:t>
+            </a:r>
+            <a:r>
+              <a:rPr lang="fr-FR" sz="3200" dirty="0" err="1"/>
+              <a:t>front-end</a:t>
+            </a:r>
+            <a:r>
+              <a:rPr lang="fr-FR" sz="3200" dirty="0"/>
+              <a:t>)</a:t>
+            </a:r>
+          </a:p>
+        </p:txBody>
+      </p:sp>
+      <p:sp>
+        <p:nvSpPr>
+          <p:cNvPr id="7" name="Title 1">
+            <a:extLst>
+              <a:ext uri="{FF2B5EF4-FFF2-40B4-BE49-F238E27FC236}">
+                <a16:creationId xmlns:a16="http://schemas.microsoft.com/office/drawing/2014/main" id="{AA88D16D-0C13-4503-A38C-4AD5B377B1D2}"/>
+              </a:ext>
+            </a:extLst>
+          </p:cNvPr>
+          <p:cNvSpPr txBox="1">
+            <a:spLocks/>
+          </p:cNvSpPr>
+          <p:nvPr/>
+        </p:nvSpPr>
+        <p:spPr>
+          <a:xfrm>
+            <a:off x="650849" y="1171451"/>
+            <a:ext cx="10524025" cy="248321"/>
+          </a:xfrm>
+          <a:prstGeom prst="rect">
+            <a:avLst/>
+          </a:prstGeom>
+          <a:solidFill>
+            <a:schemeClr val="accent5">
+              <a:lumMod val="20000"/>
+              <a:lumOff val="80000"/>
+            </a:schemeClr>
+          </a:solidFill>
+        </p:spPr>
+        <p:txBody>
+          <a:bodyPr vert="horz" lIns="91440" tIns="45720" rIns="91440" bIns="45720" rtlCol="0" anchor="b">
+            <a:noAutofit/>
+          </a:bodyPr>
+          <a:lstStyle>
+            <a:lvl1pPr algn="l" defTabSz="914400" rtl="0" eaLnBrk="1" latinLnBrk="0" hangingPunct="1">
+              <a:lnSpc>
+                <a:spcPct val="90000"/>
+              </a:lnSpc>
+              <a:spcBef>
+                <a:spcPct val="0"/>
+              </a:spcBef>
+              <a:buNone/>
+              <a:defRPr sz="4000" b="0" kern="1200">
+                <a:solidFill>
+                  <a:schemeClr val="accent1"/>
+                </a:solidFill>
+                <a:latin typeface="+mj-lt"/>
+                <a:ea typeface="+mj-ea"/>
+                <a:cs typeface="+mj-cs"/>
+              </a:defRPr>
+            </a:lvl1pPr>
+          </a:lstStyle>
+          <a:p>
+            <a:r>
+              <a:rPr lang="fr-FR" sz="1200" dirty="0"/>
+              <a:t>Component</a:t>
+            </a:r>
+          </a:p>
+        </p:txBody>
+      </p:sp>
+      <p:pic>
+        <p:nvPicPr>
+          <p:cNvPr id="4" name="Picture 3">
+            <a:extLst>
+              <a:ext uri="{FF2B5EF4-FFF2-40B4-BE49-F238E27FC236}">
+                <a16:creationId xmlns:a16="http://schemas.microsoft.com/office/drawing/2014/main" id="{5A9F52FE-5DA1-472F-9B25-36F0D3AE428B}"/>
+              </a:ext>
+            </a:extLst>
+          </p:cNvPr>
+          <p:cNvPicPr>
+            <a:picLocks noChangeAspect="1"/>
+          </p:cNvPicPr>
+          <p:nvPr/>
+        </p:nvPicPr>
+        <p:blipFill>
+          <a:blip r:embed="rId2"/>
+          <a:stretch>
+            <a:fillRect/>
+          </a:stretch>
+        </p:blipFill>
+        <p:spPr>
+          <a:xfrm>
+            <a:off x="567340" y="1465068"/>
+            <a:ext cx="6438974" cy="3097702"/>
+          </a:xfrm>
+          <a:prstGeom prst="rect">
+            <a:avLst/>
+          </a:prstGeom>
+        </p:spPr>
+      </p:pic>
+      <p:pic>
+        <p:nvPicPr>
+          <p:cNvPr id="5" name="Picture 4">
+            <a:extLst>
+              <a:ext uri="{FF2B5EF4-FFF2-40B4-BE49-F238E27FC236}">
+                <a16:creationId xmlns:a16="http://schemas.microsoft.com/office/drawing/2014/main" id="{B5AB25EF-A05B-4522-B9B7-FBCE49A11634}"/>
+              </a:ext>
+            </a:extLst>
+          </p:cNvPr>
+          <p:cNvPicPr>
+            <a:picLocks noChangeAspect="1"/>
+          </p:cNvPicPr>
+          <p:nvPr/>
+        </p:nvPicPr>
+        <p:blipFill>
+          <a:blip r:embed="rId3"/>
+          <a:stretch>
+            <a:fillRect/>
+          </a:stretch>
+        </p:blipFill>
+        <p:spPr>
+          <a:xfrm>
+            <a:off x="7208106" y="1419772"/>
+            <a:ext cx="3966768" cy="3796958"/>
+          </a:xfrm>
+          <a:prstGeom prst="rect">
+            <a:avLst/>
+          </a:prstGeom>
+        </p:spPr>
+      </p:pic>
+      <p:pic>
+        <p:nvPicPr>
+          <p:cNvPr id="8" name="Picture 7">
+            <a:extLst>
+              <a:ext uri="{FF2B5EF4-FFF2-40B4-BE49-F238E27FC236}">
+                <a16:creationId xmlns:a16="http://schemas.microsoft.com/office/drawing/2014/main" id="{46A716AF-46BA-4FC4-8FEF-FCF9A228D8FD}"/>
+              </a:ext>
+            </a:extLst>
+          </p:cNvPr>
+          <p:cNvPicPr>
+            <a:picLocks noChangeAspect="1"/>
+          </p:cNvPicPr>
+          <p:nvPr/>
+        </p:nvPicPr>
+        <p:blipFill>
+          <a:blip r:embed="rId4"/>
+          <a:stretch>
+            <a:fillRect/>
+          </a:stretch>
+        </p:blipFill>
+        <p:spPr>
+          <a:xfrm>
+            <a:off x="650849" y="4956213"/>
+            <a:ext cx="3706796" cy="1460671"/>
+          </a:xfrm>
+          <a:prstGeom prst="rect">
+            <a:avLst/>
+          </a:prstGeom>
+        </p:spPr>
+      </p:pic>
+      <p:sp>
+        <p:nvSpPr>
+          <p:cNvPr id="11" name="Title 1">
+            <a:extLst>
+              <a:ext uri="{FF2B5EF4-FFF2-40B4-BE49-F238E27FC236}">
+                <a16:creationId xmlns:a16="http://schemas.microsoft.com/office/drawing/2014/main" id="{87BAF1FA-7369-4873-BE85-09DABB8A8052}"/>
+              </a:ext>
+            </a:extLst>
+          </p:cNvPr>
+          <p:cNvSpPr txBox="1">
+            <a:spLocks/>
+          </p:cNvSpPr>
+          <p:nvPr/>
+        </p:nvSpPr>
+        <p:spPr>
+          <a:xfrm>
+            <a:off x="620754" y="4635331"/>
+            <a:ext cx="6438974" cy="248321"/>
+          </a:xfrm>
+          <a:prstGeom prst="rect">
+            <a:avLst/>
+          </a:prstGeom>
+          <a:solidFill>
+            <a:schemeClr val="accent5">
+              <a:lumMod val="20000"/>
+              <a:lumOff val="80000"/>
+            </a:schemeClr>
+          </a:solidFill>
+        </p:spPr>
+        <p:txBody>
+          <a:bodyPr vert="horz" lIns="91440" tIns="45720" rIns="91440" bIns="45720" rtlCol="0" anchor="b">
+            <a:noAutofit/>
+          </a:bodyPr>
+          <a:lstStyle>
+            <a:lvl1pPr algn="l" defTabSz="914400" rtl="0" eaLnBrk="1" latinLnBrk="0" hangingPunct="1">
+              <a:lnSpc>
+                <a:spcPct val="90000"/>
+              </a:lnSpc>
+              <a:spcBef>
+                <a:spcPct val="0"/>
+              </a:spcBef>
+              <a:buNone/>
+              <a:defRPr sz="4000" b="0" kern="1200">
+                <a:solidFill>
+                  <a:schemeClr val="accent1"/>
+                </a:solidFill>
+                <a:latin typeface="+mj-lt"/>
+                <a:ea typeface="+mj-ea"/>
+                <a:cs typeface="+mj-cs"/>
+              </a:defRPr>
+            </a:lvl1pPr>
+          </a:lstStyle>
+          <a:p>
+            <a:r>
+              <a:rPr lang="fr-FR" sz="1200" dirty="0"/>
+              <a:t>Service</a:t>
+            </a:r>
+          </a:p>
+        </p:txBody>
+      </p:sp>
+    </p:spTree>
+    <p:extLst>
+      <p:ext uri="{BB962C8B-B14F-4D97-AF65-F5344CB8AC3E}">
+        <p14:creationId xmlns:p14="http://schemas.microsoft.com/office/powerpoint/2010/main" val="3757717632"/>
+      </p:ext>
+    </p:extLst>
+  </p:cSld>
+  <p:clrMapOvr>
+    <a:masterClrMapping/>
+  </p:clrMapOvr>
+</p:sld>
+</file>
+
+<file path=ppt/slides/slide51.xml><?xml version="1.0" encoding="utf-8"?>
+<p:sld xmlns:a="http://schemas.openxmlformats.org/drawingml/2006/main" xmlns:r="http://schemas.openxmlformats.org/officeDocument/2006/relationships" xmlns:p="http://schemas.openxmlformats.org/presentationml/2006/main">
+  <p:cSld>
+    <p:spTree>
+      <p:nvGrpSpPr>
+        <p:cNvPr id="1" name=""/>
+        <p:cNvGrpSpPr/>
+        <p:nvPr/>
+      </p:nvGrpSpPr>
+      <p:grpSpPr>
+        <a:xfrm>
+          <a:off x="0" y="0"/>
+          <a:ext cx="0" cy="0"/>
+          <a:chOff x="0" y="0"/>
+          <a:chExt cx="0" cy="0"/>
+        </a:xfrm>
+      </p:grpSpPr>
+      <p:sp>
+        <p:nvSpPr>
+          <p:cNvPr id="2" name="Slide Number Placeholder 1">
+            <a:extLst>
+              <a:ext uri="{FF2B5EF4-FFF2-40B4-BE49-F238E27FC236}">
+                <a16:creationId xmlns:a16="http://schemas.microsoft.com/office/drawing/2014/main" id="{D7D2B9A0-649C-43F6-89F9-515C0A14EC30}"/>
+              </a:ext>
+            </a:extLst>
+          </p:cNvPr>
+          <p:cNvSpPr>
+            <a:spLocks noGrp="1"/>
+          </p:cNvSpPr>
+          <p:nvPr>
+            <p:ph type="sldNum" sz="quarter" idx="12"/>
+          </p:nvPr>
+        </p:nvSpPr>
+        <p:spPr/>
+        <p:txBody>
+          <a:bodyPr/>
+          <a:lstStyle/>
+          <a:p>
+            <a:fld id="{C52ED629-2BC0-4D25-969E-9ED78B40D7C7}" type="slidenum">
+              <a:rPr lang="fr-FR" smtClean="0"/>
+              <a:t>51</a:t>
+            </a:fld>
+            <a:endParaRPr lang="fr-FR"/>
+          </a:p>
+        </p:txBody>
+      </p:sp>
+      <p:sp>
+        <p:nvSpPr>
+          <p:cNvPr id="10" name="Title 1">
+            <a:extLst>
+              <a:ext uri="{FF2B5EF4-FFF2-40B4-BE49-F238E27FC236}">
+                <a16:creationId xmlns:a16="http://schemas.microsoft.com/office/drawing/2014/main" id="{918D844B-CD2C-44BF-A21F-AC45672375D1}"/>
+              </a:ext>
+            </a:extLst>
+          </p:cNvPr>
+          <p:cNvSpPr>
+            <a:spLocks noGrp="1"/>
+          </p:cNvSpPr>
+          <p:nvPr>
+            <p:ph type="title"/>
+          </p:nvPr>
+        </p:nvSpPr>
+        <p:spPr>
+          <a:xfrm>
+            <a:off x="749705" y="502124"/>
+            <a:ext cx="7142144" cy="524205"/>
+          </a:xfrm>
+        </p:spPr>
+        <p:txBody>
+          <a:bodyPr/>
+          <a:lstStyle/>
+          <a:p>
+            <a:r>
+              <a:rPr lang="fr-FR" sz="3200" dirty="0"/>
+              <a:t>Page </a:t>
+            </a:r>
+            <a:r>
+              <a:rPr lang="fr-FR" sz="3200" dirty="0" err="1"/>
+              <a:t>reinitialisation</a:t>
+            </a:r>
+            <a:r>
+              <a:rPr lang="fr-FR" sz="3200" dirty="0"/>
+              <a:t> </a:t>
+            </a:r>
+            <a:r>
+              <a:rPr lang="fr-FR" sz="3200" dirty="0" err="1"/>
+              <a:t>mdp</a:t>
+            </a:r>
+            <a:r>
+              <a:rPr lang="fr-FR" sz="3200" dirty="0"/>
+              <a:t> (</a:t>
+            </a:r>
+            <a:r>
+              <a:rPr lang="fr-FR" sz="3200" dirty="0" err="1"/>
+              <a:t>back-end</a:t>
+            </a:r>
+            <a:r>
+              <a:rPr lang="fr-FR" sz="3200" dirty="0"/>
+              <a:t>) p1</a:t>
+            </a:r>
+          </a:p>
+        </p:txBody>
+      </p:sp>
+      <p:sp>
+        <p:nvSpPr>
+          <p:cNvPr id="7" name="Title 1">
+            <a:extLst>
+              <a:ext uri="{FF2B5EF4-FFF2-40B4-BE49-F238E27FC236}">
+                <a16:creationId xmlns:a16="http://schemas.microsoft.com/office/drawing/2014/main" id="{AA88D16D-0C13-4503-A38C-4AD5B377B1D2}"/>
+              </a:ext>
+            </a:extLst>
+          </p:cNvPr>
+          <p:cNvSpPr txBox="1">
+            <a:spLocks/>
+          </p:cNvSpPr>
+          <p:nvPr/>
+        </p:nvSpPr>
+        <p:spPr>
+          <a:xfrm>
+            <a:off x="650849" y="1171451"/>
+            <a:ext cx="10524025" cy="248321"/>
+          </a:xfrm>
+          <a:prstGeom prst="rect">
+            <a:avLst/>
+          </a:prstGeom>
+          <a:solidFill>
+            <a:schemeClr val="accent5">
+              <a:lumMod val="20000"/>
+              <a:lumOff val="80000"/>
+            </a:schemeClr>
+          </a:solidFill>
+        </p:spPr>
+        <p:txBody>
+          <a:bodyPr vert="horz" lIns="91440" tIns="45720" rIns="91440" bIns="45720" rtlCol="0" anchor="b">
+            <a:noAutofit/>
+          </a:bodyPr>
+          <a:lstStyle>
+            <a:lvl1pPr algn="l" defTabSz="914400" rtl="0" eaLnBrk="1" latinLnBrk="0" hangingPunct="1">
+              <a:lnSpc>
+                <a:spcPct val="90000"/>
+              </a:lnSpc>
+              <a:spcBef>
+                <a:spcPct val="0"/>
+              </a:spcBef>
+              <a:buNone/>
+              <a:defRPr sz="4000" b="0" kern="1200">
+                <a:solidFill>
+                  <a:schemeClr val="accent1"/>
+                </a:solidFill>
+                <a:latin typeface="+mj-lt"/>
+                <a:ea typeface="+mj-ea"/>
+                <a:cs typeface="+mj-cs"/>
+              </a:defRPr>
+            </a:lvl1pPr>
+          </a:lstStyle>
+          <a:p>
+            <a:r>
+              <a:rPr lang="fr-FR" sz="1200" dirty="0"/>
+              <a:t>Controlleur</a:t>
+            </a:r>
+          </a:p>
+        </p:txBody>
+      </p:sp>
+      <p:pic>
+        <p:nvPicPr>
+          <p:cNvPr id="9" name="Picture 8">
+            <a:extLst>
+              <a:ext uri="{FF2B5EF4-FFF2-40B4-BE49-F238E27FC236}">
+                <a16:creationId xmlns:a16="http://schemas.microsoft.com/office/drawing/2014/main" id="{1AFE1046-4531-4A06-970F-C1224453964D}"/>
+              </a:ext>
+            </a:extLst>
+          </p:cNvPr>
+          <p:cNvPicPr>
+            <a:picLocks noChangeAspect="1"/>
+          </p:cNvPicPr>
+          <p:nvPr/>
+        </p:nvPicPr>
+        <p:blipFill>
+          <a:blip r:embed="rId2"/>
+          <a:stretch>
+            <a:fillRect/>
+          </a:stretch>
+        </p:blipFill>
+        <p:spPr>
+          <a:xfrm>
+            <a:off x="563168" y="1739989"/>
+            <a:ext cx="9701178" cy="3643237"/>
+          </a:xfrm>
+          <a:prstGeom prst="rect">
+            <a:avLst/>
+          </a:prstGeom>
+        </p:spPr>
+      </p:pic>
+    </p:spTree>
+    <p:extLst>
+      <p:ext uri="{BB962C8B-B14F-4D97-AF65-F5344CB8AC3E}">
+        <p14:creationId xmlns:p14="http://schemas.microsoft.com/office/powerpoint/2010/main" val="3885949007"/>
+      </p:ext>
+    </p:extLst>
+  </p:cSld>
+  <p:clrMapOvr>
+    <a:masterClrMapping/>
+  </p:clrMapOvr>
+</p:sld>
+</file>
+
+<file path=ppt/slides/slide52.xml><?xml version="1.0" encoding="utf-8"?>
+<p:sld xmlns:a="http://schemas.openxmlformats.org/drawingml/2006/main" xmlns:r="http://schemas.openxmlformats.org/officeDocument/2006/relationships" xmlns:p="http://schemas.openxmlformats.org/presentationml/2006/main">
+  <p:cSld>
+    <p:spTree>
+      <p:nvGrpSpPr>
+        <p:cNvPr id="1" name=""/>
+        <p:cNvGrpSpPr/>
+        <p:nvPr/>
+      </p:nvGrpSpPr>
+      <p:grpSpPr>
+        <a:xfrm>
+          <a:off x="0" y="0"/>
+          <a:ext cx="0" cy="0"/>
+          <a:chOff x="0" y="0"/>
+          <a:chExt cx="0" cy="0"/>
+        </a:xfrm>
+      </p:grpSpPr>
+      <p:sp>
+        <p:nvSpPr>
+          <p:cNvPr id="2" name="Slide Number Placeholder 1">
+            <a:extLst>
+              <a:ext uri="{FF2B5EF4-FFF2-40B4-BE49-F238E27FC236}">
+                <a16:creationId xmlns:a16="http://schemas.microsoft.com/office/drawing/2014/main" id="{D7D2B9A0-649C-43F6-89F9-515C0A14EC30}"/>
+              </a:ext>
+            </a:extLst>
+          </p:cNvPr>
+          <p:cNvSpPr>
+            <a:spLocks noGrp="1"/>
+          </p:cNvSpPr>
+          <p:nvPr>
+            <p:ph type="sldNum" sz="quarter" idx="12"/>
+          </p:nvPr>
+        </p:nvSpPr>
+        <p:spPr/>
+        <p:txBody>
+          <a:bodyPr/>
+          <a:lstStyle/>
+          <a:p>
+            <a:fld id="{C52ED629-2BC0-4D25-969E-9ED78B40D7C7}" type="slidenum">
+              <a:rPr lang="fr-FR" smtClean="0"/>
+              <a:t>52</a:t>
+            </a:fld>
+            <a:endParaRPr lang="fr-FR"/>
+          </a:p>
+        </p:txBody>
+      </p:sp>
+      <p:sp>
+        <p:nvSpPr>
+          <p:cNvPr id="10" name="Title 1">
+            <a:extLst>
+              <a:ext uri="{FF2B5EF4-FFF2-40B4-BE49-F238E27FC236}">
+                <a16:creationId xmlns:a16="http://schemas.microsoft.com/office/drawing/2014/main" id="{918D844B-CD2C-44BF-A21F-AC45672375D1}"/>
+              </a:ext>
+            </a:extLst>
+          </p:cNvPr>
+          <p:cNvSpPr>
+            <a:spLocks noGrp="1"/>
+          </p:cNvSpPr>
+          <p:nvPr>
+            <p:ph type="title"/>
+          </p:nvPr>
+        </p:nvSpPr>
+        <p:spPr>
+          <a:xfrm>
+            <a:off x="749705" y="502124"/>
+            <a:ext cx="7142144" cy="524205"/>
+          </a:xfrm>
+        </p:spPr>
+        <p:txBody>
+          <a:bodyPr/>
+          <a:lstStyle/>
+          <a:p>
+            <a:r>
+              <a:rPr lang="fr-FR" sz="3200" dirty="0"/>
+              <a:t>Page </a:t>
+            </a:r>
+            <a:r>
+              <a:rPr lang="fr-FR" sz="3200" dirty="0" err="1"/>
+              <a:t>reinitialisation</a:t>
+            </a:r>
+            <a:r>
+              <a:rPr lang="fr-FR" sz="3200" dirty="0"/>
+              <a:t> </a:t>
+            </a:r>
+            <a:r>
+              <a:rPr lang="fr-FR" sz="3200" dirty="0" err="1"/>
+              <a:t>mdp</a:t>
+            </a:r>
+            <a:r>
+              <a:rPr lang="fr-FR" sz="3200" dirty="0"/>
+              <a:t> (</a:t>
+            </a:r>
+            <a:r>
+              <a:rPr lang="fr-FR" sz="3200" dirty="0" err="1"/>
+              <a:t>back-end</a:t>
+            </a:r>
+            <a:r>
+              <a:rPr lang="fr-FR" sz="3200" dirty="0"/>
+              <a:t>) p2</a:t>
+            </a:r>
+          </a:p>
+        </p:txBody>
+      </p:sp>
+      <p:sp>
+        <p:nvSpPr>
+          <p:cNvPr id="7" name="Title 1">
+            <a:extLst>
+              <a:ext uri="{FF2B5EF4-FFF2-40B4-BE49-F238E27FC236}">
+                <a16:creationId xmlns:a16="http://schemas.microsoft.com/office/drawing/2014/main" id="{AA88D16D-0C13-4503-A38C-4AD5B377B1D2}"/>
+              </a:ext>
+            </a:extLst>
+          </p:cNvPr>
+          <p:cNvSpPr txBox="1">
+            <a:spLocks/>
+          </p:cNvSpPr>
+          <p:nvPr/>
+        </p:nvSpPr>
+        <p:spPr>
+          <a:xfrm>
+            <a:off x="650850" y="1171451"/>
+            <a:ext cx="5262012" cy="248321"/>
+          </a:xfrm>
+          <a:prstGeom prst="rect">
+            <a:avLst/>
+          </a:prstGeom>
+          <a:solidFill>
+            <a:schemeClr val="accent5">
+              <a:lumMod val="20000"/>
+              <a:lumOff val="80000"/>
+            </a:schemeClr>
+          </a:solidFill>
+        </p:spPr>
+        <p:txBody>
+          <a:bodyPr vert="horz" lIns="91440" tIns="45720" rIns="91440" bIns="45720" rtlCol="0" anchor="b">
+            <a:noAutofit/>
+          </a:bodyPr>
+          <a:lstStyle>
+            <a:lvl1pPr algn="l" defTabSz="914400" rtl="0" eaLnBrk="1" latinLnBrk="0" hangingPunct="1">
+              <a:lnSpc>
+                <a:spcPct val="90000"/>
+              </a:lnSpc>
+              <a:spcBef>
+                <a:spcPct val="0"/>
+              </a:spcBef>
+              <a:buNone/>
+              <a:defRPr sz="4000" b="0" kern="1200">
+                <a:solidFill>
+                  <a:schemeClr val="accent1"/>
+                </a:solidFill>
+                <a:latin typeface="+mj-lt"/>
+                <a:ea typeface="+mj-ea"/>
+                <a:cs typeface="+mj-cs"/>
+              </a:defRPr>
+            </a:lvl1pPr>
+          </a:lstStyle>
+          <a:p>
+            <a:r>
+              <a:rPr lang="fr-FR" sz="1200" dirty="0"/>
+              <a:t>Service</a:t>
+            </a:r>
+          </a:p>
+        </p:txBody>
+      </p:sp>
+      <p:pic>
+        <p:nvPicPr>
+          <p:cNvPr id="4" name="Picture 3">
+            <a:extLst>
+              <a:ext uri="{FF2B5EF4-FFF2-40B4-BE49-F238E27FC236}">
+                <a16:creationId xmlns:a16="http://schemas.microsoft.com/office/drawing/2014/main" id="{167982B0-7AB4-4E87-B5F3-1A1141252B21}"/>
+              </a:ext>
+            </a:extLst>
+          </p:cNvPr>
+          <p:cNvPicPr>
+            <a:picLocks noChangeAspect="1"/>
+          </p:cNvPicPr>
+          <p:nvPr/>
+        </p:nvPicPr>
+        <p:blipFill>
+          <a:blip r:embed="rId2"/>
+          <a:stretch>
+            <a:fillRect/>
+          </a:stretch>
+        </p:blipFill>
+        <p:spPr>
+          <a:xfrm>
+            <a:off x="644801" y="1564894"/>
+            <a:ext cx="5268060" cy="4191585"/>
+          </a:xfrm>
+          <a:prstGeom prst="rect">
+            <a:avLst/>
+          </a:prstGeom>
+        </p:spPr>
+      </p:pic>
+      <p:pic>
+        <p:nvPicPr>
+          <p:cNvPr id="5" name="Picture 4">
+            <a:extLst>
+              <a:ext uri="{FF2B5EF4-FFF2-40B4-BE49-F238E27FC236}">
+                <a16:creationId xmlns:a16="http://schemas.microsoft.com/office/drawing/2014/main" id="{8F88E670-2D8F-4E5D-80C1-FD68F4B32D62}"/>
+              </a:ext>
+            </a:extLst>
+          </p:cNvPr>
+          <p:cNvPicPr>
+            <a:picLocks noChangeAspect="1"/>
+          </p:cNvPicPr>
+          <p:nvPr/>
+        </p:nvPicPr>
+        <p:blipFill>
+          <a:blip r:embed="rId3"/>
+          <a:stretch>
+            <a:fillRect/>
+          </a:stretch>
+        </p:blipFill>
+        <p:spPr>
+          <a:xfrm>
+            <a:off x="6659740" y="1564894"/>
+            <a:ext cx="4210638" cy="257211"/>
+          </a:xfrm>
+          <a:prstGeom prst="rect">
+            <a:avLst/>
+          </a:prstGeom>
+        </p:spPr>
+      </p:pic>
+      <p:sp>
+        <p:nvSpPr>
+          <p:cNvPr id="11" name="Title 1">
+            <a:extLst>
+              <a:ext uri="{FF2B5EF4-FFF2-40B4-BE49-F238E27FC236}">
+                <a16:creationId xmlns:a16="http://schemas.microsoft.com/office/drawing/2014/main" id="{FB762ECF-DAE8-4872-A8B5-4C2A744F4269}"/>
+              </a:ext>
+            </a:extLst>
+          </p:cNvPr>
+          <p:cNvSpPr txBox="1">
+            <a:spLocks/>
+          </p:cNvSpPr>
+          <p:nvPr/>
+        </p:nvSpPr>
+        <p:spPr>
+          <a:xfrm>
+            <a:off x="6659740" y="1171450"/>
+            <a:ext cx="1311239" cy="248321"/>
+          </a:xfrm>
+          <a:prstGeom prst="rect">
+            <a:avLst/>
+          </a:prstGeom>
+          <a:solidFill>
+            <a:schemeClr val="accent5">
+              <a:lumMod val="20000"/>
+              <a:lumOff val="80000"/>
+            </a:schemeClr>
+          </a:solidFill>
+        </p:spPr>
+        <p:txBody>
+          <a:bodyPr vert="horz" lIns="91440" tIns="45720" rIns="91440" bIns="45720" rtlCol="0" anchor="b">
+            <a:noAutofit/>
+          </a:bodyPr>
+          <a:lstStyle>
+            <a:lvl1pPr algn="l" defTabSz="914400" rtl="0" eaLnBrk="1" latinLnBrk="0" hangingPunct="1">
+              <a:lnSpc>
+                <a:spcPct val="90000"/>
+              </a:lnSpc>
+              <a:spcBef>
+                <a:spcPct val="0"/>
+              </a:spcBef>
+              <a:buNone/>
+              <a:defRPr sz="4000" b="0" kern="1200">
+                <a:solidFill>
+                  <a:schemeClr val="accent1"/>
+                </a:solidFill>
+                <a:latin typeface="+mj-lt"/>
+                <a:ea typeface="+mj-ea"/>
+                <a:cs typeface="+mj-cs"/>
+              </a:defRPr>
+            </a:lvl1pPr>
+          </a:lstStyle>
+          <a:p>
+            <a:r>
+              <a:rPr lang="fr-FR" sz="1200" dirty="0"/>
+              <a:t>Repository</a:t>
+            </a:r>
+          </a:p>
+        </p:txBody>
+      </p:sp>
+    </p:spTree>
+    <p:extLst>
+      <p:ext uri="{BB962C8B-B14F-4D97-AF65-F5344CB8AC3E}">
+        <p14:creationId xmlns:p14="http://schemas.microsoft.com/office/powerpoint/2010/main" val="3772550408"/>
+      </p:ext>
+    </p:extLst>
+  </p:cSld>
+  <p:clrMapOvr>
+    <a:masterClrMapping/>
+  </p:clrMapOvr>
+</p:sld>
+</file>
+
+<file path=ppt/slides/slide53.xml><?xml version="1.0" encoding="utf-8"?>
+<p:sld xmlns:a="http://schemas.openxmlformats.org/drawingml/2006/main" xmlns:r="http://schemas.openxmlformats.org/officeDocument/2006/relationships" xmlns:p="http://schemas.openxmlformats.org/presentationml/2006/main">
+  <p:cSld>
+    <p:spTree>
+      <p:nvGrpSpPr>
+        <p:cNvPr id="1" name=""/>
+        <p:cNvGrpSpPr/>
+        <p:nvPr/>
+      </p:nvGrpSpPr>
+      <p:grpSpPr>
+        <a:xfrm>
+          <a:off x="0" y="0"/>
+          <a:ext cx="0" cy="0"/>
+          <a:chOff x="0" y="0"/>
+          <a:chExt cx="0" cy="0"/>
+        </a:xfrm>
+      </p:grpSpPr>
+      <p:sp>
+        <p:nvSpPr>
+          <p:cNvPr id="6" name="Title 5">
+            <a:extLst>
+              <a:ext uri="{FF2B5EF4-FFF2-40B4-BE49-F238E27FC236}">
+                <a16:creationId xmlns:a16="http://schemas.microsoft.com/office/drawing/2014/main" id="{DE6E8CC8-E3D3-49A0-8F7E-D06F5E89201C}"/>
+              </a:ext>
+            </a:extLst>
+          </p:cNvPr>
+          <p:cNvSpPr>
+            <a:spLocks noGrp="1"/>
+          </p:cNvSpPr>
+          <p:nvPr>
+            <p:ph type="title"/>
+          </p:nvPr>
+        </p:nvSpPr>
+        <p:spPr>
+          <a:xfrm>
+            <a:off x="525160" y="488784"/>
+            <a:ext cx="6320483" cy="514404"/>
+          </a:xfrm>
+        </p:spPr>
+        <p:txBody>
+          <a:bodyPr/>
+          <a:lstStyle/>
+          <a:p>
+            <a:r>
+              <a:rPr lang="fr-FR" dirty="0"/>
+              <a:t>Page </a:t>
+            </a:r>
+            <a:r>
+              <a:rPr lang="fr-FR" dirty="0" err="1"/>
+              <a:t>reinitialisation</a:t>
+            </a:r>
+            <a:r>
+              <a:rPr lang="fr-FR" dirty="0"/>
+              <a:t> </a:t>
+            </a:r>
+            <a:r>
+              <a:rPr lang="fr-FR" dirty="0" err="1"/>
+              <a:t>mdp</a:t>
+            </a:r>
+            <a:endParaRPr lang="fr-FR" dirty="0"/>
+          </a:p>
+        </p:txBody>
+      </p:sp>
+      <p:sp>
+        <p:nvSpPr>
+          <p:cNvPr id="5" name="Slide Number Placeholder 4">
+            <a:extLst>
+              <a:ext uri="{FF2B5EF4-FFF2-40B4-BE49-F238E27FC236}">
+                <a16:creationId xmlns:a16="http://schemas.microsoft.com/office/drawing/2014/main" id="{40360F2A-729E-43E7-BE3D-E865638F1C43}"/>
+              </a:ext>
+            </a:extLst>
+          </p:cNvPr>
+          <p:cNvSpPr>
+            <a:spLocks noGrp="1"/>
+          </p:cNvSpPr>
+          <p:nvPr>
+            <p:ph type="sldNum" sz="quarter" idx="12"/>
+          </p:nvPr>
+        </p:nvSpPr>
+        <p:spPr/>
+        <p:txBody>
+          <a:bodyPr/>
+          <a:lstStyle/>
+          <a:p>
+            <a:fld id="{C52ED629-2BC0-4D25-969E-9ED78B40D7C7}" type="slidenum">
+              <a:rPr lang="fr-FR" smtClean="0"/>
+              <a:t>53</a:t>
+            </a:fld>
+            <a:endParaRPr lang="fr-FR"/>
+          </a:p>
+        </p:txBody>
+      </p:sp>
+      <p:pic>
+        <p:nvPicPr>
+          <p:cNvPr id="4" name="Picture 3">
+            <a:extLst>
+              <a:ext uri="{FF2B5EF4-FFF2-40B4-BE49-F238E27FC236}">
+                <a16:creationId xmlns:a16="http://schemas.microsoft.com/office/drawing/2014/main" id="{7CD36705-9136-4705-B972-2F4A9D298E12}"/>
+              </a:ext>
+            </a:extLst>
+          </p:cNvPr>
+          <p:cNvPicPr>
+            <a:picLocks noChangeAspect="1"/>
+          </p:cNvPicPr>
+          <p:nvPr/>
+        </p:nvPicPr>
+        <p:blipFill>
+          <a:blip r:embed="rId2"/>
+          <a:stretch>
+            <a:fillRect/>
+          </a:stretch>
+        </p:blipFill>
+        <p:spPr>
+          <a:xfrm>
+            <a:off x="4545226" y="1916588"/>
+            <a:ext cx="3577284" cy="2808435"/>
+          </a:xfrm>
+          <a:prstGeom prst="rect">
+            <a:avLst/>
+          </a:prstGeom>
+        </p:spPr>
+      </p:pic>
+      <p:pic>
+        <p:nvPicPr>
+          <p:cNvPr id="7" name="Picture 6">
+            <a:extLst>
+              <a:ext uri="{FF2B5EF4-FFF2-40B4-BE49-F238E27FC236}">
+                <a16:creationId xmlns:a16="http://schemas.microsoft.com/office/drawing/2014/main" id="{FF948320-A5E8-4911-A916-D1175ED76F87}"/>
+              </a:ext>
+            </a:extLst>
+          </p:cNvPr>
+          <p:cNvPicPr>
+            <a:picLocks noChangeAspect="1"/>
+          </p:cNvPicPr>
+          <p:nvPr/>
+        </p:nvPicPr>
+        <p:blipFill>
+          <a:blip r:embed="rId3"/>
+          <a:stretch>
+            <a:fillRect/>
+          </a:stretch>
+        </p:blipFill>
+        <p:spPr>
+          <a:xfrm>
+            <a:off x="601861" y="1916588"/>
+            <a:ext cx="3653985" cy="2808435"/>
+          </a:xfrm>
+          <a:prstGeom prst="rect">
+            <a:avLst/>
+          </a:prstGeom>
+        </p:spPr>
+      </p:pic>
+      <p:pic>
+        <p:nvPicPr>
+          <p:cNvPr id="8" name="Picture 7">
+            <a:extLst>
+              <a:ext uri="{FF2B5EF4-FFF2-40B4-BE49-F238E27FC236}">
+                <a16:creationId xmlns:a16="http://schemas.microsoft.com/office/drawing/2014/main" id="{DF1ACC65-190C-4533-9FAA-E9FCD88D4FDA}"/>
+              </a:ext>
+            </a:extLst>
+          </p:cNvPr>
+          <p:cNvPicPr>
+            <a:picLocks noChangeAspect="1"/>
+          </p:cNvPicPr>
+          <p:nvPr/>
+        </p:nvPicPr>
+        <p:blipFill>
+          <a:blip r:embed="rId4"/>
+          <a:stretch>
+            <a:fillRect/>
+          </a:stretch>
+        </p:blipFill>
+        <p:spPr>
+          <a:xfrm>
+            <a:off x="8575589" y="1913855"/>
+            <a:ext cx="2965700" cy="2867661"/>
+          </a:xfrm>
+          <a:prstGeom prst="rect">
+            <a:avLst/>
+          </a:prstGeom>
+        </p:spPr>
+      </p:pic>
+    </p:spTree>
+    <p:extLst>
+      <p:ext uri="{BB962C8B-B14F-4D97-AF65-F5344CB8AC3E}">
+        <p14:creationId xmlns:p14="http://schemas.microsoft.com/office/powerpoint/2010/main" val="1326007433"/>
+      </p:ext>
+    </p:extLst>
+  </p:cSld>
+  <p:clrMapOvr>
+    <a:masterClrMapping/>
+  </p:clrMapOvr>
+</p:sld>
+</file>
+
+<file path=ppt/slides/slide54.xml><?xml version="1.0" encoding="utf-8"?>
+<p:sld xmlns:a="http://schemas.openxmlformats.org/drawingml/2006/main" xmlns:r="http://schemas.openxmlformats.org/officeDocument/2006/relationships" xmlns:p="http://schemas.openxmlformats.org/presentationml/2006/main">
+  <p:cSld>
+    <p:spTree>
+      <p:nvGrpSpPr>
+        <p:cNvPr id="1" name=""/>
+        <p:cNvGrpSpPr/>
+        <p:nvPr/>
+      </p:nvGrpSpPr>
+      <p:grpSpPr>
+        <a:xfrm>
+          <a:off x="0" y="0"/>
+          <a:ext cx="0" cy="0"/>
+          <a:chOff x="0" y="0"/>
+          <a:chExt cx="0" cy="0"/>
+        </a:xfrm>
+      </p:grpSpPr>
+      <p:sp>
+        <p:nvSpPr>
+          <p:cNvPr id="3" name="Title 2">
+            <a:extLst>
+              <a:ext uri="{FF2B5EF4-FFF2-40B4-BE49-F238E27FC236}">
+                <a16:creationId xmlns:a16="http://schemas.microsoft.com/office/drawing/2014/main" id="{3C4AB454-D70A-4CD2-A386-387CA35C6C9C}"/>
+              </a:ext>
+            </a:extLst>
+          </p:cNvPr>
+          <p:cNvSpPr>
+            <a:spLocks noGrp="1"/>
+          </p:cNvSpPr>
+          <p:nvPr>
+            <p:ph type="title"/>
+          </p:nvPr>
+        </p:nvSpPr>
+        <p:spPr>
+          <a:xfrm>
+            <a:off x="1009650" y="1031266"/>
+            <a:ext cx="3931920" cy="1398270"/>
+          </a:xfrm>
+        </p:spPr>
+        <p:txBody>
+          <a:bodyPr/>
+          <a:lstStyle/>
+          <a:p>
+            <a:r>
+              <a:rPr lang="fr-FR" sz="3200" dirty="0"/>
+              <a:t>Les tâches de fonds périodiques</a:t>
+            </a:r>
+          </a:p>
+        </p:txBody>
+      </p:sp>
+      <p:sp>
+        <p:nvSpPr>
+          <p:cNvPr id="5" name="Text Placeholder 4">
+            <a:extLst>
+              <a:ext uri="{FF2B5EF4-FFF2-40B4-BE49-F238E27FC236}">
+                <a16:creationId xmlns:a16="http://schemas.microsoft.com/office/drawing/2014/main" id="{79B0202E-6205-4F11-A66A-033E40E42508}"/>
+              </a:ext>
+            </a:extLst>
+          </p:cNvPr>
+          <p:cNvSpPr>
+            <a:spLocks noGrp="1"/>
+          </p:cNvSpPr>
+          <p:nvPr>
+            <p:ph type="body" sz="half" idx="2"/>
+          </p:nvPr>
+        </p:nvSpPr>
+        <p:spPr>
+          <a:xfrm>
+            <a:off x="1038224" y="2675144"/>
+            <a:ext cx="3865246" cy="3374777"/>
+          </a:xfrm>
+        </p:spPr>
+        <p:txBody>
+          <a:bodyPr>
+            <a:noAutofit/>
+          </a:bodyPr>
+          <a:lstStyle/>
+          <a:p>
+            <a:pPr algn="just"/>
+            <a:r>
+              <a:rPr lang="fr-FR" dirty="0" err="1"/>
+              <a:t>com.example.task</a:t>
+            </a:r>
+            <a:endParaRPr lang="fr-FR" dirty="0"/>
+          </a:p>
+          <a:p>
+            <a:pPr algn="just"/>
+            <a:r>
+              <a:rPr lang="fr-FR" sz="1600" dirty="0"/>
+              <a:t>Tâches de fonds périodiques</a:t>
+            </a:r>
+            <a:r>
+              <a:rPr lang="fr-FR" sz="1600" dirty="0">
+                <a:solidFill>
+                  <a:srgbClr val="4A66AC"/>
+                </a:solidFill>
+              </a:rPr>
+              <a:t> qui s’exécutent dans le fonds à intervalle régulière </a:t>
+            </a:r>
+          </a:p>
+          <a:p>
+            <a:pPr algn="just"/>
+            <a:r>
+              <a:rPr lang="fr-FR" dirty="0">
+                <a:solidFill>
+                  <a:srgbClr val="4A66AC"/>
+                </a:solidFill>
+              </a:rPr>
+              <a:t>Les tâches sont exécutées de 8 à 10 heures, une fois par jour.</a:t>
+            </a:r>
+          </a:p>
+          <a:p>
+            <a:pPr algn="just"/>
+            <a:r>
+              <a:rPr lang="fr-FR" dirty="0">
+                <a:solidFill>
+                  <a:srgbClr val="4A66AC"/>
+                </a:solidFill>
+              </a:rPr>
+              <a:t>La première tâche supprime les jetons expirés de la base de données, les deuxième et troisième tâches suppriment les fichiers stockés dans le système de fichiers qui ne sont plus référencés par la base de données.</a:t>
+            </a:r>
+            <a:endParaRPr lang="fr-FR" dirty="0"/>
+          </a:p>
+        </p:txBody>
+      </p:sp>
+      <p:sp>
+        <p:nvSpPr>
+          <p:cNvPr id="2" name="Slide Number Placeholder 1">
+            <a:extLst>
+              <a:ext uri="{FF2B5EF4-FFF2-40B4-BE49-F238E27FC236}">
+                <a16:creationId xmlns:a16="http://schemas.microsoft.com/office/drawing/2014/main" id="{8D70FDCB-5278-4CF3-8A2A-ACB5F9ED2E45}"/>
+              </a:ext>
+            </a:extLst>
+          </p:cNvPr>
+          <p:cNvSpPr>
+            <a:spLocks noGrp="1"/>
+          </p:cNvSpPr>
+          <p:nvPr>
+            <p:ph type="sldNum" sz="quarter" idx="12"/>
+          </p:nvPr>
+        </p:nvSpPr>
+        <p:spPr/>
+        <p:txBody>
+          <a:bodyPr/>
+          <a:lstStyle/>
+          <a:p>
+            <a:fld id="{C52ED629-2BC0-4D25-969E-9ED78B40D7C7}" type="slidenum">
+              <a:rPr lang="fr-FR" smtClean="0"/>
+              <a:t>54</a:t>
+            </a:fld>
+            <a:endParaRPr lang="fr-FR"/>
+          </a:p>
+        </p:txBody>
+      </p:sp>
+      <p:pic>
+        <p:nvPicPr>
+          <p:cNvPr id="7" name="Picture 6">
+            <a:extLst>
+              <a:ext uri="{FF2B5EF4-FFF2-40B4-BE49-F238E27FC236}">
+                <a16:creationId xmlns:a16="http://schemas.microsoft.com/office/drawing/2014/main" id="{99AF1949-C16D-4A6A-9A4F-1FE91485D0AB}"/>
+              </a:ext>
+            </a:extLst>
+          </p:cNvPr>
+          <p:cNvPicPr>
+            <a:picLocks noChangeAspect="1"/>
+          </p:cNvPicPr>
+          <p:nvPr/>
+        </p:nvPicPr>
+        <p:blipFill>
+          <a:blip r:embed="rId2"/>
+          <a:stretch>
+            <a:fillRect/>
+          </a:stretch>
+        </p:blipFill>
+        <p:spPr>
+          <a:xfrm>
+            <a:off x="6096000" y="2378493"/>
+            <a:ext cx="5221218" cy="3671428"/>
+          </a:xfrm>
+          <a:prstGeom prst="rect">
+            <a:avLst/>
+          </a:prstGeom>
+        </p:spPr>
+      </p:pic>
+      <p:pic>
+        <p:nvPicPr>
+          <p:cNvPr id="8" name="Picture 7">
+            <a:extLst>
+              <a:ext uri="{FF2B5EF4-FFF2-40B4-BE49-F238E27FC236}">
+                <a16:creationId xmlns:a16="http://schemas.microsoft.com/office/drawing/2014/main" id="{9046DEA8-06EE-4C04-B741-7B004F5E1B21}"/>
+              </a:ext>
+            </a:extLst>
+          </p:cNvPr>
+          <p:cNvPicPr>
+            <a:picLocks noChangeAspect="1"/>
+          </p:cNvPicPr>
+          <p:nvPr/>
+        </p:nvPicPr>
+        <p:blipFill>
+          <a:blip r:embed="rId3"/>
+          <a:stretch>
+            <a:fillRect/>
+          </a:stretch>
+        </p:blipFill>
+        <p:spPr>
+          <a:xfrm>
+            <a:off x="6096000" y="1031266"/>
+            <a:ext cx="3810532" cy="943107"/>
+          </a:xfrm>
+          <a:prstGeom prst="rect">
+            <a:avLst/>
+          </a:prstGeom>
+        </p:spPr>
+      </p:pic>
+    </p:spTree>
+    <p:extLst>
+      <p:ext uri="{BB962C8B-B14F-4D97-AF65-F5344CB8AC3E}">
+        <p14:creationId xmlns:p14="http://schemas.microsoft.com/office/powerpoint/2010/main" val="3290733965"/>
+      </p:ext>
+    </p:extLst>
+  </p:cSld>
+  <p:clrMapOvr>
+    <a:masterClrMapping/>
+  </p:clrMapOvr>
+</p:sld>
+</file>
+
+<file path=ppt/slides/slide55.xml><?xml version="1.0" encoding="utf-8"?>
+<p:sld xmlns:a="http://schemas.openxmlformats.org/drawingml/2006/main" xmlns:r="http://schemas.openxmlformats.org/officeDocument/2006/relationships" xmlns:p="http://schemas.openxmlformats.org/presentationml/2006/main">
+  <p:cSld>
+    <p:spTree>
+      <p:nvGrpSpPr>
+        <p:cNvPr id="1" name=""/>
+        <p:cNvGrpSpPr/>
+        <p:nvPr/>
+      </p:nvGrpSpPr>
+      <p:grpSpPr>
+        <a:xfrm>
+          <a:off x="0" y="0"/>
+          <a:ext cx="0" cy="0"/>
+          <a:chOff x="0" y="0"/>
+          <a:chExt cx="0" cy="0"/>
+        </a:xfrm>
+      </p:grpSpPr>
+      <p:sp>
+        <p:nvSpPr>
+          <p:cNvPr id="2" name="Title 1">
+            <a:extLst>
+              <a:ext uri="{FF2B5EF4-FFF2-40B4-BE49-F238E27FC236}">
+                <a16:creationId xmlns:a16="http://schemas.microsoft.com/office/drawing/2014/main" id="{2D9BE37F-9AF0-44C0-886D-14D92A5E9052}"/>
+              </a:ext>
+            </a:extLst>
+          </p:cNvPr>
+          <p:cNvSpPr>
+            <a:spLocks noGrp="1"/>
+          </p:cNvSpPr>
+          <p:nvPr>
+            <p:ph type="title"/>
+          </p:nvPr>
+        </p:nvSpPr>
+        <p:spPr>
+          <a:xfrm>
+            <a:off x="1143000" y="609600"/>
+            <a:ext cx="9875520" cy="704850"/>
+          </a:xfrm>
+        </p:spPr>
+        <p:txBody>
+          <a:bodyPr/>
+          <a:lstStyle/>
+          <a:p>
+            <a:r>
+              <a:rPr lang="fr-FR" dirty="0"/>
+              <a:t>Conclusion</a:t>
+            </a:r>
+          </a:p>
+        </p:txBody>
+      </p:sp>
+      <p:sp>
+        <p:nvSpPr>
+          <p:cNvPr id="3" name="Content Placeholder 2">
+            <a:extLst>
+              <a:ext uri="{FF2B5EF4-FFF2-40B4-BE49-F238E27FC236}">
+                <a16:creationId xmlns:a16="http://schemas.microsoft.com/office/drawing/2014/main" id="{CE097B3D-BE10-49DA-8991-C23783BC9299}"/>
+              </a:ext>
+            </a:extLst>
+          </p:cNvPr>
+          <p:cNvSpPr>
+            <a:spLocks noGrp="1"/>
+          </p:cNvSpPr>
+          <p:nvPr>
+            <p:ph idx="1"/>
+          </p:nvPr>
+        </p:nvSpPr>
+        <p:spPr>
+          <a:xfrm>
+            <a:off x="1143000" y="1457325"/>
+            <a:ext cx="9872871" cy="4638675"/>
+          </a:xfrm>
+        </p:spPr>
+        <p:txBody>
+          <a:bodyPr>
+            <a:normAutofit/>
+          </a:bodyPr>
+          <a:lstStyle/>
+          <a:p>
+            <a:pPr marL="45720" indent="0" algn="just">
+              <a:buNone/>
+            </a:pPr>
+            <a:r>
+              <a:rPr lang="fr-FR" sz="1600" dirty="0"/>
+              <a:t>Le développement de cette application n'a pas été une tâche facile. Il m'a fallu des heures pour lire la documentation et essayer différentes solutions à partir de stack </a:t>
+            </a:r>
+            <a:r>
+              <a:rPr lang="fr-FR" sz="1600" dirty="0" err="1"/>
+              <a:t>overflow</a:t>
+            </a:r>
+            <a:r>
+              <a:rPr lang="fr-FR" sz="1600" dirty="0"/>
+              <a:t> pour résoudre les problèmes que j'ai rencontrés lors du développement de cette application. Il y a encore beaucoup de travail à faire, et il faut plus d'une personne pour la développer afin de concurrencer les autres services similaires. </a:t>
+            </a:r>
+          </a:p>
+          <a:p>
+            <a:pPr marL="45720" indent="0" algn="just">
+              <a:buNone/>
+            </a:pPr>
+            <a:r>
+              <a:rPr lang="fr-FR" sz="1600" dirty="0"/>
+              <a:t>Compte tenu du temps que j'ai passé à la développer, il me reste à faire ce qui suit :</a:t>
+            </a:r>
+            <a:endParaRPr lang="en-US" sz="1600" dirty="0"/>
+          </a:p>
+          <a:p>
+            <a:pPr marL="45720" indent="0" algn="just">
+              <a:buNone/>
+            </a:pPr>
+            <a:r>
+              <a:rPr lang="fr-FR" dirty="0"/>
+              <a:t>* </a:t>
+            </a:r>
+            <a:r>
+              <a:rPr lang="fr-FR" sz="1600" dirty="0"/>
+              <a:t>Finir de travailler sur le backend (faire en sorte que la plupart des méthodes fonctionnent de manière asynchrone, je ne suis pas capable pour le moment, car j'ai des problèmes pour passer l'objet d'authentification actuel au fil où le futur complet est exécuté(peut-être un bug que je ne connais pas).</a:t>
+            </a:r>
+            <a:endParaRPr lang="en-US" sz="1600" dirty="0"/>
+          </a:p>
+          <a:p>
+            <a:pPr marL="45720" indent="0" algn="just">
+              <a:buNone/>
+            </a:pPr>
+            <a:r>
+              <a:rPr lang="en-US" sz="1600" dirty="0"/>
+              <a:t>* </a:t>
+            </a:r>
+            <a:r>
+              <a:rPr lang="fr-FR" sz="1600" dirty="0"/>
+              <a:t>Nettoyage du code frontal, suppression des </a:t>
+            </a:r>
+            <a:r>
+              <a:rPr lang="fr-FR" sz="1600" dirty="0" err="1"/>
+              <a:t>css</a:t>
+            </a:r>
+            <a:r>
+              <a:rPr lang="fr-FR" sz="1600" dirty="0"/>
+              <a:t> dupliqués.</a:t>
+            </a:r>
+          </a:p>
+          <a:p>
+            <a:pPr marL="45720" indent="0" algn="just">
+              <a:buNone/>
+            </a:pPr>
+            <a:r>
+              <a:rPr lang="fr-FR" sz="1600" dirty="0"/>
+              <a:t>* Déplacer les composants vers des modules autonomes et retravailler la logique de routage.</a:t>
+            </a:r>
+            <a:endParaRPr lang="fr-FR" sz="1600" b="1" dirty="0"/>
+          </a:p>
+        </p:txBody>
+      </p:sp>
+      <p:sp>
+        <p:nvSpPr>
+          <p:cNvPr id="4" name="Slide Number Placeholder 3">
+            <a:extLst>
+              <a:ext uri="{FF2B5EF4-FFF2-40B4-BE49-F238E27FC236}">
+                <a16:creationId xmlns:a16="http://schemas.microsoft.com/office/drawing/2014/main" id="{E2D53EDA-94B6-4BC2-9CF2-C2CE6F0E0F88}"/>
+              </a:ext>
+            </a:extLst>
+          </p:cNvPr>
+          <p:cNvSpPr>
+            <a:spLocks noGrp="1"/>
+          </p:cNvSpPr>
+          <p:nvPr>
+            <p:ph type="sldNum" sz="quarter" idx="12"/>
+          </p:nvPr>
+        </p:nvSpPr>
+        <p:spPr/>
+        <p:txBody>
+          <a:bodyPr/>
+          <a:lstStyle/>
+          <a:p>
+            <a:fld id="{C52ED629-2BC0-4D25-969E-9ED78B40D7C7}" type="slidenum">
+              <a:rPr lang="fr-FR" smtClean="0"/>
+              <a:t>55</a:t>
+            </a:fld>
+            <a:endParaRPr lang="fr-FR"/>
+          </a:p>
+        </p:txBody>
+      </p:sp>
+    </p:spTree>
+    <p:extLst>
+      <p:ext uri="{BB962C8B-B14F-4D97-AF65-F5344CB8AC3E}">
+        <p14:creationId xmlns:p14="http://schemas.microsoft.com/office/powerpoint/2010/main" val="898043026"/>
       </p:ext>
     </p:extLst>
   </p:cSld>
@@ -18531,6 +20217,21 @@
 </file>
 
 <file path=customXml/item1.xml><?xml version="1.0" encoding="utf-8"?>
+<?mso-contentType ?>
+<FormTemplates xmlns="http://schemas.microsoft.com/sharepoint/v3/contenttype/forms">
+  <Display>DocumentLibraryForm</Display>
+  <Edit>DocumentLibraryForm</Edit>
+  <New>DocumentLibraryForm</New>
+</FormTemplates>
+</file>
+
+<file path=customXml/item2.xml><?xml version="1.0" encoding="utf-8"?>
+<p:properties xmlns:p="http://schemas.microsoft.com/office/2006/metadata/properties" xmlns:xsi="http://www.w3.org/2001/XMLSchema-instance" xmlns:pc="http://schemas.microsoft.com/office/infopath/2007/PartnerControls">
+  <documentManagement/>
+</p:properties>
+</file>
+
+<file path=customXml/item3.xml><?xml version="1.0" encoding="utf-8"?>
 <ct:contentTypeSchema xmlns:ct="http://schemas.microsoft.com/office/2006/metadata/contentType" xmlns:ma="http://schemas.microsoft.com/office/2006/metadata/properties/metaAttributes" ct:_="" ma:_="" ma:contentTypeName="Document" ma:contentTypeID="0x010100CA2FD6F1506F564BB79A97F9C245AD34" ma:contentTypeVersion="11" ma:contentTypeDescription="Create a new document." ma:contentTypeScope="" ma:versionID="62e164dc57e6337fb0bd5548eaf0c6d8">
   <xsd:schema xmlns:xsd="http://www.w3.org/2001/XMLSchema" xmlns:xs="http://www.w3.org/2001/XMLSchema" xmlns:p="http://schemas.microsoft.com/office/2006/metadata/properties" xmlns:ns3="386f4720-9db4-4950-8ffd-cd1ef4b846d5" xmlns:ns4="025efd7d-4e1d-49ec-b269-b81537660960" targetNamespace="http://schemas.microsoft.com/office/2006/metadata/properties" ma:root="true" ma:fieldsID="2653329da7d3ee0d0965a72fb4ee83ab" ns3:_="" ns4:_="">
     <xsd:import namespace="386f4720-9db4-4950-8ffd-cd1ef4b846d5"/>
@@ -18739,22 +20440,32 @@
 </ct:contentTypeSchema>
 </file>
 
-<file path=customXml/item2.xml><?xml version="1.0" encoding="utf-8"?>
-<?mso-contentType ?>
-<FormTemplates xmlns="http://schemas.microsoft.com/sharepoint/v3/contenttype/forms">
-  <Display>DocumentLibraryForm</Display>
-  <Edit>DocumentLibraryForm</Edit>
-  <New>DocumentLibraryForm</New>
-</FormTemplates>
+<file path=customXml/itemProps1.xml><?xml version="1.0" encoding="utf-8"?>
+<ds:datastoreItem xmlns:ds="http://schemas.openxmlformats.org/officeDocument/2006/customXml" ds:itemID="{FA2ECFDE-CCCD-4184-981F-FCB1A88E5D9B}">
+  <ds:schemaRefs>
+    <ds:schemaRef ds:uri="http://schemas.microsoft.com/sharepoint/v3/contenttype/forms"/>
+  </ds:schemaRefs>
+</ds:datastoreItem>
 </file>
 
-<file path=customXml/item3.xml><?xml version="1.0" encoding="utf-8"?>
-<p:properties xmlns:p="http://schemas.microsoft.com/office/2006/metadata/properties" xmlns:xsi="http://www.w3.org/2001/XMLSchema-instance" xmlns:pc="http://schemas.microsoft.com/office/infopath/2007/PartnerControls">
-  <documentManagement/>
-</p:properties>
+<file path=customXml/itemProps2.xml><?xml version="1.0" encoding="utf-8"?>
+<ds:datastoreItem xmlns:ds="http://schemas.openxmlformats.org/officeDocument/2006/customXml" ds:itemID="{F277AA4F-207B-4045-A452-6C98BA7AB2BD}">
+  <ds:schemaRefs>
+    <ds:schemaRef ds:uri="386f4720-9db4-4950-8ffd-cd1ef4b846d5"/>
+    <ds:schemaRef ds:uri="025efd7d-4e1d-49ec-b269-b81537660960"/>
+    <ds:schemaRef ds:uri="http://schemas.openxmlformats.org/package/2006/metadata/core-properties"/>
+    <ds:schemaRef ds:uri="http://www.w3.org/XML/1998/namespace"/>
+    <ds:schemaRef ds:uri="http://purl.org/dc/terms/"/>
+    <ds:schemaRef ds:uri="http://purl.org/dc/elements/1.1/"/>
+    <ds:schemaRef ds:uri="http://purl.org/dc/dcmitype/"/>
+    <ds:schemaRef ds:uri="http://schemas.microsoft.com/office/2006/documentManagement/types"/>
+    <ds:schemaRef ds:uri="http://schemas.microsoft.com/office/infopath/2007/PartnerControls"/>
+    <ds:schemaRef ds:uri="http://schemas.microsoft.com/office/2006/metadata/properties"/>
+  </ds:schemaRefs>
+</ds:datastoreItem>
 </file>
 
-<file path=customXml/itemProps1.xml><?xml version="1.0" encoding="utf-8"?>
+<file path=customXml/itemProps3.xml><?xml version="1.0" encoding="utf-8"?>
 <ds:datastoreItem xmlns:ds="http://schemas.openxmlformats.org/officeDocument/2006/customXml" ds:itemID="{92BA7C88-2CFC-403E-9565-3952D53463F0}">
   <ds:schemaRefs>
     <ds:schemaRef ds:uri="http://schemas.microsoft.com/office/2006/metadata/contentType"/>
@@ -18771,29 +20482,4 @@
     <ds:schemaRef ds:uri="http://schemas.microsoft.com/internal/obd"/>
   </ds:schemaRefs>
 </ds:datastoreItem>
-</file>
-
-<file path=customXml/itemProps2.xml><?xml version="1.0" encoding="utf-8"?>
-<ds:datastoreItem xmlns:ds="http://schemas.openxmlformats.org/officeDocument/2006/customXml" ds:itemID="{FA2ECFDE-CCCD-4184-981F-FCB1A88E5D9B}">
-  <ds:schemaRefs>
-    <ds:schemaRef ds:uri="http://schemas.microsoft.com/sharepoint/v3/contenttype/forms"/>
-  </ds:schemaRefs>
-</ds:datastoreItem>
-</file>
-
-<file path=customXml/itemProps3.xml><?xml version="1.0" encoding="utf-8"?>
-<ds:datastoreItem xmlns:ds="http://schemas.openxmlformats.org/officeDocument/2006/customXml" ds:itemID="{F277AA4F-207B-4045-A452-6C98BA7AB2BD}">
-  <ds:schemaRefs>
-    <ds:schemaRef ds:uri="386f4720-9db4-4950-8ffd-cd1ef4b846d5"/>
-    <ds:schemaRef ds:uri="025efd7d-4e1d-49ec-b269-b81537660960"/>
-    <ds:schemaRef ds:uri="http://schemas.openxmlformats.org/package/2006/metadata/core-properties"/>
-    <ds:schemaRef ds:uri="http://www.w3.org/XML/1998/namespace"/>
-    <ds:schemaRef ds:uri="http://purl.org/dc/terms/"/>
-    <ds:schemaRef ds:uri="http://purl.org/dc/elements/1.1/"/>
-    <ds:schemaRef ds:uri="http://purl.org/dc/dcmitype/"/>
-    <ds:schemaRef ds:uri="http://schemas.microsoft.com/office/2006/documentManagement/types"/>
-    <ds:schemaRef ds:uri="http://schemas.microsoft.com/office/infopath/2007/PartnerControls"/>
-    <ds:schemaRef ds:uri="http://schemas.microsoft.com/office/2006/metadata/properties"/>
-  </ds:schemaRefs>
-</ds:datastoreItem>
 </file>